--- a/tex/figures/Induction/Figures.pptx
+++ b/tex/figures/Induction/Figures.pptx
@@ -5,7 +5,7 @@
     <p:sldMasterId id="2147483648" r:id="rId1"/>
   </p:sldMasterIdLst>
   <p:notesMasterIdLst>
-    <p:notesMasterId r:id="rId9"/>
+    <p:notesMasterId r:id="rId10"/>
   </p:notesMasterIdLst>
   <p:sldIdLst>
     <p:sldId id="271" r:id="rId2"/>
@@ -15,6 +15,7 @@
     <p:sldId id="301" r:id="rId6"/>
     <p:sldId id="302" r:id="rId7"/>
     <p:sldId id="303" r:id="rId8"/>
+    <p:sldId id="305" r:id="rId9"/>
   </p:sldIdLst>
   <p:sldSz cx="12192000" cy="6858000"/>
   <p:notesSz cx="6858000" cy="9144000"/>
@@ -203,7 +204,7 @@
           <a:p>
             <a:fld id="{FA15A6B2-55AC-CD4B-A1E6-BB01091FE9DC}" type="datetimeFigureOut">
               <a:rPr lang="en-US" smtClean="0"/>
-              <a:t>7/30/2019</a:t>
+              <a:t>7/31/2019</a:t>
             </a:fld>
             <a:endParaRPr lang="en-US"/>
           </a:p>
@@ -499,8 +500,8 @@
         </p:nvSpPr>
         <p:spPr/>
       </p:sp>
-      <mc:AlternateContent xmlns:mc="http://schemas.openxmlformats.org/markup-compatibility/2006">
-        <mc:Choice xmlns:a14="http://schemas.microsoft.com/office/drawing/2010/main" Requires="a14">
+      <mc:AlternateContent xmlns:mc="http://schemas.openxmlformats.org/markup-compatibility/2006" xmlns:a14="http://schemas.microsoft.com/office/drawing/2010/main">
+        <mc:Choice Requires="a14">
           <p:sp>
             <p:nvSpPr>
               <p:cNvPr id="3" name="Notes Placeholder 2"/>
@@ -516,6 +517,7 @@
               <a:bodyPr/>
               <a:lstStyle/>
               <a:p>
+                <a:pPr/>
                 <a14:m>
                   <m:oMathPara xmlns:m="http://schemas.openxmlformats.org/officeDocument/2006/math">
                     <m:oMathParaPr>
@@ -536,7 +538,7 @@
             </p:txBody>
           </p:sp>
         </mc:Choice>
-        <mc:Fallback>
+        <mc:Fallback xmlns="">
           <p:sp>
             <p:nvSpPr>
               <p:cNvPr id="3" name="Notes Placeholder 2"/>
@@ -731,7 +733,7 @@
           <a:p>
             <a:fld id="{F7249F8D-641B-4CAF-BAE5-10524742F6F1}" type="datetimeFigureOut">
               <a:rPr lang="en-CA" smtClean="0"/>
-              <a:t>2019-07-30</a:t>
+              <a:t>2019-07-31</a:t>
             </a:fld>
             <a:endParaRPr lang="en-CA"/>
           </a:p>
@@ -901,7 +903,7 @@
           <a:p>
             <a:fld id="{F7249F8D-641B-4CAF-BAE5-10524742F6F1}" type="datetimeFigureOut">
               <a:rPr lang="en-CA" smtClean="0"/>
-              <a:t>2019-07-30</a:t>
+              <a:t>2019-07-31</a:t>
             </a:fld>
             <a:endParaRPr lang="en-CA"/>
           </a:p>
@@ -1081,7 +1083,7 @@
           <a:p>
             <a:fld id="{F7249F8D-641B-4CAF-BAE5-10524742F6F1}" type="datetimeFigureOut">
               <a:rPr lang="en-CA" smtClean="0"/>
-              <a:t>2019-07-30</a:t>
+              <a:t>2019-07-31</a:t>
             </a:fld>
             <a:endParaRPr lang="en-CA"/>
           </a:p>
@@ -1251,7 +1253,7 @@
           <a:p>
             <a:fld id="{F7249F8D-641B-4CAF-BAE5-10524742F6F1}" type="datetimeFigureOut">
               <a:rPr lang="en-CA" smtClean="0"/>
-              <a:t>2019-07-30</a:t>
+              <a:t>2019-07-31</a:t>
             </a:fld>
             <a:endParaRPr lang="en-CA"/>
           </a:p>
@@ -1497,7 +1499,7 @@
           <a:p>
             <a:fld id="{F7249F8D-641B-4CAF-BAE5-10524742F6F1}" type="datetimeFigureOut">
               <a:rPr lang="en-CA" smtClean="0"/>
-              <a:t>2019-07-30</a:t>
+              <a:t>2019-07-31</a:t>
             </a:fld>
             <a:endParaRPr lang="en-CA"/>
           </a:p>
@@ -1729,7 +1731,7 @@
           <a:p>
             <a:fld id="{F7249F8D-641B-4CAF-BAE5-10524742F6F1}" type="datetimeFigureOut">
               <a:rPr lang="en-CA" smtClean="0"/>
-              <a:t>2019-07-30</a:t>
+              <a:t>2019-07-31</a:t>
             </a:fld>
             <a:endParaRPr lang="en-CA"/>
           </a:p>
@@ -2096,7 +2098,7 @@
           <a:p>
             <a:fld id="{F7249F8D-641B-4CAF-BAE5-10524742F6F1}" type="datetimeFigureOut">
               <a:rPr lang="en-CA" smtClean="0"/>
-              <a:t>2019-07-30</a:t>
+              <a:t>2019-07-31</a:t>
             </a:fld>
             <a:endParaRPr lang="en-CA"/>
           </a:p>
@@ -2214,7 +2216,7 @@
           <a:p>
             <a:fld id="{F7249F8D-641B-4CAF-BAE5-10524742F6F1}" type="datetimeFigureOut">
               <a:rPr lang="en-CA" smtClean="0"/>
-              <a:t>2019-07-30</a:t>
+              <a:t>2019-07-31</a:t>
             </a:fld>
             <a:endParaRPr lang="en-CA"/>
           </a:p>
@@ -2309,7 +2311,7 @@
           <a:p>
             <a:fld id="{F7249F8D-641B-4CAF-BAE5-10524742F6F1}" type="datetimeFigureOut">
               <a:rPr lang="en-CA" smtClean="0"/>
-              <a:t>2019-07-30</a:t>
+              <a:t>2019-07-31</a:t>
             </a:fld>
             <a:endParaRPr lang="en-CA"/>
           </a:p>
@@ -2586,7 +2588,7 @@
           <a:p>
             <a:fld id="{F7249F8D-641B-4CAF-BAE5-10524742F6F1}" type="datetimeFigureOut">
               <a:rPr lang="en-CA" smtClean="0"/>
-              <a:t>2019-07-30</a:t>
+              <a:t>2019-07-31</a:t>
             </a:fld>
             <a:endParaRPr lang="en-CA"/>
           </a:p>
@@ -2839,7 +2841,7 @@
           <a:p>
             <a:fld id="{F7249F8D-641B-4CAF-BAE5-10524742F6F1}" type="datetimeFigureOut">
               <a:rPr lang="en-CA" smtClean="0"/>
-              <a:t>2019-07-30</a:t>
+              <a:t>2019-07-31</a:t>
             </a:fld>
             <a:endParaRPr lang="en-CA"/>
           </a:p>
@@ -3052,7 +3054,7 @@
           <a:p>
             <a:fld id="{F7249F8D-641B-4CAF-BAE5-10524742F6F1}" type="datetimeFigureOut">
               <a:rPr lang="en-CA" smtClean="0"/>
-              <a:t>2019-07-30</a:t>
+              <a:t>2019-07-31</a:t>
             </a:fld>
             <a:endParaRPr lang="en-CA"/>
           </a:p>
@@ -12227,8 +12229,8 @@
             </a:fontRef>
           </p:style>
         </p:cxnSp>
-        <mc:AlternateContent xmlns:mc="http://schemas.openxmlformats.org/markup-compatibility/2006">
-          <mc:Choice xmlns:a14="http://schemas.microsoft.com/office/drawing/2010/main" Requires="a14">
+        <mc:AlternateContent xmlns:mc="http://schemas.openxmlformats.org/markup-compatibility/2006" xmlns:a14="http://schemas.microsoft.com/office/drawing/2010/main">
+          <mc:Choice Requires="a14">
             <p:sp>
               <p:nvSpPr>
                 <p:cNvPr id="8" name="TextBox 7"/>
@@ -12251,6 +12253,7 @@
                 </a:bodyPr>
                 <a:lstStyle/>
                 <a:p>
+                  <a:pPr/>
                   <a14:m>
                     <m:oMathPara xmlns:m="http://schemas.openxmlformats.org/officeDocument/2006/math">
                       <m:oMathParaPr>
@@ -12275,7 +12278,7 @@
               </p:txBody>
             </p:sp>
           </mc:Choice>
-          <mc:Fallback>
+          <mc:Fallback xmlns="">
             <p:sp>
               <p:nvSpPr>
                 <p:cNvPr id="8" name="TextBox 7"/>
@@ -12314,8 +12317,8 @@
             </p:sp>
           </mc:Fallback>
         </mc:AlternateContent>
-        <mc:AlternateContent xmlns:mc="http://schemas.openxmlformats.org/markup-compatibility/2006">
-          <mc:Choice xmlns:a14="http://schemas.microsoft.com/office/drawing/2010/main" Requires="a14">
+        <mc:AlternateContent xmlns:mc="http://schemas.openxmlformats.org/markup-compatibility/2006" xmlns:a14="http://schemas.microsoft.com/office/drawing/2010/main">
+          <mc:Choice Requires="a14">
             <p:sp>
               <p:nvSpPr>
                 <p:cNvPr id="9" name="TextBox 8"/>
@@ -12338,6 +12341,7 @@
                 </a:bodyPr>
                 <a:lstStyle/>
                 <a:p>
+                  <a:pPr/>
                   <a14:m>
                     <m:oMathPara xmlns:m="http://schemas.openxmlformats.org/officeDocument/2006/math">
                       <m:oMathParaPr>
@@ -12362,7 +12366,7 @@
               </p:txBody>
             </p:sp>
           </mc:Choice>
-          <mc:Fallback>
+          <mc:Fallback xmlns="">
             <p:sp>
               <p:nvSpPr>
                 <p:cNvPr id="9" name="TextBox 8"/>
@@ -12401,8 +12405,8 @@
             </p:sp>
           </mc:Fallback>
         </mc:AlternateContent>
-        <mc:AlternateContent xmlns:mc="http://schemas.openxmlformats.org/markup-compatibility/2006">
-          <mc:Choice xmlns:a14="http://schemas.microsoft.com/office/drawing/2010/main" Requires="a14">
+        <mc:AlternateContent xmlns:mc="http://schemas.openxmlformats.org/markup-compatibility/2006" xmlns:a14="http://schemas.microsoft.com/office/drawing/2010/main">
+          <mc:Choice Requires="a14">
             <p:sp>
               <p:nvSpPr>
                 <p:cNvPr id="10" name="TextBox 9"/>
@@ -12425,6 +12429,7 @@
                 </a:bodyPr>
                 <a:lstStyle/>
                 <a:p>
+                  <a:pPr/>
                   <a14:m>
                     <m:oMathPara xmlns:m="http://schemas.openxmlformats.org/officeDocument/2006/math">
                       <m:oMathParaPr>
@@ -12449,7 +12454,7 @@
               </p:txBody>
             </p:sp>
           </mc:Choice>
-          <mc:Fallback>
+          <mc:Fallback xmlns="">
             <p:sp>
               <p:nvSpPr>
                 <p:cNvPr id="10" name="TextBox 9"/>
@@ -14085,8 +14090,8 @@
             </p:style>
           </p:cxnSp>
         </p:grpSp>
-        <mc:AlternateContent xmlns:mc="http://schemas.openxmlformats.org/markup-compatibility/2006">
-          <mc:Choice xmlns:a14="http://schemas.microsoft.com/office/drawing/2010/main" Requires="a14">
+        <mc:AlternateContent xmlns:mc="http://schemas.openxmlformats.org/markup-compatibility/2006" xmlns:a14="http://schemas.microsoft.com/office/drawing/2010/main">
+          <mc:Choice Requires="a14">
             <p:sp>
               <p:nvSpPr>
                 <p:cNvPr id="142" name="TextBox 141"/>
@@ -14109,6 +14114,7 @@
                 </a:bodyPr>
                 <a:lstStyle/>
                 <a:p>
+                  <a:pPr/>
                   <a14:m>
                     <m:oMathPara xmlns:m="http://schemas.openxmlformats.org/officeDocument/2006/math">
                       <m:oMathParaPr>
@@ -14155,7 +14161,7 @@
               </p:txBody>
             </p:sp>
           </mc:Choice>
-          <mc:Fallback>
+          <mc:Fallback xmlns="">
             <p:sp>
               <p:nvSpPr>
                 <p:cNvPr id="142" name="TextBox 141"/>
@@ -14194,8 +14200,8 @@
             </p:sp>
           </mc:Fallback>
         </mc:AlternateContent>
-        <mc:AlternateContent xmlns:mc="http://schemas.openxmlformats.org/markup-compatibility/2006">
-          <mc:Choice xmlns:a14="http://schemas.microsoft.com/office/drawing/2010/main" Requires="a14">
+        <mc:AlternateContent xmlns:mc="http://schemas.openxmlformats.org/markup-compatibility/2006" xmlns:a14="http://schemas.microsoft.com/office/drawing/2010/main">
+          <mc:Choice Requires="a14">
             <p:sp>
               <p:nvSpPr>
                 <p:cNvPr id="386" name="TextBox 385"/>
@@ -14218,6 +14224,7 @@
                 </a:bodyPr>
                 <a:lstStyle/>
                 <a:p>
+                  <a:pPr/>
                   <a14:m>
                     <m:oMathPara xmlns:m="http://schemas.openxmlformats.org/officeDocument/2006/math">
                       <m:oMathParaPr>
@@ -14264,7 +14271,7 @@
               </p:txBody>
             </p:sp>
           </mc:Choice>
-          <mc:Fallback>
+          <mc:Fallback xmlns="">
             <p:sp>
               <p:nvSpPr>
                 <p:cNvPr id="386" name="TextBox 385"/>
@@ -14388,8 +14395,8 @@
             </p:style>
           </p:cxnSp>
         </p:grpSp>
-        <mc:AlternateContent xmlns:mc="http://schemas.openxmlformats.org/markup-compatibility/2006">
-          <mc:Choice xmlns:a14="http://schemas.microsoft.com/office/drawing/2010/main" Requires="a14">
+        <mc:AlternateContent xmlns:mc="http://schemas.openxmlformats.org/markup-compatibility/2006" xmlns:a14="http://schemas.microsoft.com/office/drawing/2010/main">
+          <mc:Choice Requires="a14">
             <p:sp>
               <p:nvSpPr>
                 <p:cNvPr id="148" name="TextBox 147"/>
@@ -14412,6 +14419,7 @@
                 </a:bodyPr>
                 <a:lstStyle/>
                 <a:p>
+                  <a:pPr/>
                   <a14:m>
                     <m:oMathPara xmlns:m="http://schemas.openxmlformats.org/officeDocument/2006/math">
                       <m:oMathParaPr>
@@ -14446,7 +14454,7 @@
               </p:txBody>
             </p:sp>
           </mc:Choice>
-          <mc:Fallback>
+          <mc:Fallback xmlns="">
             <p:sp>
               <p:nvSpPr>
                 <p:cNvPr id="148" name="TextBox 147"/>
@@ -14485,8 +14493,8 @@
             </p:sp>
           </mc:Fallback>
         </mc:AlternateContent>
-        <mc:AlternateContent xmlns:mc="http://schemas.openxmlformats.org/markup-compatibility/2006">
-          <mc:Choice xmlns:a14="http://schemas.microsoft.com/office/drawing/2010/main" Requires="a14">
+        <mc:AlternateContent xmlns:mc="http://schemas.openxmlformats.org/markup-compatibility/2006" xmlns:a14="http://schemas.microsoft.com/office/drawing/2010/main">
+          <mc:Choice Requires="a14">
             <p:sp>
               <p:nvSpPr>
                 <p:cNvPr id="149" name="TextBox 148"/>
@@ -14509,6 +14517,7 @@
                 </a:bodyPr>
                 <a:lstStyle/>
                 <a:p>
+                  <a:pPr/>
                   <a14:m>
                     <m:oMathPara xmlns:m="http://schemas.openxmlformats.org/officeDocument/2006/math">
                       <m:oMathParaPr>
@@ -14533,7 +14542,7 @@
               </p:txBody>
             </p:sp>
           </mc:Choice>
-          <mc:Fallback>
+          <mc:Fallback xmlns="">
             <p:sp>
               <p:nvSpPr>
                 <p:cNvPr id="149" name="TextBox 148"/>
@@ -14742,8 +14751,8 @@
             </p:style>
           </p:cxnSp>
         </p:grpSp>
-        <mc:AlternateContent xmlns:mc="http://schemas.openxmlformats.org/markup-compatibility/2006">
-          <mc:Choice xmlns:a14="http://schemas.microsoft.com/office/drawing/2010/main" Requires="a14">
+        <mc:AlternateContent xmlns:mc="http://schemas.openxmlformats.org/markup-compatibility/2006" xmlns:a14="http://schemas.microsoft.com/office/drawing/2010/main">
+          <mc:Choice Requires="a14">
             <p:sp>
               <p:nvSpPr>
                 <p:cNvPr id="150" name="TextBox 149"/>
@@ -14766,6 +14775,7 @@
                 </a:bodyPr>
                 <a:lstStyle/>
                 <a:p>
+                  <a:pPr/>
                   <a14:m>
                     <m:oMathPara xmlns:m="http://schemas.openxmlformats.org/officeDocument/2006/math">
                       <m:oMathParaPr>
@@ -14790,7 +14800,7 @@
               </p:txBody>
             </p:sp>
           </mc:Choice>
-          <mc:Fallback>
+          <mc:Fallback xmlns="">
             <p:sp>
               <p:nvSpPr>
                 <p:cNvPr id="150" name="TextBox 149"/>
@@ -14917,8 +14927,8 @@
             </a:fontRef>
           </p:style>
         </p:cxnSp>
-        <mc:AlternateContent xmlns:mc="http://schemas.openxmlformats.org/markup-compatibility/2006">
-          <mc:Choice xmlns:a14="http://schemas.microsoft.com/office/drawing/2010/main" Requires="a14">
+        <mc:AlternateContent xmlns:mc="http://schemas.openxmlformats.org/markup-compatibility/2006" xmlns:a14="http://schemas.microsoft.com/office/drawing/2010/main">
+          <mc:Choice Requires="a14">
             <p:sp>
               <p:nvSpPr>
                 <p:cNvPr id="156" name="TextBox 155"/>
@@ -14941,6 +14951,7 @@
                 </a:bodyPr>
                 <a:lstStyle/>
                 <a:p>
+                  <a:pPr/>
                   <a14:m>
                     <m:oMathPara xmlns:m="http://schemas.openxmlformats.org/officeDocument/2006/math">
                       <m:oMathParaPr>
@@ -14985,7 +14996,7 @@
               </p:txBody>
             </p:sp>
           </mc:Choice>
-          <mc:Fallback>
+          <mc:Fallback xmlns="">
             <p:sp>
               <p:nvSpPr>
                 <p:cNvPr id="156" name="TextBox 155"/>
@@ -15112,8 +15123,8 @@
             </a:fontRef>
           </p:style>
         </p:cxnSp>
-        <mc:AlternateContent xmlns:mc="http://schemas.openxmlformats.org/markup-compatibility/2006">
-          <mc:Choice xmlns:a14="http://schemas.microsoft.com/office/drawing/2010/main" Requires="a14">
+        <mc:AlternateContent xmlns:mc="http://schemas.openxmlformats.org/markup-compatibility/2006" xmlns:a14="http://schemas.microsoft.com/office/drawing/2010/main">
+          <mc:Choice Requires="a14">
             <p:sp>
               <p:nvSpPr>
                 <p:cNvPr id="396" name="TextBox 395"/>
@@ -15136,6 +15147,7 @@
                 </a:bodyPr>
                 <a:lstStyle/>
                 <a:p>
+                  <a:pPr/>
                   <a14:m>
                     <m:oMathPara xmlns:m="http://schemas.openxmlformats.org/officeDocument/2006/math">
                       <m:oMathParaPr>
@@ -15180,7 +15192,7 @@
               </p:txBody>
             </p:sp>
           </mc:Choice>
-          <mc:Fallback>
+          <mc:Fallback xmlns="">
             <p:sp>
               <p:nvSpPr>
                 <p:cNvPr id="396" name="TextBox 395"/>
@@ -15255,8 +15267,8 @@
             </a:fontRef>
           </p:style>
         </p:cxnSp>
-        <mc:AlternateContent xmlns:mc="http://schemas.openxmlformats.org/markup-compatibility/2006">
-          <mc:Choice xmlns:a14="http://schemas.microsoft.com/office/drawing/2010/main" Requires="a14">
+        <mc:AlternateContent xmlns:mc="http://schemas.openxmlformats.org/markup-compatibility/2006" xmlns:a14="http://schemas.microsoft.com/office/drawing/2010/main">
+          <mc:Choice Requires="a14">
             <p:sp>
               <p:nvSpPr>
                 <p:cNvPr id="159" name="TextBox 158"/>
@@ -15279,6 +15291,7 @@
                 </a:bodyPr>
                 <a:lstStyle/>
                 <a:p>
+                  <a:pPr/>
                   <a14:m>
                     <m:oMathPara xmlns:m="http://schemas.openxmlformats.org/officeDocument/2006/math">
                       <m:oMathParaPr>
@@ -15317,7 +15330,7 @@
               </p:txBody>
             </p:sp>
           </mc:Choice>
-          <mc:Fallback>
+          <mc:Fallback xmlns="">
             <p:sp>
               <p:nvSpPr>
                 <p:cNvPr id="159" name="TextBox 158"/>
@@ -15356,8 +15369,8 @@
             </p:sp>
           </mc:Fallback>
         </mc:AlternateContent>
-        <mc:AlternateContent xmlns:mc="http://schemas.openxmlformats.org/markup-compatibility/2006">
-          <mc:Choice xmlns:a14="http://schemas.microsoft.com/office/drawing/2010/main" Requires="a14">
+        <mc:AlternateContent xmlns:mc="http://schemas.openxmlformats.org/markup-compatibility/2006" xmlns:a14="http://schemas.microsoft.com/office/drawing/2010/main">
+          <mc:Choice Requires="a14">
             <p:sp>
               <p:nvSpPr>
                 <p:cNvPr id="161" name="TextBox 160"/>
@@ -15380,6 +15393,7 @@
                 </a:bodyPr>
                 <a:lstStyle/>
                 <a:p>
+                  <a:pPr/>
                   <a14:m>
                     <m:oMathPara xmlns:m="http://schemas.openxmlformats.org/officeDocument/2006/math">
                       <m:oMathParaPr>
@@ -15404,7 +15418,7 @@
               </p:txBody>
             </p:sp>
           </mc:Choice>
-          <mc:Fallback>
+          <mc:Fallback xmlns="">
             <p:sp>
               <p:nvSpPr>
                 <p:cNvPr id="161" name="TextBox 160"/>
@@ -15443,8 +15457,8 @@
             </p:sp>
           </mc:Fallback>
         </mc:AlternateContent>
-        <mc:AlternateContent xmlns:mc="http://schemas.openxmlformats.org/markup-compatibility/2006">
-          <mc:Choice xmlns:a14="http://schemas.microsoft.com/office/drawing/2010/main" Requires="a14">
+        <mc:AlternateContent xmlns:mc="http://schemas.openxmlformats.org/markup-compatibility/2006" xmlns:a14="http://schemas.microsoft.com/office/drawing/2010/main">
+          <mc:Choice Requires="a14">
             <p:sp>
               <p:nvSpPr>
                 <p:cNvPr id="397" name="TextBox 396"/>
@@ -15467,6 +15481,7 @@
                 </a:bodyPr>
                 <a:lstStyle/>
                 <a:p>
+                  <a:pPr/>
                   <a14:m>
                     <m:oMathPara xmlns:m="http://schemas.openxmlformats.org/officeDocument/2006/math">
                       <m:oMathParaPr>
@@ -15491,7 +15506,7 @@
               </p:txBody>
             </p:sp>
           </mc:Choice>
-          <mc:Fallback>
+          <mc:Fallback xmlns="">
             <p:sp>
               <p:nvSpPr>
                 <p:cNvPr id="397" name="TextBox 396"/>
@@ -15566,8 +15581,8 @@
             </a:fontRef>
           </p:style>
         </p:cxnSp>
-        <mc:AlternateContent xmlns:mc="http://schemas.openxmlformats.org/markup-compatibility/2006">
-          <mc:Choice xmlns:a14="http://schemas.microsoft.com/office/drawing/2010/main" Requires="a14">
+        <mc:AlternateContent xmlns:mc="http://schemas.openxmlformats.org/markup-compatibility/2006" xmlns:a14="http://schemas.microsoft.com/office/drawing/2010/main">
+          <mc:Choice Requires="a14">
             <p:sp>
               <p:nvSpPr>
                 <p:cNvPr id="165" name="TextBox 164"/>
@@ -15590,6 +15605,7 @@
                 </a:bodyPr>
                 <a:lstStyle/>
                 <a:p>
+                  <a:pPr/>
                   <a14:m>
                     <m:oMathPara xmlns:m="http://schemas.openxmlformats.org/officeDocument/2006/math">
                       <m:oMathParaPr>
@@ -15648,7 +15664,7 @@
               </p:txBody>
             </p:sp>
           </mc:Choice>
-          <mc:Fallback>
+          <mc:Fallback xmlns="">
             <p:sp>
               <p:nvSpPr>
                 <p:cNvPr id="165" name="TextBox 164"/>
@@ -25482,8 +25498,8 @@
             </a:fontRef>
           </p:style>
         </p:cxnSp>
-        <mc:AlternateContent xmlns:mc="http://schemas.openxmlformats.org/markup-compatibility/2006">
-          <mc:Choice xmlns:a14="http://schemas.microsoft.com/office/drawing/2010/main" Requires="a14">
+        <mc:AlternateContent xmlns:mc="http://schemas.openxmlformats.org/markup-compatibility/2006" xmlns:a14="http://schemas.microsoft.com/office/drawing/2010/main">
+          <mc:Choice Requires="a14">
             <p:sp>
               <p:nvSpPr>
                 <p:cNvPr id="264" name="TextBox 263"/>
@@ -25506,6 +25522,7 @@
                 </a:bodyPr>
                 <a:lstStyle/>
                 <a:p>
+                  <a:pPr/>
                   <a14:m>
                     <m:oMathPara xmlns:m="http://schemas.openxmlformats.org/officeDocument/2006/math">
                       <m:oMathParaPr>
@@ -25552,7 +25569,7 @@
               </p:txBody>
             </p:sp>
           </mc:Choice>
-          <mc:Fallback>
+          <mc:Fallback xmlns="">
             <p:sp>
               <p:nvSpPr>
                 <p:cNvPr id="264" name="TextBox 263"/>
@@ -25628,8 +25645,8 @@
             </a:fontRef>
           </p:style>
         </p:cxnSp>
-        <mc:AlternateContent xmlns:mc="http://schemas.openxmlformats.org/markup-compatibility/2006">
-          <mc:Choice xmlns:a14="http://schemas.microsoft.com/office/drawing/2010/main" Requires="a14">
+        <mc:AlternateContent xmlns:mc="http://schemas.openxmlformats.org/markup-compatibility/2006" xmlns:a14="http://schemas.microsoft.com/office/drawing/2010/main">
+          <mc:Choice Requires="a14">
             <p:sp>
               <p:nvSpPr>
                 <p:cNvPr id="269" name="TextBox 268"/>
@@ -25652,6 +25669,7 @@
                 </a:bodyPr>
                 <a:lstStyle/>
                 <a:p>
+                  <a:pPr/>
                   <a14:m>
                     <m:oMathPara xmlns:m="http://schemas.openxmlformats.org/officeDocument/2006/math">
                       <m:oMathParaPr>
@@ -25682,7 +25700,7 @@
               </p:txBody>
             </p:sp>
           </mc:Choice>
-          <mc:Fallback>
+          <mc:Fallback xmlns="">
             <p:sp>
               <p:nvSpPr>
                 <p:cNvPr id="269" name="TextBox 268"/>
@@ -25758,8 +25776,8 @@
             </a:fontRef>
           </p:style>
         </p:cxnSp>
-        <mc:AlternateContent xmlns:mc="http://schemas.openxmlformats.org/markup-compatibility/2006">
-          <mc:Choice xmlns:a14="http://schemas.microsoft.com/office/drawing/2010/main" Requires="a14">
+        <mc:AlternateContent xmlns:mc="http://schemas.openxmlformats.org/markup-compatibility/2006" xmlns:a14="http://schemas.microsoft.com/office/drawing/2010/main">
+          <mc:Choice Requires="a14">
             <p:sp>
               <p:nvSpPr>
                 <p:cNvPr id="272" name="TextBox 271"/>
@@ -25782,6 +25800,7 @@
                 </a:bodyPr>
                 <a:lstStyle/>
                 <a:p>
+                  <a:pPr/>
                   <a14:m>
                     <m:oMathPara xmlns:m="http://schemas.openxmlformats.org/officeDocument/2006/math">
                       <m:oMathParaPr>
@@ -25852,7 +25871,7 @@
               </p:txBody>
             </p:sp>
           </mc:Choice>
-          <mc:Fallback>
+          <mc:Fallback xmlns="">
             <p:sp>
               <p:nvSpPr>
                 <p:cNvPr id="272" name="TextBox 271"/>
@@ -25891,8 +25910,8 @@
             </p:sp>
           </mc:Fallback>
         </mc:AlternateContent>
-        <mc:AlternateContent xmlns:mc="http://schemas.openxmlformats.org/markup-compatibility/2006">
-          <mc:Choice xmlns:a14="http://schemas.microsoft.com/office/drawing/2010/main" Requires="a14">
+        <mc:AlternateContent xmlns:mc="http://schemas.openxmlformats.org/markup-compatibility/2006" xmlns:a14="http://schemas.microsoft.com/office/drawing/2010/main">
+          <mc:Choice Requires="a14">
             <p:sp>
               <p:nvSpPr>
                 <p:cNvPr id="273" name="TextBox 272"/>
@@ -25915,6 +25934,7 @@
                 </a:bodyPr>
                 <a:lstStyle/>
                 <a:p>
+                  <a:pPr/>
                   <a14:m>
                     <m:oMathPara xmlns:m="http://schemas.openxmlformats.org/officeDocument/2006/math">
                       <m:oMathParaPr>
@@ -25967,7 +25987,7 @@
               </p:txBody>
             </p:sp>
           </mc:Choice>
-          <mc:Fallback>
+          <mc:Fallback xmlns="">
             <p:sp>
               <p:nvSpPr>
                 <p:cNvPr id="273" name="TextBox 272"/>
@@ -26042,8 +26062,8 @@
             </a:fontRef>
           </p:style>
         </p:cxnSp>
-        <mc:AlternateContent xmlns:mc="http://schemas.openxmlformats.org/markup-compatibility/2006">
-          <mc:Choice xmlns:a14="http://schemas.microsoft.com/office/drawing/2010/main" Requires="a14">
+        <mc:AlternateContent xmlns:mc="http://schemas.openxmlformats.org/markup-compatibility/2006" xmlns:a14="http://schemas.microsoft.com/office/drawing/2010/main">
+          <mc:Choice Requires="a14">
             <p:sp>
               <p:nvSpPr>
                 <p:cNvPr id="276" name="TextBox 275"/>
@@ -26066,6 +26086,7 @@
                 </a:bodyPr>
                 <a:lstStyle/>
                 <a:p>
+                  <a:pPr/>
                   <a14:m>
                     <m:oMathPara xmlns:m="http://schemas.openxmlformats.org/officeDocument/2006/math">
                       <m:oMathParaPr>
@@ -26090,7 +26111,7 @@
               </p:txBody>
             </p:sp>
           </mc:Choice>
-          <mc:Fallback>
+          <mc:Fallback xmlns="">
             <p:sp>
               <p:nvSpPr>
                 <p:cNvPr id="276" name="TextBox 275"/>
@@ -26168,8 +26189,8 @@
             </a:fontRef>
           </p:style>
         </p:cxnSp>
-        <mc:AlternateContent xmlns:mc="http://schemas.openxmlformats.org/markup-compatibility/2006">
-          <mc:Choice xmlns:a14="http://schemas.microsoft.com/office/drawing/2010/main" Requires="a14">
+        <mc:AlternateContent xmlns:mc="http://schemas.openxmlformats.org/markup-compatibility/2006" xmlns:a14="http://schemas.microsoft.com/office/drawing/2010/main">
+          <mc:Choice Requires="a14">
             <p:sp>
               <p:nvSpPr>
                 <p:cNvPr id="279" name="TextBox 278"/>
@@ -26192,6 +26213,7 @@
                 </a:bodyPr>
                 <a:lstStyle/>
                 <a:p>
+                  <a:pPr/>
                   <a14:m>
                     <m:oMathPara xmlns:m="http://schemas.openxmlformats.org/officeDocument/2006/math">
                       <m:oMathParaPr>
@@ -26250,7 +26272,7 @@
               </p:txBody>
             </p:sp>
           </mc:Choice>
-          <mc:Fallback>
+          <mc:Fallback xmlns="">
             <p:sp>
               <p:nvSpPr>
                 <p:cNvPr id="279" name="TextBox 278"/>
@@ -26956,8 +26978,8 @@
                 </p:style>
               </p:cxnSp>
             </p:grpSp>
-            <mc:AlternateContent xmlns:mc="http://schemas.openxmlformats.org/markup-compatibility/2006">
-              <mc:Choice xmlns:a14="http://schemas.microsoft.com/office/drawing/2010/main" Requires="a14">
+            <mc:AlternateContent xmlns:mc="http://schemas.openxmlformats.org/markup-compatibility/2006" xmlns:a14="http://schemas.microsoft.com/office/drawing/2010/main">
+              <mc:Choice Requires="a14">
                 <p:sp>
                   <p:nvSpPr>
                     <p:cNvPr id="19" name="TextBox 18"/>
@@ -26980,6 +27002,7 @@
                     </a:bodyPr>
                     <a:lstStyle/>
                     <a:p>
+                      <a:pPr/>
                       <a14:m>
                         <m:oMathPara xmlns:m="http://schemas.openxmlformats.org/officeDocument/2006/math">
                           <m:oMathParaPr>
@@ -27032,7 +27055,7 @@
                   </p:txBody>
                 </p:sp>
               </mc:Choice>
-              <mc:Fallback>
+              <mc:Fallback xmlns="">
                 <p:sp>
                   <p:nvSpPr>
                     <p:cNvPr id="19" name="TextBox 18"/>
@@ -27193,8 +27216,8 @@
                   </a:fontRef>
                 </p:style>
               </p:cxnSp>
-              <mc:AlternateContent xmlns:mc="http://schemas.openxmlformats.org/markup-compatibility/2006">
-                <mc:Choice xmlns:a14="http://schemas.microsoft.com/office/drawing/2010/main" Requires="a14">
+              <mc:AlternateContent xmlns:mc="http://schemas.openxmlformats.org/markup-compatibility/2006" xmlns:a14="http://schemas.microsoft.com/office/drawing/2010/main">
+                <mc:Choice Requires="a14">
                   <p:sp>
                     <p:nvSpPr>
                       <p:cNvPr id="28" name="TextBox 27"/>
@@ -27217,6 +27240,7 @@
                       </a:bodyPr>
                       <a:lstStyle/>
                       <a:p>
+                        <a:pPr/>
                         <a14:m>
                           <m:oMathPara xmlns:m="http://schemas.openxmlformats.org/officeDocument/2006/math">
                             <m:oMathParaPr>
@@ -27241,7 +27265,7 @@
                     </p:txBody>
                   </p:sp>
                 </mc:Choice>
-                <mc:Fallback>
+                <mc:Fallback xmlns="">
                   <p:sp>
                     <p:nvSpPr>
                       <p:cNvPr id="28" name="TextBox 27"/>
@@ -27280,8 +27304,8 @@
                   </p:sp>
                 </mc:Fallback>
               </mc:AlternateContent>
-              <mc:AlternateContent xmlns:mc="http://schemas.openxmlformats.org/markup-compatibility/2006">
-                <mc:Choice xmlns:a14="http://schemas.microsoft.com/office/drawing/2010/main" Requires="a14">
+              <mc:AlternateContent xmlns:mc="http://schemas.openxmlformats.org/markup-compatibility/2006" xmlns:a14="http://schemas.microsoft.com/office/drawing/2010/main">
+                <mc:Choice Requires="a14">
                   <p:sp>
                     <p:nvSpPr>
                       <p:cNvPr id="29" name="TextBox 28"/>
@@ -27304,6 +27328,7 @@
                       </a:bodyPr>
                       <a:lstStyle/>
                       <a:p>
+                        <a:pPr/>
                         <a14:m>
                           <m:oMathPara xmlns:m="http://schemas.openxmlformats.org/officeDocument/2006/math">
                             <m:oMathParaPr>
@@ -27328,7 +27353,7 @@
                     </p:txBody>
                   </p:sp>
                 </mc:Choice>
-                <mc:Fallback>
+                <mc:Fallback xmlns="">
                   <p:sp>
                     <p:nvSpPr>
                       <p:cNvPr id="29" name="TextBox 28"/>
@@ -27367,8 +27392,8 @@
                   </p:sp>
                 </mc:Fallback>
               </mc:AlternateContent>
-              <mc:AlternateContent xmlns:mc="http://schemas.openxmlformats.org/markup-compatibility/2006">
-                <mc:Choice xmlns:a14="http://schemas.microsoft.com/office/drawing/2010/main" Requires="a14">
+              <mc:AlternateContent xmlns:mc="http://schemas.openxmlformats.org/markup-compatibility/2006" xmlns:a14="http://schemas.microsoft.com/office/drawing/2010/main">
+                <mc:Choice Requires="a14">
                   <p:sp>
                     <p:nvSpPr>
                       <p:cNvPr id="30" name="TextBox 29"/>
@@ -27391,6 +27416,7 @@
                       </a:bodyPr>
                       <a:lstStyle/>
                       <a:p>
+                        <a:pPr/>
                         <a14:m>
                           <m:oMathPara xmlns:m="http://schemas.openxmlformats.org/officeDocument/2006/math">
                             <m:oMathParaPr>
@@ -27415,7 +27441,7 @@
                     </p:txBody>
                   </p:sp>
                 </mc:Choice>
-                <mc:Fallback>
+                <mc:Fallback xmlns="">
                   <p:sp>
                     <p:nvSpPr>
                       <p:cNvPr id="30" name="TextBox 29"/>
@@ -27491,8 +27517,8 @@
                 </a:fontRef>
               </p:style>
             </p:cxnSp>
-            <mc:AlternateContent xmlns:mc="http://schemas.openxmlformats.org/markup-compatibility/2006">
-              <mc:Choice xmlns:a14="http://schemas.microsoft.com/office/drawing/2010/main" Requires="a14">
+            <mc:AlternateContent xmlns:mc="http://schemas.openxmlformats.org/markup-compatibility/2006" xmlns:a14="http://schemas.microsoft.com/office/drawing/2010/main">
+              <mc:Choice Requires="a14">
                 <p:sp>
                   <p:nvSpPr>
                     <p:cNvPr id="37" name="TextBox 36"/>
@@ -27515,6 +27541,7 @@
                     </a:bodyPr>
                     <a:lstStyle/>
                     <a:p>
+                      <a:pPr/>
                       <a14:m>
                         <m:oMathPara xmlns:m="http://schemas.openxmlformats.org/officeDocument/2006/math">
                           <m:oMathParaPr>
@@ -27552,7 +27579,7 @@
                   </p:txBody>
                 </p:sp>
               </mc:Choice>
-              <mc:Fallback>
+              <mc:Fallback xmlns="">
                 <p:sp>
                   <p:nvSpPr>
                     <p:cNvPr id="37" name="TextBox 36"/>
@@ -27627,8 +27654,8 @@
                 </a:fontRef>
               </p:style>
             </p:cxnSp>
-            <mc:AlternateContent xmlns:mc="http://schemas.openxmlformats.org/markup-compatibility/2006">
-              <mc:Choice xmlns:a14="http://schemas.microsoft.com/office/drawing/2010/main" Requires="a14">
+            <mc:AlternateContent xmlns:mc="http://schemas.openxmlformats.org/markup-compatibility/2006" xmlns:a14="http://schemas.microsoft.com/office/drawing/2010/main">
+              <mc:Choice Requires="a14">
                 <p:sp>
                   <p:nvSpPr>
                     <p:cNvPr id="40" name="TextBox 39"/>
@@ -27651,6 +27678,7 @@
                     </a:bodyPr>
                     <a:lstStyle/>
                     <a:p>
+                      <a:pPr/>
                       <a14:m>
                         <m:oMathPara xmlns:m="http://schemas.openxmlformats.org/officeDocument/2006/math">
                           <m:oMathParaPr>
@@ -27697,7 +27725,7 @@
                   </p:txBody>
                 </p:sp>
               </mc:Choice>
-              <mc:Fallback>
+              <mc:Fallback xmlns="">
                 <p:sp>
                   <p:nvSpPr>
                     <p:cNvPr id="40" name="TextBox 39"/>
@@ -27808,8 +27836,8 @@
                 </a:fontRef>
               </p:style>
             </p:cxnSp>
-            <mc:AlternateContent xmlns:mc="http://schemas.openxmlformats.org/markup-compatibility/2006">
-              <mc:Choice xmlns:a14="http://schemas.microsoft.com/office/drawing/2010/main" Requires="a14">
+            <mc:AlternateContent xmlns:mc="http://schemas.openxmlformats.org/markup-compatibility/2006" xmlns:a14="http://schemas.microsoft.com/office/drawing/2010/main">
+              <mc:Choice Requires="a14">
                 <p:sp>
                   <p:nvSpPr>
                     <p:cNvPr id="45" name="TextBox 44"/>
@@ -27832,6 +27860,7 @@
                     </a:bodyPr>
                     <a:lstStyle/>
                     <a:p>
+                      <a:pPr/>
                       <a14:m>
                         <m:oMathPara xmlns:m="http://schemas.openxmlformats.org/officeDocument/2006/math">
                           <m:oMathParaPr>
@@ -27856,7 +27885,7 @@
                   </p:txBody>
                 </p:sp>
               </mc:Choice>
-              <mc:Fallback>
+              <mc:Fallback xmlns="">
                 <p:sp>
                   <p:nvSpPr>
                     <p:cNvPr id="45" name="TextBox 44"/>
@@ -27895,8 +27924,8 @@
                 </p:sp>
               </mc:Fallback>
             </mc:AlternateContent>
-            <mc:AlternateContent xmlns:mc="http://schemas.openxmlformats.org/markup-compatibility/2006">
-              <mc:Choice xmlns:a14="http://schemas.microsoft.com/office/drawing/2010/main" Requires="a14">
+            <mc:AlternateContent xmlns:mc="http://schemas.openxmlformats.org/markup-compatibility/2006" xmlns:a14="http://schemas.microsoft.com/office/drawing/2010/main">
+              <mc:Choice Requires="a14">
                 <p:sp>
                   <p:nvSpPr>
                     <p:cNvPr id="46" name="TextBox 45"/>
@@ -27919,6 +27948,7 @@
                     </a:bodyPr>
                     <a:lstStyle/>
                     <a:p>
+                      <a:pPr/>
                       <a14:m>
                         <m:oMathPara xmlns:m="http://schemas.openxmlformats.org/officeDocument/2006/math">
                           <m:oMathParaPr>
@@ -27943,7 +27973,7 @@
                   </p:txBody>
                 </p:sp>
               </mc:Choice>
-              <mc:Fallback>
+              <mc:Fallback xmlns="">
                 <p:sp>
                   <p:nvSpPr>
                     <p:cNvPr id="46" name="TextBox 45"/>
@@ -28053,8 +28083,8 @@
                 </a:fontRef>
               </p:style>
             </p:cxnSp>
-            <mc:AlternateContent xmlns:mc="http://schemas.openxmlformats.org/markup-compatibility/2006">
-              <mc:Choice xmlns:a14="http://schemas.microsoft.com/office/drawing/2010/main" Requires="a14">
+            <mc:AlternateContent xmlns:mc="http://schemas.openxmlformats.org/markup-compatibility/2006" xmlns:a14="http://schemas.microsoft.com/office/drawing/2010/main">
+              <mc:Choice Requires="a14">
                 <p:sp>
                   <p:nvSpPr>
                     <p:cNvPr id="56" name="TextBox 55"/>
@@ -28077,6 +28107,7 @@
                     </a:bodyPr>
                     <a:lstStyle/>
                     <a:p>
+                      <a:pPr/>
                       <a14:m>
                         <m:oMathPara xmlns:m="http://schemas.openxmlformats.org/officeDocument/2006/math">
                           <m:oMathParaPr>
@@ -28150,7 +28181,7 @@
                   </p:txBody>
                 </p:sp>
               </mc:Choice>
-              <mc:Fallback>
+              <mc:Fallback xmlns="">
                 <p:sp>
                   <p:nvSpPr>
                     <p:cNvPr id="56" name="TextBox 55"/>
@@ -28189,8 +28220,8 @@
                 </p:sp>
               </mc:Fallback>
             </mc:AlternateContent>
-            <mc:AlternateContent xmlns:mc="http://schemas.openxmlformats.org/markup-compatibility/2006">
-              <mc:Choice xmlns:a14="http://schemas.microsoft.com/office/drawing/2010/main" Requires="a14">
+            <mc:AlternateContent xmlns:mc="http://schemas.openxmlformats.org/markup-compatibility/2006" xmlns:a14="http://schemas.microsoft.com/office/drawing/2010/main">
+              <mc:Choice Requires="a14">
                 <p:sp>
                   <p:nvSpPr>
                     <p:cNvPr id="57" name="TextBox 56"/>
@@ -28213,6 +28244,7 @@
                     </a:bodyPr>
                     <a:lstStyle/>
                     <a:p>
+                      <a:pPr/>
                       <a14:m>
                         <m:oMathPara xmlns:m="http://schemas.openxmlformats.org/officeDocument/2006/math">
                           <m:oMathParaPr>
@@ -28293,7 +28325,7 @@
                   </p:txBody>
                 </p:sp>
               </mc:Choice>
-              <mc:Fallback>
+              <mc:Fallback xmlns="">
                 <p:sp>
                   <p:nvSpPr>
                     <p:cNvPr id="57" name="TextBox 56"/>
@@ -28378,8 +28410,8 @@
                 </a:p>
               </p:txBody>
             </p:sp>
-            <mc:AlternateContent xmlns:mc="http://schemas.openxmlformats.org/markup-compatibility/2006">
-              <mc:Choice xmlns:a14="http://schemas.microsoft.com/office/drawing/2010/main" Requires="a14">
+            <mc:AlternateContent xmlns:mc="http://schemas.openxmlformats.org/markup-compatibility/2006" xmlns:a14="http://schemas.microsoft.com/office/drawing/2010/main">
+              <mc:Choice Requires="a14">
                 <p:sp>
                   <p:nvSpPr>
                     <p:cNvPr id="62" name="TextBox 61"/>
@@ -28402,6 +28434,7 @@
                     </a:bodyPr>
                     <a:lstStyle/>
                     <a:p>
+                      <a:pPr/>
                       <a14:m>
                         <m:oMathPara xmlns:m="http://schemas.openxmlformats.org/officeDocument/2006/math">
                           <m:oMathParaPr>
@@ -28447,7 +28480,7 @@
                   </p:txBody>
                 </p:sp>
               </mc:Choice>
-              <mc:Fallback>
+              <mc:Fallback xmlns="">
                 <p:sp>
                   <p:nvSpPr>
                     <p:cNvPr id="62" name="TextBox 61"/>
@@ -28486,8 +28519,8 @@
                 </p:sp>
               </mc:Fallback>
             </mc:AlternateContent>
-            <mc:AlternateContent xmlns:mc="http://schemas.openxmlformats.org/markup-compatibility/2006">
-              <mc:Choice xmlns:a14="http://schemas.microsoft.com/office/drawing/2010/main" Requires="a14">
+            <mc:AlternateContent xmlns:mc="http://schemas.openxmlformats.org/markup-compatibility/2006" xmlns:a14="http://schemas.microsoft.com/office/drawing/2010/main">
+              <mc:Choice Requires="a14">
                 <p:sp>
                   <p:nvSpPr>
                     <p:cNvPr id="63" name="TextBox 62"/>
@@ -28510,6 +28543,7 @@
                     </a:bodyPr>
                     <a:lstStyle/>
                     <a:p>
+                      <a:pPr/>
                       <a14:m>
                         <m:oMathPara xmlns:m="http://schemas.openxmlformats.org/officeDocument/2006/math">
                           <m:oMathParaPr>
@@ -28556,7 +28590,7 @@
                   </p:txBody>
                 </p:sp>
               </mc:Choice>
-              <mc:Fallback>
+              <mc:Fallback xmlns="">
                 <p:sp>
                   <p:nvSpPr>
                     <p:cNvPr id="63" name="TextBox 62"/>
@@ -28767,8 +28801,8 @@
                 </p:txBody>
               </p:sp>
             </p:grpSp>
-            <mc:AlternateContent xmlns:mc="http://schemas.openxmlformats.org/markup-compatibility/2006">
-              <mc:Choice xmlns:a14="http://schemas.microsoft.com/office/drawing/2010/main" Requires="a14">
+            <mc:AlternateContent xmlns:mc="http://schemas.openxmlformats.org/markup-compatibility/2006" xmlns:a14="http://schemas.microsoft.com/office/drawing/2010/main">
+              <mc:Choice Requires="a14">
                 <p:sp>
                   <p:nvSpPr>
                     <p:cNvPr id="69" name="TextBox 68"/>
@@ -28791,6 +28825,7 @@
                     </a:bodyPr>
                     <a:lstStyle/>
                     <a:p>
+                      <a:pPr/>
                       <a14:m>
                         <m:oMathPara xmlns:m="http://schemas.openxmlformats.org/officeDocument/2006/math">
                           <m:oMathParaPr>
@@ -28828,7 +28863,7 @@
                   </p:txBody>
                 </p:sp>
               </mc:Choice>
-              <mc:Fallback>
+              <mc:Fallback xmlns="">
                 <p:sp>
                   <p:nvSpPr>
                     <p:cNvPr id="69" name="TextBox 68"/>
@@ -28906,8 +28941,8 @@
               </a:fontRef>
             </p:style>
           </p:cxnSp>
-          <mc:AlternateContent xmlns:mc="http://schemas.openxmlformats.org/markup-compatibility/2006">
-            <mc:Choice xmlns:a14="http://schemas.microsoft.com/office/drawing/2010/main" Requires="a14">
+          <mc:AlternateContent xmlns:mc="http://schemas.openxmlformats.org/markup-compatibility/2006" xmlns:a14="http://schemas.microsoft.com/office/drawing/2010/main">
+            <mc:Choice Requires="a14">
               <p:sp>
                 <p:nvSpPr>
                   <p:cNvPr id="74" name="TextBox 73"/>
@@ -28930,6 +28965,7 @@
                   </a:bodyPr>
                   <a:lstStyle/>
                   <a:p>
+                    <a:pPr/>
                     <a14:m>
                       <m:oMathPara xmlns:m="http://schemas.openxmlformats.org/officeDocument/2006/math">
                         <m:oMathParaPr>
@@ -28954,7 +28990,7 @@
                 </p:txBody>
               </p:sp>
             </mc:Choice>
-            <mc:Fallback>
+            <mc:Fallback xmlns="">
               <p:sp>
                 <p:nvSpPr>
                   <p:cNvPr id="74" name="TextBox 73"/>
@@ -29031,8 +29067,8 @@
               </a:fontRef>
             </p:style>
           </p:cxnSp>
-          <mc:AlternateContent xmlns:mc="http://schemas.openxmlformats.org/markup-compatibility/2006">
-            <mc:Choice xmlns:a14="http://schemas.microsoft.com/office/drawing/2010/main" Requires="a14">
+          <mc:AlternateContent xmlns:mc="http://schemas.openxmlformats.org/markup-compatibility/2006" xmlns:a14="http://schemas.microsoft.com/office/drawing/2010/main">
+            <mc:Choice Requires="a14">
               <p:sp>
                 <p:nvSpPr>
                   <p:cNvPr id="77" name="TextBox 76"/>
@@ -29055,6 +29091,7 @@
                   </a:bodyPr>
                   <a:lstStyle/>
                   <a:p>
+                    <a:pPr/>
                     <a14:m>
                       <m:oMathPara xmlns:m="http://schemas.openxmlformats.org/officeDocument/2006/math">
                         <m:oMathParaPr>
@@ -29079,7 +29116,7 @@
                 </p:txBody>
               </p:sp>
             </mc:Choice>
-            <mc:Fallback>
+            <mc:Fallback xmlns="">
               <p:sp>
                 <p:nvSpPr>
                   <p:cNvPr id="77" name="TextBox 76"/>
@@ -29485,8 +29522,8 @@
             </p:style>
           </p:cxnSp>
         </p:grpSp>
-        <mc:AlternateContent xmlns:mc="http://schemas.openxmlformats.org/markup-compatibility/2006">
-          <mc:Choice xmlns:a14="http://schemas.microsoft.com/office/drawing/2010/main" Requires="a14">
+        <mc:AlternateContent xmlns:mc="http://schemas.openxmlformats.org/markup-compatibility/2006" xmlns:a14="http://schemas.microsoft.com/office/drawing/2010/main">
+          <mc:Choice Requires="a14">
             <p:sp>
               <p:nvSpPr>
                 <p:cNvPr id="94" name="TextBox 93"/>
@@ -29509,6 +29546,7 @@
                 </a:bodyPr>
                 <a:lstStyle/>
                 <a:p>
+                  <a:pPr/>
                   <a14:m>
                     <m:oMathPara xmlns:m="http://schemas.openxmlformats.org/officeDocument/2006/math">
                       <m:oMathParaPr>
@@ -29561,7 +29599,7 @@
               </p:txBody>
             </p:sp>
           </mc:Choice>
-          <mc:Fallback>
+          <mc:Fallback xmlns="">
             <p:sp>
               <p:nvSpPr>
                 <p:cNvPr id="94" name="TextBox 93"/>
@@ -37940,8 +37978,8 @@
                 </a:fontRef>
               </p:style>
             </p:cxnSp>
-            <mc:AlternateContent xmlns:mc="http://schemas.openxmlformats.org/markup-compatibility/2006">
-              <mc:Choice xmlns:a14="http://schemas.microsoft.com/office/drawing/2010/main" Requires="a14">
+            <mc:AlternateContent xmlns:mc="http://schemas.openxmlformats.org/markup-compatibility/2006" xmlns:a14="http://schemas.microsoft.com/office/drawing/2010/main">
+              <mc:Choice Requires="a14">
                 <p:sp>
                   <p:nvSpPr>
                     <p:cNvPr id="10" name="TextBox 9"/>
@@ -37964,6 +38002,7 @@
                     </a:bodyPr>
                     <a:lstStyle/>
                     <a:p>
+                      <a:pPr/>
                       <a14:m>
                         <m:oMathPara xmlns:m="http://schemas.openxmlformats.org/officeDocument/2006/math">
                           <m:oMathParaPr>
@@ -37988,7 +38027,7 @@
                   </p:txBody>
                 </p:sp>
               </mc:Choice>
-              <mc:Fallback>
+              <mc:Fallback xmlns="">
                 <p:sp>
                   <p:nvSpPr>
                     <p:cNvPr id="10" name="TextBox 9"/>
@@ -38075,8 +38114,8 @@
                 </a:p>
               </p:txBody>
             </p:sp>
-            <mc:AlternateContent xmlns:mc="http://schemas.openxmlformats.org/markup-compatibility/2006">
-              <mc:Choice xmlns:a14="http://schemas.microsoft.com/office/drawing/2010/main" Requires="a14">
+            <mc:AlternateContent xmlns:mc="http://schemas.openxmlformats.org/markup-compatibility/2006" xmlns:a14="http://schemas.microsoft.com/office/drawing/2010/main">
+              <mc:Choice Requires="a14">
                 <p:sp>
                   <p:nvSpPr>
                     <p:cNvPr id="12" name="TextBox 11"/>
@@ -38099,6 +38138,7 @@
                     </a:bodyPr>
                     <a:lstStyle/>
                     <a:p>
+                      <a:pPr/>
                       <a14:m>
                         <m:oMathPara xmlns:m="http://schemas.openxmlformats.org/officeDocument/2006/math">
                           <m:oMathParaPr>
@@ -38133,7 +38173,7 @@
                   </p:txBody>
                 </p:sp>
               </mc:Choice>
-              <mc:Fallback>
+              <mc:Fallback xmlns="">
                 <p:sp>
                   <p:nvSpPr>
                     <p:cNvPr id="12" name="TextBox 11"/>
@@ -38172,8 +38212,8 @@
                 </p:sp>
               </mc:Fallback>
             </mc:AlternateContent>
-            <mc:AlternateContent xmlns:mc="http://schemas.openxmlformats.org/markup-compatibility/2006">
-              <mc:Choice xmlns:a14="http://schemas.microsoft.com/office/drawing/2010/main" Requires="a14">
+            <mc:AlternateContent xmlns:mc="http://schemas.openxmlformats.org/markup-compatibility/2006" xmlns:a14="http://schemas.microsoft.com/office/drawing/2010/main">
+              <mc:Choice Requires="a14">
                 <p:sp>
                   <p:nvSpPr>
                     <p:cNvPr id="13" name="TextBox 12"/>
@@ -38196,6 +38236,7 @@
                     </a:bodyPr>
                     <a:lstStyle/>
                     <a:p>
+                      <a:pPr/>
                       <a14:m>
                         <m:oMathPara xmlns:m="http://schemas.openxmlformats.org/officeDocument/2006/math">
                           <m:oMathParaPr>
@@ -38233,7 +38274,7 @@
                   </p:txBody>
                 </p:sp>
               </mc:Choice>
-              <mc:Fallback>
+              <mc:Fallback xmlns="">
                 <p:sp>
                   <p:nvSpPr>
                     <p:cNvPr id="13" name="TextBox 12"/>
@@ -38274,8 +38315,8 @@
             </mc:AlternateContent>
           </p:grpSp>
         </p:grpSp>
-        <mc:AlternateContent xmlns:mc="http://schemas.openxmlformats.org/markup-compatibility/2006">
-          <mc:Choice xmlns:a14="http://schemas.microsoft.com/office/drawing/2010/main" Requires="a14">
+        <mc:AlternateContent xmlns:mc="http://schemas.openxmlformats.org/markup-compatibility/2006" xmlns:a14="http://schemas.microsoft.com/office/drawing/2010/main">
+          <mc:Choice Requires="a14">
             <p:sp>
               <p:nvSpPr>
                 <p:cNvPr id="4" name="TextBox 3"/>
@@ -38298,6 +38339,7 @@
                 </a:bodyPr>
                 <a:lstStyle/>
                 <a:p>
+                  <a:pPr/>
                   <a14:m>
                     <m:oMathPara xmlns:m="http://schemas.openxmlformats.org/officeDocument/2006/math">
                       <m:oMathParaPr>
@@ -38350,7 +38392,7 @@
               </p:txBody>
             </p:sp>
           </mc:Choice>
-          <mc:Fallback>
+          <mc:Fallback xmlns="">
             <p:sp>
               <p:nvSpPr>
                 <p:cNvPr id="4" name="TextBox 3"/>
@@ -38390,8 +38432,8 @@
           </mc:Fallback>
         </mc:AlternateContent>
       </p:grpSp>
-      <mc:AlternateContent xmlns:mc="http://schemas.openxmlformats.org/markup-compatibility/2006">
-        <mc:Choice xmlns:a14="http://schemas.microsoft.com/office/drawing/2010/main" Requires="a14">
+      <mc:AlternateContent xmlns:mc="http://schemas.openxmlformats.org/markup-compatibility/2006" xmlns:a14="http://schemas.microsoft.com/office/drawing/2010/main">
+        <mc:Choice Requires="a14">
           <p:sp>
             <p:nvSpPr>
               <p:cNvPr id="232" name="TextBox 231"/>
@@ -38414,6 +38456,7 @@
               </a:bodyPr>
               <a:lstStyle/>
               <a:p>
+                <a:pPr/>
                 <a14:m>
                   <m:oMathPara xmlns:m="http://schemas.openxmlformats.org/officeDocument/2006/math">
                     <m:oMathParaPr>
@@ -38466,7 +38509,7 @@
             </p:txBody>
           </p:sp>
         </mc:Choice>
-        <mc:Fallback>
+        <mc:Fallback xmlns="">
           <p:sp>
             <p:nvSpPr>
               <p:cNvPr id="232" name="TextBox 231"/>
@@ -43453,8 +43496,8 @@
                 </a:p>
               </p:txBody>
             </p:sp>
-            <mc:AlternateContent xmlns:mc="http://schemas.openxmlformats.org/markup-compatibility/2006">
-              <mc:Choice xmlns:a14="http://schemas.microsoft.com/office/drawing/2010/main" Requires="a14">
+            <mc:AlternateContent xmlns:mc="http://schemas.openxmlformats.org/markup-compatibility/2006" xmlns:a14="http://schemas.microsoft.com/office/drawing/2010/main">
+              <mc:Choice Requires="a14">
                 <p:sp>
                   <p:nvSpPr>
                     <p:cNvPr id="241" name="TextBox 240"/>
@@ -43477,6 +43520,7 @@
                     </a:bodyPr>
                     <a:lstStyle/>
                     <a:p>
+                      <a:pPr/>
                       <a14:m>
                         <m:oMathPara xmlns:m="http://schemas.openxmlformats.org/officeDocument/2006/math">
                           <m:oMathParaPr>
@@ -43523,7 +43567,7 @@
                   </p:txBody>
                 </p:sp>
               </mc:Choice>
-              <mc:Fallback>
+              <mc:Fallback xmlns="">
                 <p:sp>
                   <p:nvSpPr>
                     <p:cNvPr id="241" name="TextBox 240"/>
@@ -43800,8 +43844,8 @@
               </a:fontRef>
             </p:style>
           </p:cxnSp>
-          <mc:AlternateContent xmlns:mc="http://schemas.openxmlformats.org/markup-compatibility/2006">
-            <mc:Choice xmlns:a14="http://schemas.microsoft.com/office/drawing/2010/main" Requires="a14">
+          <mc:AlternateContent xmlns:mc="http://schemas.openxmlformats.org/markup-compatibility/2006" xmlns:a14="http://schemas.microsoft.com/office/drawing/2010/main">
+            <mc:Choice Requires="a14">
               <p:sp>
                 <p:nvSpPr>
                   <p:cNvPr id="467" name="TextBox 466"/>
@@ -43824,6 +43868,7 @@
                   </a:bodyPr>
                   <a:lstStyle/>
                   <a:p>
+                    <a:pPr/>
                     <a14:m>
                       <m:oMathPara xmlns:m="http://schemas.openxmlformats.org/officeDocument/2006/math">
                         <m:oMathParaPr>
@@ -43848,7 +43893,7 @@
                 </p:txBody>
               </p:sp>
             </mc:Choice>
-            <mc:Fallback>
+            <mc:Fallback xmlns="">
               <p:sp>
                 <p:nvSpPr>
                   <p:cNvPr id="467" name="TextBox 466"/>
@@ -43887,8 +43932,8 @@
               </p:sp>
             </mc:Fallback>
           </mc:AlternateContent>
-          <mc:AlternateContent xmlns:mc="http://schemas.openxmlformats.org/markup-compatibility/2006">
-            <mc:Choice xmlns:a14="http://schemas.microsoft.com/office/drawing/2010/main" Requires="a14">
+          <mc:AlternateContent xmlns:mc="http://schemas.openxmlformats.org/markup-compatibility/2006" xmlns:a14="http://schemas.microsoft.com/office/drawing/2010/main">
+            <mc:Choice Requires="a14">
               <p:sp>
                 <p:nvSpPr>
                   <p:cNvPr id="468" name="TextBox 467"/>
@@ -43911,6 +43956,7 @@
                   </a:bodyPr>
                   <a:lstStyle/>
                   <a:p>
+                    <a:pPr/>
                     <a14:m>
                       <m:oMathPara xmlns:m="http://schemas.openxmlformats.org/officeDocument/2006/math">
                         <m:oMathParaPr>
@@ -43941,7 +43987,7 @@
                 </p:txBody>
               </p:sp>
             </mc:Choice>
-            <mc:Fallback>
+            <mc:Fallback xmlns="">
               <p:sp>
                 <p:nvSpPr>
                   <p:cNvPr id="468" name="TextBox 467"/>
@@ -43996,7 +44042,7 @@
               <a:avLst/>
             </a:prstGeom>
             <a:noFill/>
-            <a:ln w="38100">
+            <a:ln w="12700">
               <a:solidFill>
                 <a:schemeClr val="accent1"/>
               </a:solidFill>
@@ -44042,7 +44088,7 @@
               <a:avLst/>
             </a:prstGeom>
             <a:noFill/>
-            <a:ln w="38100">
+            <a:ln w="12700">
               <a:solidFill>
                 <a:schemeClr val="accent1"/>
               </a:solidFill>
@@ -44088,7 +44134,7 @@
               <a:avLst/>
             </a:prstGeom>
             <a:noFill/>
-            <a:ln w="38100">
+            <a:ln w="12700">
               <a:solidFill>
                 <a:schemeClr val="accent1"/>
               </a:solidFill>
@@ -44134,7 +44180,7 @@
               <a:avLst/>
             </a:prstGeom>
             <a:noFill/>
-            <a:ln w="38100">
+            <a:ln w="12700">
               <a:solidFill>
                 <a:schemeClr val="accent1"/>
               </a:solidFill>
@@ -44168,13 +44214,15 @@
         <p:cxnSp>
           <p:nvCxnSpPr>
             <p:cNvPr id="476" name="Straight Arrow Connector 475"/>
-            <p:cNvCxnSpPr/>
+            <p:cNvCxnSpPr>
+              <a:stCxn id="473" idx="6"/>
+            </p:cNvCxnSpPr>
             <p:nvPr/>
           </p:nvCxnSpPr>
           <p:spPr>
             <a:xfrm flipV="1">
-              <a:off x="10757390" y="2634738"/>
-              <a:ext cx="0" cy="197093"/>
+              <a:off x="10757390" y="2634739"/>
+              <a:ext cx="0" cy="92507"/>
             </a:xfrm>
             <a:prstGeom prst="straightConnector1">
               <a:avLst/>
@@ -44208,9 +44256,9 @@
             <p:nvPr/>
           </p:nvCxnSpPr>
           <p:spPr>
-            <a:xfrm flipV="1">
-              <a:off x="10023338" y="2628699"/>
-              <a:ext cx="0" cy="197093"/>
+            <a:xfrm flipH="1" flipV="1">
+              <a:off x="10023338" y="2642348"/>
+              <a:ext cx="5860" cy="128988"/>
             </a:xfrm>
             <a:prstGeom prst="straightConnector1">
               <a:avLst/>
@@ -44240,13 +44288,15 @@
         <p:cxnSp>
           <p:nvCxnSpPr>
             <p:cNvPr id="478" name="Straight Arrow Connector 477"/>
-            <p:cNvCxnSpPr/>
+            <p:cNvCxnSpPr>
+              <a:stCxn id="471" idx="6"/>
+            </p:cNvCxnSpPr>
             <p:nvPr/>
           </p:nvCxnSpPr>
           <p:spPr>
             <a:xfrm flipV="1">
-              <a:off x="10589375" y="2648190"/>
-              <a:ext cx="0" cy="197093"/>
+              <a:off x="10600817" y="2639328"/>
+              <a:ext cx="0" cy="107408"/>
             </a:xfrm>
             <a:prstGeom prst="straightConnector1">
               <a:avLst/>
@@ -44324,7 +44374,7 @@
               <a:avLst/>
             </a:prstGeom>
             <a:noFill/>
-            <a:ln w="38100">
+            <a:ln w="12700">
               <a:solidFill>
                 <a:schemeClr val="accent1"/>
               </a:solidFill>
@@ -44370,7 +44420,7 @@
               <a:avLst/>
             </a:prstGeom>
             <a:noFill/>
-            <a:ln w="38100">
+            <a:ln w="12700">
               <a:solidFill>
                 <a:schemeClr val="accent1"/>
               </a:solidFill>
@@ -44404,13 +44454,15 @@
         <p:cxnSp>
           <p:nvCxnSpPr>
             <p:cNvPr id="483" name="Straight Arrow Connector 482"/>
-            <p:cNvCxnSpPr/>
+            <p:cNvCxnSpPr>
+              <a:stCxn id="481" idx="6"/>
+            </p:cNvCxnSpPr>
             <p:nvPr/>
           </p:nvCxnSpPr>
           <p:spPr>
-            <a:xfrm flipV="1">
-              <a:off x="11207058" y="2649999"/>
-              <a:ext cx="0" cy="197093"/>
+            <a:xfrm flipH="1" flipV="1">
+              <a:off x="11207058" y="2650000"/>
+              <a:ext cx="455" cy="88094"/>
             </a:xfrm>
             <a:prstGeom prst="straightConnector1">
               <a:avLst/>
@@ -44440,13 +44492,15 @@
         <p:cxnSp>
           <p:nvCxnSpPr>
             <p:cNvPr id="484" name="Straight Arrow Connector 483"/>
-            <p:cNvCxnSpPr/>
+            <p:cNvCxnSpPr>
+              <a:stCxn id="482" idx="6"/>
+            </p:cNvCxnSpPr>
             <p:nvPr/>
           </p:nvCxnSpPr>
           <p:spPr>
-            <a:xfrm flipV="1">
-              <a:off x="11892785" y="2638511"/>
-              <a:ext cx="0" cy="197093"/>
+            <a:xfrm flipH="1" flipV="1">
+              <a:off x="11892785" y="2638512"/>
+              <a:ext cx="7992" cy="132928"/>
             </a:xfrm>
             <a:prstGeom prst="straightConnector1">
               <a:avLst/>
@@ -44674,8 +44728,8 @@
               </a:p>
             </p:txBody>
           </p:sp>
-          <mc:AlternateContent xmlns:mc="http://schemas.openxmlformats.org/markup-compatibility/2006">
-            <mc:Choice xmlns:a14="http://schemas.microsoft.com/office/drawing/2010/main" Requires="a14">
+          <mc:AlternateContent xmlns:mc="http://schemas.openxmlformats.org/markup-compatibility/2006" xmlns:a14="http://schemas.microsoft.com/office/drawing/2010/main">
+            <mc:Choice Requires="a14">
               <p:sp>
                 <p:nvSpPr>
                   <p:cNvPr id="5" name="TextBox 4"/>
@@ -44698,6 +44752,7 @@
                   </a:bodyPr>
                   <a:lstStyle/>
                   <a:p>
+                    <a:pPr/>
                     <a14:m>
                       <m:oMathPara xmlns:m="http://schemas.openxmlformats.org/officeDocument/2006/math">
                         <m:oMathParaPr>
@@ -44722,7 +44777,7 @@
                 </p:txBody>
               </p:sp>
             </mc:Choice>
-            <mc:Fallback>
+            <mc:Fallback xmlns="">
               <p:sp>
                 <p:nvSpPr>
                   <p:cNvPr id="5" name="TextBox 4"/>
@@ -45871,8 +45926,8 @@
               </a:fontRef>
             </p:style>
           </p:cxnSp>
-          <mc:AlternateContent xmlns:mc="http://schemas.openxmlformats.org/markup-compatibility/2006">
-            <mc:Choice xmlns:a14="http://schemas.microsoft.com/office/drawing/2010/main" Requires="a14">
+          <mc:AlternateContent xmlns:mc="http://schemas.openxmlformats.org/markup-compatibility/2006" xmlns:a14="http://schemas.microsoft.com/office/drawing/2010/main">
+            <mc:Choice Requires="a14">
               <p:sp>
                 <p:nvSpPr>
                   <p:cNvPr id="140" name="TextBox 139"/>
@@ -45895,6 +45950,7 @@
                   </a:bodyPr>
                   <a:lstStyle/>
                   <a:p>
+                    <a:pPr/>
                     <a14:m>
                       <m:oMathPara xmlns:m="http://schemas.openxmlformats.org/officeDocument/2006/math">
                         <m:oMathParaPr>
@@ -45961,7 +46017,7 @@
                 </p:txBody>
               </p:sp>
             </mc:Choice>
-            <mc:Fallback>
+            <mc:Fallback xmlns="">
               <p:sp>
                 <p:nvSpPr>
                   <p:cNvPr id="140" name="TextBox 139"/>
@@ -46039,8 +46095,8 @@
               </a:fontRef>
             </p:style>
           </p:cxnSp>
-          <mc:AlternateContent xmlns:mc="http://schemas.openxmlformats.org/markup-compatibility/2006">
-            <mc:Choice xmlns:a14="http://schemas.microsoft.com/office/drawing/2010/main" Requires="a14">
+          <mc:AlternateContent xmlns:mc="http://schemas.openxmlformats.org/markup-compatibility/2006" xmlns:a14="http://schemas.microsoft.com/office/drawing/2010/main">
+            <mc:Choice Requires="a14">
               <p:sp>
                 <p:nvSpPr>
                   <p:cNvPr id="144" name="TextBox 143"/>
@@ -46063,6 +46119,7 @@
                   </a:bodyPr>
                   <a:lstStyle/>
                   <a:p>
+                    <a:pPr/>
                     <a14:m>
                       <m:oMathPara xmlns:m="http://schemas.openxmlformats.org/officeDocument/2006/math">
                         <m:oMathParaPr>
@@ -46101,7 +46158,7 @@
                 </p:txBody>
               </p:sp>
             </mc:Choice>
-            <mc:Fallback>
+            <mc:Fallback xmlns="">
               <p:sp>
                 <p:nvSpPr>
                   <p:cNvPr id="144" name="TextBox 143"/>
@@ -46140,8 +46197,8 @@
               </p:sp>
             </mc:Fallback>
           </mc:AlternateContent>
-          <mc:AlternateContent xmlns:mc="http://schemas.openxmlformats.org/markup-compatibility/2006">
-            <mc:Choice xmlns:a14="http://schemas.microsoft.com/office/drawing/2010/main" Requires="a14">
+          <mc:AlternateContent xmlns:mc="http://schemas.openxmlformats.org/markup-compatibility/2006" xmlns:a14="http://schemas.microsoft.com/office/drawing/2010/main">
+            <mc:Choice Requires="a14">
               <p:sp>
                 <p:nvSpPr>
                   <p:cNvPr id="145" name="TextBox 144"/>
@@ -46164,6 +46221,7 @@
                   </a:bodyPr>
                   <a:lstStyle/>
                   <a:p>
+                    <a:pPr/>
                     <a14:m>
                       <m:oMathPara xmlns:m="http://schemas.openxmlformats.org/officeDocument/2006/math">
                         <m:oMathParaPr>
@@ -46202,7 +46260,7 @@
                 </p:txBody>
               </p:sp>
             </mc:Choice>
-            <mc:Fallback>
+            <mc:Fallback xmlns="">
               <p:sp>
                 <p:nvSpPr>
                   <p:cNvPr id="145" name="TextBox 144"/>
@@ -46841,8 +46899,8 @@
               </a:fontRef>
             </p:style>
           </p:cxnSp>
-          <mc:AlternateContent xmlns:mc="http://schemas.openxmlformats.org/markup-compatibility/2006">
-            <mc:Choice xmlns:a14="http://schemas.microsoft.com/office/drawing/2010/main" Requires="a14">
+          <mc:AlternateContent xmlns:mc="http://schemas.openxmlformats.org/markup-compatibility/2006" xmlns:a14="http://schemas.microsoft.com/office/drawing/2010/main">
+            <mc:Choice Requires="a14">
               <p:sp>
                 <p:nvSpPr>
                   <p:cNvPr id="178" name="TextBox 177"/>
@@ -46865,6 +46923,7 @@
                   </a:bodyPr>
                   <a:lstStyle/>
                   <a:p>
+                    <a:pPr/>
                     <a14:m>
                       <m:oMathPara xmlns:m="http://schemas.openxmlformats.org/officeDocument/2006/math">
                         <m:oMathParaPr>
@@ -46889,7 +46948,7 @@
                 </p:txBody>
               </p:sp>
             </mc:Choice>
-            <mc:Fallback>
+            <mc:Fallback xmlns="">
               <p:sp>
                 <p:nvSpPr>
                   <p:cNvPr id="178" name="TextBox 177"/>
@@ -46928,8 +46987,8 @@
               </p:sp>
             </mc:Fallback>
           </mc:AlternateContent>
-          <mc:AlternateContent xmlns:mc="http://schemas.openxmlformats.org/markup-compatibility/2006">
-            <mc:Choice xmlns:a14="http://schemas.microsoft.com/office/drawing/2010/main" Requires="a14">
+          <mc:AlternateContent xmlns:mc="http://schemas.openxmlformats.org/markup-compatibility/2006" xmlns:a14="http://schemas.microsoft.com/office/drawing/2010/main">
+            <mc:Choice Requires="a14">
               <p:sp>
                 <p:nvSpPr>
                   <p:cNvPr id="179" name="TextBox 178"/>
@@ -46952,6 +47011,7 @@
                   </a:bodyPr>
                   <a:lstStyle/>
                   <a:p>
+                    <a:pPr/>
                     <a14:m>
                       <m:oMathPara xmlns:m="http://schemas.openxmlformats.org/officeDocument/2006/math">
                         <m:oMathParaPr>
@@ -46989,7 +47049,7 @@
                 </p:txBody>
               </p:sp>
             </mc:Choice>
-            <mc:Fallback>
+            <mc:Fallback xmlns="">
               <p:sp>
                 <p:nvSpPr>
                   <p:cNvPr id="179" name="TextBox 178"/>
@@ -47028,8 +47088,8 @@
               </p:sp>
             </mc:Fallback>
           </mc:AlternateContent>
-          <mc:AlternateContent xmlns:mc="http://schemas.openxmlformats.org/markup-compatibility/2006">
-            <mc:Choice xmlns:a14="http://schemas.microsoft.com/office/drawing/2010/main" Requires="a14">
+          <mc:AlternateContent xmlns:mc="http://schemas.openxmlformats.org/markup-compatibility/2006" xmlns:a14="http://schemas.microsoft.com/office/drawing/2010/main">
+            <mc:Choice Requires="a14">
               <p:sp>
                 <p:nvSpPr>
                   <p:cNvPr id="180" name="TextBox 179"/>
@@ -47052,6 +47112,7 @@
                   </a:bodyPr>
                   <a:lstStyle/>
                   <a:p>
+                    <a:pPr/>
                     <a14:m>
                       <m:oMathPara xmlns:m="http://schemas.openxmlformats.org/officeDocument/2006/math">
                         <m:oMathParaPr>
@@ -47082,7 +47143,7 @@
                 </p:txBody>
               </p:sp>
             </mc:Choice>
-            <mc:Fallback>
+            <mc:Fallback xmlns="">
               <p:sp>
                 <p:nvSpPr>
                   <p:cNvPr id="180" name="TextBox 179"/>
@@ -47121,8 +47182,8 @@
               </p:sp>
             </mc:Fallback>
           </mc:AlternateContent>
-          <mc:AlternateContent xmlns:mc="http://schemas.openxmlformats.org/markup-compatibility/2006">
-            <mc:Choice xmlns:a14="http://schemas.microsoft.com/office/drawing/2010/main" Requires="a14">
+          <mc:AlternateContent xmlns:mc="http://schemas.openxmlformats.org/markup-compatibility/2006" xmlns:a14="http://schemas.microsoft.com/office/drawing/2010/main">
+            <mc:Choice Requires="a14">
               <p:sp>
                 <p:nvSpPr>
                   <p:cNvPr id="181" name="TextBox 180"/>
@@ -47145,6 +47206,7 @@
                   </a:bodyPr>
                   <a:lstStyle/>
                   <a:p>
+                    <a:pPr/>
                     <a14:m>
                       <m:oMathPara xmlns:m="http://schemas.openxmlformats.org/officeDocument/2006/math">
                         <m:oMathParaPr>
@@ -47175,7 +47237,7 @@
                 </p:txBody>
               </p:sp>
             </mc:Choice>
-            <mc:Fallback>
+            <mc:Fallback xmlns="">
               <p:sp>
                 <p:nvSpPr>
                   <p:cNvPr id="181" name="TextBox 180"/>
@@ -47215,8 +47277,8 @@
             </mc:Fallback>
           </mc:AlternateContent>
         </p:grpSp>
-        <mc:AlternateContent xmlns:mc="http://schemas.openxmlformats.org/markup-compatibility/2006">
-          <mc:Choice xmlns:a14="http://schemas.microsoft.com/office/drawing/2010/main" Requires="a14">
+        <mc:AlternateContent xmlns:mc="http://schemas.openxmlformats.org/markup-compatibility/2006" xmlns:a14="http://schemas.microsoft.com/office/drawing/2010/main">
+          <mc:Choice Requires="a14">
             <p:sp>
               <p:nvSpPr>
                 <p:cNvPr id="183" name="TextBox 182"/>
@@ -47239,6 +47301,7 @@
                 </a:bodyPr>
                 <a:lstStyle/>
                 <a:p>
+                  <a:pPr/>
                   <a14:m>
                     <m:oMathPara xmlns:m="http://schemas.openxmlformats.org/officeDocument/2006/math">
                       <m:oMathParaPr>
@@ -47291,7 +47354,7 @@
               </p:txBody>
             </p:sp>
           </mc:Choice>
-          <mc:Fallback>
+          <mc:Fallback xmlns="">
             <p:sp>
               <p:nvSpPr>
                 <p:cNvPr id="183" name="TextBox 182"/>
@@ -47335,6 +47398,3264 @@
     <p:extLst>
       <p:ext uri="{BB962C8B-B14F-4D97-AF65-F5344CB8AC3E}">
         <p14:creationId xmlns:p14="http://schemas.microsoft.com/office/powerpoint/2010/main" val="1103289211"/>
+      </p:ext>
+    </p:extLst>
+  </p:cSld>
+  <p:clrMapOvr>
+    <a:masterClrMapping/>
+  </p:clrMapOvr>
+</p:sld>
+</file>
+
+<file path=ppt/slides/slide8.xml><?xml version="1.0" encoding="utf-8"?>
+<p:sld xmlns:a="http://schemas.openxmlformats.org/drawingml/2006/main" xmlns:r="http://schemas.openxmlformats.org/officeDocument/2006/relationships" xmlns:p="http://schemas.openxmlformats.org/presentationml/2006/main">
+  <p:cSld>
+    <p:spTree>
+      <p:nvGrpSpPr>
+        <p:cNvPr id="1" name=""/>
+        <p:cNvGrpSpPr/>
+        <p:nvPr/>
+      </p:nvGrpSpPr>
+      <p:grpSpPr>
+        <a:xfrm>
+          <a:off x="0" y="0"/>
+          <a:ext cx="0" cy="0"/>
+          <a:chOff x="0" y="0"/>
+          <a:chExt cx="0" cy="0"/>
+        </a:xfrm>
+      </p:grpSpPr>
+      <p:grpSp>
+        <p:nvGrpSpPr>
+          <p:cNvPr id="75" name="Group 74"/>
+          <p:cNvGrpSpPr/>
+          <p:nvPr/>
+        </p:nvGrpSpPr>
+        <p:grpSpPr>
+          <a:xfrm>
+            <a:off x="207245" y="431492"/>
+            <a:ext cx="4874354" cy="2814774"/>
+            <a:chOff x="207245" y="431492"/>
+            <a:chExt cx="4874354" cy="2814774"/>
+          </a:xfrm>
+        </p:grpSpPr>
+        <p:grpSp>
+          <p:nvGrpSpPr>
+            <p:cNvPr id="73" name="Group 72"/>
+            <p:cNvGrpSpPr/>
+            <p:nvPr/>
+          </p:nvGrpSpPr>
+          <p:grpSpPr>
+            <a:xfrm>
+              <a:off x="207245" y="431492"/>
+              <a:ext cx="4874354" cy="2749548"/>
+              <a:chOff x="4656415" y="1577904"/>
+              <a:chExt cx="4874354" cy="2749548"/>
+            </a:xfrm>
+          </p:grpSpPr>
+          <p:grpSp>
+            <p:nvGrpSpPr>
+              <p:cNvPr id="8" name="Group 7"/>
+              <p:cNvGrpSpPr/>
+              <p:nvPr/>
+            </p:nvGrpSpPr>
+            <p:grpSpPr>
+              <a:xfrm>
+                <a:off x="6074065" y="1577904"/>
+                <a:ext cx="2053986" cy="2749548"/>
+                <a:chOff x="1533963" y="1854350"/>
+                <a:chExt cx="2053986" cy="2749548"/>
+              </a:xfrm>
+            </p:grpSpPr>
+            <p:sp>
+              <p:nvSpPr>
+                <p:cNvPr id="4" name="Rectangle 3"/>
+                <p:cNvSpPr/>
+                <p:nvPr/>
+              </p:nvSpPr>
+              <p:spPr>
+                <a:xfrm>
+                  <a:off x="1533964" y="2092090"/>
+                  <a:ext cx="563526" cy="2265221"/>
+                </a:xfrm>
+                <a:prstGeom prst="rect">
+                  <a:avLst/>
+                </a:prstGeom>
+                <a:solidFill>
+                  <a:schemeClr val="bg2">
+                    <a:lumMod val="75000"/>
+                  </a:schemeClr>
+                </a:solidFill>
+                <a:ln w="38100">
+                  <a:solidFill>
+                    <a:schemeClr val="bg2">
+                      <a:lumMod val="75000"/>
+                    </a:schemeClr>
+                  </a:solidFill>
+                </a:ln>
+              </p:spPr>
+              <p:style>
+                <a:lnRef idx="2">
+                  <a:schemeClr val="accent1">
+                    <a:shade val="50000"/>
+                  </a:schemeClr>
+                </a:lnRef>
+                <a:fillRef idx="1">
+                  <a:schemeClr val="accent1"/>
+                </a:fillRef>
+                <a:effectRef idx="0">
+                  <a:schemeClr val="accent1"/>
+                </a:effectRef>
+                <a:fontRef idx="minor">
+                  <a:schemeClr val="lt1"/>
+                </a:fontRef>
+              </p:style>
+              <p:txBody>
+                <a:bodyPr rtlCol="0" anchor="ctr"/>
+                <a:lstStyle/>
+                <a:p>
+                  <a:pPr algn="ctr"/>
+                  <a:endParaRPr lang="en-US"/>
+                </a:p>
+              </p:txBody>
+            </p:sp>
+            <p:sp>
+              <p:nvSpPr>
+                <p:cNvPr id="5" name="Rectangle 4"/>
+                <p:cNvSpPr/>
+                <p:nvPr/>
+              </p:nvSpPr>
+              <p:spPr>
+                <a:xfrm>
+                  <a:off x="3024423" y="2100937"/>
+                  <a:ext cx="563526" cy="2265221"/>
+                </a:xfrm>
+                <a:prstGeom prst="rect">
+                  <a:avLst/>
+                </a:prstGeom>
+                <a:solidFill>
+                  <a:schemeClr val="bg2">
+                    <a:lumMod val="75000"/>
+                  </a:schemeClr>
+                </a:solidFill>
+                <a:ln w="38100">
+                  <a:solidFill>
+                    <a:schemeClr val="bg2">
+                      <a:lumMod val="75000"/>
+                    </a:schemeClr>
+                  </a:solidFill>
+                </a:ln>
+              </p:spPr>
+              <p:style>
+                <a:lnRef idx="2">
+                  <a:schemeClr val="accent1">
+                    <a:shade val="50000"/>
+                  </a:schemeClr>
+                </a:lnRef>
+                <a:fillRef idx="1">
+                  <a:schemeClr val="accent1"/>
+                </a:fillRef>
+                <a:effectRef idx="0">
+                  <a:schemeClr val="accent1"/>
+                </a:effectRef>
+                <a:fontRef idx="minor">
+                  <a:schemeClr val="lt1"/>
+                </a:fontRef>
+              </p:style>
+              <p:txBody>
+                <a:bodyPr rtlCol="0" anchor="ctr"/>
+                <a:lstStyle/>
+                <a:p>
+                  <a:pPr algn="ctr"/>
+                  <a:endParaRPr lang="en-US"/>
+                </a:p>
+              </p:txBody>
+            </p:sp>
+            <p:sp>
+              <p:nvSpPr>
+                <p:cNvPr id="6" name="Rectangle 5"/>
+                <p:cNvSpPr/>
+                <p:nvPr/>
+              </p:nvSpPr>
+              <p:spPr>
+                <a:xfrm>
+                  <a:off x="1533964" y="4366158"/>
+                  <a:ext cx="2053985" cy="237740"/>
+                </a:xfrm>
+                <a:prstGeom prst="rect">
+                  <a:avLst/>
+                </a:prstGeom>
+                <a:solidFill>
+                  <a:schemeClr val="bg2">
+                    <a:lumMod val="75000"/>
+                  </a:schemeClr>
+                </a:solidFill>
+                <a:ln w="38100">
+                  <a:solidFill>
+                    <a:schemeClr val="bg2">
+                      <a:lumMod val="75000"/>
+                    </a:schemeClr>
+                  </a:solidFill>
+                </a:ln>
+              </p:spPr>
+              <p:style>
+                <a:lnRef idx="2">
+                  <a:schemeClr val="accent1">
+                    <a:shade val="50000"/>
+                  </a:schemeClr>
+                </a:lnRef>
+                <a:fillRef idx="1">
+                  <a:schemeClr val="accent1"/>
+                </a:fillRef>
+                <a:effectRef idx="0">
+                  <a:schemeClr val="accent1"/>
+                </a:effectRef>
+                <a:fontRef idx="minor">
+                  <a:schemeClr val="lt1"/>
+                </a:fontRef>
+              </p:style>
+              <p:txBody>
+                <a:bodyPr rtlCol="0" anchor="ctr"/>
+                <a:lstStyle/>
+                <a:p>
+                  <a:pPr algn="ctr"/>
+                  <a:endParaRPr lang="en-US"/>
+                </a:p>
+              </p:txBody>
+            </p:sp>
+            <p:sp>
+              <p:nvSpPr>
+                <p:cNvPr id="7" name="Rectangle 6"/>
+                <p:cNvSpPr/>
+                <p:nvPr/>
+              </p:nvSpPr>
+              <p:spPr>
+                <a:xfrm>
+                  <a:off x="1533963" y="1854350"/>
+                  <a:ext cx="2053985" cy="237740"/>
+                </a:xfrm>
+                <a:prstGeom prst="rect">
+                  <a:avLst/>
+                </a:prstGeom>
+                <a:solidFill>
+                  <a:schemeClr val="bg2">
+                    <a:lumMod val="75000"/>
+                  </a:schemeClr>
+                </a:solidFill>
+                <a:ln w="38100">
+                  <a:solidFill>
+                    <a:schemeClr val="bg2">
+                      <a:lumMod val="75000"/>
+                    </a:schemeClr>
+                  </a:solidFill>
+                </a:ln>
+              </p:spPr>
+              <p:style>
+                <a:lnRef idx="2">
+                  <a:schemeClr val="accent1">
+                    <a:shade val="50000"/>
+                  </a:schemeClr>
+                </a:lnRef>
+                <a:fillRef idx="1">
+                  <a:schemeClr val="accent1"/>
+                </a:fillRef>
+                <a:effectRef idx="0">
+                  <a:schemeClr val="accent1"/>
+                </a:effectRef>
+                <a:fontRef idx="minor">
+                  <a:schemeClr val="lt1"/>
+                </a:fontRef>
+              </p:style>
+              <p:txBody>
+                <a:bodyPr rtlCol="0" anchor="ctr"/>
+                <a:lstStyle/>
+                <a:p>
+                  <a:pPr algn="ctr"/>
+                  <a:endParaRPr lang="en-US"/>
+                </a:p>
+              </p:txBody>
+            </p:sp>
+          </p:grpSp>
+          <p:cxnSp>
+            <p:nvCxnSpPr>
+              <p:cNvPr id="10" name="Straight Connector 9"/>
+              <p:cNvCxnSpPr/>
+              <p:nvPr/>
+            </p:nvCxnSpPr>
+            <p:spPr>
+              <a:xfrm flipV="1">
+                <a:off x="5152445" y="2651981"/>
+                <a:ext cx="1502797" cy="7951"/>
+              </a:xfrm>
+              <a:prstGeom prst="line">
+                <a:avLst/>
+              </a:prstGeom>
+              <a:ln w="38100">
+                <a:solidFill>
+                  <a:schemeClr val="tx1"/>
+                </a:solidFill>
+              </a:ln>
+            </p:spPr>
+            <p:style>
+              <a:lnRef idx="1">
+                <a:schemeClr val="accent1"/>
+              </a:lnRef>
+              <a:fillRef idx="0">
+                <a:schemeClr val="accent1"/>
+              </a:fillRef>
+              <a:effectRef idx="0">
+                <a:schemeClr val="accent1"/>
+              </a:effectRef>
+              <a:fontRef idx="minor">
+                <a:schemeClr val="tx1"/>
+              </a:fontRef>
+            </p:style>
+          </p:cxnSp>
+          <p:cxnSp>
+            <p:nvCxnSpPr>
+              <p:cNvPr id="11" name="Straight Connector 10"/>
+              <p:cNvCxnSpPr/>
+              <p:nvPr/>
+            </p:nvCxnSpPr>
+            <p:spPr>
+              <a:xfrm>
+                <a:off x="6048912" y="2718558"/>
+                <a:ext cx="613833" cy="0"/>
+              </a:xfrm>
+              <a:prstGeom prst="line">
+                <a:avLst/>
+              </a:prstGeom>
+              <a:ln w="38100">
+                <a:solidFill>
+                  <a:schemeClr val="tx1"/>
+                </a:solidFill>
+              </a:ln>
+            </p:spPr>
+            <p:style>
+              <a:lnRef idx="1">
+                <a:schemeClr val="accent1"/>
+              </a:lnRef>
+              <a:fillRef idx="0">
+                <a:schemeClr val="accent1"/>
+              </a:fillRef>
+              <a:effectRef idx="0">
+                <a:schemeClr val="accent1"/>
+              </a:effectRef>
+              <a:fontRef idx="minor">
+                <a:schemeClr val="tx1"/>
+              </a:fontRef>
+            </p:style>
+          </p:cxnSp>
+          <p:cxnSp>
+            <p:nvCxnSpPr>
+              <p:cNvPr id="19" name="Straight Connector 18"/>
+              <p:cNvCxnSpPr/>
+              <p:nvPr/>
+            </p:nvCxnSpPr>
+            <p:spPr>
+              <a:xfrm>
+                <a:off x="6048912" y="2782248"/>
+                <a:ext cx="613833" cy="0"/>
+              </a:xfrm>
+              <a:prstGeom prst="line">
+                <a:avLst/>
+              </a:prstGeom>
+              <a:ln w="38100">
+                <a:solidFill>
+                  <a:schemeClr val="tx1"/>
+                </a:solidFill>
+              </a:ln>
+            </p:spPr>
+            <p:style>
+              <a:lnRef idx="1">
+                <a:schemeClr val="accent1"/>
+              </a:lnRef>
+              <a:fillRef idx="0">
+                <a:schemeClr val="accent1"/>
+              </a:fillRef>
+              <a:effectRef idx="0">
+                <a:schemeClr val="accent1"/>
+              </a:effectRef>
+              <a:fontRef idx="minor">
+                <a:schemeClr val="tx1"/>
+              </a:fontRef>
+            </p:style>
+          </p:cxnSp>
+          <p:cxnSp>
+            <p:nvCxnSpPr>
+              <p:cNvPr id="20" name="Straight Connector 19"/>
+              <p:cNvCxnSpPr/>
+              <p:nvPr/>
+            </p:nvCxnSpPr>
+            <p:spPr>
+              <a:xfrm>
+                <a:off x="6048912" y="2843663"/>
+                <a:ext cx="613833" cy="0"/>
+              </a:xfrm>
+              <a:prstGeom prst="line">
+                <a:avLst/>
+              </a:prstGeom>
+              <a:ln w="38100">
+                <a:solidFill>
+                  <a:schemeClr val="tx1"/>
+                </a:solidFill>
+              </a:ln>
+            </p:spPr>
+            <p:style>
+              <a:lnRef idx="1">
+                <a:schemeClr val="accent1"/>
+              </a:lnRef>
+              <a:fillRef idx="0">
+                <a:schemeClr val="accent1"/>
+              </a:fillRef>
+              <a:effectRef idx="0">
+                <a:schemeClr val="accent1"/>
+              </a:effectRef>
+              <a:fontRef idx="minor">
+                <a:schemeClr val="tx1"/>
+              </a:fontRef>
+            </p:style>
+          </p:cxnSp>
+          <p:cxnSp>
+            <p:nvCxnSpPr>
+              <p:cNvPr id="21" name="Straight Connector 20"/>
+              <p:cNvCxnSpPr/>
+              <p:nvPr/>
+            </p:nvCxnSpPr>
+            <p:spPr>
+              <a:xfrm>
+                <a:off x="6048912" y="2907353"/>
+                <a:ext cx="613833" cy="0"/>
+              </a:xfrm>
+              <a:prstGeom prst="line">
+                <a:avLst/>
+              </a:prstGeom>
+              <a:ln w="38100">
+                <a:solidFill>
+                  <a:schemeClr val="tx1"/>
+                </a:solidFill>
+              </a:ln>
+            </p:spPr>
+            <p:style>
+              <a:lnRef idx="1">
+                <a:schemeClr val="accent1"/>
+              </a:lnRef>
+              <a:fillRef idx="0">
+                <a:schemeClr val="accent1"/>
+              </a:fillRef>
+              <a:effectRef idx="0">
+                <a:schemeClr val="accent1"/>
+              </a:effectRef>
+              <a:fontRef idx="minor">
+                <a:schemeClr val="tx1"/>
+              </a:fontRef>
+            </p:style>
+          </p:cxnSp>
+          <p:cxnSp>
+            <p:nvCxnSpPr>
+              <p:cNvPr id="22" name="Straight Connector 21"/>
+              <p:cNvCxnSpPr/>
+              <p:nvPr/>
+            </p:nvCxnSpPr>
+            <p:spPr>
+              <a:xfrm>
+                <a:off x="6050507" y="2971041"/>
+                <a:ext cx="613833" cy="0"/>
+              </a:xfrm>
+              <a:prstGeom prst="line">
+                <a:avLst/>
+              </a:prstGeom>
+              <a:ln w="38100">
+                <a:solidFill>
+                  <a:schemeClr val="tx1"/>
+                </a:solidFill>
+              </a:ln>
+            </p:spPr>
+            <p:style>
+              <a:lnRef idx="1">
+                <a:schemeClr val="accent1"/>
+              </a:lnRef>
+              <a:fillRef idx="0">
+                <a:schemeClr val="accent1"/>
+              </a:fillRef>
+              <a:effectRef idx="0">
+                <a:schemeClr val="accent1"/>
+              </a:effectRef>
+              <a:fontRef idx="minor">
+                <a:schemeClr val="tx1"/>
+              </a:fontRef>
+            </p:style>
+          </p:cxnSp>
+          <p:cxnSp>
+            <p:nvCxnSpPr>
+              <p:cNvPr id="23" name="Straight Connector 22"/>
+              <p:cNvCxnSpPr/>
+              <p:nvPr/>
+            </p:nvCxnSpPr>
+            <p:spPr>
+              <a:xfrm>
+                <a:off x="6050507" y="3034731"/>
+                <a:ext cx="613833" cy="0"/>
+              </a:xfrm>
+              <a:prstGeom prst="line">
+                <a:avLst/>
+              </a:prstGeom>
+              <a:ln w="38100">
+                <a:solidFill>
+                  <a:schemeClr val="tx1"/>
+                </a:solidFill>
+              </a:ln>
+            </p:spPr>
+            <p:style>
+              <a:lnRef idx="1">
+                <a:schemeClr val="accent1"/>
+              </a:lnRef>
+              <a:fillRef idx="0">
+                <a:schemeClr val="accent1"/>
+              </a:fillRef>
+              <a:effectRef idx="0">
+                <a:schemeClr val="accent1"/>
+              </a:effectRef>
+              <a:fontRef idx="minor">
+                <a:schemeClr val="tx1"/>
+              </a:fontRef>
+            </p:style>
+          </p:cxnSp>
+          <p:cxnSp>
+            <p:nvCxnSpPr>
+              <p:cNvPr id="24" name="Straight Connector 23"/>
+              <p:cNvCxnSpPr/>
+              <p:nvPr/>
+            </p:nvCxnSpPr>
+            <p:spPr>
+              <a:xfrm>
+                <a:off x="6050507" y="3096146"/>
+                <a:ext cx="613833" cy="0"/>
+              </a:xfrm>
+              <a:prstGeom prst="line">
+                <a:avLst/>
+              </a:prstGeom>
+              <a:ln w="38100">
+                <a:solidFill>
+                  <a:schemeClr val="tx1"/>
+                </a:solidFill>
+              </a:ln>
+            </p:spPr>
+            <p:style>
+              <a:lnRef idx="1">
+                <a:schemeClr val="accent1"/>
+              </a:lnRef>
+              <a:fillRef idx="0">
+                <a:schemeClr val="accent1"/>
+              </a:fillRef>
+              <a:effectRef idx="0">
+                <a:schemeClr val="accent1"/>
+              </a:effectRef>
+              <a:fontRef idx="minor">
+                <a:schemeClr val="tx1"/>
+              </a:fontRef>
+            </p:style>
+          </p:cxnSp>
+          <p:cxnSp>
+            <p:nvCxnSpPr>
+              <p:cNvPr id="25" name="Straight Connector 24"/>
+              <p:cNvCxnSpPr/>
+              <p:nvPr/>
+            </p:nvCxnSpPr>
+            <p:spPr>
+              <a:xfrm>
+                <a:off x="6050507" y="3159836"/>
+                <a:ext cx="613833" cy="0"/>
+              </a:xfrm>
+              <a:prstGeom prst="line">
+                <a:avLst/>
+              </a:prstGeom>
+              <a:ln w="38100">
+                <a:solidFill>
+                  <a:schemeClr val="tx1"/>
+                </a:solidFill>
+              </a:ln>
+            </p:spPr>
+            <p:style>
+              <a:lnRef idx="1">
+                <a:schemeClr val="accent1"/>
+              </a:lnRef>
+              <a:fillRef idx="0">
+                <a:schemeClr val="accent1"/>
+              </a:fillRef>
+              <a:effectRef idx="0">
+                <a:schemeClr val="accent1"/>
+              </a:effectRef>
+              <a:fontRef idx="minor">
+                <a:schemeClr val="tx1"/>
+              </a:fontRef>
+            </p:style>
+          </p:cxnSp>
+          <p:cxnSp>
+            <p:nvCxnSpPr>
+              <p:cNvPr id="26" name="Straight Connector 25"/>
+              <p:cNvCxnSpPr/>
+              <p:nvPr/>
+            </p:nvCxnSpPr>
+            <p:spPr>
+              <a:xfrm flipV="1">
+                <a:off x="5159948" y="3222995"/>
+                <a:ext cx="1502797" cy="7951"/>
+              </a:xfrm>
+              <a:prstGeom prst="line">
+                <a:avLst/>
+              </a:prstGeom>
+              <a:ln w="38100">
+                <a:solidFill>
+                  <a:schemeClr val="tx1"/>
+                </a:solidFill>
+              </a:ln>
+            </p:spPr>
+            <p:style>
+              <a:lnRef idx="1">
+                <a:schemeClr val="accent1"/>
+              </a:lnRef>
+              <a:fillRef idx="0">
+                <a:schemeClr val="accent1"/>
+              </a:fillRef>
+              <a:effectRef idx="0">
+                <a:schemeClr val="accent1"/>
+              </a:effectRef>
+              <a:fontRef idx="minor">
+                <a:schemeClr val="tx1"/>
+              </a:fontRef>
+            </p:style>
+          </p:cxnSp>
+          <p:cxnSp>
+            <p:nvCxnSpPr>
+              <p:cNvPr id="27" name="Straight Connector 26"/>
+              <p:cNvCxnSpPr/>
+              <p:nvPr/>
+            </p:nvCxnSpPr>
+            <p:spPr>
+              <a:xfrm flipV="1">
+                <a:off x="7547809" y="2285725"/>
+                <a:ext cx="1502797" cy="7951"/>
+              </a:xfrm>
+              <a:prstGeom prst="line">
+                <a:avLst/>
+              </a:prstGeom>
+              <a:ln w="38100">
+                <a:solidFill>
+                  <a:schemeClr val="tx1"/>
+                </a:solidFill>
+              </a:ln>
+            </p:spPr>
+            <p:style>
+              <a:lnRef idx="1">
+                <a:schemeClr val="accent1"/>
+              </a:lnRef>
+              <a:fillRef idx="0">
+                <a:schemeClr val="accent1"/>
+              </a:fillRef>
+              <a:effectRef idx="0">
+                <a:schemeClr val="accent1"/>
+              </a:effectRef>
+              <a:fontRef idx="minor">
+                <a:schemeClr val="tx1"/>
+              </a:fontRef>
+            </p:style>
+          </p:cxnSp>
+          <p:cxnSp>
+            <p:nvCxnSpPr>
+              <p:cNvPr id="28" name="Straight Connector 27"/>
+              <p:cNvCxnSpPr/>
+              <p:nvPr/>
+            </p:nvCxnSpPr>
+            <p:spPr>
+              <a:xfrm>
+                <a:off x="7547809" y="2358237"/>
+                <a:ext cx="613833" cy="0"/>
+              </a:xfrm>
+              <a:prstGeom prst="line">
+                <a:avLst/>
+              </a:prstGeom>
+              <a:ln w="38100">
+                <a:solidFill>
+                  <a:schemeClr val="tx1"/>
+                </a:solidFill>
+              </a:ln>
+            </p:spPr>
+            <p:style>
+              <a:lnRef idx="1">
+                <a:schemeClr val="accent1"/>
+              </a:lnRef>
+              <a:fillRef idx="0">
+                <a:schemeClr val="accent1"/>
+              </a:fillRef>
+              <a:effectRef idx="0">
+                <a:schemeClr val="accent1"/>
+              </a:effectRef>
+              <a:fontRef idx="minor">
+                <a:schemeClr val="tx1"/>
+              </a:fontRef>
+            </p:style>
+          </p:cxnSp>
+          <p:cxnSp>
+            <p:nvCxnSpPr>
+              <p:cNvPr id="29" name="Straight Connector 28"/>
+              <p:cNvCxnSpPr/>
+              <p:nvPr/>
+            </p:nvCxnSpPr>
+            <p:spPr>
+              <a:xfrm>
+                <a:off x="7547809" y="2421927"/>
+                <a:ext cx="613833" cy="0"/>
+              </a:xfrm>
+              <a:prstGeom prst="line">
+                <a:avLst/>
+              </a:prstGeom>
+              <a:ln w="38100">
+                <a:solidFill>
+                  <a:schemeClr val="tx1"/>
+                </a:solidFill>
+              </a:ln>
+            </p:spPr>
+            <p:style>
+              <a:lnRef idx="1">
+                <a:schemeClr val="accent1"/>
+              </a:lnRef>
+              <a:fillRef idx="0">
+                <a:schemeClr val="accent1"/>
+              </a:fillRef>
+              <a:effectRef idx="0">
+                <a:schemeClr val="accent1"/>
+              </a:effectRef>
+              <a:fontRef idx="minor">
+                <a:schemeClr val="tx1"/>
+              </a:fontRef>
+            </p:style>
+          </p:cxnSp>
+          <p:cxnSp>
+            <p:nvCxnSpPr>
+              <p:cNvPr id="30" name="Straight Connector 29"/>
+              <p:cNvCxnSpPr/>
+              <p:nvPr/>
+            </p:nvCxnSpPr>
+            <p:spPr>
+              <a:xfrm>
+                <a:off x="7547809" y="2483342"/>
+                <a:ext cx="613833" cy="0"/>
+              </a:xfrm>
+              <a:prstGeom prst="line">
+                <a:avLst/>
+              </a:prstGeom>
+              <a:ln w="38100">
+                <a:solidFill>
+                  <a:schemeClr val="tx1"/>
+                </a:solidFill>
+              </a:ln>
+            </p:spPr>
+            <p:style>
+              <a:lnRef idx="1">
+                <a:schemeClr val="accent1"/>
+              </a:lnRef>
+              <a:fillRef idx="0">
+                <a:schemeClr val="accent1"/>
+              </a:fillRef>
+              <a:effectRef idx="0">
+                <a:schemeClr val="accent1"/>
+              </a:effectRef>
+              <a:fontRef idx="minor">
+                <a:schemeClr val="tx1"/>
+              </a:fontRef>
+            </p:style>
+          </p:cxnSp>
+          <p:cxnSp>
+            <p:nvCxnSpPr>
+              <p:cNvPr id="31" name="Straight Connector 30"/>
+              <p:cNvCxnSpPr/>
+              <p:nvPr/>
+            </p:nvCxnSpPr>
+            <p:spPr>
+              <a:xfrm>
+                <a:off x="7547809" y="2547032"/>
+                <a:ext cx="613833" cy="0"/>
+              </a:xfrm>
+              <a:prstGeom prst="line">
+                <a:avLst/>
+              </a:prstGeom>
+              <a:ln w="38100">
+                <a:solidFill>
+                  <a:schemeClr val="tx1"/>
+                </a:solidFill>
+              </a:ln>
+            </p:spPr>
+            <p:style>
+              <a:lnRef idx="1">
+                <a:schemeClr val="accent1"/>
+              </a:lnRef>
+              <a:fillRef idx="0">
+                <a:schemeClr val="accent1"/>
+              </a:fillRef>
+              <a:effectRef idx="0">
+                <a:schemeClr val="accent1"/>
+              </a:effectRef>
+              <a:fontRef idx="minor">
+                <a:schemeClr val="tx1"/>
+              </a:fontRef>
+            </p:style>
+          </p:cxnSp>
+          <p:cxnSp>
+            <p:nvCxnSpPr>
+              <p:cNvPr id="32" name="Straight Connector 31"/>
+              <p:cNvCxnSpPr/>
+              <p:nvPr/>
+            </p:nvCxnSpPr>
+            <p:spPr>
+              <a:xfrm>
+                <a:off x="7549404" y="2610720"/>
+                <a:ext cx="613833" cy="0"/>
+              </a:xfrm>
+              <a:prstGeom prst="line">
+                <a:avLst/>
+              </a:prstGeom>
+              <a:ln w="38100">
+                <a:solidFill>
+                  <a:schemeClr val="tx1"/>
+                </a:solidFill>
+              </a:ln>
+            </p:spPr>
+            <p:style>
+              <a:lnRef idx="1">
+                <a:schemeClr val="accent1"/>
+              </a:lnRef>
+              <a:fillRef idx="0">
+                <a:schemeClr val="accent1"/>
+              </a:fillRef>
+              <a:effectRef idx="0">
+                <a:schemeClr val="accent1"/>
+              </a:effectRef>
+              <a:fontRef idx="minor">
+                <a:schemeClr val="tx1"/>
+              </a:fontRef>
+            </p:style>
+          </p:cxnSp>
+          <p:cxnSp>
+            <p:nvCxnSpPr>
+              <p:cNvPr id="33" name="Straight Connector 32"/>
+              <p:cNvCxnSpPr/>
+              <p:nvPr/>
+            </p:nvCxnSpPr>
+            <p:spPr>
+              <a:xfrm>
+                <a:off x="7549404" y="2674410"/>
+                <a:ext cx="613833" cy="0"/>
+              </a:xfrm>
+              <a:prstGeom prst="line">
+                <a:avLst/>
+              </a:prstGeom>
+              <a:ln w="38100">
+                <a:solidFill>
+                  <a:schemeClr val="tx1"/>
+                </a:solidFill>
+              </a:ln>
+            </p:spPr>
+            <p:style>
+              <a:lnRef idx="1">
+                <a:schemeClr val="accent1"/>
+              </a:lnRef>
+              <a:fillRef idx="0">
+                <a:schemeClr val="accent1"/>
+              </a:fillRef>
+              <a:effectRef idx="0">
+                <a:schemeClr val="accent1"/>
+              </a:effectRef>
+              <a:fontRef idx="minor">
+                <a:schemeClr val="tx1"/>
+              </a:fontRef>
+            </p:style>
+          </p:cxnSp>
+          <p:cxnSp>
+            <p:nvCxnSpPr>
+              <p:cNvPr id="34" name="Straight Connector 33"/>
+              <p:cNvCxnSpPr/>
+              <p:nvPr/>
+            </p:nvCxnSpPr>
+            <p:spPr>
+              <a:xfrm>
+                <a:off x="7549404" y="2735825"/>
+                <a:ext cx="613833" cy="0"/>
+              </a:xfrm>
+              <a:prstGeom prst="line">
+                <a:avLst/>
+              </a:prstGeom>
+              <a:ln w="38100">
+                <a:solidFill>
+                  <a:schemeClr val="tx1"/>
+                </a:solidFill>
+              </a:ln>
+            </p:spPr>
+            <p:style>
+              <a:lnRef idx="1">
+                <a:schemeClr val="accent1"/>
+              </a:lnRef>
+              <a:fillRef idx="0">
+                <a:schemeClr val="accent1"/>
+              </a:fillRef>
+              <a:effectRef idx="0">
+                <a:schemeClr val="accent1"/>
+              </a:effectRef>
+              <a:fontRef idx="minor">
+                <a:schemeClr val="tx1"/>
+              </a:fontRef>
+            </p:style>
+          </p:cxnSp>
+          <p:cxnSp>
+            <p:nvCxnSpPr>
+              <p:cNvPr id="35" name="Straight Connector 34"/>
+              <p:cNvCxnSpPr/>
+              <p:nvPr/>
+            </p:nvCxnSpPr>
+            <p:spPr>
+              <a:xfrm>
+                <a:off x="7549404" y="2799515"/>
+                <a:ext cx="613833" cy="0"/>
+              </a:xfrm>
+              <a:prstGeom prst="line">
+                <a:avLst/>
+              </a:prstGeom>
+              <a:ln w="38100">
+                <a:solidFill>
+                  <a:schemeClr val="tx1"/>
+                </a:solidFill>
+              </a:ln>
+            </p:spPr>
+            <p:style>
+              <a:lnRef idx="1">
+                <a:schemeClr val="accent1"/>
+              </a:lnRef>
+              <a:fillRef idx="0">
+                <a:schemeClr val="accent1"/>
+              </a:fillRef>
+              <a:effectRef idx="0">
+                <a:schemeClr val="accent1"/>
+              </a:effectRef>
+              <a:fontRef idx="minor">
+                <a:schemeClr val="tx1"/>
+              </a:fontRef>
+            </p:style>
+          </p:cxnSp>
+          <p:cxnSp>
+            <p:nvCxnSpPr>
+              <p:cNvPr id="36" name="Straight Connector 35"/>
+              <p:cNvCxnSpPr/>
+              <p:nvPr/>
+            </p:nvCxnSpPr>
+            <p:spPr>
+              <a:xfrm flipV="1">
+                <a:off x="7556023" y="3670892"/>
+                <a:ext cx="1502797" cy="7951"/>
+              </a:xfrm>
+              <a:prstGeom prst="line">
+                <a:avLst/>
+              </a:prstGeom>
+              <a:ln w="38100">
+                <a:solidFill>
+                  <a:schemeClr val="tx1"/>
+                </a:solidFill>
+              </a:ln>
+            </p:spPr>
+            <p:style>
+              <a:lnRef idx="1">
+                <a:schemeClr val="accent1"/>
+              </a:lnRef>
+              <a:fillRef idx="0">
+                <a:schemeClr val="accent1"/>
+              </a:fillRef>
+              <a:effectRef idx="0">
+                <a:schemeClr val="accent1"/>
+              </a:effectRef>
+              <a:fontRef idx="minor">
+                <a:schemeClr val="tx1"/>
+              </a:fontRef>
+            </p:style>
+          </p:cxnSp>
+          <p:cxnSp>
+            <p:nvCxnSpPr>
+              <p:cNvPr id="37" name="Straight Connector 36"/>
+              <p:cNvCxnSpPr/>
+              <p:nvPr/>
+            </p:nvCxnSpPr>
+            <p:spPr>
+              <a:xfrm>
+                <a:off x="7557618" y="2863773"/>
+                <a:ext cx="613833" cy="0"/>
+              </a:xfrm>
+              <a:prstGeom prst="line">
+                <a:avLst/>
+              </a:prstGeom>
+              <a:ln w="38100">
+                <a:solidFill>
+                  <a:schemeClr val="tx1"/>
+                </a:solidFill>
+              </a:ln>
+            </p:spPr>
+            <p:style>
+              <a:lnRef idx="1">
+                <a:schemeClr val="accent1"/>
+              </a:lnRef>
+              <a:fillRef idx="0">
+                <a:schemeClr val="accent1"/>
+              </a:fillRef>
+              <a:effectRef idx="0">
+                <a:schemeClr val="accent1"/>
+              </a:effectRef>
+              <a:fontRef idx="minor">
+                <a:schemeClr val="tx1"/>
+              </a:fontRef>
+            </p:style>
+          </p:cxnSp>
+          <p:cxnSp>
+            <p:nvCxnSpPr>
+              <p:cNvPr id="38" name="Straight Connector 37"/>
+              <p:cNvCxnSpPr/>
+              <p:nvPr/>
+            </p:nvCxnSpPr>
+            <p:spPr>
+              <a:xfrm>
+                <a:off x="7557618" y="2927463"/>
+                <a:ext cx="613833" cy="0"/>
+              </a:xfrm>
+              <a:prstGeom prst="line">
+                <a:avLst/>
+              </a:prstGeom>
+              <a:ln w="38100">
+                <a:solidFill>
+                  <a:schemeClr val="tx1"/>
+                </a:solidFill>
+              </a:ln>
+            </p:spPr>
+            <p:style>
+              <a:lnRef idx="1">
+                <a:schemeClr val="accent1"/>
+              </a:lnRef>
+              <a:fillRef idx="0">
+                <a:schemeClr val="accent1"/>
+              </a:fillRef>
+              <a:effectRef idx="0">
+                <a:schemeClr val="accent1"/>
+              </a:effectRef>
+              <a:fontRef idx="minor">
+                <a:schemeClr val="tx1"/>
+              </a:fontRef>
+            </p:style>
+          </p:cxnSp>
+          <p:cxnSp>
+            <p:nvCxnSpPr>
+              <p:cNvPr id="39" name="Straight Connector 38"/>
+              <p:cNvCxnSpPr/>
+              <p:nvPr/>
+            </p:nvCxnSpPr>
+            <p:spPr>
+              <a:xfrm>
+                <a:off x="7557618" y="2988878"/>
+                <a:ext cx="613833" cy="0"/>
+              </a:xfrm>
+              <a:prstGeom prst="line">
+                <a:avLst/>
+              </a:prstGeom>
+              <a:ln w="38100">
+                <a:solidFill>
+                  <a:schemeClr val="tx1"/>
+                </a:solidFill>
+              </a:ln>
+            </p:spPr>
+            <p:style>
+              <a:lnRef idx="1">
+                <a:schemeClr val="accent1"/>
+              </a:lnRef>
+              <a:fillRef idx="0">
+                <a:schemeClr val="accent1"/>
+              </a:fillRef>
+              <a:effectRef idx="0">
+                <a:schemeClr val="accent1"/>
+              </a:effectRef>
+              <a:fontRef idx="minor">
+                <a:schemeClr val="tx1"/>
+              </a:fontRef>
+            </p:style>
+          </p:cxnSp>
+          <p:cxnSp>
+            <p:nvCxnSpPr>
+              <p:cNvPr id="40" name="Straight Connector 39"/>
+              <p:cNvCxnSpPr/>
+              <p:nvPr/>
+            </p:nvCxnSpPr>
+            <p:spPr>
+              <a:xfrm>
+                <a:off x="7557618" y="3052568"/>
+                <a:ext cx="613833" cy="0"/>
+              </a:xfrm>
+              <a:prstGeom prst="line">
+                <a:avLst/>
+              </a:prstGeom>
+              <a:ln w="38100">
+                <a:solidFill>
+                  <a:schemeClr val="tx1"/>
+                </a:solidFill>
+              </a:ln>
+            </p:spPr>
+            <p:style>
+              <a:lnRef idx="1">
+                <a:schemeClr val="accent1"/>
+              </a:lnRef>
+              <a:fillRef idx="0">
+                <a:schemeClr val="accent1"/>
+              </a:fillRef>
+              <a:effectRef idx="0">
+                <a:schemeClr val="accent1"/>
+              </a:effectRef>
+              <a:fontRef idx="minor">
+                <a:schemeClr val="tx1"/>
+              </a:fontRef>
+            </p:style>
+          </p:cxnSp>
+          <p:cxnSp>
+            <p:nvCxnSpPr>
+              <p:cNvPr id="41" name="Straight Connector 40"/>
+              <p:cNvCxnSpPr/>
+              <p:nvPr/>
+            </p:nvCxnSpPr>
+            <p:spPr>
+              <a:xfrm>
+                <a:off x="7559213" y="3116256"/>
+                <a:ext cx="613833" cy="0"/>
+              </a:xfrm>
+              <a:prstGeom prst="line">
+                <a:avLst/>
+              </a:prstGeom>
+              <a:ln w="38100">
+                <a:solidFill>
+                  <a:schemeClr val="tx1"/>
+                </a:solidFill>
+              </a:ln>
+            </p:spPr>
+            <p:style>
+              <a:lnRef idx="1">
+                <a:schemeClr val="accent1"/>
+              </a:lnRef>
+              <a:fillRef idx="0">
+                <a:schemeClr val="accent1"/>
+              </a:fillRef>
+              <a:effectRef idx="0">
+                <a:schemeClr val="accent1"/>
+              </a:effectRef>
+              <a:fontRef idx="minor">
+                <a:schemeClr val="tx1"/>
+              </a:fontRef>
+            </p:style>
+          </p:cxnSp>
+          <p:cxnSp>
+            <p:nvCxnSpPr>
+              <p:cNvPr id="42" name="Straight Connector 41"/>
+              <p:cNvCxnSpPr/>
+              <p:nvPr/>
+            </p:nvCxnSpPr>
+            <p:spPr>
+              <a:xfrm>
+                <a:off x="7559213" y="3179946"/>
+                <a:ext cx="613833" cy="0"/>
+              </a:xfrm>
+              <a:prstGeom prst="line">
+                <a:avLst/>
+              </a:prstGeom>
+              <a:ln w="38100">
+                <a:solidFill>
+                  <a:schemeClr val="tx1"/>
+                </a:solidFill>
+              </a:ln>
+            </p:spPr>
+            <p:style>
+              <a:lnRef idx="1">
+                <a:schemeClr val="accent1"/>
+              </a:lnRef>
+              <a:fillRef idx="0">
+                <a:schemeClr val="accent1"/>
+              </a:fillRef>
+              <a:effectRef idx="0">
+                <a:schemeClr val="accent1"/>
+              </a:effectRef>
+              <a:fontRef idx="minor">
+                <a:schemeClr val="tx1"/>
+              </a:fontRef>
+            </p:style>
+          </p:cxnSp>
+          <p:cxnSp>
+            <p:nvCxnSpPr>
+              <p:cNvPr id="43" name="Straight Connector 42"/>
+              <p:cNvCxnSpPr/>
+              <p:nvPr/>
+            </p:nvCxnSpPr>
+            <p:spPr>
+              <a:xfrm>
+                <a:off x="7559213" y="3241361"/>
+                <a:ext cx="613833" cy="0"/>
+              </a:xfrm>
+              <a:prstGeom prst="line">
+                <a:avLst/>
+              </a:prstGeom>
+              <a:ln w="38100">
+                <a:solidFill>
+                  <a:schemeClr val="tx1"/>
+                </a:solidFill>
+              </a:ln>
+            </p:spPr>
+            <p:style>
+              <a:lnRef idx="1">
+                <a:schemeClr val="accent1"/>
+              </a:lnRef>
+              <a:fillRef idx="0">
+                <a:schemeClr val="accent1"/>
+              </a:fillRef>
+              <a:effectRef idx="0">
+                <a:schemeClr val="accent1"/>
+              </a:effectRef>
+              <a:fontRef idx="minor">
+                <a:schemeClr val="tx1"/>
+              </a:fontRef>
+            </p:style>
+          </p:cxnSp>
+          <p:cxnSp>
+            <p:nvCxnSpPr>
+              <p:cNvPr id="44" name="Straight Connector 43"/>
+              <p:cNvCxnSpPr/>
+              <p:nvPr/>
+            </p:nvCxnSpPr>
+            <p:spPr>
+              <a:xfrm>
+                <a:off x="7559213" y="3305051"/>
+                <a:ext cx="613833" cy="0"/>
+              </a:xfrm>
+              <a:prstGeom prst="line">
+                <a:avLst/>
+              </a:prstGeom>
+              <a:ln w="38100">
+                <a:solidFill>
+                  <a:schemeClr val="tx1"/>
+                </a:solidFill>
+              </a:ln>
+            </p:spPr>
+            <p:style>
+              <a:lnRef idx="1">
+                <a:schemeClr val="accent1"/>
+              </a:lnRef>
+              <a:fillRef idx="0">
+                <a:schemeClr val="accent1"/>
+              </a:fillRef>
+              <a:effectRef idx="0">
+                <a:schemeClr val="accent1"/>
+              </a:effectRef>
+              <a:fontRef idx="minor">
+                <a:schemeClr val="tx1"/>
+              </a:fontRef>
+            </p:style>
+          </p:cxnSp>
+          <p:cxnSp>
+            <p:nvCxnSpPr>
+              <p:cNvPr id="45" name="Straight Connector 44"/>
+              <p:cNvCxnSpPr/>
+              <p:nvPr/>
+            </p:nvCxnSpPr>
+            <p:spPr>
+              <a:xfrm>
+                <a:off x="7556023" y="3363718"/>
+                <a:ext cx="613833" cy="0"/>
+              </a:xfrm>
+              <a:prstGeom prst="line">
+                <a:avLst/>
+              </a:prstGeom>
+              <a:ln w="38100">
+                <a:solidFill>
+                  <a:schemeClr val="tx1"/>
+                </a:solidFill>
+              </a:ln>
+            </p:spPr>
+            <p:style>
+              <a:lnRef idx="1">
+                <a:schemeClr val="accent1"/>
+              </a:lnRef>
+              <a:fillRef idx="0">
+                <a:schemeClr val="accent1"/>
+              </a:fillRef>
+              <a:effectRef idx="0">
+                <a:schemeClr val="accent1"/>
+              </a:effectRef>
+              <a:fontRef idx="minor">
+                <a:schemeClr val="tx1"/>
+              </a:fontRef>
+            </p:style>
+          </p:cxnSp>
+          <p:cxnSp>
+            <p:nvCxnSpPr>
+              <p:cNvPr id="46" name="Straight Connector 45"/>
+              <p:cNvCxnSpPr/>
+              <p:nvPr/>
+            </p:nvCxnSpPr>
+            <p:spPr>
+              <a:xfrm>
+                <a:off x="7557618" y="3427406"/>
+                <a:ext cx="613833" cy="0"/>
+              </a:xfrm>
+              <a:prstGeom prst="line">
+                <a:avLst/>
+              </a:prstGeom>
+              <a:ln w="38100">
+                <a:solidFill>
+                  <a:schemeClr val="tx1"/>
+                </a:solidFill>
+              </a:ln>
+            </p:spPr>
+            <p:style>
+              <a:lnRef idx="1">
+                <a:schemeClr val="accent1"/>
+              </a:lnRef>
+              <a:fillRef idx="0">
+                <a:schemeClr val="accent1"/>
+              </a:fillRef>
+              <a:effectRef idx="0">
+                <a:schemeClr val="accent1"/>
+              </a:effectRef>
+              <a:fontRef idx="minor">
+                <a:schemeClr val="tx1"/>
+              </a:fontRef>
+            </p:style>
+          </p:cxnSp>
+          <p:cxnSp>
+            <p:nvCxnSpPr>
+              <p:cNvPr id="47" name="Straight Connector 46"/>
+              <p:cNvCxnSpPr/>
+              <p:nvPr/>
+            </p:nvCxnSpPr>
+            <p:spPr>
+              <a:xfrm>
+                <a:off x="7557618" y="3491096"/>
+                <a:ext cx="613833" cy="0"/>
+              </a:xfrm>
+              <a:prstGeom prst="line">
+                <a:avLst/>
+              </a:prstGeom>
+              <a:ln w="38100">
+                <a:solidFill>
+                  <a:schemeClr val="tx1"/>
+                </a:solidFill>
+              </a:ln>
+            </p:spPr>
+            <p:style>
+              <a:lnRef idx="1">
+                <a:schemeClr val="accent1"/>
+              </a:lnRef>
+              <a:fillRef idx="0">
+                <a:schemeClr val="accent1"/>
+              </a:fillRef>
+              <a:effectRef idx="0">
+                <a:schemeClr val="accent1"/>
+              </a:effectRef>
+              <a:fontRef idx="minor">
+                <a:schemeClr val="tx1"/>
+              </a:fontRef>
+            </p:style>
+          </p:cxnSp>
+          <p:cxnSp>
+            <p:nvCxnSpPr>
+              <p:cNvPr id="48" name="Straight Connector 47"/>
+              <p:cNvCxnSpPr/>
+              <p:nvPr/>
+            </p:nvCxnSpPr>
+            <p:spPr>
+              <a:xfrm>
+                <a:off x="7557618" y="3552511"/>
+                <a:ext cx="613833" cy="0"/>
+              </a:xfrm>
+              <a:prstGeom prst="line">
+                <a:avLst/>
+              </a:prstGeom>
+              <a:ln w="38100">
+                <a:solidFill>
+                  <a:schemeClr val="tx1"/>
+                </a:solidFill>
+              </a:ln>
+            </p:spPr>
+            <p:style>
+              <a:lnRef idx="1">
+                <a:schemeClr val="accent1"/>
+              </a:lnRef>
+              <a:fillRef idx="0">
+                <a:schemeClr val="accent1"/>
+              </a:fillRef>
+              <a:effectRef idx="0">
+                <a:schemeClr val="accent1"/>
+              </a:effectRef>
+              <a:fontRef idx="minor">
+                <a:schemeClr val="tx1"/>
+              </a:fontRef>
+            </p:style>
+          </p:cxnSp>
+          <p:cxnSp>
+            <p:nvCxnSpPr>
+              <p:cNvPr id="49" name="Straight Connector 48"/>
+              <p:cNvCxnSpPr/>
+              <p:nvPr/>
+            </p:nvCxnSpPr>
+            <p:spPr>
+              <a:xfrm>
+                <a:off x="7557618" y="3616201"/>
+                <a:ext cx="613833" cy="0"/>
+              </a:xfrm>
+              <a:prstGeom prst="line">
+                <a:avLst/>
+              </a:prstGeom>
+              <a:ln w="38100">
+                <a:solidFill>
+                  <a:schemeClr val="tx1"/>
+                </a:solidFill>
+              </a:ln>
+            </p:spPr>
+            <p:style>
+              <a:lnRef idx="1">
+                <a:schemeClr val="accent1"/>
+              </a:lnRef>
+              <a:fillRef idx="0">
+                <a:schemeClr val="accent1"/>
+              </a:fillRef>
+              <a:effectRef idx="0">
+                <a:schemeClr val="accent1"/>
+              </a:effectRef>
+              <a:fontRef idx="minor">
+                <a:schemeClr val="tx1"/>
+              </a:fontRef>
+            </p:style>
+          </p:cxnSp>
+          <p:cxnSp>
+            <p:nvCxnSpPr>
+              <p:cNvPr id="51" name="Straight Arrow Connector 50"/>
+              <p:cNvCxnSpPr/>
+              <p:nvPr/>
+            </p:nvCxnSpPr>
+            <p:spPr>
+              <a:xfrm>
+                <a:off x="5152445" y="2735825"/>
+                <a:ext cx="0" cy="444121"/>
+              </a:xfrm>
+              <a:prstGeom prst="straightConnector1">
+                <a:avLst/>
+              </a:prstGeom>
+              <a:ln w="31750">
+                <a:solidFill>
+                  <a:schemeClr val="tx1"/>
+                </a:solidFill>
+                <a:headEnd type="triangle"/>
+                <a:tailEnd type="triangle"/>
+              </a:ln>
+            </p:spPr>
+            <p:style>
+              <a:lnRef idx="1">
+                <a:schemeClr val="accent1"/>
+              </a:lnRef>
+              <a:fillRef idx="0">
+                <a:schemeClr val="accent1"/>
+              </a:fillRef>
+              <a:effectRef idx="0">
+                <a:schemeClr val="accent1"/>
+              </a:effectRef>
+              <a:fontRef idx="minor">
+                <a:schemeClr val="tx1"/>
+              </a:fontRef>
+            </p:style>
+          </p:cxnSp>
+          <p:cxnSp>
+            <p:nvCxnSpPr>
+              <p:cNvPr id="52" name="Straight Arrow Connector 51"/>
+              <p:cNvCxnSpPr/>
+              <p:nvPr/>
+            </p:nvCxnSpPr>
+            <p:spPr>
+              <a:xfrm>
+                <a:off x="9050606" y="2343247"/>
+                <a:ext cx="0" cy="1272954"/>
+              </a:xfrm>
+              <a:prstGeom prst="straightConnector1">
+                <a:avLst/>
+              </a:prstGeom>
+              <a:ln w="31750">
+                <a:solidFill>
+                  <a:schemeClr val="tx1"/>
+                </a:solidFill>
+                <a:headEnd type="triangle"/>
+                <a:tailEnd type="triangle"/>
+              </a:ln>
+            </p:spPr>
+            <p:style>
+              <a:lnRef idx="1">
+                <a:schemeClr val="accent1"/>
+              </a:lnRef>
+              <a:fillRef idx="0">
+                <a:schemeClr val="accent1"/>
+              </a:fillRef>
+              <a:effectRef idx="0">
+                <a:schemeClr val="accent1"/>
+              </a:effectRef>
+              <a:fontRef idx="minor">
+                <a:schemeClr val="tx1"/>
+              </a:fontRef>
+            </p:style>
+          </p:cxnSp>
+          <mc:AlternateContent xmlns:mc="http://schemas.openxmlformats.org/markup-compatibility/2006">
+            <mc:Choice xmlns:a14="http://schemas.microsoft.com/office/drawing/2010/main" Requires="a14">
+              <p:sp>
+                <p:nvSpPr>
+                  <p:cNvPr id="55" name="TextBox 54"/>
+                  <p:cNvSpPr txBox="1"/>
+                  <p:nvPr/>
+                </p:nvSpPr>
+                <p:spPr>
+                  <a:xfrm>
+                    <a:off x="4656415" y="2761962"/>
+                    <a:ext cx="454612" cy="331437"/>
+                  </a:xfrm>
+                  <a:prstGeom prst="rect">
+                    <a:avLst/>
+                  </a:prstGeom>
+                  <a:noFill/>
+                </p:spPr>
+                <p:txBody>
+                  <a:bodyPr wrap="none" lIns="0" tIns="0" rIns="0" bIns="0" rtlCol="0">
+                    <a:spAutoFit/>
+                  </a:bodyPr>
+                  <a:lstStyle/>
+                  <a:p>
+                    <a14:m>
+                      <m:oMathPara xmlns:m="http://schemas.openxmlformats.org/officeDocument/2006/math">
+                        <m:oMathParaPr>
+                          <m:jc m:val="centerGroup"/>
+                        </m:oMathParaPr>
+                        <m:oMath xmlns:m="http://schemas.openxmlformats.org/officeDocument/2006/math">
+                          <m:r>
+                            <m:rPr>
+                              <m:sty m:val="p"/>
+                            </m:rPr>
+                            <a:rPr lang="en-US" sz="2000" b="0" i="0" smtClean="0">
+                              <a:latin typeface="Cambria Math" panose="02040503050406030204" pitchFamily="18" charset="0"/>
+                              <a:cs typeface="Arial" panose="020B0604020202020204" pitchFamily="34" charset="0"/>
+                            </a:rPr>
+                            <m:t>Δ</m:t>
+                          </m:r>
+                          <m:sSub>
+                            <m:sSubPr>
+                              <m:ctrlPr>
+                                <a:rPr lang="en-US" sz="2000" b="0" i="1" smtClean="0">
+                                  <a:latin typeface="Cambria Math" panose="02040503050406030204" pitchFamily="18" charset="0"/>
+                                  <a:cs typeface="Arial" panose="020B0604020202020204" pitchFamily="34" charset="0"/>
+                                </a:rPr>
+                              </m:ctrlPr>
+                            </m:sSubPr>
+                            <m:e>
+                              <m:r>
+                                <a:rPr lang="en-US" sz="2000" b="0" i="1" smtClean="0">
+                                  <a:latin typeface="Cambria Math" panose="02040503050406030204" pitchFamily="18" charset="0"/>
+                                  <a:cs typeface="Arial" panose="020B0604020202020204" pitchFamily="34" charset="0"/>
+                                </a:rPr>
+                                <m:t>𝑉</m:t>
+                              </m:r>
+                            </m:e>
+                            <m:sub>
+                              <m:r>
+                                <a:rPr lang="en-US" sz="2000" b="0" i="1" smtClean="0">
+                                  <a:latin typeface="Cambria Math" panose="02040503050406030204" pitchFamily="18" charset="0"/>
+                                  <a:cs typeface="Arial" panose="020B0604020202020204" pitchFamily="34" charset="0"/>
+                                </a:rPr>
+                                <m:t>𝑝</m:t>
+                              </m:r>
+                            </m:sub>
+                          </m:sSub>
+                        </m:oMath>
+                      </m:oMathPara>
+                    </a14:m>
+                    <a:endParaRPr lang="en-US" sz="2000" dirty="0" smtClean="0">
+                      <a:latin typeface="Arial" panose="020B0604020202020204" pitchFamily="34" charset="0"/>
+                      <a:cs typeface="Arial" panose="020B0604020202020204" pitchFamily="34" charset="0"/>
+                    </a:endParaRPr>
+                  </a:p>
+                </p:txBody>
+              </p:sp>
+            </mc:Choice>
+            <mc:Fallback>
+              <p:sp>
+                <p:nvSpPr>
+                  <p:cNvPr id="55" name="TextBox 54"/>
+                  <p:cNvSpPr txBox="1">
+                    <a:spLocks noRot="1" noChangeAspect="1" noMove="1" noResize="1" noEditPoints="1" noAdjustHandles="1" noChangeArrowheads="1" noChangeShapeType="1" noTextEdit="1"/>
+                  </p:cNvSpPr>
+                  <p:nvPr/>
+                </p:nvSpPr>
+                <p:spPr>
+                  <a:xfrm>
+                    <a:off x="4656415" y="2761962"/>
+                    <a:ext cx="454612" cy="331437"/>
+                  </a:xfrm>
+                  <a:prstGeom prst="rect">
+                    <a:avLst/>
+                  </a:prstGeom>
+                  <a:blipFill>
+                    <a:blip r:embed="rId2"/>
+                    <a:stretch>
+                      <a:fillRect l="-12000" r="-4000" b="-22222"/>
+                    </a:stretch>
+                  </a:blipFill>
+                </p:spPr>
+                <p:txBody>
+                  <a:bodyPr/>
+                  <a:lstStyle/>
+                  <a:p>
+                    <a:r>
+                      <a:rPr lang="en-US">
+                        <a:noFill/>
+                      </a:rPr>
+                      <a:t> </a:t>
+                    </a:r>
+                  </a:p>
+                </p:txBody>
+              </p:sp>
+            </mc:Fallback>
+          </mc:AlternateContent>
+          <mc:AlternateContent xmlns:mc="http://schemas.openxmlformats.org/markup-compatibility/2006">
+            <mc:Choice xmlns:a14="http://schemas.microsoft.com/office/drawing/2010/main" Requires="a14">
+              <p:sp>
+                <p:nvSpPr>
+                  <p:cNvPr id="56" name="TextBox 55"/>
+                  <p:cNvSpPr txBox="1"/>
+                  <p:nvPr/>
+                </p:nvSpPr>
+                <p:spPr>
+                  <a:xfrm>
+                    <a:off x="9101869" y="2761744"/>
+                    <a:ext cx="428900" cy="307777"/>
+                  </a:xfrm>
+                  <a:prstGeom prst="rect">
+                    <a:avLst/>
+                  </a:prstGeom>
+                  <a:noFill/>
+                </p:spPr>
+                <p:txBody>
+                  <a:bodyPr wrap="none" lIns="0" tIns="0" rIns="0" bIns="0" rtlCol="0">
+                    <a:spAutoFit/>
+                  </a:bodyPr>
+                  <a:lstStyle/>
+                  <a:p>
+                    <a14:m>
+                      <m:oMathPara xmlns:m="http://schemas.openxmlformats.org/officeDocument/2006/math">
+                        <m:oMathParaPr>
+                          <m:jc m:val="centerGroup"/>
+                        </m:oMathParaPr>
+                        <m:oMath xmlns:m="http://schemas.openxmlformats.org/officeDocument/2006/math">
+                          <m:r>
+                            <m:rPr>
+                              <m:sty m:val="p"/>
+                            </m:rPr>
+                            <a:rPr lang="en-US" sz="2000" b="0" i="0" smtClean="0">
+                              <a:latin typeface="Cambria Math" panose="02040503050406030204" pitchFamily="18" charset="0"/>
+                              <a:cs typeface="Arial" panose="020B0604020202020204" pitchFamily="34" charset="0"/>
+                            </a:rPr>
+                            <m:t>Δ</m:t>
+                          </m:r>
+                          <m:sSub>
+                            <m:sSubPr>
+                              <m:ctrlPr>
+                                <a:rPr lang="en-US" sz="2000" b="0" i="1" smtClean="0">
+                                  <a:latin typeface="Cambria Math" panose="02040503050406030204" pitchFamily="18" charset="0"/>
+                                  <a:cs typeface="Arial" panose="020B0604020202020204" pitchFamily="34" charset="0"/>
+                                </a:rPr>
+                              </m:ctrlPr>
+                            </m:sSubPr>
+                            <m:e>
+                              <m:r>
+                                <a:rPr lang="en-US" sz="2000" b="0" i="1" smtClean="0">
+                                  <a:latin typeface="Cambria Math" panose="02040503050406030204" pitchFamily="18" charset="0"/>
+                                  <a:cs typeface="Arial" panose="020B0604020202020204" pitchFamily="34" charset="0"/>
+                                </a:rPr>
+                                <m:t>𝑉</m:t>
+                              </m:r>
+                            </m:e>
+                            <m:sub>
+                              <m:r>
+                                <a:rPr lang="en-US" sz="2000" b="0" i="1" smtClean="0">
+                                  <a:latin typeface="Cambria Math" panose="02040503050406030204" pitchFamily="18" charset="0"/>
+                                  <a:cs typeface="Arial" panose="020B0604020202020204" pitchFamily="34" charset="0"/>
+                                </a:rPr>
+                                <m:t>𝑠</m:t>
+                              </m:r>
+                            </m:sub>
+                          </m:sSub>
+                        </m:oMath>
+                      </m:oMathPara>
+                    </a14:m>
+                    <a:endParaRPr lang="en-US" sz="2000" dirty="0" smtClean="0">
+                      <a:latin typeface="Arial" panose="020B0604020202020204" pitchFamily="34" charset="0"/>
+                      <a:cs typeface="Arial" panose="020B0604020202020204" pitchFamily="34" charset="0"/>
+                    </a:endParaRPr>
+                  </a:p>
+                </p:txBody>
+              </p:sp>
+            </mc:Choice>
+            <mc:Fallback>
+              <p:sp>
+                <p:nvSpPr>
+                  <p:cNvPr id="56" name="TextBox 55"/>
+                  <p:cNvSpPr txBox="1">
+                    <a:spLocks noRot="1" noChangeAspect="1" noMove="1" noResize="1" noEditPoints="1" noAdjustHandles="1" noChangeArrowheads="1" noChangeShapeType="1" noTextEdit="1"/>
+                  </p:cNvSpPr>
+                  <p:nvPr/>
+                </p:nvSpPr>
+                <p:spPr>
+                  <a:xfrm>
+                    <a:off x="9101869" y="2761744"/>
+                    <a:ext cx="428900" cy="307777"/>
+                  </a:xfrm>
+                  <a:prstGeom prst="rect">
+                    <a:avLst/>
+                  </a:prstGeom>
+                  <a:blipFill>
+                    <a:blip r:embed="rId3"/>
+                    <a:stretch>
+                      <a:fillRect l="-11268" r="-1408" b="-16000"/>
+                    </a:stretch>
+                  </a:blipFill>
+                </p:spPr>
+                <p:txBody>
+                  <a:bodyPr/>
+                  <a:lstStyle/>
+                  <a:p>
+                    <a:r>
+                      <a:rPr lang="en-US">
+                        <a:noFill/>
+                      </a:rPr>
+                      <a:t> </a:t>
+                    </a:r>
+                  </a:p>
+                </p:txBody>
+              </p:sp>
+            </mc:Fallback>
+          </mc:AlternateContent>
+          <mc:AlternateContent xmlns:mc="http://schemas.openxmlformats.org/markup-compatibility/2006">
+            <mc:Choice xmlns:a14="http://schemas.microsoft.com/office/drawing/2010/main" Requires="a14">
+              <p:sp>
+                <p:nvSpPr>
+                  <p:cNvPr id="57" name="TextBox 56"/>
+                  <p:cNvSpPr txBox="1"/>
+                  <p:nvPr/>
+                </p:nvSpPr>
+                <p:spPr>
+                  <a:xfrm>
+                    <a:off x="6686304" y="2559690"/>
+                    <a:ext cx="368371" cy="331437"/>
+                  </a:xfrm>
+                  <a:prstGeom prst="rect">
+                    <a:avLst/>
+                  </a:prstGeom>
+                  <a:noFill/>
+                </p:spPr>
+                <p:txBody>
+                  <a:bodyPr wrap="none" lIns="0" tIns="0" rIns="0" bIns="0" rtlCol="0">
+                    <a:spAutoFit/>
+                  </a:bodyPr>
+                  <a:lstStyle/>
+                  <a:p>
+                    <a14:m>
+                      <m:oMathPara xmlns:m="http://schemas.openxmlformats.org/officeDocument/2006/math">
+                        <m:oMathParaPr>
+                          <m:jc m:val="centerGroup"/>
+                        </m:oMathParaPr>
+                        <m:oMath xmlns:m="http://schemas.openxmlformats.org/officeDocument/2006/math">
+                          <m:sSub>
+                            <m:sSubPr>
+                              <m:ctrlPr>
+                                <a:rPr lang="en-US" sz="2000" b="0" i="1" smtClean="0">
+                                  <a:latin typeface="Cambria Math" panose="02040503050406030204" pitchFamily="18" charset="0"/>
+                                  <a:cs typeface="Arial" panose="020B0604020202020204" pitchFamily="34" charset="0"/>
+                                </a:rPr>
+                              </m:ctrlPr>
+                            </m:sSubPr>
+                            <m:e>
+                              <m:r>
+                                <a:rPr lang="en-US" sz="2000" b="0" i="1" smtClean="0">
+                                  <a:latin typeface="Cambria Math" panose="02040503050406030204" pitchFamily="18" charset="0"/>
+                                  <a:cs typeface="Arial" panose="020B0604020202020204" pitchFamily="34" charset="0"/>
+                                </a:rPr>
+                                <m:t>𝑁</m:t>
+                              </m:r>
+                            </m:e>
+                            <m:sub>
+                              <m:r>
+                                <a:rPr lang="en-US" sz="2000" b="0" i="1" smtClean="0">
+                                  <a:latin typeface="Cambria Math" panose="02040503050406030204" pitchFamily="18" charset="0"/>
+                                  <a:cs typeface="Arial" panose="020B0604020202020204" pitchFamily="34" charset="0"/>
+                                </a:rPr>
+                                <m:t>𝑝</m:t>
+                              </m:r>
+                            </m:sub>
+                          </m:sSub>
+                        </m:oMath>
+                      </m:oMathPara>
+                    </a14:m>
+                    <a:endParaRPr lang="en-US" sz="2000" dirty="0" smtClean="0">
+                      <a:latin typeface="Arial" panose="020B0604020202020204" pitchFamily="34" charset="0"/>
+                      <a:cs typeface="Arial" panose="020B0604020202020204" pitchFamily="34" charset="0"/>
+                    </a:endParaRPr>
+                  </a:p>
+                </p:txBody>
+              </p:sp>
+            </mc:Choice>
+            <mc:Fallback>
+              <p:sp>
+                <p:nvSpPr>
+                  <p:cNvPr id="57" name="TextBox 56"/>
+                  <p:cNvSpPr txBox="1">
+                    <a:spLocks noRot="1" noChangeAspect="1" noMove="1" noResize="1" noEditPoints="1" noAdjustHandles="1" noChangeArrowheads="1" noChangeShapeType="1" noTextEdit="1"/>
+                  </p:cNvSpPr>
+                  <p:nvPr/>
+                </p:nvSpPr>
+                <p:spPr>
+                  <a:xfrm>
+                    <a:off x="6686304" y="2559690"/>
+                    <a:ext cx="368371" cy="331437"/>
+                  </a:xfrm>
+                  <a:prstGeom prst="rect">
+                    <a:avLst/>
+                  </a:prstGeom>
+                  <a:blipFill>
+                    <a:blip r:embed="rId4"/>
+                    <a:stretch>
+                      <a:fillRect l="-15000" r="-6667" b="-22222"/>
+                    </a:stretch>
+                  </a:blipFill>
+                </p:spPr>
+                <p:txBody>
+                  <a:bodyPr/>
+                  <a:lstStyle/>
+                  <a:p>
+                    <a:r>
+                      <a:rPr lang="en-US">
+                        <a:noFill/>
+                      </a:rPr>
+                      <a:t> </a:t>
+                    </a:r>
+                  </a:p>
+                </p:txBody>
+              </p:sp>
+            </mc:Fallback>
+          </mc:AlternateContent>
+          <mc:AlternateContent xmlns:mc="http://schemas.openxmlformats.org/markup-compatibility/2006">
+            <mc:Choice xmlns:a14="http://schemas.microsoft.com/office/drawing/2010/main" Requires="a14">
+              <p:sp>
+                <p:nvSpPr>
+                  <p:cNvPr id="58" name="TextBox 57"/>
+                  <p:cNvSpPr txBox="1"/>
+                  <p:nvPr/>
+                </p:nvSpPr>
+                <p:spPr>
+                  <a:xfrm>
+                    <a:off x="7169406" y="2120006"/>
+                    <a:ext cx="342658" cy="307777"/>
+                  </a:xfrm>
+                  <a:prstGeom prst="rect">
+                    <a:avLst/>
+                  </a:prstGeom>
+                  <a:noFill/>
+                </p:spPr>
+                <p:txBody>
+                  <a:bodyPr wrap="none" lIns="0" tIns="0" rIns="0" bIns="0" rtlCol="0">
+                    <a:spAutoFit/>
+                  </a:bodyPr>
+                  <a:lstStyle/>
+                  <a:p>
+                    <a14:m>
+                      <m:oMathPara xmlns:m="http://schemas.openxmlformats.org/officeDocument/2006/math">
+                        <m:oMathParaPr>
+                          <m:jc m:val="centerGroup"/>
+                        </m:oMathParaPr>
+                        <m:oMath xmlns:m="http://schemas.openxmlformats.org/officeDocument/2006/math">
+                          <m:sSub>
+                            <m:sSubPr>
+                              <m:ctrlPr>
+                                <a:rPr lang="en-US" sz="2000" b="0" i="1" smtClean="0">
+                                  <a:latin typeface="Cambria Math" panose="02040503050406030204" pitchFamily="18" charset="0"/>
+                                  <a:cs typeface="Arial" panose="020B0604020202020204" pitchFamily="34" charset="0"/>
+                                </a:rPr>
+                              </m:ctrlPr>
+                            </m:sSubPr>
+                            <m:e>
+                              <m:r>
+                                <a:rPr lang="en-US" sz="2000" b="0" i="1" smtClean="0">
+                                  <a:latin typeface="Cambria Math" panose="02040503050406030204" pitchFamily="18" charset="0"/>
+                                  <a:cs typeface="Arial" panose="020B0604020202020204" pitchFamily="34" charset="0"/>
+                                </a:rPr>
+                                <m:t>𝑁</m:t>
+                              </m:r>
+                            </m:e>
+                            <m:sub>
+                              <m:r>
+                                <a:rPr lang="en-US" sz="2000" b="0" i="1" smtClean="0">
+                                  <a:latin typeface="Cambria Math" panose="02040503050406030204" pitchFamily="18" charset="0"/>
+                                  <a:cs typeface="Arial" panose="020B0604020202020204" pitchFamily="34" charset="0"/>
+                                </a:rPr>
+                                <m:t>𝑠</m:t>
+                              </m:r>
+                            </m:sub>
+                          </m:sSub>
+                        </m:oMath>
+                      </m:oMathPara>
+                    </a14:m>
+                    <a:endParaRPr lang="en-US" sz="2000" dirty="0" smtClean="0">
+                      <a:latin typeface="Arial" panose="020B0604020202020204" pitchFamily="34" charset="0"/>
+                      <a:cs typeface="Arial" panose="020B0604020202020204" pitchFamily="34" charset="0"/>
+                    </a:endParaRPr>
+                  </a:p>
+                </p:txBody>
+              </p:sp>
+            </mc:Choice>
+            <mc:Fallback>
+              <p:sp>
+                <p:nvSpPr>
+                  <p:cNvPr id="58" name="TextBox 57"/>
+                  <p:cNvSpPr txBox="1">
+                    <a:spLocks noRot="1" noChangeAspect="1" noMove="1" noResize="1" noEditPoints="1" noAdjustHandles="1" noChangeArrowheads="1" noChangeShapeType="1" noTextEdit="1"/>
+                  </p:cNvSpPr>
+                  <p:nvPr/>
+                </p:nvSpPr>
+                <p:spPr>
+                  <a:xfrm>
+                    <a:off x="7169406" y="2120006"/>
+                    <a:ext cx="342658" cy="307777"/>
+                  </a:xfrm>
+                  <a:prstGeom prst="rect">
+                    <a:avLst/>
+                  </a:prstGeom>
+                  <a:blipFill>
+                    <a:blip r:embed="rId5"/>
+                    <a:stretch>
+                      <a:fillRect l="-14286" r="-1786" b="-16000"/>
+                    </a:stretch>
+                  </a:blipFill>
+                </p:spPr>
+                <p:txBody>
+                  <a:bodyPr/>
+                  <a:lstStyle/>
+                  <a:p>
+                    <a:r>
+                      <a:rPr lang="en-US">
+                        <a:noFill/>
+                      </a:rPr>
+                      <a:t> </a:t>
+                    </a:r>
+                  </a:p>
+                </p:txBody>
+              </p:sp>
+            </mc:Fallback>
+          </mc:AlternateContent>
+          <p:sp>
+            <p:nvSpPr>
+              <p:cNvPr id="61" name="Rounded Rectangle 60"/>
+              <p:cNvSpPr/>
+              <p:nvPr/>
+            </p:nvSpPr>
+            <p:spPr>
+              <a:xfrm>
+                <a:off x="6416703" y="1696774"/>
+                <a:ext cx="1429585" cy="2414148"/>
+              </a:xfrm>
+              <a:prstGeom prst="roundRect">
+                <a:avLst/>
+              </a:prstGeom>
+              <a:noFill/>
+              <a:ln w="38100">
+                <a:solidFill>
+                  <a:srgbClr val="FF0000"/>
+                </a:solidFill>
+                <a:prstDash val="dash"/>
+              </a:ln>
+            </p:spPr>
+            <p:style>
+              <a:lnRef idx="2">
+                <a:schemeClr val="accent1">
+                  <a:shade val="50000"/>
+                </a:schemeClr>
+              </a:lnRef>
+              <a:fillRef idx="1">
+                <a:schemeClr val="accent1"/>
+              </a:fillRef>
+              <a:effectRef idx="0">
+                <a:schemeClr val="accent1"/>
+              </a:effectRef>
+              <a:fontRef idx="minor">
+                <a:schemeClr val="lt1"/>
+              </a:fontRef>
+            </p:style>
+            <p:txBody>
+              <a:bodyPr rtlCol="0" anchor="ctr"/>
+              <a:lstStyle/>
+              <a:p>
+                <a:pPr algn="ctr"/>
+                <a:endParaRPr lang="en-US"/>
+              </a:p>
+            </p:txBody>
+          </p:sp>
+          <p:cxnSp>
+            <p:nvCxnSpPr>
+              <p:cNvPr id="63" name="Straight Arrow Connector 62"/>
+              <p:cNvCxnSpPr/>
+              <p:nvPr/>
+            </p:nvCxnSpPr>
+            <p:spPr>
+              <a:xfrm flipV="1">
+                <a:off x="6416703" y="2210578"/>
+                <a:ext cx="0" cy="265337"/>
+              </a:xfrm>
+              <a:prstGeom prst="straightConnector1">
+                <a:avLst/>
+              </a:prstGeom>
+              <a:ln w="38100">
+                <a:solidFill>
+                  <a:srgbClr val="FF0000"/>
+                </a:solidFill>
+                <a:tailEnd type="triangle"/>
+              </a:ln>
+            </p:spPr>
+            <p:style>
+              <a:lnRef idx="1">
+                <a:schemeClr val="accent1"/>
+              </a:lnRef>
+              <a:fillRef idx="0">
+                <a:schemeClr val="accent1"/>
+              </a:fillRef>
+              <a:effectRef idx="0">
+                <a:schemeClr val="accent1"/>
+              </a:effectRef>
+              <a:fontRef idx="minor">
+                <a:schemeClr val="tx1"/>
+              </a:fontRef>
+            </p:style>
+          </p:cxnSp>
+          <p:cxnSp>
+            <p:nvCxnSpPr>
+              <p:cNvPr id="64" name="Straight Arrow Connector 63"/>
+              <p:cNvCxnSpPr/>
+              <p:nvPr/>
+            </p:nvCxnSpPr>
+            <p:spPr>
+              <a:xfrm flipH="1">
+                <a:off x="7848577" y="1862186"/>
+                <a:ext cx="3023" cy="288515"/>
+              </a:xfrm>
+              <a:prstGeom prst="straightConnector1">
+                <a:avLst/>
+              </a:prstGeom>
+              <a:ln w="38100">
+                <a:solidFill>
+                  <a:srgbClr val="FF0000"/>
+                </a:solidFill>
+                <a:tailEnd type="triangle"/>
+              </a:ln>
+            </p:spPr>
+            <p:style>
+              <a:lnRef idx="1">
+                <a:schemeClr val="accent1"/>
+              </a:lnRef>
+              <a:fillRef idx="0">
+                <a:schemeClr val="accent1"/>
+              </a:fillRef>
+              <a:effectRef idx="0">
+                <a:schemeClr val="accent1"/>
+              </a:effectRef>
+              <a:fontRef idx="minor">
+                <a:schemeClr val="tx1"/>
+              </a:fontRef>
+            </p:style>
+          </p:cxnSp>
+          <mc:AlternateContent xmlns:mc="http://schemas.openxmlformats.org/markup-compatibility/2006">
+            <mc:Choice xmlns:a14="http://schemas.microsoft.com/office/drawing/2010/main" Requires="a14">
+              <p:sp>
+                <p:nvSpPr>
+                  <p:cNvPr id="71" name="TextBox 70"/>
+                  <p:cNvSpPr txBox="1"/>
+                  <p:nvPr/>
+                </p:nvSpPr>
+                <p:spPr>
+                  <a:xfrm>
+                    <a:off x="6027381" y="1912108"/>
+                    <a:ext cx="414794" cy="307777"/>
+                  </a:xfrm>
+                  <a:prstGeom prst="rect">
+                    <a:avLst/>
+                  </a:prstGeom>
+                  <a:noFill/>
+                </p:spPr>
+                <p:txBody>
+                  <a:bodyPr wrap="none" lIns="0" tIns="0" rIns="0" bIns="0" rtlCol="0">
+                    <a:spAutoFit/>
+                  </a:bodyPr>
+                  <a:lstStyle/>
+                  <a:p>
+                    <a14:m>
+                      <m:oMathPara xmlns:m="http://schemas.openxmlformats.org/officeDocument/2006/math">
+                        <m:oMathParaPr>
+                          <m:jc m:val="centerGroup"/>
+                        </m:oMathParaPr>
+                        <m:oMath xmlns:m="http://schemas.openxmlformats.org/officeDocument/2006/math">
+                          <m:sSub>
+                            <m:sSubPr>
+                              <m:ctrlPr>
+                                <a:rPr lang="en-US" sz="2000" b="0" i="1" smtClean="0">
+                                  <a:solidFill>
+                                    <a:srgbClr val="FF0000"/>
+                                  </a:solidFill>
+                                  <a:latin typeface="Cambria Math" panose="02040503050406030204" pitchFamily="18" charset="0"/>
+                                  <a:cs typeface="Arial" panose="020B0604020202020204" pitchFamily="34" charset="0"/>
+                                </a:rPr>
+                              </m:ctrlPr>
+                            </m:sSubPr>
+                            <m:e>
+                              <m:r>
+                                <m:rPr>
+                                  <m:sty m:val="p"/>
+                                </m:rPr>
+                                <a:rPr lang="en-US" sz="2000" b="0" i="0" smtClean="0">
+                                  <a:solidFill>
+                                    <a:srgbClr val="FF0000"/>
+                                  </a:solidFill>
+                                  <a:latin typeface="Cambria Math" panose="02040503050406030204" pitchFamily="18" charset="0"/>
+                                  <a:cs typeface="Arial" panose="020B0604020202020204" pitchFamily="34" charset="0"/>
+                                </a:rPr>
+                                <m:t>Φ</m:t>
+                              </m:r>
+                            </m:e>
+                            <m:sub>
+                              <m:r>
+                                <a:rPr lang="en-US" sz="2000" b="0" i="1" smtClean="0">
+                                  <a:solidFill>
+                                    <a:srgbClr val="FF0000"/>
+                                  </a:solidFill>
+                                  <a:latin typeface="Cambria Math" panose="02040503050406030204" pitchFamily="18" charset="0"/>
+                                  <a:cs typeface="Arial" panose="020B0604020202020204" pitchFamily="34" charset="0"/>
+                                </a:rPr>
+                                <m:t>𝐵</m:t>
+                              </m:r>
+                            </m:sub>
+                          </m:sSub>
+                        </m:oMath>
+                      </m:oMathPara>
+                    </a14:m>
+                    <a:endParaRPr lang="en-US" sz="2000" dirty="0" smtClean="0">
+                      <a:solidFill>
+                        <a:srgbClr val="FF0000"/>
+                      </a:solidFill>
+                      <a:latin typeface="Arial" panose="020B0604020202020204" pitchFamily="34" charset="0"/>
+                      <a:cs typeface="Arial" panose="020B0604020202020204" pitchFamily="34" charset="0"/>
+                    </a:endParaRPr>
+                  </a:p>
+                </p:txBody>
+              </p:sp>
+            </mc:Choice>
+            <mc:Fallback>
+              <p:sp>
+                <p:nvSpPr>
+                  <p:cNvPr id="71" name="TextBox 70"/>
+                  <p:cNvSpPr txBox="1">
+                    <a:spLocks noRot="1" noChangeAspect="1" noMove="1" noResize="1" noEditPoints="1" noAdjustHandles="1" noChangeArrowheads="1" noChangeShapeType="1" noTextEdit="1"/>
+                  </p:cNvSpPr>
+                  <p:nvPr/>
+                </p:nvSpPr>
+                <p:spPr>
+                  <a:xfrm>
+                    <a:off x="6027381" y="1912108"/>
+                    <a:ext cx="414794" cy="307777"/>
+                  </a:xfrm>
+                  <a:prstGeom prst="rect">
+                    <a:avLst/>
+                  </a:prstGeom>
+                  <a:blipFill>
+                    <a:blip r:embed="rId6"/>
+                    <a:stretch>
+                      <a:fillRect l="-13235" r="-2941" b="-20000"/>
+                    </a:stretch>
+                  </a:blipFill>
+                </p:spPr>
+                <p:txBody>
+                  <a:bodyPr/>
+                  <a:lstStyle/>
+                  <a:p>
+                    <a:r>
+                      <a:rPr lang="en-US">
+                        <a:noFill/>
+                      </a:rPr>
+                      <a:t> </a:t>
+                    </a:r>
+                  </a:p>
+                </p:txBody>
+              </p:sp>
+            </mc:Fallback>
+          </mc:AlternateContent>
+          <mc:AlternateContent xmlns:mc="http://schemas.openxmlformats.org/markup-compatibility/2006">
+            <mc:Choice xmlns:a14="http://schemas.microsoft.com/office/drawing/2010/main" Requires="a14">
+              <p:sp>
+                <p:nvSpPr>
+                  <p:cNvPr id="72" name="TextBox 71"/>
+                  <p:cNvSpPr txBox="1"/>
+                  <p:nvPr/>
+                </p:nvSpPr>
+                <p:spPr>
+                  <a:xfrm>
+                    <a:off x="7897750" y="1730161"/>
+                    <a:ext cx="414794" cy="307777"/>
+                  </a:xfrm>
+                  <a:prstGeom prst="rect">
+                    <a:avLst/>
+                  </a:prstGeom>
+                  <a:noFill/>
+                </p:spPr>
+                <p:txBody>
+                  <a:bodyPr wrap="none" lIns="0" tIns="0" rIns="0" bIns="0" rtlCol="0">
+                    <a:spAutoFit/>
+                  </a:bodyPr>
+                  <a:lstStyle/>
+                  <a:p>
+                    <a14:m>
+                      <m:oMathPara xmlns:m="http://schemas.openxmlformats.org/officeDocument/2006/math">
+                        <m:oMathParaPr>
+                          <m:jc m:val="centerGroup"/>
+                        </m:oMathParaPr>
+                        <m:oMath xmlns:m="http://schemas.openxmlformats.org/officeDocument/2006/math">
+                          <m:sSub>
+                            <m:sSubPr>
+                              <m:ctrlPr>
+                                <a:rPr lang="en-US" sz="2000" b="0" i="1" smtClean="0">
+                                  <a:solidFill>
+                                    <a:srgbClr val="FF0000"/>
+                                  </a:solidFill>
+                                  <a:latin typeface="Cambria Math" panose="02040503050406030204" pitchFamily="18" charset="0"/>
+                                  <a:cs typeface="Arial" panose="020B0604020202020204" pitchFamily="34" charset="0"/>
+                                </a:rPr>
+                              </m:ctrlPr>
+                            </m:sSubPr>
+                            <m:e>
+                              <m:r>
+                                <m:rPr>
+                                  <m:sty m:val="p"/>
+                                </m:rPr>
+                                <a:rPr lang="en-US" sz="2000" b="0" i="0" smtClean="0">
+                                  <a:solidFill>
+                                    <a:srgbClr val="FF0000"/>
+                                  </a:solidFill>
+                                  <a:latin typeface="Cambria Math" panose="02040503050406030204" pitchFamily="18" charset="0"/>
+                                  <a:cs typeface="Arial" panose="020B0604020202020204" pitchFamily="34" charset="0"/>
+                                </a:rPr>
+                                <m:t>Φ</m:t>
+                              </m:r>
+                            </m:e>
+                            <m:sub>
+                              <m:r>
+                                <a:rPr lang="en-US" sz="2000" b="0" i="1" smtClean="0">
+                                  <a:solidFill>
+                                    <a:srgbClr val="FF0000"/>
+                                  </a:solidFill>
+                                  <a:latin typeface="Cambria Math" panose="02040503050406030204" pitchFamily="18" charset="0"/>
+                                  <a:cs typeface="Arial" panose="020B0604020202020204" pitchFamily="34" charset="0"/>
+                                </a:rPr>
+                                <m:t>𝐵</m:t>
+                              </m:r>
+                            </m:sub>
+                          </m:sSub>
+                        </m:oMath>
+                      </m:oMathPara>
+                    </a14:m>
+                    <a:endParaRPr lang="en-US" sz="2000" dirty="0" smtClean="0">
+                      <a:solidFill>
+                        <a:srgbClr val="FF0000"/>
+                      </a:solidFill>
+                      <a:latin typeface="Arial" panose="020B0604020202020204" pitchFamily="34" charset="0"/>
+                      <a:cs typeface="Arial" panose="020B0604020202020204" pitchFamily="34" charset="0"/>
+                    </a:endParaRPr>
+                  </a:p>
+                </p:txBody>
+              </p:sp>
+            </mc:Choice>
+            <mc:Fallback>
+              <p:sp>
+                <p:nvSpPr>
+                  <p:cNvPr id="72" name="TextBox 71"/>
+                  <p:cNvSpPr txBox="1">
+                    <a:spLocks noRot="1" noChangeAspect="1" noMove="1" noResize="1" noEditPoints="1" noAdjustHandles="1" noChangeArrowheads="1" noChangeShapeType="1" noTextEdit="1"/>
+                  </p:cNvSpPr>
+                  <p:nvPr/>
+                </p:nvSpPr>
+                <p:spPr>
+                  <a:xfrm>
+                    <a:off x="7897750" y="1730161"/>
+                    <a:ext cx="414794" cy="307777"/>
+                  </a:xfrm>
+                  <a:prstGeom prst="rect">
+                    <a:avLst/>
+                  </a:prstGeom>
+                  <a:blipFill>
+                    <a:blip r:embed="rId7"/>
+                    <a:stretch>
+                      <a:fillRect l="-13235" r="-2941" b="-20000"/>
+                    </a:stretch>
+                  </a:blipFill>
+                </p:spPr>
+                <p:txBody>
+                  <a:bodyPr/>
+                  <a:lstStyle/>
+                  <a:p>
+                    <a:r>
+                      <a:rPr lang="en-US">
+                        <a:noFill/>
+                      </a:rPr>
+                      <a:t> </a:t>
+                    </a:r>
+                  </a:p>
+                </p:txBody>
+              </p:sp>
+            </mc:Fallback>
+          </mc:AlternateContent>
+        </p:grpSp>
+        <mc:AlternateContent xmlns:mc="http://schemas.openxmlformats.org/markup-compatibility/2006">
+          <mc:Choice xmlns:a14="http://schemas.microsoft.com/office/drawing/2010/main" Requires="a14">
+            <p:sp>
+              <p:nvSpPr>
+                <p:cNvPr id="74" name="TextBox 73"/>
+                <p:cNvSpPr txBox="1"/>
+                <p:nvPr/>
+              </p:nvSpPr>
+              <p:spPr>
+                <a:xfrm>
+                  <a:off x="2041857" y="2938489"/>
+                  <a:ext cx="1127296" cy="307777"/>
+                </a:xfrm>
+                <a:prstGeom prst="rect">
+                  <a:avLst/>
+                </a:prstGeom>
+                <a:noFill/>
+              </p:spPr>
+              <p:txBody>
+                <a:bodyPr wrap="none" lIns="0" tIns="0" rIns="0" bIns="0" rtlCol="0">
+                  <a:spAutoFit/>
+                </a:bodyPr>
+                <a:lstStyle/>
+                <a:p>
+                  <a14:m>
+                    <m:oMathPara xmlns:m="http://schemas.openxmlformats.org/officeDocument/2006/math">
+                      <m:oMathParaPr>
+                        <m:jc m:val="centerGroup"/>
+                      </m:oMathParaPr>
+                      <m:oMath xmlns:m="http://schemas.openxmlformats.org/officeDocument/2006/math">
+                        <m:r>
+                          <a:rPr lang="en-US" sz="2000" b="0" i="1" smtClean="0">
+                            <a:latin typeface="Cambria Math" panose="02040503050406030204" pitchFamily="18" charset="0"/>
+                            <a:cs typeface="Arial" panose="020B0604020202020204" pitchFamily="34" charset="0"/>
+                          </a:rPr>
+                          <m:t>𝑖𝑟𝑜𝑛</m:t>
+                        </m:r>
+                        <m:r>
+                          <a:rPr lang="en-US" sz="2000" b="0" i="1" smtClean="0">
+                            <a:latin typeface="Cambria Math" panose="02040503050406030204" pitchFamily="18" charset="0"/>
+                            <a:cs typeface="Arial" panose="020B0604020202020204" pitchFamily="34" charset="0"/>
+                          </a:rPr>
+                          <m:t> </m:t>
+                        </m:r>
+                        <m:r>
+                          <a:rPr lang="en-US" sz="2000" b="0" i="1" smtClean="0">
+                            <a:latin typeface="Cambria Math" panose="02040503050406030204" pitchFamily="18" charset="0"/>
+                            <a:cs typeface="Arial" panose="020B0604020202020204" pitchFamily="34" charset="0"/>
+                          </a:rPr>
+                          <m:t>𝑐𝑜𝑟𝑒</m:t>
+                        </m:r>
+                      </m:oMath>
+                    </m:oMathPara>
+                  </a14:m>
+                  <a:endParaRPr lang="en-US" sz="2000" dirty="0" smtClean="0">
+                    <a:latin typeface="Arial" panose="020B0604020202020204" pitchFamily="34" charset="0"/>
+                    <a:cs typeface="Arial" panose="020B0604020202020204" pitchFamily="34" charset="0"/>
+                  </a:endParaRPr>
+                </a:p>
+              </p:txBody>
+            </p:sp>
+          </mc:Choice>
+          <mc:Fallback>
+            <p:sp>
+              <p:nvSpPr>
+                <p:cNvPr id="74" name="TextBox 73"/>
+                <p:cNvSpPr txBox="1">
+                  <a:spLocks noRot="1" noChangeAspect="1" noMove="1" noResize="1" noEditPoints="1" noAdjustHandles="1" noChangeArrowheads="1" noChangeShapeType="1" noTextEdit="1"/>
+                </p:cNvSpPr>
+                <p:nvPr/>
+              </p:nvSpPr>
+              <p:spPr>
+                <a:xfrm>
+                  <a:off x="2041857" y="2938489"/>
+                  <a:ext cx="1127296" cy="307777"/>
+                </a:xfrm>
+                <a:prstGeom prst="rect">
+                  <a:avLst/>
+                </a:prstGeom>
+                <a:blipFill>
+                  <a:blip r:embed="rId8"/>
+                  <a:stretch>
+                    <a:fillRect l="-4324" r="-1622" b="-9804"/>
+                  </a:stretch>
+                </a:blipFill>
+              </p:spPr>
+              <p:txBody>
+                <a:bodyPr/>
+                <a:lstStyle/>
+                <a:p>
+                  <a:r>
+                    <a:rPr lang="en-US">
+                      <a:noFill/>
+                    </a:rPr>
+                    <a:t> </a:t>
+                  </a:r>
+                </a:p>
+              </p:txBody>
+            </p:sp>
+          </mc:Fallback>
+        </mc:AlternateContent>
+      </p:grpSp>
+      <p:grpSp>
+        <p:nvGrpSpPr>
+          <p:cNvPr id="76" name="Group 75"/>
+          <p:cNvGrpSpPr/>
+          <p:nvPr/>
+        </p:nvGrpSpPr>
+        <p:grpSpPr>
+          <a:xfrm>
+            <a:off x="6509309" y="1249138"/>
+            <a:ext cx="2182901" cy="3410037"/>
+            <a:chOff x="9535537" y="1076829"/>
+            <a:chExt cx="2182901" cy="3410037"/>
+          </a:xfrm>
+        </p:grpSpPr>
+        <p:pic>
+          <p:nvPicPr>
+            <p:cNvPr id="77" name="Picture 2" descr="Image result for cartoon town"/>
+            <p:cNvPicPr>
+              <a:picLocks noChangeAspect="1" noChangeArrowheads="1"/>
+            </p:cNvPicPr>
+            <p:nvPr/>
+          </p:nvPicPr>
+          <p:blipFill>
+            <a:blip r:embed="rId9" cstate="print">
+              <a:extLst>
+                <a:ext uri="{28A0092B-C50C-407E-A947-70E740481C1C}">
+                  <a14:useLocalDpi xmlns:a14="http://schemas.microsoft.com/office/drawing/2010/main" val="0"/>
+                </a:ext>
+              </a:extLst>
+            </a:blip>
+            <a:srcRect/>
+            <a:stretch>
+              <a:fillRect/>
+            </a:stretch>
+          </p:blipFill>
+          <p:spPr bwMode="auto">
+            <a:xfrm>
+              <a:off x="9905963" y="1076829"/>
+              <a:ext cx="1636498" cy="883709"/>
+            </a:xfrm>
+            <a:prstGeom prst="rect">
+              <a:avLst/>
+            </a:prstGeom>
+            <a:noFill/>
+            <a:extLst>
+              <a:ext uri="{909E8E84-426E-40DD-AFC4-6F175D3DCCD1}">
+                <a14:hiddenFill xmlns:a14="http://schemas.microsoft.com/office/drawing/2010/main">
+                  <a:solidFill>
+                    <a:srgbClr val="FFFFFF"/>
+                  </a:solidFill>
+                </a14:hiddenFill>
+              </a:ext>
+            </a:extLst>
+          </p:spPr>
+        </p:pic>
+        <p:grpSp>
+          <p:nvGrpSpPr>
+            <p:cNvPr id="78" name="Group 77"/>
+            <p:cNvGrpSpPr/>
+            <p:nvPr/>
+          </p:nvGrpSpPr>
+          <p:grpSpPr>
+            <a:xfrm>
+              <a:off x="9535537" y="1716010"/>
+              <a:ext cx="2182901" cy="2285284"/>
+              <a:chOff x="8476758" y="1701082"/>
+              <a:chExt cx="2182901" cy="2285284"/>
+            </a:xfrm>
+          </p:grpSpPr>
+          <p:grpSp>
+            <p:nvGrpSpPr>
+              <p:cNvPr id="81" name="Group 80"/>
+              <p:cNvGrpSpPr/>
+              <p:nvPr/>
+            </p:nvGrpSpPr>
+            <p:grpSpPr>
+              <a:xfrm>
+                <a:off x="8972700" y="2951638"/>
+                <a:ext cx="1315961" cy="1034728"/>
+                <a:chOff x="9020755" y="4809097"/>
+                <a:chExt cx="1315961" cy="1034728"/>
+              </a:xfrm>
+            </p:grpSpPr>
+            <p:grpSp>
+              <p:nvGrpSpPr>
+                <p:cNvPr id="86" name="Group 85"/>
+                <p:cNvGrpSpPr/>
+                <p:nvPr/>
+              </p:nvGrpSpPr>
+              <p:grpSpPr>
+                <a:xfrm>
+                  <a:off x="9020755" y="4809097"/>
+                  <a:ext cx="1315961" cy="704036"/>
+                  <a:chOff x="6903479" y="4528364"/>
+                  <a:chExt cx="1315961" cy="704036"/>
+                </a:xfrm>
+              </p:grpSpPr>
+              <p:cxnSp>
+                <p:nvCxnSpPr>
+                  <p:cNvPr id="88" name="Straight Connector 87"/>
+                  <p:cNvCxnSpPr/>
+                  <p:nvPr/>
+                </p:nvCxnSpPr>
+                <p:spPr>
+                  <a:xfrm>
+                    <a:off x="7564120" y="4592320"/>
+                    <a:ext cx="0" cy="640080"/>
+                  </a:xfrm>
+                  <a:prstGeom prst="line">
+                    <a:avLst/>
+                  </a:prstGeom>
+                  <a:ln w="28575">
+                    <a:solidFill>
+                      <a:schemeClr val="tx1"/>
+                    </a:solidFill>
+                  </a:ln>
+                </p:spPr>
+                <p:style>
+                  <a:lnRef idx="1">
+                    <a:schemeClr val="accent1"/>
+                  </a:lnRef>
+                  <a:fillRef idx="0">
+                    <a:schemeClr val="accent1"/>
+                  </a:fillRef>
+                  <a:effectRef idx="0">
+                    <a:schemeClr val="accent1"/>
+                  </a:effectRef>
+                  <a:fontRef idx="minor">
+                    <a:schemeClr val="tx1"/>
+                  </a:fontRef>
+                </p:style>
+              </p:cxnSp>
+              <p:cxnSp>
+                <p:nvCxnSpPr>
+                  <p:cNvPr id="89" name="Straight Connector 88"/>
+                  <p:cNvCxnSpPr/>
+                  <p:nvPr/>
+                </p:nvCxnSpPr>
+                <p:spPr>
+                  <a:xfrm>
+                    <a:off x="7685741" y="4787153"/>
+                    <a:ext cx="299" cy="236967"/>
+                  </a:xfrm>
+                  <a:prstGeom prst="line">
+                    <a:avLst/>
+                  </a:prstGeom>
+                  <a:ln w="28575">
+                    <a:solidFill>
+                      <a:schemeClr val="tx1"/>
+                    </a:solidFill>
+                  </a:ln>
+                </p:spPr>
+                <p:style>
+                  <a:lnRef idx="1">
+                    <a:schemeClr val="accent1"/>
+                  </a:lnRef>
+                  <a:fillRef idx="0">
+                    <a:schemeClr val="accent1"/>
+                  </a:fillRef>
+                  <a:effectRef idx="0">
+                    <a:schemeClr val="accent1"/>
+                  </a:effectRef>
+                  <a:fontRef idx="minor">
+                    <a:schemeClr val="tx1"/>
+                  </a:fontRef>
+                </p:style>
+              </p:cxnSp>
+              <p:cxnSp>
+                <p:nvCxnSpPr>
+                  <p:cNvPr id="90" name="Straight Connector 89"/>
+                  <p:cNvCxnSpPr/>
+                  <p:nvPr/>
+                </p:nvCxnSpPr>
+                <p:spPr>
+                  <a:xfrm>
+                    <a:off x="7685741" y="4912360"/>
+                    <a:ext cx="533699" cy="0"/>
+                  </a:xfrm>
+                  <a:prstGeom prst="line">
+                    <a:avLst/>
+                  </a:prstGeom>
+                  <a:ln w="28575">
+                    <a:solidFill>
+                      <a:schemeClr val="tx1"/>
+                    </a:solidFill>
+                  </a:ln>
+                </p:spPr>
+                <p:style>
+                  <a:lnRef idx="1">
+                    <a:schemeClr val="accent1"/>
+                  </a:lnRef>
+                  <a:fillRef idx="0">
+                    <a:schemeClr val="accent1"/>
+                  </a:fillRef>
+                  <a:effectRef idx="0">
+                    <a:schemeClr val="accent1"/>
+                  </a:effectRef>
+                  <a:fontRef idx="minor">
+                    <a:schemeClr val="tx1"/>
+                  </a:fontRef>
+                </p:style>
+              </p:cxnSp>
+              <p:cxnSp>
+                <p:nvCxnSpPr>
+                  <p:cNvPr id="91" name="Straight Connector 90"/>
+                  <p:cNvCxnSpPr/>
+                  <p:nvPr/>
+                </p:nvCxnSpPr>
+                <p:spPr>
+                  <a:xfrm>
+                    <a:off x="6903479" y="4905636"/>
+                    <a:ext cx="660641" cy="6724"/>
+                  </a:xfrm>
+                  <a:prstGeom prst="line">
+                    <a:avLst/>
+                  </a:prstGeom>
+                  <a:ln w="28575">
+                    <a:solidFill>
+                      <a:schemeClr val="tx1"/>
+                    </a:solidFill>
+                  </a:ln>
+                </p:spPr>
+                <p:style>
+                  <a:lnRef idx="1">
+                    <a:schemeClr val="accent1"/>
+                  </a:lnRef>
+                  <a:fillRef idx="0">
+                    <a:schemeClr val="accent1"/>
+                  </a:fillRef>
+                  <a:effectRef idx="0">
+                    <a:schemeClr val="accent1"/>
+                  </a:effectRef>
+                  <a:fontRef idx="minor">
+                    <a:schemeClr val="tx1"/>
+                  </a:fontRef>
+                </p:style>
+              </p:cxnSp>
+              <mc:AlternateContent xmlns:mc="http://schemas.openxmlformats.org/markup-compatibility/2006" xmlns:a14="http://schemas.microsoft.com/office/drawing/2010/main">
+                <mc:Choice Requires="a14">
+                  <p:sp>
+                    <p:nvSpPr>
+                      <p:cNvPr id="92" name="TextBox 91"/>
+                      <p:cNvSpPr txBox="1"/>
+                      <p:nvPr/>
+                    </p:nvSpPr>
+                    <p:spPr>
+                      <a:xfrm>
+                        <a:off x="7252112" y="4528365"/>
+                        <a:ext cx="237244" cy="276999"/>
+                      </a:xfrm>
+                      <a:prstGeom prst="rect">
+                        <a:avLst/>
+                      </a:prstGeom>
+                      <a:noFill/>
+                    </p:spPr>
+                    <p:txBody>
+                      <a:bodyPr wrap="none" lIns="0" tIns="0" rIns="0" bIns="0" rtlCol="0">
+                        <a:spAutoFit/>
+                      </a:bodyPr>
+                      <a:lstStyle/>
+                      <a:p>
+                        <a:pPr/>
+                        <a14:m>
+                          <m:oMathPara xmlns:m="http://schemas.openxmlformats.org/officeDocument/2006/math">
+                            <m:oMathParaPr>
+                              <m:jc m:val="centerGroup"/>
+                            </m:oMathParaPr>
+                            <m:oMath xmlns:m="http://schemas.openxmlformats.org/officeDocument/2006/math">
+                              <m:r>
+                                <a:rPr lang="en-US" b="0" i="1" smtClean="0">
+                                  <a:latin typeface="Cambria Math" panose="02040503050406030204" pitchFamily="18" charset="0"/>
+                                  <a:cs typeface="Arial" panose="020B0604020202020204" pitchFamily="34" charset="0"/>
+                                </a:rPr>
+                                <m:t>+</m:t>
+                              </m:r>
+                            </m:oMath>
+                          </m:oMathPara>
+                        </a14:m>
+                        <a:endParaRPr lang="en-US" dirty="0" smtClean="0">
+                          <a:latin typeface="Arial" panose="020B0604020202020204" pitchFamily="34" charset="0"/>
+                          <a:cs typeface="Arial" panose="020B0604020202020204" pitchFamily="34" charset="0"/>
+                        </a:endParaRPr>
+                      </a:p>
+                    </p:txBody>
+                  </p:sp>
+                </mc:Choice>
+                <mc:Fallback xmlns="">
+                  <p:sp>
+                    <p:nvSpPr>
+                      <p:cNvPr id="110" name="TextBox 109"/>
+                      <p:cNvSpPr txBox="1">
+                        <a:spLocks noRot="1" noChangeAspect="1" noMove="1" noResize="1" noEditPoints="1" noAdjustHandles="1" noChangeArrowheads="1" noChangeShapeType="1" noTextEdit="1"/>
+                      </p:cNvSpPr>
+                      <p:nvPr/>
+                    </p:nvSpPr>
+                    <p:spPr>
+                      <a:xfrm>
+                        <a:off x="7252112" y="4528365"/>
+                        <a:ext cx="237244" cy="276999"/>
+                      </a:xfrm>
+                      <a:prstGeom prst="rect">
+                        <a:avLst/>
+                      </a:prstGeom>
+                      <a:blipFill>
+                        <a:blip r:embed="rId30"/>
+                        <a:stretch>
+                          <a:fillRect l="-20513" r="-15385" b="-8889"/>
+                        </a:stretch>
+                      </a:blipFill>
+                    </p:spPr>
+                    <p:txBody>
+                      <a:bodyPr/>
+                      <a:lstStyle/>
+                      <a:p>
+                        <a:r>
+                          <a:rPr lang="en-US">
+                            <a:noFill/>
+                          </a:rPr>
+                          <a:t> </a:t>
+                        </a:r>
+                      </a:p>
+                    </p:txBody>
+                  </p:sp>
+                </mc:Fallback>
+              </mc:AlternateContent>
+              <mc:AlternateContent xmlns:mc="http://schemas.openxmlformats.org/markup-compatibility/2006" xmlns:a14="http://schemas.microsoft.com/office/drawing/2010/main">
+                <mc:Choice Requires="a14">
+                  <p:sp>
+                    <p:nvSpPr>
+                      <p:cNvPr id="93" name="TextBox 92"/>
+                      <p:cNvSpPr txBox="1"/>
+                      <p:nvPr/>
+                    </p:nvSpPr>
+                    <p:spPr>
+                      <a:xfrm>
+                        <a:off x="7685741" y="4528364"/>
+                        <a:ext cx="237244" cy="276999"/>
+                      </a:xfrm>
+                      <a:prstGeom prst="rect">
+                        <a:avLst/>
+                      </a:prstGeom>
+                      <a:noFill/>
+                    </p:spPr>
+                    <p:txBody>
+                      <a:bodyPr wrap="none" lIns="0" tIns="0" rIns="0" bIns="0" rtlCol="0">
+                        <a:spAutoFit/>
+                      </a:bodyPr>
+                      <a:lstStyle/>
+                      <a:p>
+                        <a:pPr/>
+                        <a14:m>
+                          <m:oMathPara xmlns:m="http://schemas.openxmlformats.org/officeDocument/2006/math">
+                            <m:oMathParaPr>
+                              <m:jc m:val="centerGroup"/>
+                            </m:oMathParaPr>
+                            <m:oMath xmlns:m="http://schemas.openxmlformats.org/officeDocument/2006/math">
+                              <m:r>
+                                <a:rPr lang="en-US" b="0" i="1" smtClean="0">
+                                  <a:latin typeface="Cambria Math" panose="02040503050406030204" pitchFamily="18" charset="0"/>
+                                  <a:cs typeface="Arial" panose="020B0604020202020204" pitchFamily="34" charset="0"/>
+                                </a:rPr>
+                                <m:t>−</m:t>
+                              </m:r>
+                            </m:oMath>
+                          </m:oMathPara>
+                        </a14:m>
+                        <a:endParaRPr lang="en-US" dirty="0" smtClean="0">
+                          <a:latin typeface="Arial" panose="020B0604020202020204" pitchFamily="34" charset="0"/>
+                          <a:cs typeface="Arial" panose="020B0604020202020204" pitchFamily="34" charset="0"/>
+                        </a:endParaRPr>
+                      </a:p>
+                    </p:txBody>
+                  </p:sp>
+                </mc:Choice>
+                <mc:Fallback xmlns="">
+                  <p:sp>
+                    <p:nvSpPr>
+                      <p:cNvPr id="111" name="TextBox 110"/>
+                      <p:cNvSpPr txBox="1">
+                        <a:spLocks noRot="1" noChangeAspect="1" noMove="1" noResize="1" noEditPoints="1" noAdjustHandles="1" noChangeArrowheads="1" noChangeShapeType="1" noTextEdit="1"/>
+                      </p:cNvSpPr>
+                      <p:nvPr/>
+                    </p:nvSpPr>
+                    <p:spPr>
+                      <a:xfrm>
+                        <a:off x="7685741" y="4528364"/>
+                        <a:ext cx="237244" cy="276999"/>
+                      </a:xfrm>
+                      <a:prstGeom prst="rect">
+                        <a:avLst/>
+                      </a:prstGeom>
+                      <a:blipFill>
+                        <a:blip r:embed="rId31"/>
+                        <a:stretch>
+                          <a:fillRect l="-2564" r="-2564"/>
+                        </a:stretch>
+                      </a:blipFill>
+                    </p:spPr>
+                    <p:txBody>
+                      <a:bodyPr/>
+                      <a:lstStyle/>
+                      <a:p>
+                        <a:r>
+                          <a:rPr lang="en-US">
+                            <a:noFill/>
+                          </a:rPr>
+                          <a:t> </a:t>
+                        </a:r>
+                      </a:p>
+                    </p:txBody>
+                  </p:sp>
+                </mc:Fallback>
+              </mc:AlternateContent>
+            </p:grpSp>
+            <mc:AlternateContent xmlns:mc="http://schemas.openxmlformats.org/markup-compatibility/2006" xmlns:a14="http://schemas.microsoft.com/office/drawing/2010/main">
+              <mc:Choice Requires="a14">
+                <p:sp>
+                  <p:nvSpPr>
+                    <p:cNvPr id="87" name="Rectangle 86"/>
+                    <p:cNvSpPr/>
+                    <p:nvPr/>
+                  </p:nvSpPr>
+                  <p:spPr>
+                    <a:xfrm>
+                      <a:off x="9511301" y="5474493"/>
+                      <a:ext cx="527003" cy="369332"/>
+                    </a:xfrm>
+                    <a:prstGeom prst="rect">
+                      <a:avLst/>
+                    </a:prstGeom>
+                  </p:spPr>
+                  <p:txBody>
+                    <a:bodyPr wrap="none">
+                      <a:spAutoFit/>
+                    </a:bodyPr>
+                    <a:lstStyle/>
+                    <a:p>
+                      <a:pPr/>
+                      <a14:m>
+                        <m:oMathPara xmlns:m="http://schemas.openxmlformats.org/officeDocument/2006/math">
+                          <m:oMathParaPr>
+                            <m:jc m:val="centerGroup"/>
+                          </m:oMathParaPr>
+                          <m:oMath xmlns:m="http://schemas.openxmlformats.org/officeDocument/2006/math">
+                            <m:r>
+                              <m:rPr>
+                                <m:sty m:val="p"/>
+                              </m:rPr>
+                              <a:rPr lang="en-US">
+                                <a:latin typeface="Cambria Math" panose="02040503050406030204" pitchFamily="18" charset="0"/>
+                                <a:sym typeface="Wingdings" panose="05000000000000000000" pitchFamily="2" charset="2"/>
+                              </a:rPr>
+                              <m:t>Δ</m:t>
+                            </m:r>
+                            <m:r>
+                              <a:rPr lang="en-US" i="1">
+                                <a:latin typeface="Cambria Math" panose="02040503050406030204" pitchFamily="18" charset="0"/>
+                                <a:sym typeface="Wingdings" panose="05000000000000000000" pitchFamily="2" charset="2"/>
+                              </a:rPr>
+                              <m:t>𝑉</m:t>
+                            </m:r>
+                          </m:oMath>
+                        </m:oMathPara>
+                      </a14:m>
+                      <a:endParaRPr lang="en-US" dirty="0"/>
+                    </a:p>
+                  </p:txBody>
+                </p:sp>
+              </mc:Choice>
+              <mc:Fallback xmlns="">
+                <p:sp>
+                  <p:nvSpPr>
+                    <p:cNvPr id="2" name="Rectangle 1"/>
+                    <p:cNvSpPr>
+                      <a:spLocks noRot="1" noChangeAspect="1" noMove="1" noResize="1" noEditPoints="1" noAdjustHandles="1" noChangeArrowheads="1" noChangeShapeType="1" noTextEdit="1"/>
+                    </p:cNvSpPr>
+                    <p:nvPr/>
+                  </p:nvSpPr>
+                  <p:spPr>
+                    <a:xfrm>
+                      <a:off x="9511301" y="5474493"/>
+                      <a:ext cx="527003" cy="369332"/>
+                    </a:xfrm>
+                    <a:prstGeom prst="rect">
+                      <a:avLst/>
+                    </a:prstGeom>
+                    <a:blipFill>
+                      <a:blip r:embed="rId32"/>
+                      <a:stretch>
+                        <a:fillRect/>
+                      </a:stretch>
+                    </a:blipFill>
+                  </p:spPr>
+                  <p:txBody>
+                    <a:bodyPr/>
+                    <a:lstStyle/>
+                    <a:p>
+                      <a:r>
+                        <a:rPr lang="en-US">
+                          <a:noFill/>
+                        </a:rPr>
+                        <a:t> </a:t>
+                      </a:r>
+                    </a:p>
+                  </p:txBody>
+                </p:sp>
+              </mc:Fallback>
+            </mc:AlternateContent>
+          </p:grpSp>
+          <p:cxnSp>
+            <p:nvCxnSpPr>
+              <p:cNvPr id="82" name="Straight Connector 81"/>
+              <p:cNvCxnSpPr/>
+              <p:nvPr/>
+            </p:nvCxnSpPr>
+            <p:spPr>
+              <a:xfrm flipV="1">
+                <a:off x="8972700" y="1718919"/>
+                <a:ext cx="0" cy="1603314"/>
+              </a:xfrm>
+              <a:prstGeom prst="line">
+                <a:avLst/>
+              </a:prstGeom>
+              <a:ln w="38100">
+                <a:solidFill>
+                  <a:schemeClr val="tx1"/>
+                </a:solidFill>
+              </a:ln>
+            </p:spPr>
+            <p:style>
+              <a:lnRef idx="1">
+                <a:schemeClr val="accent1"/>
+              </a:lnRef>
+              <a:fillRef idx="0">
+                <a:schemeClr val="accent1"/>
+              </a:fillRef>
+              <a:effectRef idx="0">
+                <a:schemeClr val="accent1"/>
+              </a:effectRef>
+              <a:fontRef idx="minor">
+                <a:schemeClr val="tx1"/>
+              </a:fontRef>
+            </p:style>
+          </p:cxnSp>
+          <p:cxnSp>
+            <p:nvCxnSpPr>
+              <p:cNvPr id="83" name="Straight Connector 82"/>
+              <p:cNvCxnSpPr/>
+              <p:nvPr/>
+            </p:nvCxnSpPr>
+            <p:spPr>
+              <a:xfrm flipH="1" flipV="1">
+                <a:off x="10309425" y="1701082"/>
+                <a:ext cx="300" cy="1664594"/>
+              </a:xfrm>
+              <a:prstGeom prst="line">
+                <a:avLst/>
+              </a:prstGeom>
+              <a:ln w="38100">
+                <a:solidFill>
+                  <a:schemeClr val="tx1"/>
+                </a:solidFill>
+              </a:ln>
+            </p:spPr>
+            <p:style>
+              <a:lnRef idx="1">
+                <a:schemeClr val="accent1"/>
+              </a:lnRef>
+              <a:fillRef idx="0">
+                <a:schemeClr val="accent1"/>
+              </a:fillRef>
+              <a:effectRef idx="0">
+                <a:schemeClr val="accent1"/>
+              </a:effectRef>
+              <a:fontRef idx="minor">
+                <a:schemeClr val="tx1"/>
+              </a:fontRef>
+            </p:style>
+          </p:cxnSp>
+          <mc:AlternateContent xmlns:mc="http://schemas.openxmlformats.org/markup-compatibility/2006">
+            <mc:Choice xmlns:a14="http://schemas.microsoft.com/office/drawing/2010/main" Requires="a14">
+              <p:sp>
+                <p:nvSpPr>
+                  <p:cNvPr id="84" name="Rectangle 83"/>
+                  <p:cNvSpPr/>
+                  <p:nvPr/>
+                </p:nvSpPr>
+                <p:spPr>
+                  <a:xfrm>
+                    <a:off x="8476758" y="1912604"/>
+                    <a:ext cx="391774" cy="369332"/>
+                  </a:xfrm>
+                  <a:prstGeom prst="rect">
+                    <a:avLst/>
+                  </a:prstGeom>
+                </p:spPr>
+                <p:txBody>
+                  <a:bodyPr wrap="none">
+                    <a:spAutoFit/>
+                  </a:bodyPr>
+                  <a:lstStyle/>
+                  <a:p>
+                    <a:pPr/>
+                    <a14:m>
+                      <m:oMathPara xmlns:m="http://schemas.openxmlformats.org/officeDocument/2006/math">
+                        <m:oMathParaPr>
+                          <m:jc m:val="centerGroup"/>
+                        </m:oMathParaPr>
+                        <m:oMath xmlns:m="http://schemas.openxmlformats.org/officeDocument/2006/math">
+                          <m:r>
+                            <a:rPr lang="en-US" b="0" i="1" smtClean="0">
+                              <a:latin typeface="Cambria Math" panose="02040503050406030204" pitchFamily="18" charset="0"/>
+                              <a:sym typeface="Wingdings" panose="05000000000000000000" pitchFamily="2" charset="2"/>
+                            </a:rPr>
+                            <m:t>𝑅</m:t>
+                          </m:r>
+                        </m:oMath>
+                      </m:oMathPara>
+                    </a14:m>
+                    <a:endParaRPr lang="en-US" dirty="0"/>
+                  </a:p>
+                </p:txBody>
+              </p:sp>
+            </mc:Choice>
+            <mc:Fallback>
+              <p:sp>
+                <p:nvSpPr>
+                  <p:cNvPr id="84" name="Rectangle 83"/>
+                  <p:cNvSpPr>
+                    <a:spLocks noRot="1" noChangeAspect="1" noMove="1" noResize="1" noEditPoints="1" noAdjustHandles="1" noChangeArrowheads="1" noChangeShapeType="1" noTextEdit="1"/>
+                  </p:cNvSpPr>
+                  <p:nvPr/>
+                </p:nvSpPr>
+                <p:spPr>
+                  <a:xfrm>
+                    <a:off x="8476758" y="1912604"/>
+                    <a:ext cx="391774" cy="369332"/>
+                  </a:xfrm>
+                  <a:prstGeom prst="rect">
+                    <a:avLst/>
+                  </a:prstGeom>
+                  <a:blipFill>
+                    <a:blip r:embed="rId33"/>
+                    <a:stretch>
+                      <a:fillRect/>
+                    </a:stretch>
+                  </a:blipFill>
+                </p:spPr>
+                <p:txBody>
+                  <a:bodyPr/>
+                  <a:lstStyle/>
+                  <a:p>
+                    <a:r>
+                      <a:rPr lang="en-US">
+                        <a:noFill/>
+                      </a:rPr>
+                      <a:t> </a:t>
+                    </a:r>
+                  </a:p>
+                </p:txBody>
+              </p:sp>
+            </mc:Fallback>
+          </mc:AlternateContent>
+          <mc:AlternateContent xmlns:mc="http://schemas.openxmlformats.org/markup-compatibility/2006">
+            <mc:Choice xmlns:a14="http://schemas.microsoft.com/office/drawing/2010/main" Requires="a14">
+              <p:sp>
+                <p:nvSpPr>
+                  <p:cNvPr id="85" name="Rectangle 84"/>
+                  <p:cNvSpPr/>
+                  <p:nvPr/>
+                </p:nvSpPr>
+                <p:spPr>
+                  <a:xfrm>
+                    <a:off x="10267885" y="1928147"/>
+                    <a:ext cx="391774" cy="369332"/>
+                  </a:xfrm>
+                  <a:prstGeom prst="rect">
+                    <a:avLst/>
+                  </a:prstGeom>
+                </p:spPr>
+                <p:txBody>
+                  <a:bodyPr wrap="none">
+                    <a:spAutoFit/>
+                  </a:bodyPr>
+                  <a:lstStyle/>
+                  <a:p>
+                    <a:pPr/>
+                    <a14:m>
+                      <m:oMathPara xmlns:m="http://schemas.openxmlformats.org/officeDocument/2006/math">
+                        <m:oMathParaPr>
+                          <m:jc m:val="centerGroup"/>
+                        </m:oMathParaPr>
+                        <m:oMath xmlns:m="http://schemas.openxmlformats.org/officeDocument/2006/math">
+                          <m:r>
+                            <a:rPr lang="en-US" b="0" i="1" smtClean="0">
+                              <a:latin typeface="Cambria Math" panose="02040503050406030204" pitchFamily="18" charset="0"/>
+                              <a:sym typeface="Wingdings" panose="05000000000000000000" pitchFamily="2" charset="2"/>
+                            </a:rPr>
+                            <m:t>𝑅</m:t>
+                          </m:r>
+                        </m:oMath>
+                      </m:oMathPara>
+                    </a14:m>
+                    <a:endParaRPr lang="en-US" dirty="0"/>
+                  </a:p>
+                </p:txBody>
+              </p:sp>
+            </mc:Choice>
+            <mc:Fallback>
+              <p:sp>
+                <p:nvSpPr>
+                  <p:cNvPr id="85" name="Rectangle 84"/>
+                  <p:cNvSpPr>
+                    <a:spLocks noRot="1" noChangeAspect="1" noMove="1" noResize="1" noEditPoints="1" noAdjustHandles="1" noChangeArrowheads="1" noChangeShapeType="1" noTextEdit="1"/>
+                  </p:cNvSpPr>
+                  <p:nvPr/>
+                </p:nvSpPr>
+                <p:spPr>
+                  <a:xfrm>
+                    <a:off x="10267885" y="1928147"/>
+                    <a:ext cx="391774" cy="369332"/>
+                  </a:xfrm>
+                  <a:prstGeom prst="rect">
+                    <a:avLst/>
+                  </a:prstGeom>
+                  <a:blipFill>
+                    <a:blip r:embed="rId34"/>
+                    <a:stretch>
+                      <a:fillRect/>
+                    </a:stretch>
+                  </a:blipFill>
+                </p:spPr>
+                <p:txBody>
+                  <a:bodyPr/>
+                  <a:lstStyle/>
+                  <a:p>
+                    <a:r>
+                      <a:rPr lang="en-US">
+                        <a:noFill/>
+                      </a:rPr>
+                      <a:t> </a:t>
+                    </a:r>
+                  </a:p>
+                </p:txBody>
+              </p:sp>
+            </mc:Fallback>
+          </mc:AlternateContent>
+        </p:grpSp>
+        <p:sp>
+          <p:nvSpPr>
+            <p:cNvPr id="79" name="Rectangle 78"/>
+            <p:cNvSpPr/>
+            <p:nvPr/>
+          </p:nvSpPr>
+          <p:spPr>
+            <a:xfrm>
+              <a:off x="10201840" y="2780135"/>
+              <a:ext cx="1044744" cy="1217454"/>
+            </a:xfrm>
+            <a:prstGeom prst="rect">
+              <a:avLst/>
+            </a:prstGeom>
+            <a:noFill/>
+            <a:ln w="28575">
+              <a:solidFill>
+                <a:schemeClr val="tx1"/>
+              </a:solidFill>
+              <a:prstDash val="dash"/>
+            </a:ln>
+          </p:spPr>
+          <p:style>
+            <a:lnRef idx="2">
+              <a:schemeClr val="accent1">
+                <a:shade val="50000"/>
+              </a:schemeClr>
+            </a:lnRef>
+            <a:fillRef idx="1">
+              <a:schemeClr val="accent1"/>
+            </a:fillRef>
+            <a:effectRef idx="0">
+              <a:schemeClr val="accent1"/>
+            </a:effectRef>
+            <a:fontRef idx="minor">
+              <a:schemeClr val="lt1"/>
+            </a:fontRef>
+          </p:style>
+          <p:txBody>
+            <a:bodyPr rtlCol="0" anchor="ctr"/>
+            <a:lstStyle/>
+            <a:p>
+              <a:pPr algn="ctr"/>
+              <a:endParaRPr lang="en-US"/>
+            </a:p>
+          </p:txBody>
+        </p:sp>
+        <p:sp>
+          <p:nvSpPr>
+            <p:cNvPr id="80" name="TextBox 79"/>
+            <p:cNvSpPr txBox="1"/>
+            <p:nvPr/>
+          </p:nvSpPr>
+          <p:spPr>
+            <a:xfrm>
+              <a:off x="10004985" y="4117534"/>
+              <a:ext cx="1561081" cy="369332"/>
+            </a:xfrm>
+            <a:prstGeom prst="rect">
+              <a:avLst/>
+            </a:prstGeom>
+            <a:noFill/>
+          </p:spPr>
+          <p:txBody>
+            <a:bodyPr wrap="square" rtlCol="0">
+              <a:spAutoFit/>
+            </a:bodyPr>
+            <a:lstStyle/>
+            <a:p>
+              <a:r>
+                <a:rPr lang="en-US" dirty="0" smtClean="0">
+                  <a:latin typeface="Arial" panose="020B0604020202020204" pitchFamily="34" charset="0"/>
+                  <a:cs typeface="Arial" panose="020B0604020202020204" pitchFamily="34" charset="0"/>
+                </a:rPr>
+                <a:t>Power plant</a:t>
+              </a:r>
+            </a:p>
+          </p:txBody>
+        </p:sp>
+      </p:grpSp>
+    </p:spTree>
+    <p:extLst>
+      <p:ext uri="{BB962C8B-B14F-4D97-AF65-F5344CB8AC3E}">
+        <p14:creationId xmlns:p14="http://schemas.microsoft.com/office/powerpoint/2010/main" val="4132219296"/>
       </p:ext>
     </p:extLst>
   </p:cSld>

--- a/tex/figures/Induction/Figures.pptx
+++ b/tex/figures/Induction/Figures.pptx
@@ -5,7 +5,7 @@
     <p:sldMasterId id="2147483648" r:id="rId1"/>
   </p:sldMasterIdLst>
   <p:notesMasterIdLst>
-    <p:notesMasterId r:id="rId10"/>
+    <p:notesMasterId r:id="rId11"/>
   </p:notesMasterIdLst>
   <p:sldIdLst>
     <p:sldId id="271" r:id="rId2"/>
@@ -16,6 +16,7 @@
     <p:sldId id="302" r:id="rId7"/>
     <p:sldId id="303" r:id="rId8"/>
     <p:sldId id="305" r:id="rId9"/>
+    <p:sldId id="306" r:id="rId10"/>
   </p:sldIdLst>
   <p:sldSz cx="12192000" cy="6858000"/>
   <p:notesSz cx="6858000" cy="9144000"/>
@@ -122,6 +123,171 @@
 </p:presentation>
 </file>
 
+<file path=ppt/revisionInfo.xml><?xml version="1.0" encoding="utf-8"?>
+<p1510:revInfo xmlns:a="http://schemas.openxmlformats.org/drawingml/2006/main" xmlns:r="http://schemas.openxmlformats.org/officeDocument/2006/relationships" xmlns:p1510="http://schemas.microsoft.com/office/powerpoint/2015/10/main">
+  <p1510:revLst>
+    <p1510:client id="{5FAE5CB4-271D-42DA-9A38-56D21EB44C4E}" v="12" dt="2019-08-12T21:36:31.338"/>
+  </p1510:revLst>
+</p1510:revInfo>
+</file>
+
+<file path=ppt/changesInfos/changesInfo1.xml><?xml version="1.0" encoding="utf-8"?>
+<pc:chgInfo xmlns:a="http://schemas.openxmlformats.org/drawingml/2006/main" xmlns:r="http://schemas.openxmlformats.org/officeDocument/2006/relationships" xmlns:ac="http://schemas.microsoft.com/office/drawing/2013/main/command" xmlns:pc="http://schemas.microsoft.com/office/powerpoint/2013/main/command">
+  <pc:docChgLst>
+    <pc:chgData name="Joshua Rinaldo" userId="eeaa994f99e4e508" providerId="LiveId" clId="{5FAE5CB4-271D-42DA-9A38-56D21EB44C4E}"/>
+    <pc:docChg chg="custSel addSld modSld">
+      <pc:chgData name="Joshua Rinaldo" userId="eeaa994f99e4e508" providerId="LiveId" clId="{5FAE5CB4-271D-42DA-9A38-56D21EB44C4E}" dt="2019-08-12T21:36:41.945" v="26" actId="693"/>
+      <pc:docMkLst>
+        <pc:docMk/>
+      </pc:docMkLst>
+      <pc:sldChg chg="addSp delSp modSp add">
+        <pc:chgData name="Joshua Rinaldo" userId="eeaa994f99e4e508" providerId="LiveId" clId="{5FAE5CB4-271D-42DA-9A38-56D21EB44C4E}" dt="2019-08-12T21:36:41.945" v="26" actId="693"/>
+        <pc:sldMkLst>
+          <pc:docMk/>
+          <pc:sldMk cId="2804202308" sldId="306"/>
+        </pc:sldMkLst>
+        <pc:spChg chg="del">
+          <ac:chgData name="Joshua Rinaldo" userId="eeaa994f99e4e508" providerId="LiveId" clId="{5FAE5CB4-271D-42DA-9A38-56D21EB44C4E}" dt="2019-08-12T21:34:38.954" v="2" actId="478"/>
+          <ac:spMkLst>
+            <pc:docMk/>
+            <pc:sldMk cId="2804202308" sldId="306"/>
+            <ac:spMk id="2" creationId="{72EA427D-31CA-458D-B522-F6D1EF405E46}"/>
+          </ac:spMkLst>
+        </pc:spChg>
+        <pc:spChg chg="del">
+          <ac:chgData name="Joshua Rinaldo" userId="eeaa994f99e4e508" providerId="LiveId" clId="{5FAE5CB4-271D-42DA-9A38-56D21EB44C4E}" dt="2019-08-12T21:34:37.658" v="1" actId="478"/>
+          <ac:spMkLst>
+            <pc:docMk/>
+            <pc:sldMk cId="2804202308" sldId="306"/>
+            <ac:spMk id="3" creationId="{11AC38DD-E025-4668-A8E0-42BA61E2E8CD}"/>
+          </ac:spMkLst>
+        </pc:spChg>
+        <pc:spChg chg="add mod">
+          <ac:chgData name="Joshua Rinaldo" userId="eeaa994f99e4e508" providerId="LiveId" clId="{5FAE5CB4-271D-42DA-9A38-56D21EB44C4E}" dt="2019-08-12T21:36:22.953" v="24" actId="1076"/>
+          <ac:spMkLst>
+            <pc:docMk/>
+            <pc:sldMk cId="2804202308" sldId="306"/>
+            <ac:spMk id="19" creationId="{8F5578CA-58FF-4076-B30F-9B3E4591A002}"/>
+          </ac:spMkLst>
+        </pc:spChg>
+        <pc:cxnChg chg="add mod">
+          <ac:chgData name="Joshua Rinaldo" userId="eeaa994f99e4e508" providerId="LiveId" clId="{5FAE5CB4-271D-42DA-9A38-56D21EB44C4E}" dt="2019-08-12T21:35:57.724" v="18" actId="208"/>
+          <ac:cxnSpMkLst>
+            <pc:docMk/>
+            <pc:sldMk cId="2804202308" sldId="306"/>
+            <ac:cxnSpMk id="5" creationId="{64BA7913-C29C-4CF9-8F76-7ED98DA997C9}"/>
+          </ac:cxnSpMkLst>
+        </pc:cxnChg>
+        <pc:cxnChg chg="add mod">
+          <ac:chgData name="Joshua Rinaldo" userId="eeaa994f99e4e508" providerId="LiveId" clId="{5FAE5CB4-271D-42DA-9A38-56D21EB44C4E}" dt="2019-08-12T21:35:57.724" v="18" actId="208"/>
+          <ac:cxnSpMkLst>
+            <pc:docMk/>
+            <pc:sldMk cId="2804202308" sldId="306"/>
+            <ac:cxnSpMk id="6" creationId="{15775E8B-74CE-4CD8-A3D7-23BFDEDC9C36}"/>
+          </ac:cxnSpMkLst>
+        </pc:cxnChg>
+        <pc:cxnChg chg="add mod">
+          <ac:chgData name="Joshua Rinaldo" userId="eeaa994f99e4e508" providerId="LiveId" clId="{5FAE5CB4-271D-42DA-9A38-56D21EB44C4E}" dt="2019-08-12T21:35:57.724" v="18" actId="208"/>
+          <ac:cxnSpMkLst>
+            <pc:docMk/>
+            <pc:sldMk cId="2804202308" sldId="306"/>
+            <ac:cxnSpMk id="7" creationId="{37741DA9-D572-4A4A-B143-8546364949C2}"/>
+          </ac:cxnSpMkLst>
+        </pc:cxnChg>
+        <pc:cxnChg chg="add mod">
+          <ac:chgData name="Joshua Rinaldo" userId="eeaa994f99e4e508" providerId="LiveId" clId="{5FAE5CB4-271D-42DA-9A38-56D21EB44C4E}" dt="2019-08-12T21:35:57.724" v="18" actId="208"/>
+          <ac:cxnSpMkLst>
+            <pc:docMk/>
+            <pc:sldMk cId="2804202308" sldId="306"/>
+            <ac:cxnSpMk id="8" creationId="{8E6A6530-3762-4017-BE93-FBD7FA9A7D25}"/>
+          </ac:cxnSpMkLst>
+        </pc:cxnChg>
+        <pc:cxnChg chg="add mod">
+          <ac:chgData name="Joshua Rinaldo" userId="eeaa994f99e4e508" providerId="LiveId" clId="{5FAE5CB4-271D-42DA-9A38-56D21EB44C4E}" dt="2019-08-12T21:35:57.724" v="18" actId="208"/>
+          <ac:cxnSpMkLst>
+            <pc:docMk/>
+            <pc:sldMk cId="2804202308" sldId="306"/>
+            <ac:cxnSpMk id="9" creationId="{2705339F-1326-4F55-A974-99C8D48E8C56}"/>
+          </ac:cxnSpMkLst>
+        </pc:cxnChg>
+        <pc:cxnChg chg="add mod">
+          <ac:chgData name="Joshua Rinaldo" userId="eeaa994f99e4e508" providerId="LiveId" clId="{5FAE5CB4-271D-42DA-9A38-56D21EB44C4E}" dt="2019-08-12T21:35:57.724" v="18" actId="208"/>
+          <ac:cxnSpMkLst>
+            <pc:docMk/>
+            <pc:sldMk cId="2804202308" sldId="306"/>
+            <ac:cxnSpMk id="10" creationId="{5A6A1F3D-4115-477F-9B1D-DF5B6BFAAD77}"/>
+          </ac:cxnSpMkLst>
+        </pc:cxnChg>
+        <pc:cxnChg chg="add mod">
+          <ac:chgData name="Joshua Rinaldo" userId="eeaa994f99e4e508" providerId="LiveId" clId="{5FAE5CB4-271D-42DA-9A38-56D21EB44C4E}" dt="2019-08-12T21:35:57.724" v="18" actId="208"/>
+          <ac:cxnSpMkLst>
+            <pc:docMk/>
+            <pc:sldMk cId="2804202308" sldId="306"/>
+            <ac:cxnSpMk id="11" creationId="{8AA562E3-F431-429C-B29B-977EF5113395}"/>
+          </ac:cxnSpMkLst>
+        </pc:cxnChg>
+        <pc:cxnChg chg="add mod">
+          <ac:chgData name="Joshua Rinaldo" userId="eeaa994f99e4e508" providerId="LiveId" clId="{5FAE5CB4-271D-42DA-9A38-56D21EB44C4E}" dt="2019-08-12T21:35:57.724" v="18" actId="208"/>
+          <ac:cxnSpMkLst>
+            <pc:docMk/>
+            <pc:sldMk cId="2804202308" sldId="306"/>
+            <ac:cxnSpMk id="12" creationId="{85E65DEB-399C-4167-8E35-C856844D764E}"/>
+          </ac:cxnSpMkLst>
+        </pc:cxnChg>
+        <pc:cxnChg chg="add mod">
+          <ac:chgData name="Joshua Rinaldo" userId="eeaa994f99e4e508" providerId="LiveId" clId="{5FAE5CB4-271D-42DA-9A38-56D21EB44C4E}" dt="2019-08-12T21:35:57.724" v="18" actId="208"/>
+          <ac:cxnSpMkLst>
+            <pc:docMk/>
+            <pc:sldMk cId="2804202308" sldId="306"/>
+            <ac:cxnSpMk id="13" creationId="{51B2032A-70FD-46E4-8330-5B43A55BC25A}"/>
+          </ac:cxnSpMkLst>
+        </pc:cxnChg>
+        <pc:cxnChg chg="add mod">
+          <ac:chgData name="Joshua Rinaldo" userId="eeaa994f99e4e508" providerId="LiveId" clId="{5FAE5CB4-271D-42DA-9A38-56D21EB44C4E}" dt="2019-08-12T21:35:57.724" v="18" actId="208"/>
+          <ac:cxnSpMkLst>
+            <pc:docMk/>
+            <pc:sldMk cId="2804202308" sldId="306"/>
+            <ac:cxnSpMk id="14" creationId="{87273663-E154-45C6-A532-C9F2203A2DC9}"/>
+          </ac:cxnSpMkLst>
+        </pc:cxnChg>
+        <pc:cxnChg chg="add mod">
+          <ac:chgData name="Joshua Rinaldo" userId="eeaa994f99e4e508" providerId="LiveId" clId="{5FAE5CB4-271D-42DA-9A38-56D21EB44C4E}" dt="2019-08-12T21:35:57.724" v="18" actId="208"/>
+          <ac:cxnSpMkLst>
+            <pc:docMk/>
+            <pc:sldMk cId="2804202308" sldId="306"/>
+            <ac:cxnSpMk id="15" creationId="{8267661D-A991-40E5-919F-D37DE784A8D2}"/>
+          </ac:cxnSpMkLst>
+        </pc:cxnChg>
+        <pc:cxnChg chg="add mod">
+          <ac:chgData name="Joshua Rinaldo" userId="eeaa994f99e4e508" providerId="LiveId" clId="{5FAE5CB4-271D-42DA-9A38-56D21EB44C4E}" dt="2019-08-12T21:35:57.724" v="18" actId="208"/>
+          <ac:cxnSpMkLst>
+            <pc:docMk/>
+            <pc:sldMk cId="2804202308" sldId="306"/>
+            <ac:cxnSpMk id="16" creationId="{EDC19D22-0E0B-48F9-9A83-2263FFD3A594}"/>
+          </ac:cxnSpMkLst>
+        </pc:cxnChg>
+        <pc:cxnChg chg="add mod">
+          <ac:chgData name="Joshua Rinaldo" userId="eeaa994f99e4e508" providerId="LiveId" clId="{5FAE5CB4-271D-42DA-9A38-56D21EB44C4E}" dt="2019-08-12T21:36:07.011" v="20" actId="1076"/>
+          <ac:cxnSpMkLst>
+            <pc:docMk/>
+            <pc:sldMk cId="2804202308" sldId="306"/>
+            <ac:cxnSpMk id="18" creationId="{F3EAE365-63ED-4CAC-8405-41D971818B49}"/>
+          </ac:cxnSpMkLst>
+        </pc:cxnChg>
+        <pc:cxnChg chg="add mod">
+          <ac:chgData name="Joshua Rinaldo" userId="eeaa994f99e4e508" providerId="LiveId" clId="{5FAE5CB4-271D-42DA-9A38-56D21EB44C4E}" dt="2019-08-12T21:36:41.945" v="26" actId="693"/>
+          <ac:cxnSpMkLst>
+            <pc:docMk/>
+            <pc:sldMk cId="2804202308" sldId="306"/>
+            <ac:cxnSpMk id="21" creationId="{DD91B55B-1D32-44C6-AB61-8E03A37FE835}"/>
+          </ac:cxnSpMkLst>
+        </pc:cxnChg>
+      </pc:sldChg>
+    </pc:docChg>
+  </pc:docChgLst>
+</pc:chgInfo>
+</file>
+
 <file path=ppt/notesMasters/notesMaster1.xml><?xml version="1.0" encoding="utf-8"?>
 <p:notesMaster xmlns:a="http://schemas.openxmlformats.org/drawingml/2006/main" xmlns:r="http://schemas.openxmlformats.org/officeDocument/2006/relationships" xmlns:p="http://schemas.openxmlformats.org/presentationml/2006/main">
   <p:cSld>
@@ -204,7 +370,7 @@
           <a:p>
             <a:fld id="{FA15A6B2-55AC-CD4B-A1E6-BB01091FE9DC}" type="datetimeFigureOut">
               <a:rPr lang="en-US" smtClean="0"/>
-              <a:t>7/31/2019</a:t>
+              <a:t>8/12/2019</a:t>
             </a:fld>
             <a:endParaRPr lang="en-US"/>
           </a:p>
@@ -733,7 +899,7 @@
           <a:p>
             <a:fld id="{F7249F8D-641B-4CAF-BAE5-10524742F6F1}" type="datetimeFigureOut">
               <a:rPr lang="en-CA" smtClean="0"/>
-              <a:t>2019-07-31</a:t>
+              <a:t>2019-08-12</a:t>
             </a:fld>
             <a:endParaRPr lang="en-CA"/>
           </a:p>
@@ -903,7 +1069,7 @@
           <a:p>
             <a:fld id="{F7249F8D-641B-4CAF-BAE5-10524742F6F1}" type="datetimeFigureOut">
               <a:rPr lang="en-CA" smtClean="0"/>
-              <a:t>2019-07-31</a:t>
+              <a:t>2019-08-12</a:t>
             </a:fld>
             <a:endParaRPr lang="en-CA"/>
           </a:p>
@@ -1083,7 +1249,7 @@
           <a:p>
             <a:fld id="{F7249F8D-641B-4CAF-BAE5-10524742F6F1}" type="datetimeFigureOut">
               <a:rPr lang="en-CA" smtClean="0"/>
-              <a:t>2019-07-31</a:t>
+              <a:t>2019-08-12</a:t>
             </a:fld>
             <a:endParaRPr lang="en-CA"/>
           </a:p>
@@ -1253,7 +1419,7 @@
           <a:p>
             <a:fld id="{F7249F8D-641B-4CAF-BAE5-10524742F6F1}" type="datetimeFigureOut">
               <a:rPr lang="en-CA" smtClean="0"/>
-              <a:t>2019-07-31</a:t>
+              <a:t>2019-08-12</a:t>
             </a:fld>
             <a:endParaRPr lang="en-CA"/>
           </a:p>
@@ -1499,7 +1665,7 @@
           <a:p>
             <a:fld id="{F7249F8D-641B-4CAF-BAE5-10524742F6F1}" type="datetimeFigureOut">
               <a:rPr lang="en-CA" smtClean="0"/>
-              <a:t>2019-07-31</a:t>
+              <a:t>2019-08-12</a:t>
             </a:fld>
             <a:endParaRPr lang="en-CA"/>
           </a:p>
@@ -1731,7 +1897,7 @@
           <a:p>
             <a:fld id="{F7249F8D-641B-4CAF-BAE5-10524742F6F1}" type="datetimeFigureOut">
               <a:rPr lang="en-CA" smtClean="0"/>
-              <a:t>2019-07-31</a:t>
+              <a:t>2019-08-12</a:t>
             </a:fld>
             <a:endParaRPr lang="en-CA"/>
           </a:p>
@@ -2098,7 +2264,7 @@
           <a:p>
             <a:fld id="{F7249F8D-641B-4CAF-BAE5-10524742F6F1}" type="datetimeFigureOut">
               <a:rPr lang="en-CA" smtClean="0"/>
-              <a:t>2019-07-31</a:t>
+              <a:t>2019-08-12</a:t>
             </a:fld>
             <a:endParaRPr lang="en-CA"/>
           </a:p>
@@ -2216,7 +2382,7 @@
           <a:p>
             <a:fld id="{F7249F8D-641B-4CAF-BAE5-10524742F6F1}" type="datetimeFigureOut">
               <a:rPr lang="en-CA" smtClean="0"/>
-              <a:t>2019-07-31</a:t>
+              <a:t>2019-08-12</a:t>
             </a:fld>
             <a:endParaRPr lang="en-CA"/>
           </a:p>
@@ -2311,7 +2477,7 @@
           <a:p>
             <a:fld id="{F7249F8D-641B-4CAF-BAE5-10524742F6F1}" type="datetimeFigureOut">
               <a:rPr lang="en-CA" smtClean="0"/>
-              <a:t>2019-07-31</a:t>
+              <a:t>2019-08-12</a:t>
             </a:fld>
             <a:endParaRPr lang="en-CA"/>
           </a:p>
@@ -2588,7 +2754,7 @@
           <a:p>
             <a:fld id="{F7249F8D-641B-4CAF-BAE5-10524742F6F1}" type="datetimeFigureOut">
               <a:rPr lang="en-CA" smtClean="0"/>
-              <a:t>2019-07-31</a:t>
+              <a:t>2019-08-12</a:t>
             </a:fld>
             <a:endParaRPr lang="en-CA"/>
           </a:p>
@@ -2841,7 +3007,7 @@
           <a:p>
             <a:fld id="{F7249F8D-641B-4CAF-BAE5-10524742F6F1}" type="datetimeFigureOut">
               <a:rPr lang="en-CA" smtClean="0"/>
-              <a:t>2019-07-31</a:t>
+              <a:t>2019-08-12</a:t>
             </a:fld>
             <a:endParaRPr lang="en-CA"/>
           </a:p>
@@ -3054,7 +3220,7 @@
           <a:p>
             <a:fld id="{F7249F8D-641B-4CAF-BAE5-10524742F6F1}" type="datetimeFigureOut">
               <a:rPr lang="en-CA" smtClean="0"/>
-              <a:t>2019-07-31</a:t>
+              <a:t>2019-08-12</a:t>
             </a:fld>
             <a:endParaRPr lang="en-CA"/>
           </a:p>
@@ -12270,7 +12436,7 @@
                       </m:oMath>
                     </m:oMathPara>
                   </a14:m>
-                  <a:endParaRPr lang="en-US" sz="2000" dirty="0" smtClean="0">
+                  <a:endParaRPr lang="en-US" sz="2000" dirty="0">
                     <a:latin typeface="Arial" panose="020B0604020202020204" pitchFamily="34" charset="0"/>
                     <a:cs typeface="Arial" panose="020B0604020202020204" pitchFamily="34" charset="0"/>
                   </a:endParaRPr>
@@ -12358,7 +12524,7 @@
                       </m:oMath>
                     </m:oMathPara>
                   </a14:m>
-                  <a:endParaRPr lang="en-US" sz="2000" dirty="0" smtClean="0">
+                  <a:endParaRPr lang="en-US" sz="2000" dirty="0">
                     <a:latin typeface="Arial" panose="020B0604020202020204" pitchFamily="34" charset="0"/>
                     <a:cs typeface="Arial" panose="020B0604020202020204" pitchFamily="34" charset="0"/>
                   </a:endParaRPr>
@@ -12446,7 +12612,7 @@
                       </m:oMath>
                     </m:oMathPara>
                   </a14:m>
-                  <a:endParaRPr lang="en-US" sz="2000" dirty="0" smtClean="0">
+                  <a:endParaRPr lang="en-US" sz="2000" dirty="0">
                     <a:latin typeface="Arial" panose="020B0604020202020204" pitchFamily="34" charset="0"/>
                     <a:cs typeface="Arial" panose="020B0604020202020204" pitchFamily="34" charset="0"/>
                   </a:endParaRPr>
@@ -14150,7 +14316,7 @@
                       </m:oMath>
                     </m:oMathPara>
                   </a14:m>
-                  <a:endParaRPr lang="en-US" sz="2000" dirty="0" smtClean="0">
+                  <a:endParaRPr lang="en-US" sz="2000" dirty="0">
                     <a:solidFill>
                       <a:srgbClr val="FF0000"/>
                     </a:solidFill>
@@ -14260,7 +14426,7 @@
                       </m:oMath>
                     </m:oMathPara>
                   </a14:m>
-                  <a:endParaRPr lang="en-US" sz="2000" dirty="0" smtClean="0">
+                  <a:endParaRPr lang="en-US" sz="2000" dirty="0">
                     <a:solidFill>
                       <a:srgbClr val="FF0000"/>
                     </a:solidFill>
@@ -14446,7 +14612,7 @@
                       </m:oMath>
                     </m:oMathPara>
                   </a14:m>
-                  <a:endParaRPr lang="en-US" sz="2000" dirty="0" smtClean="0">
+                  <a:endParaRPr lang="en-US" sz="2000" dirty="0">
                     <a:latin typeface="Arial" panose="020B0604020202020204" pitchFamily="34" charset="0"/>
                     <a:cs typeface="Arial" panose="020B0604020202020204" pitchFamily="34" charset="0"/>
                   </a:endParaRPr>
@@ -14534,7 +14700,7 @@
                       </m:oMath>
                     </m:oMathPara>
                   </a14:m>
-                  <a:endParaRPr lang="en-US" sz="2000" dirty="0" smtClean="0">
+                  <a:endParaRPr lang="en-US" sz="2000" dirty="0">
                     <a:latin typeface="Arial" panose="020B0604020202020204" pitchFamily="34" charset="0"/>
                     <a:cs typeface="Arial" panose="020B0604020202020204" pitchFamily="34" charset="0"/>
                   </a:endParaRPr>
@@ -14792,7 +14958,7 @@
                       </m:oMath>
                     </m:oMathPara>
                   </a14:m>
-                  <a:endParaRPr lang="en-US" sz="2000" dirty="0" smtClean="0">
+                  <a:endParaRPr lang="en-US" sz="2000" dirty="0">
                     <a:latin typeface="Arial" panose="020B0604020202020204" pitchFamily="34" charset="0"/>
                     <a:cs typeface="Arial" panose="020B0604020202020204" pitchFamily="34" charset="0"/>
                   </a:endParaRPr>
@@ -14988,7 +15154,7 @@
                       </m:oMath>
                     </m:oMathPara>
                   </a14:m>
-                  <a:endParaRPr lang="en-US" sz="2000" dirty="0" smtClean="0">
+                  <a:endParaRPr lang="en-US" sz="2000" dirty="0">
                     <a:latin typeface="Arial" panose="020B0604020202020204" pitchFamily="34" charset="0"/>
                     <a:cs typeface="Arial" panose="020B0604020202020204" pitchFamily="34" charset="0"/>
                   </a:endParaRPr>
@@ -15184,7 +15350,7 @@
                       </m:oMath>
                     </m:oMathPara>
                   </a14:m>
-                  <a:endParaRPr lang="en-US" sz="2000" dirty="0" smtClean="0">
+                  <a:endParaRPr lang="en-US" sz="2000" dirty="0">
                     <a:latin typeface="Arial" panose="020B0604020202020204" pitchFamily="34" charset="0"/>
                     <a:cs typeface="Arial" panose="020B0604020202020204" pitchFamily="34" charset="0"/>
                   </a:endParaRPr>
@@ -15322,7 +15488,7 @@
                       </m:oMath>
                     </m:oMathPara>
                   </a14:m>
-                  <a:endParaRPr lang="en-US" sz="2000" dirty="0" smtClean="0">
+                  <a:endParaRPr lang="en-US" sz="2000" dirty="0">
                     <a:latin typeface="Arial" panose="020B0604020202020204" pitchFamily="34" charset="0"/>
                     <a:cs typeface="Arial" panose="020B0604020202020204" pitchFamily="34" charset="0"/>
                   </a:endParaRPr>
@@ -15410,7 +15576,7 @@
                       </m:oMath>
                     </m:oMathPara>
                   </a14:m>
-                  <a:endParaRPr lang="en-US" sz="2000" dirty="0" smtClean="0">
+                  <a:endParaRPr lang="en-US" sz="2000" dirty="0">
                     <a:latin typeface="Arial" panose="020B0604020202020204" pitchFamily="34" charset="0"/>
                     <a:cs typeface="Arial" panose="020B0604020202020204" pitchFamily="34" charset="0"/>
                   </a:endParaRPr>
@@ -15498,7 +15664,7 @@
                       </m:oMath>
                     </m:oMathPara>
                   </a14:m>
-                  <a:endParaRPr lang="en-US" sz="2000" dirty="0" smtClean="0">
+                  <a:endParaRPr lang="en-US" sz="2000" dirty="0">
                     <a:latin typeface="Arial" panose="020B0604020202020204" pitchFamily="34" charset="0"/>
                     <a:cs typeface="Arial" panose="020B0604020202020204" pitchFamily="34" charset="0"/>
                   </a:endParaRPr>
@@ -15656,7 +15822,7 @@
                       </m:oMath>
                     </m:oMathPara>
                   </a14:m>
-                  <a:endParaRPr lang="en-US" sz="2000" dirty="0" smtClean="0">
+                  <a:endParaRPr lang="en-US" sz="2000" dirty="0">
                     <a:latin typeface="Arial" panose="020B0604020202020204" pitchFamily="34" charset="0"/>
                     <a:cs typeface="Arial" panose="020B0604020202020204" pitchFamily="34" charset="0"/>
                   </a:endParaRPr>
@@ -25558,7 +25724,7 @@
                       </m:oMath>
                     </m:oMathPara>
                   </a14:m>
-                  <a:endParaRPr lang="en-US" sz="2800" dirty="0" smtClean="0">
+                  <a:endParaRPr lang="en-US" sz="2800" dirty="0">
                     <a:solidFill>
                       <a:srgbClr val="FF0000"/>
                     </a:solidFill>
@@ -25689,7 +25855,7 @@
                       </m:oMath>
                     </m:oMathPara>
                   </a14:m>
-                  <a:endParaRPr lang="en-US" sz="2800" dirty="0" smtClean="0">
+                  <a:endParaRPr lang="en-US" sz="2800" dirty="0">
                     <a:solidFill>
                       <a:schemeClr val="tx1"/>
                     </a:solidFill>
@@ -25860,7 +26026,7 @@
                       </m:oMath>
                     </m:oMathPara>
                   </a14:m>
-                  <a:endParaRPr lang="en-US" sz="2800" dirty="0" smtClean="0">
+                  <a:endParaRPr lang="en-US" sz="2800" dirty="0">
                     <a:solidFill>
                       <a:schemeClr val="tx1"/>
                     </a:solidFill>
@@ -25974,7 +26140,7 @@
                       </m:oMath>
                     </m:oMathPara>
                   </a14:m>
-                  <a:endParaRPr lang="en-US" sz="2800" dirty="0" smtClean="0">
+                  <a:endParaRPr lang="en-US" sz="2800" dirty="0">
                     <a:solidFill>
                       <a:schemeClr val="bg2">
                         <a:lumMod val="75000"/>
@@ -26103,7 +26269,7 @@
                       </m:oMath>
                     </m:oMathPara>
                   </a14:m>
-                  <a:endParaRPr lang="en-US" sz="2000" dirty="0" smtClean="0">
+                  <a:endParaRPr lang="en-US" sz="2000" dirty="0">
                     <a:latin typeface="Arial" panose="020B0604020202020204" pitchFamily="34" charset="0"/>
                     <a:cs typeface="Arial" panose="020B0604020202020204" pitchFamily="34" charset="0"/>
                   </a:endParaRPr>
@@ -26264,7 +26430,7 @@
                       </m:oMath>
                     </m:oMathPara>
                   </a14:m>
-                  <a:endParaRPr lang="en-US" sz="2800" dirty="0" smtClean="0">
+                  <a:endParaRPr lang="en-US" sz="2800" dirty="0">
                     <a:latin typeface="Arial" panose="020B0604020202020204" pitchFamily="34" charset="0"/>
                     <a:cs typeface="Arial" panose="020B0604020202020204" pitchFamily="34" charset="0"/>
                   </a:endParaRPr>
@@ -27042,7 +27208,7 @@
                           </m:oMath>
                         </m:oMathPara>
                       </a14:m>
-                      <a:endParaRPr lang="en-US" sz="2000" dirty="0" smtClean="0">
+                      <a:endParaRPr lang="en-US" sz="2000" dirty="0">
                         <a:solidFill>
                           <a:schemeClr val="bg2">
                             <a:lumMod val="75000"/>
@@ -27257,7 +27423,7 @@
                             </m:oMath>
                           </m:oMathPara>
                         </a14:m>
-                        <a:endParaRPr lang="en-US" sz="2000" dirty="0" smtClean="0">
+                        <a:endParaRPr lang="en-US" sz="2000" dirty="0">
                           <a:latin typeface="Arial" panose="020B0604020202020204" pitchFamily="34" charset="0"/>
                           <a:cs typeface="Arial" panose="020B0604020202020204" pitchFamily="34" charset="0"/>
                         </a:endParaRPr>
@@ -27345,7 +27511,7 @@
                             </m:oMath>
                           </m:oMathPara>
                         </a14:m>
-                        <a:endParaRPr lang="en-US" sz="2000" dirty="0" smtClean="0">
+                        <a:endParaRPr lang="en-US" sz="2000" dirty="0">
                           <a:latin typeface="Arial" panose="020B0604020202020204" pitchFamily="34" charset="0"/>
                           <a:cs typeface="Arial" panose="020B0604020202020204" pitchFamily="34" charset="0"/>
                         </a:endParaRPr>
@@ -27433,7 +27599,7 @@
                             </m:oMath>
                           </m:oMathPara>
                         </a14:m>
-                        <a:endParaRPr lang="en-US" sz="2000" dirty="0" smtClean="0">
+                        <a:endParaRPr lang="en-US" sz="2000" dirty="0">
                           <a:latin typeface="Arial" panose="020B0604020202020204" pitchFamily="34" charset="0"/>
                           <a:cs typeface="Arial" panose="020B0604020202020204" pitchFamily="34" charset="0"/>
                         </a:endParaRPr>
@@ -27571,7 +27737,7 @@
                           </m:oMath>
                         </m:oMathPara>
                       </a14:m>
-                      <a:endParaRPr lang="en-US" sz="2000" dirty="0" smtClean="0">
+                      <a:endParaRPr lang="en-US" sz="2000" dirty="0">
                         <a:latin typeface="Arial" panose="020B0604020202020204" pitchFamily="34" charset="0"/>
                         <a:cs typeface="Arial" panose="020B0604020202020204" pitchFamily="34" charset="0"/>
                       </a:endParaRPr>
@@ -27714,7 +27880,7 @@
                           </m:oMath>
                         </m:oMathPara>
                       </a14:m>
-                      <a:endParaRPr lang="en-US" sz="2000" dirty="0" smtClean="0">
+                      <a:endParaRPr lang="en-US" sz="2000" dirty="0">
                         <a:solidFill>
                           <a:srgbClr val="FF0000"/>
                         </a:solidFill>
@@ -27877,7 +28043,7 @@
                           </m:oMath>
                         </m:oMathPara>
                       </a14:m>
-                      <a:endParaRPr lang="en-US" sz="2000" dirty="0" smtClean="0">
+                      <a:endParaRPr lang="en-US" sz="2000" dirty="0">
                         <a:latin typeface="Arial" panose="020B0604020202020204" pitchFamily="34" charset="0"/>
                         <a:cs typeface="Arial" panose="020B0604020202020204" pitchFamily="34" charset="0"/>
                       </a:endParaRPr>
@@ -27965,7 +28131,7 @@
                           </m:oMath>
                         </m:oMathPara>
                       </a14:m>
-                      <a:endParaRPr lang="en-US" sz="2000" dirty="0" smtClean="0">
+                      <a:endParaRPr lang="en-US" sz="2000" dirty="0">
                         <a:latin typeface="Arial" panose="020B0604020202020204" pitchFamily="34" charset="0"/>
                         <a:cs typeface="Arial" panose="020B0604020202020204" pitchFamily="34" charset="0"/>
                       </a:endParaRPr>
@@ -28173,7 +28339,7 @@
                           </m:oMath>
                         </m:oMathPara>
                       </a14:m>
-                      <a:endParaRPr lang="en-US" sz="2000" dirty="0" smtClean="0">
+                      <a:endParaRPr lang="en-US" sz="2000" dirty="0">
                         <a:latin typeface="Arial" panose="020B0604020202020204" pitchFamily="34" charset="0"/>
                         <a:cs typeface="Arial" panose="020B0604020202020204" pitchFamily="34" charset="0"/>
                       </a:endParaRPr>
@@ -28317,7 +28483,7 @@
                           </m:oMath>
                         </m:oMathPara>
                       </a14:m>
-                      <a:endParaRPr lang="en-US" sz="2000" dirty="0" smtClean="0">
+                      <a:endParaRPr lang="en-US" sz="2000" dirty="0">
                         <a:latin typeface="Arial" panose="020B0604020202020204" pitchFamily="34" charset="0"/>
                         <a:cs typeface="Arial" panose="020B0604020202020204" pitchFamily="34" charset="0"/>
                       </a:endParaRPr>
@@ -28472,7 +28638,7 @@
                           </m:oMath>
                         </m:oMathPara>
                       </a14:m>
-                      <a:endParaRPr lang="en-US" sz="2000" dirty="0" smtClean="0">
+                      <a:endParaRPr lang="en-US" sz="2000" dirty="0">
                         <a:latin typeface="Arial" panose="020B0604020202020204" pitchFamily="34" charset="0"/>
                         <a:cs typeface="Arial" panose="020B0604020202020204" pitchFamily="34" charset="0"/>
                       </a:endParaRPr>
@@ -28579,7 +28745,7 @@
                           </m:oMath>
                         </m:oMathPara>
                       </a14:m>
-                      <a:endParaRPr lang="en-US" sz="2000" dirty="0" smtClean="0">
+                      <a:endParaRPr lang="en-US" sz="2000" dirty="0">
                         <a:solidFill>
                           <a:srgbClr val="FF0000"/>
                         </a:solidFill>
@@ -28855,7 +29021,7 @@
                           </m:oMath>
                         </m:oMathPara>
                       </a14:m>
-                      <a:endParaRPr lang="en-US" sz="2000" dirty="0" smtClean="0">
+                      <a:endParaRPr lang="en-US" sz="2000" dirty="0">
                         <a:latin typeface="Arial" panose="020B0604020202020204" pitchFamily="34" charset="0"/>
                         <a:cs typeface="Arial" panose="020B0604020202020204" pitchFamily="34" charset="0"/>
                       </a:endParaRPr>
@@ -28982,7 +29148,7 @@
                         </m:oMath>
                       </m:oMathPara>
                     </a14:m>
-                    <a:endParaRPr lang="en-US" sz="2000" dirty="0" smtClean="0">
+                    <a:endParaRPr lang="en-US" sz="2000" dirty="0">
                       <a:latin typeface="Arial" panose="020B0604020202020204" pitchFamily="34" charset="0"/>
                       <a:cs typeface="Arial" panose="020B0604020202020204" pitchFamily="34" charset="0"/>
                     </a:endParaRPr>
@@ -29108,7 +29274,7 @@
                         </m:oMath>
                       </m:oMathPara>
                     </a14:m>
-                    <a:endParaRPr lang="en-US" sz="2000" dirty="0" smtClean="0">
+                    <a:endParaRPr lang="en-US" sz="2000" dirty="0">
                       <a:latin typeface="Arial" panose="020B0604020202020204" pitchFamily="34" charset="0"/>
                       <a:cs typeface="Arial" panose="020B0604020202020204" pitchFamily="34" charset="0"/>
                     </a:endParaRPr>
@@ -29586,7 +29752,7 @@
                       </m:oMath>
                     </m:oMathPara>
                   </a14:m>
-                  <a:endParaRPr lang="en-US" sz="2000" dirty="0" smtClean="0">
+                  <a:endParaRPr lang="en-US" sz="2000" dirty="0">
                     <a:solidFill>
                       <a:schemeClr val="bg2">
                         <a:lumMod val="75000"/>
@@ -38019,7 +38185,7 @@
                           </m:oMath>
                         </m:oMathPara>
                       </a14:m>
-                      <a:endParaRPr lang="en-US" sz="2000" dirty="0" smtClean="0">
+                      <a:endParaRPr lang="en-US" sz="2000" dirty="0">
                         <a:latin typeface="Arial" panose="020B0604020202020204" pitchFamily="34" charset="0"/>
                         <a:cs typeface="Arial" panose="020B0604020202020204" pitchFamily="34" charset="0"/>
                       </a:endParaRPr>
@@ -38165,7 +38331,7 @@
                           </m:oMath>
                         </m:oMathPara>
                       </a14:m>
-                      <a:endParaRPr lang="en-US" sz="2000" dirty="0" smtClean="0">
+                      <a:endParaRPr lang="en-US" sz="2000" dirty="0">
                         <a:latin typeface="Arial" panose="020B0604020202020204" pitchFamily="34" charset="0"/>
                         <a:cs typeface="Arial" panose="020B0604020202020204" pitchFamily="34" charset="0"/>
                       </a:endParaRPr>
@@ -38266,7 +38432,7 @@
                           </m:oMath>
                         </m:oMathPara>
                       </a14:m>
-                      <a:endParaRPr lang="en-US" sz="2000" dirty="0" smtClean="0">
+                      <a:endParaRPr lang="en-US" sz="2000" dirty="0">
                         <a:latin typeface="Arial" panose="020B0604020202020204" pitchFamily="34" charset="0"/>
                         <a:cs typeface="Arial" panose="020B0604020202020204" pitchFamily="34" charset="0"/>
                       </a:endParaRPr>
@@ -38379,7 +38545,7 @@
                       </m:oMath>
                     </m:oMathPara>
                   </a14:m>
-                  <a:endParaRPr lang="en-US" sz="2800" dirty="0" smtClean="0">
+                  <a:endParaRPr lang="en-US" sz="2800" dirty="0">
                     <a:solidFill>
                       <a:schemeClr val="bg2">
                         <a:lumMod val="75000"/>
@@ -38496,7 +38662,7 @@
                     </m:oMath>
                   </m:oMathPara>
                 </a14:m>
-                <a:endParaRPr lang="en-US" sz="2800" dirty="0" smtClean="0">
+                <a:endParaRPr lang="en-US" sz="2800" dirty="0">
                   <a:solidFill>
                     <a:schemeClr val="bg2">
                       <a:lumMod val="75000"/>
@@ -43556,7 +43722,7 @@
                           </m:oMath>
                         </m:oMathPara>
                       </a14:m>
-                      <a:endParaRPr lang="en-US" sz="2000" dirty="0" smtClean="0">
+                      <a:endParaRPr lang="en-US" sz="2000" dirty="0">
                         <a:solidFill>
                           <a:schemeClr val="accent5"/>
                         </a:solidFill>
@@ -43885,7 +44051,7 @@
                         </m:oMath>
                       </m:oMathPara>
                     </a14:m>
-                    <a:endParaRPr lang="en-US" sz="2000" dirty="0" smtClean="0">
+                    <a:endParaRPr lang="en-US" sz="2000" dirty="0">
                       <a:latin typeface="Arial" panose="020B0604020202020204" pitchFamily="34" charset="0"/>
                       <a:cs typeface="Arial" panose="020B0604020202020204" pitchFamily="34" charset="0"/>
                     </a:endParaRPr>
@@ -43976,7 +44142,7 @@
                         </m:oMath>
                       </m:oMathPara>
                     </a14:m>
-                    <a:endParaRPr lang="en-US" sz="2000" dirty="0" smtClean="0">
+                    <a:endParaRPr lang="en-US" sz="2000" dirty="0">
                       <a:solidFill>
                         <a:srgbClr val="FF0000"/>
                       </a:solidFill>
@@ -44769,7 +44935,7 @@
                         </m:oMath>
                       </m:oMathPara>
                     </a14:m>
-                    <a:endParaRPr lang="en-US" sz="2000" dirty="0" smtClean="0">
+                    <a:endParaRPr lang="en-US" sz="2000" dirty="0">
                       <a:latin typeface="Arial" panose="020B0604020202020204" pitchFamily="34" charset="0"/>
                       <a:cs typeface="Arial" panose="020B0604020202020204" pitchFamily="34" charset="0"/>
                     </a:endParaRPr>
@@ -46009,7 +46175,7 @@
                         </m:oMath>
                       </m:oMathPara>
                     </a14:m>
-                    <a:endParaRPr lang="en-US" sz="2000" dirty="0" smtClean="0">
+                    <a:endParaRPr lang="en-US" sz="2000" dirty="0">
                       <a:latin typeface="Arial" panose="020B0604020202020204" pitchFamily="34" charset="0"/>
                       <a:cs typeface="Arial" panose="020B0604020202020204" pitchFamily="34" charset="0"/>
                     </a:endParaRPr>
@@ -46150,7 +46316,7 @@
                         </m:oMath>
                       </m:oMathPara>
                     </a14:m>
-                    <a:endParaRPr lang="en-US" sz="2000" dirty="0" smtClean="0">
+                    <a:endParaRPr lang="en-US" sz="2000" dirty="0">
                       <a:latin typeface="Arial" panose="020B0604020202020204" pitchFamily="34" charset="0"/>
                       <a:cs typeface="Arial" panose="020B0604020202020204" pitchFamily="34" charset="0"/>
                     </a:endParaRPr>
@@ -46252,7 +46418,7 @@
                         </m:oMath>
                       </m:oMathPara>
                     </a14:m>
-                    <a:endParaRPr lang="en-US" sz="2000" dirty="0" smtClean="0">
+                    <a:endParaRPr lang="en-US" sz="2000" dirty="0">
                       <a:latin typeface="Arial" panose="020B0604020202020204" pitchFamily="34" charset="0"/>
                       <a:cs typeface="Arial" panose="020B0604020202020204" pitchFamily="34" charset="0"/>
                     </a:endParaRPr>
@@ -46940,7 +47106,7 @@
                         </m:oMath>
                       </m:oMathPara>
                     </a14:m>
-                    <a:endParaRPr lang="en-US" sz="2000" dirty="0" smtClean="0">
+                    <a:endParaRPr lang="en-US" sz="2000" dirty="0">
                       <a:latin typeface="Arial" panose="020B0604020202020204" pitchFamily="34" charset="0"/>
                       <a:cs typeface="Arial" panose="020B0604020202020204" pitchFamily="34" charset="0"/>
                     </a:endParaRPr>
@@ -47041,7 +47207,7 @@
                         </m:oMath>
                       </m:oMathPara>
                     </a14:m>
-                    <a:endParaRPr lang="en-US" sz="2000" dirty="0" smtClean="0">
+                    <a:endParaRPr lang="en-US" sz="2000" dirty="0">
                       <a:latin typeface="Arial" panose="020B0604020202020204" pitchFamily="34" charset="0"/>
                       <a:cs typeface="Arial" panose="020B0604020202020204" pitchFamily="34" charset="0"/>
                     </a:endParaRPr>
@@ -47132,7 +47298,7 @@
                         </m:oMath>
                       </m:oMathPara>
                     </a14:m>
-                    <a:endParaRPr lang="en-US" sz="2000" dirty="0" smtClean="0">
+                    <a:endParaRPr lang="en-US" sz="2000" dirty="0">
                       <a:solidFill>
                         <a:srgbClr val="FF0000"/>
                       </a:solidFill>
@@ -47226,7 +47392,7 @@
                         </m:oMath>
                       </m:oMathPara>
                     </a14:m>
-                    <a:endParaRPr lang="en-US" sz="2000" dirty="0" smtClean="0">
+                    <a:endParaRPr lang="en-US" sz="2000" dirty="0">
                       <a:solidFill>
                         <a:srgbClr val="FF0000"/>
                       </a:solidFill>
@@ -47341,7 +47507,7 @@
                       </m:oMath>
                     </m:oMathPara>
                   </a14:m>
-                  <a:endParaRPr lang="en-US" sz="2800" dirty="0" smtClean="0">
+                  <a:endParaRPr lang="en-US" sz="2800" dirty="0">
                     <a:solidFill>
                       <a:schemeClr val="bg2">
                         <a:lumMod val="75000"/>
@@ -48904,8 +49070,8 @@
               </a:fontRef>
             </p:style>
           </p:cxnSp>
-          <mc:AlternateContent xmlns:mc="http://schemas.openxmlformats.org/markup-compatibility/2006">
-            <mc:Choice xmlns:a14="http://schemas.microsoft.com/office/drawing/2010/main" Requires="a14">
+          <mc:AlternateContent xmlns:mc="http://schemas.openxmlformats.org/markup-compatibility/2006" xmlns:a14="http://schemas.microsoft.com/office/drawing/2010/main">
+            <mc:Choice Requires="a14">
               <p:sp>
                 <p:nvSpPr>
                   <p:cNvPr id="55" name="TextBox 54"/>
@@ -48928,6 +49094,7 @@
                   </a:bodyPr>
                   <a:lstStyle/>
                   <a:p>
+                    <a:pPr/>
                     <a14:m>
                       <m:oMathPara xmlns:m="http://schemas.openxmlformats.org/officeDocument/2006/math">
                         <m:oMathParaPr>
@@ -48975,7 +49142,7 @@
                         </m:oMath>
                       </m:oMathPara>
                     </a14:m>
-                    <a:endParaRPr lang="en-US" sz="2000" dirty="0" smtClean="0">
+                    <a:endParaRPr lang="en-US" sz="2000" dirty="0">
                       <a:latin typeface="Arial" panose="020B0604020202020204" pitchFamily="34" charset="0"/>
                       <a:cs typeface="Arial" panose="020B0604020202020204" pitchFamily="34" charset="0"/>
                     </a:endParaRPr>
@@ -48983,7 +49150,7 @@
                 </p:txBody>
               </p:sp>
             </mc:Choice>
-            <mc:Fallback>
+            <mc:Fallback xmlns="">
               <p:sp>
                 <p:nvSpPr>
                   <p:cNvPr id="55" name="TextBox 54"/>
@@ -49022,8 +49189,8 @@
               </p:sp>
             </mc:Fallback>
           </mc:AlternateContent>
-          <mc:AlternateContent xmlns:mc="http://schemas.openxmlformats.org/markup-compatibility/2006">
-            <mc:Choice xmlns:a14="http://schemas.microsoft.com/office/drawing/2010/main" Requires="a14">
+          <mc:AlternateContent xmlns:mc="http://schemas.openxmlformats.org/markup-compatibility/2006" xmlns:a14="http://schemas.microsoft.com/office/drawing/2010/main">
+            <mc:Choice Requires="a14">
               <p:sp>
                 <p:nvSpPr>
                   <p:cNvPr id="56" name="TextBox 55"/>
@@ -49046,6 +49213,7 @@
                   </a:bodyPr>
                   <a:lstStyle/>
                   <a:p>
+                    <a:pPr/>
                     <a14:m>
                       <m:oMathPara xmlns:m="http://schemas.openxmlformats.org/officeDocument/2006/math">
                         <m:oMathParaPr>
@@ -49093,7 +49261,7 @@
                         </m:oMath>
                       </m:oMathPara>
                     </a14:m>
-                    <a:endParaRPr lang="en-US" sz="2000" dirty="0" smtClean="0">
+                    <a:endParaRPr lang="en-US" sz="2000" dirty="0">
                       <a:latin typeface="Arial" panose="020B0604020202020204" pitchFamily="34" charset="0"/>
                       <a:cs typeface="Arial" panose="020B0604020202020204" pitchFamily="34" charset="0"/>
                     </a:endParaRPr>
@@ -49101,7 +49269,7 @@
                 </p:txBody>
               </p:sp>
             </mc:Choice>
-            <mc:Fallback>
+            <mc:Fallback xmlns="">
               <p:sp>
                 <p:nvSpPr>
                   <p:cNvPr id="56" name="TextBox 55"/>
@@ -49140,8 +49308,8 @@
               </p:sp>
             </mc:Fallback>
           </mc:AlternateContent>
-          <mc:AlternateContent xmlns:mc="http://schemas.openxmlformats.org/markup-compatibility/2006">
-            <mc:Choice xmlns:a14="http://schemas.microsoft.com/office/drawing/2010/main" Requires="a14">
+          <mc:AlternateContent xmlns:mc="http://schemas.openxmlformats.org/markup-compatibility/2006" xmlns:a14="http://schemas.microsoft.com/office/drawing/2010/main">
+            <mc:Choice Requires="a14">
               <p:sp>
                 <p:nvSpPr>
                   <p:cNvPr id="57" name="TextBox 56"/>
@@ -49164,6 +49332,7 @@
                   </a:bodyPr>
                   <a:lstStyle/>
                   <a:p>
+                    <a:pPr/>
                     <a14:m>
                       <m:oMathPara xmlns:m="http://schemas.openxmlformats.org/officeDocument/2006/math">
                         <m:oMathParaPr>
@@ -49201,7 +49370,7 @@
                         </m:oMath>
                       </m:oMathPara>
                     </a14:m>
-                    <a:endParaRPr lang="en-US" sz="2000" dirty="0" smtClean="0">
+                    <a:endParaRPr lang="en-US" sz="2000" dirty="0">
                       <a:latin typeface="Arial" panose="020B0604020202020204" pitchFamily="34" charset="0"/>
                       <a:cs typeface="Arial" panose="020B0604020202020204" pitchFamily="34" charset="0"/>
                     </a:endParaRPr>
@@ -49209,7 +49378,7 @@
                 </p:txBody>
               </p:sp>
             </mc:Choice>
-            <mc:Fallback>
+            <mc:Fallback xmlns="">
               <p:sp>
                 <p:nvSpPr>
                   <p:cNvPr id="57" name="TextBox 56"/>
@@ -49248,8 +49417,8 @@
               </p:sp>
             </mc:Fallback>
           </mc:AlternateContent>
-          <mc:AlternateContent xmlns:mc="http://schemas.openxmlformats.org/markup-compatibility/2006">
-            <mc:Choice xmlns:a14="http://schemas.microsoft.com/office/drawing/2010/main" Requires="a14">
+          <mc:AlternateContent xmlns:mc="http://schemas.openxmlformats.org/markup-compatibility/2006" xmlns:a14="http://schemas.microsoft.com/office/drawing/2010/main">
+            <mc:Choice Requires="a14">
               <p:sp>
                 <p:nvSpPr>
                   <p:cNvPr id="58" name="TextBox 57"/>
@@ -49272,6 +49441,7 @@
                   </a:bodyPr>
                   <a:lstStyle/>
                   <a:p>
+                    <a:pPr/>
                     <a14:m>
                       <m:oMathPara xmlns:m="http://schemas.openxmlformats.org/officeDocument/2006/math">
                         <m:oMathParaPr>
@@ -49309,7 +49479,7 @@
                         </m:oMath>
                       </m:oMathPara>
                     </a14:m>
-                    <a:endParaRPr lang="en-US" sz="2000" dirty="0" smtClean="0">
+                    <a:endParaRPr lang="en-US" sz="2000" dirty="0">
                       <a:latin typeface="Arial" panose="020B0604020202020204" pitchFamily="34" charset="0"/>
                       <a:cs typeface="Arial" panose="020B0604020202020204" pitchFamily="34" charset="0"/>
                     </a:endParaRPr>
@@ -49317,7 +49487,7 @@
                 </p:txBody>
               </p:sp>
             </mc:Choice>
-            <mc:Fallback>
+            <mc:Fallback xmlns="">
               <p:sp>
                 <p:nvSpPr>
                   <p:cNvPr id="58" name="TextBox 57"/>
@@ -49475,8 +49645,8 @@
               </a:fontRef>
             </p:style>
           </p:cxnSp>
-          <mc:AlternateContent xmlns:mc="http://schemas.openxmlformats.org/markup-compatibility/2006">
-            <mc:Choice xmlns:a14="http://schemas.microsoft.com/office/drawing/2010/main" Requires="a14">
+          <mc:AlternateContent xmlns:mc="http://schemas.openxmlformats.org/markup-compatibility/2006" xmlns:a14="http://schemas.microsoft.com/office/drawing/2010/main">
+            <mc:Choice Requires="a14">
               <p:sp>
                 <p:nvSpPr>
                   <p:cNvPr id="71" name="TextBox 70"/>
@@ -49499,6 +49669,7 @@
                   </a:bodyPr>
                   <a:lstStyle/>
                   <a:p>
+                    <a:pPr/>
                     <a14:m>
                       <m:oMathPara xmlns:m="http://schemas.openxmlformats.org/officeDocument/2006/math">
                         <m:oMathParaPr>
@@ -49548,7 +49719,7 @@
                         </m:oMath>
                       </m:oMathPara>
                     </a14:m>
-                    <a:endParaRPr lang="en-US" sz="2000" dirty="0" smtClean="0">
+                    <a:endParaRPr lang="en-US" sz="2000" dirty="0">
                       <a:solidFill>
                         <a:srgbClr val="FF0000"/>
                       </a:solidFill>
@@ -49559,7 +49730,7 @@
                 </p:txBody>
               </p:sp>
             </mc:Choice>
-            <mc:Fallback>
+            <mc:Fallback xmlns="">
               <p:sp>
                 <p:nvSpPr>
                   <p:cNvPr id="71" name="TextBox 70"/>
@@ -49598,8 +49769,8 @@
               </p:sp>
             </mc:Fallback>
           </mc:AlternateContent>
-          <mc:AlternateContent xmlns:mc="http://schemas.openxmlformats.org/markup-compatibility/2006">
-            <mc:Choice xmlns:a14="http://schemas.microsoft.com/office/drawing/2010/main" Requires="a14">
+          <mc:AlternateContent xmlns:mc="http://schemas.openxmlformats.org/markup-compatibility/2006" xmlns:a14="http://schemas.microsoft.com/office/drawing/2010/main">
+            <mc:Choice Requires="a14">
               <p:sp>
                 <p:nvSpPr>
                   <p:cNvPr id="72" name="TextBox 71"/>
@@ -49622,6 +49793,7 @@
                   </a:bodyPr>
                   <a:lstStyle/>
                   <a:p>
+                    <a:pPr/>
                     <a14:m>
                       <m:oMathPara xmlns:m="http://schemas.openxmlformats.org/officeDocument/2006/math">
                         <m:oMathParaPr>
@@ -49671,7 +49843,7 @@
                         </m:oMath>
                       </m:oMathPara>
                     </a14:m>
-                    <a:endParaRPr lang="en-US" sz="2000" dirty="0" smtClean="0">
+                    <a:endParaRPr lang="en-US" sz="2000" dirty="0">
                       <a:solidFill>
                         <a:srgbClr val="FF0000"/>
                       </a:solidFill>
@@ -49682,7 +49854,7 @@
                 </p:txBody>
               </p:sp>
             </mc:Choice>
-            <mc:Fallback>
+            <mc:Fallback xmlns="">
               <p:sp>
                 <p:nvSpPr>
                   <p:cNvPr id="72" name="TextBox 71"/>
@@ -49722,8 +49894,8 @@
             </mc:Fallback>
           </mc:AlternateContent>
         </p:grpSp>
-        <mc:AlternateContent xmlns:mc="http://schemas.openxmlformats.org/markup-compatibility/2006">
-          <mc:Choice xmlns:a14="http://schemas.microsoft.com/office/drawing/2010/main" Requires="a14">
+        <mc:AlternateContent xmlns:mc="http://schemas.openxmlformats.org/markup-compatibility/2006" xmlns:a14="http://schemas.microsoft.com/office/drawing/2010/main">
+          <mc:Choice Requires="a14">
             <p:sp>
               <p:nvSpPr>
                 <p:cNvPr id="74" name="TextBox 73"/>
@@ -49746,6 +49918,7 @@
                 </a:bodyPr>
                 <a:lstStyle/>
                 <a:p>
+                  <a:pPr/>
                   <a14:m>
                     <m:oMathPara xmlns:m="http://schemas.openxmlformats.org/officeDocument/2006/math">
                       <m:oMathParaPr>
@@ -49776,7 +49949,7 @@
                       </m:oMath>
                     </m:oMathPara>
                   </a14:m>
-                  <a:endParaRPr lang="en-US" sz="2000" dirty="0" smtClean="0">
+                  <a:endParaRPr lang="en-US" sz="2000" dirty="0">
                     <a:latin typeface="Arial" panose="020B0604020202020204" pitchFamily="34" charset="0"/>
                     <a:cs typeface="Arial" panose="020B0604020202020204" pitchFamily="34" charset="0"/>
                   </a:endParaRPr>
@@ -49784,7 +49957,7 @@
               </p:txBody>
             </p:sp>
           </mc:Choice>
-          <mc:Fallback>
+          <mc:Fallback xmlns="">
             <p:sp>
               <p:nvSpPr>
                 <p:cNvPr id="74" name="TextBox 73"/>
@@ -50102,7 +50275,7 @@
                             </m:oMath>
                           </m:oMathPara>
                         </a14:m>
-                        <a:endParaRPr lang="en-US" dirty="0" smtClean="0">
+                        <a:endParaRPr lang="en-US" dirty="0">
                           <a:latin typeface="Arial" panose="020B0604020202020204" pitchFamily="34" charset="0"/>
                           <a:cs typeface="Arial" panose="020B0604020202020204" pitchFamily="34" charset="0"/>
                         </a:endParaRPr>
@@ -50190,7 +50363,7 @@
                             </m:oMath>
                           </m:oMathPara>
                         </a14:m>
-                        <a:endParaRPr lang="en-US" dirty="0" smtClean="0">
+                        <a:endParaRPr lang="en-US" dirty="0">
                           <a:latin typeface="Arial" panose="020B0604020202020204" pitchFamily="34" charset="0"/>
                           <a:cs typeface="Arial" panose="020B0604020202020204" pitchFamily="34" charset="0"/>
                         </a:endParaRPr>
@@ -50403,8 +50576,8 @@
               </a:fontRef>
             </p:style>
           </p:cxnSp>
-          <mc:AlternateContent xmlns:mc="http://schemas.openxmlformats.org/markup-compatibility/2006">
-            <mc:Choice xmlns:a14="http://schemas.microsoft.com/office/drawing/2010/main" Requires="a14">
+          <mc:AlternateContent xmlns:mc="http://schemas.openxmlformats.org/markup-compatibility/2006" xmlns:a14="http://schemas.microsoft.com/office/drawing/2010/main">
+            <mc:Choice Requires="a14">
               <p:sp>
                 <p:nvSpPr>
                   <p:cNvPr id="84" name="Rectangle 83"/>
@@ -50448,7 +50621,7 @@
                 </p:txBody>
               </p:sp>
             </mc:Choice>
-            <mc:Fallback>
+            <mc:Fallback xmlns="">
               <p:sp>
                 <p:nvSpPr>
                   <p:cNvPr id="84" name="Rectangle 83"/>
@@ -50487,8 +50660,8 @@
               </p:sp>
             </mc:Fallback>
           </mc:AlternateContent>
-          <mc:AlternateContent xmlns:mc="http://schemas.openxmlformats.org/markup-compatibility/2006">
-            <mc:Choice xmlns:a14="http://schemas.microsoft.com/office/drawing/2010/main" Requires="a14">
+          <mc:AlternateContent xmlns:mc="http://schemas.openxmlformats.org/markup-compatibility/2006" xmlns:a14="http://schemas.microsoft.com/office/drawing/2010/main">
+            <mc:Choice Requires="a14">
               <p:sp>
                 <p:nvSpPr>
                   <p:cNvPr id="85" name="Rectangle 84"/>
@@ -50532,7 +50705,7 @@
                 </p:txBody>
               </p:sp>
             </mc:Choice>
-            <mc:Fallback>
+            <mc:Fallback xmlns="">
               <p:sp>
                 <p:nvSpPr>
                   <p:cNvPr id="85" name="Rectangle 84"/>
@@ -50642,7 +50815,7 @@
             <a:lstStyle/>
             <a:p>
               <a:r>
-                <a:rPr lang="en-US" dirty="0" smtClean="0">
+                <a:rPr lang="en-US" dirty="0">
                   <a:latin typeface="Arial" panose="020B0604020202020204" pitchFamily="34" charset="0"/>
                   <a:cs typeface="Arial" panose="020B0604020202020204" pitchFamily="34" charset="0"/>
                 </a:rPr>
@@ -50656,6 +50829,702 @@
     <p:extLst>
       <p:ext uri="{BB962C8B-B14F-4D97-AF65-F5344CB8AC3E}">
         <p14:creationId xmlns:p14="http://schemas.microsoft.com/office/powerpoint/2010/main" val="4132219296"/>
+      </p:ext>
+    </p:extLst>
+  </p:cSld>
+  <p:clrMapOvr>
+    <a:masterClrMapping/>
+  </p:clrMapOvr>
+</p:sld>
+</file>
+
+<file path=ppt/slides/slide9.xml><?xml version="1.0" encoding="utf-8"?>
+<p:sld xmlns:a="http://schemas.openxmlformats.org/drawingml/2006/main" xmlns:r="http://schemas.openxmlformats.org/officeDocument/2006/relationships" xmlns:p="http://schemas.openxmlformats.org/presentationml/2006/main">
+  <p:cSld>
+    <p:spTree>
+      <p:nvGrpSpPr>
+        <p:cNvPr id="1" name=""/>
+        <p:cNvGrpSpPr/>
+        <p:nvPr/>
+      </p:nvGrpSpPr>
+      <p:grpSpPr>
+        <a:xfrm>
+          <a:off x="0" y="0"/>
+          <a:ext cx="0" cy="0"/>
+          <a:chOff x="0" y="0"/>
+          <a:chExt cx="0" cy="0"/>
+        </a:xfrm>
+      </p:grpSpPr>
+      <p:cxnSp>
+        <p:nvCxnSpPr>
+          <p:cNvPr id="5" name="Straight Arrow Connector 4">
+            <a:extLst>
+              <a:ext uri="{FF2B5EF4-FFF2-40B4-BE49-F238E27FC236}">
+                <a16:creationId xmlns:a16="http://schemas.microsoft.com/office/drawing/2014/main" id="{64BA7913-C29C-4CF9-8F76-7ED98DA997C9}"/>
+              </a:ext>
+            </a:extLst>
+          </p:cNvPr>
+          <p:cNvCxnSpPr/>
+          <p:nvPr/>
+        </p:nvCxnSpPr>
+        <p:spPr>
+          <a:xfrm>
+            <a:off x="1983608" y="606390"/>
+            <a:ext cx="962526" cy="4263991"/>
+          </a:xfrm>
+          <a:prstGeom prst="straightConnector1">
+            <a:avLst/>
+          </a:prstGeom>
+          <a:ln w="38100">
+            <a:solidFill>
+              <a:schemeClr val="bg1">
+                <a:lumMod val="85000"/>
+              </a:schemeClr>
+            </a:solidFill>
+            <a:tailEnd type="triangle"/>
+          </a:ln>
+        </p:spPr>
+        <p:style>
+          <a:lnRef idx="1">
+            <a:schemeClr val="accent1"/>
+          </a:lnRef>
+          <a:fillRef idx="0">
+            <a:schemeClr val="accent1"/>
+          </a:fillRef>
+          <a:effectRef idx="0">
+            <a:schemeClr val="accent1"/>
+          </a:effectRef>
+          <a:fontRef idx="minor">
+            <a:schemeClr val="tx1"/>
+          </a:fontRef>
+        </p:style>
+      </p:cxnSp>
+      <p:cxnSp>
+        <p:nvCxnSpPr>
+          <p:cNvPr id="6" name="Straight Arrow Connector 5">
+            <a:extLst>
+              <a:ext uri="{FF2B5EF4-FFF2-40B4-BE49-F238E27FC236}">
+                <a16:creationId xmlns:a16="http://schemas.microsoft.com/office/drawing/2014/main" id="{15775E8B-74CE-4CD8-A3D7-23BFDEDC9C36}"/>
+              </a:ext>
+            </a:extLst>
+          </p:cNvPr>
+          <p:cNvCxnSpPr/>
+          <p:nvPr/>
+        </p:nvCxnSpPr>
+        <p:spPr>
+          <a:xfrm>
+            <a:off x="2239881" y="606390"/>
+            <a:ext cx="962526" cy="4263991"/>
+          </a:xfrm>
+          <a:prstGeom prst="straightConnector1">
+            <a:avLst/>
+          </a:prstGeom>
+          <a:ln w="38100">
+            <a:solidFill>
+              <a:schemeClr val="bg1">
+                <a:lumMod val="85000"/>
+              </a:schemeClr>
+            </a:solidFill>
+            <a:tailEnd type="triangle"/>
+          </a:ln>
+        </p:spPr>
+        <p:style>
+          <a:lnRef idx="1">
+            <a:schemeClr val="accent1"/>
+          </a:lnRef>
+          <a:fillRef idx="0">
+            <a:schemeClr val="accent1"/>
+          </a:fillRef>
+          <a:effectRef idx="0">
+            <a:schemeClr val="accent1"/>
+          </a:effectRef>
+          <a:fontRef idx="minor">
+            <a:schemeClr val="tx1"/>
+          </a:fontRef>
+        </p:style>
+      </p:cxnSp>
+      <p:cxnSp>
+        <p:nvCxnSpPr>
+          <p:cNvPr id="7" name="Straight Arrow Connector 6">
+            <a:extLst>
+              <a:ext uri="{FF2B5EF4-FFF2-40B4-BE49-F238E27FC236}">
+                <a16:creationId xmlns:a16="http://schemas.microsoft.com/office/drawing/2014/main" id="{37741DA9-D572-4A4A-B143-8546364949C2}"/>
+              </a:ext>
+            </a:extLst>
+          </p:cNvPr>
+          <p:cNvCxnSpPr/>
+          <p:nvPr/>
+        </p:nvCxnSpPr>
+        <p:spPr>
+          <a:xfrm>
+            <a:off x="2493344" y="606390"/>
+            <a:ext cx="962526" cy="4263991"/>
+          </a:xfrm>
+          <a:prstGeom prst="straightConnector1">
+            <a:avLst/>
+          </a:prstGeom>
+          <a:ln w="38100">
+            <a:solidFill>
+              <a:schemeClr val="bg1">
+                <a:lumMod val="85000"/>
+              </a:schemeClr>
+            </a:solidFill>
+            <a:tailEnd type="triangle"/>
+          </a:ln>
+        </p:spPr>
+        <p:style>
+          <a:lnRef idx="1">
+            <a:schemeClr val="accent1"/>
+          </a:lnRef>
+          <a:fillRef idx="0">
+            <a:schemeClr val="accent1"/>
+          </a:fillRef>
+          <a:effectRef idx="0">
+            <a:schemeClr val="accent1"/>
+          </a:effectRef>
+          <a:fontRef idx="minor">
+            <a:schemeClr val="tx1"/>
+          </a:fontRef>
+        </p:style>
+      </p:cxnSp>
+      <p:cxnSp>
+        <p:nvCxnSpPr>
+          <p:cNvPr id="8" name="Straight Arrow Connector 7">
+            <a:extLst>
+              <a:ext uri="{FF2B5EF4-FFF2-40B4-BE49-F238E27FC236}">
+                <a16:creationId xmlns:a16="http://schemas.microsoft.com/office/drawing/2014/main" id="{8E6A6530-3762-4017-BE93-FBD7FA9A7D25}"/>
+              </a:ext>
+            </a:extLst>
+          </p:cNvPr>
+          <p:cNvCxnSpPr/>
+          <p:nvPr/>
+        </p:nvCxnSpPr>
+        <p:spPr>
+          <a:xfrm>
+            <a:off x="2760044" y="606391"/>
+            <a:ext cx="962526" cy="4263991"/>
+          </a:xfrm>
+          <a:prstGeom prst="straightConnector1">
+            <a:avLst/>
+          </a:prstGeom>
+          <a:ln w="38100">
+            <a:solidFill>
+              <a:schemeClr val="bg1">
+                <a:lumMod val="85000"/>
+              </a:schemeClr>
+            </a:solidFill>
+            <a:tailEnd type="triangle"/>
+          </a:ln>
+        </p:spPr>
+        <p:style>
+          <a:lnRef idx="1">
+            <a:schemeClr val="accent1"/>
+          </a:lnRef>
+          <a:fillRef idx="0">
+            <a:schemeClr val="accent1"/>
+          </a:fillRef>
+          <a:effectRef idx="0">
+            <a:schemeClr val="accent1"/>
+          </a:effectRef>
+          <a:fontRef idx="minor">
+            <a:schemeClr val="tx1"/>
+          </a:fontRef>
+        </p:style>
+      </p:cxnSp>
+      <p:cxnSp>
+        <p:nvCxnSpPr>
+          <p:cNvPr id="9" name="Straight Arrow Connector 8">
+            <a:extLst>
+              <a:ext uri="{FF2B5EF4-FFF2-40B4-BE49-F238E27FC236}">
+                <a16:creationId xmlns:a16="http://schemas.microsoft.com/office/drawing/2014/main" id="{2705339F-1326-4F55-A974-99C8D48E8C56}"/>
+              </a:ext>
+            </a:extLst>
+          </p:cNvPr>
+          <p:cNvCxnSpPr/>
+          <p:nvPr/>
+        </p:nvCxnSpPr>
+        <p:spPr>
+          <a:xfrm>
+            <a:off x="3039176" y="606391"/>
+            <a:ext cx="962526" cy="4263991"/>
+          </a:xfrm>
+          <a:prstGeom prst="straightConnector1">
+            <a:avLst/>
+          </a:prstGeom>
+          <a:ln w="38100">
+            <a:solidFill>
+              <a:schemeClr val="bg1">
+                <a:lumMod val="85000"/>
+              </a:schemeClr>
+            </a:solidFill>
+            <a:tailEnd type="triangle"/>
+          </a:ln>
+        </p:spPr>
+        <p:style>
+          <a:lnRef idx="1">
+            <a:schemeClr val="accent1"/>
+          </a:lnRef>
+          <a:fillRef idx="0">
+            <a:schemeClr val="accent1"/>
+          </a:fillRef>
+          <a:effectRef idx="0">
+            <a:schemeClr val="accent1"/>
+          </a:effectRef>
+          <a:fontRef idx="minor">
+            <a:schemeClr val="tx1"/>
+          </a:fontRef>
+        </p:style>
+      </p:cxnSp>
+      <p:cxnSp>
+        <p:nvCxnSpPr>
+          <p:cNvPr id="10" name="Straight Arrow Connector 9">
+            <a:extLst>
+              <a:ext uri="{FF2B5EF4-FFF2-40B4-BE49-F238E27FC236}">
+                <a16:creationId xmlns:a16="http://schemas.microsoft.com/office/drawing/2014/main" id="{5A6A1F3D-4115-477F-9B1D-DF5B6BFAAD77}"/>
+              </a:ext>
+            </a:extLst>
+          </p:cNvPr>
+          <p:cNvCxnSpPr/>
+          <p:nvPr/>
+        </p:nvCxnSpPr>
+        <p:spPr>
+          <a:xfrm>
+            <a:off x="3317507" y="606392"/>
+            <a:ext cx="962526" cy="4263991"/>
+          </a:xfrm>
+          <a:prstGeom prst="straightConnector1">
+            <a:avLst/>
+          </a:prstGeom>
+          <a:ln w="38100">
+            <a:solidFill>
+              <a:schemeClr val="bg1">
+                <a:lumMod val="85000"/>
+              </a:schemeClr>
+            </a:solidFill>
+            <a:tailEnd type="triangle"/>
+          </a:ln>
+        </p:spPr>
+        <p:style>
+          <a:lnRef idx="1">
+            <a:schemeClr val="accent1"/>
+          </a:lnRef>
+          <a:fillRef idx="0">
+            <a:schemeClr val="accent1"/>
+          </a:fillRef>
+          <a:effectRef idx="0">
+            <a:schemeClr val="accent1"/>
+          </a:effectRef>
+          <a:fontRef idx="minor">
+            <a:schemeClr val="tx1"/>
+          </a:fontRef>
+        </p:style>
+      </p:cxnSp>
+      <p:cxnSp>
+        <p:nvCxnSpPr>
+          <p:cNvPr id="11" name="Straight Arrow Connector 10">
+            <a:extLst>
+              <a:ext uri="{FF2B5EF4-FFF2-40B4-BE49-F238E27FC236}">
+                <a16:creationId xmlns:a16="http://schemas.microsoft.com/office/drawing/2014/main" id="{8AA562E3-F431-429C-B29B-977EF5113395}"/>
+              </a:ext>
+            </a:extLst>
+          </p:cNvPr>
+          <p:cNvCxnSpPr/>
+          <p:nvPr/>
+        </p:nvCxnSpPr>
+        <p:spPr>
+          <a:xfrm>
+            <a:off x="3599048" y="606388"/>
+            <a:ext cx="962526" cy="4263991"/>
+          </a:xfrm>
+          <a:prstGeom prst="straightConnector1">
+            <a:avLst/>
+          </a:prstGeom>
+          <a:ln w="38100">
+            <a:solidFill>
+              <a:schemeClr val="bg1">
+                <a:lumMod val="85000"/>
+              </a:schemeClr>
+            </a:solidFill>
+            <a:tailEnd type="triangle"/>
+          </a:ln>
+        </p:spPr>
+        <p:style>
+          <a:lnRef idx="1">
+            <a:schemeClr val="accent1"/>
+          </a:lnRef>
+          <a:fillRef idx="0">
+            <a:schemeClr val="accent1"/>
+          </a:fillRef>
+          <a:effectRef idx="0">
+            <a:schemeClr val="accent1"/>
+          </a:effectRef>
+          <a:fontRef idx="minor">
+            <a:schemeClr val="tx1"/>
+          </a:fontRef>
+        </p:style>
+      </p:cxnSp>
+      <p:cxnSp>
+        <p:nvCxnSpPr>
+          <p:cNvPr id="12" name="Straight Arrow Connector 11">
+            <a:extLst>
+              <a:ext uri="{FF2B5EF4-FFF2-40B4-BE49-F238E27FC236}">
+                <a16:creationId xmlns:a16="http://schemas.microsoft.com/office/drawing/2014/main" id="{85E65DEB-399C-4167-8E35-C856844D764E}"/>
+              </a:ext>
+            </a:extLst>
+          </p:cNvPr>
+          <p:cNvCxnSpPr/>
+          <p:nvPr/>
+        </p:nvCxnSpPr>
+        <p:spPr>
+          <a:xfrm>
+            <a:off x="3855321" y="606388"/>
+            <a:ext cx="962526" cy="4263991"/>
+          </a:xfrm>
+          <a:prstGeom prst="straightConnector1">
+            <a:avLst/>
+          </a:prstGeom>
+          <a:ln w="38100">
+            <a:solidFill>
+              <a:schemeClr val="bg1">
+                <a:lumMod val="85000"/>
+              </a:schemeClr>
+            </a:solidFill>
+            <a:tailEnd type="triangle"/>
+          </a:ln>
+        </p:spPr>
+        <p:style>
+          <a:lnRef idx="1">
+            <a:schemeClr val="accent1"/>
+          </a:lnRef>
+          <a:fillRef idx="0">
+            <a:schemeClr val="accent1"/>
+          </a:fillRef>
+          <a:effectRef idx="0">
+            <a:schemeClr val="accent1"/>
+          </a:effectRef>
+          <a:fontRef idx="minor">
+            <a:schemeClr val="tx1"/>
+          </a:fontRef>
+        </p:style>
+      </p:cxnSp>
+      <p:cxnSp>
+        <p:nvCxnSpPr>
+          <p:cNvPr id="13" name="Straight Arrow Connector 12">
+            <a:extLst>
+              <a:ext uri="{FF2B5EF4-FFF2-40B4-BE49-F238E27FC236}">
+                <a16:creationId xmlns:a16="http://schemas.microsoft.com/office/drawing/2014/main" id="{51B2032A-70FD-46E4-8330-5B43A55BC25A}"/>
+              </a:ext>
+            </a:extLst>
+          </p:cNvPr>
+          <p:cNvCxnSpPr/>
+          <p:nvPr/>
+        </p:nvCxnSpPr>
+        <p:spPr>
+          <a:xfrm>
+            <a:off x="4108784" y="606388"/>
+            <a:ext cx="962526" cy="4263991"/>
+          </a:xfrm>
+          <a:prstGeom prst="straightConnector1">
+            <a:avLst/>
+          </a:prstGeom>
+          <a:ln w="38100">
+            <a:solidFill>
+              <a:schemeClr val="bg1">
+                <a:lumMod val="85000"/>
+              </a:schemeClr>
+            </a:solidFill>
+            <a:tailEnd type="triangle"/>
+          </a:ln>
+        </p:spPr>
+        <p:style>
+          <a:lnRef idx="1">
+            <a:schemeClr val="accent1"/>
+          </a:lnRef>
+          <a:fillRef idx="0">
+            <a:schemeClr val="accent1"/>
+          </a:fillRef>
+          <a:effectRef idx="0">
+            <a:schemeClr val="accent1"/>
+          </a:effectRef>
+          <a:fontRef idx="minor">
+            <a:schemeClr val="tx1"/>
+          </a:fontRef>
+        </p:style>
+      </p:cxnSp>
+      <p:cxnSp>
+        <p:nvCxnSpPr>
+          <p:cNvPr id="14" name="Straight Arrow Connector 13">
+            <a:extLst>
+              <a:ext uri="{FF2B5EF4-FFF2-40B4-BE49-F238E27FC236}">
+                <a16:creationId xmlns:a16="http://schemas.microsoft.com/office/drawing/2014/main" id="{87273663-E154-45C6-A532-C9F2203A2DC9}"/>
+              </a:ext>
+            </a:extLst>
+          </p:cNvPr>
+          <p:cNvCxnSpPr/>
+          <p:nvPr/>
+        </p:nvCxnSpPr>
+        <p:spPr>
+          <a:xfrm>
+            <a:off x="4375484" y="606389"/>
+            <a:ext cx="962526" cy="4263991"/>
+          </a:xfrm>
+          <a:prstGeom prst="straightConnector1">
+            <a:avLst/>
+          </a:prstGeom>
+          <a:ln w="38100">
+            <a:solidFill>
+              <a:schemeClr val="bg1">
+                <a:lumMod val="85000"/>
+              </a:schemeClr>
+            </a:solidFill>
+            <a:tailEnd type="triangle"/>
+          </a:ln>
+        </p:spPr>
+        <p:style>
+          <a:lnRef idx="1">
+            <a:schemeClr val="accent1"/>
+          </a:lnRef>
+          <a:fillRef idx="0">
+            <a:schemeClr val="accent1"/>
+          </a:fillRef>
+          <a:effectRef idx="0">
+            <a:schemeClr val="accent1"/>
+          </a:effectRef>
+          <a:fontRef idx="minor">
+            <a:schemeClr val="tx1"/>
+          </a:fontRef>
+        </p:style>
+      </p:cxnSp>
+      <p:cxnSp>
+        <p:nvCxnSpPr>
+          <p:cNvPr id="15" name="Straight Arrow Connector 14">
+            <a:extLst>
+              <a:ext uri="{FF2B5EF4-FFF2-40B4-BE49-F238E27FC236}">
+                <a16:creationId xmlns:a16="http://schemas.microsoft.com/office/drawing/2014/main" id="{8267661D-A991-40E5-919F-D37DE784A8D2}"/>
+              </a:ext>
+            </a:extLst>
+          </p:cNvPr>
+          <p:cNvCxnSpPr/>
+          <p:nvPr/>
+        </p:nvCxnSpPr>
+        <p:spPr>
+          <a:xfrm>
+            <a:off x="4654616" y="606389"/>
+            <a:ext cx="962526" cy="4263991"/>
+          </a:xfrm>
+          <a:prstGeom prst="straightConnector1">
+            <a:avLst/>
+          </a:prstGeom>
+          <a:ln w="38100">
+            <a:solidFill>
+              <a:schemeClr val="bg1">
+                <a:lumMod val="85000"/>
+              </a:schemeClr>
+            </a:solidFill>
+            <a:tailEnd type="triangle"/>
+          </a:ln>
+        </p:spPr>
+        <p:style>
+          <a:lnRef idx="1">
+            <a:schemeClr val="accent1"/>
+          </a:lnRef>
+          <a:fillRef idx="0">
+            <a:schemeClr val="accent1"/>
+          </a:fillRef>
+          <a:effectRef idx="0">
+            <a:schemeClr val="accent1"/>
+          </a:effectRef>
+          <a:fontRef idx="minor">
+            <a:schemeClr val="tx1"/>
+          </a:fontRef>
+        </p:style>
+      </p:cxnSp>
+      <p:cxnSp>
+        <p:nvCxnSpPr>
+          <p:cNvPr id="16" name="Straight Arrow Connector 15">
+            <a:extLst>
+              <a:ext uri="{FF2B5EF4-FFF2-40B4-BE49-F238E27FC236}">
+                <a16:creationId xmlns:a16="http://schemas.microsoft.com/office/drawing/2014/main" id="{EDC19D22-0E0B-48F9-9A83-2263FFD3A594}"/>
+              </a:ext>
+            </a:extLst>
+          </p:cNvPr>
+          <p:cNvCxnSpPr/>
+          <p:nvPr/>
+        </p:nvCxnSpPr>
+        <p:spPr>
+          <a:xfrm>
+            <a:off x="4932947" y="606390"/>
+            <a:ext cx="962526" cy="4263991"/>
+          </a:xfrm>
+          <a:prstGeom prst="straightConnector1">
+            <a:avLst/>
+          </a:prstGeom>
+          <a:ln w="38100">
+            <a:solidFill>
+              <a:schemeClr val="bg1">
+                <a:lumMod val="85000"/>
+              </a:schemeClr>
+            </a:solidFill>
+            <a:tailEnd type="triangle"/>
+          </a:ln>
+        </p:spPr>
+        <p:style>
+          <a:lnRef idx="1">
+            <a:schemeClr val="accent1"/>
+          </a:lnRef>
+          <a:fillRef idx="0">
+            <a:schemeClr val="accent1"/>
+          </a:fillRef>
+          <a:effectRef idx="0">
+            <a:schemeClr val="accent1"/>
+          </a:effectRef>
+          <a:fontRef idx="minor">
+            <a:schemeClr val="tx1"/>
+          </a:fontRef>
+        </p:style>
+      </p:cxnSp>
+      <p:cxnSp>
+        <p:nvCxnSpPr>
+          <p:cNvPr id="18" name="Straight Arrow Connector 17">
+            <a:extLst>
+              <a:ext uri="{FF2B5EF4-FFF2-40B4-BE49-F238E27FC236}">
+                <a16:creationId xmlns:a16="http://schemas.microsoft.com/office/drawing/2014/main" id="{F3EAE365-63ED-4CAC-8405-41D971818B49}"/>
+              </a:ext>
+            </a:extLst>
+          </p:cNvPr>
+          <p:cNvCxnSpPr/>
+          <p:nvPr/>
+        </p:nvCxnSpPr>
+        <p:spPr>
+          <a:xfrm>
+            <a:off x="3797165" y="2666198"/>
+            <a:ext cx="2203385" cy="0"/>
+          </a:xfrm>
+          <a:prstGeom prst="straightConnector1">
+            <a:avLst/>
+          </a:prstGeom>
+          <a:ln w="38100">
+            <a:solidFill>
+              <a:schemeClr val="tx1"/>
+            </a:solidFill>
+            <a:tailEnd type="triangle"/>
+          </a:ln>
+        </p:spPr>
+        <p:style>
+          <a:lnRef idx="1">
+            <a:schemeClr val="accent1"/>
+          </a:lnRef>
+          <a:fillRef idx="0">
+            <a:schemeClr val="accent1"/>
+          </a:fillRef>
+          <a:effectRef idx="0">
+            <a:schemeClr val="accent1"/>
+          </a:effectRef>
+          <a:fontRef idx="minor">
+            <a:schemeClr val="tx1"/>
+          </a:fontRef>
+        </p:style>
+      </p:cxnSp>
+      <p:sp>
+        <p:nvSpPr>
+          <p:cNvPr id="19" name="Oval 18">
+            <a:extLst>
+              <a:ext uri="{FF2B5EF4-FFF2-40B4-BE49-F238E27FC236}">
+                <a16:creationId xmlns:a16="http://schemas.microsoft.com/office/drawing/2014/main" id="{8F5578CA-58FF-4076-B30F-9B3E4591A002}"/>
+              </a:ext>
+            </a:extLst>
+          </p:cNvPr>
+          <p:cNvSpPr/>
+          <p:nvPr/>
+        </p:nvSpPr>
+        <p:spPr>
+          <a:xfrm>
+            <a:off x="3608269" y="2503771"/>
+            <a:ext cx="324853" cy="324853"/>
+          </a:xfrm>
+          <a:prstGeom prst="ellipse">
+            <a:avLst/>
+          </a:prstGeom>
+          <a:solidFill>
+            <a:schemeClr val="tx1"/>
+          </a:solidFill>
+          <a:ln w="38100">
+            <a:solidFill>
+              <a:schemeClr val="tx1"/>
+            </a:solidFill>
+          </a:ln>
+        </p:spPr>
+        <p:style>
+          <a:lnRef idx="2">
+            <a:schemeClr val="accent1">
+              <a:shade val="50000"/>
+            </a:schemeClr>
+          </a:lnRef>
+          <a:fillRef idx="1">
+            <a:schemeClr val="accent1"/>
+          </a:fillRef>
+          <a:effectRef idx="0">
+            <a:schemeClr val="accent1"/>
+          </a:effectRef>
+          <a:fontRef idx="minor">
+            <a:schemeClr val="lt1"/>
+          </a:fontRef>
+        </p:style>
+        <p:txBody>
+          <a:bodyPr rtlCol="0" anchor="ctr"/>
+          <a:lstStyle/>
+          <a:p>
+            <a:pPr algn="ctr"/>
+            <a:endParaRPr lang="en-CA"/>
+          </a:p>
+        </p:txBody>
+      </p:sp>
+      <p:cxnSp>
+        <p:nvCxnSpPr>
+          <p:cNvPr id="21" name="Straight Connector 20">
+            <a:extLst>
+              <a:ext uri="{FF2B5EF4-FFF2-40B4-BE49-F238E27FC236}">
+                <a16:creationId xmlns:a16="http://schemas.microsoft.com/office/drawing/2014/main" id="{DD91B55B-1D32-44C6-AB61-8E03A37FE835}"/>
+              </a:ext>
+            </a:extLst>
+          </p:cNvPr>
+          <p:cNvCxnSpPr/>
+          <p:nvPr/>
+        </p:nvCxnSpPr>
+        <p:spPr>
+          <a:xfrm flipH="1" flipV="1">
+            <a:off x="3722570" y="433137"/>
+            <a:ext cx="48125" cy="2233060"/>
+          </a:xfrm>
+          <a:prstGeom prst="line">
+            <a:avLst/>
+          </a:prstGeom>
+          <a:ln w="38100">
+            <a:solidFill>
+              <a:schemeClr val="tx1"/>
+            </a:solidFill>
+            <a:prstDash val="dash"/>
+          </a:ln>
+        </p:spPr>
+        <p:style>
+          <a:lnRef idx="1">
+            <a:schemeClr val="accent1"/>
+          </a:lnRef>
+          <a:fillRef idx="0">
+            <a:schemeClr val="accent1"/>
+          </a:fillRef>
+          <a:effectRef idx="0">
+            <a:schemeClr val="accent1"/>
+          </a:effectRef>
+          <a:fontRef idx="minor">
+            <a:schemeClr val="tx1"/>
+          </a:fontRef>
+        </p:style>
+      </p:cxnSp>
+    </p:spTree>
+    <p:extLst>
+      <p:ext uri="{BB962C8B-B14F-4D97-AF65-F5344CB8AC3E}">
+        <p14:creationId xmlns:p14="http://schemas.microsoft.com/office/powerpoint/2010/main" val="2804202308"/>
       </p:ext>
     </p:extLst>
   </p:cSld>

--- a/tex/figures/Induction/Figures.pptx
+++ b/tex/figures/Induction/Figures.pptx
@@ -126,13 +126,475 @@
 <file path=ppt/revisionInfo.xml><?xml version="1.0" encoding="utf-8"?>
 <p1510:revInfo xmlns:a="http://schemas.openxmlformats.org/drawingml/2006/main" xmlns:r="http://schemas.openxmlformats.org/officeDocument/2006/relationships" xmlns:p1510="http://schemas.microsoft.com/office/powerpoint/2015/10/main">
   <p1510:revLst>
-    <p1510:client id="{5FAE5CB4-271D-42DA-9A38-56D21EB44C4E}" v="12" dt="2019-08-12T21:36:31.338"/>
+    <p1510:client id="{F87FA795-6045-40E8-A5AC-7AE02F273932}" v="74" dt="2019-08-20T19:46:01.459"/>
   </p1510:revLst>
 </p1510:revInfo>
 </file>
 
 <file path=ppt/changesInfos/changesInfo1.xml><?xml version="1.0" encoding="utf-8"?>
 <pc:chgInfo xmlns:a="http://schemas.openxmlformats.org/drawingml/2006/main" xmlns:r="http://schemas.openxmlformats.org/officeDocument/2006/relationships" xmlns:ac="http://schemas.microsoft.com/office/drawing/2013/main/command" xmlns:pc="http://schemas.microsoft.com/office/powerpoint/2013/main/command">
+  <pc:docChgLst>
+    <pc:chgData name="Joshua Rinaldo" userId="eeaa994f99e4e508" providerId="LiveId" clId="{F87FA795-6045-40E8-A5AC-7AE02F273932}"/>
+    <pc:docChg chg="undo custSel addSld delSld modSld">
+      <pc:chgData name="Joshua Rinaldo" userId="eeaa994f99e4e508" providerId="LiveId" clId="{F87FA795-6045-40E8-A5AC-7AE02F273932}" dt="2019-08-20T20:47:39.798" v="216" actId="2696"/>
+      <pc:docMkLst>
+        <pc:docMk/>
+      </pc:docMkLst>
+      <pc:sldChg chg="addSp delSp modSp">
+        <pc:chgData name="Joshua Rinaldo" userId="eeaa994f99e4e508" providerId="LiveId" clId="{F87FA795-6045-40E8-A5AC-7AE02F273932}" dt="2019-08-20T15:32:15.315" v="20" actId="164"/>
+        <pc:sldMkLst>
+          <pc:docMk/>
+          <pc:sldMk cId="4132219296" sldId="305"/>
+        </pc:sldMkLst>
+        <pc:grpChg chg="add mod">
+          <ac:chgData name="Joshua Rinaldo" userId="eeaa994f99e4e508" providerId="LiveId" clId="{F87FA795-6045-40E8-A5AC-7AE02F273932}" dt="2019-08-20T15:32:15.315" v="20" actId="164"/>
+          <ac:grpSpMkLst>
+            <pc:docMk/>
+            <pc:sldMk cId="4132219296" sldId="305"/>
+            <ac:grpSpMk id="13" creationId="{3E9D36FE-A0FE-4FD5-8054-4A8F49E2A857}"/>
+          </ac:grpSpMkLst>
+        </pc:grpChg>
+        <pc:grpChg chg="mod">
+          <ac:chgData name="Joshua Rinaldo" userId="eeaa994f99e4e508" providerId="LiveId" clId="{F87FA795-6045-40E8-A5AC-7AE02F273932}" dt="2019-08-20T15:32:15.315" v="20" actId="164"/>
+          <ac:grpSpMkLst>
+            <pc:docMk/>
+            <pc:sldMk cId="4132219296" sldId="305"/>
+            <ac:grpSpMk id="76" creationId="{00000000-0000-0000-0000-000000000000}"/>
+          </ac:grpSpMkLst>
+        </pc:grpChg>
+        <pc:picChg chg="add del mod">
+          <ac:chgData name="Joshua Rinaldo" userId="eeaa994f99e4e508" providerId="LiveId" clId="{F87FA795-6045-40E8-A5AC-7AE02F273932}" dt="2019-08-20T15:29:12.896" v="7"/>
+          <ac:picMkLst>
+            <pc:docMk/>
+            <pc:sldMk cId="4132219296" sldId="305"/>
+            <ac:picMk id="3" creationId="{FBD9F664-10BD-4E06-B33C-17696475E5AE}"/>
+          </ac:picMkLst>
+        </pc:picChg>
+        <pc:picChg chg="add mod">
+          <ac:chgData name="Joshua Rinaldo" userId="eeaa994f99e4e508" providerId="LiveId" clId="{F87FA795-6045-40E8-A5AC-7AE02F273932}" dt="2019-08-20T15:32:15.315" v="20" actId="164"/>
+          <ac:picMkLst>
+            <pc:docMk/>
+            <pc:sldMk cId="4132219296" sldId="305"/>
+            <ac:picMk id="12" creationId="{371F4E97-A296-47F5-91DB-D9E52511E1C6}"/>
+          </ac:picMkLst>
+        </pc:picChg>
+        <pc:picChg chg="del mod">
+          <ac:chgData name="Joshua Rinaldo" userId="eeaa994f99e4e508" providerId="LiveId" clId="{F87FA795-6045-40E8-A5AC-7AE02F273932}" dt="2019-08-20T15:32:08.140" v="19" actId="478"/>
+          <ac:picMkLst>
+            <pc:docMk/>
+            <pc:sldMk cId="4132219296" sldId="305"/>
+            <ac:picMk id="77" creationId="{00000000-0000-0000-0000-000000000000}"/>
+          </ac:picMkLst>
+        </pc:picChg>
+      </pc:sldChg>
+      <pc:sldChg chg="addSp delSp modSp">
+        <pc:chgData name="Joshua Rinaldo" userId="eeaa994f99e4e508" providerId="LiveId" clId="{F87FA795-6045-40E8-A5AC-7AE02F273932}" dt="2019-08-20T20:47:35.701" v="215" actId="478"/>
+        <pc:sldMkLst>
+          <pc:docMk/>
+          <pc:sldMk cId="2804202308" sldId="306"/>
+        </pc:sldMkLst>
+        <pc:spChg chg="del mod">
+          <ac:chgData name="Joshua Rinaldo" userId="eeaa994f99e4e508" providerId="LiveId" clId="{F87FA795-6045-40E8-A5AC-7AE02F273932}" dt="2019-08-20T15:35:20.210" v="42" actId="478"/>
+          <ac:spMkLst>
+            <pc:docMk/>
+            <pc:sldMk cId="2804202308" sldId="306"/>
+            <ac:spMk id="19" creationId="{8F5578CA-58FF-4076-B30F-9B3E4591A002}"/>
+          </ac:spMkLst>
+        </pc:spChg>
+        <pc:spChg chg="add del mod">
+          <ac:chgData name="Joshua Rinaldo" userId="eeaa994f99e4e508" providerId="LiveId" clId="{F87FA795-6045-40E8-A5AC-7AE02F273932}" dt="2019-08-20T18:50:48.222" v="116" actId="478"/>
+          <ac:spMkLst>
+            <pc:docMk/>
+            <pc:sldMk cId="2804202308" sldId="306"/>
+            <ac:spMk id="25" creationId="{BBFE87DC-F278-40C8-936A-8594915B35AD}"/>
+          </ac:spMkLst>
+        </pc:spChg>
+        <pc:spChg chg="add mod">
+          <ac:chgData name="Joshua Rinaldo" userId="eeaa994f99e4e508" providerId="LiveId" clId="{F87FA795-6045-40E8-A5AC-7AE02F273932}" dt="2019-08-20T18:53:13.981" v="163" actId="1076"/>
+          <ac:spMkLst>
+            <pc:docMk/>
+            <pc:sldMk cId="2804202308" sldId="306"/>
+            <ac:spMk id="47" creationId="{AC735B43-1EE0-4F35-8A21-3AD3F4C8334C}"/>
+          </ac:spMkLst>
+        </pc:spChg>
+        <pc:spChg chg="add mod">
+          <ac:chgData name="Joshua Rinaldo" userId="eeaa994f99e4e508" providerId="LiveId" clId="{F87FA795-6045-40E8-A5AC-7AE02F273932}" dt="2019-08-20T18:53:33.914" v="175" actId="1076"/>
+          <ac:spMkLst>
+            <pc:docMk/>
+            <pc:sldMk cId="2804202308" sldId="306"/>
+            <ac:spMk id="67" creationId="{0C3C5F09-A5C1-4EDA-9041-E5D412A91E01}"/>
+          </ac:spMkLst>
+        </pc:spChg>
+        <pc:spChg chg="add del mod">
+          <ac:chgData name="Joshua Rinaldo" userId="eeaa994f99e4e508" providerId="LiveId" clId="{F87FA795-6045-40E8-A5AC-7AE02F273932}" dt="2019-08-20T18:53:39.785" v="178"/>
+          <ac:spMkLst>
+            <pc:docMk/>
+            <pc:sldMk cId="2804202308" sldId="306"/>
+            <ac:spMk id="68" creationId="{78A82FB5-CBD7-4887-9D5E-11BE1B13FC06}"/>
+          </ac:spMkLst>
+        </pc:spChg>
+        <pc:spChg chg="add mod">
+          <ac:chgData name="Joshua Rinaldo" userId="eeaa994f99e4e508" providerId="LiveId" clId="{F87FA795-6045-40E8-A5AC-7AE02F273932}" dt="2019-08-20T18:53:59.041" v="184" actId="1076"/>
+          <ac:spMkLst>
+            <pc:docMk/>
+            <pc:sldMk cId="2804202308" sldId="306"/>
+            <ac:spMk id="69" creationId="{D40EB4CF-F15A-4939-8574-AD4C27B4C3C5}"/>
+          </ac:spMkLst>
+        </pc:spChg>
+        <pc:grpChg chg="add mod">
+          <ac:chgData name="Joshua Rinaldo" userId="eeaa994f99e4e508" providerId="LiveId" clId="{F87FA795-6045-40E8-A5AC-7AE02F273932}" dt="2019-08-20T18:30:31.779" v="58" actId="164"/>
+          <ac:grpSpMkLst>
+            <pc:docMk/>
+            <pc:sldMk cId="2804202308" sldId="306"/>
+            <ac:grpSpMk id="4" creationId="{AD19EC23-E863-4B24-A729-B257A2280D18}"/>
+          </ac:grpSpMkLst>
+        </pc:grpChg>
+        <pc:grpChg chg="add mod">
+          <ac:chgData name="Joshua Rinaldo" userId="eeaa994f99e4e508" providerId="LiveId" clId="{F87FA795-6045-40E8-A5AC-7AE02F273932}" dt="2019-08-20T18:53:06.571" v="162" actId="688"/>
+          <ac:grpSpMkLst>
+            <pc:docMk/>
+            <pc:sldMk cId="2804202308" sldId="306"/>
+            <ac:grpSpMk id="66" creationId="{C5B690BB-3588-407A-B7E7-D8E1AB7545C5}"/>
+          </ac:grpSpMkLst>
+        </pc:grpChg>
+        <pc:picChg chg="add mod modCrop">
+          <ac:chgData name="Joshua Rinaldo" userId="eeaa994f99e4e508" providerId="LiveId" clId="{F87FA795-6045-40E8-A5AC-7AE02F273932}" dt="2019-08-20T18:53:13.981" v="163" actId="1076"/>
+          <ac:picMkLst>
+            <pc:docMk/>
+            <pc:sldMk cId="2804202308" sldId="306"/>
+            <ac:picMk id="3" creationId="{84842DFE-763A-4EC2-BCAD-AB457EDC743A}"/>
+          </ac:picMkLst>
+        </pc:picChg>
+        <pc:cxnChg chg="del mod ord">
+          <ac:chgData name="Joshua Rinaldo" userId="eeaa994f99e4e508" providerId="LiveId" clId="{F87FA795-6045-40E8-A5AC-7AE02F273932}" dt="2019-08-20T18:51:43.963" v="138" actId="478"/>
+          <ac:cxnSpMkLst>
+            <pc:docMk/>
+            <pc:sldMk cId="2804202308" sldId="306"/>
+            <ac:cxnSpMk id="5" creationId="{64BA7913-C29C-4CF9-8F76-7ED98DA997C9}"/>
+          </ac:cxnSpMkLst>
+        </pc:cxnChg>
+        <pc:cxnChg chg="del mod">
+          <ac:chgData name="Joshua Rinaldo" userId="eeaa994f99e4e508" providerId="LiveId" clId="{F87FA795-6045-40E8-A5AC-7AE02F273932}" dt="2019-08-20T18:32:41.556" v="83" actId="478"/>
+          <ac:cxnSpMkLst>
+            <pc:docMk/>
+            <pc:sldMk cId="2804202308" sldId="306"/>
+            <ac:cxnSpMk id="6" creationId="{15775E8B-74CE-4CD8-A3D7-23BFDEDC9C36}"/>
+          </ac:cxnSpMkLst>
+        </pc:cxnChg>
+        <pc:cxnChg chg="del mod">
+          <ac:chgData name="Joshua Rinaldo" userId="eeaa994f99e4e508" providerId="LiveId" clId="{F87FA795-6045-40E8-A5AC-7AE02F273932}" dt="2019-08-20T18:32:41.556" v="83" actId="478"/>
+          <ac:cxnSpMkLst>
+            <pc:docMk/>
+            <pc:sldMk cId="2804202308" sldId="306"/>
+            <ac:cxnSpMk id="7" creationId="{37741DA9-D572-4A4A-B143-8546364949C2}"/>
+          </ac:cxnSpMkLst>
+        </pc:cxnChg>
+        <pc:cxnChg chg="del mod">
+          <ac:chgData name="Joshua Rinaldo" userId="eeaa994f99e4e508" providerId="LiveId" clId="{F87FA795-6045-40E8-A5AC-7AE02F273932}" dt="2019-08-20T18:32:41.556" v="83" actId="478"/>
+          <ac:cxnSpMkLst>
+            <pc:docMk/>
+            <pc:sldMk cId="2804202308" sldId="306"/>
+            <ac:cxnSpMk id="8" creationId="{8E6A6530-3762-4017-BE93-FBD7FA9A7D25}"/>
+          </ac:cxnSpMkLst>
+        </pc:cxnChg>
+        <pc:cxnChg chg="del mod">
+          <ac:chgData name="Joshua Rinaldo" userId="eeaa994f99e4e508" providerId="LiveId" clId="{F87FA795-6045-40E8-A5AC-7AE02F273932}" dt="2019-08-20T18:32:41.556" v="83" actId="478"/>
+          <ac:cxnSpMkLst>
+            <pc:docMk/>
+            <pc:sldMk cId="2804202308" sldId="306"/>
+            <ac:cxnSpMk id="9" creationId="{2705339F-1326-4F55-A974-99C8D48E8C56}"/>
+          </ac:cxnSpMkLst>
+        </pc:cxnChg>
+        <pc:cxnChg chg="del mod">
+          <ac:chgData name="Joshua Rinaldo" userId="eeaa994f99e4e508" providerId="LiveId" clId="{F87FA795-6045-40E8-A5AC-7AE02F273932}" dt="2019-08-20T18:32:41.556" v="83" actId="478"/>
+          <ac:cxnSpMkLst>
+            <pc:docMk/>
+            <pc:sldMk cId="2804202308" sldId="306"/>
+            <ac:cxnSpMk id="10" creationId="{5A6A1F3D-4115-477F-9B1D-DF5B6BFAAD77}"/>
+          </ac:cxnSpMkLst>
+        </pc:cxnChg>
+        <pc:cxnChg chg="del mod">
+          <ac:chgData name="Joshua Rinaldo" userId="eeaa994f99e4e508" providerId="LiveId" clId="{F87FA795-6045-40E8-A5AC-7AE02F273932}" dt="2019-08-20T18:32:41.556" v="83" actId="478"/>
+          <ac:cxnSpMkLst>
+            <pc:docMk/>
+            <pc:sldMk cId="2804202308" sldId="306"/>
+            <ac:cxnSpMk id="11" creationId="{8AA562E3-F431-429C-B29B-977EF5113395}"/>
+          </ac:cxnSpMkLst>
+        </pc:cxnChg>
+        <pc:cxnChg chg="del mod">
+          <ac:chgData name="Joshua Rinaldo" userId="eeaa994f99e4e508" providerId="LiveId" clId="{F87FA795-6045-40E8-A5AC-7AE02F273932}" dt="2019-08-20T18:32:41.556" v="83" actId="478"/>
+          <ac:cxnSpMkLst>
+            <pc:docMk/>
+            <pc:sldMk cId="2804202308" sldId="306"/>
+            <ac:cxnSpMk id="12" creationId="{85E65DEB-399C-4167-8E35-C856844D764E}"/>
+          </ac:cxnSpMkLst>
+        </pc:cxnChg>
+        <pc:cxnChg chg="del mod">
+          <ac:chgData name="Joshua Rinaldo" userId="eeaa994f99e4e508" providerId="LiveId" clId="{F87FA795-6045-40E8-A5AC-7AE02F273932}" dt="2019-08-20T18:32:41.556" v="83" actId="478"/>
+          <ac:cxnSpMkLst>
+            <pc:docMk/>
+            <pc:sldMk cId="2804202308" sldId="306"/>
+            <ac:cxnSpMk id="13" creationId="{51B2032A-70FD-46E4-8330-5B43A55BC25A}"/>
+          </ac:cxnSpMkLst>
+        </pc:cxnChg>
+        <pc:cxnChg chg="del mod">
+          <ac:chgData name="Joshua Rinaldo" userId="eeaa994f99e4e508" providerId="LiveId" clId="{F87FA795-6045-40E8-A5AC-7AE02F273932}" dt="2019-08-20T18:32:41.556" v="83" actId="478"/>
+          <ac:cxnSpMkLst>
+            <pc:docMk/>
+            <pc:sldMk cId="2804202308" sldId="306"/>
+            <ac:cxnSpMk id="14" creationId="{87273663-E154-45C6-A532-C9F2203A2DC9}"/>
+          </ac:cxnSpMkLst>
+        </pc:cxnChg>
+        <pc:cxnChg chg="del mod">
+          <ac:chgData name="Joshua Rinaldo" userId="eeaa994f99e4e508" providerId="LiveId" clId="{F87FA795-6045-40E8-A5AC-7AE02F273932}" dt="2019-08-20T18:32:41.556" v="83" actId="478"/>
+          <ac:cxnSpMkLst>
+            <pc:docMk/>
+            <pc:sldMk cId="2804202308" sldId="306"/>
+            <ac:cxnSpMk id="15" creationId="{8267661D-A991-40E5-919F-D37DE784A8D2}"/>
+          </ac:cxnSpMkLst>
+        </pc:cxnChg>
+        <pc:cxnChg chg="del mod">
+          <ac:chgData name="Joshua Rinaldo" userId="eeaa994f99e4e508" providerId="LiveId" clId="{F87FA795-6045-40E8-A5AC-7AE02F273932}" dt="2019-08-20T18:32:41.556" v="83" actId="478"/>
+          <ac:cxnSpMkLst>
+            <pc:docMk/>
+            <pc:sldMk cId="2804202308" sldId="306"/>
+            <ac:cxnSpMk id="16" creationId="{EDC19D22-0E0B-48F9-9A83-2263FFD3A594}"/>
+          </ac:cxnSpMkLst>
+        </pc:cxnChg>
+        <pc:cxnChg chg="mod">
+          <ac:chgData name="Joshua Rinaldo" userId="eeaa994f99e4e508" providerId="LiveId" clId="{F87FA795-6045-40E8-A5AC-7AE02F273932}" dt="2019-08-20T18:53:18.795" v="164" actId="1076"/>
+          <ac:cxnSpMkLst>
+            <pc:docMk/>
+            <pc:sldMk cId="2804202308" sldId="306"/>
+            <ac:cxnSpMk id="18" creationId="{F3EAE365-63ED-4CAC-8405-41D971818B49}"/>
+          </ac:cxnSpMkLst>
+        </pc:cxnChg>
+        <pc:cxnChg chg="add del mod">
+          <ac:chgData name="Joshua Rinaldo" userId="eeaa994f99e4e508" providerId="LiveId" clId="{F87FA795-6045-40E8-A5AC-7AE02F273932}" dt="2019-08-20T20:47:35.701" v="215" actId="478"/>
+          <ac:cxnSpMkLst>
+            <pc:docMk/>
+            <pc:sldMk cId="2804202308" sldId="306"/>
+            <ac:cxnSpMk id="20" creationId="{412B8839-56C0-4772-BD50-9320DC53904A}"/>
+          </ac:cxnSpMkLst>
+        </pc:cxnChg>
+        <pc:cxnChg chg="del mod">
+          <ac:chgData name="Joshua Rinaldo" userId="eeaa994f99e4e508" providerId="LiveId" clId="{F87FA795-6045-40E8-A5AC-7AE02F273932}" dt="2019-08-20T15:37:10.506" v="45" actId="478"/>
+          <ac:cxnSpMkLst>
+            <pc:docMk/>
+            <pc:sldMk cId="2804202308" sldId="306"/>
+            <ac:cxnSpMk id="21" creationId="{DD91B55B-1D32-44C6-AB61-8E03A37FE835}"/>
+          </ac:cxnSpMkLst>
+        </pc:cxnChg>
+        <pc:cxnChg chg="add del mod ord">
+          <ac:chgData name="Joshua Rinaldo" userId="eeaa994f99e4e508" providerId="LiveId" clId="{F87FA795-6045-40E8-A5AC-7AE02F273932}" dt="2019-08-20T18:51:43.963" v="138" actId="478"/>
+          <ac:cxnSpMkLst>
+            <pc:docMk/>
+            <pc:sldMk cId="2804202308" sldId="306"/>
+            <ac:cxnSpMk id="38" creationId="{C7EECB10-9054-4C40-B6DD-95A214775FDD}"/>
+          </ac:cxnSpMkLst>
+        </pc:cxnChg>
+        <pc:cxnChg chg="add del mod ord">
+          <ac:chgData name="Joshua Rinaldo" userId="eeaa994f99e4e508" providerId="LiveId" clId="{F87FA795-6045-40E8-A5AC-7AE02F273932}" dt="2019-08-20T18:51:43.963" v="138" actId="478"/>
+          <ac:cxnSpMkLst>
+            <pc:docMk/>
+            <pc:sldMk cId="2804202308" sldId="306"/>
+            <ac:cxnSpMk id="39" creationId="{27DB53D6-FE1A-40E3-9AAD-CE4E83ACF23A}"/>
+          </ac:cxnSpMkLst>
+        </pc:cxnChg>
+        <pc:cxnChg chg="add del mod">
+          <ac:chgData name="Joshua Rinaldo" userId="eeaa994f99e4e508" providerId="LiveId" clId="{F87FA795-6045-40E8-A5AC-7AE02F273932}" dt="2019-08-20T18:33:11.285" v="99" actId="478"/>
+          <ac:cxnSpMkLst>
+            <pc:docMk/>
+            <pc:sldMk cId="2804202308" sldId="306"/>
+            <ac:cxnSpMk id="40" creationId="{D17747AC-44A1-440C-A761-F574EEC2890F}"/>
+          </ac:cxnSpMkLst>
+        </pc:cxnChg>
+        <pc:cxnChg chg="add del mod">
+          <ac:chgData name="Joshua Rinaldo" userId="eeaa994f99e4e508" providerId="LiveId" clId="{F87FA795-6045-40E8-A5AC-7AE02F273932}" dt="2019-08-20T18:33:11.285" v="99" actId="478"/>
+          <ac:cxnSpMkLst>
+            <pc:docMk/>
+            <pc:sldMk cId="2804202308" sldId="306"/>
+            <ac:cxnSpMk id="41" creationId="{1548F3F4-E32B-474B-826B-AEA6384C4D58}"/>
+          </ac:cxnSpMkLst>
+        </pc:cxnChg>
+        <pc:cxnChg chg="add del mod">
+          <ac:chgData name="Joshua Rinaldo" userId="eeaa994f99e4e508" providerId="LiveId" clId="{F87FA795-6045-40E8-A5AC-7AE02F273932}" dt="2019-08-20T18:33:11.285" v="99" actId="478"/>
+          <ac:cxnSpMkLst>
+            <pc:docMk/>
+            <pc:sldMk cId="2804202308" sldId="306"/>
+            <ac:cxnSpMk id="42" creationId="{46129119-A50E-4DE8-B155-D857D88E36F9}"/>
+          </ac:cxnSpMkLst>
+        </pc:cxnChg>
+        <pc:cxnChg chg="add del mod ord">
+          <ac:chgData name="Joshua Rinaldo" userId="eeaa994f99e4e508" providerId="LiveId" clId="{F87FA795-6045-40E8-A5AC-7AE02F273932}" dt="2019-08-20T18:51:43.963" v="138" actId="478"/>
+          <ac:cxnSpMkLst>
+            <pc:docMk/>
+            <pc:sldMk cId="2804202308" sldId="306"/>
+            <ac:cxnSpMk id="43" creationId="{5FBABC08-4B02-48C1-A1C3-18E5EE345A7D}"/>
+          </ac:cxnSpMkLst>
+        </pc:cxnChg>
+        <pc:cxnChg chg="add del mod ord">
+          <ac:chgData name="Joshua Rinaldo" userId="eeaa994f99e4e508" providerId="LiveId" clId="{F87FA795-6045-40E8-A5AC-7AE02F273932}" dt="2019-08-20T18:51:45.910" v="139" actId="478"/>
+          <ac:cxnSpMkLst>
+            <pc:docMk/>
+            <pc:sldMk cId="2804202308" sldId="306"/>
+            <ac:cxnSpMk id="44" creationId="{1A7C147F-6CF7-4F53-B8DC-45A8D6657E5D}"/>
+          </ac:cxnSpMkLst>
+        </pc:cxnChg>
+        <pc:cxnChg chg="add mod ord">
+          <ac:chgData name="Joshua Rinaldo" userId="eeaa994f99e4e508" providerId="LiveId" clId="{F87FA795-6045-40E8-A5AC-7AE02F273932}" dt="2019-08-20T18:53:03.446" v="161" actId="164"/>
+          <ac:cxnSpMkLst>
+            <pc:docMk/>
+            <pc:sldMk cId="2804202308" sldId="306"/>
+            <ac:cxnSpMk id="45" creationId="{C6996DDB-6E03-4CD2-8CFF-5A215C59B294}"/>
+          </ac:cxnSpMkLst>
+        </pc:cxnChg>
+        <pc:cxnChg chg="add mod">
+          <ac:chgData name="Joshua Rinaldo" userId="eeaa994f99e4e508" providerId="LiveId" clId="{F87FA795-6045-40E8-A5AC-7AE02F273932}" dt="2019-08-20T18:53:13.981" v="163" actId="1076"/>
+          <ac:cxnSpMkLst>
+            <pc:docMk/>
+            <pc:sldMk cId="2804202308" sldId="306"/>
+            <ac:cxnSpMk id="46" creationId="{A430B316-1A39-4679-ADC6-7C1BE13C4F14}"/>
+          </ac:cxnSpMkLst>
+        </pc:cxnChg>
+        <pc:cxnChg chg="add mod ord">
+          <ac:chgData name="Joshua Rinaldo" userId="eeaa994f99e4e508" providerId="LiveId" clId="{F87FA795-6045-40E8-A5AC-7AE02F273932}" dt="2019-08-20T18:53:03.446" v="161" actId="164"/>
+          <ac:cxnSpMkLst>
+            <pc:docMk/>
+            <pc:sldMk cId="2804202308" sldId="306"/>
+            <ac:cxnSpMk id="54" creationId="{0BF42A0C-1F07-4E4F-823F-69D8398CCE46}"/>
+          </ac:cxnSpMkLst>
+        </pc:cxnChg>
+        <pc:cxnChg chg="add mod ord">
+          <ac:chgData name="Joshua Rinaldo" userId="eeaa994f99e4e508" providerId="LiveId" clId="{F87FA795-6045-40E8-A5AC-7AE02F273932}" dt="2019-08-20T18:53:03.446" v="161" actId="164"/>
+          <ac:cxnSpMkLst>
+            <pc:docMk/>
+            <pc:sldMk cId="2804202308" sldId="306"/>
+            <ac:cxnSpMk id="55" creationId="{91657AE5-F20C-4CFB-8521-4B29C17AA0A5}"/>
+          </ac:cxnSpMkLst>
+        </pc:cxnChg>
+        <pc:cxnChg chg="add del">
+          <ac:chgData name="Joshua Rinaldo" userId="eeaa994f99e4e508" providerId="LiveId" clId="{F87FA795-6045-40E8-A5AC-7AE02F273932}" dt="2019-08-20T18:52:22.092" v="150" actId="478"/>
+          <ac:cxnSpMkLst>
+            <pc:docMk/>
+            <pc:sldMk cId="2804202308" sldId="306"/>
+            <ac:cxnSpMk id="56" creationId="{5EA6494C-B1A9-4ACD-BE08-A66DF666770C}"/>
+          </ac:cxnSpMkLst>
+        </pc:cxnChg>
+        <pc:cxnChg chg="add del">
+          <ac:chgData name="Joshua Rinaldo" userId="eeaa994f99e4e508" providerId="LiveId" clId="{F87FA795-6045-40E8-A5AC-7AE02F273932}" dt="2019-08-20T18:52:22.092" v="150" actId="478"/>
+          <ac:cxnSpMkLst>
+            <pc:docMk/>
+            <pc:sldMk cId="2804202308" sldId="306"/>
+            <ac:cxnSpMk id="57" creationId="{435BE589-E3C3-4C5A-9CB4-8735EC8F3DB1}"/>
+          </ac:cxnSpMkLst>
+        </pc:cxnChg>
+        <pc:cxnChg chg="add mod ord">
+          <ac:chgData name="Joshua Rinaldo" userId="eeaa994f99e4e508" providerId="LiveId" clId="{F87FA795-6045-40E8-A5AC-7AE02F273932}" dt="2019-08-20T18:53:03.446" v="161" actId="164"/>
+          <ac:cxnSpMkLst>
+            <pc:docMk/>
+            <pc:sldMk cId="2804202308" sldId="306"/>
+            <ac:cxnSpMk id="58" creationId="{A7DCAEA9-0118-4217-92A3-932AC0EC5A00}"/>
+          </ac:cxnSpMkLst>
+        </pc:cxnChg>
+        <pc:cxnChg chg="add mod ord">
+          <ac:chgData name="Joshua Rinaldo" userId="eeaa994f99e4e508" providerId="LiveId" clId="{F87FA795-6045-40E8-A5AC-7AE02F273932}" dt="2019-08-20T18:53:03.446" v="161" actId="164"/>
+          <ac:cxnSpMkLst>
+            <pc:docMk/>
+            <pc:sldMk cId="2804202308" sldId="306"/>
+            <ac:cxnSpMk id="59" creationId="{17BDAE54-6189-43EF-8388-7B14EEC01175}"/>
+          </ac:cxnSpMkLst>
+        </pc:cxnChg>
+        <pc:cxnChg chg="add mod ord">
+          <ac:chgData name="Joshua Rinaldo" userId="eeaa994f99e4e508" providerId="LiveId" clId="{F87FA795-6045-40E8-A5AC-7AE02F273932}" dt="2019-08-20T18:53:03.446" v="161" actId="164"/>
+          <ac:cxnSpMkLst>
+            <pc:docMk/>
+            <pc:sldMk cId="2804202308" sldId="306"/>
+            <ac:cxnSpMk id="60" creationId="{71C39FE4-177B-4FBD-BF78-29295E32C6EC}"/>
+          </ac:cxnSpMkLst>
+        </pc:cxnChg>
+        <pc:cxnChg chg="add mod ord">
+          <ac:chgData name="Joshua Rinaldo" userId="eeaa994f99e4e508" providerId="LiveId" clId="{F87FA795-6045-40E8-A5AC-7AE02F273932}" dt="2019-08-20T18:53:03.446" v="161" actId="164"/>
+          <ac:cxnSpMkLst>
+            <pc:docMk/>
+            <pc:sldMk cId="2804202308" sldId="306"/>
+            <ac:cxnSpMk id="61" creationId="{B4EC1C7C-5FD0-431D-AB25-C8703F4630CB}"/>
+          </ac:cxnSpMkLst>
+        </pc:cxnChg>
+        <pc:cxnChg chg="add mod ord">
+          <ac:chgData name="Joshua Rinaldo" userId="eeaa994f99e4e508" providerId="LiveId" clId="{F87FA795-6045-40E8-A5AC-7AE02F273932}" dt="2019-08-20T18:53:03.446" v="161" actId="164"/>
+          <ac:cxnSpMkLst>
+            <pc:docMk/>
+            <pc:sldMk cId="2804202308" sldId="306"/>
+            <ac:cxnSpMk id="62" creationId="{3EDBCC20-2265-4197-8156-DAF00F90086F}"/>
+          </ac:cxnSpMkLst>
+        </pc:cxnChg>
+        <pc:cxnChg chg="add mod ord">
+          <ac:chgData name="Joshua Rinaldo" userId="eeaa994f99e4e508" providerId="LiveId" clId="{F87FA795-6045-40E8-A5AC-7AE02F273932}" dt="2019-08-20T18:53:03.446" v="161" actId="164"/>
+          <ac:cxnSpMkLst>
+            <pc:docMk/>
+            <pc:sldMk cId="2804202308" sldId="306"/>
+            <ac:cxnSpMk id="63" creationId="{7FCDE28F-FA00-4C63-80A1-88AEC255B989}"/>
+          </ac:cxnSpMkLst>
+        </pc:cxnChg>
+      </pc:sldChg>
+      <pc:sldChg chg="addSp delSp modSp add del">
+        <pc:chgData name="Joshua Rinaldo" userId="eeaa994f99e4e508" providerId="LiveId" clId="{F87FA795-6045-40E8-A5AC-7AE02F273932}" dt="2019-08-20T20:47:39.798" v="216" actId="2696"/>
+        <pc:sldMkLst>
+          <pc:docMk/>
+          <pc:sldMk cId="1871117291" sldId="307"/>
+        </pc:sldMkLst>
+        <pc:spChg chg="del">
+          <ac:chgData name="Joshua Rinaldo" userId="eeaa994f99e4e508" providerId="LiveId" clId="{F87FA795-6045-40E8-A5AC-7AE02F273932}" dt="2019-08-20T19:45:00.913" v="187" actId="478"/>
+          <ac:spMkLst>
+            <pc:docMk/>
+            <pc:sldMk cId="1871117291" sldId="307"/>
+            <ac:spMk id="2" creationId="{4EAC758F-23A1-48AE-B1D9-EBBAC332E223}"/>
+          </ac:spMkLst>
+        </pc:spChg>
+        <pc:spChg chg="del">
+          <ac:chgData name="Joshua Rinaldo" userId="eeaa994f99e4e508" providerId="LiveId" clId="{F87FA795-6045-40E8-A5AC-7AE02F273932}" dt="2019-08-20T19:44:59.239" v="186" actId="478"/>
+          <ac:spMkLst>
+            <pc:docMk/>
+            <pc:sldMk cId="1871117291" sldId="307"/>
+            <ac:spMk id="3" creationId="{6B311BD7-A338-4904-AF17-436ABC86FF26}"/>
+          </ac:spMkLst>
+        </pc:spChg>
+        <pc:spChg chg="add del mod">
+          <ac:chgData name="Joshua Rinaldo" userId="eeaa994f99e4e508" providerId="LiveId" clId="{F87FA795-6045-40E8-A5AC-7AE02F273932}" dt="2019-08-20T20:47:31.751" v="214" actId="478"/>
+          <ac:spMkLst>
+            <pc:docMk/>
+            <pc:sldMk cId="1871117291" sldId="307"/>
+            <ac:spMk id="4" creationId="{F5D04860-931C-435F-838D-B6176D2425FE}"/>
+          </ac:spMkLst>
+        </pc:spChg>
+        <pc:spChg chg="add del mod">
+          <ac:chgData name="Joshua Rinaldo" userId="eeaa994f99e4e508" providerId="LiveId" clId="{F87FA795-6045-40E8-A5AC-7AE02F273932}" dt="2019-08-20T20:47:31.751" v="214" actId="478"/>
+          <ac:spMkLst>
+            <pc:docMk/>
+            <pc:sldMk cId="1871117291" sldId="307"/>
+            <ac:spMk id="5" creationId="{211CBE47-A0E5-436B-870F-36DE56B61D4F}"/>
+          </ac:spMkLst>
+        </pc:spChg>
+        <pc:spChg chg="add del mod">
+          <ac:chgData name="Joshua Rinaldo" userId="eeaa994f99e4e508" providerId="LiveId" clId="{F87FA795-6045-40E8-A5AC-7AE02F273932}" dt="2019-08-20T20:47:31.751" v="214" actId="478"/>
+          <ac:spMkLst>
+            <pc:docMk/>
+            <pc:sldMk cId="1871117291" sldId="307"/>
+            <ac:spMk id="9" creationId="{C2599EB0-F030-4DB8-A2CB-E377B9958555}"/>
+          </ac:spMkLst>
+        </pc:spChg>
+        <pc:cxnChg chg="add del mod">
+          <ac:chgData name="Joshua Rinaldo" userId="eeaa994f99e4e508" providerId="LiveId" clId="{F87FA795-6045-40E8-A5AC-7AE02F273932}" dt="2019-08-20T20:47:31.751" v="214" actId="478"/>
+          <ac:cxnSpMkLst>
+            <pc:docMk/>
+            <pc:sldMk cId="1871117291" sldId="307"/>
+            <ac:cxnSpMk id="7" creationId="{6D3639C9-8383-4DB0-A29B-7713E3134144}"/>
+          </ac:cxnSpMkLst>
+        </pc:cxnChg>
+      </pc:sldChg>
+    </pc:docChg>
+  </pc:docChgLst>
   <pc:docChgLst>
     <pc:chgData name="Joshua Rinaldo" userId="eeaa994f99e4e508" providerId="LiveId" clId="{5FAE5CB4-271D-42DA-9A38-56D21EB44C4E}"/>
     <pc:docChg chg="custSel addSld modSld">
@@ -370,7 +832,7 @@
           <a:p>
             <a:fld id="{FA15A6B2-55AC-CD4B-A1E6-BB01091FE9DC}" type="datetimeFigureOut">
               <a:rPr lang="en-US" smtClean="0"/>
-              <a:t>8/12/2019</a:t>
+              <a:t>8/20/2019</a:t>
             </a:fld>
             <a:endParaRPr lang="en-US"/>
           </a:p>
@@ -899,7 +1361,7 @@
           <a:p>
             <a:fld id="{F7249F8D-641B-4CAF-BAE5-10524742F6F1}" type="datetimeFigureOut">
               <a:rPr lang="en-CA" smtClean="0"/>
-              <a:t>2019-08-12</a:t>
+              <a:t>2019-08-20</a:t>
             </a:fld>
             <a:endParaRPr lang="en-CA"/>
           </a:p>
@@ -1069,7 +1531,7 @@
           <a:p>
             <a:fld id="{F7249F8D-641B-4CAF-BAE5-10524742F6F1}" type="datetimeFigureOut">
               <a:rPr lang="en-CA" smtClean="0"/>
-              <a:t>2019-08-12</a:t>
+              <a:t>2019-08-20</a:t>
             </a:fld>
             <a:endParaRPr lang="en-CA"/>
           </a:p>
@@ -1249,7 +1711,7 @@
           <a:p>
             <a:fld id="{F7249F8D-641B-4CAF-BAE5-10524742F6F1}" type="datetimeFigureOut">
               <a:rPr lang="en-CA" smtClean="0"/>
-              <a:t>2019-08-12</a:t>
+              <a:t>2019-08-20</a:t>
             </a:fld>
             <a:endParaRPr lang="en-CA"/>
           </a:p>
@@ -1419,7 +1881,7 @@
           <a:p>
             <a:fld id="{F7249F8D-641B-4CAF-BAE5-10524742F6F1}" type="datetimeFigureOut">
               <a:rPr lang="en-CA" smtClean="0"/>
-              <a:t>2019-08-12</a:t>
+              <a:t>2019-08-20</a:t>
             </a:fld>
             <a:endParaRPr lang="en-CA"/>
           </a:p>
@@ -1665,7 +2127,7 @@
           <a:p>
             <a:fld id="{F7249F8D-641B-4CAF-BAE5-10524742F6F1}" type="datetimeFigureOut">
               <a:rPr lang="en-CA" smtClean="0"/>
-              <a:t>2019-08-12</a:t>
+              <a:t>2019-08-20</a:t>
             </a:fld>
             <a:endParaRPr lang="en-CA"/>
           </a:p>
@@ -1897,7 +2359,7 @@
           <a:p>
             <a:fld id="{F7249F8D-641B-4CAF-BAE5-10524742F6F1}" type="datetimeFigureOut">
               <a:rPr lang="en-CA" smtClean="0"/>
-              <a:t>2019-08-12</a:t>
+              <a:t>2019-08-20</a:t>
             </a:fld>
             <a:endParaRPr lang="en-CA"/>
           </a:p>
@@ -2264,7 +2726,7 @@
           <a:p>
             <a:fld id="{F7249F8D-641B-4CAF-BAE5-10524742F6F1}" type="datetimeFigureOut">
               <a:rPr lang="en-CA" smtClean="0"/>
-              <a:t>2019-08-12</a:t>
+              <a:t>2019-08-20</a:t>
             </a:fld>
             <a:endParaRPr lang="en-CA"/>
           </a:p>
@@ -2382,7 +2844,7 @@
           <a:p>
             <a:fld id="{F7249F8D-641B-4CAF-BAE5-10524742F6F1}" type="datetimeFigureOut">
               <a:rPr lang="en-CA" smtClean="0"/>
-              <a:t>2019-08-12</a:t>
+              <a:t>2019-08-20</a:t>
             </a:fld>
             <a:endParaRPr lang="en-CA"/>
           </a:p>
@@ -2477,7 +2939,7 @@
           <a:p>
             <a:fld id="{F7249F8D-641B-4CAF-BAE5-10524742F6F1}" type="datetimeFigureOut">
               <a:rPr lang="en-CA" smtClean="0"/>
-              <a:t>2019-08-12</a:t>
+              <a:t>2019-08-20</a:t>
             </a:fld>
             <a:endParaRPr lang="en-CA"/>
           </a:p>
@@ -2754,7 +3216,7 @@
           <a:p>
             <a:fld id="{F7249F8D-641B-4CAF-BAE5-10524742F6F1}" type="datetimeFigureOut">
               <a:rPr lang="en-CA" smtClean="0"/>
-              <a:t>2019-08-12</a:t>
+              <a:t>2019-08-20</a:t>
             </a:fld>
             <a:endParaRPr lang="en-CA"/>
           </a:p>
@@ -3007,7 +3469,7 @@
           <a:p>
             <a:fld id="{F7249F8D-641B-4CAF-BAE5-10524742F6F1}" type="datetimeFigureOut">
               <a:rPr lang="en-CA" smtClean="0"/>
-              <a:t>2019-08-12</a:t>
+              <a:t>2019-08-20</a:t>
             </a:fld>
             <a:endParaRPr lang="en-CA"/>
           </a:p>
@@ -3220,7 +3682,7 @@
           <a:p>
             <a:fld id="{F7249F8D-641B-4CAF-BAE5-10524742F6F1}" type="datetimeFigureOut">
               <a:rPr lang="en-CA" smtClean="0"/>
-              <a:t>2019-08-12</a:t>
+              <a:t>2019-08-20</a:t>
             </a:fld>
             <a:endParaRPr lang="en-CA"/>
           </a:p>
@@ -49999,261 +50461,416 @@
       </p:grpSp>
       <p:grpSp>
         <p:nvGrpSpPr>
-          <p:cNvPr id="76" name="Group 75"/>
+          <p:cNvPr id="13" name="Group 12">
+            <a:extLst>
+              <a:ext uri="{FF2B5EF4-FFF2-40B4-BE49-F238E27FC236}">
+                <a16:creationId xmlns:a16="http://schemas.microsoft.com/office/drawing/2014/main" id="{3E9D36FE-A0FE-4FD5-8054-4A8F49E2A857}"/>
+              </a:ext>
+            </a:extLst>
+          </p:cNvPr>
           <p:cNvGrpSpPr/>
           <p:nvPr/>
         </p:nvGrpSpPr>
         <p:grpSpPr>
           <a:xfrm>
-            <a:off x="6509309" y="1249138"/>
-            <a:ext cx="2182901" cy="3410037"/>
-            <a:chOff x="9535537" y="1076829"/>
-            <a:chExt cx="2182901" cy="3410037"/>
+            <a:off x="6509309" y="1113267"/>
+            <a:ext cx="2182901" cy="3545908"/>
+            <a:chOff x="6509309" y="1113267"/>
+            <a:chExt cx="2182901" cy="3545908"/>
           </a:xfrm>
         </p:grpSpPr>
-        <p:pic>
-          <p:nvPicPr>
-            <p:cNvPr id="77" name="Picture 2" descr="Image result for cartoon town"/>
-            <p:cNvPicPr>
-              <a:picLocks noChangeAspect="1" noChangeArrowheads="1"/>
-            </p:cNvPicPr>
-            <p:nvPr/>
-          </p:nvPicPr>
-          <p:blipFill>
-            <a:blip r:embed="rId9" cstate="print">
-              <a:extLst>
-                <a:ext uri="{28A0092B-C50C-407E-A947-70E740481C1C}">
-                  <a14:useLocalDpi xmlns:a14="http://schemas.microsoft.com/office/drawing/2010/main" val="0"/>
-                </a:ext>
-              </a:extLst>
-            </a:blip>
-            <a:srcRect/>
-            <a:stretch>
-              <a:fillRect/>
-            </a:stretch>
-          </p:blipFill>
-          <p:spPr bwMode="auto">
-            <a:xfrm>
-              <a:off x="9905963" y="1076829"/>
-              <a:ext cx="1636498" cy="883709"/>
-            </a:xfrm>
-            <a:prstGeom prst="rect">
-              <a:avLst/>
-            </a:prstGeom>
-            <a:noFill/>
-            <a:extLst>
-              <a:ext uri="{909E8E84-426E-40DD-AFC4-6F175D3DCCD1}">
-                <a14:hiddenFill xmlns:a14="http://schemas.microsoft.com/office/drawing/2010/main">
-                  <a:solidFill>
-                    <a:srgbClr val="FFFFFF"/>
-                  </a:solidFill>
-                </a14:hiddenFill>
-              </a:ext>
-            </a:extLst>
-          </p:spPr>
-        </p:pic>
         <p:grpSp>
           <p:nvGrpSpPr>
-            <p:cNvPr id="78" name="Group 77"/>
+            <p:cNvPr id="76" name="Group 75"/>
             <p:cNvGrpSpPr/>
             <p:nvPr/>
           </p:nvGrpSpPr>
           <p:grpSpPr>
             <a:xfrm>
-              <a:off x="9535537" y="1716010"/>
-              <a:ext cx="2182901" cy="2285284"/>
-              <a:chOff x="8476758" y="1701082"/>
-              <a:chExt cx="2182901" cy="2285284"/>
+              <a:off x="6509309" y="1888319"/>
+              <a:ext cx="2182901" cy="2770856"/>
+              <a:chOff x="9535537" y="1716010"/>
+              <a:chExt cx="2182901" cy="2770856"/>
             </a:xfrm>
           </p:grpSpPr>
           <p:grpSp>
             <p:nvGrpSpPr>
-              <p:cNvPr id="81" name="Group 80"/>
+              <p:cNvPr id="78" name="Group 77"/>
               <p:cNvGrpSpPr/>
               <p:nvPr/>
             </p:nvGrpSpPr>
             <p:grpSpPr>
               <a:xfrm>
-                <a:off x="8972700" y="2951638"/>
-                <a:ext cx="1315961" cy="1034728"/>
-                <a:chOff x="9020755" y="4809097"/>
-                <a:chExt cx="1315961" cy="1034728"/>
+                <a:off x="9535537" y="1716010"/>
+                <a:ext cx="2182901" cy="2285284"/>
+                <a:chOff x="8476758" y="1701082"/>
+                <a:chExt cx="2182901" cy="2285284"/>
               </a:xfrm>
             </p:grpSpPr>
             <p:grpSp>
               <p:nvGrpSpPr>
-                <p:cNvPr id="86" name="Group 85"/>
+                <p:cNvPr id="81" name="Group 80"/>
                 <p:cNvGrpSpPr/>
                 <p:nvPr/>
               </p:nvGrpSpPr>
               <p:grpSpPr>
                 <a:xfrm>
-                  <a:off x="9020755" y="4809097"/>
-                  <a:ext cx="1315961" cy="704036"/>
-                  <a:chOff x="6903479" y="4528364"/>
-                  <a:chExt cx="1315961" cy="704036"/>
+                  <a:off x="8972700" y="2951638"/>
+                  <a:ext cx="1315961" cy="1034728"/>
+                  <a:chOff x="9020755" y="4809097"/>
+                  <a:chExt cx="1315961" cy="1034728"/>
                 </a:xfrm>
               </p:grpSpPr>
-              <p:cxnSp>
-                <p:nvCxnSpPr>
-                  <p:cNvPr id="88" name="Straight Connector 87"/>
-                  <p:cNvCxnSpPr/>
+              <p:grpSp>
+                <p:nvGrpSpPr>
+                  <p:cNvPr id="86" name="Group 85"/>
+                  <p:cNvGrpSpPr/>
                   <p:nvPr/>
-                </p:nvCxnSpPr>
-                <p:spPr>
+                </p:nvGrpSpPr>
+                <p:grpSpPr>
                   <a:xfrm>
-                    <a:off x="7564120" y="4592320"/>
-                    <a:ext cx="0" cy="640080"/>
+                    <a:off x="9020755" y="4809097"/>
+                    <a:ext cx="1315961" cy="704036"/>
+                    <a:chOff x="6903479" y="4528364"/>
+                    <a:chExt cx="1315961" cy="704036"/>
                   </a:xfrm>
-                  <a:prstGeom prst="line">
-                    <a:avLst/>
-                  </a:prstGeom>
-                  <a:ln w="28575">
-                    <a:solidFill>
+                </p:grpSpPr>
+                <p:cxnSp>
+                  <p:nvCxnSpPr>
+                    <p:cNvPr id="88" name="Straight Connector 87"/>
+                    <p:cNvCxnSpPr/>
+                    <p:nvPr/>
+                  </p:nvCxnSpPr>
+                  <p:spPr>
+                    <a:xfrm>
+                      <a:off x="7564120" y="4592320"/>
+                      <a:ext cx="0" cy="640080"/>
+                    </a:xfrm>
+                    <a:prstGeom prst="line">
+                      <a:avLst/>
+                    </a:prstGeom>
+                    <a:ln w="28575">
+                      <a:solidFill>
+                        <a:schemeClr val="tx1"/>
+                      </a:solidFill>
+                    </a:ln>
+                  </p:spPr>
+                  <p:style>
+                    <a:lnRef idx="1">
+                      <a:schemeClr val="accent1"/>
+                    </a:lnRef>
+                    <a:fillRef idx="0">
+                      <a:schemeClr val="accent1"/>
+                    </a:fillRef>
+                    <a:effectRef idx="0">
+                      <a:schemeClr val="accent1"/>
+                    </a:effectRef>
+                    <a:fontRef idx="minor">
                       <a:schemeClr val="tx1"/>
-                    </a:solidFill>
-                  </a:ln>
-                </p:spPr>
-                <p:style>
-                  <a:lnRef idx="1">
-                    <a:schemeClr val="accent1"/>
-                  </a:lnRef>
-                  <a:fillRef idx="0">
-                    <a:schemeClr val="accent1"/>
-                  </a:fillRef>
-                  <a:effectRef idx="0">
-                    <a:schemeClr val="accent1"/>
-                  </a:effectRef>
-                  <a:fontRef idx="minor">
-                    <a:schemeClr val="tx1"/>
-                  </a:fontRef>
-                </p:style>
-              </p:cxnSp>
-              <p:cxnSp>
-                <p:nvCxnSpPr>
-                  <p:cNvPr id="89" name="Straight Connector 88"/>
-                  <p:cNvCxnSpPr/>
-                  <p:nvPr/>
-                </p:nvCxnSpPr>
-                <p:spPr>
-                  <a:xfrm>
-                    <a:off x="7685741" y="4787153"/>
-                    <a:ext cx="299" cy="236967"/>
-                  </a:xfrm>
-                  <a:prstGeom prst="line">
-                    <a:avLst/>
-                  </a:prstGeom>
-                  <a:ln w="28575">
-                    <a:solidFill>
+                    </a:fontRef>
+                  </p:style>
+                </p:cxnSp>
+                <p:cxnSp>
+                  <p:nvCxnSpPr>
+                    <p:cNvPr id="89" name="Straight Connector 88"/>
+                    <p:cNvCxnSpPr/>
+                    <p:nvPr/>
+                  </p:nvCxnSpPr>
+                  <p:spPr>
+                    <a:xfrm>
+                      <a:off x="7685741" y="4787153"/>
+                      <a:ext cx="299" cy="236967"/>
+                    </a:xfrm>
+                    <a:prstGeom prst="line">
+                      <a:avLst/>
+                    </a:prstGeom>
+                    <a:ln w="28575">
+                      <a:solidFill>
+                        <a:schemeClr val="tx1"/>
+                      </a:solidFill>
+                    </a:ln>
+                  </p:spPr>
+                  <p:style>
+                    <a:lnRef idx="1">
+                      <a:schemeClr val="accent1"/>
+                    </a:lnRef>
+                    <a:fillRef idx="0">
+                      <a:schemeClr val="accent1"/>
+                    </a:fillRef>
+                    <a:effectRef idx="0">
+                      <a:schemeClr val="accent1"/>
+                    </a:effectRef>
+                    <a:fontRef idx="minor">
                       <a:schemeClr val="tx1"/>
-                    </a:solidFill>
-                  </a:ln>
-                </p:spPr>
-                <p:style>
-                  <a:lnRef idx="1">
-                    <a:schemeClr val="accent1"/>
-                  </a:lnRef>
-                  <a:fillRef idx="0">
-                    <a:schemeClr val="accent1"/>
-                  </a:fillRef>
-                  <a:effectRef idx="0">
-                    <a:schemeClr val="accent1"/>
-                  </a:effectRef>
-                  <a:fontRef idx="minor">
-                    <a:schemeClr val="tx1"/>
-                  </a:fontRef>
-                </p:style>
-              </p:cxnSp>
-              <p:cxnSp>
-                <p:nvCxnSpPr>
-                  <p:cNvPr id="90" name="Straight Connector 89"/>
-                  <p:cNvCxnSpPr/>
-                  <p:nvPr/>
-                </p:nvCxnSpPr>
-                <p:spPr>
-                  <a:xfrm>
-                    <a:off x="7685741" y="4912360"/>
-                    <a:ext cx="533699" cy="0"/>
-                  </a:xfrm>
-                  <a:prstGeom prst="line">
-                    <a:avLst/>
-                  </a:prstGeom>
-                  <a:ln w="28575">
-                    <a:solidFill>
+                    </a:fontRef>
+                  </p:style>
+                </p:cxnSp>
+                <p:cxnSp>
+                  <p:nvCxnSpPr>
+                    <p:cNvPr id="90" name="Straight Connector 89"/>
+                    <p:cNvCxnSpPr/>
+                    <p:nvPr/>
+                  </p:nvCxnSpPr>
+                  <p:spPr>
+                    <a:xfrm>
+                      <a:off x="7685741" y="4912360"/>
+                      <a:ext cx="533699" cy="0"/>
+                    </a:xfrm>
+                    <a:prstGeom prst="line">
+                      <a:avLst/>
+                    </a:prstGeom>
+                    <a:ln w="28575">
+                      <a:solidFill>
+                        <a:schemeClr val="tx1"/>
+                      </a:solidFill>
+                    </a:ln>
+                  </p:spPr>
+                  <p:style>
+                    <a:lnRef idx="1">
+                      <a:schemeClr val="accent1"/>
+                    </a:lnRef>
+                    <a:fillRef idx="0">
+                      <a:schemeClr val="accent1"/>
+                    </a:fillRef>
+                    <a:effectRef idx="0">
+                      <a:schemeClr val="accent1"/>
+                    </a:effectRef>
+                    <a:fontRef idx="minor">
                       <a:schemeClr val="tx1"/>
-                    </a:solidFill>
-                  </a:ln>
-                </p:spPr>
-                <p:style>
-                  <a:lnRef idx="1">
-                    <a:schemeClr val="accent1"/>
-                  </a:lnRef>
-                  <a:fillRef idx="0">
-                    <a:schemeClr val="accent1"/>
-                  </a:fillRef>
-                  <a:effectRef idx="0">
-                    <a:schemeClr val="accent1"/>
-                  </a:effectRef>
-                  <a:fontRef idx="minor">
-                    <a:schemeClr val="tx1"/>
-                  </a:fontRef>
-                </p:style>
-              </p:cxnSp>
-              <p:cxnSp>
-                <p:nvCxnSpPr>
-                  <p:cNvPr id="91" name="Straight Connector 90"/>
-                  <p:cNvCxnSpPr/>
-                  <p:nvPr/>
-                </p:nvCxnSpPr>
-                <p:spPr>
-                  <a:xfrm>
-                    <a:off x="6903479" y="4905636"/>
-                    <a:ext cx="660641" cy="6724"/>
-                  </a:xfrm>
-                  <a:prstGeom prst="line">
-                    <a:avLst/>
-                  </a:prstGeom>
-                  <a:ln w="28575">
-                    <a:solidFill>
+                    </a:fontRef>
+                  </p:style>
+                </p:cxnSp>
+                <p:cxnSp>
+                  <p:nvCxnSpPr>
+                    <p:cNvPr id="91" name="Straight Connector 90"/>
+                    <p:cNvCxnSpPr/>
+                    <p:nvPr/>
+                  </p:nvCxnSpPr>
+                  <p:spPr>
+                    <a:xfrm>
+                      <a:off x="6903479" y="4905636"/>
+                      <a:ext cx="660641" cy="6724"/>
+                    </a:xfrm>
+                    <a:prstGeom prst="line">
+                      <a:avLst/>
+                    </a:prstGeom>
+                    <a:ln w="28575">
+                      <a:solidFill>
+                        <a:schemeClr val="tx1"/>
+                      </a:solidFill>
+                    </a:ln>
+                  </p:spPr>
+                  <p:style>
+                    <a:lnRef idx="1">
+                      <a:schemeClr val="accent1"/>
+                    </a:lnRef>
+                    <a:fillRef idx="0">
+                      <a:schemeClr val="accent1"/>
+                    </a:fillRef>
+                    <a:effectRef idx="0">
+                      <a:schemeClr val="accent1"/>
+                    </a:effectRef>
+                    <a:fontRef idx="minor">
                       <a:schemeClr val="tx1"/>
-                    </a:solidFill>
-                  </a:ln>
-                </p:spPr>
-                <p:style>
-                  <a:lnRef idx="1">
-                    <a:schemeClr val="accent1"/>
-                  </a:lnRef>
-                  <a:fillRef idx="0">
-                    <a:schemeClr val="accent1"/>
-                  </a:fillRef>
-                  <a:effectRef idx="0">
-                    <a:schemeClr val="accent1"/>
-                  </a:effectRef>
-                  <a:fontRef idx="minor">
-                    <a:schemeClr val="tx1"/>
-                  </a:fontRef>
-                </p:style>
-              </p:cxnSp>
+                    </a:fontRef>
+                  </p:style>
+                </p:cxnSp>
+                <mc:AlternateContent xmlns:mc="http://schemas.openxmlformats.org/markup-compatibility/2006" xmlns:a14="http://schemas.microsoft.com/office/drawing/2010/main">
+                  <mc:Choice Requires="a14">
+                    <p:sp>
+                      <p:nvSpPr>
+                        <p:cNvPr id="92" name="TextBox 91"/>
+                        <p:cNvSpPr txBox="1"/>
+                        <p:nvPr/>
+                      </p:nvSpPr>
+                      <p:spPr>
+                        <a:xfrm>
+                          <a:off x="7252112" y="4528365"/>
+                          <a:ext cx="237244" cy="276999"/>
+                        </a:xfrm>
+                        <a:prstGeom prst="rect">
+                          <a:avLst/>
+                        </a:prstGeom>
+                        <a:noFill/>
+                      </p:spPr>
+                      <p:txBody>
+                        <a:bodyPr wrap="none" lIns="0" tIns="0" rIns="0" bIns="0" rtlCol="0">
+                          <a:spAutoFit/>
+                        </a:bodyPr>
+                        <a:lstStyle/>
+                        <a:p>
+                          <a:pPr/>
+                          <a14:m>
+                            <m:oMathPara xmlns:m="http://schemas.openxmlformats.org/officeDocument/2006/math">
+                              <m:oMathParaPr>
+                                <m:jc m:val="centerGroup"/>
+                              </m:oMathParaPr>
+                              <m:oMath xmlns:m="http://schemas.openxmlformats.org/officeDocument/2006/math">
+                                <m:r>
+                                  <a:rPr lang="en-US" b="0" i="1" smtClean="0">
+                                    <a:latin typeface="Cambria Math" panose="02040503050406030204" pitchFamily="18" charset="0"/>
+                                    <a:cs typeface="Arial" panose="020B0604020202020204" pitchFamily="34" charset="0"/>
+                                  </a:rPr>
+                                  <m:t>+</m:t>
+                                </m:r>
+                              </m:oMath>
+                            </m:oMathPara>
+                          </a14:m>
+                          <a:endParaRPr lang="en-US" dirty="0">
+                            <a:latin typeface="Arial" panose="020B0604020202020204" pitchFamily="34" charset="0"/>
+                            <a:cs typeface="Arial" panose="020B0604020202020204" pitchFamily="34" charset="0"/>
+                          </a:endParaRPr>
+                        </a:p>
+                      </p:txBody>
+                    </p:sp>
+                  </mc:Choice>
+                  <mc:Fallback xmlns="">
+                    <p:sp>
+                      <p:nvSpPr>
+                        <p:cNvPr id="110" name="TextBox 109"/>
+                        <p:cNvSpPr txBox="1">
+                          <a:spLocks noRot="1" noChangeAspect="1" noMove="1" noResize="1" noEditPoints="1" noAdjustHandles="1" noChangeArrowheads="1" noChangeShapeType="1" noTextEdit="1"/>
+                        </p:cNvSpPr>
+                        <p:nvPr/>
+                      </p:nvSpPr>
+                      <p:spPr>
+                        <a:xfrm>
+                          <a:off x="7252112" y="4528365"/>
+                          <a:ext cx="237244" cy="276999"/>
+                        </a:xfrm>
+                        <a:prstGeom prst="rect">
+                          <a:avLst/>
+                        </a:prstGeom>
+                        <a:blipFill>
+                          <a:blip r:embed="rId30"/>
+                          <a:stretch>
+                            <a:fillRect l="-20513" r="-15385" b="-8889"/>
+                          </a:stretch>
+                        </a:blipFill>
+                      </p:spPr>
+                      <p:txBody>
+                        <a:bodyPr/>
+                        <a:lstStyle/>
+                        <a:p>
+                          <a:r>
+                            <a:rPr lang="en-US">
+                              <a:noFill/>
+                            </a:rPr>
+                            <a:t> </a:t>
+                          </a:r>
+                        </a:p>
+                      </p:txBody>
+                    </p:sp>
+                  </mc:Fallback>
+                </mc:AlternateContent>
+                <mc:AlternateContent xmlns:mc="http://schemas.openxmlformats.org/markup-compatibility/2006" xmlns:a14="http://schemas.microsoft.com/office/drawing/2010/main">
+                  <mc:Choice Requires="a14">
+                    <p:sp>
+                      <p:nvSpPr>
+                        <p:cNvPr id="93" name="TextBox 92"/>
+                        <p:cNvSpPr txBox="1"/>
+                        <p:nvPr/>
+                      </p:nvSpPr>
+                      <p:spPr>
+                        <a:xfrm>
+                          <a:off x="7685741" y="4528364"/>
+                          <a:ext cx="237244" cy="276999"/>
+                        </a:xfrm>
+                        <a:prstGeom prst="rect">
+                          <a:avLst/>
+                        </a:prstGeom>
+                        <a:noFill/>
+                      </p:spPr>
+                      <p:txBody>
+                        <a:bodyPr wrap="none" lIns="0" tIns="0" rIns="0" bIns="0" rtlCol="0">
+                          <a:spAutoFit/>
+                        </a:bodyPr>
+                        <a:lstStyle/>
+                        <a:p>
+                          <a:pPr/>
+                          <a14:m>
+                            <m:oMathPara xmlns:m="http://schemas.openxmlformats.org/officeDocument/2006/math">
+                              <m:oMathParaPr>
+                                <m:jc m:val="centerGroup"/>
+                              </m:oMathParaPr>
+                              <m:oMath xmlns:m="http://schemas.openxmlformats.org/officeDocument/2006/math">
+                                <m:r>
+                                  <a:rPr lang="en-US" b="0" i="1" smtClean="0">
+                                    <a:latin typeface="Cambria Math" panose="02040503050406030204" pitchFamily="18" charset="0"/>
+                                    <a:cs typeface="Arial" panose="020B0604020202020204" pitchFamily="34" charset="0"/>
+                                  </a:rPr>
+                                  <m:t>−</m:t>
+                                </m:r>
+                              </m:oMath>
+                            </m:oMathPara>
+                          </a14:m>
+                          <a:endParaRPr lang="en-US" dirty="0">
+                            <a:latin typeface="Arial" panose="020B0604020202020204" pitchFamily="34" charset="0"/>
+                            <a:cs typeface="Arial" panose="020B0604020202020204" pitchFamily="34" charset="0"/>
+                          </a:endParaRPr>
+                        </a:p>
+                      </p:txBody>
+                    </p:sp>
+                  </mc:Choice>
+                  <mc:Fallback xmlns="">
+                    <p:sp>
+                      <p:nvSpPr>
+                        <p:cNvPr id="111" name="TextBox 110"/>
+                        <p:cNvSpPr txBox="1">
+                          <a:spLocks noRot="1" noChangeAspect="1" noMove="1" noResize="1" noEditPoints="1" noAdjustHandles="1" noChangeArrowheads="1" noChangeShapeType="1" noTextEdit="1"/>
+                        </p:cNvSpPr>
+                        <p:nvPr/>
+                      </p:nvSpPr>
+                      <p:spPr>
+                        <a:xfrm>
+                          <a:off x="7685741" y="4528364"/>
+                          <a:ext cx="237244" cy="276999"/>
+                        </a:xfrm>
+                        <a:prstGeom prst="rect">
+                          <a:avLst/>
+                        </a:prstGeom>
+                        <a:blipFill>
+                          <a:blip r:embed="rId31"/>
+                          <a:stretch>
+                            <a:fillRect l="-2564" r="-2564"/>
+                          </a:stretch>
+                        </a:blipFill>
+                      </p:spPr>
+                      <p:txBody>
+                        <a:bodyPr/>
+                        <a:lstStyle/>
+                        <a:p>
+                          <a:r>
+                            <a:rPr lang="en-US">
+                              <a:noFill/>
+                            </a:rPr>
+                            <a:t> </a:t>
+                          </a:r>
+                        </a:p>
+                      </p:txBody>
+                    </p:sp>
+                  </mc:Fallback>
+                </mc:AlternateContent>
+              </p:grpSp>
               <mc:AlternateContent xmlns:mc="http://schemas.openxmlformats.org/markup-compatibility/2006" xmlns:a14="http://schemas.microsoft.com/office/drawing/2010/main">
                 <mc:Choice Requires="a14">
                   <p:sp>
                     <p:nvSpPr>
-                      <p:cNvPr id="92" name="TextBox 91"/>
-                      <p:cNvSpPr txBox="1"/>
+                      <p:cNvPr id="87" name="Rectangle 86"/>
+                      <p:cNvSpPr/>
                       <p:nvPr/>
                     </p:nvSpPr>
                     <p:spPr>
                       <a:xfrm>
-                        <a:off x="7252112" y="4528365"/>
-                        <a:ext cx="237244" cy="276999"/>
+                        <a:off x="9511301" y="5474493"/>
+                        <a:ext cx="527003" cy="369332"/>
                       </a:xfrm>
                       <a:prstGeom prst="rect">
                         <a:avLst/>
                       </a:prstGeom>
-                      <a:noFill/>
                     </p:spPr>
                     <p:txBody>
-                      <a:bodyPr wrap="none" lIns="0" tIns="0" rIns="0" bIns="0" rtlCol="0">
+                      <a:bodyPr wrap="none">
                         <a:spAutoFit/>
                       </a:bodyPr>
                       <a:lstStyle/>
@@ -50266,19 +50883,26 @@
                             </m:oMathParaPr>
                             <m:oMath xmlns:m="http://schemas.openxmlformats.org/officeDocument/2006/math">
                               <m:r>
-                                <a:rPr lang="en-US" b="0" i="1" smtClean="0">
+                                <m:rPr>
+                                  <m:sty m:val="p"/>
+                                </m:rPr>
+                                <a:rPr lang="en-US">
                                   <a:latin typeface="Cambria Math" panose="02040503050406030204" pitchFamily="18" charset="0"/>
-                                  <a:cs typeface="Arial" panose="020B0604020202020204" pitchFamily="34" charset="0"/>
+                                  <a:sym typeface="Wingdings" panose="05000000000000000000" pitchFamily="2" charset="2"/>
                                 </a:rPr>
-                                <m:t>+</m:t>
+                                <m:t>Δ</m:t>
+                              </m:r>
+                              <m:r>
+                                <a:rPr lang="en-US" i="1">
+                                  <a:latin typeface="Cambria Math" panose="02040503050406030204" pitchFamily="18" charset="0"/>
+                                  <a:sym typeface="Wingdings" panose="05000000000000000000" pitchFamily="2" charset="2"/>
+                                </a:rPr>
+                                <m:t>𝑉</m:t>
                               </m:r>
                             </m:oMath>
                           </m:oMathPara>
                         </a14:m>
-                        <a:endParaRPr lang="en-US" dirty="0">
-                          <a:latin typeface="Arial" panose="020B0604020202020204" pitchFamily="34" charset="0"/>
-                          <a:cs typeface="Arial" panose="020B0604020202020204" pitchFamily="34" charset="0"/>
-                        </a:endParaRPr>
+                        <a:endParaRPr lang="en-US" dirty="0"/>
                       </a:p>
                     </p:txBody>
                   </p:sp>
@@ -50286,112 +50910,24 @@
                 <mc:Fallback xmlns="">
                   <p:sp>
                     <p:nvSpPr>
-                      <p:cNvPr id="110" name="TextBox 109"/>
-                      <p:cNvSpPr txBox="1">
+                      <p:cNvPr id="2" name="Rectangle 1"/>
+                      <p:cNvSpPr>
                         <a:spLocks noRot="1" noChangeAspect="1" noMove="1" noResize="1" noEditPoints="1" noAdjustHandles="1" noChangeArrowheads="1" noChangeShapeType="1" noTextEdit="1"/>
                       </p:cNvSpPr>
                       <p:nvPr/>
                     </p:nvSpPr>
                     <p:spPr>
                       <a:xfrm>
-                        <a:off x="7252112" y="4528365"/>
-                        <a:ext cx="237244" cy="276999"/>
+                        <a:off x="9511301" y="5474493"/>
+                        <a:ext cx="527003" cy="369332"/>
                       </a:xfrm>
                       <a:prstGeom prst="rect">
                         <a:avLst/>
                       </a:prstGeom>
                       <a:blipFill>
-                        <a:blip r:embed="rId30"/>
+                        <a:blip r:embed="rId32"/>
                         <a:stretch>
-                          <a:fillRect l="-20513" r="-15385" b="-8889"/>
-                        </a:stretch>
-                      </a:blipFill>
-                    </p:spPr>
-                    <p:txBody>
-                      <a:bodyPr/>
-                      <a:lstStyle/>
-                      <a:p>
-                        <a:r>
-                          <a:rPr lang="en-US">
-                            <a:noFill/>
-                          </a:rPr>
-                          <a:t> </a:t>
-                        </a:r>
-                      </a:p>
-                    </p:txBody>
-                  </p:sp>
-                </mc:Fallback>
-              </mc:AlternateContent>
-              <mc:AlternateContent xmlns:mc="http://schemas.openxmlformats.org/markup-compatibility/2006" xmlns:a14="http://schemas.microsoft.com/office/drawing/2010/main">
-                <mc:Choice Requires="a14">
-                  <p:sp>
-                    <p:nvSpPr>
-                      <p:cNvPr id="93" name="TextBox 92"/>
-                      <p:cNvSpPr txBox="1"/>
-                      <p:nvPr/>
-                    </p:nvSpPr>
-                    <p:spPr>
-                      <a:xfrm>
-                        <a:off x="7685741" y="4528364"/>
-                        <a:ext cx="237244" cy="276999"/>
-                      </a:xfrm>
-                      <a:prstGeom prst="rect">
-                        <a:avLst/>
-                      </a:prstGeom>
-                      <a:noFill/>
-                    </p:spPr>
-                    <p:txBody>
-                      <a:bodyPr wrap="none" lIns="0" tIns="0" rIns="0" bIns="0" rtlCol="0">
-                        <a:spAutoFit/>
-                      </a:bodyPr>
-                      <a:lstStyle/>
-                      <a:p>
-                        <a:pPr/>
-                        <a14:m>
-                          <m:oMathPara xmlns:m="http://schemas.openxmlformats.org/officeDocument/2006/math">
-                            <m:oMathParaPr>
-                              <m:jc m:val="centerGroup"/>
-                            </m:oMathParaPr>
-                            <m:oMath xmlns:m="http://schemas.openxmlformats.org/officeDocument/2006/math">
-                              <m:r>
-                                <a:rPr lang="en-US" b="0" i="1" smtClean="0">
-                                  <a:latin typeface="Cambria Math" panose="02040503050406030204" pitchFamily="18" charset="0"/>
-                                  <a:cs typeface="Arial" panose="020B0604020202020204" pitchFamily="34" charset="0"/>
-                                </a:rPr>
-                                <m:t>−</m:t>
-                              </m:r>
-                            </m:oMath>
-                          </m:oMathPara>
-                        </a14:m>
-                        <a:endParaRPr lang="en-US" dirty="0">
-                          <a:latin typeface="Arial" panose="020B0604020202020204" pitchFamily="34" charset="0"/>
-                          <a:cs typeface="Arial" panose="020B0604020202020204" pitchFamily="34" charset="0"/>
-                        </a:endParaRPr>
-                      </a:p>
-                    </p:txBody>
-                  </p:sp>
-                </mc:Choice>
-                <mc:Fallback xmlns="">
-                  <p:sp>
-                    <p:nvSpPr>
-                      <p:cNvPr id="111" name="TextBox 110"/>
-                      <p:cNvSpPr txBox="1">
-                        <a:spLocks noRot="1" noChangeAspect="1" noMove="1" noResize="1" noEditPoints="1" noAdjustHandles="1" noChangeArrowheads="1" noChangeShapeType="1" noTextEdit="1"/>
-                      </p:cNvSpPr>
-                      <p:nvPr/>
-                    </p:nvSpPr>
-                    <p:spPr>
-                      <a:xfrm>
-                        <a:off x="7685741" y="4528364"/>
-                        <a:ext cx="237244" cy="276999"/>
-                      </a:xfrm>
-                      <a:prstGeom prst="rect">
-                        <a:avLst/>
-                      </a:prstGeom>
-                      <a:blipFill>
-                        <a:blip r:embed="rId31"/>
-                        <a:stretch>
-                          <a:fillRect l="-2564" r="-2564"/>
+                          <a:fillRect/>
                         </a:stretch>
                       </a:blipFill>
                     </p:spPr>
@@ -50411,18 +50947,88 @@
                 </mc:Fallback>
               </mc:AlternateContent>
             </p:grpSp>
+            <p:cxnSp>
+              <p:nvCxnSpPr>
+                <p:cNvPr id="82" name="Straight Connector 81"/>
+                <p:cNvCxnSpPr/>
+                <p:nvPr/>
+              </p:nvCxnSpPr>
+              <p:spPr>
+                <a:xfrm flipV="1">
+                  <a:off x="8972700" y="1718919"/>
+                  <a:ext cx="0" cy="1603314"/>
+                </a:xfrm>
+                <a:prstGeom prst="line">
+                  <a:avLst/>
+                </a:prstGeom>
+                <a:ln w="38100">
+                  <a:solidFill>
+                    <a:schemeClr val="tx1"/>
+                  </a:solidFill>
+                </a:ln>
+              </p:spPr>
+              <p:style>
+                <a:lnRef idx="1">
+                  <a:schemeClr val="accent1"/>
+                </a:lnRef>
+                <a:fillRef idx="0">
+                  <a:schemeClr val="accent1"/>
+                </a:fillRef>
+                <a:effectRef idx="0">
+                  <a:schemeClr val="accent1"/>
+                </a:effectRef>
+                <a:fontRef idx="minor">
+                  <a:schemeClr val="tx1"/>
+                </a:fontRef>
+              </p:style>
+            </p:cxnSp>
+            <p:cxnSp>
+              <p:nvCxnSpPr>
+                <p:cNvPr id="83" name="Straight Connector 82"/>
+                <p:cNvCxnSpPr/>
+                <p:nvPr/>
+              </p:nvCxnSpPr>
+              <p:spPr>
+                <a:xfrm flipH="1" flipV="1">
+                  <a:off x="10309425" y="1701082"/>
+                  <a:ext cx="300" cy="1664594"/>
+                </a:xfrm>
+                <a:prstGeom prst="line">
+                  <a:avLst/>
+                </a:prstGeom>
+                <a:ln w="38100">
+                  <a:solidFill>
+                    <a:schemeClr val="tx1"/>
+                  </a:solidFill>
+                </a:ln>
+              </p:spPr>
+              <p:style>
+                <a:lnRef idx="1">
+                  <a:schemeClr val="accent1"/>
+                </a:lnRef>
+                <a:fillRef idx="0">
+                  <a:schemeClr val="accent1"/>
+                </a:fillRef>
+                <a:effectRef idx="0">
+                  <a:schemeClr val="accent1"/>
+                </a:effectRef>
+                <a:fontRef idx="minor">
+                  <a:schemeClr val="tx1"/>
+                </a:fontRef>
+              </p:style>
+            </p:cxnSp>
             <mc:AlternateContent xmlns:mc="http://schemas.openxmlformats.org/markup-compatibility/2006" xmlns:a14="http://schemas.microsoft.com/office/drawing/2010/main">
               <mc:Choice Requires="a14">
                 <p:sp>
                   <p:nvSpPr>
-                    <p:cNvPr id="87" name="Rectangle 86"/>
+                    <p:cNvPr id="84" name="Rectangle 83"/>
                     <p:cNvSpPr/>
                     <p:nvPr/>
                   </p:nvSpPr>
                   <p:spPr>
                     <a:xfrm>
-                      <a:off x="9511301" y="5474493"/>
-                      <a:ext cx="527003" cy="369332"/>
+                      <a:off x="8476758" y="1912604"/>
+                      <a:ext cx="391774" cy="369332"/>
                     </a:xfrm>
                     <a:prstGeom prst="rect">
                       <a:avLst/>
@@ -50442,21 +51048,11 @@
                           </m:oMathParaPr>
                           <m:oMath xmlns:m="http://schemas.openxmlformats.org/officeDocument/2006/math">
                             <m:r>
-                              <m:rPr>
-                                <m:sty m:val="p"/>
-                              </m:rPr>
-                              <a:rPr lang="en-US">
+                              <a:rPr lang="en-US" b="0" i="1" smtClean="0">
                                 <a:latin typeface="Cambria Math" panose="02040503050406030204" pitchFamily="18" charset="0"/>
                                 <a:sym typeface="Wingdings" panose="05000000000000000000" pitchFamily="2" charset="2"/>
                               </a:rPr>
-                              <m:t>Δ</m:t>
-                            </m:r>
-                            <m:r>
-                              <a:rPr lang="en-US" i="1">
-                                <a:latin typeface="Cambria Math" panose="02040503050406030204" pitchFamily="18" charset="0"/>
-                                <a:sym typeface="Wingdings" panose="05000000000000000000" pitchFamily="2" charset="2"/>
-                              </a:rPr>
-                              <m:t>𝑉</m:t>
+                              <m:t>𝑅</m:t>
                             </m:r>
                           </m:oMath>
                         </m:oMathPara>
@@ -50469,7 +51065,7 @@
               <mc:Fallback xmlns="">
                 <p:sp>
                   <p:nvSpPr>
-                    <p:cNvPr id="2" name="Rectangle 1"/>
+                    <p:cNvPr id="84" name="Rectangle 83"/>
                     <p:cNvSpPr>
                       <a:spLocks noRot="1" noChangeAspect="1" noMove="1" noResize="1" noEditPoints="1" noAdjustHandles="1" noChangeArrowheads="1" noChangeShapeType="1" noTextEdit="1"/>
                     </p:cNvSpPr>
@@ -50477,14 +51073,98 @@
                   </p:nvSpPr>
                   <p:spPr>
                     <a:xfrm>
-                      <a:off x="9511301" y="5474493"/>
-                      <a:ext cx="527003" cy="369332"/>
+                      <a:off x="8476758" y="1912604"/>
+                      <a:ext cx="391774" cy="369332"/>
                     </a:xfrm>
                     <a:prstGeom prst="rect">
                       <a:avLst/>
                     </a:prstGeom>
                     <a:blipFill>
-                      <a:blip r:embed="rId32"/>
+                      <a:blip r:embed="rId33"/>
+                      <a:stretch>
+                        <a:fillRect/>
+                      </a:stretch>
+                    </a:blipFill>
+                  </p:spPr>
+                  <p:txBody>
+                    <a:bodyPr/>
+                    <a:lstStyle/>
+                    <a:p>
+                      <a:r>
+                        <a:rPr lang="en-US">
+                          <a:noFill/>
+                        </a:rPr>
+                        <a:t> </a:t>
+                      </a:r>
+                    </a:p>
+                  </p:txBody>
+                </p:sp>
+              </mc:Fallback>
+            </mc:AlternateContent>
+            <mc:AlternateContent xmlns:mc="http://schemas.openxmlformats.org/markup-compatibility/2006" xmlns:a14="http://schemas.microsoft.com/office/drawing/2010/main">
+              <mc:Choice Requires="a14">
+                <p:sp>
+                  <p:nvSpPr>
+                    <p:cNvPr id="85" name="Rectangle 84"/>
+                    <p:cNvSpPr/>
+                    <p:nvPr/>
+                  </p:nvSpPr>
+                  <p:spPr>
+                    <a:xfrm>
+                      <a:off x="10267885" y="1928147"/>
+                      <a:ext cx="391774" cy="369332"/>
+                    </a:xfrm>
+                    <a:prstGeom prst="rect">
+                      <a:avLst/>
+                    </a:prstGeom>
+                  </p:spPr>
+                  <p:txBody>
+                    <a:bodyPr wrap="none">
+                      <a:spAutoFit/>
+                    </a:bodyPr>
+                    <a:lstStyle/>
+                    <a:p>
+                      <a:pPr/>
+                      <a14:m>
+                        <m:oMathPara xmlns:m="http://schemas.openxmlformats.org/officeDocument/2006/math">
+                          <m:oMathParaPr>
+                            <m:jc m:val="centerGroup"/>
+                          </m:oMathParaPr>
+                          <m:oMath xmlns:m="http://schemas.openxmlformats.org/officeDocument/2006/math">
+                            <m:r>
+                              <a:rPr lang="en-US" b="0" i="1" smtClean="0">
+                                <a:latin typeface="Cambria Math" panose="02040503050406030204" pitchFamily="18" charset="0"/>
+                                <a:sym typeface="Wingdings" panose="05000000000000000000" pitchFamily="2" charset="2"/>
+                              </a:rPr>
+                              <m:t>𝑅</m:t>
+                            </m:r>
+                          </m:oMath>
+                        </m:oMathPara>
+                      </a14:m>
+                      <a:endParaRPr lang="en-US" dirty="0"/>
+                    </a:p>
+                  </p:txBody>
+                </p:sp>
+              </mc:Choice>
+              <mc:Fallback xmlns="">
+                <p:sp>
+                  <p:nvSpPr>
+                    <p:cNvPr id="85" name="Rectangle 84"/>
+                    <p:cNvSpPr>
+                      <a:spLocks noRot="1" noChangeAspect="1" noMove="1" noResize="1" noEditPoints="1" noAdjustHandles="1" noChangeArrowheads="1" noChangeShapeType="1" noTextEdit="1"/>
+                    </p:cNvSpPr>
+                    <p:nvPr/>
+                  </p:nvSpPr>
+                  <p:spPr>
+                    <a:xfrm>
+                      <a:off x="10267885" y="1928147"/>
+                      <a:ext cx="391774" cy="369332"/>
+                    </a:xfrm>
+                    <a:prstGeom prst="rect">
+                      <a:avLst/>
+                    </a:prstGeom>
+                    <a:blipFill>
+                      <a:blip r:embed="rId34"/>
                       <a:stretch>
                         <a:fillRect/>
                       </a:stretch>
@@ -50506,324 +51186,122 @@
               </mc:Fallback>
             </mc:AlternateContent>
           </p:grpSp>
-          <p:cxnSp>
-            <p:nvCxnSpPr>
-              <p:cNvPr id="82" name="Straight Connector 81"/>
-              <p:cNvCxnSpPr/>
+          <p:sp>
+            <p:nvSpPr>
+              <p:cNvPr id="79" name="Rectangle 78"/>
+              <p:cNvSpPr/>
               <p:nvPr/>
-            </p:nvCxnSpPr>
+            </p:nvSpPr>
             <p:spPr>
-              <a:xfrm flipV="1">
-                <a:off x="8972700" y="1718919"/>
-                <a:ext cx="0" cy="1603314"/>
+              <a:xfrm>
+                <a:off x="10201840" y="2780135"/>
+                <a:ext cx="1044744" cy="1217454"/>
               </a:xfrm>
-              <a:prstGeom prst="line">
+              <a:prstGeom prst="rect">
                 <a:avLst/>
               </a:prstGeom>
-              <a:ln w="38100">
+              <a:noFill/>
+              <a:ln w="28575">
                 <a:solidFill>
                   <a:schemeClr val="tx1"/>
                 </a:solidFill>
+                <a:prstDash val="dash"/>
               </a:ln>
             </p:spPr>
             <p:style>
-              <a:lnRef idx="1">
-                <a:schemeClr val="accent1"/>
+              <a:lnRef idx="2">
+                <a:schemeClr val="accent1">
+                  <a:shade val="50000"/>
+                </a:schemeClr>
               </a:lnRef>
-              <a:fillRef idx="0">
+              <a:fillRef idx="1">
                 <a:schemeClr val="accent1"/>
               </a:fillRef>
               <a:effectRef idx="0">
                 <a:schemeClr val="accent1"/>
               </a:effectRef>
               <a:fontRef idx="minor">
-                <a:schemeClr val="tx1"/>
+                <a:schemeClr val="lt1"/>
               </a:fontRef>
             </p:style>
-          </p:cxnSp>
-          <p:cxnSp>
-            <p:nvCxnSpPr>
-              <p:cNvPr id="83" name="Straight Connector 82"/>
-              <p:cNvCxnSpPr/>
+            <p:txBody>
+              <a:bodyPr rtlCol="0" anchor="ctr"/>
+              <a:lstStyle/>
+              <a:p>
+                <a:pPr algn="ctr"/>
+                <a:endParaRPr lang="en-US"/>
+              </a:p>
+            </p:txBody>
+          </p:sp>
+          <p:sp>
+            <p:nvSpPr>
+              <p:cNvPr id="80" name="TextBox 79"/>
+              <p:cNvSpPr txBox="1"/>
               <p:nvPr/>
-            </p:nvCxnSpPr>
+            </p:nvSpPr>
             <p:spPr>
-              <a:xfrm flipH="1" flipV="1">
-                <a:off x="10309425" y="1701082"/>
-                <a:ext cx="300" cy="1664594"/>
+              <a:xfrm>
+                <a:off x="10004985" y="4117534"/>
+                <a:ext cx="1561081" cy="369332"/>
               </a:xfrm>
-              <a:prstGeom prst="line">
+              <a:prstGeom prst="rect">
                 <a:avLst/>
               </a:prstGeom>
-              <a:ln w="38100">
-                <a:solidFill>
-                  <a:schemeClr val="tx1"/>
-                </a:solidFill>
-              </a:ln>
+              <a:noFill/>
             </p:spPr>
-            <p:style>
-              <a:lnRef idx="1">
-                <a:schemeClr val="accent1"/>
-              </a:lnRef>
-              <a:fillRef idx="0">
-                <a:schemeClr val="accent1"/>
-              </a:fillRef>
-              <a:effectRef idx="0">
-                <a:schemeClr val="accent1"/>
-              </a:effectRef>
-              <a:fontRef idx="minor">
-                <a:schemeClr val="tx1"/>
-              </a:fontRef>
-            </p:style>
-          </p:cxnSp>
-          <mc:AlternateContent xmlns:mc="http://schemas.openxmlformats.org/markup-compatibility/2006" xmlns:a14="http://schemas.microsoft.com/office/drawing/2010/main">
-            <mc:Choice Requires="a14">
-              <p:sp>
-                <p:nvSpPr>
-                  <p:cNvPr id="84" name="Rectangle 83"/>
-                  <p:cNvSpPr/>
-                  <p:nvPr/>
-                </p:nvSpPr>
-                <p:spPr>
-                  <a:xfrm>
-                    <a:off x="8476758" y="1912604"/>
-                    <a:ext cx="391774" cy="369332"/>
-                  </a:xfrm>
-                  <a:prstGeom prst="rect">
-                    <a:avLst/>
-                  </a:prstGeom>
-                </p:spPr>
-                <p:txBody>
-                  <a:bodyPr wrap="none">
-                    <a:spAutoFit/>
-                  </a:bodyPr>
-                  <a:lstStyle/>
-                  <a:p>
-                    <a:pPr/>
-                    <a14:m>
-                      <m:oMathPara xmlns:m="http://schemas.openxmlformats.org/officeDocument/2006/math">
-                        <m:oMathParaPr>
-                          <m:jc m:val="centerGroup"/>
-                        </m:oMathParaPr>
-                        <m:oMath xmlns:m="http://schemas.openxmlformats.org/officeDocument/2006/math">
-                          <m:r>
-                            <a:rPr lang="en-US" b="0" i="1" smtClean="0">
-                              <a:latin typeface="Cambria Math" panose="02040503050406030204" pitchFamily="18" charset="0"/>
-                              <a:sym typeface="Wingdings" panose="05000000000000000000" pitchFamily="2" charset="2"/>
-                            </a:rPr>
-                            <m:t>𝑅</m:t>
-                          </m:r>
-                        </m:oMath>
-                      </m:oMathPara>
-                    </a14:m>
-                    <a:endParaRPr lang="en-US" dirty="0"/>
-                  </a:p>
-                </p:txBody>
-              </p:sp>
-            </mc:Choice>
-            <mc:Fallback xmlns="">
-              <p:sp>
-                <p:nvSpPr>
-                  <p:cNvPr id="84" name="Rectangle 83"/>
-                  <p:cNvSpPr>
-                    <a:spLocks noRot="1" noChangeAspect="1" noMove="1" noResize="1" noEditPoints="1" noAdjustHandles="1" noChangeArrowheads="1" noChangeShapeType="1" noTextEdit="1"/>
-                  </p:cNvSpPr>
-                  <p:nvPr/>
-                </p:nvSpPr>
-                <p:spPr>
-                  <a:xfrm>
-                    <a:off x="8476758" y="1912604"/>
-                    <a:ext cx="391774" cy="369332"/>
-                  </a:xfrm>
-                  <a:prstGeom prst="rect">
-                    <a:avLst/>
-                  </a:prstGeom>
-                  <a:blipFill>
-                    <a:blip r:embed="rId33"/>
-                    <a:stretch>
-                      <a:fillRect/>
-                    </a:stretch>
-                  </a:blipFill>
-                </p:spPr>
-                <p:txBody>
-                  <a:bodyPr/>
-                  <a:lstStyle/>
-                  <a:p>
-                    <a:r>
-                      <a:rPr lang="en-US">
-                        <a:noFill/>
-                      </a:rPr>
-                      <a:t> </a:t>
-                    </a:r>
-                  </a:p>
-                </p:txBody>
-              </p:sp>
-            </mc:Fallback>
-          </mc:AlternateContent>
-          <mc:AlternateContent xmlns:mc="http://schemas.openxmlformats.org/markup-compatibility/2006" xmlns:a14="http://schemas.microsoft.com/office/drawing/2010/main">
-            <mc:Choice Requires="a14">
-              <p:sp>
-                <p:nvSpPr>
-                  <p:cNvPr id="85" name="Rectangle 84"/>
-                  <p:cNvSpPr/>
-                  <p:nvPr/>
-                </p:nvSpPr>
-                <p:spPr>
-                  <a:xfrm>
-                    <a:off x="10267885" y="1928147"/>
-                    <a:ext cx="391774" cy="369332"/>
-                  </a:xfrm>
-                  <a:prstGeom prst="rect">
-                    <a:avLst/>
-                  </a:prstGeom>
-                </p:spPr>
-                <p:txBody>
-                  <a:bodyPr wrap="none">
-                    <a:spAutoFit/>
-                  </a:bodyPr>
-                  <a:lstStyle/>
-                  <a:p>
-                    <a:pPr/>
-                    <a14:m>
-                      <m:oMathPara xmlns:m="http://schemas.openxmlformats.org/officeDocument/2006/math">
-                        <m:oMathParaPr>
-                          <m:jc m:val="centerGroup"/>
-                        </m:oMathParaPr>
-                        <m:oMath xmlns:m="http://schemas.openxmlformats.org/officeDocument/2006/math">
-                          <m:r>
-                            <a:rPr lang="en-US" b="0" i="1" smtClean="0">
-                              <a:latin typeface="Cambria Math" panose="02040503050406030204" pitchFamily="18" charset="0"/>
-                              <a:sym typeface="Wingdings" panose="05000000000000000000" pitchFamily="2" charset="2"/>
-                            </a:rPr>
-                            <m:t>𝑅</m:t>
-                          </m:r>
-                        </m:oMath>
-                      </m:oMathPara>
-                    </a14:m>
-                    <a:endParaRPr lang="en-US" dirty="0"/>
-                  </a:p>
-                </p:txBody>
-              </p:sp>
-            </mc:Choice>
-            <mc:Fallback xmlns="">
-              <p:sp>
-                <p:nvSpPr>
-                  <p:cNvPr id="85" name="Rectangle 84"/>
-                  <p:cNvSpPr>
-                    <a:spLocks noRot="1" noChangeAspect="1" noMove="1" noResize="1" noEditPoints="1" noAdjustHandles="1" noChangeArrowheads="1" noChangeShapeType="1" noTextEdit="1"/>
-                  </p:cNvSpPr>
-                  <p:nvPr/>
-                </p:nvSpPr>
-                <p:spPr>
-                  <a:xfrm>
-                    <a:off x="10267885" y="1928147"/>
-                    <a:ext cx="391774" cy="369332"/>
-                  </a:xfrm>
-                  <a:prstGeom prst="rect">
-                    <a:avLst/>
-                  </a:prstGeom>
-                  <a:blipFill>
-                    <a:blip r:embed="rId34"/>
-                    <a:stretch>
-                      <a:fillRect/>
-                    </a:stretch>
-                  </a:blipFill>
-                </p:spPr>
-                <p:txBody>
-                  <a:bodyPr/>
-                  <a:lstStyle/>
-                  <a:p>
-                    <a:r>
-                      <a:rPr lang="en-US">
-                        <a:noFill/>
-                      </a:rPr>
-                      <a:t> </a:t>
-                    </a:r>
-                  </a:p>
-                </p:txBody>
-              </p:sp>
-            </mc:Fallback>
-          </mc:AlternateContent>
+            <p:txBody>
+              <a:bodyPr wrap="square" rtlCol="0">
+                <a:spAutoFit/>
+              </a:bodyPr>
+              <a:lstStyle/>
+              <a:p>
+                <a:r>
+                  <a:rPr lang="en-US" dirty="0">
+                    <a:latin typeface="Arial" panose="020B0604020202020204" pitchFamily="34" charset="0"/>
+                    <a:cs typeface="Arial" panose="020B0604020202020204" pitchFamily="34" charset="0"/>
+                  </a:rPr>
+                  <a:t>Power plant</a:t>
+                </a:r>
+              </a:p>
+            </p:txBody>
+          </p:sp>
         </p:grpSp>
-        <p:sp>
-          <p:nvSpPr>
-            <p:cNvPr id="79" name="Rectangle 78"/>
-            <p:cNvSpPr/>
+        <p:pic>
+          <p:nvPicPr>
+            <p:cNvPr id="12" name="Picture 11" descr="A close up of a logo&#10;&#10;Description automatically generated">
+              <a:extLst>
+                <a:ext uri="{FF2B5EF4-FFF2-40B4-BE49-F238E27FC236}">
+                  <a16:creationId xmlns:a16="http://schemas.microsoft.com/office/drawing/2014/main" id="{371F4E97-A296-47F5-91DB-D9E52511E1C6}"/>
+                </a:ext>
+              </a:extLst>
+            </p:cNvPr>
+            <p:cNvPicPr>
+              <a:picLocks noChangeAspect="1"/>
+            </p:cNvPicPr>
             <p:nvPr/>
-          </p:nvSpPr>
+          </p:nvPicPr>
+          <p:blipFill>
+            <a:blip r:embed="rId35">
+              <a:extLst>
+                <a:ext uri="{28A0092B-C50C-407E-A947-70E740481C1C}">
+                  <a14:useLocalDpi xmlns:a14="http://schemas.microsoft.com/office/drawing/2010/main" val="0"/>
+                </a:ext>
+              </a:extLst>
+            </a:blip>
+            <a:stretch>
+              <a:fillRect/>
+            </a:stretch>
+          </p:blipFill>
           <p:spPr>
             <a:xfrm>
-              <a:off x="10201840" y="2780135"/>
-              <a:ext cx="1044744" cy="1217454"/>
+              <a:off x="6931996" y="1113267"/>
+              <a:ext cx="1478576" cy="832478"/>
             </a:xfrm>
             <a:prstGeom prst="rect">
               <a:avLst/>
             </a:prstGeom>
-            <a:noFill/>
-            <a:ln w="28575">
-              <a:solidFill>
-                <a:schemeClr val="tx1"/>
-              </a:solidFill>
-              <a:prstDash val="dash"/>
-            </a:ln>
           </p:spPr>
-          <p:style>
-            <a:lnRef idx="2">
-              <a:schemeClr val="accent1">
-                <a:shade val="50000"/>
-              </a:schemeClr>
-            </a:lnRef>
-            <a:fillRef idx="1">
-              <a:schemeClr val="accent1"/>
-            </a:fillRef>
-            <a:effectRef idx="0">
-              <a:schemeClr val="accent1"/>
-            </a:effectRef>
-            <a:fontRef idx="minor">
-              <a:schemeClr val="lt1"/>
-            </a:fontRef>
-          </p:style>
-          <p:txBody>
-            <a:bodyPr rtlCol="0" anchor="ctr"/>
-            <a:lstStyle/>
-            <a:p>
-              <a:pPr algn="ctr"/>
-              <a:endParaRPr lang="en-US"/>
-            </a:p>
-          </p:txBody>
-        </p:sp>
-        <p:sp>
-          <p:nvSpPr>
-            <p:cNvPr id="80" name="TextBox 79"/>
-            <p:cNvSpPr txBox="1"/>
-            <p:nvPr/>
-          </p:nvSpPr>
-          <p:spPr>
-            <a:xfrm>
-              <a:off x="10004985" y="4117534"/>
-              <a:ext cx="1561081" cy="369332"/>
-            </a:xfrm>
-            <a:prstGeom prst="rect">
-              <a:avLst/>
-            </a:prstGeom>
-            <a:noFill/>
-          </p:spPr>
-          <p:txBody>
-            <a:bodyPr wrap="square" rtlCol="0">
-              <a:spAutoFit/>
-            </a:bodyPr>
-            <a:lstStyle/>
-            <a:p>
-              <a:r>
-                <a:rPr lang="en-US" dirty="0">
-                  <a:latin typeface="Arial" panose="020B0604020202020204" pitchFamily="34" charset="0"/>
-                  <a:cs typeface="Arial" panose="020B0604020202020204" pitchFamily="34" charset="0"/>
-                </a:rPr>
-                <a:t>Power plant</a:t>
-              </a:r>
-            </a:p>
-          </p:txBody>
-        </p:sp>
+        </p:pic>
       </p:grpSp>
     </p:spTree>
     <p:extLst>
@@ -50855,534 +51333,441 @@
           <a:chExt cx="0" cy="0"/>
         </a:xfrm>
       </p:grpSpPr>
-      <p:cxnSp>
-        <p:nvCxnSpPr>
-          <p:cNvPr id="5" name="Straight Arrow Connector 4">
+      <p:grpSp>
+        <p:nvGrpSpPr>
+          <p:cNvPr id="66" name="Group 65">
             <a:extLst>
               <a:ext uri="{FF2B5EF4-FFF2-40B4-BE49-F238E27FC236}">
-                <a16:creationId xmlns:a16="http://schemas.microsoft.com/office/drawing/2014/main" id="{64BA7913-C29C-4CF9-8F76-7ED98DA997C9}"/>
+                <a16:creationId xmlns:a16="http://schemas.microsoft.com/office/drawing/2014/main" id="{C5B690BB-3588-407A-B7E7-D8E1AB7545C5}"/>
               </a:ext>
             </a:extLst>
           </p:cNvPr>
-          <p:cNvCxnSpPr/>
+          <p:cNvGrpSpPr/>
           <p:nvPr/>
-        </p:nvCxnSpPr>
-        <p:spPr>
-          <a:xfrm>
-            <a:off x="1983608" y="606390"/>
-            <a:ext cx="962526" cy="4263991"/>
+        </p:nvGrpSpPr>
+        <p:grpSpPr>
+          <a:xfrm rot="10800000">
+            <a:off x="2406890" y="1528443"/>
+            <a:ext cx="2113576" cy="2748602"/>
+            <a:chOff x="2406890" y="1528443"/>
+            <a:chExt cx="2113576" cy="2748602"/>
           </a:xfrm>
-          <a:prstGeom prst="straightConnector1">
-            <a:avLst/>
-          </a:prstGeom>
-          <a:ln w="38100">
-            <a:solidFill>
-              <a:schemeClr val="bg1">
-                <a:lumMod val="85000"/>
-              </a:schemeClr>
-            </a:solidFill>
-            <a:tailEnd type="triangle"/>
-          </a:ln>
-        </p:spPr>
-        <p:style>
-          <a:lnRef idx="1">
-            <a:schemeClr val="accent1"/>
-          </a:lnRef>
-          <a:fillRef idx="0">
-            <a:schemeClr val="accent1"/>
-          </a:fillRef>
-          <a:effectRef idx="0">
-            <a:schemeClr val="accent1"/>
-          </a:effectRef>
-          <a:fontRef idx="minor">
-            <a:schemeClr val="tx1"/>
-          </a:fontRef>
-        </p:style>
-      </p:cxnSp>
-      <p:cxnSp>
-        <p:nvCxnSpPr>
-          <p:cNvPr id="6" name="Straight Arrow Connector 5">
-            <a:extLst>
-              <a:ext uri="{FF2B5EF4-FFF2-40B4-BE49-F238E27FC236}">
-                <a16:creationId xmlns:a16="http://schemas.microsoft.com/office/drawing/2014/main" id="{15775E8B-74CE-4CD8-A3D7-23BFDEDC9C36}"/>
-              </a:ext>
-            </a:extLst>
-          </p:cNvPr>
-          <p:cNvCxnSpPr/>
-          <p:nvPr/>
-        </p:nvCxnSpPr>
-        <p:spPr>
-          <a:xfrm>
-            <a:off x="2239881" y="606390"/>
-            <a:ext cx="962526" cy="4263991"/>
-          </a:xfrm>
-          <a:prstGeom prst="straightConnector1">
-            <a:avLst/>
-          </a:prstGeom>
-          <a:ln w="38100">
-            <a:solidFill>
-              <a:schemeClr val="bg1">
-                <a:lumMod val="85000"/>
-              </a:schemeClr>
-            </a:solidFill>
-            <a:tailEnd type="triangle"/>
-          </a:ln>
-        </p:spPr>
-        <p:style>
-          <a:lnRef idx="1">
-            <a:schemeClr val="accent1"/>
-          </a:lnRef>
-          <a:fillRef idx="0">
-            <a:schemeClr val="accent1"/>
-          </a:fillRef>
-          <a:effectRef idx="0">
-            <a:schemeClr val="accent1"/>
-          </a:effectRef>
-          <a:fontRef idx="minor">
-            <a:schemeClr val="tx1"/>
-          </a:fontRef>
-        </p:style>
-      </p:cxnSp>
-      <p:cxnSp>
-        <p:nvCxnSpPr>
-          <p:cNvPr id="7" name="Straight Arrow Connector 6">
-            <a:extLst>
-              <a:ext uri="{FF2B5EF4-FFF2-40B4-BE49-F238E27FC236}">
-                <a16:creationId xmlns:a16="http://schemas.microsoft.com/office/drawing/2014/main" id="{37741DA9-D572-4A4A-B143-8546364949C2}"/>
-              </a:ext>
-            </a:extLst>
-          </p:cNvPr>
-          <p:cNvCxnSpPr/>
-          <p:nvPr/>
-        </p:nvCxnSpPr>
-        <p:spPr>
-          <a:xfrm>
-            <a:off x="2493344" y="606390"/>
-            <a:ext cx="962526" cy="4263991"/>
-          </a:xfrm>
-          <a:prstGeom prst="straightConnector1">
-            <a:avLst/>
-          </a:prstGeom>
-          <a:ln w="38100">
-            <a:solidFill>
-              <a:schemeClr val="bg1">
-                <a:lumMod val="85000"/>
-              </a:schemeClr>
-            </a:solidFill>
-            <a:tailEnd type="triangle"/>
-          </a:ln>
-        </p:spPr>
-        <p:style>
-          <a:lnRef idx="1">
-            <a:schemeClr val="accent1"/>
-          </a:lnRef>
-          <a:fillRef idx="0">
-            <a:schemeClr val="accent1"/>
-          </a:fillRef>
-          <a:effectRef idx="0">
-            <a:schemeClr val="accent1"/>
-          </a:effectRef>
-          <a:fontRef idx="minor">
-            <a:schemeClr val="tx1"/>
-          </a:fontRef>
-        </p:style>
-      </p:cxnSp>
-      <p:cxnSp>
-        <p:nvCxnSpPr>
-          <p:cNvPr id="8" name="Straight Arrow Connector 7">
-            <a:extLst>
-              <a:ext uri="{FF2B5EF4-FFF2-40B4-BE49-F238E27FC236}">
-                <a16:creationId xmlns:a16="http://schemas.microsoft.com/office/drawing/2014/main" id="{8E6A6530-3762-4017-BE93-FBD7FA9A7D25}"/>
-              </a:ext>
-            </a:extLst>
-          </p:cNvPr>
-          <p:cNvCxnSpPr/>
-          <p:nvPr/>
-        </p:nvCxnSpPr>
-        <p:spPr>
-          <a:xfrm>
-            <a:off x="2760044" y="606391"/>
-            <a:ext cx="962526" cy="4263991"/>
-          </a:xfrm>
-          <a:prstGeom prst="straightConnector1">
-            <a:avLst/>
-          </a:prstGeom>
-          <a:ln w="38100">
-            <a:solidFill>
-              <a:schemeClr val="bg1">
-                <a:lumMod val="85000"/>
-              </a:schemeClr>
-            </a:solidFill>
-            <a:tailEnd type="triangle"/>
-          </a:ln>
-        </p:spPr>
-        <p:style>
-          <a:lnRef idx="1">
-            <a:schemeClr val="accent1"/>
-          </a:lnRef>
-          <a:fillRef idx="0">
-            <a:schemeClr val="accent1"/>
-          </a:fillRef>
-          <a:effectRef idx="0">
-            <a:schemeClr val="accent1"/>
-          </a:effectRef>
-          <a:fontRef idx="minor">
-            <a:schemeClr val="tx1"/>
-          </a:fontRef>
-        </p:style>
-      </p:cxnSp>
-      <p:cxnSp>
-        <p:nvCxnSpPr>
-          <p:cNvPr id="9" name="Straight Arrow Connector 8">
-            <a:extLst>
-              <a:ext uri="{FF2B5EF4-FFF2-40B4-BE49-F238E27FC236}">
-                <a16:creationId xmlns:a16="http://schemas.microsoft.com/office/drawing/2014/main" id="{2705339F-1326-4F55-A974-99C8D48E8C56}"/>
-              </a:ext>
-            </a:extLst>
-          </p:cNvPr>
-          <p:cNvCxnSpPr/>
-          <p:nvPr/>
-        </p:nvCxnSpPr>
-        <p:spPr>
-          <a:xfrm>
-            <a:off x="3039176" y="606391"/>
-            <a:ext cx="962526" cy="4263991"/>
-          </a:xfrm>
-          <a:prstGeom prst="straightConnector1">
-            <a:avLst/>
-          </a:prstGeom>
-          <a:ln w="38100">
-            <a:solidFill>
-              <a:schemeClr val="bg1">
-                <a:lumMod val="85000"/>
-              </a:schemeClr>
-            </a:solidFill>
-            <a:tailEnd type="triangle"/>
-          </a:ln>
-        </p:spPr>
-        <p:style>
-          <a:lnRef idx="1">
-            <a:schemeClr val="accent1"/>
-          </a:lnRef>
-          <a:fillRef idx="0">
-            <a:schemeClr val="accent1"/>
-          </a:fillRef>
-          <a:effectRef idx="0">
-            <a:schemeClr val="accent1"/>
-          </a:effectRef>
-          <a:fontRef idx="minor">
-            <a:schemeClr val="tx1"/>
-          </a:fontRef>
-        </p:style>
-      </p:cxnSp>
-      <p:cxnSp>
-        <p:nvCxnSpPr>
-          <p:cNvPr id="10" name="Straight Arrow Connector 9">
-            <a:extLst>
-              <a:ext uri="{FF2B5EF4-FFF2-40B4-BE49-F238E27FC236}">
-                <a16:creationId xmlns:a16="http://schemas.microsoft.com/office/drawing/2014/main" id="{5A6A1F3D-4115-477F-9B1D-DF5B6BFAAD77}"/>
-              </a:ext>
-            </a:extLst>
-          </p:cNvPr>
-          <p:cNvCxnSpPr/>
-          <p:nvPr/>
-        </p:nvCxnSpPr>
-        <p:spPr>
-          <a:xfrm>
-            <a:off x="3317507" y="606392"/>
-            <a:ext cx="962526" cy="4263991"/>
-          </a:xfrm>
-          <a:prstGeom prst="straightConnector1">
-            <a:avLst/>
-          </a:prstGeom>
-          <a:ln w="38100">
-            <a:solidFill>
-              <a:schemeClr val="bg1">
-                <a:lumMod val="85000"/>
-              </a:schemeClr>
-            </a:solidFill>
-            <a:tailEnd type="triangle"/>
-          </a:ln>
-        </p:spPr>
-        <p:style>
-          <a:lnRef idx="1">
-            <a:schemeClr val="accent1"/>
-          </a:lnRef>
-          <a:fillRef idx="0">
-            <a:schemeClr val="accent1"/>
-          </a:fillRef>
-          <a:effectRef idx="0">
-            <a:schemeClr val="accent1"/>
-          </a:effectRef>
-          <a:fontRef idx="minor">
-            <a:schemeClr val="tx1"/>
-          </a:fontRef>
-        </p:style>
-      </p:cxnSp>
-      <p:cxnSp>
-        <p:nvCxnSpPr>
-          <p:cNvPr id="11" name="Straight Arrow Connector 10">
-            <a:extLst>
-              <a:ext uri="{FF2B5EF4-FFF2-40B4-BE49-F238E27FC236}">
-                <a16:creationId xmlns:a16="http://schemas.microsoft.com/office/drawing/2014/main" id="{8AA562E3-F431-429C-B29B-977EF5113395}"/>
-              </a:ext>
-            </a:extLst>
-          </p:cNvPr>
-          <p:cNvCxnSpPr/>
-          <p:nvPr/>
-        </p:nvCxnSpPr>
-        <p:spPr>
-          <a:xfrm>
-            <a:off x="3599048" y="606388"/>
-            <a:ext cx="962526" cy="4263991"/>
-          </a:xfrm>
-          <a:prstGeom prst="straightConnector1">
-            <a:avLst/>
-          </a:prstGeom>
-          <a:ln w="38100">
-            <a:solidFill>
-              <a:schemeClr val="bg1">
-                <a:lumMod val="85000"/>
-              </a:schemeClr>
-            </a:solidFill>
-            <a:tailEnd type="triangle"/>
-          </a:ln>
-        </p:spPr>
-        <p:style>
-          <a:lnRef idx="1">
-            <a:schemeClr val="accent1"/>
-          </a:lnRef>
-          <a:fillRef idx="0">
-            <a:schemeClr val="accent1"/>
-          </a:fillRef>
-          <a:effectRef idx="0">
-            <a:schemeClr val="accent1"/>
-          </a:effectRef>
-          <a:fontRef idx="minor">
-            <a:schemeClr val="tx1"/>
-          </a:fontRef>
-        </p:style>
-      </p:cxnSp>
-      <p:cxnSp>
-        <p:nvCxnSpPr>
-          <p:cNvPr id="12" name="Straight Arrow Connector 11">
-            <a:extLst>
-              <a:ext uri="{FF2B5EF4-FFF2-40B4-BE49-F238E27FC236}">
-                <a16:creationId xmlns:a16="http://schemas.microsoft.com/office/drawing/2014/main" id="{85E65DEB-399C-4167-8E35-C856844D764E}"/>
-              </a:ext>
-            </a:extLst>
-          </p:cNvPr>
-          <p:cNvCxnSpPr/>
-          <p:nvPr/>
-        </p:nvCxnSpPr>
-        <p:spPr>
-          <a:xfrm>
-            <a:off x="3855321" y="606388"/>
-            <a:ext cx="962526" cy="4263991"/>
-          </a:xfrm>
-          <a:prstGeom prst="straightConnector1">
-            <a:avLst/>
-          </a:prstGeom>
-          <a:ln w="38100">
-            <a:solidFill>
-              <a:schemeClr val="bg1">
-                <a:lumMod val="85000"/>
-              </a:schemeClr>
-            </a:solidFill>
-            <a:tailEnd type="triangle"/>
-          </a:ln>
-        </p:spPr>
-        <p:style>
-          <a:lnRef idx="1">
-            <a:schemeClr val="accent1"/>
-          </a:lnRef>
-          <a:fillRef idx="0">
-            <a:schemeClr val="accent1"/>
-          </a:fillRef>
-          <a:effectRef idx="0">
-            <a:schemeClr val="accent1"/>
-          </a:effectRef>
-          <a:fontRef idx="minor">
-            <a:schemeClr val="tx1"/>
-          </a:fontRef>
-        </p:style>
-      </p:cxnSp>
-      <p:cxnSp>
-        <p:nvCxnSpPr>
-          <p:cNvPr id="13" name="Straight Arrow Connector 12">
-            <a:extLst>
-              <a:ext uri="{FF2B5EF4-FFF2-40B4-BE49-F238E27FC236}">
-                <a16:creationId xmlns:a16="http://schemas.microsoft.com/office/drawing/2014/main" id="{51B2032A-70FD-46E4-8330-5B43A55BC25A}"/>
-              </a:ext>
-            </a:extLst>
-          </p:cNvPr>
-          <p:cNvCxnSpPr/>
-          <p:nvPr/>
-        </p:nvCxnSpPr>
-        <p:spPr>
-          <a:xfrm>
-            <a:off x="4108784" y="606388"/>
-            <a:ext cx="962526" cy="4263991"/>
-          </a:xfrm>
-          <a:prstGeom prst="straightConnector1">
-            <a:avLst/>
-          </a:prstGeom>
-          <a:ln w="38100">
-            <a:solidFill>
-              <a:schemeClr val="bg1">
-                <a:lumMod val="85000"/>
-              </a:schemeClr>
-            </a:solidFill>
-            <a:tailEnd type="triangle"/>
-          </a:ln>
-        </p:spPr>
-        <p:style>
-          <a:lnRef idx="1">
-            <a:schemeClr val="accent1"/>
-          </a:lnRef>
-          <a:fillRef idx="0">
-            <a:schemeClr val="accent1"/>
-          </a:fillRef>
-          <a:effectRef idx="0">
-            <a:schemeClr val="accent1"/>
-          </a:effectRef>
-          <a:fontRef idx="minor">
-            <a:schemeClr val="tx1"/>
-          </a:fontRef>
-        </p:style>
-      </p:cxnSp>
-      <p:cxnSp>
-        <p:nvCxnSpPr>
-          <p:cNvPr id="14" name="Straight Arrow Connector 13">
-            <a:extLst>
-              <a:ext uri="{FF2B5EF4-FFF2-40B4-BE49-F238E27FC236}">
-                <a16:creationId xmlns:a16="http://schemas.microsoft.com/office/drawing/2014/main" id="{87273663-E154-45C6-A532-C9F2203A2DC9}"/>
-              </a:ext>
-            </a:extLst>
-          </p:cNvPr>
-          <p:cNvCxnSpPr/>
-          <p:nvPr/>
-        </p:nvCxnSpPr>
-        <p:spPr>
-          <a:xfrm>
-            <a:off x="4375484" y="606389"/>
-            <a:ext cx="962526" cy="4263991"/>
-          </a:xfrm>
-          <a:prstGeom prst="straightConnector1">
-            <a:avLst/>
-          </a:prstGeom>
-          <a:ln w="38100">
-            <a:solidFill>
-              <a:schemeClr val="bg1">
-                <a:lumMod val="85000"/>
-              </a:schemeClr>
-            </a:solidFill>
-            <a:tailEnd type="triangle"/>
-          </a:ln>
-        </p:spPr>
-        <p:style>
-          <a:lnRef idx="1">
-            <a:schemeClr val="accent1"/>
-          </a:lnRef>
-          <a:fillRef idx="0">
-            <a:schemeClr val="accent1"/>
-          </a:fillRef>
-          <a:effectRef idx="0">
-            <a:schemeClr val="accent1"/>
-          </a:effectRef>
-          <a:fontRef idx="minor">
-            <a:schemeClr val="tx1"/>
-          </a:fontRef>
-        </p:style>
-      </p:cxnSp>
-      <p:cxnSp>
-        <p:nvCxnSpPr>
-          <p:cNvPr id="15" name="Straight Arrow Connector 14">
-            <a:extLst>
-              <a:ext uri="{FF2B5EF4-FFF2-40B4-BE49-F238E27FC236}">
-                <a16:creationId xmlns:a16="http://schemas.microsoft.com/office/drawing/2014/main" id="{8267661D-A991-40E5-919F-D37DE784A8D2}"/>
-              </a:ext>
-            </a:extLst>
-          </p:cNvPr>
-          <p:cNvCxnSpPr/>
-          <p:nvPr/>
-        </p:nvCxnSpPr>
-        <p:spPr>
-          <a:xfrm>
-            <a:off x="4654616" y="606389"/>
-            <a:ext cx="962526" cy="4263991"/>
-          </a:xfrm>
-          <a:prstGeom prst="straightConnector1">
-            <a:avLst/>
-          </a:prstGeom>
-          <a:ln w="38100">
-            <a:solidFill>
-              <a:schemeClr val="bg1">
-                <a:lumMod val="85000"/>
-              </a:schemeClr>
-            </a:solidFill>
-            <a:tailEnd type="triangle"/>
-          </a:ln>
-        </p:spPr>
-        <p:style>
-          <a:lnRef idx="1">
-            <a:schemeClr val="accent1"/>
-          </a:lnRef>
-          <a:fillRef idx="0">
-            <a:schemeClr val="accent1"/>
-          </a:fillRef>
-          <a:effectRef idx="0">
-            <a:schemeClr val="accent1"/>
-          </a:effectRef>
-          <a:fontRef idx="minor">
-            <a:schemeClr val="tx1"/>
-          </a:fontRef>
-        </p:style>
-      </p:cxnSp>
-      <p:cxnSp>
-        <p:nvCxnSpPr>
-          <p:cNvPr id="16" name="Straight Arrow Connector 15">
-            <a:extLst>
-              <a:ext uri="{FF2B5EF4-FFF2-40B4-BE49-F238E27FC236}">
-                <a16:creationId xmlns:a16="http://schemas.microsoft.com/office/drawing/2014/main" id="{EDC19D22-0E0B-48F9-9A83-2263FFD3A594}"/>
-              </a:ext>
-            </a:extLst>
-          </p:cNvPr>
-          <p:cNvCxnSpPr/>
-          <p:nvPr/>
-        </p:nvCxnSpPr>
-        <p:spPr>
-          <a:xfrm>
-            <a:off x="4932947" y="606390"/>
-            <a:ext cx="962526" cy="4263991"/>
-          </a:xfrm>
-          <a:prstGeom prst="straightConnector1">
-            <a:avLst/>
-          </a:prstGeom>
-          <a:ln w="38100">
-            <a:solidFill>
-              <a:schemeClr val="bg1">
-                <a:lumMod val="85000"/>
-              </a:schemeClr>
-            </a:solidFill>
-            <a:tailEnd type="triangle"/>
-          </a:ln>
-        </p:spPr>
-        <p:style>
-          <a:lnRef idx="1">
-            <a:schemeClr val="accent1"/>
-          </a:lnRef>
-          <a:fillRef idx="0">
-            <a:schemeClr val="accent1"/>
-          </a:fillRef>
-          <a:effectRef idx="0">
-            <a:schemeClr val="accent1"/>
-          </a:effectRef>
-          <a:fontRef idx="minor">
-            <a:schemeClr val="tx1"/>
-          </a:fontRef>
-        </p:style>
-      </p:cxnSp>
+        </p:grpSpPr>
+        <p:cxnSp>
+          <p:nvCxnSpPr>
+            <p:cNvPr id="45" name="Straight Arrow Connector 44">
+              <a:extLst>
+                <a:ext uri="{FF2B5EF4-FFF2-40B4-BE49-F238E27FC236}">
+                  <a16:creationId xmlns:a16="http://schemas.microsoft.com/office/drawing/2014/main" id="{C6996DDB-6E03-4CD2-8CFF-5A215C59B294}"/>
+                </a:ext>
+              </a:extLst>
+            </p:cNvPr>
+            <p:cNvCxnSpPr>
+              <a:cxnSpLocks/>
+            </p:cNvCxnSpPr>
+            <p:nvPr/>
+          </p:nvCxnSpPr>
+          <p:spPr>
+            <a:xfrm>
+              <a:off x="4520466" y="1528450"/>
+              <a:ext cx="0" cy="2748595"/>
+            </a:xfrm>
+            <a:prstGeom prst="straightConnector1">
+              <a:avLst/>
+            </a:prstGeom>
+            <a:ln w="38100">
+              <a:solidFill>
+                <a:schemeClr val="bg1">
+                  <a:lumMod val="85000"/>
+                </a:schemeClr>
+              </a:solidFill>
+              <a:tailEnd type="triangle"/>
+            </a:ln>
+          </p:spPr>
+          <p:style>
+            <a:lnRef idx="1">
+              <a:schemeClr val="accent1"/>
+            </a:lnRef>
+            <a:fillRef idx="0">
+              <a:schemeClr val="accent1"/>
+            </a:fillRef>
+            <a:effectRef idx="0">
+              <a:schemeClr val="accent1"/>
+            </a:effectRef>
+            <a:fontRef idx="minor">
+              <a:schemeClr val="tx1"/>
+            </a:fontRef>
+          </p:style>
+        </p:cxnSp>
+        <p:cxnSp>
+          <p:nvCxnSpPr>
+            <p:cNvPr id="54" name="Straight Arrow Connector 53">
+              <a:extLst>
+                <a:ext uri="{FF2B5EF4-FFF2-40B4-BE49-F238E27FC236}">
+                  <a16:creationId xmlns:a16="http://schemas.microsoft.com/office/drawing/2014/main" id="{0BF42A0C-1F07-4E4F-823F-69D8398CCE46}"/>
+                </a:ext>
+              </a:extLst>
+            </p:cNvPr>
+            <p:cNvCxnSpPr>
+              <a:cxnSpLocks/>
+            </p:cNvCxnSpPr>
+            <p:nvPr/>
+          </p:nvCxnSpPr>
+          <p:spPr>
+            <a:xfrm>
+              <a:off x="4259050" y="1528449"/>
+              <a:ext cx="0" cy="2748595"/>
+            </a:xfrm>
+            <a:prstGeom prst="straightConnector1">
+              <a:avLst/>
+            </a:prstGeom>
+            <a:ln w="38100">
+              <a:solidFill>
+                <a:schemeClr val="bg1">
+                  <a:lumMod val="85000"/>
+                </a:schemeClr>
+              </a:solidFill>
+              <a:tailEnd type="triangle"/>
+            </a:ln>
+          </p:spPr>
+          <p:style>
+            <a:lnRef idx="1">
+              <a:schemeClr val="accent1"/>
+            </a:lnRef>
+            <a:fillRef idx="0">
+              <a:schemeClr val="accent1"/>
+            </a:fillRef>
+            <a:effectRef idx="0">
+              <a:schemeClr val="accent1"/>
+            </a:effectRef>
+            <a:fontRef idx="minor">
+              <a:schemeClr val="tx1"/>
+            </a:fontRef>
+          </p:style>
+        </p:cxnSp>
+        <p:cxnSp>
+          <p:nvCxnSpPr>
+            <p:cNvPr id="55" name="Straight Arrow Connector 54">
+              <a:extLst>
+                <a:ext uri="{FF2B5EF4-FFF2-40B4-BE49-F238E27FC236}">
+                  <a16:creationId xmlns:a16="http://schemas.microsoft.com/office/drawing/2014/main" id="{91657AE5-F20C-4CFB-8521-4B29C17AA0A5}"/>
+                </a:ext>
+              </a:extLst>
+            </p:cNvPr>
+            <p:cNvCxnSpPr>
+              <a:cxnSpLocks/>
+            </p:cNvCxnSpPr>
+            <p:nvPr/>
+          </p:nvCxnSpPr>
+          <p:spPr>
+            <a:xfrm>
+              <a:off x="3984285" y="1528448"/>
+              <a:ext cx="0" cy="2748595"/>
+            </a:xfrm>
+            <a:prstGeom prst="straightConnector1">
+              <a:avLst/>
+            </a:prstGeom>
+            <a:ln w="38100">
+              <a:solidFill>
+                <a:schemeClr val="bg1">
+                  <a:lumMod val="85000"/>
+                </a:schemeClr>
+              </a:solidFill>
+              <a:tailEnd type="triangle"/>
+            </a:ln>
+          </p:spPr>
+          <p:style>
+            <a:lnRef idx="1">
+              <a:schemeClr val="accent1"/>
+            </a:lnRef>
+            <a:fillRef idx="0">
+              <a:schemeClr val="accent1"/>
+            </a:fillRef>
+            <a:effectRef idx="0">
+              <a:schemeClr val="accent1"/>
+            </a:effectRef>
+            <a:fontRef idx="minor">
+              <a:schemeClr val="tx1"/>
+            </a:fontRef>
+          </p:style>
+        </p:cxnSp>
+        <p:cxnSp>
+          <p:nvCxnSpPr>
+            <p:cNvPr id="58" name="Straight Arrow Connector 57">
+              <a:extLst>
+                <a:ext uri="{FF2B5EF4-FFF2-40B4-BE49-F238E27FC236}">
+                  <a16:creationId xmlns:a16="http://schemas.microsoft.com/office/drawing/2014/main" id="{A7DCAEA9-0118-4217-92A3-932AC0EC5A00}"/>
+                </a:ext>
+              </a:extLst>
+            </p:cNvPr>
+            <p:cNvCxnSpPr>
+              <a:cxnSpLocks/>
+            </p:cNvCxnSpPr>
+            <p:nvPr/>
+          </p:nvCxnSpPr>
+          <p:spPr>
+            <a:xfrm>
+              <a:off x="3745117" y="1528447"/>
+              <a:ext cx="0" cy="2748595"/>
+            </a:xfrm>
+            <a:prstGeom prst="straightConnector1">
+              <a:avLst/>
+            </a:prstGeom>
+            <a:ln w="38100">
+              <a:solidFill>
+                <a:schemeClr val="bg1">
+                  <a:lumMod val="85000"/>
+                </a:schemeClr>
+              </a:solidFill>
+              <a:tailEnd type="triangle"/>
+            </a:ln>
+          </p:spPr>
+          <p:style>
+            <a:lnRef idx="1">
+              <a:schemeClr val="accent1"/>
+            </a:lnRef>
+            <a:fillRef idx="0">
+              <a:schemeClr val="accent1"/>
+            </a:fillRef>
+            <a:effectRef idx="0">
+              <a:schemeClr val="accent1"/>
+            </a:effectRef>
+            <a:fontRef idx="minor">
+              <a:schemeClr val="tx1"/>
+            </a:fontRef>
+          </p:style>
+        </p:cxnSp>
+        <p:cxnSp>
+          <p:nvCxnSpPr>
+            <p:cNvPr id="59" name="Straight Arrow Connector 58">
+              <a:extLst>
+                <a:ext uri="{FF2B5EF4-FFF2-40B4-BE49-F238E27FC236}">
+                  <a16:creationId xmlns:a16="http://schemas.microsoft.com/office/drawing/2014/main" id="{17BDAE54-6189-43EF-8388-7B14EEC01175}"/>
+                </a:ext>
+              </a:extLst>
+            </p:cNvPr>
+            <p:cNvCxnSpPr>
+              <a:cxnSpLocks/>
+            </p:cNvCxnSpPr>
+            <p:nvPr/>
+          </p:nvCxnSpPr>
+          <p:spPr>
+            <a:xfrm>
+              <a:off x="3483701" y="1528446"/>
+              <a:ext cx="0" cy="2748595"/>
+            </a:xfrm>
+            <a:prstGeom prst="straightConnector1">
+              <a:avLst/>
+            </a:prstGeom>
+            <a:ln w="38100">
+              <a:solidFill>
+                <a:schemeClr val="bg1">
+                  <a:lumMod val="85000"/>
+                </a:schemeClr>
+              </a:solidFill>
+              <a:tailEnd type="triangle"/>
+            </a:ln>
+          </p:spPr>
+          <p:style>
+            <a:lnRef idx="1">
+              <a:schemeClr val="accent1"/>
+            </a:lnRef>
+            <a:fillRef idx="0">
+              <a:schemeClr val="accent1"/>
+            </a:fillRef>
+            <a:effectRef idx="0">
+              <a:schemeClr val="accent1"/>
+            </a:effectRef>
+            <a:fontRef idx="minor">
+              <a:schemeClr val="tx1"/>
+            </a:fontRef>
+          </p:style>
+        </p:cxnSp>
+        <p:cxnSp>
+          <p:nvCxnSpPr>
+            <p:cNvPr id="60" name="Straight Arrow Connector 59">
+              <a:extLst>
+                <a:ext uri="{FF2B5EF4-FFF2-40B4-BE49-F238E27FC236}">
+                  <a16:creationId xmlns:a16="http://schemas.microsoft.com/office/drawing/2014/main" id="{71C39FE4-177B-4FBD-BF78-29295E32C6EC}"/>
+                </a:ext>
+              </a:extLst>
+            </p:cNvPr>
+            <p:cNvCxnSpPr>
+              <a:cxnSpLocks/>
+            </p:cNvCxnSpPr>
+            <p:nvPr/>
+          </p:nvCxnSpPr>
+          <p:spPr>
+            <a:xfrm>
+              <a:off x="3208936" y="1528445"/>
+              <a:ext cx="0" cy="2748595"/>
+            </a:xfrm>
+            <a:prstGeom prst="straightConnector1">
+              <a:avLst/>
+            </a:prstGeom>
+            <a:ln w="38100">
+              <a:solidFill>
+                <a:schemeClr val="bg1">
+                  <a:lumMod val="85000"/>
+                </a:schemeClr>
+              </a:solidFill>
+              <a:tailEnd type="triangle"/>
+            </a:ln>
+          </p:spPr>
+          <p:style>
+            <a:lnRef idx="1">
+              <a:schemeClr val="accent1"/>
+            </a:lnRef>
+            <a:fillRef idx="0">
+              <a:schemeClr val="accent1"/>
+            </a:fillRef>
+            <a:effectRef idx="0">
+              <a:schemeClr val="accent1"/>
+            </a:effectRef>
+            <a:fontRef idx="minor">
+              <a:schemeClr val="tx1"/>
+            </a:fontRef>
+          </p:style>
+        </p:cxnSp>
+        <p:cxnSp>
+          <p:nvCxnSpPr>
+            <p:cNvPr id="61" name="Straight Arrow Connector 60">
+              <a:extLst>
+                <a:ext uri="{FF2B5EF4-FFF2-40B4-BE49-F238E27FC236}">
+                  <a16:creationId xmlns:a16="http://schemas.microsoft.com/office/drawing/2014/main" id="{B4EC1C7C-5FD0-431D-AB25-C8703F4630CB}"/>
+                </a:ext>
+              </a:extLst>
+            </p:cNvPr>
+            <p:cNvCxnSpPr>
+              <a:cxnSpLocks/>
+            </p:cNvCxnSpPr>
+            <p:nvPr/>
+          </p:nvCxnSpPr>
+          <p:spPr>
+            <a:xfrm>
+              <a:off x="2943071" y="1528445"/>
+              <a:ext cx="0" cy="2748595"/>
+            </a:xfrm>
+            <a:prstGeom prst="straightConnector1">
+              <a:avLst/>
+            </a:prstGeom>
+            <a:ln w="38100">
+              <a:solidFill>
+                <a:schemeClr val="bg1">
+                  <a:lumMod val="85000"/>
+                </a:schemeClr>
+              </a:solidFill>
+              <a:tailEnd type="triangle"/>
+            </a:ln>
+          </p:spPr>
+          <p:style>
+            <a:lnRef idx="1">
+              <a:schemeClr val="accent1"/>
+            </a:lnRef>
+            <a:fillRef idx="0">
+              <a:schemeClr val="accent1"/>
+            </a:fillRef>
+            <a:effectRef idx="0">
+              <a:schemeClr val="accent1"/>
+            </a:effectRef>
+            <a:fontRef idx="minor">
+              <a:schemeClr val="tx1"/>
+            </a:fontRef>
+          </p:style>
+        </p:cxnSp>
+        <p:cxnSp>
+          <p:nvCxnSpPr>
+            <p:cNvPr id="62" name="Straight Arrow Connector 61">
+              <a:extLst>
+                <a:ext uri="{FF2B5EF4-FFF2-40B4-BE49-F238E27FC236}">
+                  <a16:creationId xmlns:a16="http://schemas.microsoft.com/office/drawing/2014/main" id="{3EDBCC20-2265-4197-8156-DAF00F90086F}"/>
+                </a:ext>
+              </a:extLst>
+            </p:cNvPr>
+            <p:cNvCxnSpPr>
+              <a:cxnSpLocks/>
+            </p:cNvCxnSpPr>
+            <p:nvPr/>
+          </p:nvCxnSpPr>
+          <p:spPr>
+            <a:xfrm>
+              <a:off x="2681655" y="1528444"/>
+              <a:ext cx="0" cy="2748595"/>
+            </a:xfrm>
+            <a:prstGeom prst="straightConnector1">
+              <a:avLst/>
+            </a:prstGeom>
+            <a:ln w="38100">
+              <a:solidFill>
+                <a:schemeClr val="bg1">
+                  <a:lumMod val="85000"/>
+                </a:schemeClr>
+              </a:solidFill>
+              <a:tailEnd type="triangle"/>
+            </a:ln>
+          </p:spPr>
+          <p:style>
+            <a:lnRef idx="1">
+              <a:schemeClr val="accent1"/>
+            </a:lnRef>
+            <a:fillRef idx="0">
+              <a:schemeClr val="accent1"/>
+            </a:fillRef>
+            <a:effectRef idx="0">
+              <a:schemeClr val="accent1"/>
+            </a:effectRef>
+            <a:fontRef idx="minor">
+              <a:schemeClr val="tx1"/>
+            </a:fontRef>
+          </p:style>
+        </p:cxnSp>
+        <p:cxnSp>
+          <p:nvCxnSpPr>
+            <p:cNvPr id="63" name="Straight Arrow Connector 62">
+              <a:extLst>
+                <a:ext uri="{FF2B5EF4-FFF2-40B4-BE49-F238E27FC236}">
+                  <a16:creationId xmlns:a16="http://schemas.microsoft.com/office/drawing/2014/main" id="{7FCDE28F-FA00-4C63-80A1-88AEC255B989}"/>
+                </a:ext>
+              </a:extLst>
+            </p:cNvPr>
+            <p:cNvCxnSpPr>
+              <a:cxnSpLocks/>
+            </p:cNvCxnSpPr>
+            <p:nvPr/>
+          </p:nvCxnSpPr>
+          <p:spPr>
+            <a:xfrm>
+              <a:off x="2406890" y="1528443"/>
+              <a:ext cx="0" cy="2748595"/>
+            </a:xfrm>
+            <a:prstGeom prst="straightConnector1">
+              <a:avLst/>
+            </a:prstGeom>
+            <a:ln w="38100">
+              <a:solidFill>
+                <a:schemeClr val="bg1">
+                  <a:lumMod val="85000"/>
+                </a:schemeClr>
+              </a:solidFill>
+              <a:tailEnd type="triangle"/>
+            </a:ln>
+          </p:spPr>
+          <p:style>
+            <a:lnRef idx="1">
+              <a:schemeClr val="accent1"/>
+            </a:lnRef>
+            <a:fillRef idx="0">
+              <a:schemeClr val="accent1"/>
+            </a:fillRef>
+            <a:effectRef idx="0">
+              <a:schemeClr val="accent1"/>
+            </a:effectRef>
+            <a:fontRef idx="minor">
+              <a:schemeClr val="tx1"/>
+            </a:fontRef>
+          </p:style>
+        </p:cxnSp>
+      </p:grpSp>
       <p:cxnSp>
         <p:nvCxnSpPr>
           <p:cNvPr id="18" name="Straight Arrow Connector 17">
@@ -51392,13 +51777,15 @@
               </a:ext>
             </a:extLst>
           </p:cNvPr>
-          <p:cNvCxnSpPr/>
+          <p:cNvCxnSpPr>
+            <a:cxnSpLocks/>
+          </p:cNvCxnSpPr>
           <p:nvPr/>
         </p:nvCxnSpPr>
         <p:spPr>
-          <a:xfrm>
-            <a:off x="3797165" y="2666198"/>
-            <a:ext cx="2203385" cy="0"/>
+          <a:xfrm flipV="1">
+            <a:off x="3555467" y="1616892"/>
+            <a:ext cx="0" cy="1577650"/>
           </a:xfrm>
           <a:prstGeom prst="straightConnector1">
             <a:avLst/>
@@ -51425,85 +51812,78 @@
           </a:fontRef>
         </p:style>
       </p:cxnSp>
-      <p:sp>
-        <p:nvSpPr>
-          <p:cNvPr id="19" name="Oval 18">
+      <p:pic>
+        <p:nvPicPr>
+          <p:cNvPr id="3" name="Picture 2" descr="A picture containing stationary&#10;&#10;Description automatically generated">
             <a:extLst>
               <a:ext uri="{FF2B5EF4-FFF2-40B4-BE49-F238E27FC236}">
-                <a16:creationId xmlns:a16="http://schemas.microsoft.com/office/drawing/2014/main" id="{8F5578CA-58FF-4076-B30F-9B3E4591A002}"/>
+                <a16:creationId xmlns:a16="http://schemas.microsoft.com/office/drawing/2014/main" id="{84842DFE-763A-4EC2-BCAD-AB457EDC743A}"/>
               </a:ext>
             </a:extLst>
           </p:cNvPr>
-          <p:cNvSpPr/>
+          <p:cNvPicPr>
+            <a:picLocks noChangeAspect="1"/>
+          </p:cNvPicPr>
           <p:nvPr/>
-        </p:nvSpPr>
+        </p:nvPicPr>
+        <p:blipFill rotWithShape="1">
+          <a:blip r:embed="rId2">
+            <a:clrChange>
+              <a:clrFrom>
+                <a:srgbClr val="FFFFFF"/>
+              </a:clrFrom>
+              <a:clrTo>
+                <a:srgbClr val="FFFFFF">
+                  <a:alpha val="0"/>
+                </a:srgbClr>
+              </a:clrTo>
+            </a:clrChange>
+            <a:extLst>
+              <a:ext uri="{28A0092B-C50C-407E-A947-70E740481C1C}">
+                <a14:useLocalDpi xmlns:a14="http://schemas.microsoft.com/office/drawing/2010/main" val="0"/>
+              </a:ext>
+            </a:extLst>
+          </a:blip>
+          <a:srcRect l="15771" t="15159" r="13690" b="20170"/>
+          <a:stretch/>
+        </p:blipFill>
         <p:spPr>
-          <a:xfrm>
-            <a:off x="3608269" y="2503771"/>
-            <a:ext cx="324853" cy="324853"/>
+          <a:xfrm rot="1809190" flipH="1">
+            <a:off x="2245014" y="2736779"/>
+            <a:ext cx="1923582" cy="1000217"/>
           </a:xfrm>
-          <a:prstGeom prst="ellipse">
+          <a:prstGeom prst="rect">
             <a:avLst/>
           </a:prstGeom>
-          <a:solidFill>
-            <a:schemeClr val="tx1"/>
-          </a:solidFill>
-          <a:ln w="38100">
-            <a:solidFill>
-              <a:schemeClr val="tx1"/>
-            </a:solidFill>
-          </a:ln>
         </p:spPr>
-        <p:style>
-          <a:lnRef idx="2">
-            <a:schemeClr val="accent1">
-              <a:shade val="50000"/>
-            </a:schemeClr>
-          </a:lnRef>
-          <a:fillRef idx="1">
-            <a:schemeClr val="accent1"/>
-          </a:fillRef>
-          <a:effectRef idx="0">
-            <a:schemeClr val="accent1"/>
-          </a:effectRef>
-          <a:fontRef idx="minor">
-            <a:schemeClr val="lt1"/>
-          </a:fontRef>
-        </p:style>
-        <p:txBody>
-          <a:bodyPr rtlCol="0" anchor="ctr"/>
-          <a:lstStyle/>
-          <a:p>
-            <a:pPr algn="ctr"/>
-            <a:endParaRPr lang="en-CA"/>
-          </a:p>
-        </p:txBody>
-      </p:sp>
+      </p:pic>
       <p:cxnSp>
         <p:nvCxnSpPr>
-          <p:cNvPr id="21" name="Straight Connector 20">
+          <p:cNvPr id="46" name="Straight Arrow Connector 45">
             <a:extLst>
               <a:ext uri="{FF2B5EF4-FFF2-40B4-BE49-F238E27FC236}">
-                <a16:creationId xmlns:a16="http://schemas.microsoft.com/office/drawing/2014/main" id="{DD91B55B-1D32-44C6-AB61-8E03A37FE835}"/>
+                <a16:creationId xmlns:a16="http://schemas.microsoft.com/office/drawing/2014/main" id="{A430B316-1A39-4679-ADC6-7C1BE13C4F14}"/>
               </a:ext>
             </a:extLst>
           </p:cNvPr>
-          <p:cNvCxnSpPr/>
+          <p:cNvCxnSpPr>
+            <a:cxnSpLocks/>
+          </p:cNvCxnSpPr>
           <p:nvPr/>
         </p:nvCxnSpPr>
         <p:spPr>
-          <a:xfrm flipH="1" flipV="1">
-            <a:off x="3722570" y="433137"/>
-            <a:ext cx="48125" cy="2233060"/>
+          <a:xfrm>
+            <a:off x="4110816" y="3339766"/>
+            <a:ext cx="653347" cy="0"/>
           </a:xfrm>
-          <a:prstGeom prst="line">
+          <a:prstGeom prst="straightConnector1">
             <a:avLst/>
           </a:prstGeom>
           <a:ln w="38100">
             <a:solidFill>
               <a:schemeClr val="tx1"/>
             </a:solidFill>
-            <a:prstDash val="dash"/>
+            <a:tailEnd type="triangle"/>
           </a:ln>
         </p:spPr>
         <p:style>
@@ -51521,6 +51901,357 @@
           </a:fontRef>
         </p:style>
       </p:cxnSp>
+      <mc:AlternateContent xmlns:mc="http://schemas.openxmlformats.org/markup-compatibility/2006">
+        <mc:Choice xmlns:a14="http://schemas.microsoft.com/office/drawing/2010/main" Requires="a14">
+          <p:sp>
+            <p:nvSpPr>
+              <p:cNvPr id="47" name="TextBox 46">
+                <a:extLst>
+                  <a:ext uri="{FF2B5EF4-FFF2-40B4-BE49-F238E27FC236}">
+                    <a16:creationId xmlns:a16="http://schemas.microsoft.com/office/drawing/2014/main" id="{AC735B43-1EE0-4F35-8A21-3AD3F4C8334C}"/>
+                  </a:ext>
+                </a:extLst>
+              </p:cNvPr>
+              <p:cNvSpPr txBox="1"/>
+              <p:nvPr/>
+            </p:nvSpPr>
+            <p:spPr>
+              <a:xfrm>
+                <a:off x="4261797" y="3031989"/>
+                <a:ext cx="203069" cy="307777"/>
+              </a:xfrm>
+              <a:prstGeom prst="rect">
+                <a:avLst/>
+              </a:prstGeom>
+              <a:noFill/>
+            </p:spPr>
+            <p:txBody>
+              <a:bodyPr wrap="none" lIns="0" tIns="0" rIns="0" bIns="0" rtlCol="0">
+                <a:spAutoFit/>
+              </a:bodyPr>
+              <a:lstStyle/>
+              <a:p>
+                <a14:m>
+                  <m:oMathPara xmlns:m="http://schemas.openxmlformats.org/officeDocument/2006/math">
+                    <m:oMathParaPr>
+                      <m:jc m:val="centerGroup"/>
+                    </m:oMathParaPr>
+                    <m:oMath xmlns:m="http://schemas.openxmlformats.org/officeDocument/2006/math">
+                      <m:acc>
+                        <m:accPr>
+                          <m:chr m:val="⃗"/>
+                          <m:ctrlPr>
+                            <a:rPr lang="en-CA" sz="2000" b="0" i="1" smtClean="0">
+                              <a:latin typeface="Cambria Math" panose="02040503050406030204" pitchFamily="18" charset="0"/>
+                              <a:cs typeface="Arial" panose="020B0604020202020204" pitchFamily="34" charset="0"/>
+                            </a:rPr>
+                          </m:ctrlPr>
+                        </m:accPr>
+                        <m:e>
+                          <m:r>
+                            <a:rPr lang="en-CA" sz="2000" b="0" i="1" smtClean="0">
+                              <a:latin typeface="Cambria Math" panose="02040503050406030204" pitchFamily="18" charset="0"/>
+                              <a:cs typeface="Arial" panose="020B0604020202020204" pitchFamily="34" charset="0"/>
+                            </a:rPr>
+                            <m:t>𝑣</m:t>
+                          </m:r>
+                        </m:e>
+                      </m:acc>
+                    </m:oMath>
+                  </m:oMathPara>
+                </a14:m>
+                <a:endParaRPr lang="en-CA" sz="2000" b="0" i="1" dirty="0">
+                  <a:latin typeface="Cambria Math" panose="02040503050406030204" pitchFamily="18" charset="0"/>
+                  <a:cs typeface="Arial" panose="020B0604020202020204" pitchFamily="34" charset="0"/>
+                </a:endParaRPr>
+              </a:p>
+            </p:txBody>
+          </p:sp>
+        </mc:Choice>
+        <mc:Fallback>
+          <p:sp>
+            <p:nvSpPr>
+              <p:cNvPr id="47" name="TextBox 46">
+                <a:extLst>
+                  <a:ext uri="{FF2B5EF4-FFF2-40B4-BE49-F238E27FC236}">
+                    <a16:creationId xmlns:a16="http://schemas.microsoft.com/office/drawing/2014/main" id="{AC735B43-1EE0-4F35-8A21-3AD3F4C8334C}"/>
+                  </a:ext>
+                </a:extLst>
+              </p:cNvPr>
+              <p:cNvSpPr txBox="1">
+                <a:spLocks noRot="1" noChangeAspect="1" noMove="1" noResize="1" noEditPoints="1" noAdjustHandles="1" noChangeArrowheads="1" noChangeShapeType="1" noTextEdit="1"/>
+              </p:cNvSpPr>
+              <p:nvPr/>
+            </p:nvSpPr>
+            <p:spPr>
+              <a:xfrm>
+                <a:off x="4261797" y="3031989"/>
+                <a:ext cx="203069" cy="307777"/>
+              </a:xfrm>
+              <a:prstGeom prst="rect">
+                <a:avLst/>
+              </a:prstGeom>
+              <a:blipFill>
+                <a:blip r:embed="rId3"/>
+                <a:stretch>
+                  <a:fillRect l="-24242" t="-33333" r="-100000" b="-5882"/>
+                </a:stretch>
+              </a:blipFill>
+            </p:spPr>
+            <p:txBody>
+              <a:bodyPr/>
+              <a:lstStyle/>
+              <a:p>
+                <a:r>
+                  <a:rPr lang="en-CA">
+                    <a:noFill/>
+                  </a:rPr>
+                  <a:t> </a:t>
+                </a:r>
+              </a:p>
+            </p:txBody>
+          </p:sp>
+        </mc:Fallback>
+      </mc:AlternateContent>
+      <mc:AlternateContent xmlns:mc="http://schemas.openxmlformats.org/markup-compatibility/2006">
+        <mc:Choice xmlns:a14="http://schemas.microsoft.com/office/drawing/2010/main" Requires="a14">
+          <p:sp>
+            <p:nvSpPr>
+              <p:cNvPr id="67" name="TextBox 66">
+                <a:extLst>
+                  <a:ext uri="{FF2B5EF4-FFF2-40B4-BE49-F238E27FC236}">
+                    <a16:creationId xmlns:a16="http://schemas.microsoft.com/office/drawing/2014/main" id="{0C3C5F09-A5C1-4EDA-9041-E5D412A91E01}"/>
+                  </a:ext>
+                </a:extLst>
+              </p:cNvPr>
+              <p:cNvSpPr txBox="1"/>
+              <p:nvPr/>
+            </p:nvSpPr>
+            <p:spPr>
+              <a:xfrm>
+                <a:off x="3510843" y="2004905"/>
+                <a:ext cx="419602" cy="439479"/>
+              </a:xfrm>
+              <a:prstGeom prst="rect">
+                <a:avLst/>
+              </a:prstGeom>
+              <a:noFill/>
+            </p:spPr>
+            <p:txBody>
+              <a:bodyPr wrap="none" rtlCol="0">
+                <a:spAutoFit/>
+              </a:bodyPr>
+              <a:lstStyle/>
+              <a:p>
+                <a14:m>
+                  <m:oMathPara xmlns:m="http://schemas.openxmlformats.org/officeDocument/2006/math">
+                    <m:oMathParaPr>
+                      <m:jc m:val="centerGroup"/>
+                    </m:oMathParaPr>
+                    <m:oMath xmlns:m="http://schemas.openxmlformats.org/officeDocument/2006/math">
+                      <m:acc>
+                        <m:accPr>
+                          <m:chr m:val="⃗"/>
+                          <m:ctrlPr>
+                            <a:rPr lang="en-CA" sz="2000" b="0" i="1" smtClean="0">
+                              <a:latin typeface="Cambria Math" panose="02040503050406030204" pitchFamily="18" charset="0"/>
+                              <a:cs typeface="Arial" panose="020B0604020202020204" pitchFamily="34" charset="0"/>
+                            </a:rPr>
+                          </m:ctrlPr>
+                        </m:accPr>
+                        <m:e>
+                          <m:r>
+                            <a:rPr lang="en-CA" sz="2000" b="0" i="1" smtClean="0">
+                              <a:latin typeface="Cambria Math" panose="02040503050406030204" pitchFamily="18" charset="0"/>
+                              <a:cs typeface="Arial" panose="020B0604020202020204" pitchFamily="34" charset="0"/>
+                            </a:rPr>
+                            <m:t>𝐴</m:t>
+                          </m:r>
+                        </m:e>
+                      </m:acc>
+                    </m:oMath>
+                  </m:oMathPara>
+                </a14:m>
+                <a:endParaRPr lang="en-CA" sz="2000" dirty="0">
+                  <a:latin typeface="Arial" panose="020B0604020202020204" pitchFamily="34" charset="0"/>
+                  <a:cs typeface="Arial" panose="020B0604020202020204" pitchFamily="34" charset="0"/>
+                </a:endParaRPr>
+              </a:p>
+            </p:txBody>
+          </p:sp>
+        </mc:Choice>
+        <mc:Fallback>
+          <p:sp>
+            <p:nvSpPr>
+              <p:cNvPr id="67" name="TextBox 66">
+                <a:extLst>
+                  <a:ext uri="{FF2B5EF4-FFF2-40B4-BE49-F238E27FC236}">
+                    <a16:creationId xmlns:a16="http://schemas.microsoft.com/office/drawing/2014/main" id="{0C3C5F09-A5C1-4EDA-9041-E5D412A91E01}"/>
+                  </a:ext>
+                </a:extLst>
+              </p:cNvPr>
+              <p:cNvSpPr txBox="1">
+                <a:spLocks noRot="1" noChangeAspect="1" noMove="1" noResize="1" noEditPoints="1" noAdjustHandles="1" noChangeArrowheads="1" noChangeShapeType="1" noTextEdit="1"/>
+              </p:cNvSpPr>
+              <p:nvPr/>
+            </p:nvSpPr>
+            <p:spPr>
+              <a:xfrm>
+                <a:off x="3510843" y="2004905"/>
+                <a:ext cx="419602" cy="439479"/>
+              </a:xfrm>
+              <a:prstGeom prst="rect">
+                <a:avLst/>
+              </a:prstGeom>
+              <a:blipFill>
+                <a:blip r:embed="rId4"/>
+                <a:stretch>
+                  <a:fillRect t="-16667" r="-33333"/>
+                </a:stretch>
+              </a:blipFill>
+            </p:spPr>
+            <p:txBody>
+              <a:bodyPr/>
+              <a:lstStyle/>
+              <a:p>
+                <a:r>
+                  <a:rPr lang="en-CA">
+                    <a:noFill/>
+                  </a:rPr>
+                  <a:t> </a:t>
+                </a:r>
+              </a:p>
+            </p:txBody>
+          </p:sp>
+        </mc:Fallback>
+      </mc:AlternateContent>
+      <mc:AlternateContent xmlns:mc="http://schemas.openxmlformats.org/markup-compatibility/2006">
+        <mc:Choice xmlns:a14="http://schemas.microsoft.com/office/drawing/2010/main" Requires="a14">
+          <p:sp>
+            <p:nvSpPr>
+              <p:cNvPr id="69" name="TextBox 68">
+                <a:extLst>
+                  <a:ext uri="{FF2B5EF4-FFF2-40B4-BE49-F238E27FC236}">
+                    <a16:creationId xmlns:a16="http://schemas.microsoft.com/office/drawing/2014/main" id="{D40EB4CF-F15A-4939-8574-AD4C27B4C3C5}"/>
+                  </a:ext>
+                </a:extLst>
+              </p:cNvPr>
+              <p:cNvSpPr txBox="1"/>
+              <p:nvPr/>
+            </p:nvSpPr>
+            <p:spPr>
+              <a:xfrm>
+                <a:off x="2023682" y="1611892"/>
+                <a:ext cx="430374" cy="437492"/>
+              </a:xfrm>
+              <a:prstGeom prst="rect">
+                <a:avLst/>
+              </a:prstGeom>
+              <a:noFill/>
+            </p:spPr>
+            <p:txBody>
+              <a:bodyPr wrap="none" rtlCol="0">
+                <a:spAutoFit/>
+              </a:bodyPr>
+              <a:lstStyle/>
+              <a:p>
+                <a14:m>
+                  <m:oMathPara xmlns:m="http://schemas.openxmlformats.org/officeDocument/2006/math">
+                    <m:oMathParaPr>
+                      <m:jc m:val="centerGroup"/>
+                    </m:oMathParaPr>
+                    <m:oMath xmlns:m="http://schemas.openxmlformats.org/officeDocument/2006/math">
+                      <m:acc>
+                        <m:accPr>
+                          <m:chr m:val="⃗"/>
+                          <m:ctrlPr>
+                            <a:rPr lang="en-CA" sz="2000" b="0" i="1" smtClean="0">
+                              <a:solidFill>
+                                <a:schemeClr val="bg1">
+                                  <a:lumMod val="65000"/>
+                                </a:schemeClr>
+                              </a:solidFill>
+                              <a:latin typeface="Cambria Math" panose="02040503050406030204" pitchFamily="18" charset="0"/>
+                              <a:cs typeface="Arial" panose="020B0604020202020204" pitchFamily="34" charset="0"/>
+                            </a:rPr>
+                          </m:ctrlPr>
+                        </m:accPr>
+                        <m:e>
+                          <m:r>
+                            <a:rPr lang="en-CA" sz="2000" b="0" i="1" smtClean="0">
+                              <a:solidFill>
+                                <a:schemeClr val="bg1">
+                                  <a:lumMod val="65000"/>
+                                </a:schemeClr>
+                              </a:solidFill>
+                              <a:latin typeface="Cambria Math" panose="02040503050406030204" pitchFamily="18" charset="0"/>
+                              <a:cs typeface="Arial" panose="020B0604020202020204" pitchFamily="34" charset="0"/>
+                            </a:rPr>
+                            <m:t>𝐵</m:t>
+                          </m:r>
+                        </m:e>
+                      </m:acc>
+                    </m:oMath>
+                  </m:oMathPara>
+                </a14:m>
+                <a:endParaRPr lang="en-CA" sz="2000" dirty="0">
+                  <a:solidFill>
+                    <a:schemeClr val="bg1">
+                      <a:lumMod val="65000"/>
+                    </a:schemeClr>
+                  </a:solidFill>
+                  <a:latin typeface="Arial" panose="020B0604020202020204" pitchFamily="34" charset="0"/>
+                  <a:cs typeface="Arial" panose="020B0604020202020204" pitchFamily="34" charset="0"/>
+                </a:endParaRPr>
+              </a:p>
+            </p:txBody>
+          </p:sp>
+        </mc:Choice>
+        <mc:Fallback>
+          <p:sp>
+            <p:nvSpPr>
+              <p:cNvPr id="69" name="TextBox 68">
+                <a:extLst>
+                  <a:ext uri="{FF2B5EF4-FFF2-40B4-BE49-F238E27FC236}">
+                    <a16:creationId xmlns:a16="http://schemas.microsoft.com/office/drawing/2014/main" id="{D40EB4CF-F15A-4939-8574-AD4C27B4C3C5}"/>
+                  </a:ext>
+                </a:extLst>
+              </p:cNvPr>
+              <p:cNvSpPr txBox="1">
+                <a:spLocks noRot="1" noChangeAspect="1" noMove="1" noResize="1" noEditPoints="1" noAdjustHandles="1" noChangeArrowheads="1" noChangeShapeType="1" noTextEdit="1"/>
+              </p:cNvSpPr>
+              <p:nvPr/>
+            </p:nvSpPr>
+            <p:spPr>
+              <a:xfrm>
+                <a:off x="2023682" y="1611892"/>
+                <a:ext cx="430374" cy="437492"/>
+              </a:xfrm>
+              <a:prstGeom prst="rect">
+                <a:avLst/>
+              </a:prstGeom>
+              <a:blipFill>
+                <a:blip r:embed="rId5"/>
+                <a:stretch>
+                  <a:fillRect/>
+                </a:stretch>
+              </a:blipFill>
+            </p:spPr>
+            <p:txBody>
+              <a:bodyPr/>
+              <a:lstStyle/>
+              <a:p>
+                <a:r>
+                  <a:rPr lang="en-CA">
+                    <a:noFill/>
+                  </a:rPr>
+                  <a:t> </a:t>
+                </a:r>
+              </a:p>
+            </p:txBody>
+          </p:sp>
+        </mc:Fallback>
+      </mc:AlternateContent>
     </p:spTree>
     <p:extLst>
       <p:ext uri="{BB962C8B-B14F-4D97-AF65-F5344CB8AC3E}">

--- a/tex/figures/Induction/Figures.pptx
+++ b/tex/figures/Induction/Figures.pptx
@@ -832,7 +832,7 @@
           <a:p>
             <a:fld id="{FA15A6B2-55AC-CD4B-A1E6-BB01091FE9DC}" type="datetimeFigureOut">
               <a:rPr lang="en-US" smtClean="0"/>
-              <a:t>8/20/2019</a:t>
+              <a:t>8/21/2019</a:t>
             </a:fld>
             <a:endParaRPr lang="en-US"/>
           </a:p>
@@ -1361,7 +1361,7 @@
           <a:p>
             <a:fld id="{F7249F8D-641B-4CAF-BAE5-10524742F6F1}" type="datetimeFigureOut">
               <a:rPr lang="en-CA" smtClean="0"/>
-              <a:t>2019-08-20</a:t>
+              <a:t>2019-08-21</a:t>
             </a:fld>
             <a:endParaRPr lang="en-CA"/>
           </a:p>
@@ -1531,7 +1531,7 @@
           <a:p>
             <a:fld id="{F7249F8D-641B-4CAF-BAE5-10524742F6F1}" type="datetimeFigureOut">
               <a:rPr lang="en-CA" smtClean="0"/>
-              <a:t>2019-08-20</a:t>
+              <a:t>2019-08-21</a:t>
             </a:fld>
             <a:endParaRPr lang="en-CA"/>
           </a:p>
@@ -1711,7 +1711,7 @@
           <a:p>
             <a:fld id="{F7249F8D-641B-4CAF-BAE5-10524742F6F1}" type="datetimeFigureOut">
               <a:rPr lang="en-CA" smtClean="0"/>
-              <a:t>2019-08-20</a:t>
+              <a:t>2019-08-21</a:t>
             </a:fld>
             <a:endParaRPr lang="en-CA"/>
           </a:p>
@@ -1881,7 +1881,7 @@
           <a:p>
             <a:fld id="{F7249F8D-641B-4CAF-BAE5-10524742F6F1}" type="datetimeFigureOut">
               <a:rPr lang="en-CA" smtClean="0"/>
-              <a:t>2019-08-20</a:t>
+              <a:t>2019-08-21</a:t>
             </a:fld>
             <a:endParaRPr lang="en-CA"/>
           </a:p>
@@ -2127,7 +2127,7 @@
           <a:p>
             <a:fld id="{F7249F8D-641B-4CAF-BAE5-10524742F6F1}" type="datetimeFigureOut">
               <a:rPr lang="en-CA" smtClean="0"/>
-              <a:t>2019-08-20</a:t>
+              <a:t>2019-08-21</a:t>
             </a:fld>
             <a:endParaRPr lang="en-CA"/>
           </a:p>
@@ -2359,7 +2359,7 @@
           <a:p>
             <a:fld id="{F7249F8D-641B-4CAF-BAE5-10524742F6F1}" type="datetimeFigureOut">
               <a:rPr lang="en-CA" smtClean="0"/>
-              <a:t>2019-08-20</a:t>
+              <a:t>2019-08-21</a:t>
             </a:fld>
             <a:endParaRPr lang="en-CA"/>
           </a:p>
@@ -2726,7 +2726,7 @@
           <a:p>
             <a:fld id="{F7249F8D-641B-4CAF-BAE5-10524742F6F1}" type="datetimeFigureOut">
               <a:rPr lang="en-CA" smtClean="0"/>
-              <a:t>2019-08-20</a:t>
+              <a:t>2019-08-21</a:t>
             </a:fld>
             <a:endParaRPr lang="en-CA"/>
           </a:p>
@@ -2844,7 +2844,7 @@
           <a:p>
             <a:fld id="{F7249F8D-641B-4CAF-BAE5-10524742F6F1}" type="datetimeFigureOut">
               <a:rPr lang="en-CA" smtClean="0"/>
-              <a:t>2019-08-20</a:t>
+              <a:t>2019-08-21</a:t>
             </a:fld>
             <a:endParaRPr lang="en-CA"/>
           </a:p>
@@ -2939,7 +2939,7 @@
           <a:p>
             <a:fld id="{F7249F8D-641B-4CAF-BAE5-10524742F6F1}" type="datetimeFigureOut">
               <a:rPr lang="en-CA" smtClean="0"/>
-              <a:t>2019-08-20</a:t>
+              <a:t>2019-08-21</a:t>
             </a:fld>
             <a:endParaRPr lang="en-CA"/>
           </a:p>
@@ -3216,7 +3216,7 @@
           <a:p>
             <a:fld id="{F7249F8D-641B-4CAF-BAE5-10524742F6F1}" type="datetimeFigureOut">
               <a:rPr lang="en-CA" smtClean="0"/>
-              <a:t>2019-08-20</a:t>
+              <a:t>2019-08-21</a:t>
             </a:fld>
             <a:endParaRPr lang="en-CA"/>
           </a:p>
@@ -3469,7 +3469,7 @@
           <a:p>
             <a:fld id="{F7249F8D-641B-4CAF-BAE5-10524742F6F1}" type="datetimeFigureOut">
               <a:rPr lang="en-CA" smtClean="0"/>
-              <a:t>2019-08-20</a:t>
+              <a:t>2019-08-21</a:t>
             </a:fld>
             <a:endParaRPr lang="en-CA"/>
           </a:p>
@@ -3682,7 +3682,7 @@
           <a:p>
             <a:fld id="{F7249F8D-641B-4CAF-BAE5-10524742F6F1}" type="datetimeFigureOut">
               <a:rPr lang="en-CA" smtClean="0"/>
-              <a:t>2019-08-20</a:t>
+              <a:t>2019-08-21</a:t>
             </a:fld>
             <a:endParaRPr lang="en-CA"/>
           </a:p>
@@ -51281,7 +51281,7 @@
             <p:nvPr/>
           </p:nvPicPr>
           <p:blipFill>
-            <a:blip r:embed="rId35">
+            <a:blip r:embed="rId35" cstate="print">
               <a:extLst>
                 <a:ext uri="{28A0092B-C50C-407E-A947-70E740481C1C}">
                   <a14:useLocalDpi xmlns:a14="http://schemas.microsoft.com/office/drawing/2010/main" val="0"/>
@@ -51335,30 +51335,504 @@
       </p:grpSpPr>
       <p:grpSp>
         <p:nvGrpSpPr>
-          <p:cNvPr id="66" name="Group 65">
-            <a:extLst>
-              <a:ext uri="{FF2B5EF4-FFF2-40B4-BE49-F238E27FC236}">
-                <a16:creationId xmlns:a16="http://schemas.microsoft.com/office/drawing/2014/main" id="{C5B690BB-3588-407A-B7E7-D8E1AB7545C5}"/>
-              </a:ext>
-            </a:extLst>
-          </p:cNvPr>
+          <p:cNvPr id="2" name="Group 1"/>
           <p:cNvGrpSpPr/>
           <p:nvPr/>
         </p:nvGrpSpPr>
         <p:grpSpPr>
-          <a:xfrm rot="10800000">
-            <a:off x="2406890" y="1528443"/>
-            <a:ext cx="2113576" cy="2748602"/>
-            <a:chOff x="2406890" y="1528443"/>
-            <a:chExt cx="2113576" cy="2748602"/>
+          <a:xfrm>
+            <a:off x="2023682" y="1528443"/>
+            <a:ext cx="2740481" cy="2748602"/>
+            <a:chOff x="2023682" y="1528443"/>
+            <a:chExt cx="2740481" cy="2748602"/>
           </a:xfrm>
         </p:grpSpPr>
+        <p:grpSp>
+          <p:nvGrpSpPr>
+            <p:cNvPr id="66" name="Group 65">
+              <a:extLst>
+                <a:ext uri="{FF2B5EF4-FFF2-40B4-BE49-F238E27FC236}">
+                  <a16:creationId xmlns:a16="http://schemas.microsoft.com/office/drawing/2014/main" id="{C5B690BB-3588-407A-B7E7-D8E1AB7545C5}"/>
+                </a:ext>
+              </a:extLst>
+            </p:cNvPr>
+            <p:cNvGrpSpPr/>
+            <p:nvPr/>
+          </p:nvGrpSpPr>
+          <p:grpSpPr>
+            <a:xfrm rot="10800000">
+              <a:off x="2406890" y="1528443"/>
+              <a:ext cx="2113576" cy="2748602"/>
+              <a:chOff x="2406890" y="1528443"/>
+              <a:chExt cx="2113576" cy="2748602"/>
+            </a:xfrm>
+          </p:grpSpPr>
+          <p:cxnSp>
+            <p:nvCxnSpPr>
+              <p:cNvPr id="45" name="Straight Arrow Connector 44">
+                <a:extLst>
+                  <a:ext uri="{FF2B5EF4-FFF2-40B4-BE49-F238E27FC236}">
+                    <a16:creationId xmlns:a16="http://schemas.microsoft.com/office/drawing/2014/main" id="{C6996DDB-6E03-4CD2-8CFF-5A215C59B294}"/>
+                  </a:ext>
+                </a:extLst>
+              </p:cNvPr>
+              <p:cNvCxnSpPr>
+                <a:cxnSpLocks/>
+              </p:cNvCxnSpPr>
+              <p:nvPr/>
+            </p:nvCxnSpPr>
+            <p:spPr>
+              <a:xfrm>
+                <a:off x="4520466" y="1528450"/>
+                <a:ext cx="0" cy="2748595"/>
+              </a:xfrm>
+              <a:prstGeom prst="straightConnector1">
+                <a:avLst/>
+              </a:prstGeom>
+              <a:ln w="38100">
+                <a:solidFill>
+                  <a:schemeClr val="bg1">
+                    <a:lumMod val="85000"/>
+                  </a:schemeClr>
+                </a:solidFill>
+                <a:tailEnd type="triangle"/>
+              </a:ln>
+            </p:spPr>
+            <p:style>
+              <a:lnRef idx="1">
+                <a:schemeClr val="accent1"/>
+              </a:lnRef>
+              <a:fillRef idx="0">
+                <a:schemeClr val="accent1"/>
+              </a:fillRef>
+              <a:effectRef idx="0">
+                <a:schemeClr val="accent1"/>
+              </a:effectRef>
+              <a:fontRef idx="minor">
+                <a:schemeClr val="tx1"/>
+              </a:fontRef>
+            </p:style>
+          </p:cxnSp>
+          <p:cxnSp>
+            <p:nvCxnSpPr>
+              <p:cNvPr id="54" name="Straight Arrow Connector 53">
+                <a:extLst>
+                  <a:ext uri="{FF2B5EF4-FFF2-40B4-BE49-F238E27FC236}">
+                    <a16:creationId xmlns:a16="http://schemas.microsoft.com/office/drawing/2014/main" id="{0BF42A0C-1F07-4E4F-823F-69D8398CCE46}"/>
+                  </a:ext>
+                </a:extLst>
+              </p:cNvPr>
+              <p:cNvCxnSpPr>
+                <a:cxnSpLocks/>
+              </p:cNvCxnSpPr>
+              <p:nvPr/>
+            </p:nvCxnSpPr>
+            <p:spPr>
+              <a:xfrm>
+                <a:off x="4259050" y="1528449"/>
+                <a:ext cx="0" cy="2748595"/>
+              </a:xfrm>
+              <a:prstGeom prst="straightConnector1">
+                <a:avLst/>
+              </a:prstGeom>
+              <a:ln w="38100">
+                <a:solidFill>
+                  <a:schemeClr val="bg1">
+                    <a:lumMod val="85000"/>
+                  </a:schemeClr>
+                </a:solidFill>
+                <a:tailEnd type="triangle"/>
+              </a:ln>
+            </p:spPr>
+            <p:style>
+              <a:lnRef idx="1">
+                <a:schemeClr val="accent1"/>
+              </a:lnRef>
+              <a:fillRef idx="0">
+                <a:schemeClr val="accent1"/>
+              </a:fillRef>
+              <a:effectRef idx="0">
+                <a:schemeClr val="accent1"/>
+              </a:effectRef>
+              <a:fontRef idx="minor">
+                <a:schemeClr val="tx1"/>
+              </a:fontRef>
+            </p:style>
+          </p:cxnSp>
+          <p:cxnSp>
+            <p:nvCxnSpPr>
+              <p:cNvPr id="55" name="Straight Arrow Connector 54">
+                <a:extLst>
+                  <a:ext uri="{FF2B5EF4-FFF2-40B4-BE49-F238E27FC236}">
+                    <a16:creationId xmlns:a16="http://schemas.microsoft.com/office/drawing/2014/main" id="{91657AE5-F20C-4CFB-8521-4B29C17AA0A5}"/>
+                  </a:ext>
+                </a:extLst>
+              </p:cNvPr>
+              <p:cNvCxnSpPr>
+                <a:cxnSpLocks/>
+              </p:cNvCxnSpPr>
+              <p:nvPr/>
+            </p:nvCxnSpPr>
+            <p:spPr>
+              <a:xfrm>
+                <a:off x="3984285" y="1528448"/>
+                <a:ext cx="0" cy="2748595"/>
+              </a:xfrm>
+              <a:prstGeom prst="straightConnector1">
+                <a:avLst/>
+              </a:prstGeom>
+              <a:ln w="38100">
+                <a:solidFill>
+                  <a:schemeClr val="bg1">
+                    <a:lumMod val="85000"/>
+                  </a:schemeClr>
+                </a:solidFill>
+                <a:tailEnd type="triangle"/>
+              </a:ln>
+            </p:spPr>
+            <p:style>
+              <a:lnRef idx="1">
+                <a:schemeClr val="accent1"/>
+              </a:lnRef>
+              <a:fillRef idx="0">
+                <a:schemeClr val="accent1"/>
+              </a:fillRef>
+              <a:effectRef idx="0">
+                <a:schemeClr val="accent1"/>
+              </a:effectRef>
+              <a:fontRef idx="minor">
+                <a:schemeClr val="tx1"/>
+              </a:fontRef>
+            </p:style>
+          </p:cxnSp>
+          <p:cxnSp>
+            <p:nvCxnSpPr>
+              <p:cNvPr id="58" name="Straight Arrow Connector 57">
+                <a:extLst>
+                  <a:ext uri="{FF2B5EF4-FFF2-40B4-BE49-F238E27FC236}">
+                    <a16:creationId xmlns:a16="http://schemas.microsoft.com/office/drawing/2014/main" id="{A7DCAEA9-0118-4217-92A3-932AC0EC5A00}"/>
+                  </a:ext>
+                </a:extLst>
+              </p:cNvPr>
+              <p:cNvCxnSpPr>
+                <a:cxnSpLocks/>
+              </p:cNvCxnSpPr>
+              <p:nvPr/>
+            </p:nvCxnSpPr>
+            <p:spPr>
+              <a:xfrm>
+                <a:off x="3745117" y="1528447"/>
+                <a:ext cx="0" cy="2748595"/>
+              </a:xfrm>
+              <a:prstGeom prst="straightConnector1">
+                <a:avLst/>
+              </a:prstGeom>
+              <a:ln w="38100">
+                <a:solidFill>
+                  <a:schemeClr val="bg1">
+                    <a:lumMod val="85000"/>
+                  </a:schemeClr>
+                </a:solidFill>
+                <a:tailEnd type="triangle"/>
+              </a:ln>
+            </p:spPr>
+            <p:style>
+              <a:lnRef idx="1">
+                <a:schemeClr val="accent1"/>
+              </a:lnRef>
+              <a:fillRef idx="0">
+                <a:schemeClr val="accent1"/>
+              </a:fillRef>
+              <a:effectRef idx="0">
+                <a:schemeClr val="accent1"/>
+              </a:effectRef>
+              <a:fontRef idx="minor">
+                <a:schemeClr val="tx1"/>
+              </a:fontRef>
+            </p:style>
+          </p:cxnSp>
+          <p:cxnSp>
+            <p:nvCxnSpPr>
+              <p:cNvPr id="59" name="Straight Arrow Connector 58">
+                <a:extLst>
+                  <a:ext uri="{FF2B5EF4-FFF2-40B4-BE49-F238E27FC236}">
+                    <a16:creationId xmlns:a16="http://schemas.microsoft.com/office/drawing/2014/main" id="{17BDAE54-6189-43EF-8388-7B14EEC01175}"/>
+                  </a:ext>
+                </a:extLst>
+              </p:cNvPr>
+              <p:cNvCxnSpPr>
+                <a:cxnSpLocks/>
+              </p:cNvCxnSpPr>
+              <p:nvPr/>
+            </p:nvCxnSpPr>
+            <p:spPr>
+              <a:xfrm>
+                <a:off x="3483701" y="1528446"/>
+                <a:ext cx="0" cy="2748595"/>
+              </a:xfrm>
+              <a:prstGeom prst="straightConnector1">
+                <a:avLst/>
+              </a:prstGeom>
+              <a:ln w="38100">
+                <a:solidFill>
+                  <a:schemeClr val="bg1">
+                    <a:lumMod val="85000"/>
+                  </a:schemeClr>
+                </a:solidFill>
+                <a:tailEnd type="triangle"/>
+              </a:ln>
+            </p:spPr>
+            <p:style>
+              <a:lnRef idx="1">
+                <a:schemeClr val="accent1"/>
+              </a:lnRef>
+              <a:fillRef idx="0">
+                <a:schemeClr val="accent1"/>
+              </a:fillRef>
+              <a:effectRef idx="0">
+                <a:schemeClr val="accent1"/>
+              </a:effectRef>
+              <a:fontRef idx="minor">
+                <a:schemeClr val="tx1"/>
+              </a:fontRef>
+            </p:style>
+          </p:cxnSp>
+          <p:cxnSp>
+            <p:nvCxnSpPr>
+              <p:cNvPr id="60" name="Straight Arrow Connector 59">
+                <a:extLst>
+                  <a:ext uri="{FF2B5EF4-FFF2-40B4-BE49-F238E27FC236}">
+                    <a16:creationId xmlns:a16="http://schemas.microsoft.com/office/drawing/2014/main" id="{71C39FE4-177B-4FBD-BF78-29295E32C6EC}"/>
+                  </a:ext>
+                </a:extLst>
+              </p:cNvPr>
+              <p:cNvCxnSpPr>
+                <a:cxnSpLocks/>
+              </p:cNvCxnSpPr>
+              <p:nvPr/>
+            </p:nvCxnSpPr>
+            <p:spPr>
+              <a:xfrm>
+                <a:off x="3208936" y="1528445"/>
+                <a:ext cx="0" cy="2748595"/>
+              </a:xfrm>
+              <a:prstGeom prst="straightConnector1">
+                <a:avLst/>
+              </a:prstGeom>
+              <a:ln w="38100">
+                <a:solidFill>
+                  <a:schemeClr val="bg1">
+                    <a:lumMod val="85000"/>
+                  </a:schemeClr>
+                </a:solidFill>
+                <a:tailEnd type="triangle"/>
+              </a:ln>
+            </p:spPr>
+            <p:style>
+              <a:lnRef idx="1">
+                <a:schemeClr val="accent1"/>
+              </a:lnRef>
+              <a:fillRef idx="0">
+                <a:schemeClr val="accent1"/>
+              </a:fillRef>
+              <a:effectRef idx="0">
+                <a:schemeClr val="accent1"/>
+              </a:effectRef>
+              <a:fontRef idx="minor">
+                <a:schemeClr val="tx1"/>
+              </a:fontRef>
+            </p:style>
+          </p:cxnSp>
+          <p:cxnSp>
+            <p:nvCxnSpPr>
+              <p:cNvPr id="61" name="Straight Arrow Connector 60">
+                <a:extLst>
+                  <a:ext uri="{FF2B5EF4-FFF2-40B4-BE49-F238E27FC236}">
+                    <a16:creationId xmlns:a16="http://schemas.microsoft.com/office/drawing/2014/main" id="{B4EC1C7C-5FD0-431D-AB25-C8703F4630CB}"/>
+                  </a:ext>
+                </a:extLst>
+              </p:cNvPr>
+              <p:cNvCxnSpPr>
+                <a:cxnSpLocks/>
+              </p:cNvCxnSpPr>
+              <p:nvPr/>
+            </p:nvCxnSpPr>
+            <p:spPr>
+              <a:xfrm>
+                <a:off x="2943071" y="1528445"/>
+                <a:ext cx="0" cy="2748595"/>
+              </a:xfrm>
+              <a:prstGeom prst="straightConnector1">
+                <a:avLst/>
+              </a:prstGeom>
+              <a:ln w="38100">
+                <a:solidFill>
+                  <a:schemeClr val="bg1">
+                    <a:lumMod val="85000"/>
+                  </a:schemeClr>
+                </a:solidFill>
+                <a:tailEnd type="triangle"/>
+              </a:ln>
+            </p:spPr>
+            <p:style>
+              <a:lnRef idx="1">
+                <a:schemeClr val="accent1"/>
+              </a:lnRef>
+              <a:fillRef idx="0">
+                <a:schemeClr val="accent1"/>
+              </a:fillRef>
+              <a:effectRef idx="0">
+                <a:schemeClr val="accent1"/>
+              </a:effectRef>
+              <a:fontRef idx="minor">
+                <a:schemeClr val="tx1"/>
+              </a:fontRef>
+            </p:style>
+          </p:cxnSp>
+          <p:cxnSp>
+            <p:nvCxnSpPr>
+              <p:cNvPr id="62" name="Straight Arrow Connector 61">
+                <a:extLst>
+                  <a:ext uri="{FF2B5EF4-FFF2-40B4-BE49-F238E27FC236}">
+                    <a16:creationId xmlns:a16="http://schemas.microsoft.com/office/drawing/2014/main" id="{3EDBCC20-2265-4197-8156-DAF00F90086F}"/>
+                  </a:ext>
+                </a:extLst>
+              </p:cNvPr>
+              <p:cNvCxnSpPr>
+                <a:cxnSpLocks/>
+              </p:cNvCxnSpPr>
+              <p:nvPr/>
+            </p:nvCxnSpPr>
+            <p:spPr>
+              <a:xfrm>
+                <a:off x="2681655" y="1528444"/>
+                <a:ext cx="0" cy="2748595"/>
+              </a:xfrm>
+              <a:prstGeom prst="straightConnector1">
+                <a:avLst/>
+              </a:prstGeom>
+              <a:ln w="38100">
+                <a:solidFill>
+                  <a:schemeClr val="bg1">
+                    <a:lumMod val="85000"/>
+                  </a:schemeClr>
+                </a:solidFill>
+                <a:tailEnd type="triangle"/>
+              </a:ln>
+            </p:spPr>
+            <p:style>
+              <a:lnRef idx="1">
+                <a:schemeClr val="accent1"/>
+              </a:lnRef>
+              <a:fillRef idx="0">
+                <a:schemeClr val="accent1"/>
+              </a:fillRef>
+              <a:effectRef idx="0">
+                <a:schemeClr val="accent1"/>
+              </a:effectRef>
+              <a:fontRef idx="minor">
+                <a:schemeClr val="tx1"/>
+              </a:fontRef>
+            </p:style>
+          </p:cxnSp>
+          <p:cxnSp>
+            <p:nvCxnSpPr>
+              <p:cNvPr id="63" name="Straight Arrow Connector 62">
+                <a:extLst>
+                  <a:ext uri="{FF2B5EF4-FFF2-40B4-BE49-F238E27FC236}">
+                    <a16:creationId xmlns:a16="http://schemas.microsoft.com/office/drawing/2014/main" id="{7FCDE28F-FA00-4C63-80A1-88AEC255B989}"/>
+                  </a:ext>
+                </a:extLst>
+              </p:cNvPr>
+              <p:cNvCxnSpPr>
+                <a:cxnSpLocks/>
+              </p:cNvCxnSpPr>
+              <p:nvPr/>
+            </p:nvCxnSpPr>
+            <p:spPr>
+              <a:xfrm>
+                <a:off x="2406890" y="1528443"/>
+                <a:ext cx="0" cy="2748595"/>
+              </a:xfrm>
+              <a:prstGeom prst="straightConnector1">
+                <a:avLst/>
+              </a:prstGeom>
+              <a:ln w="38100">
+                <a:solidFill>
+                  <a:schemeClr val="bg1">
+                    <a:lumMod val="85000"/>
+                  </a:schemeClr>
+                </a:solidFill>
+                <a:tailEnd type="triangle"/>
+              </a:ln>
+            </p:spPr>
+            <p:style>
+              <a:lnRef idx="1">
+                <a:schemeClr val="accent1"/>
+              </a:lnRef>
+              <a:fillRef idx="0">
+                <a:schemeClr val="accent1"/>
+              </a:fillRef>
+              <a:effectRef idx="0">
+                <a:schemeClr val="accent1"/>
+              </a:effectRef>
+              <a:fontRef idx="minor">
+                <a:schemeClr val="tx1"/>
+              </a:fontRef>
+            </p:style>
+          </p:cxnSp>
+        </p:grpSp>
+        <p:pic>
+          <p:nvPicPr>
+            <p:cNvPr id="3" name="Picture 2" descr="A picture containing stationary&#10;&#10;Description automatically generated">
+              <a:extLst>
+                <a:ext uri="{FF2B5EF4-FFF2-40B4-BE49-F238E27FC236}">
+                  <a16:creationId xmlns:a16="http://schemas.microsoft.com/office/drawing/2014/main" id="{84842DFE-763A-4EC2-BCAD-AB457EDC743A}"/>
+                </a:ext>
+              </a:extLst>
+            </p:cNvPr>
+            <p:cNvPicPr>
+              <a:picLocks noChangeAspect="1"/>
+            </p:cNvPicPr>
+            <p:nvPr/>
+          </p:nvPicPr>
+          <p:blipFill rotWithShape="1">
+            <a:blip r:embed="rId2" cstate="print">
+              <a:clrChange>
+                <a:clrFrom>
+                  <a:srgbClr val="FFFFFF"/>
+                </a:clrFrom>
+                <a:clrTo>
+                  <a:srgbClr val="FFFFFF">
+                    <a:alpha val="0"/>
+                  </a:srgbClr>
+                </a:clrTo>
+              </a:clrChange>
+              <a:extLst>
+                <a:ext uri="{28A0092B-C50C-407E-A947-70E740481C1C}">
+                  <a14:useLocalDpi xmlns:a14="http://schemas.microsoft.com/office/drawing/2010/main" val="0"/>
+                </a:ext>
+              </a:extLst>
+            </a:blip>
+            <a:srcRect l="15771" t="15159" r="13690" b="20170"/>
+            <a:stretch/>
+          </p:blipFill>
+          <p:spPr>
+            <a:xfrm rot="1809190" flipH="1">
+              <a:off x="2245014" y="2736779"/>
+              <a:ext cx="1923582" cy="1000217"/>
+            </a:xfrm>
+            <a:prstGeom prst="rect">
+              <a:avLst/>
+            </a:prstGeom>
+          </p:spPr>
+        </p:pic>
         <p:cxnSp>
           <p:nvCxnSpPr>
-            <p:cNvPr id="45" name="Straight Arrow Connector 44">
+            <p:cNvPr id="46" name="Straight Arrow Connector 45">
               <a:extLst>
                 <a:ext uri="{FF2B5EF4-FFF2-40B4-BE49-F238E27FC236}">
-                  <a16:creationId xmlns:a16="http://schemas.microsoft.com/office/drawing/2014/main" id="{C6996DDB-6E03-4CD2-8CFF-5A215C59B294}"/>
+                  <a16:creationId xmlns:a16="http://schemas.microsoft.com/office/drawing/2014/main" id="{A430B316-1A39-4679-ADC6-7C1BE13C4F14}"/>
                 </a:ext>
               </a:extLst>
             </p:cNvPr>
@@ -51369,17 +51843,15 @@
           </p:nvCxnSpPr>
           <p:spPr>
             <a:xfrm>
-              <a:off x="4520466" y="1528450"/>
-              <a:ext cx="0" cy="2748595"/>
+              <a:off x="4110816" y="3339766"/>
+              <a:ext cx="653347" cy="0"/>
             </a:xfrm>
             <a:prstGeom prst="straightConnector1">
               <a:avLst/>
             </a:prstGeom>
             <a:ln w="38100">
               <a:solidFill>
-                <a:schemeClr val="bg1">
-                  <a:lumMod val="85000"/>
-                </a:schemeClr>
+                <a:schemeClr val="tx1"/>
               </a:solidFill>
               <a:tailEnd type="triangle"/>
             </a:ln>
@@ -51399,859 +51871,248 @@
             </a:fontRef>
           </p:style>
         </p:cxnSp>
-        <p:cxnSp>
-          <p:nvCxnSpPr>
-            <p:cNvPr id="54" name="Straight Arrow Connector 53">
-              <a:extLst>
-                <a:ext uri="{FF2B5EF4-FFF2-40B4-BE49-F238E27FC236}">
-                  <a16:creationId xmlns:a16="http://schemas.microsoft.com/office/drawing/2014/main" id="{0BF42A0C-1F07-4E4F-823F-69D8398CCE46}"/>
-                </a:ext>
-              </a:extLst>
-            </p:cNvPr>
-            <p:cNvCxnSpPr>
-              <a:cxnSpLocks/>
-            </p:cNvCxnSpPr>
-            <p:nvPr/>
-          </p:nvCxnSpPr>
-          <p:spPr>
-            <a:xfrm>
-              <a:off x="4259050" y="1528449"/>
-              <a:ext cx="0" cy="2748595"/>
-            </a:xfrm>
-            <a:prstGeom prst="straightConnector1">
-              <a:avLst/>
-            </a:prstGeom>
-            <a:ln w="38100">
-              <a:solidFill>
-                <a:schemeClr val="bg1">
-                  <a:lumMod val="85000"/>
-                </a:schemeClr>
-              </a:solidFill>
-              <a:tailEnd type="triangle"/>
-            </a:ln>
-          </p:spPr>
-          <p:style>
-            <a:lnRef idx="1">
-              <a:schemeClr val="accent1"/>
-            </a:lnRef>
-            <a:fillRef idx="0">
-              <a:schemeClr val="accent1"/>
-            </a:fillRef>
-            <a:effectRef idx="0">
-              <a:schemeClr val="accent1"/>
-            </a:effectRef>
-            <a:fontRef idx="minor">
-              <a:schemeClr val="tx1"/>
-            </a:fontRef>
-          </p:style>
-        </p:cxnSp>
-        <p:cxnSp>
-          <p:nvCxnSpPr>
-            <p:cNvPr id="55" name="Straight Arrow Connector 54">
-              <a:extLst>
-                <a:ext uri="{FF2B5EF4-FFF2-40B4-BE49-F238E27FC236}">
-                  <a16:creationId xmlns:a16="http://schemas.microsoft.com/office/drawing/2014/main" id="{91657AE5-F20C-4CFB-8521-4B29C17AA0A5}"/>
-                </a:ext>
-              </a:extLst>
-            </p:cNvPr>
-            <p:cNvCxnSpPr>
-              <a:cxnSpLocks/>
-            </p:cNvCxnSpPr>
-            <p:nvPr/>
-          </p:nvCxnSpPr>
-          <p:spPr>
-            <a:xfrm>
-              <a:off x="3984285" y="1528448"/>
-              <a:ext cx="0" cy="2748595"/>
-            </a:xfrm>
-            <a:prstGeom prst="straightConnector1">
-              <a:avLst/>
-            </a:prstGeom>
-            <a:ln w="38100">
-              <a:solidFill>
-                <a:schemeClr val="bg1">
-                  <a:lumMod val="85000"/>
-                </a:schemeClr>
-              </a:solidFill>
-              <a:tailEnd type="triangle"/>
-            </a:ln>
-          </p:spPr>
-          <p:style>
-            <a:lnRef idx="1">
-              <a:schemeClr val="accent1"/>
-            </a:lnRef>
-            <a:fillRef idx="0">
-              <a:schemeClr val="accent1"/>
-            </a:fillRef>
-            <a:effectRef idx="0">
-              <a:schemeClr val="accent1"/>
-            </a:effectRef>
-            <a:fontRef idx="minor">
-              <a:schemeClr val="tx1"/>
-            </a:fontRef>
-          </p:style>
-        </p:cxnSp>
-        <p:cxnSp>
-          <p:nvCxnSpPr>
-            <p:cNvPr id="58" name="Straight Arrow Connector 57">
-              <a:extLst>
-                <a:ext uri="{FF2B5EF4-FFF2-40B4-BE49-F238E27FC236}">
-                  <a16:creationId xmlns:a16="http://schemas.microsoft.com/office/drawing/2014/main" id="{A7DCAEA9-0118-4217-92A3-932AC0EC5A00}"/>
-                </a:ext>
-              </a:extLst>
-            </p:cNvPr>
-            <p:cNvCxnSpPr>
-              <a:cxnSpLocks/>
-            </p:cNvCxnSpPr>
-            <p:nvPr/>
-          </p:nvCxnSpPr>
-          <p:spPr>
-            <a:xfrm>
-              <a:off x="3745117" y="1528447"/>
-              <a:ext cx="0" cy="2748595"/>
-            </a:xfrm>
-            <a:prstGeom prst="straightConnector1">
-              <a:avLst/>
-            </a:prstGeom>
-            <a:ln w="38100">
-              <a:solidFill>
-                <a:schemeClr val="bg1">
-                  <a:lumMod val="85000"/>
-                </a:schemeClr>
-              </a:solidFill>
-              <a:tailEnd type="triangle"/>
-            </a:ln>
-          </p:spPr>
-          <p:style>
-            <a:lnRef idx="1">
-              <a:schemeClr val="accent1"/>
-            </a:lnRef>
-            <a:fillRef idx="0">
-              <a:schemeClr val="accent1"/>
-            </a:fillRef>
-            <a:effectRef idx="0">
-              <a:schemeClr val="accent1"/>
-            </a:effectRef>
-            <a:fontRef idx="minor">
-              <a:schemeClr val="tx1"/>
-            </a:fontRef>
-          </p:style>
-        </p:cxnSp>
-        <p:cxnSp>
-          <p:nvCxnSpPr>
-            <p:cNvPr id="59" name="Straight Arrow Connector 58">
-              <a:extLst>
-                <a:ext uri="{FF2B5EF4-FFF2-40B4-BE49-F238E27FC236}">
-                  <a16:creationId xmlns:a16="http://schemas.microsoft.com/office/drawing/2014/main" id="{17BDAE54-6189-43EF-8388-7B14EEC01175}"/>
-                </a:ext>
-              </a:extLst>
-            </p:cNvPr>
-            <p:cNvCxnSpPr>
-              <a:cxnSpLocks/>
-            </p:cNvCxnSpPr>
-            <p:nvPr/>
-          </p:nvCxnSpPr>
-          <p:spPr>
-            <a:xfrm>
-              <a:off x="3483701" y="1528446"/>
-              <a:ext cx="0" cy="2748595"/>
-            </a:xfrm>
-            <a:prstGeom prst="straightConnector1">
-              <a:avLst/>
-            </a:prstGeom>
-            <a:ln w="38100">
-              <a:solidFill>
-                <a:schemeClr val="bg1">
-                  <a:lumMod val="85000"/>
-                </a:schemeClr>
-              </a:solidFill>
-              <a:tailEnd type="triangle"/>
-            </a:ln>
-          </p:spPr>
-          <p:style>
-            <a:lnRef idx="1">
-              <a:schemeClr val="accent1"/>
-            </a:lnRef>
-            <a:fillRef idx="0">
-              <a:schemeClr val="accent1"/>
-            </a:fillRef>
-            <a:effectRef idx="0">
-              <a:schemeClr val="accent1"/>
-            </a:effectRef>
-            <a:fontRef idx="minor">
-              <a:schemeClr val="tx1"/>
-            </a:fontRef>
-          </p:style>
-        </p:cxnSp>
-        <p:cxnSp>
-          <p:nvCxnSpPr>
-            <p:cNvPr id="60" name="Straight Arrow Connector 59">
-              <a:extLst>
-                <a:ext uri="{FF2B5EF4-FFF2-40B4-BE49-F238E27FC236}">
-                  <a16:creationId xmlns:a16="http://schemas.microsoft.com/office/drawing/2014/main" id="{71C39FE4-177B-4FBD-BF78-29295E32C6EC}"/>
-                </a:ext>
-              </a:extLst>
-            </p:cNvPr>
-            <p:cNvCxnSpPr>
-              <a:cxnSpLocks/>
-            </p:cNvCxnSpPr>
-            <p:nvPr/>
-          </p:nvCxnSpPr>
-          <p:spPr>
-            <a:xfrm>
-              <a:off x="3208936" y="1528445"/>
-              <a:ext cx="0" cy="2748595"/>
-            </a:xfrm>
-            <a:prstGeom prst="straightConnector1">
-              <a:avLst/>
-            </a:prstGeom>
-            <a:ln w="38100">
-              <a:solidFill>
-                <a:schemeClr val="bg1">
-                  <a:lumMod val="85000"/>
-                </a:schemeClr>
-              </a:solidFill>
-              <a:tailEnd type="triangle"/>
-            </a:ln>
-          </p:spPr>
-          <p:style>
-            <a:lnRef idx="1">
-              <a:schemeClr val="accent1"/>
-            </a:lnRef>
-            <a:fillRef idx="0">
-              <a:schemeClr val="accent1"/>
-            </a:fillRef>
-            <a:effectRef idx="0">
-              <a:schemeClr val="accent1"/>
-            </a:effectRef>
-            <a:fontRef idx="minor">
-              <a:schemeClr val="tx1"/>
-            </a:fontRef>
-          </p:style>
-        </p:cxnSp>
-        <p:cxnSp>
-          <p:nvCxnSpPr>
-            <p:cNvPr id="61" name="Straight Arrow Connector 60">
-              <a:extLst>
-                <a:ext uri="{FF2B5EF4-FFF2-40B4-BE49-F238E27FC236}">
-                  <a16:creationId xmlns:a16="http://schemas.microsoft.com/office/drawing/2014/main" id="{B4EC1C7C-5FD0-431D-AB25-C8703F4630CB}"/>
-                </a:ext>
-              </a:extLst>
-            </p:cNvPr>
-            <p:cNvCxnSpPr>
-              <a:cxnSpLocks/>
-            </p:cNvCxnSpPr>
-            <p:nvPr/>
-          </p:nvCxnSpPr>
-          <p:spPr>
-            <a:xfrm>
-              <a:off x="2943071" y="1528445"/>
-              <a:ext cx="0" cy="2748595"/>
-            </a:xfrm>
-            <a:prstGeom prst="straightConnector1">
-              <a:avLst/>
-            </a:prstGeom>
-            <a:ln w="38100">
-              <a:solidFill>
-                <a:schemeClr val="bg1">
-                  <a:lumMod val="85000"/>
-                </a:schemeClr>
-              </a:solidFill>
-              <a:tailEnd type="triangle"/>
-            </a:ln>
-          </p:spPr>
-          <p:style>
-            <a:lnRef idx="1">
-              <a:schemeClr val="accent1"/>
-            </a:lnRef>
-            <a:fillRef idx="0">
-              <a:schemeClr val="accent1"/>
-            </a:fillRef>
-            <a:effectRef idx="0">
-              <a:schemeClr val="accent1"/>
-            </a:effectRef>
-            <a:fontRef idx="minor">
-              <a:schemeClr val="tx1"/>
-            </a:fontRef>
-          </p:style>
-        </p:cxnSp>
-        <p:cxnSp>
-          <p:nvCxnSpPr>
-            <p:cNvPr id="62" name="Straight Arrow Connector 61">
-              <a:extLst>
-                <a:ext uri="{FF2B5EF4-FFF2-40B4-BE49-F238E27FC236}">
-                  <a16:creationId xmlns:a16="http://schemas.microsoft.com/office/drawing/2014/main" id="{3EDBCC20-2265-4197-8156-DAF00F90086F}"/>
-                </a:ext>
-              </a:extLst>
-            </p:cNvPr>
-            <p:cNvCxnSpPr>
-              <a:cxnSpLocks/>
-            </p:cNvCxnSpPr>
-            <p:nvPr/>
-          </p:nvCxnSpPr>
-          <p:spPr>
-            <a:xfrm>
-              <a:off x="2681655" y="1528444"/>
-              <a:ext cx="0" cy="2748595"/>
-            </a:xfrm>
-            <a:prstGeom prst="straightConnector1">
-              <a:avLst/>
-            </a:prstGeom>
-            <a:ln w="38100">
-              <a:solidFill>
-                <a:schemeClr val="bg1">
-                  <a:lumMod val="85000"/>
-                </a:schemeClr>
-              </a:solidFill>
-              <a:tailEnd type="triangle"/>
-            </a:ln>
-          </p:spPr>
-          <p:style>
-            <a:lnRef idx="1">
-              <a:schemeClr val="accent1"/>
-            </a:lnRef>
-            <a:fillRef idx="0">
-              <a:schemeClr val="accent1"/>
-            </a:fillRef>
-            <a:effectRef idx="0">
-              <a:schemeClr val="accent1"/>
-            </a:effectRef>
-            <a:fontRef idx="minor">
-              <a:schemeClr val="tx1"/>
-            </a:fontRef>
-          </p:style>
-        </p:cxnSp>
-        <p:cxnSp>
-          <p:nvCxnSpPr>
-            <p:cNvPr id="63" name="Straight Arrow Connector 62">
-              <a:extLst>
-                <a:ext uri="{FF2B5EF4-FFF2-40B4-BE49-F238E27FC236}">
-                  <a16:creationId xmlns:a16="http://schemas.microsoft.com/office/drawing/2014/main" id="{7FCDE28F-FA00-4C63-80A1-88AEC255B989}"/>
-                </a:ext>
-              </a:extLst>
-            </p:cNvPr>
-            <p:cNvCxnSpPr>
-              <a:cxnSpLocks/>
-            </p:cNvCxnSpPr>
-            <p:nvPr/>
-          </p:nvCxnSpPr>
-          <p:spPr>
-            <a:xfrm>
-              <a:off x="2406890" y="1528443"/>
-              <a:ext cx="0" cy="2748595"/>
-            </a:xfrm>
-            <a:prstGeom prst="straightConnector1">
-              <a:avLst/>
-            </a:prstGeom>
-            <a:ln w="38100">
-              <a:solidFill>
-                <a:schemeClr val="bg1">
-                  <a:lumMod val="85000"/>
-                </a:schemeClr>
-              </a:solidFill>
-              <a:tailEnd type="triangle"/>
-            </a:ln>
-          </p:spPr>
-          <p:style>
-            <a:lnRef idx="1">
-              <a:schemeClr val="accent1"/>
-            </a:lnRef>
-            <a:fillRef idx="0">
-              <a:schemeClr val="accent1"/>
-            </a:fillRef>
-            <a:effectRef idx="0">
-              <a:schemeClr val="accent1"/>
-            </a:effectRef>
-            <a:fontRef idx="minor">
-              <a:schemeClr val="tx1"/>
-            </a:fontRef>
-          </p:style>
-        </p:cxnSp>
+        <mc:AlternateContent xmlns:mc="http://schemas.openxmlformats.org/markup-compatibility/2006">
+          <mc:Choice xmlns:a14="http://schemas.microsoft.com/office/drawing/2010/main" Requires="a14">
+            <p:sp>
+              <p:nvSpPr>
+                <p:cNvPr id="47" name="TextBox 46">
+                  <a:extLst>
+                    <a:ext uri="{FF2B5EF4-FFF2-40B4-BE49-F238E27FC236}">
+                      <a16:creationId xmlns:a16="http://schemas.microsoft.com/office/drawing/2014/main" id="{AC735B43-1EE0-4F35-8A21-3AD3F4C8334C}"/>
+                    </a:ext>
+                  </a:extLst>
+                </p:cNvPr>
+                <p:cNvSpPr txBox="1"/>
+                <p:nvPr/>
+              </p:nvSpPr>
+              <p:spPr>
+                <a:xfrm>
+                  <a:off x="4261797" y="3031989"/>
+                  <a:ext cx="203069" cy="307777"/>
+                </a:xfrm>
+                <a:prstGeom prst="rect">
+                  <a:avLst/>
+                </a:prstGeom>
+                <a:noFill/>
+              </p:spPr>
+              <p:txBody>
+                <a:bodyPr wrap="none" lIns="0" tIns="0" rIns="0" bIns="0" rtlCol="0">
+                  <a:spAutoFit/>
+                </a:bodyPr>
+                <a:lstStyle/>
+                <a:p>
+                  <a:pPr/>
+                  <a14:m>
+                    <m:oMathPara xmlns:m="http://schemas.openxmlformats.org/officeDocument/2006/math">
+                      <m:oMathParaPr>
+                        <m:jc m:val="centerGroup"/>
+                      </m:oMathParaPr>
+                      <m:oMath xmlns:m="http://schemas.openxmlformats.org/officeDocument/2006/math">
+                        <m:acc>
+                          <m:accPr>
+                            <m:chr m:val="⃗"/>
+                            <m:ctrlPr>
+                              <a:rPr lang="en-CA" sz="2000" b="0" i="1" smtClean="0">
+                                <a:latin typeface="Cambria Math" panose="02040503050406030204" pitchFamily="18" charset="0"/>
+                                <a:cs typeface="Arial" panose="020B0604020202020204" pitchFamily="34" charset="0"/>
+                              </a:rPr>
+                            </m:ctrlPr>
+                          </m:accPr>
+                          <m:e>
+                            <m:r>
+                              <a:rPr lang="en-CA" sz="2000" b="0" i="1" smtClean="0">
+                                <a:latin typeface="Cambria Math" panose="02040503050406030204" pitchFamily="18" charset="0"/>
+                                <a:cs typeface="Arial" panose="020B0604020202020204" pitchFamily="34" charset="0"/>
+                              </a:rPr>
+                              <m:t>𝑣</m:t>
+                            </m:r>
+                          </m:e>
+                        </m:acc>
+                      </m:oMath>
+                    </m:oMathPara>
+                  </a14:m>
+                  <a:endParaRPr lang="en-CA" sz="2000" b="0" i="1" dirty="0">
+                    <a:latin typeface="Cambria Math" panose="02040503050406030204" pitchFamily="18" charset="0"/>
+                    <a:cs typeface="Arial" panose="020B0604020202020204" pitchFamily="34" charset="0"/>
+                  </a:endParaRPr>
+                </a:p>
+              </p:txBody>
+            </p:sp>
+          </mc:Choice>
+          <mc:Fallback>
+            <p:sp>
+              <p:nvSpPr>
+                <p:cNvPr id="47" name="TextBox 46">
+                  <a:extLst>
+                    <a:ext uri="{FF2B5EF4-FFF2-40B4-BE49-F238E27FC236}">
+                      <a16:creationId xmlns:a16="http://schemas.microsoft.com/office/drawing/2014/main" id="{AC735B43-1EE0-4F35-8A21-3AD3F4C8334C}"/>
+                    </a:ext>
+                  </a:extLst>
+                </p:cNvPr>
+                <p:cNvSpPr txBox="1">
+                  <a:spLocks noRot="1" noChangeAspect="1" noMove="1" noResize="1" noEditPoints="1" noAdjustHandles="1" noChangeArrowheads="1" noChangeShapeType="1" noTextEdit="1"/>
+                </p:cNvSpPr>
+                <p:nvPr/>
+              </p:nvSpPr>
+              <p:spPr>
+                <a:xfrm>
+                  <a:off x="4261797" y="3031989"/>
+                  <a:ext cx="203069" cy="307777"/>
+                </a:xfrm>
+                <a:prstGeom prst="rect">
+                  <a:avLst/>
+                </a:prstGeom>
+                <a:blipFill>
+                  <a:blip r:embed="rId3"/>
+                  <a:stretch>
+                    <a:fillRect l="-24242" t="-33333" r="-100000" b="-5882"/>
+                  </a:stretch>
+                </a:blipFill>
+              </p:spPr>
+              <p:txBody>
+                <a:bodyPr/>
+                <a:lstStyle/>
+                <a:p>
+                  <a:r>
+                    <a:rPr lang="en-US">
+                      <a:noFill/>
+                    </a:rPr>
+                    <a:t> </a:t>
+                  </a:r>
+                </a:p>
+              </p:txBody>
+            </p:sp>
+          </mc:Fallback>
+        </mc:AlternateContent>
+        <mc:AlternateContent xmlns:mc="http://schemas.openxmlformats.org/markup-compatibility/2006">
+          <mc:Choice xmlns:a14="http://schemas.microsoft.com/office/drawing/2010/main" Requires="a14">
+            <p:sp>
+              <p:nvSpPr>
+                <p:cNvPr id="69" name="TextBox 68">
+                  <a:extLst>
+                    <a:ext uri="{FF2B5EF4-FFF2-40B4-BE49-F238E27FC236}">
+                      <a16:creationId xmlns:a16="http://schemas.microsoft.com/office/drawing/2014/main" id="{D40EB4CF-F15A-4939-8574-AD4C27B4C3C5}"/>
+                    </a:ext>
+                  </a:extLst>
+                </p:cNvPr>
+                <p:cNvSpPr txBox="1"/>
+                <p:nvPr/>
+              </p:nvSpPr>
+              <p:spPr>
+                <a:xfrm>
+                  <a:off x="2023682" y="1611892"/>
+                  <a:ext cx="430374" cy="437492"/>
+                </a:xfrm>
+                <a:prstGeom prst="rect">
+                  <a:avLst/>
+                </a:prstGeom>
+                <a:noFill/>
+              </p:spPr>
+              <p:txBody>
+                <a:bodyPr wrap="none" rtlCol="0">
+                  <a:spAutoFit/>
+                </a:bodyPr>
+                <a:lstStyle/>
+                <a:p>
+                  <a:pPr/>
+                  <a14:m>
+                    <m:oMathPara xmlns:m="http://schemas.openxmlformats.org/officeDocument/2006/math">
+                      <m:oMathParaPr>
+                        <m:jc m:val="centerGroup"/>
+                      </m:oMathParaPr>
+                      <m:oMath xmlns:m="http://schemas.openxmlformats.org/officeDocument/2006/math">
+                        <m:acc>
+                          <m:accPr>
+                            <m:chr m:val="⃗"/>
+                            <m:ctrlPr>
+                              <a:rPr lang="en-CA" sz="2000" b="0" i="1" smtClean="0">
+                                <a:solidFill>
+                                  <a:schemeClr val="bg1">
+                                    <a:lumMod val="65000"/>
+                                  </a:schemeClr>
+                                </a:solidFill>
+                                <a:latin typeface="Cambria Math" panose="02040503050406030204" pitchFamily="18" charset="0"/>
+                                <a:cs typeface="Arial" panose="020B0604020202020204" pitchFamily="34" charset="0"/>
+                              </a:rPr>
+                            </m:ctrlPr>
+                          </m:accPr>
+                          <m:e>
+                            <m:r>
+                              <a:rPr lang="en-CA" sz="2000" b="0" i="1" smtClean="0">
+                                <a:solidFill>
+                                  <a:schemeClr val="bg1">
+                                    <a:lumMod val="65000"/>
+                                  </a:schemeClr>
+                                </a:solidFill>
+                                <a:latin typeface="Cambria Math" panose="02040503050406030204" pitchFamily="18" charset="0"/>
+                                <a:cs typeface="Arial" panose="020B0604020202020204" pitchFamily="34" charset="0"/>
+                              </a:rPr>
+                              <m:t>𝐵</m:t>
+                            </m:r>
+                          </m:e>
+                        </m:acc>
+                      </m:oMath>
+                    </m:oMathPara>
+                  </a14:m>
+                  <a:endParaRPr lang="en-CA" sz="2000" dirty="0">
+                    <a:solidFill>
+                      <a:schemeClr val="bg1">
+                        <a:lumMod val="65000"/>
+                      </a:schemeClr>
+                    </a:solidFill>
+                    <a:latin typeface="Arial" panose="020B0604020202020204" pitchFamily="34" charset="0"/>
+                    <a:cs typeface="Arial" panose="020B0604020202020204" pitchFamily="34" charset="0"/>
+                  </a:endParaRPr>
+                </a:p>
+              </p:txBody>
+            </p:sp>
+          </mc:Choice>
+          <mc:Fallback>
+            <p:sp>
+              <p:nvSpPr>
+                <p:cNvPr id="69" name="TextBox 68">
+                  <a:extLst>
+                    <a:ext uri="{FF2B5EF4-FFF2-40B4-BE49-F238E27FC236}">
+                      <a16:creationId xmlns:a16="http://schemas.microsoft.com/office/drawing/2014/main" id="{D40EB4CF-F15A-4939-8574-AD4C27B4C3C5}"/>
+                    </a:ext>
+                  </a:extLst>
+                </p:cNvPr>
+                <p:cNvSpPr txBox="1">
+                  <a:spLocks noRot="1" noChangeAspect="1" noMove="1" noResize="1" noEditPoints="1" noAdjustHandles="1" noChangeArrowheads="1" noChangeShapeType="1" noTextEdit="1"/>
+                </p:cNvSpPr>
+                <p:nvPr/>
+              </p:nvSpPr>
+              <p:spPr>
+                <a:xfrm>
+                  <a:off x="2023682" y="1611892"/>
+                  <a:ext cx="430374" cy="437492"/>
+                </a:xfrm>
+                <a:prstGeom prst="rect">
+                  <a:avLst/>
+                </a:prstGeom>
+                <a:blipFill>
+                  <a:blip r:embed="rId4"/>
+                  <a:stretch>
+                    <a:fillRect/>
+                  </a:stretch>
+                </a:blipFill>
+              </p:spPr>
+              <p:txBody>
+                <a:bodyPr/>
+                <a:lstStyle/>
+                <a:p>
+                  <a:r>
+                    <a:rPr lang="en-US">
+                      <a:noFill/>
+                    </a:rPr>
+                    <a:t> </a:t>
+                  </a:r>
+                </a:p>
+              </p:txBody>
+            </p:sp>
+          </mc:Fallback>
+        </mc:AlternateContent>
       </p:grpSp>
-      <p:cxnSp>
-        <p:nvCxnSpPr>
-          <p:cNvPr id="18" name="Straight Arrow Connector 17">
-            <a:extLst>
-              <a:ext uri="{FF2B5EF4-FFF2-40B4-BE49-F238E27FC236}">
-                <a16:creationId xmlns:a16="http://schemas.microsoft.com/office/drawing/2014/main" id="{F3EAE365-63ED-4CAC-8405-41D971818B49}"/>
-              </a:ext>
-            </a:extLst>
-          </p:cNvPr>
-          <p:cNvCxnSpPr>
-            <a:cxnSpLocks/>
-          </p:cNvCxnSpPr>
-          <p:nvPr/>
-        </p:nvCxnSpPr>
-        <p:spPr>
-          <a:xfrm flipV="1">
-            <a:off x="3555467" y="1616892"/>
-            <a:ext cx="0" cy="1577650"/>
-          </a:xfrm>
-          <a:prstGeom prst="straightConnector1">
-            <a:avLst/>
-          </a:prstGeom>
-          <a:ln w="38100">
-            <a:solidFill>
-              <a:schemeClr val="tx1"/>
-            </a:solidFill>
-            <a:tailEnd type="triangle"/>
-          </a:ln>
-        </p:spPr>
-        <p:style>
-          <a:lnRef idx="1">
-            <a:schemeClr val="accent1"/>
-          </a:lnRef>
-          <a:fillRef idx="0">
-            <a:schemeClr val="accent1"/>
-          </a:fillRef>
-          <a:effectRef idx="0">
-            <a:schemeClr val="accent1"/>
-          </a:effectRef>
-          <a:fontRef idx="minor">
-            <a:schemeClr val="tx1"/>
-          </a:fontRef>
-        </p:style>
-      </p:cxnSp>
-      <p:pic>
-        <p:nvPicPr>
-          <p:cNvPr id="3" name="Picture 2" descr="A picture containing stationary&#10;&#10;Description automatically generated">
-            <a:extLst>
-              <a:ext uri="{FF2B5EF4-FFF2-40B4-BE49-F238E27FC236}">
-                <a16:creationId xmlns:a16="http://schemas.microsoft.com/office/drawing/2014/main" id="{84842DFE-763A-4EC2-BCAD-AB457EDC743A}"/>
-              </a:ext>
-            </a:extLst>
-          </p:cNvPr>
-          <p:cNvPicPr>
-            <a:picLocks noChangeAspect="1"/>
-          </p:cNvPicPr>
-          <p:nvPr/>
-        </p:nvPicPr>
-        <p:blipFill rotWithShape="1">
-          <a:blip r:embed="rId2">
-            <a:clrChange>
-              <a:clrFrom>
-                <a:srgbClr val="FFFFFF"/>
-              </a:clrFrom>
-              <a:clrTo>
-                <a:srgbClr val="FFFFFF">
-                  <a:alpha val="0"/>
-                </a:srgbClr>
-              </a:clrTo>
-            </a:clrChange>
-            <a:extLst>
-              <a:ext uri="{28A0092B-C50C-407E-A947-70E740481C1C}">
-                <a14:useLocalDpi xmlns:a14="http://schemas.microsoft.com/office/drawing/2010/main" val="0"/>
-              </a:ext>
-            </a:extLst>
-          </a:blip>
-          <a:srcRect l="15771" t="15159" r="13690" b="20170"/>
-          <a:stretch/>
-        </p:blipFill>
-        <p:spPr>
-          <a:xfrm rot="1809190" flipH="1">
-            <a:off x="2245014" y="2736779"/>
-            <a:ext cx="1923582" cy="1000217"/>
-          </a:xfrm>
-          <a:prstGeom prst="rect">
-            <a:avLst/>
-          </a:prstGeom>
-        </p:spPr>
-      </p:pic>
-      <p:cxnSp>
-        <p:nvCxnSpPr>
-          <p:cNvPr id="46" name="Straight Arrow Connector 45">
-            <a:extLst>
-              <a:ext uri="{FF2B5EF4-FFF2-40B4-BE49-F238E27FC236}">
-                <a16:creationId xmlns:a16="http://schemas.microsoft.com/office/drawing/2014/main" id="{A430B316-1A39-4679-ADC6-7C1BE13C4F14}"/>
-              </a:ext>
-            </a:extLst>
-          </p:cNvPr>
-          <p:cNvCxnSpPr>
-            <a:cxnSpLocks/>
-          </p:cNvCxnSpPr>
-          <p:nvPr/>
-        </p:nvCxnSpPr>
-        <p:spPr>
-          <a:xfrm>
-            <a:off x="4110816" y="3339766"/>
-            <a:ext cx="653347" cy="0"/>
-          </a:xfrm>
-          <a:prstGeom prst="straightConnector1">
-            <a:avLst/>
-          </a:prstGeom>
-          <a:ln w="38100">
-            <a:solidFill>
-              <a:schemeClr val="tx1"/>
-            </a:solidFill>
-            <a:tailEnd type="triangle"/>
-          </a:ln>
-        </p:spPr>
-        <p:style>
-          <a:lnRef idx="1">
-            <a:schemeClr val="accent1"/>
-          </a:lnRef>
-          <a:fillRef idx="0">
-            <a:schemeClr val="accent1"/>
-          </a:fillRef>
-          <a:effectRef idx="0">
-            <a:schemeClr val="accent1"/>
-          </a:effectRef>
-          <a:fontRef idx="minor">
-            <a:schemeClr val="tx1"/>
-          </a:fontRef>
-        </p:style>
-      </p:cxnSp>
-      <mc:AlternateContent xmlns:mc="http://schemas.openxmlformats.org/markup-compatibility/2006">
-        <mc:Choice xmlns:a14="http://schemas.microsoft.com/office/drawing/2010/main" Requires="a14">
-          <p:sp>
-            <p:nvSpPr>
-              <p:cNvPr id="47" name="TextBox 46">
-                <a:extLst>
-                  <a:ext uri="{FF2B5EF4-FFF2-40B4-BE49-F238E27FC236}">
-                    <a16:creationId xmlns:a16="http://schemas.microsoft.com/office/drawing/2014/main" id="{AC735B43-1EE0-4F35-8A21-3AD3F4C8334C}"/>
-                  </a:ext>
-                </a:extLst>
-              </p:cNvPr>
-              <p:cNvSpPr txBox="1"/>
-              <p:nvPr/>
-            </p:nvSpPr>
-            <p:spPr>
-              <a:xfrm>
-                <a:off x="4261797" y="3031989"/>
-                <a:ext cx="203069" cy="307777"/>
-              </a:xfrm>
-              <a:prstGeom prst="rect">
-                <a:avLst/>
-              </a:prstGeom>
-              <a:noFill/>
-            </p:spPr>
-            <p:txBody>
-              <a:bodyPr wrap="none" lIns="0" tIns="0" rIns="0" bIns="0" rtlCol="0">
-                <a:spAutoFit/>
-              </a:bodyPr>
-              <a:lstStyle/>
-              <a:p>
-                <a14:m>
-                  <m:oMathPara xmlns:m="http://schemas.openxmlformats.org/officeDocument/2006/math">
-                    <m:oMathParaPr>
-                      <m:jc m:val="centerGroup"/>
-                    </m:oMathParaPr>
-                    <m:oMath xmlns:m="http://schemas.openxmlformats.org/officeDocument/2006/math">
-                      <m:acc>
-                        <m:accPr>
-                          <m:chr m:val="⃗"/>
-                          <m:ctrlPr>
-                            <a:rPr lang="en-CA" sz="2000" b="0" i="1" smtClean="0">
-                              <a:latin typeface="Cambria Math" panose="02040503050406030204" pitchFamily="18" charset="0"/>
-                              <a:cs typeface="Arial" panose="020B0604020202020204" pitchFamily="34" charset="0"/>
-                            </a:rPr>
-                          </m:ctrlPr>
-                        </m:accPr>
-                        <m:e>
-                          <m:r>
-                            <a:rPr lang="en-CA" sz="2000" b="0" i="1" smtClean="0">
-                              <a:latin typeface="Cambria Math" panose="02040503050406030204" pitchFamily="18" charset="0"/>
-                              <a:cs typeface="Arial" panose="020B0604020202020204" pitchFamily="34" charset="0"/>
-                            </a:rPr>
-                            <m:t>𝑣</m:t>
-                          </m:r>
-                        </m:e>
-                      </m:acc>
-                    </m:oMath>
-                  </m:oMathPara>
-                </a14:m>
-                <a:endParaRPr lang="en-CA" sz="2000" b="0" i="1" dirty="0">
-                  <a:latin typeface="Cambria Math" panose="02040503050406030204" pitchFamily="18" charset="0"/>
-                  <a:cs typeface="Arial" panose="020B0604020202020204" pitchFamily="34" charset="0"/>
-                </a:endParaRPr>
-              </a:p>
-            </p:txBody>
-          </p:sp>
-        </mc:Choice>
-        <mc:Fallback>
-          <p:sp>
-            <p:nvSpPr>
-              <p:cNvPr id="47" name="TextBox 46">
-                <a:extLst>
-                  <a:ext uri="{FF2B5EF4-FFF2-40B4-BE49-F238E27FC236}">
-                    <a16:creationId xmlns:a16="http://schemas.microsoft.com/office/drawing/2014/main" id="{AC735B43-1EE0-4F35-8A21-3AD3F4C8334C}"/>
-                  </a:ext>
-                </a:extLst>
-              </p:cNvPr>
-              <p:cNvSpPr txBox="1">
-                <a:spLocks noRot="1" noChangeAspect="1" noMove="1" noResize="1" noEditPoints="1" noAdjustHandles="1" noChangeArrowheads="1" noChangeShapeType="1" noTextEdit="1"/>
-              </p:cNvSpPr>
-              <p:nvPr/>
-            </p:nvSpPr>
-            <p:spPr>
-              <a:xfrm>
-                <a:off x="4261797" y="3031989"/>
-                <a:ext cx="203069" cy="307777"/>
-              </a:xfrm>
-              <a:prstGeom prst="rect">
-                <a:avLst/>
-              </a:prstGeom>
-              <a:blipFill>
-                <a:blip r:embed="rId3"/>
-                <a:stretch>
-                  <a:fillRect l="-24242" t="-33333" r="-100000" b="-5882"/>
-                </a:stretch>
-              </a:blipFill>
-            </p:spPr>
-            <p:txBody>
-              <a:bodyPr/>
-              <a:lstStyle/>
-              <a:p>
-                <a:r>
-                  <a:rPr lang="en-CA">
-                    <a:noFill/>
-                  </a:rPr>
-                  <a:t> </a:t>
-                </a:r>
-              </a:p>
-            </p:txBody>
-          </p:sp>
-        </mc:Fallback>
-      </mc:AlternateContent>
-      <mc:AlternateContent xmlns:mc="http://schemas.openxmlformats.org/markup-compatibility/2006">
-        <mc:Choice xmlns:a14="http://schemas.microsoft.com/office/drawing/2010/main" Requires="a14">
-          <p:sp>
-            <p:nvSpPr>
-              <p:cNvPr id="67" name="TextBox 66">
-                <a:extLst>
-                  <a:ext uri="{FF2B5EF4-FFF2-40B4-BE49-F238E27FC236}">
-                    <a16:creationId xmlns:a16="http://schemas.microsoft.com/office/drawing/2014/main" id="{0C3C5F09-A5C1-4EDA-9041-E5D412A91E01}"/>
-                  </a:ext>
-                </a:extLst>
-              </p:cNvPr>
-              <p:cNvSpPr txBox="1"/>
-              <p:nvPr/>
-            </p:nvSpPr>
-            <p:spPr>
-              <a:xfrm>
-                <a:off x="3510843" y="2004905"/>
-                <a:ext cx="419602" cy="439479"/>
-              </a:xfrm>
-              <a:prstGeom prst="rect">
-                <a:avLst/>
-              </a:prstGeom>
-              <a:noFill/>
-            </p:spPr>
-            <p:txBody>
-              <a:bodyPr wrap="none" rtlCol="0">
-                <a:spAutoFit/>
-              </a:bodyPr>
-              <a:lstStyle/>
-              <a:p>
-                <a14:m>
-                  <m:oMathPara xmlns:m="http://schemas.openxmlformats.org/officeDocument/2006/math">
-                    <m:oMathParaPr>
-                      <m:jc m:val="centerGroup"/>
-                    </m:oMathParaPr>
-                    <m:oMath xmlns:m="http://schemas.openxmlformats.org/officeDocument/2006/math">
-                      <m:acc>
-                        <m:accPr>
-                          <m:chr m:val="⃗"/>
-                          <m:ctrlPr>
-                            <a:rPr lang="en-CA" sz="2000" b="0" i="1" smtClean="0">
-                              <a:latin typeface="Cambria Math" panose="02040503050406030204" pitchFamily="18" charset="0"/>
-                              <a:cs typeface="Arial" panose="020B0604020202020204" pitchFamily="34" charset="0"/>
-                            </a:rPr>
-                          </m:ctrlPr>
-                        </m:accPr>
-                        <m:e>
-                          <m:r>
-                            <a:rPr lang="en-CA" sz="2000" b="0" i="1" smtClean="0">
-                              <a:latin typeface="Cambria Math" panose="02040503050406030204" pitchFamily="18" charset="0"/>
-                              <a:cs typeface="Arial" panose="020B0604020202020204" pitchFamily="34" charset="0"/>
-                            </a:rPr>
-                            <m:t>𝐴</m:t>
-                          </m:r>
-                        </m:e>
-                      </m:acc>
-                    </m:oMath>
-                  </m:oMathPara>
-                </a14:m>
-                <a:endParaRPr lang="en-CA" sz="2000" dirty="0">
-                  <a:latin typeface="Arial" panose="020B0604020202020204" pitchFamily="34" charset="0"/>
-                  <a:cs typeface="Arial" panose="020B0604020202020204" pitchFamily="34" charset="0"/>
-                </a:endParaRPr>
-              </a:p>
-            </p:txBody>
-          </p:sp>
-        </mc:Choice>
-        <mc:Fallback>
-          <p:sp>
-            <p:nvSpPr>
-              <p:cNvPr id="67" name="TextBox 66">
-                <a:extLst>
-                  <a:ext uri="{FF2B5EF4-FFF2-40B4-BE49-F238E27FC236}">
-                    <a16:creationId xmlns:a16="http://schemas.microsoft.com/office/drawing/2014/main" id="{0C3C5F09-A5C1-4EDA-9041-E5D412A91E01}"/>
-                  </a:ext>
-                </a:extLst>
-              </p:cNvPr>
-              <p:cNvSpPr txBox="1">
-                <a:spLocks noRot="1" noChangeAspect="1" noMove="1" noResize="1" noEditPoints="1" noAdjustHandles="1" noChangeArrowheads="1" noChangeShapeType="1" noTextEdit="1"/>
-              </p:cNvSpPr>
-              <p:nvPr/>
-            </p:nvSpPr>
-            <p:spPr>
-              <a:xfrm>
-                <a:off x="3510843" y="2004905"/>
-                <a:ext cx="419602" cy="439479"/>
-              </a:xfrm>
-              <a:prstGeom prst="rect">
-                <a:avLst/>
-              </a:prstGeom>
-              <a:blipFill>
-                <a:blip r:embed="rId4"/>
-                <a:stretch>
-                  <a:fillRect t="-16667" r="-33333"/>
-                </a:stretch>
-              </a:blipFill>
-            </p:spPr>
-            <p:txBody>
-              <a:bodyPr/>
-              <a:lstStyle/>
-              <a:p>
-                <a:r>
-                  <a:rPr lang="en-CA">
-                    <a:noFill/>
-                  </a:rPr>
-                  <a:t> </a:t>
-                </a:r>
-              </a:p>
-            </p:txBody>
-          </p:sp>
-        </mc:Fallback>
-      </mc:AlternateContent>
-      <mc:AlternateContent xmlns:mc="http://schemas.openxmlformats.org/markup-compatibility/2006">
-        <mc:Choice xmlns:a14="http://schemas.microsoft.com/office/drawing/2010/main" Requires="a14">
-          <p:sp>
-            <p:nvSpPr>
-              <p:cNvPr id="69" name="TextBox 68">
-                <a:extLst>
-                  <a:ext uri="{FF2B5EF4-FFF2-40B4-BE49-F238E27FC236}">
-                    <a16:creationId xmlns:a16="http://schemas.microsoft.com/office/drawing/2014/main" id="{D40EB4CF-F15A-4939-8574-AD4C27B4C3C5}"/>
-                  </a:ext>
-                </a:extLst>
-              </p:cNvPr>
-              <p:cNvSpPr txBox="1"/>
-              <p:nvPr/>
-            </p:nvSpPr>
-            <p:spPr>
-              <a:xfrm>
-                <a:off x="2023682" y="1611892"/>
-                <a:ext cx="430374" cy="437492"/>
-              </a:xfrm>
-              <a:prstGeom prst="rect">
-                <a:avLst/>
-              </a:prstGeom>
-              <a:noFill/>
-            </p:spPr>
-            <p:txBody>
-              <a:bodyPr wrap="none" rtlCol="0">
-                <a:spAutoFit/>
-              </a:bodyPr>
-              <a:lstStyle/>
-              <a:p>
-                <a14:m>
-                  <m:oMathPara xmlns:m="http://schemas.openxmlformats.org/officeDocument/2006/math">
-                    <m:oMathParaPr>
-                      <m:jc m:val="centerGroup"/>
-                    </m:oMathParaPr>
-                    <m:oMath xmlns:m="http://schemas.openxmlformats.org/officeDocument/2006/math">
-                      <m:acc>
-                        <m:accPr>
-                          <m:chr m:val="⃗"/>
-                          <m:ctrlPr>
-                            <a:rPr lang="en-CA" sz="2000" b="0" i="1" smtClean="0">
-                              <a:solidFill>
-                                <a:schemeClr val="bg1">
-                                  <a:lumMod val="65000"/>
-                                </a:schemeClr>
-                              </a:solidFill>
-                              <a:latin typeface="Cambria Math" panose="02040503050406030204" pitchFamily="18" charset="0"/>
-                              <a:cs typeface="Arial" panose="020B0604020202020204" pitchFamily="34" charset="0"/>
-                            </a:rPr>
-                          </m:ctrlPr>
-                        </m:accPr>
-                        <m:e>
-                          <m:r>
-                            <a:rPr lang="en-CA" sz="2000" b="0" i="1" smtClean="0">
-                              <a:solidFill>
-                                <a:schemeClr val="bg1">
-                                  <a:lumMod val="65000"/>
-                                </a:schemeClr>
-                              </a:solidFill>
-                              <a:latin typeface="Cambria Math" panose="02040503050406030204" pitchFamily="18" charset="0"/>
-                              <a:cs typeface="Arial" panose="020B0604020202020204" pitchFamily="34" charset="0"/>
-                            </a:rPr>
-                            <m:t>𝐵</m:t>
-                          </m:r>
-                        </m:e>
-                      </m:acc>
-                    </m:oMath>
-                  </m:oMathPara>
-                </a14:m>
-                <a:endParaRPr lang="en-CA" sz="2000" dirty="0">
-                  <a:solidFill>
-                    <a:schemeClr val="bg1">
-                      <a:lumMod val="65000"/>
-                    </a:schemeClr>
-                  </a:solidFill>
-                  <a:latin typeface="Arial" panose="020B0604020202020204" pitchFamily="34" charset="0"/>
-                  <a:cs typeface="Arial" panose="020B0604020202020204" pitchFamily="34" charset="0"/>
-                </a:endParaRPr>
-              </a:p>
-            </p:txBody>
-          </p:sp>
-        </mc:Choice>
-        <mc:Fallback>
-          <p:sp>
-            <p:nvSpPr>
-              <p:cNvPr id="69" name="TextBox 68">
-                <a:extLst>
-                  <a:ext uri="{FF2B5EF4-FFF2-40B4-BE49-F238E27FC236}">
-                    <a16:creationId xmlns:a16="http://schemas.microsoft.com/office/drawing/2014/main" id="{D40EB4CF-F15A-4939-8574-AD4C27B4C3C5}"/>
-                  </a:ext>
-                </a:extLst>
-              </p:cNvPr>
-              <p:cNvSpPr txBox="1">
-                <a:spLocks noRot="1" noChangeAspect="1" noMove="1" noResize="1" noEditPoints="1" noAdjustHandles="1" noChangeArrowheads="1" noChangeShapeType="1" noTextEdit="1"/>
-              </p:cNvSpPr>
-              <p:nvPr/>
-            </p:nvSpPr>
-            <p:spPr>
-              <a:xfrm>
-                <a:off x="2023682" y="1611892"/>
-                <a:ext cx="430374" cy="437492"/>
-              </a:xfrm>
-              <a:prstGeom prst="rect">
-                <a:avLst/>
-              </a:prstGeom>
-              <a:blipFill>
-                <a:blip r:embed="rId5"/>
-                <a:stretch>
-                  <a:fillRect/>
-                </a:stretch>
-              </a:blipFill>
-            </p:spPr>
-            <p:txBody>
-              <a:bodyPr/>
-              <a:lstStyle/>
-              <a:p>
-                <a:r>
-                  <a:rPr lang="en-CA">
-                    <a:noFill/>
-                  </a:rPr>
-                  <a:t> </a:t>
-                </a:r>
-              </a:p>
-            </p:txBody>
-          </p:sp>
-        </mc:Fallback>
-      </mc:AlternateContent>
     </p:spTree>
     <p:extLst>
       <p:ext uri="{BB962C8B-B14F-4D97-AF65-F5344CB8AC3E}">

--- a/tex/figures/Induction/Figures.pptx
+++ b/tex/figures/Induction/Figures.pptx
@@ -9,8 +9,8 @@
   </p:notesMasterIdLst>
   <p:sldIdLst>
     <p:sldId id="271" r:id="rId2"/>
-    <p:sldId id="304" r:id="rId3"/>
-    <p:sldId id="299" r:id="rId4"/>
+    <p:sldId id="299" r:id="rId3"/>
+    <p:sldId id="304" r:id="rId4"/>
     <p:sldId id="300" r:id="rId5"/>
     <p:sldId id="301" r:id="rId6"/>
     <p:sldId id="302" r:id="rId7"/>
@@ -832,7 +832,7 @@
           <a:p>
             <a:fld id="{FA15A6B2-55AC-CD4B-A1E6-BB01091FE9DC}" type="datetimeFigureOut">
               <a:rPr lang="en-US" smtClean="0"/>
-              <a:t>8/21/2019</a:t>
+              <a:t>8/2/20</a:t>
             </a:fld>
             <a:endParaRPr lang="en-US"/>
           </a:p>
@@ -1361,7 +1361,7 @@
           <a:p>
             <a:fld id="{F7249F8D-641B-4CAF-BAE5-10524742F6F1}" type="datetimeFigureOut">
               <a:rPr lang="en-CA" smtClean="0"/>
-              <a:t>2019-08-21</a:t>
+              <a:t>2020-08-02</a:t>
             </a:fld>
             <a:endParaRPr lang="en-CA"/>
           </a:p>
@@ -1531,7 +1531,7 @@
           <a:p>
             <a:fld id="{F7249F8D-641B-4CAF-BAE5-10524742F6F1}" type="datetimeFigureOut">
               <a:rPr lang="en-CA" smtClean="0"/>
-              <a:t>2019-08-21</a:t>
+              <a:t>2020-08-02</a:t>
             </a:fld>
             <a:endParaRPr lang="en-CA"/>
           </a:p>
@@ -1711,7 +1711,7 @@
           <a:p>
             <a:fld id="{F7249F8D-641B-4CAF-BAE5-10524742F6F1}" type="datetimeFigureOut">
               <a:rPr lang="en-CA" smtClean="0"/>
-              <a:t>2019-08-21</a:t>
+              <a:t>2020-08-02</a:t>
             </a:fld>
             <a:endParaRPr lang="en-CA"/>
           </a:p>
@@ -1881,7 +1881,7 @@
           <a:p>
             <a:fld id="{F7249F8D-641B-4CAF-BAE5-10524742F6F1}" type="datetimeFigureOut">
               <a:rPr lang="en-CA" smtClean="0"/>
-              <a:t>2019-08-21</a:t>
+              <a:t>2020-08-02</a:t>
             </a:fld>
             <a:endParaRPr lang="en-CA"/>
           </a:p>
@@ -2127,7 +2127,7 @@
           <a:p>
             <a:fld id="{F7249F8D-641B-4CAF-BAE5-10524742F6F1}" type="datetimeFigureOut">
               <a:rPr lang="en-CA" smtClean="0"/>
-              <a:t>2019-08-21</a:t>
+              <a:t>2020-08-02</a:t>
             </a:fld>
             <a:endParaRPr lang="en-CA"/>
           </a:p>
@@ -2359,7 +2359,7 @@
           <a:p>
             <a:fld id="{F7249F8D-641B-4CAF-BAE5-10524742F6F1}" type="datetimeFigureOut">
               <a:rPr lang="en-CA" smtClean="0"/>
-              <a:t>2019-08-21</a:t>
+              <a:t>2020-08-02</a:t>
             </a:fld>
             <a:endParaRPr lang="en-CA"/>
           </a:p>
@@ -2726,7 +2726,7 @@
           <a:p>
             <a:fld id="{F7249F8D-641B-4CAF-BAE5-10524742F6F1}" type="datetimeFigureOut">
               <a:rPr lang="en-CA" smtClean="0"/>
-              <a:t>2019-08-21</a:t>
+              <a:t>2020-08-02</a:t>
             </a:fld>
             <a:endParaRPr lang="en-CA"/>
           </a:p>
@@ -2844,7 +2844,7 @@
           <a:p>
             <a:fld id="{F7249F8D-641B-4CAF-BAE5-10524742F6F1}" type="datetimeFigureOut">
               <a:rPr lang="en-CA" smtClean="0"/>
-              <a:t>2019-08-21</a:t>
+              <a:t>2020-08-02</a:t>
             </a:fld>
             <a:endParaRPr lang="en-CA"/>
           </a:p>
@@ -2939,7 +2939,7 @@
           <a:p>
             <a:fld id="{F7249F8D-641B-4CAF-BAE5-10524742F6F1}" type="datetimeFigureOut">
               <a:rPr lang="en-CA" smtClean="0"/>
-              <a:t>2019-08-21</a:t>
+              <a:t>2020-08-02</a:t>
             </a:fld>
             <a:endParaRPr lang="en-CA"/>
           </a:p>
@@ -3216,7 +3216,7 @@
           <a:p>
             <a:fld id="{F7249F8D-641B-4CAF-BAE5-10524742F6F1}" type="datetimeFigureOut">
               <a:rPr lang="en-CA" smtClean="0"/>
-              <a:t>2019-08-21</a:t>
+              <a:t>2020-08-02</a:t>
             </a:fld>
             <a:endParaRPr lang="en-CA"/>
           </a:p>
@@ -3469,7 +3469,7 @@
           <a:p>
             <a:fld id="{F7249F8D-641B-4CAF-BAE5-10524742F6F1}" type="datetimeFigureOut">
               <a:rPr lang="en-CA" smtClean="0"/>
-              <a:t>2019-08-21</a:t>
+              <a:t>2020-08-02</a:t>
             </a:fld>
             <a:endParaRPr lang="en-CA"/>
           </a:p>
@@ -3682,7 +3682,7 @@
           <a:p>
             <a:fld id="{F7249F8D-641B-4CAF-BAE5-10524742F6F1}" type="datetimeFigureOut">
               <a:rPr lang="en-CA" smtClean="0"/>
-              <a:t>2019-08-21</a:t>
+              <a:t>2020-08-02</a:t>
             </a:fld>
             <a:endParaRPr lang="en-CA"/>
           </a:p>
@@ -12737,430 +12737,13 @@
       </p:grpSpPr>
       <p:grpSp>
         <p:nvGrpSpPr>
-          <p:cNvPr id="4" name="Group 3"/>
-          <p:cNvGrpSpPr/>
-          <p:nvPr/>
-        </p:nvGrpSpPr>
-        <p:grpSpPr>
-          <a:xfrm>
-            <a:off x="8493145" y="120878"/>
-            <a:ext cx="3592693" cy="3712027"/>
-            <a:chOff x="6322609" y="696686"/>
-            <a:chExt cx="3592693" cy="3712027"/>
-          </a:xfrm>
-        </p:grpSpPr>
-        <p:cxnSp>
-          <p:nvCxnSpPr>
-            <p:cNvPr id="5" name="Straight Arrow Connector 4"/>
-            <p:cNvCxnSpPr/>
-            <p:nvPr/>
-          </p:nvCxnSpPr>
-          <p:spPr>
-            <a:xfrm flipV="1">
-              <a:off x="7010400" y="696686"/>
-              <a:ext cx="0" cy="2797914"/>
-            </a:xfrm>
-            <a:prstGeom prst="straightConnector1">
-              <a:avLst/>
-            </a:prstGeom>
-            <a:ln w="38100">
-              <a:solidFill>
-                <a:schemeClr val="tx1"/>
-              </a:solidFill>
-              <a:tailEnd type="triangle"/>
-            </a:ln>
-          </p:spPr>
-          <p:style>
-            <a:lnRef idx="1">
-              <a:schemeClr val="accent1"/>
-            </a:lnRef>
-            <a:fillRef idx="0">
-              <a:schemeClr val="accent1"/>
-            </a:fillRef>
-            <a:effectRef idx="0">
-              <a:schemeClr val="accent1"/>
-            </a:effectRef>
-            <a:fontRef idx="minor">
-              <a:schemeClr val="tx1"/>
-            </a:fontRef>
-          </p:style>
-        </p:cxnSp>
-        <p:cxnSp>
-          <p:nvCxnSpPr>
-            <p:cNvPr id="6" name="Straight Arrow Connector 5"/>
-            <p:cNvCxnSpPr/>
-            <p:nvPr/>
-          </p:nvCxnSpPr>
-          <p:spPr>
-            <a:xfrm flipV="1">
-              <a:off x="7010400" y="3507379"/>
-              <a:ext cx="2797629" cy="1"/>
-            </a:xfrm>
-            <a:prstGeom prst="straightConnector1">
-              <a:avLst/>
-            </a:prstGeom>
-            <a:ln w="38100">
-              <a:solidFill>
-                <a:schemeClr val="tx1"/>
-              </a:solidFill>
-              <a:tailEnd type="triangle"/>
-            </a:ln>
-          </p:spPr>
-          <p:style>
-            <a:lnRef idx="1">
-              <a:schemeClr val="accent1"/>
-            </a:lnRef>
-            <a:fillRef idx="0">
-              <a:schemeClr val="accent1"/>
-            </a:fillRef>
-            <a:effectRef idx="0">
-              <a:schemeClr val="accent1"/>
-            </a:effectRef>
-            <a:fontRef idx="minor">
-              <a:schemeClr val="tx1"/>
-            </a:fontRef>
-          </p:style>
-        </p:cxnSp>
-        <p:cxnSp>
-          <p:nvCxnSpPr>
-            <p:cNvPr id="7" name="Straight Arrow Connector 6"/>
-            <p:cNvCxnSpPr/>
-            <p:nvPr/>
-          </p:nvCxnSpPr>
-          <p:spPr>
-            <a:xfrm flipH="1">
-              <a:off x="6455228" y="3507379"/>
-              <a:ext cx="555171" cy="901334"/>
-            </a:xfrm>
-            <a:prstGeom prst="straightConnector1">
-              <a:avLst/>
-            </a:prstGeom>
-            <a:ln w="38100">
-              <a:solidFill>
-                <a:schemeClr val="tx1"/>
-              </a:solidFill>
-              <a:tailEnd type="triangle"/>
-            </a:ln>
-          </p:spPr>
-          <p:style>
-            <a:lnRef idx="1">
-              <a:schemeClr val="accent1"/>
-            </a:lnRef>
-            <a:fillRef idx="0">
-              <a:schemeClr val="accent1"/>
-            </a:fillRef>
-            <a:effectRef idx="0">
-              <a:schemeClr val="accent1"/>
-            </a:effectRef>
-            <a:fontRef idx="minor">
-              <a:schemeClr val="tx1"/>
-            </a:fontRef>
-          </p:style>
-        </p:cxnSp>
-        <mc:AlternateContent xmlns:mc="http://schemas.openxmlformats.org/markup-compatibility/2006" xmlns:a14="http://schemas.microsoft.com/office/drawing/2010/main">
-          <mc:Choice Requires="a14">
-            <p:sp>
-              <p:nvSpPr>
-                <p:cNvPr id="8" name="TextBox 7"/>
-                <p:cNvSpPr txBox="1"/>
-                <p:nvPr/>
-              </p:nvSpPr>
-              <p:spPr>
-                <a:xfrm>
-                  <a:off x="9700756" y="3494600"/>
-                  <a:ext cx="214546" cy="307777"/>
-                </a:xfrm>
-                <a:prstGeom prst="rect">
-                  <a:avLst/>
-                </a:prstGeom>
-                <a:noFill/>
-              </p:spPr>
-              <p:txBody>
-                <a:bodyPr wrap="none" lIns="0" tIns="0" rIns="0" bIns="0" rtlCol="0">
-                  <a:spAutoFit/>
-                </a:bodyPr>
-                <a:lstStyle/>
-                <a:p>
-                  <a:pPr/>
-                  <a14:m>
-                    <m:oMathPara xmlns:m="http://schemas.openxmlformats.org/officeDocument/2006/math">
-                      <m:oMathParaPr>
-                        <m:jc m:val="centerGroup"/>
-                      </m:oMathParaPr>
-                      <m:oMath xmlns:m="http://schemas.openxmlformats.org/officeDocument/2006/math">
-                        <m:r>
-                          <a:rPr lang="en-US" sz="2000" b="0" i="1" smtClean="0">
-                            <a:latin typeface="Cambria Math" panose="02040503050406030204" pitchFamily="18" charset="0"/>
-                            <a:cs typeface="Arial" panose="020B0604020202020204" pitchFamily="34" charset="0"/>
-                          </a:rPr>
-                          <m:t>𝑥</m:t>
-                        </m:r>
-                      </m:oMath>
-                    </m:oMathPara>
-                  </a14:m>
-                  <a:endParaRPr lang="en-US" sz="2000" dirty="0">
-                    <a:latin typeface="Arial" panose="020B0604020202020204" pitchFamily="34" charset="0"/>
-                    <a:cs typeface="Arial" panose="020B0604020202020204" pitchFamily="34" charset="0"/>
-                  </a:endParaRPr>
-                </a:p>
-              </p:txBody>
-            </p:sp>
-          </mc:Choice>
-          <mc:Fallback xmlns="">
-            <p:sp>
-              <p:nvSpPr>
-                <p:cNvPr id="8" name="TextBox 7"/>
-                <p:cNvSpPr txBox="1">
-                  <a:spLocks noRot="1" noChangeAspect="1" noMove="1" noResize="1" noEditPoints="1" noAdjustHandles="1" noChangeArrowheads="1" noChangeShapeType="1" noTextEdit="1"/>
-                </p:cNvSpPr>
-                <p:nvPr/>
-              </p:nvSpPr>
-              <p:spPr>
-                <a:xfrm>
-                  <a:off x="9700756" y="3494600"/>
-                  <a:ext cx="214546" cy="307777"/>
-                </a:xfrm>
-                <a:prstGeom prst="rect">
-                  <a:avLst/>
-                </a:prstGeom>
-                <a:blipFill>
-                  <a:blip r:embed="rId2"/>
-                  <a:stretch>
-                    <a:fillRect l="-11111" r="-8333" b="-2000"/>
-                  </a:stretch>
-                </a:blipFill>
-              </p:spPr>
-              <p:txBody>
-                <a:bodyPr/>
-                <a:lstStyle/>
-                <a:p>
-                  <a:r>
-                    <a:rPr lang="en-US">
-                      <a:noFill/>
-                    </a:rPr>
-                    <a:t> </a:t>
-                  </a:r>
-                </a:p>
-              </p:txBody>
-            </p:sp>
-          </mc:Fallback>
-        </mc:AlternateContent>
-        <mc:AlternateContent xmlns:mc="http://schemas.openxmlformats.org/markup-compatibility/2006" xmlns:a14="http://schemas.microsoft.com/office/drawing/2010/main">
-          <mc:Choice Requires="a14">
-            <p:sp>
-              <p:nvSpPr>
-                <p:cNvPr id="9" name="TextBox 8"/>
-                <p:cNvSpPr txBox="1"/>
-                <p:nvPr/>
-              </p:nvSpPr>
-              <p:spPr>
-                <a:xfrm>
-                  <a:off x="6762917" y="699452"/>
-                  <a:ext cx="219163" cy="307777"/>
-                </a:xfrm>
-                <a:prstGeom prst="rect">
-                  <a:avLst/>
-                </a:prstGeom>
-                <a:noFill/>
-              </p:spPr>
-              <p:txBody>
-                <a:bodyPr wrap="none" lIns="0" tIns="0" rIns="0" bIns="0" rtlCol="0">
-                  <a:spAutoFit/>
-                </a:bodyPr>
-                <a:lstStyle/>
-                <a:p>
-                  <a:pPr/>
-                  <a14:m>
-                    <m:oMathPara xmlns:m="http://schemas.openxmlformats.org/officeDocument/2006/math">
-                      <m:oMathParaPr>
-                        <m:jc m:val="centerGroup"/>
-                      </m:oMathParaPr>
-                      <m:oMath xmlns:m="http://schemas.openxmlformats.org/officeDocument/2006/math">
-                        <m:r>
-                          <a:rPr lang="en-US" sz="2000" b="0" i="1" smtClean="0">
-                            <a:latin typeface="Cambria Math" panose="02040503050406030204" pitchFamily="18" charset="0"/>
-                            <a:cs typeface="Arial" panose="020B0604020202020204" pitchFamily="34" charset="0"/>
-                          </a:rPr>
-                          <m:t>𝑦</m:t>
-                        </m:r>
-                      </m:oMath>
-                    </m:oMathPara>
-                  </a14:m>
-                  <a:endParaRPr lang="en-US" sz="2000" dirty="0">
-                    <a:latin typeface="Arial" panose="020B0604020202020204" pitchFamily="34" charset="0"/>
-                    <a:cs typeface="Arial" panose="020B0604020202020204" pitchFamily="34" charset="0"/>
-                  </a:endParaRPr>
-                </a:p>
-              </p:txBody>
-            </p:sp>
-          </mc:Choice>
-          <mc:Fallback xmlns="">
-            <p:sp>
-              <p:nvSpPr>
-                <p:cNvPr id="9" name="TextBox 8"/>
-                <p:cNvSpPr txBox="1">
-                  <a:spLocks noRot="1" noChangeAspect="1" noMove="1" noResize="1" noEditPoints="1" noAdjustHandles="1" noChangeArrowheads="1" noChangeShapeType="1" noTextEdit="1"/>
-                </p:cNvSpPr>
-                <p:nvPr/>
-              </p:nvSpPr>
-              <p:spPr>
-                <a:xfrm>
-                  <a:off x="6762917" y="699452"/>
-                  <a:ext cx="219163" cy="307777"/>
-                </a:xfrm>
-                <a:prstGeom prst="rect">
-                  <a:avLst/>
-                </a:prstGeom>
-                <a:blipFill>
-                  <a:blip r:embed="rId3"/>
-                  <a:stretch>
-                    <a:fillRect l="-25000" r="-25000" b="-27451"/>
-                  </a:stretch>
-                </a:blipFill>
-              </p:spPr>
-              <p:txBody>
-                <a:bodyPr/>
-                <a:lstStyle/>
-                <a:p>
-                  <a:r>
-                    <a:rPr lang="en-US">
-                      <a:noFill/>
-                    </a:rPr>
-                    <a:t> </a:t>
-                  </a:r>
-                </a:p>
-              </p:txBody>
-            </p:sp>
-          </mc:Fallback>
-        </mc:AlternateContent>
-        <mc:AlternateContent xmlns:mc="http://schemas.openxmlformats.org/markup-compatibility/2006" xmlns:a14="http://schemas.microsoft.com/office/drawing/2010/main">
-          <mc:Choice Requires="a14">
-            <p:sp>
-              <p:nvSpPr>
-                <p:cNvPr id="10" name="TextBox 9"/>
-                <p:cNvSpPr txBox="1"/>
-                <p:nvPr/>
-              </p:nvSpPr>
-              <p:spPr>
-                <a:xfrm>
-                  <a:off x="6322609" y="4003221"/>
-                  <a:ext cx="198324" cy="307777"/>
-                </a:xfrm>
-                <a:prstGeom prst="rect">
-                  <a:avLst/>
-                </a:prstGeom>
-                <a:noFill/>
-              </p:spPr>
-              <p:txBody>
-                <a:bodyPr wrap="none" lIns="0" tIns="0" rIns="0" bIns="0" rtlCol="0">
-                  <a:spAutoFit/>
-                </a:bodyPr>
-                <a:lstStyle/>
-                <a:p>
-                  <a:pPr/>
-                  <a14:m>
-                    <m:oMathPara xmlns:m="http://schemas.openxmlformats.org/officeDocument/2006/math">
-                      <m:oMathParaPr>
-                        <m:jc m:val="centerGroup"/>
-                      </m:oMathParaPr>
-                      <m:oMath xmlns:m="http://schemas.openxmlformats.org/officeDocument/2006/math">
-                        <m:r>
-                          <a:rPr lang="en-US" sz="2000" b="0" i="1" smtClean="0">
-                            <a:latin typeface="Cambria Math" panose="02040503050406030204" pitchFamily="18" charset="0"/>
-                            <a:cs typeface="Arial" panose="020B0604020202020204" pitchFamily="34" charset="0"/>
-                          </a:rPr>
-                          <m:t>𝑧</m:t>
-                        </m:r>
-                      </m:oMath>
-                    </m:oMathPara>
-                  </a14:m>
-                  <a:endParaRPr lang="en-US" sz="2000" dirty="0">
-                    <a:latin typeface="Arial" panose="020B0604020202020204" pitchFamily="34" charset="0"/>
-                    <a:cs typeface="Arial" panose="020B0604020202020204" pitchFamily="34" charset="0"/>
-                  </a:endParaRPr>
-                </a:p>
-              </p:txBody>
-            </p:sp>
-          </mc:Choice>
-          <mc:Fallback xmlns="">
-            <p:sp>
-              <p:nvSpPr>
-                <p:cNvPr id="10" name="TextBox 9"/>
-                <p:cNvSpPr txBox="1">
-                  <a:spLocks noRot="1" noChangeAspect="1" noMove="1" noResize="1" noEditPoints="1" noAdjustHandles="1" noChangeArrowheads="1" noChangeShapeType="1" noTextEdit="1"/>
-                </p:cNvSpPr>
-                <p:nvPr/>
-              </p:nvSpPr>
-              <p:spPr>
-                <a:xfrm>
-                  <a:off x="6322609" y="4003221"/>
-                  <a:ext cx="198324" cy="307777"/>
-                </a:xfrm>
-                <a:prstGeom prst="rect">
-                  <a:avLst/>
-                </a:prstGeom>
-                <a:blipFill>
-                  <a:blip r:embed="rId4"/>
-                  <a:stretch>
-                    <a:fillRect l="-12121" r="-12121" b="-1961"/>
-                  </a:stretch>
-                </a:blipFill>
-              </p:spPr>
-              <p:txBody>
-                <a:bodyPr/>
-                <a:lstStyle/>
-                <a:p>
-                  <a:r>
-                    <a:rPr lang="en-US">
-                      <a:noFill/>
-                    </a:rPr>
-                    <a:t> </a:t>
-                  </a:r>
-                </a:p>
-              </p:txBody>
-            </p:sp>
-          </mc:Fallback>
-        </mc:AlternateContent>
-      </p:grpSp>
-    </p:spTree>
-    <p:extLst>
-      <p:ext uri="{BB962C8B-B14F-4D97-AF65-F5344CB8AC3E}">
-        <p14:creationId xmlns:p14="http://schemas.microsoft.com/office/powerpoint/2010/main" val="1135091936"/>
-      </p:ext>
-    </p:extLst>
-  </p:cSld>
-  <p:clrMapOvr>
-    <a:masterClrMapping/>
-  </p:clrMapOvr>
-</p:sld>
-</file>
-
-<file path=ppt/slides/slide3.xml><?xml version="1.0" encoding="utf-8"?>
-<p:sld xmlns:a="http://schemas.openxmlformats.org/drawingml/2006/main" xmlns:r="http://schemas.openxmlformats.org/officeDocument/2006/relationships" xmlns:p="http://schemas.openxmlformats.org/presentationml/2006/main">
-  <p:cSld>
-    <p:spTree>
-      <p:nvGrpSpPr>
-        <p:cNvPr id="1" name=""/>
-        <p:cNvGrpSpPr/>
-        <p:nvPr/>
-      </p:nvGrpSpPr>
-      <p:grpSpPr>
-        <a:xfrm>
-          <a:off x="0" y="0"/>
-          <a:ext cx="0" cy="0"/>
-          <a:chOff x="0" y="0"/>
-          <a:chExt cx="0" cy="0"/>
-        </a:xfrm>
-      </p:grpSpPr>
-      <p:grpSp>
-        <p:nvGrpSpPr>
           <p:cNvPr id="166" name="Group 165"/>
           <p:cNvGrpSpPr/>
           <p:nvPr/>
         </p:nvGrpSpPr>
         <p:grpSpPr>
           <a:xfrm>
-            <a:off x="937654" y="441194"/>
+            <a:off x="402077" y="323628"/>
             <a:ext cx="6428374" cy="3582166"/>
             <a:chOff x="937654" y="441194"/>
             <a:chExt cx="6428374" cy="3582166"/>
@@ -16332,10 +15915,4062 @@
           </mc:Fallback>
         </mc:AlternateContent>
       </p:grpSp>
+      <p:grpSp>
+        <p:nvGrpSpPr>
+          <p:cNvPr id="155" name="Group 154">
+            <a:extLst>
+              <a:ext uri="{FF2B5EF4-FFF2-40B4-BE49-F238E27FC236}">
+                <a16:creationId xmlns:a16="http://schemas.microsoft.com/office/drawing/2014/main" id="{B080555A-1868-4646-90FD-B0BD0027C1E9}"/>
+              </a:ext>
+            </a:extLst>
+          </p:cNvPr>
+          <p:cNvGrpSpPr/>
+          <p:nvPr/>
+        </p:nvGrpSpPr>
+        <p:grpSpPr>
+          <a:xfrm>
+            <a:off x="8493145" y="120878"/>
+            <a:ext cx="3592693" cy="3712027"/>
+            <a:chOff x="6322609" y="696686"/>
+            <a:chExt cx="3592693" cy="3712027"/>
+          </a:xfrm>
+        </p:grpSpPr>
+        <p:cxnSp>
+          <p:nvCxnSpPr>
+            <p:cNvPr id="157" name="Straight Arrow Connector 156">
+              <a:extLst>
+                <a:ext uri="{FF2B5EF4-FFF2-40B4-BE49-F238E27FC236}">
+                  <a16:creationId xmlns:a16="http://schemas.microsoft.com/office/drawing/2014/main" id="{61539533-A454-504F-9894-E87FD7FB7636}"/>
+                </a:ext>
+              </a:extLst>
+            </p:cNvPr>
+            <p:cNvCxnSpPr/>
+            <p:nvPr/>
+          </p:nvCxnSpPr>
+          <p:spPr>
+            <a:xfrm flipV="1">
+              <a:off x="7010400" y="696686"/>
+              <a:ext cx="0" cy="2797914"/>
+            </a:xfrm>
+            <a:prstGeom prst="straightConnector1">
+              <a:avLst/>
+            </a:prstGeom>
+            <a:ln w="38100">
+              <a:solidFill>
+                <a:schemeClr val="tx1"/>
+              </a:solidFill>
+              <a:tailEnd type="triangle"/>
+            </a:ln>
+          </p:spPr>
+          <p:style>
+            <a:lnRef idx="1">
+              <a:schemeClr val="accent1"/>
+            </a:lnRef>
+            <a:fillRef idx="0">
+              <a:schemeClr val="accent1"/>
+            </a:fillRef>
+            <a:effectRef idx="0">
+              <a:schemeClr val="accent1"/>
+            </a:effectRef>
+            <a:fontRef idx="minor">
+              <a:schemeClr val="tx1"/>
+            </a:fontRef>
+          </p:style>
+        </p:cxnSp>
+        <p:cxnSp>
+          <p:nvCxnSpPr>
+            <p:cNvPr id="160" name="Straight Arrow Connector 159">
+              <a:extLst>
+                <a:ext uri="{FF2B5EF4-FFF2-40B4-BE49-F238E27FC236}">
+                  <a16:creationId xmlns:a16="http://schemas.microsoft.com/office/drawing/2014/main" id="{9139FD97-B401-8D4F-A464-FBB5D837A92E}"/>
+                </a:ext>
+              </a:extLst>
+            </p:cNvPr>
+            <p:cNvCxnSpPr/>
+            <p:nvPr/>
+          </p:nvCxnSpPr>
+          <p:spPr>
+            <a:xfrm flipV="1">
+              <a:off x="7010400" y="3507379"/>
+              <a:ext cx="2797629" cy="1"/>
+            </a:xfrm>
+            <a:prstGeom prst="straightConnector1">
+              <a:avLst/>
+            </a:prstGeom>
+            <a:ln w="38100">
+              <a:solidFill>
+                <a:schemeClr val="tx1"/>
+              </a:solidFill>
+              <a:tailEnd type="triangle"/>
+            </a:ln>
+          </p:spPr>
+          <p:style>
+            <a:lnRef idx="1">
+              <a:schemeClr val="accent1"/>
+            </a:lnRef>
+            <a:fillRef idx="0">
+              <a:schemeClr val="accent1"/>
+            </a:fillRef>
+            <a:effectRef idx="0">
+              <a:schemeClr val="accent1"/>
+            </a:effectRef>
+            <a:fontRef idx="minor">
+              <a:schemeClr val="tx1"/>
+            </a:fontRef>
+          </p:style>
+        </p:cxnSp>
+        <p:cxnSp>
+          <p:nvCxnSpPr>
+            <p:cNvPr id="162" name="Straight Arrow Connector 161">
+              <a:extLst>
+                <a:ext uri="{FF2B5EF4-FFF2-40B4-BE49-F238E27FC236}">
+                  <a16:creationId xmlns:a16="http://schemas.microsoft.com/office/drawing/2014/main" id="{83DB720C-417D-494D-BDA5-AA44C84BB20B}"/>
+                </a:ext>
+              </a:extLst>
+            </p:cNvPr>
+            <p:cNvCxnSpPr/>
+            <p:nvPr/>
+          </p:nvCxnSpPr>
+          <p:spPr>
+            <a:xfrm flipH="1">
+              <a:off x="6455228" y="3507379"/>
+              <a:ext cx="555171" cy="901334"/>
+            </a:xfrm>
+            <a:prstGeom prst="straightConnector1">
+              <a:avLst/>
+            </a:prstGeom>
+            <a:ln w="38100">
+              <a:solidFill>
+                <a:schemeClr val="tx1"/>
+              </a:solidFill>
+              <a:tailEnd type="triangle"/>
+            </a:ln>
+          </p:spPr>
+          <p:style>
+            <a:lnRef idx="1">
+              <a:schemeClr val="accent1"/>
+            </a:lnRef>
+            <a:fillRef idx="0">
+              <a:schemeClr val="accent1"/>
+            </a:fillRef>
+            <a:effectRef idx="0">
+              <a:schemeClr val="accent1"/>
+            </a:effectRef>
+            <a:fontRef idx="minor">
+              <a:schemeClr val="tx1"/>
+            </a:fontRef>
+          </p:style>
+        </p:cxnSp>
+        <mc:AlternateContent xmlns:mc="http://schemas.openxmlformats.org/markup-compatibility/2006" xmlns:a14="http://schemas.microsoft.com/office/drawing/2010/main">
+          <mc:Choice Requires="a14">
+            <p:sp>
+              <p:nvSpPr>
+                <p:cNvPr id="163" name="TextBox 162">
+                  <a:extLst>
+                    <a:ext uri="{FF2B5EF4-FFF2-40B4-BE49-F238E27FC236}">
+                      <a16:creationId xmlns:a16="http://schemas.microsoft.com/office/drawing/2014/main" id="{9967F923-C412-6540-A951-5F2926DD6C32}"/>
+                    </a:ext>
+                  </a:extLst>
+                </p:cNvPr>
+                <p:cNvSpPr txBox="1"/>
+                <p:nvPr/>
+              </p:nvSpPr>
+              <p:spPr>
+                <a:xfrm>
+                  <a:off x="9700756" y="3494600"/>
+                  <a:ext cx="214546" cy="307777"/>
+                </a:xfrm>
+                <a:prstGeom prst="rect">
+                  <a:avLst/>
+                </a:prstGeom>
+                <a:noFill/>
+              </p:spPr>
+              <p:txBody>
+                <a:bodyPr wrap="none" lIns="0" tIns="0" rIns="0" bIns="0" rtlCol="0">
+                  <a:spAutoFit/>
+                </a:bodyPr>
+                <a:lstStyle/>
+                <a:p>
+                  <a:pPr/>
+                  <a14:m>
+                    <m:oMathPara xmlns:m="http://schemas.openxmlformats.org/officeDocument/2006/math">
+                      <m:oMathParaPr>
+                        <m:jc m:val="centerGroup"/>
+                      </m:oMathParaPr>
+                      <m:oMath xmlns:m="http://schemas.openxmlformats.org/officeDocument/2006/math">
+                        <m:r>
+                          <a:rPr lang="en-US" sz="2000" b="0" i="1" smtClean="0">
+                            <a:latin typeface="Cambria Math" panose="02040503050406030204" pitchFamily="18" charset="0"/>
+                            <a:cs typeface="Arial" panose="020B0604020202020204" pitchFamily="34" charset="0"/>
+                          </a:rPr>
+                          <m:t>𝑥</m:t>
+                        </m:r>
+                      </m:oMath>
+                    </m:oMathPara>
+                  </a14:m>
+                  <a:endParaRPr lang="en-US" sz="2000" dirty="0">
+                    <a:latin typeface="Arial" panose="020B0604020202020204" pitchFamily="34" charset="0"/>
+                    <a:cs typeface="Arial" panose="020B0604020202020204" pitchFamily="34" charset="0"/>
+                  </a:endParaRPr>
+                </a:p>
+              </p:txBody>
+            </p:sp>
+          </mc:Choice>
+          <mc:Fallback xmlns="">
+            <p:sp>
+              <p:nvSpPr>
+                <p:cNvPr id="8" name="TextBox 7"/>
+                <p:cNvSpPr txBox="1">
+                  <a:spLocks noRot="1" noChangeAspect="1" noMove="1" noResize="1" noEditPoints="1" noAdjustHandles="1" noChangeArrowheads="1" noChangeShapeType="1" noTextEdit="1"/>
+                </p:cNvSpPr>
+                <p:nvPr/>
+              </p:nvSpPr>
+              <p:spPr>
+                <a:xfrm>
+                  <a:off x="9700756" y="3494600"/>
+                  <a:ext cx="214546" cy="307777"/>
+                </a:xfrm>
+                <a:prstGeom prst="rect">
+                  <a:avLst/>
+                </a:prstGeom>
+                <a:blipFill>
+                  <a:blip r:embed="rId13"/>
+                  <a:stretch>
+                    <a:fillRect l="-11111" r="-8333" b="-2000"/>
+                  </a:stretch>
+                </a:blipFill>
+              </p:spPr>
+              <p:txBody>
+                <a:bodyPr/>
+                <a:lstStyle/>
+                <a:p>
+                  <a:r>
+                    <a:rPr lang="en-US">
+                      <a:noFill/>
+                    </a:rPr>
+                    <a:t> </a:t>
+                  </a:r>
+                </a:p>
+              </p:txBody>
+            </p:sp>
+          </mc:Fallback>
+        </mc:AlternateContent>
+        <mc:AlternateContent xmlns:mc="http://schemas.openxmlformats.org/markup-compatibility/2006" xmlns:a14="http://schemas.microsoft.com/office/drawing/2010/main">
+          <mc:Choice Requires="a14">
+            <p:sp>
+              <p:nvSpPr>
+                <p:cNvPr id="167" name="TextBox 166">
+                  <a:extLst>
+                    <a:ext uri="{FF2B5EF4-FFF2-40B4-BE49-F238E27FC236}">
+                      <a16:creationId xmlns:a16="http://schemas.microsoft.com/office/drawing/2014/main" id="{AC690EEB-BC2A-4148-80F7-7DA8F322D193}"/>
+                    </a:ext>
+                  </a:extLst>
+                </p:cNvPr>
+                <p:cNvSpPr txBox="1"/>
+                <p:nvPr/>
+              </p:nvSpPr>
+              <p:spPr>
+                <a:xfrm>
+                  <a:off x="6762917" y="699452"/>
+                  <a:ext cx="219163" cy="307777"/>
+                </a:xfrm>
+                <a:prstGeom prst="rect">
+                  <a:avLst/>
+                </a:prstGeom>
+                <a:noFill/>
+              </p:spPr>
+              <p:txBody>
+                <a:bodyPr wrap="none" lIns="0" tIns="0" rIns="0" bIns="0" rtlCol="0">
+                  <a:spAutoFit/>
+                </a:bodyPr>
+                <a:lstStyle/>
+                <a:p>
+                  <a:pPr/>
+                  <a14:m>
+                    <m:oMathPara xmlns:m="http://schemas.openxmlformats.org/officeDocument/2006/math">
+                      <m:oMathParaPr>
+                        <m:jc m:val="centerGroup"/>
+                      </m:oMathParaPr>
+                      <m:oMath xmlns:m="http://schemas.openxmlformats.org/officeDocument/2006/math">
+                        <m:r>
+                          <a:rPr lang="en-US" sz="2000" b="0" i="1" smtClean="0">
+                            <a:latin typeface="Cambria Math" panose="02040503050406030204" pitchFamily="18" charset="0"/>
+                            <a:cs typeface="Arial" panose="020B0604020202020204" pitchFamily="34" charset="0"/>
+                          </a:rPr>
+                          <m:t>𝑦</m:t>
+                        </m:r>
+                      </m:oMath>
+                    </m:oMathPara>
+                  </a14:m>
+                  <a:endParaRPr lang="en-US" sz="2000" dirty="0">
+                    <a:latin typeface="Arial" panose="020B0604020202020204" pitchFamily="34" charset="0"/>
+                    <a:cs typeface="Arial" panose="020B0604020202020204" pitchFamily="34" charset="0"/>
+                  </a:endParaRPr>
+                </a:p>
+              </p:txBody>
+            </p:sp>
+          </mc:Choice>
+          <mc:Fallback xmlns="">
+            <p:sp>
+              <p:nvSpPr>
+                <p:cNvPr id="9" name="TextBox 8"/>
+                <p:cNvSpPr txBox="1">
+                  <a:spLocks noRot="1" noChangeAspect="1" noMove="1" noResize="1" noEditPoints="1" noAdjustHandles="1" noChangeArrowheads="1" noChangeShapeType="1" noTextEdit="1"/>
+                </p:cNvSpPr>
+                <p:nvPr/>
+              </p:nvSpPr>
+              <p:spPr>
+                <a:xfrm>
+                  <a:off x="6762917" y="699452"/>
+                  <a:ext cx="219163" cy="307777"/>
+                </a:xfrm>
+                <a:prstGeom prst="rect">
+                  <a:avLst/>
+                </a:prstGeom>
+                <a:blipFill>
+                  <a:blip r:embed="rId14"/>
+                  <a:stretch>
+                    <a:fillRect l="-25000" r="-25000" b="-27451"/>
+                  </a:stretch>
+                </a:blipFill>
+              </p:spPr>
+              <p:txBody>
+                <a:bodyPr/>
+                <a:lstStyle/>
+                <a:p>
+                  <a:r>
+                    <a:rPr lang="en-US">
+                      <a:noFill/>
+                    </a:rPr>
+                    <a:t> </a:t>
+                  </a:r>
+                </a:p>
+              </p:txBody>
+            </p:sp>
+          </mc:Fallback>
+        </mc:AlternateContent>
+        <mc:AlternateContent xmlns:mc="http://schemas.openxmlformats.org/markup-compatibility/2006" xmlns:a14="http://schemas.microsoft.com/office/drawing/2010/main">
+          <mc:Choice Requires="a14">
+            <p:sp>
+              <p:nvSpPr>
+                <p:cNvPr id="168" name="TextBox 167">
+                  <a:extLst>
+                    <a:ext uri="{FF2B5EF4-FFF2-40B4-BE49-F238E27FC236}">
+                      <a16:creationId xmlns:a16="http://schemas.microsoft.com/office/drawing/2014/main" id="{F1DF1C1A-23F7-DE44-BC00-99D97266013A}"/>
+                    </a:ext>
+                  </a:extLst>
+                </p:cNvPr>
+                <p:cNvSpPr txBox="1"/>
+                <p:nvPr/>
+              </p:nvSpPr>
+              <p:spPr>
+                <a:xfrm>
+                  <a:off x="6322609" y="4003221"/>
+                  <a:ext cx="198324" cy="307777"/>
+                </a:xfrm>
+                <a:prstGeom prst="rect">
+                  <a:avLst/>
+                </a:prstGeom>
+                <a:noFill/>
+              </p:spPr>
+              <p:txBody>
+                <a:bodyPr wrap="none" lIns="0" tIns="0" rIns="0" bIns="0" rtlCol="0">
+                  <a:spAutoFit/>
+                </a:bodyPr>
+                <a:lstStyle/>
+                <a:p>
+                  <a:pPr/>
+                  <a14:m>
+                    <m:oMathPara xmlns:m="http://schemas.openxmlformats.org/officeDocument/2006/math">
+                      <m:oMathParaPr>
+                        <m:jc m:val="centerGroup"/>
+                      </m:oMathParaPr>
+                      <m:oMath xmlns:m="http://schemas.openxmlformats.org/officeDocument/2006/math">
+                        <m:r>
+                          <a:rPr lang="en-US" sz="2000" b="0" i="1" smtClean="0">
+                            <a:latin typeface="Cambria Math" panose="02040503050406030204" pitchFamily="18" charset="0"/>
+                            <a:cs typeface="Arial" panose="020B0604020202020204" pitchFamily="34" charset="0"/>
+                          </a:rPr>
+                          <m:t>𝑧</m:t>
+                        </m:r>
+                      </m:oMath>
+                    </m:oMathPara>
+                  </a14:m>
+                  <a:endParaRPr lang="en-US" sz="2000" dirty="0">
+                    <a:latin typeface="Arial" panose="020B0604020202020204" pitchFamily="34" charset="0"/>
+                    <a:cs typeface="Arial" panose="020B0604020202020204" pitchFamily="34" charset="0"/>
+                  </a:endParaRPr>
+                </a:p>
+              </p:txBody>
+            </p:sp>
+          </mc:Choice>
+          <mc:Fallback xmlns="">
+            <p:sp>
+              <p:nvSpPr>
+                <p:cNvPr id="10" name="TextBox 9"/>
+                <p:cNvSpPr txBox="1">
+                  <a:spLocks noRot="1" noChangeAspect="1" noMove="1" noResize="1" noEditPoints="1" noAdjustHandles="1" noChangeArrowheads="1" noChangeShapeType="1" noTextEdit="1"/>
+                </p:cNvSpPr>
+                <p:nvPr/>
+              </p:nvSpPr>
+              <p:spPr>
+                <a:xfrm>
+                  <a:off x="6322609" y="4003221"/>
+                  <a:ext cx="198324" cy="307777"/>
+                </a:xfrm>
+                <a:prstGeom prst="rect">
+                  <a:avLst/>
+                </a:prstGeom>
+                <a:blipFill>
+                  <a:blip r:embed="rId15"/>
+                  <a:stretch>
+                    <a:fillRect l="-12121" r="-12121" b="-1961"/>
+                  </a:stretch>
+                </a:blipFill>
+              </p:spPr>
+              <p:txBody>
+                <a:bodyPr/>
+                <a:lstStyle/>
+                <a:p>
+                  <a:r>
+                    <a:rPr lang="en-US">
+                      <a:noFill/>
+                    </a:rPr>
+                    <a:t> </a:t>
+                  </a:r>
+                </a:p>
+              </p:txBody>
+            </p:sp>
+          </mc:Fallback>
+        </mc:AlternateContent>
+      </p:grpSp>
     </p:spTree>
     <p:extLst>
       <p:ext uri="{BB962C8B-B14F-4D97-AF65-F5344CB8AC3E}">
         <p14:creationId xmlns:p14="http://schemas.microsoft.com/office/powerpoint/2010/main" val="2217555735"/>
+      </p:ext>
+    </p:extLst>
+  </p:cSld>
+  <p:clrMapOvr>
+    <a:masterClrMapping/>
+  </p:clrMapOvr>
+</p:sld>
+</file>
+
+<file path=ppt/slides/slide3.xml><?xml version="1.0" encoding="utf-8"?>
+<p:sld xmlns:a="http://schemas.openxmlformats.org/drawingml/2006/main" xmlns:r="http://schemas.openxmlformats.org/officeDocument/2006/relationships" xmlns:p="http://schemas.openxmlformats.org/presentationml/2006/main">
+  <p:cSld>
+    <p:spTree>
+      <p:nvGrpSpPr>
+        <p:cNvPr id="1" name=""/>
+        <p:cNvGrpSpPr/>
+        <p:nvPr/>
+      </p:nvGrpSpPr>
+      <p:grpSpPr>
+        <a:xfrm>
+          <a:off x="0" y="0"/>
+          <a:ext cx="0" cy="0"/>
+          <a:chOff x="0" y="0"/>
+          <a:chExt cx="0" cy="0"/>
+        </a:xfrm>
+      </p:grpSpPr>
+      <p:grpSp>
+        <p:nvGrpSpPr>
+          <p:cNvPr id="60" name="Group 59">
+            <a:extLst>
+              <a:ext uri="{FF2B5EF4-FFF2-40B4-BE49-F238E27FC236}">
+                <a16:creationId xmlns:a16="http://schemas.microsoft.com/office/drawing/2014/main" id="{4BA66DBA-B702-CF47-AD6A-362C27DE5119}"/>
+              </a:ext>
+            </a:extLst>
+          </p:cNvPr>
+          <p:cNvGrpSpPr/>
+          <p:nvPr/>
+        </p:nvGrpSpPr>
+        <p:grpSpPr>
+          <a:xfrm>
+            <a:off x="-247235" y="335390"/>
+            <a:ext cx="2014485" cy="1911208"/>
+            <a:chOff x="6432979" y="2435006"/>
+            <a:chExt cx="2014485" cy="1911208"/>
+          </a:xfrm>
+        </p:grpSpPr>
+        <p:cxnSp>
+          <p:nvCxnSpPr>
+            <p:cNvPr id="61" name="Straight Arrow Connector 60">
+              <a:extLst>
+                <a:ext uri="{FF2B5EF4-FFF2-40B4-BE49-F238E27FC236}">
+                  <a16:creationId xmlns:a16="http://schemas.microsoft.com/office/drawing/2014/main" id="{FD3EE3F3-F827-AA47-94DB-4757D8211796}"/>
+                </a:ext>
+              </a:extLst>
+            </p:cNvPr>
+            <p:cNvCxnSpPr/>
+            <p:nvPr/>
+          </p:nvCxnSpPr>
+          <p:spPr>
+            <a:xfrm flipV="1">
+              <a:off x="7009017" y="2435006"/>
+              <a:ext cx="0" cy="1080000"/>
+            </a:xfrm>
+            <a:prstGeom prst="straightConnector1">
+              <a:avLst/>
+            </a:prstGeom>
+            <a:ln w="38100">
+              <a:solidFill>
+                <a:schemeClr val="tx1"/>
+              </a:solidFill>
+              <a:tailEnd type="triangle"/>
+            </a:ln>
+          </p:spPr>
+          <p:style>
+            <a:lnRef idx="1">
+              <a:schemeClr val="accent1"/>
+            </a:lnRef>
+            <a:fillRef idx="0">
+              <a:schemeClr val="accent1"/>
+            </a:fillRef>
+            <a:effectRef idx="0">
+              <a:schemeClr val="accent1"/>
+            </a:effectRef>
+            <a:fontRef idx="minor">
+              <a:schemeClr val="tx1"/>
+            </a:fontRef>
+          </p:style>
+        </p:cxnSp>
+        <p:cxnSp>
+          <p:nvCxnSpPr>
+            <p:cNvPr id="62" name="Straight Arrow Connector 61">
+              <a:extLst>
+                <a:ext uri="{FF2B5EF4-FFF2-40B4-BE49-F238E27FC236}">
+                  <a16:creationId xmlns:a16="http://schemas.microsoft.com/office/drawing/2014/main" id="{03CA7B6F-9BD7-FC4B-9CE7-451FCFE28493}"/>
+                </a:ext>
+              </a:extLst>
+            </p:cNvPr>
+            <p:cNvCxnSpPr/>
+            <p:nvPr/>
+          </p:nvCxnSpPr>
+          <p:spPr>
+            <a:xfrm flipV="1">
+              <a:off x="7010400" y="3507379"/>
+              <a:ext cx="1080000" cy="1"/>
+            </a:xfrm>
+            <a:prstGeom prst="straightConnector1">
+              <a:avLst/>
+            </a:prstGeom>
+            <a:ln w="38100">
+              <a:solidFill>
+                <a:schemeClr val="tx1"/>
+              </a:solidFill>
+              <a:tailEnd type="triangle"/>
+            </a:ln>
+          </p:spPr>
+          <p:style>
+            <a:lnRef idx="1">
+              <a:schemeClr val="accent1"/>
+            </a:lnRef>
+            <a:fillRef idx="0">
+              <a:schemeClr val="accent1"/>
+            </a:fillRef>
+            <a:effectRef idx="0">
+              <a:schemeClr val="accent1"/>
+            </a:effectRef>
+            <a:fontRef idx="minor">
+              <a:schemeClr val="tx1"/>
+            </a:fontRef>
+          </p:style>
+        </p:cxnSp>
+        <p:cxnSp>
+          <p:nvCxnSpPr>
+            <p:cNvPr id="63" name="Straight Arrow Connector 62">
+              <a:extLst>
+                <a:ext uri="{FF2B5EF4-FFF2-40B4-BE49-F238E27FC236}">
+                  <a16:creationId xmlns:a16="http://schemas.microsoft.com/office/drawing/2014/main" id="{0C34C53B-004E-6348-B63D-E1E1BA8032F6}"/>
+                </a:ext>
+              </a:extLst>
+            </p:cNvPr>
+            <p:cNvCxnSpPr>
+              <a:cxnSpLocks/>
+            </p:cNvCxnSpPr>
+            <p:nvPr/>
+          </p:nvCxnSpPr>
+          <p:spPr>
+            <a:xfrm flipH="1">
+              <a:off x="6647525" y="3507379"/>
+              <a:ext cx="362876" cy="531058"/>
+            </a:xfrm>
+            <a:prstGeom prst="straightConnector1">
+              <a:avLst/>
+            </a:prstGeom>
+            <a:ln w="38100">
+              <a:solidFill>
+                <a:schemeClr val="tx1"/>
+              </a:solidFill>
+              <a:tailEnd type="triangle"/>
+            </a:ln>
+          </p:spPr>
+          <p:style>
+            <a:lnRef idx="1">
+              <a:schemeClr val="accent1"/>
+            </a:lnRef>
+            <a:fillRef idx="0">
+              <a:schemeClr val="accent1"/>
+            </a:fillRef>
+            <a:effectRef idx="0">
+              <a:schemeClr val="accent1"/>
+            </a:effectRef>
+            <a:fontRef idx="minor">
+              <a:schemeClr val="tx1"/>
+            </a:fontRef>
+          </p:style>
+        </p:cxnSp>
+        <mc:AlternateContent xmlns:mc="http://schemas.openxmlformats.org/markup-compatibility/2006">
+          <mc:Choice xmlns:a14="http://schemas.microsoft.com/office/drawing/2010/main" Requires="a14">
+            <p:sp>
+              <p:nvSpPr>
+                <p:cNvPr id="64" name="TextBox 63">
+                  <a:extLst>
+                    <a:ext uri="{FF2B5EF4-FFF2-40B4-BE49-F238E27FC236}">
+                      <a16:creationId xmlns:a16="http://schemas.microsoft.com/office/drawing/2014/main" id="{14564ACD-7E2E-2C40-B8DE-C7D2A1076136}"/>
+                    </a:ext>
+                  </a:extLst>
+                </p:cNvPr>
+                <p:cNvSpPr txBox="1"/>
+                <p:nvPr/>
+              </p:nvSpPr>
+              <p:spPr>
+                <a:xfrm>
+                  <a:off x="8228301" y="3360226"/>
+                  <a:ext cx="219163" cy="307777"/>
+                </a:xfrm>
+                <a:prstGeom prst="rect">
+                  <a:avLst/>
+                </a:prstGeom>
+                <a:noFill/>
+              </p:spPr>
+              <p:txBody>
+                <a:bodyPr wrap="none" lIns="0" tIns="0" rIns="0" bIns="0" rtlCol="0">
+                  <a:spAutoFit/>
+                </a:bodyPr>
+                <a:lstStyle/>
+                <a:p>
+                  <a:pPr/>
+                  <a14:m>
+                    <m:oMathPara xmlns:m="http://schemas.openxmlformats.org/officeDocument/2006/math">
+                      <m:oMathParaPr>
+                        <m:jc m:val="centerGroup"/>
+                      </m:oMathParaPr>
+                      <m:oMath xmlns:m="http://schemas.openxmlformats.org/officeDocument/2006/math">
+                        <m:r>
+                          <a:rPr lang="en-CA" sz="2000" b="0" i="1" smtClean="0">
+                            <a:latin typeface="Cambria Math" panose="02040503050406030204" pitchFamily="18" charset="0"/>
+                            <a:cs typeface="Arial" panose="020B0604020202020204" pitchFamily="34" charset="0"/>
+                          </a:rPr>
+                          <m:t>𝑦</m:t>
+                        </m:r>
+                      </m:oMath>
+                    </m:oMathPara>
+                  </a14:m>
+                  <a:endParaRPr lang="en-US" sz="2000" dirty="0">
+                    <a:latin typeface="Arial" panose="020B0604020202020204" pitchFamily="34" charset="0"/>
+                    <a:cs typeface="Arial" panose="020B0604020202020204" pitchFamily="34" charset="0"/>
+                  </a:endParaRPr>
+                </a:p>
+              </p:txBody>
+            </p:sp>
+          </mc:Choice>
+          <mc:Fallback>
+            <p:sp>
+              <p:nvSpPr>
+                <p:cNvPr id="64" name="TextBox 63">
+                  <a:extLst>
+                    <a:ext uri="{FF2B5EF4-FFF2-40B4-BE49-F238E27FC236}">
+                      <a16:creationId xmlns:a16="http://schemas.microsoft.com/office/drawing/2014/main" id="{14564ACD-7E2E-2C40-B8DE-C7D2A1076136}"/>
+                    </a:ext>
+                  </a:extLst>
+                </p:cNvPr>
+                <p:cNvSpPr txBox="1">
+                  <a:spLocks noRot="1" noChangeAspect="1" noMove="1" noResize="1" noEditPoints="1" noAdjustHandles="1" noChangeArrowheads="1" noChangeShapeType="1" noTextEdit="1"/>
+                </p:cNvSpPr>
+                <p:nvPr/>
+              </p:nvSpPr>
+              <p:spPr>
+                <a:xfrm>
+                  <a:off x="8228301" y="3360226"/>
+                  <a:ext cx="219163" cy="307777"/>
+                </a:xfrm>
+                <a:prstGeom prst="rect">
+                  <a:avLst/>
+                </a:prstGeom>
+                <a:blipFill>
+                  <a:blip r:embed="rId2"/>
+                  <a:stretch>
+                    <a:fillRect l="-16667" r="-16667" b="-24000"/>
+                  </a:stretch>
+                </a:blipFill>
+              </p:spPr>
+              <p:txBody>
+                <a:bodyPr/>
+                <a:lstStyle/>
+                <a:p>
+                  <a:r>
+                    <a:rPr lang="en-US">
+                      <a:noFill/>
+                    </a:rPr>
+                    <a:t> </a:t>
+                  </a:r>
+                </a:p>
+              </p:txBody>
+            </p:sp>
+          </mc:Fallback>
+        </mc:AlternateContent>
+        <mc:AlternateContent xmlns:mc="http://schemas.openxmlformats.org/markup-compatibility/2006">
+          <mc:Choice xmlns:a14="http://schemas.microsoft.com/office/drawing/2010/main" Requires="a14">
+            <p:sp>
+              <p:nvSpPr>
+                <p:cNvPr id="65" name="TextBox 64">
+                  <a:extLst>
+                    <a:ext uri="{FF2B5EF4-FFF2-40B4-BE49-F238E27FC236}">
+                      <a16:creationId xmlns:a16="http://schemas.microsoft.com/office/drawing/2014/main" id="{2B5BBF8A-E71F-3A46-BE51-879D0C54F646}"/>
+                    </a:ext>
+                  </a:extLst>
+                </p:cNvPr>
+                <p:cNvSpPr txBox="1"/>
+                <p:nvPr/>
+              </p:nvSpPr>
+              <p:spPr>
+                <a:xfrm>
+                  <a:off x="6761534" y="2437772"/>
+                  <a:ext cx="198324" cy="307777"/>
+                </a:xfrm>
+                <a:prstGeom prst="rect">
+                  <a:avLst/>
+                </a:prstGeom>
+                <a:noFill/>
+              </p:spPr>
+              <p:txBody>
+                <a:bodyPr wrap="none" lIns="0" tIns="0" rIns="0" bIns="0" rtlCol="0">
+                  <a:spAutoFit/>
+                </a:bodyPr>
+                <a:lstStyle/>
+                <a:p>
+                  <a:pPr/>
+                  <a14:m>
+                    <m:oMathPara xmlns:m="http://schemas.openxmlformats.org/officeDocument/2006/math">
+                      <m:oMathParaPr>
+                        <m:jc m:val="centerGroup"/>
+                      </m:oMathParaPr>
+                      <m:oMath xmlns:m="http://schemas.openxmlformats.org/officeDocument/2006/math">
+                        <m:r>
+                          <a:rPr lang="en-CA" sz="2000" b="0" i="1" smtClean="0">
+                            <a:latin typeface="Cambria Math" panose="02040503050406030204" pitchFamily="18" charset="0"/>
+                            <a:cs typeface="Arial" panose="020B0604020202020204" pitchFamily="34" charset="0"/>
+                          </a:rPr>
+                          <m:t>𝑧</m:t>
+                        </m:r>
+                      </m:oMath>
+                    </m:oMathPara>
+                  </a14:m>
+                  <a:endParaRPr lang="en-US" sz="2000" dirty="0">
+                    <a:latin typeface="Arial" panose="020B0604020202020204" pitchFamily="34" charset="0"/>
+                    <a:cs typeface="Arial" panose="020B0604020202020204" pitchFamily="34" charset="0"/>
+                  </a:endParaRPr>
+                </a:p>
+              </p:txBody>
+            </p:sp>
+          </mc:Choice>
+          <mc:Fallback>
+            <p:sp>
+              <p:nvSpPr>
+                <p:cNvPr id="65" name="TextBox 64">
+                  <a:extLst>
+                    <a:ext uri="{FF2B5EF4-FFF2-40B4-BE49-F238E27FC236}">
+                      <a16:creationId xmlns:a16="http://schemas.microsoft.com/office/drawing/2014/main" id="{2B5BBF8A-E71F-3A46-BE51-879D0C54F646}"/>
+                    </a:ext>
+                  </a:extLst>
+                </p:cNvPr>
+                <p:cNvSpPr txBox="1">
+                  <a:spLocks noRot="1" noChangeAspect="1" noMove="1" noResize="1" noEditPoints="1" noAdjustHandles="1" noChangeArrowheads="1" noChangeShapeType="1" noTextEdit="1"/>
+                </p:cNvSpPr>
+                <p:nvPr/>
+              </p:nvSpPr>
+              <p:spPr>
+                <a:xfrm>
+                  <a:off x="6761534" y="2437772"/>
+                  <a:ext cx="198324" cy="307777"/>
+                </a:xfrm>
+                <a:prstGeom prst="rect">
+                  <a:avLst/>
+                </a:prstGeom>
+                <a:blipFill>
+                  <a:blip r:embed="rId3"/>
+                  <a:stretch>
+                    <a:fillRect l="-5882" r="-5882"/>
+                  </a:stretch>
+                </a:blipFill>
+              </p:spPr>
+              <p:txBody>
+                <a:bodyPr/>
+                <a:lstStyle/>
+                <a:p>
+                  <a:r>
+                    <a:rPr lang="en-US">
+                      <a:noFill/>
+                    </a:rPr>
+                    <a:t> </a:t>
+                  </a:r>
+                </a:p>
+              </p:txBody>
+            </p:sp>
+          </mc:Fallback>
+        </mc:AlternateContent>
+        <mc:AlternateContent xmlns:mc="http://schemas.openxmlformats.org/markup-compatibility/2006">
+          <mc:Choice xmlns:a14="http://schemas.microsoft.com/office/drawing/2010/main" Requires="a14">
+            <p:sp>
+              <p:nvSpPr>
+                <p:cNvPr id="66" name="TextBox 65">
+                  <a:extLst>
+                    <a:ext uri="{FF2B5EF4-FFF2-40B4-BE49-F238E27FC236}">
+                      <a16:creationId xmlns:a16="http://schemas.microsoft.com/office/drawing/2014/main" id="{1A23FEF6-4084-AF42-BF6F-CFBBDC71AFE5}"/>
+                    </a:ext>
+                  </a:extLst>
+                </p:cNvPr>
+                <p:cNvSpPr txBox="1"/>
+                <p:nvPr/>
+              </p:nvSpPr>
+              <p:spPr>
+                <a:xfrm>
+                  <a:off x="6432979" y="4038437"/>
+                  <a:ext cx="214546" cy="307777"/>
+                </a:xfrm>
+                <a:prstGeom prst="rect">
+                  <a:avLst/>
+                </a:prstGeom>
+                <a:noFill/>
+              </p:spPr>
+              <p:txBody>
+                <a:bodyPr wrap="none" lIns="0" tIns="0" rIns="0" bIns="0" rtlCol="0">
+                  <a:spAutoFit/>
+                </a:bodyPr>
+                <a:lstStyle/>
+                <a:p>
+                  <a:pPr/>
+                  <a14:m>
+                    <m:oMathPara xmlns:m="http://schemas.openxmlformats.org/officeDocument/2006/math">
+                      <m:oMathParaPr>
+                        <m:jc m:val="centerGroup"/>
+                      </m:oMathParaPr>
+                      <m:oMath xmlns:m="http://schemas.openxmlformats.org/officeDocument/2006/math">
+                        <m:r>
+                          <a:rPr lang="en-CA" sz="2000" b="0" i="1" smtClean="0">
+                            <a:latin typeface="Cambria Math" panose="02040503050406030204" pitchFamily="18" charset="0"/>
+                            <a:cs typeface="Arial" panose="020B0604020202020204" pitchFamily="34" charset="0"/>
+                          </a:rPr>
+                          <m:t>𝑥</m:t>
+                        </m:r>
+                      </m:oMath>
+                    </m:oMathPara>
+                  </a14:m>
+                  <a:endParaRPr lang="en-US" sz="2000" dirty="0">
+                    <a:latin typeface="Arial" panose="020B0604020202020204" pitchFamily="34" charset="0"/>
+                    <a:cs typeface="Arial" panose="020B0604020202020204" pitchFamily="34" charset="0"/>
+                  </a:endParaRPr>
+                </a:p>
+              </p:txBody>
+            </p:sp>
+          </mc:Choice>
+          <mc:Fallback>
+            <p:sp>
+              <p:nvSpPr>
+                <p:cNvPr id="66" name="TextBox 65">
+                  <a:extLst>
+                    <a:ext uri="{FF2B5EF4-FFF2-40B4-BE49-F238E27FC236}">
+                      <a16:creationId xmlns:a16="http://schemas.microsoft.com/office/drawing/2014/main" id="{1A23FEF6-4084-AF42-BF6F-CFBBDC71AFE5}"/>
+                    </a:ext>
+                  </a:extLst>
+                </p:cNvPr>
+                <p:cNvSpPr txBox="1">
+                  <a:spLocks noRot="1" noChangeAspect="1" noMove="1" noResize="1" noEditPoints="1" noAdjustHandles="1" noChangeArrowheads="1" noChangeShapeType="1" noTextEdit="1"/>
+                </p:cNvSpPr>
+                <p:nvPr/>
+              </p:nvSpPr>
+              <p:spPr>
+                <a:xfrm>
+                  <a:off x="6432979" y="4038437"/>
+                  <a:ext cx="214546" cy="307777"/>
+                </a:xfrm>
+                <a:prstGeom prst="rect">
+                  <a:avLst/>
+                </a:prstGeom>
+                <a:blipFill>
+                  <a:blip r:embed="rId4"/>
+                  <a:stretch>
+                    <a:fillRect l="-17647" r="-11765"/>
+                  </a:stretch>
+                </a:blipFill>
+              </p:spPr>
+              <p:txBody>
+                <a:bodyPr/>
+                <a:lstStyle/>
+                <a:p>
+                  <a:r>
+                    <a:rPr lang="en-US">
+                      <a:noFill/>
+                    </a:rPr>
+                    <a:t> </a:t>
+                  </a:r>
+                </a:p>
+              </p:txBody>
+            </p:sp>
+          </mc:Fallback>
+        </mc:AlternateContent>
+      </p:grpSp>
+      <p:grpSp>
+        <p:nvGrpSpPr>
+          <p:cNvPr id="140" name="Group 139">
+            <a:extLst>
+              <a:ext uri="{FF2B5EF4-FFF2-40B4-BE49-F238E27FC236}">
+                <a16:creationId xmlns:a16="http://schemas.microsoft.com/office/drawing/2014/main" id="{E450CB55-5DB9-3D4C-9988-04B6B18D38FB}"/>
+              </a:ext>
+            </a:extLst>
+          </p:cNvPr>
+          <p:cNvGrpSpPr/>
+          <p:nvPr/>
+        </p:nvGrpSpPr>
+        <p:grpSpPr>
+          <a:xfrm>
+            <a:off x="1403117" y="640245"/>
+            <a:ext cx="3048221" cy="3628828"/>
+            <a:chOff x="1369463" y="1690042"/>
+            <a:chExt cx="3048221" cy="3628828"/>
+          </a:xfrm>
+        </p:grpSpPr>
+        <p:grpSp>
+          <p:nvGrpSpPr>
+            <p:cNvPr id="11" name="Group 10">
+              <a:extLst>
+                <a:ext uri="{FF2B5EF4-FFF2-40B4-BE49-F238E27FC236}">
+                  <a16:creationId xmlns:a16="http://schemas.microsoft.com/office/drawing/2014/main" id="{BFF55E62-F116-C94C-8B46-3BFC1BBB8924}"/>
+                </a:ext>
+              </a:extLst>
+            </p:cNvPr>
+            <p:cNvGrpSpPr/>
+            <p:nvPr/>
+          </p:nvGrpSpPr>
+          <p:grpSpPr>
+            <a:xfrm>
+              <a:off x="1369463" y="2610141"/>
+              <a:ext cx="3048221" cy="2708729"/>
+              <a:chOff x="937654" y="1016126"/>
+              <a:chExt cx="3048221" cy="2708729"/>
+            </a:xfrm>
+          </p:grpSpPr>
+          <p:grpSp>
+            <p:nvGrpSpPr>
+              <p:cNvPr id="12" name="Group 11">
+                <a:extLst>
+                  <a:ext uri="{FF2B5EF4-FFF2-40B4-BE49-F238E27FC236}">
+                    <a16:creationId xmlns:a16="http://schemas.microsoft.com/office/drawing/2014/main" id="{A8C856E9-32CF-C740-895F-48F96C5394A0}"/>
+                  </a:ext>
+                </a:extLst>
+              </p:cNvPr>
+              <p:cNvGrpSpPr/>
+              <p:nvPr/>
+            </p:nvGrpSpPr>
+            <p:grpSpPr>
+              <a:xfrm>
+                <a:off x="1024960" y="1016126"/>
+                <a:ext cx="2960915" cy="2708729"/>
+                <a:chOff x="1088571" y="1596571"/>
+                <a:chExt cx="2960915" cy="2708729"/>
+              </a:xfrm>
+            </p:grpSpPr>
+            <p:cxnSp>
+              <p:nvCxnSpPr>
+                <p:cNvPr id="43" name="Straight Connector 42">
+                  <a:extLst>
+                    <a:ext uri="{FF2B5EF4-FFF2-40B4-BE49-F238E27FC236}">
+                      <a16:creationId xmlns:a16="http://schemas.microsoft.com/office/drawing/2014/main" id="{26B2BBB8-F89F-9942-A954-4DAC3D41DC76}"/>
+                    </a:ext>
+                  </a:extLst>
+                </p:cNvPr>
+                <p:cNvCxnSpPr/>
+                <p:nvPr/>
+              </p:nvCxnSpPr>
+              <p:spPr>
+                <a:xfrm>
+                  <a:off x="1309470" y="3048000"/>
+                  <a:ext cx="0" cy="967015"/>
+                </a:xfrm>
+                <a:prstGeom prst="line">
+                  <a:avLst/>
+                </a:prstGeom>
+                <a:ln w="25400">
+                  <a:solidFill>
+                    <a:srgbClr val="FF0000"/>
+                  </a:solidFill>
+                </a:ln>
+              </p:spPr>
+              <p:style>
+                <a:lnRef idx="1">
+                  <a:schemeClr val="accent1"/>
+                </a:lnRef>
+                <a:fillRef idx="0">
+                  <a:schemeClr val="accent1"/>
+                </a:fillRef>
+                <a:effectRef idx="0">
+                  <a:schemeClr val="accent1"/>
+                </a:effectRef>
+                <a:fontRef idx="minor">
+                  <a:schemeClr val="tx1"/>
+                </a:fontRef>
+              </p:style>
+            </p:cxnSp>
+            <p:cxnSp>
+              <p:nvCxnSpPr>
+                <p:cNvPr id="44" name="Straight Connector 43">
+                  <a:extLst>
+                    <a:ext uri="{FF2B5EF4-FFF2-40B4-BE49-F238E27FC236}">
+                      <a16:creationId xmlns:a16="http://schemas.microsoft.com/office/drawing/2014/main" id="{B709B01A-5719-6047-B1DE-E33B8FCC31EC}"/>
+                    </a:ext>
+                  </a:extLst>
+                </p:cNvPr>
+                <p:cNvCxnSpPr/>
+                <p:nvPr/>
+              </p:nvCxnSpPr>
+              <p:spPr>
+                <a:xfrm>
+                  <a:off x="1688648" y="3251200"/>
+                  <a:ext cx="0" cy="967015"/>
+                </a:xfrm>
+                <a:prstGeom prst="line">
+                  <a:avLst/>
+                </a:prstGeom>
+                <a:ln w="25400">
+                  <a:solidFill>
+                    <a:srgbClr val="FF0000"/>
+                  </a:solidFill>
+                </a:ln>
+              </p:spPr>
+              <p:style>
+                <a:lnRef idx="1">
+                  <a:schemeClr val="accent1"/>
+                </a:lnRef>
+                <a:fillRef idx="0">
+                  <a:schemeClr val="accent1"/>
+                </a:fillRef>
+                <a:effectRef idx="0">
+                  <a:schemeClr val="accent1"/>
+                </a:effectRef>
+                <a:fontRef idx="minor">
+                  <a:schemeClr val="tx1"/>
+                </a:fontRef>
+              </p:style>
+            </p:cxnSp>
+            <p:cxnSp>
+              <p:nvCxnSpPr>
+                <p:cNvPr id="45" name="Straight Connector 44">
+                  <a:extLst>
+                    <a:ext uri="{FF2B5EF4-FFF2-40B4-BE49-F238E27FC236}">
+                      <a16:creationId xmlns:a16="http://schemas.microsoft.com/office/drawing/2014/main" id="{AAF43074-DC39-694C-B034-B92A1EF53C26}"/>
+                    </a:ext>
+                  </a:extLst>
+                </p:cNvPr>
+                <p:cNvCxnSpPr/>
+                <p:nvPr/>
+              </p:nvCxnSpPr>
+              <p:spPr>
+                <a:xfrm>
+                  <a:off x="1954202" y="2854778"/>
+                  <a:ext cx="0" cy="967015"/>
+                </a:xfrm>
+                <a:prstGeom prst="line">
+                  <a:avLst/>
+                </a:prstGeom>
+                <a:ln w="25400">
+                  <a:solidFill>
+                    <a:srgbClr val="FF0000"/>
+                  </a:solidFill>
+                </a:ln>
+              </p:spPr>
+              <p:style>
+                <a:lnRef idx="1">
+                  <a:schemeClr val="accent1"/>
+                </a:lnRef>
+                <a:fillRef idx="0">
+                  <a:schemeClr val="accent1"/>
+                </a:fillRef>
+                <a:effectRef idx="0">
+                  <a:schemeClr val="accent1"/>
+                </a:effectRef>
+                <a:fontRef idx="minor">
+                  <a:schemeClr val="tx1"/>
+                </a:fontRef>
+              </p:style>
+            </p:cxnSp>
+            <p:cxnSp>
+              <p:nvCxnSpPr>
+                <p:cNvPr id="46" name="Straight Connector 45">
+                  <a:extLst>
+                    <a:ext uri="{FF2B5EF4-FFF2-40B4-BE49-F238E27FC236}">
+                      <a16:creationId xmlns:a16="http://schemas.microsoft.com/office/drawing/2014/main" id="{50FB93CE-5B9F-5D4D-AB40-34B5C905B7A5}"/>
+                    </a:ext>
+                  </a:extLst>
+                </p:cNvPr>
+                <p:cNvCxnSpPr/>
+                <p:nvPr/>
+              </p:nvCxnSpPr>
+              <p:spPr>
+                <a:xfrm>
+                  <a:off x="2322166" y="3067957"/>
+                  <a:ext cx="0" cy="967015"/>
+                </a:xfrm>
+                <a:prstGeom prst="line">
+                  <a:avLst/>
+                </a:prstGeom>
+                <a:ln w="25400">
+                  <a:solidFill>
+                    <a:srgbClr val="FF0000"/>
+                  </a:solidFill>
+                </a:ln>
+              </p:spPr>
+              <p:style>
+                <a:lnRef idx="1">
+                  <a:schemeClr val="accent1"/>
+                </a:lnRef>
+                <a:fillRef idx="0">
+                  <a:schemeClr val="accent1"/>
+                </a:fillRef>
+                <a:effectRef idx="0">
+                  <a:schemeClr val="accent1"/>
+                </a:effectRef>
+                <a:fontRef idx="minor">
+                  <a:schemeClr val="tx1"/>
+                </a:fontRef>
+              </p:style>
+            </p:cxnSp>
+            <p:cxnSp>
+              <p:nvCxnSpPr>
+                <p:cNvPr id="47" name="Straight Connector 46">
+                  <a:extLst>
+                    <a:ext uri="{FF2B5EF4-FFF2-40B4-BE49-F238E27FC236}">
+                      <a16:creationId xmlns:a16="http://schemas.microsoft.com/office/drawing/2014/main" id="{00A905B7-9DD2-7F42-A95B-FD72C2A55A9A}"/>
+                    </a:ext>
+                  </a:extLst>
+                </p:cNvPr>
+                <p:cNvCxnSpPr/>
+                <p:nvPr/>
+              </p:nvCxnSpPr>
+              <p:spPr>
+                <a:xfrm>
+                  <a:off x="2675622" y="3338285"/>
+                  <a:ext cx="0" cy="967015"/>
+                </a:xfrm>
+                <a:prstGeom prst="line">
+                  <a:avLst/>
+                </a:prstGeom>
+                <a:ln w="25400">
+                  <a:solidFill>
+                    <a:srgbClr val="FF0000"/>
+                  </a:solidFill>
+                </a:ln>
+              </p:spPr>
+              <p:style>
+                <a:lnRef idx="1">
+                  <a:schemeClr val="accent1"/>
+                </a:lnRef>
+                <a:fillRef idx="0">
+                  <a:schemeClr val="accent1"/>
+                </a:fillRef>
+                <a:effectRef idx="0">
+                  <a:schemeClr val="accent1"/>
+                </a:effectRef>
+                <a:fontRef idx="minor">
+                  <a:schemeClr val="tx1"/>
+                </a:fontRef>
+              </p:style>
+            </p:cxnSp>
+            <p:cxnSp>
+              <p:nvCxnSpPr>
+                <p:cNvPr id="48" name="Straight Connector 47">
+                  <a:extLst>
+                    <a:ext uri="{FF2B5EF4-FFF2-40B4-BE49-F238E27FC236}">
+                      <a16:creationId xmlns:a16="http://schemas.microsoft.com/office/drawing/2014/main" id="{1F11713C-ACA0-7747-BDF3-103593CFCB4D}"/>
+                    </a:ext>
+                  </a:extLst>
+                </p:cNvPr>
+                <p:cNvCxnSpPr/>
+                <p:nvPr/>
+              </p:nvCxnSpPr>
+              <p:spPr>
+                <a:xfrm>
+                  <a:off x="2921239" y="2969079"/>
+                  <a:ext cx="0" cy="967015"/>
+                </a:xfrm>
+                <a:prstGeom prst="line">
+                  <a:avLst/>
+                </a:prstGeom>
+                <a:ln w="25400">
+                  <a:solidFill>
+                    <a:srgbClr val="FF0000"/>
+                  </a:solidFill>
+                </a:ln>
+              </p:spPr>
+              <p:style>
+                <a:lnRef idx="1">
+                  <a:schemeClr val="accent1"/>
+                </a:lnRef>
+                <a:fillRef idx="0">
+                  <a:schemeClr val="accent1"/>
+                </a:fillRef>
+                <a:effectRef idx="0">
+                  <a:schemeClr val="accent1"/>
+                </a:effectRef>
+                <a:fontRef idx="minor">
+                  <a:schemeClr val="tx1"/>
+                </a:fontRef>
+              </p:style>
+            </p:cxnSp>
+            <p:cxnSp>
+              <p:nvCxnSpPr>
+                <p:cNvPr id="49" name="Straight Connector 48">
+                  <a:extLst>
+                    <a:ext uri="{FF2B5EF4-FFF2-40B4-BE49-F238E27FC236}">
+                      <a16:creationId xmlns:a16="http://schemas.microsoft.com/office/drawing/2014/main" id="{FD37A343-9B7F-CD4D-B900-73BA78F7B3BC}"/>
+                    </a:ext>
+                  </a:extLst>
+                </p:cNvPr>
+                <p:cNvCxnSpPr/>
+                <p:nvPr/>
+              </p:nvCxnSpPr>
+              <p:spPr>
+                <a:xfrm>
+                  <a:off x="3270943" y="3143250"/>
+                  <a:ext cx="0" cy="967015"/>
+                </a:xfrm>
+                <a:prstGeom prst="line">
+                  <a:avLst/>
+                </a:prstGeom>
+                <a:ln w="25400">
+                  <a:solidFill>
+                    <a:srgbClr val="FF0000"/>
+                  </a:solidFill>
+                </a:ln>
+              </p:spPr>
+              <p:style>
+                <a:lnRef idx="1">
+                  <a:schemeClr val="accent1"/>
+                </a:lnRef>
+                <a:fillRef idx="0">
+                  <a:schemeClr val="accent1"/>
+                </a:fillRef>
+                <a:effectRef idx="0">
+                  <a:schemeClr val="accent1"/>
+                </a:effectRef>
+                <a:fontRef idx="minor">
+                  <a:schemeClr val="tx1"/>
+                </a:fontRef>
+              </p:style>
+            </p:cxnSp>
+            <p:cxnSp>
+              <p:nvCxnSpPr>
+                <p:cNvPr id="50" name="Straight Connector 49">
+                  <a:extLst>
+                    <a:ext uri="{FF2B5EF4-FFF2-40B4-BE49-F238E27FC236}">
+                      <a16:creationId xmlns:a16="http://schemas.microsoft.com/office/drawing/2014/main" id="{231F9E18-F1F4-0A41-A42F-643C5C6BD46C}"/>
+                    </a:ext>
+                  </a:extLst>
+                </p:cNvPr>
+                <p:cNvCxnSpPr/>
+                <p:nvPr/>
+              </p:nvCxnSpPr>
+              <p:spPr>
+                <a:xfrm>
+                  <a:off x="3792320" y="3067957"/>
+                  <a:ext cx="0" cy="967015"/>
+                </a:xfrm>
+                <a:prstGeom prst="line">
+                  <a:avLst/>
+                </a:prstGeom>
+                <a:ln w="25400">
+                  <a:solidFill>
+                    <a:srgbClr val="FF0000"/>
+                  </a:solidFill>
+                </a:ln>
+              </p:spPr>
+              <p:style>
+                <a:lnRef idx="1">
+                  <a:schemeClr val="accent1"/>
+                </a:lnRef>
+                <a:fillRef idx="0">
+                  <a:schemeClr val="accent1"/>
+                </a:fillRef>
+                <a:effectRef idx="0">
+                  <a:schemeClr val="accent1"/>
+                </a:effectRef>
+                <a:fontRef idx="minor">
+                  <a:schemeClr val="tx1"/>
+                </a:fontRef>
+              </p:style>
+            </p:cxnSp>
+            <p:sp>
+              <p:nvSpPr>
+                <p:cNvPr id="51" name="Oval 50">
+                  <a:extLst>
+                    <a:ext uri="{FF2B5EF4-FFF2-40B4-BE49-F238E27FC236}">
+                      <a16:creationId xmlns:a16="http://schemas.microsoft.com/office/drawing/2014/main" id="{06EAD075-61BF-3E49-A544-942744BE3CEC}"/>
+                    </a:ext>
+                  </a:extLst>
+                </p:cNvPr>
+                <p:cNvSpPr/>
+                <p:nvPr/>
+              </p:nvSpPr>
+              <p:spPr>
+                <a:xfrm>
+                  <a:off x="1088571" y="2699657"/>
+                  <a:ext cx="2960915" cy="696686"/>
+                </a:xfrm>
+                <a:prstGeom prst="ellipse">
+                  <a:avLst/>
+                </a:prstGeom>
+                <a:solidFill>
+                  <a:schemeClr val="bg2">
+                    <a:lumMod val="90000"/>
+                    <a:alpha val="79000"/>
+                  </a:schemeClr>
+                </a:solidFill>
+                <a:ln w="38100">
+                  <a:solidFill>
+                    <a:schemeClr val="tx1"/>
+                  </a:solidFill>
+                </a:ln>
+              </p:spPr>
+              <p:style>
+                <a:lnRef idx="2">
+                  <a:schemeClr val="accent1">
+                    <a:shade val="50000"/>
+                  </a:schemeClr>
+                </a:lnRef>
+                <a:fillRef idx="1">
+                  <a:schemeClr val="accent1"/>
+                </a:fillRef>
+                <a:effectRef idx="0">
+                  <a:schemeClr val="accent1"/>
+                </a:effectRef>
+                <a:fontRef idx="minor">
+                  <a:schemeClr val="lt1"/>
+                </a:fontRef>
+              </p:style>
+              <p:txBody>
+                <a:bodyPr rtlCol="0" anchor="ctr"/>
+                <a:lstStyle/>
+                <a:p>
+                  <a:pPr algn="ctr"/>
+                  <a:endParaRPr lang="en-US"/>
+                </a:p>
+              </p:txBody>
+            </p:sp>
+            <p:cxnSp>
+              <p:nvCxnSpPr>
+                <p:cNvPr id="52" name="Straight Arrow Connector 51">
+                  <a:extLst>
+                    <a:ext uri="{FF2B5EF4-FFF2-40B4-BE49-F238E27FC236}">
+                      <a16:creationId xmlns:a16="http://schemas.microsoft.com/office/drawing/2014/main" id="{F40A4096-41D2-6440-AF51-D8DEFF37A6F1}"/>
+                    </a:ext>
+                  </a:extLst>
+                </p:cNvPr>
+                <p:cNvCxnSpPr/>
+                <p:nvPr/>
+              </p:nvCxnSpPr>
+              <p:spPr>
+                <a:xfrm flipV="1">
+                  <a:off x="1308100" y="1770742"/>
+                  <a:ext cx="1362" cy="1277258"/>
+                </a:xfrm>
+                <a:prstGeom prst="straightConnector1">
+                  <a:avLst/>
+                </a:prstGeom>
+                <a:ln w="25400">
+                  <a:solidFill>
+                    <a:srgbClr val="FF0000"/>
+                  </a:solidFill>
+                  <a:tailEnd type="triangle"/>
+                </a:ln>
+              </p:spPr>
+              <p:style>
+                <a:lnRef idx="1">
+                  <a:schemeClr val="accent1"/>
+                </a:lnRef>
+                <a:fillRef idx="0">
+                  <a:schemeClr val="accent1"/>
+                </a:fillRef>
+                <a:effectRef idx="0">
+                  <a:schemeClr val="accent1"/>
+                </a:effectRef>
+                <a:fontRef idx="minor">
+                  <a:schemeClr val="tx1"/>
+                </a:fontRef>
+              </p:style>
+            </p:cxnSp>
+            <p:cxnSp>
+              <p:nvCxnSpPr>
+                <p:cNvPr id="53" name="Straight Arrow Connector 52">
+                  <a:extLst>
+                    <a:ext uri="{FF2B5EF4-FFF2-40B4-BE49-F238E27FC236}">
+                      <a16:creationId xmlns:a16="http://schemas.microsoft.com/office/drawing/2014/main" id="{292D7D17-12ED-F94C-8050-526CE6BCE3F1}"/>
+                    </a:ext>
+                  </a:extLst>
+                </p:cNvPr>
+                <p:cNvCxnSpPr/>
+                <p:nvPr/>
+              </p:nvCxnSpPr>
+              <p:spPr>
+                <a:xfrm flipV="1">
+                  <a:off x="1954202" y="1596571"/>
+                  <a:ext cx="1362" cy="1277258"/>
+                </a:xfrm>
+                <a:prstGeom prst="straightConnector1">
+                  <a:avLst/>
+                </a:prstGeom>
+                <a:ln w="25400">
+                  <a:solidFill>
+                    <a:srgbClr val="FF0000"/>
+                  </a:solidFill>
+                  <a:tailEnd type="triangle"/>
+                </a:ln>
+              </p:spPr>
+              <p:style>
+                <a:lnRef idx="1">
+                  <a:schemeClr val="accent1"/>
+                </a:lnRef>
+                <a:fillRef idx="0">
+                  <a:schemeClr val="accent1"/>
+                </a:fillRef>
+                <a:effectRef idx="0">
+                  <a:schemeClr val="accent1"/>
+                </a:effectRef>
+                <a:fontRef idx="minor">
+                  <a:schemeClr val="tx1"/>
+                </a:fontRef>
+              </p:style>
+            </p:cxnSp>
+            <p:cxnSp>
+              <p:nvCxnSpPr>
+                <p:cNvPr id="54" name="Straight Arrow Connector 53">
+                  <a:extLst>
+                    <a:ext uri="{FF2B5EF4-FFF2-40B4-BE49-F238E27FC236}">
+                      <a16:creationId xmlns:a16="http://schemas.microsoft.com/office/drawing/2014/main" id="{F6114A41-419E-834B-A19F-E61653F40FD7}"/>
+                    </a:ext>
+                  </a:extLst>
+                </p:cNvPr>
+                <p:cNvCxnSpPr/>
+                <p:nvPr/>
+              </p:nvCxnSpPr>
+              <p:spPr>
+                <a:xfrm flipV="1">
+                  <a:off x="1688648" y="1973942"/>
+                  <a:ext cx="1362" cy="1277258"/>
+                </a:xfrm>
+                <a:prstGeom prst="straightConnector1">
+                  <a:avLst/>
+                </a:prstGeom>
+                <a:ln w="25400">
+                  <a:solidFill>
+                    <a:srgbClr val="FF0000"/>
+                  </a:solidFill>
+                  <a:tailEnd type="triangle"/>
+                </a:ln>
+              </p:spPr>
+              <p:style>
+                <a:lnRef idx="1">
+                  <a:schemeClr val="accent1"/>
+                </a:lnRef>
+                <a:fillRef idx="0">
+                  <a:schemeClr val="accent1"/>
+                </a:fillRef>
+                <a:effectRef idx="0">
+                  <a:schemeClr val="accent1"/>
+                </a:effectRef>
+                <a:fontRef idx="minor">
+                  <a:schemeClr val="tx1"/>
+                </a:fontRef>
+              </p:style>
+            </p:cxnSp>
+            <p:cxnSp>
+              <p:nvCxnSpPr>
+                <p:cNvPr id="55" name="Straight Arrow Connector 54">
+                  <a:extLst>
+                    <a:ext uri="{FF2B5EF4-FFF2-40B4-BE49-F238E27FC236}">
+                      <a16:creationId xmlns:a16="http://schemas.microsoft.com/office/drawing/2014/main" id="{0DEEB38A-C0A0-454D-9B60-B9CAADA9068C}"/>
+                    </a:ext>
+                  </a:extLst>
+                </p:cNvPr>
+                <p:cNvCxnSpPr/>
+                <p:nvPr/>
+              </p:nvCxnSpPr>
+              <p:spPr>
+                <a:xfrm flipV="1">
+                  <a:off x="2322166" y="1806121"/>
+                  <a:ext cx="1362" cy="1277258"/>
+                </a:xfrm>
+                <a:prstGeom prst="straightConnector1">
+                  <a:avLst/>
+                </a:prstGeom>
+                <a:ln w="25400">
+                  <a:solidFill>
+                    <a:srgbClr val="FF0000"/>
+                  </a:solidFill>
+                  <a:tailEnd type="triangle"/>
+                </a:ln>
+              </p:spPr>
+              <p:style>
+                <a:lnRef idx="1">
+                  <a:schemeClr val="accent1"/>
+                </a:lnRef>
+                <a:fillRef idx="0">
+                  <a:schemeClr val="accent1"/>
+                </a:fillRef>
+                <a:effectRef idx="0">
+                  <a:schemeClr val="accent1"/>
+                </a:effectRef>
+                <a:fontRef idx="minor">
+                  <a:schemeClr val="tx1"/>
+                </a:fontRef>
+              </p:style>
+            </p:cxnSp>
+            <p:cxnSp>
+              <p:nvCxnSpPr>
+                <p:cNvPr id="56" name="Straight Arrow Connector 55">
+                  <a:extLst>
+                    <a:ext uri="{FF2B5EF4-FFF2-40B4-BE49-F238E27FC236}">
+                      <a16:creationId xmlns:a16="http://schemas.microsoft.com/office/drawing/2014/main" id="{4EBEC721-5E93-3045-8819-5AC5E0BC7DDD}"/>
+                    </a:ext>
+                  </a:extLst>
+                </p:cNvPr>
+                <p:cNvCxnSpPr/>
+                <p:nvPr/>
+              </p:nvCxnSpPr>
+              <p:spPr>
+                <a:xfrm flipV="1">
+                  <a:off x="2675622" y="2061028"/>
+                  <a:ext cx="1362" cy="1277258"/>
+                </a:xfrm>
+                <a:prstGeom prst="straightConnector1">
+                  <a:avLst/>
+                </a:prstGeom>
+                <a:ln w="25400">
+                  <a:solidFill>
+                    <a:srgbClr val="FF0000"/>
+                  </a:solidFill>
+                  <a:tailEnd type="triangle"/>
+                </a:ln>
+              </p:spPr>
+              <p:style>
+                <a:lnRef idx="1">
+                  <a:schemeClr val="accent1"/>
+                </a:lnRef>
+                <a:fillRef idx="0">
+                  <a:schemeClr val="accent1"/>
+                </a:fillRef>
+                <a:effectRef idx="0">
+                  <a:schemeClr val="accent1"/>
+                </a:effectRef>
+                <a:fontRef idx="minor">
+                  <a:schemeClr val="tx1"/>
+                </a:fontRef>
+              </p:style>
+            </p:cxnSp>
+            <p:cxnSp>
+              <p:nvCxnSpPr>
+                <p:cNvPr id="57" name="Straight Arrow Connector 56">
+                  <a:extLst>
+                    <a:ext uri="{FF2B5EF4-FFF2-40B4-BE49-F238E27FC236}">
+                      <a16:creationId xmlns:a16="http://schemas.microsoft.com/office/drawing/2014/main" id="{46CE6BC2-DB89-AB43-9CC8-B316317E66D3}"/>
+                    </a:ext>
+                  </a:extLst>
+                </p:cNvPr>
+                <p:cNvCxnSpPr/>
+                <p:nvPr/>
+              </p:nvCxnSpPr>
+              <p:spPr>
+                <a:xfrm flipV="1">
+                  <a:off x="2919869" y="1698171"/>
+                  <a:ext cx="1362" cy="1277258"/>
+                </a:xfrm>
+                <a:prstGeom prst="straightConnector1">
+                  <a:avLst/>
+                </a:prstGeom>
+                <a:ln w="25400">
+                  <a:solidFill>
+                    <a:srgbClr val="FF0000"/>
+                  </a:solidFill>
+                  <a:tailEnd type="triangle"/>
+                </a:ln>
+              </p:spPr>
+              <p:style>
+                <a:lnRef idx="1">
+                  <a:schemeClr val="accent1"/>
+                </a:lnRef>
+                <a:fillRef idx="0">
+                  <a:schemeClr val="accent1"/>
+                </a:fillRef>
+                <a:effectRef idx="0">
+                  <a:schemeClr val="accent1"/>
+                </a:effectRef>
+                <a:fontRef idx="minor">
+                  <a:schemeClr val="tx1"/>
+                </a:fontRef>
+              </p:style>
+            </p:cxnSp>
+            <p:cxnSp>
+              <p:nvCxnSpPr>
+                <p:cNvPr id="58" name="Straight Arrow Connector 57">
+                  <a:extLst>
+                    <a:ext uri="{FF2B5EF4-FFF2-40B4-BE49-F238E27FC236}">
+                      <a16:creationId xmlns:a16="http://schemas.microsoft.com/office/drawing/2014/main" id="{8D9B3A21-C69E-B640-95FD-E2D32BA4E3C7}"/>
+                    </a:ext>
+                  </a:extLst>
+                </p:cNvPr>
+                <p:cNvCxnSpPr/>
+                <p:nvPr/>
+              </p:nvCxnSpPr>
+              <p:spPr>
+                <a:xfrm flipV="1">
+                  <a:off x="3790950" y="1790699"/>
+                  <a:ext cx="1362" cy="1277258"/>
+                </a:xfrm>
+                <a:prstGeom prst="straightConnector1">
+                  <a:avLst/>
+                </a:prstGeom>
+                <a:ln w="25400">
+                  <a:solidFill>
+                    <a:srgbClr val="FF0000"/>
+                  </a:solidFill>
+                  <a:tailEnd type="triangle"/>
+                </a:ln>
+              </p:spPr>
+              <p:style>
+                <a:lnRef idx="1">
+                  <a:schemeClr val="accent1"/>
+                </a:lnRef>
+                <a:fillRef idx="0">
+                  <a:schemeClr val="accent1"/>
+                </a:fillRef>
+                <a:effectRef idx="0">
+                  <a:schemeClr val="accent1"/>
+                </a:effectRef>
+                <a:fontRef idx="minor">
+                  <a:schemeClr val="tx1"/>
+                </a:fontRef>
+              </p:style>
+            </p:cxnSp>
+            <p:cxnSp>
+              <p:nvCxnSpPr>
+                <p:cNvPr id="59" name="Straight Arrow Connector 58">
+                  <a:extLst>
+                    <a:ext uri="{FF2B5EF4-FFF2-40B4-BE49-F238E27FC236}">
+                      <a16:creationId xmlns:a16="http://schemas.microsoft.com/office/drawing/2014/main" id="{D16FBC19-9346-AF41-B21B-83BFD7800356}"/>
+                    </a:ext>
+                  </a:extLst>
+                </p:cNvPr>
+                <p:cNvCxnSpPr/>
+                <p:nvPr/>
+              </p:nvCxnSpPr>
+              <p:spPr>
+                <a:xfrm flipV="1">
+                  <a:off x="3270943" y="1865992"/>
+                  <a:ext cx="1362" cy="1277258"/>
+                </a:xfrm>
+                <a:prstGeom prst="straightConnector1">
+                  <a:avLst/>
+                </a:prstGeom>
+                <a:ln w="25400">
+                  <a:solidFill>
+                    <a:srgbClr val="FF0000"/>
+                  </a:solidFill>
+                  <a:tailEnd type="triangle"/>
+                </a:ln>
+              </p:spPr>
+              <p:style>
+                <a:lnRef idx="1">
+                  <a:schemeClr val="accent1"/>
+                </a:lnRef>
+                <a:fillRef idx="0">
+                  <a:schemeClr val="accent1"/>
+                </a:fillRef>
+                <a:effectRef idx="0">
+                  <a:schemeClr val="accent1"/>
+                </a:effectRef>
+                <a:fontRef idx="minor">
+                  <a:schemeClr val="tx1"/>
+                </a:fontRef>
+              </p:style>
+            </p:cxnSp>
+          </p:grpSp>
+          <mc:AlternateContent xmlns:mc="http://schemas.openxmlformats.org/markup-compatibility/2006" xmlns:a14="http://schemas.microsoft.com/office/drawing/2010/main">
+            <mc:Choice Requires="a14">
+              <p:sp>
+                <p:nvSpPr>
+                  <p:cNvPr id="14" name="TextBox 13">
+                    <a:extLst>
+                      <a:ext uri="{FF2B5EF4-FFF2-40B4-BE49-F238E27FC236}">
+                        <a16:creationId xmlns:a16="http://schemas.microsoft.com/office/drawing/2014/main" id="{5223ED87-A0CC-EE4C-83BA-C93ED22C4146}"/>
+                      </a:ext>
+                    </a:extLst>
+                  </p:cNvPr>
+                  <p:cNvSpPr txBox="1"/>
+                  <p:nvPr/>
+                </p:nvSpPr>
+                <p:spPr>
+                  <a:xfrm>
+                    <a:off x="937654" y="1348603"/>
+                    <a:ext cx="245708" cy="345159"/>
+                  </a:xfrm>
+                  <a:prstGeom prst="rect">
+                    <a:avLst/>
+                  </a:prstGeom>
+                  <a:noFill/>
+                </p:spPr>
+                <p:txBody>
+                  <a:bodyPr wrap="none" lIns="0" tIns="0" rIns="0" bIns="0" rtlCol="0">
+                    <a:spAutoFit/>
+                  </a:bodyPr>
+                  <a:lstStyle/>
+                  <a:p>
+                    <a:pPr/>
+                    <a14:m>
+                      <m:oMathPara xmlns:m="http://schemas.openxmlformats.org/officeDocument/2006/math">
+                        <m:oMathParaPr>
+                          <m:jc m:val="centerGroup"/>
+                        </m:oMathParaPr>
+                        <m:oMath xmlns:m="http://schemas.openxmlformats.org/officeDocument/2006/math">
+                          <m:acc>
+                            <m:accPr>
+                              <m:chr m:val="⃗"/>
+                              <m:ctrlPr>
+                                <a:rPr lang="en-US" sz="2000" b="0" i="1" smtClean="0">
+                                  <a:solidFill>
+                                    <a:srgbClr val="FF0000"/>
+                                  </a:solidFill>
+                                  <a:latin typeface="Cambria Math" panose="02040503050406030204" pitchFamily="18" charset="0"/>
+                                  <a:cs typeface="Arial" panose="020B0604020202020204" pitchFamily="34" charset="0"/>
+                                </a:rPr>
+                              </m:ctrlPr>
+                            </m:accPr>
+                            <m:e>
+                              <m:r>
+                                <a:rPr lang="en-US" sz="2000" b="0" i="1" smtClean="0">
+                                  <a:solidFill>
+                                    <a:srgbClr val="FF0000"/>
+                                  </a:solidFill>
+                                  <a:latin typeface="Cambria Math" panose="02040503050406030204" pitchFamily="18" charset="0"/>
+                                  <a:cs typeface="Arial" panose="020B0604020202020204" pitchFamily="34" charset="0"/>
+                                </a:rPr>
+                                <m:t>𝐵</m:t>
+                              </m:r>
+                            </m:e>
+                          </m:acc>
+                        </m:oMath>
+                      </m:oMathPara>
+                    </a14:m>
+                    <a:endParaRPr lang="en-US" sz="2000" dirty="0">
+                      <a:solidFill>
+                        <a:srgbClr val="FF0000"/>
+                      </a:solidFill>
+                      <a:latin typeface="Arial" panose="020B0604020202020204" pitchFamily="34" charset="0"/>
+                      <a:cs typeface="Arial" panose="020B0604020202020204" pitchFamily="34" charset="0"/>
+                    </a:endParaRPr>
+                  </a:p>
+                </p:txBody>
+              </p:sp>
+            </mc:Choice>
+            <mc:Fallback xmlns="">
+              <p:sp>
+                <p:nvSpPr>
+                  <p:cNvPr id="142" name="TextBox 141"/>
+                  <p:cNvSpPr txBox="1">
+                    <a:spLocks noRot="1" noChangeAspect="1" noMove="1" noResize="1" noEditPoints="1" noAdjustHandles="1" noChangeArrowheads="1" noChangeShapeType="1" noTextEdit="1"/>
+                  </p:cNvSpPr>
+                  <p:nvPr/>
+                </p:nvSpPr>
+                <p:spPr>
+                  <a:xfrm>
+                    <a:off x="937654" y="1348603"/>
+                    <a:ext cx="245708" cy="345159"/>
+                  </a:xfrm>
+                  <a:prstGeom prst="rect">
+                    <a:avLst/>
+                  </a:prstGeom>
+                  <a:blipFill>
+                    <a:blip r:embed="rId5"/>
+                    <a:stretch>
+                      <a:fillRect l="-22500" r="-20000" b="-8772"/>
+                    </a:stretch>
+                  </a:blipFill>
+                </p:spPr>
+                <p:txBody>
+                  <a:bodyPr/>
+                  <a:lstStyle/>
+                  <a:p>
+                    <a:r>
+                      <a:rPr lang="en-US">
+                        <a:noFill/>
+                      </a:rPr>
+                      <a:t> </a:t>
+                    </a:r>
+                  </a:p>
+                </p:txBody>
+              </p:sp>
+            </mc:Fallback>
+          </mc:AlternateContent>
+        </p:grpSp>
+        <p:sp>
+          <p:nvSpPr>
+            <p:cNvPr id="68" name="Up Arrow 67">
+              <a:extLst>
+                <a:ext uri="{FF2B5EF4-FFF2-40B4-BE49-F238E27FC236}">
+                  <a16:creationId xmlns:a16="http://schemas.microsoft.com/office/drawing/2014/main" id="{353EB879-9D21-6E48-82EB-3C7939530AA5}"/>
+                </a:ext>
+              </a:extLst>
+            </p:cNvPr>
+            <p:cNvSpPr/>
+            <p:nvPr/>
+          </p:nvSpPr>
+          <p:spPr>
+            <a:xfrm>
+              <a:off x="2611537" y="2085819"/>
+              <a:ext cx="599440" cy="662510"/>
+            </a:xfrm>
+            <a:prstGeom prst="upArrow">
+              <a:avLst/>
+            </a:prstGeom>
+            <a:solidFill>
+              <a:srgbClr val="FF0000"/>
+            </a:solidFill>
+            <a:ln w="38100">
+              <a:noFill/>
+            </a:ln>
+          </p:spPr>
+          <p:style>
+            <a:lnRef idx="2">
+              <a:schemeClr val="accent1">
+                <a:shade val="50000"/>
+              </a:schemeClr>
+            </a:lnRef>
+            <a:fillRef idx="1">
+              <a:schemeClr val="accent1"/>
+            </a:fillRef>
+            <a:effectRef idx="0">
+              <a:schemeClr val="accent1"/>
+            </a:effectRef>
+            <a:fontRef idx="minor">
+              <a:schemeClr val="lt1"/>
+            </a:fontRef>
+          </p:style>
+          <p:txBody>
+            <a:bodyPr rtlCol="0" anchor="ctr"/>
+            <a:lstStyle/>
+            <a:p>
+              <a:pPr algn="ctr"/>
+              <a:endParaRPr lang="en-US"/>
+            </a:p>
+          </p:txBody>
+        </p:sp>
+        <mc:AlternateContent xmlns:mc="http://schemas.openxmlformats.org/markup-compatibility/2006">
+          <mc:Choice xmlns:a14="http://schemas.microsoft.com/office/drawing/2010/main" Requires="a14">
+            <p:sp>
+              <p:nvSpPr>
+                <p:cNvPr id="69" name="TextBox 68">
+                  <a:extLst>
+                    <a:ext uri="{FF2B5EF4-FFF2-40B4-BE49-F238E27FC236}">
+                      <a16:creationId xmlns:a16="http://schemas.microsoft.com/office/drawing/2014/main" id="{0E301794-617A-3F4A-88AB-6CB637F0DF85}"/>
+                    </a:ext>
+                  </a:extLst>
+                </p:cNvPr>
+                <p:cNvSpPr txBox="1"/>
+                <p:nvPr/>
+              </p:nvSpPr>
+              <p:spPr>
+                <a:xfrm>
+                  <a:off x="1986172" y="1690042"/>
+                  <a:ext cx="1905265" cy="307777"/>
+                </a:xfrm>
+                <a:prstGeom prst="rect">
+                  <a:avLst/>
+                </a:prstGeom>
+                <a:noFill/>
+              </p:spPr>
+              <p:txBody>
+                <a:bodyPr wrap="none" lIns="0" tIns="0" rIns="0" bIns="0" rtlCol="0">
+                  <a:spAutoFit/>
+                </a:bodyPr>
+                <a:lstStyle/>
+                <a:p>
+                  <a14:m>
+                    <m:oMathPara xmlns:m="http://schemas.openxmlformats.org/officeDocument/2006/math">
+                      <m:oMathParaPr>
+                        <m:jc m:val="centerGroup"/>
+                      </m:oMathParaPr>
+                      <m:oMath xmlns:m="http://schemas.openxmlformats.org/officeDocument/2006/math">
+                        <m:r>
+                          <a:rPr lang="en-CA" sz="2000" b="0" i="1" smtClean="0">
+                            <a:solidFill>
+                              <a:srgbClr val="FF0000"/>
+                            </a:solidFill>
+                            <a:latin typeface="Cambria Math" panose="02040503050406030204" pitchFamily="18" charset="0"/>
+                            <a:cs typeface="Arial" panose="020B0604020202020204" pitchFamily="34" charset="0"/>
+                          </a:rPr>
+                          <m:t>𝐼𝑛𝑐𝑟𝑒𝑎𝑠𝑖𝑛𝑔</m:t>
+                        </m:r>
+                        <m:r>
+                          <a:rPr lang="en-CA" sz="2000" b="0" i="1" smtClean="0">
+                            <a:solidFill>
+                              <a:srgbClr val="FF0000"/>
+                            </a:solidFill>
+                            <a:latin typeface="Cambria Math" panose="02040503050406030204" pitchFamily="18" charset="0"/>
+                            <a:cs typeface="Arial" panose="020B0604020202020204" pitchFamily="34" charset="0"/>
+                          </a:rPr>
+                          <m:t> </m:t>
+                        </m:r>
+                        <m:r>
+                          <a:rPr lang="en-CA" sz="2000" b="0" i="1" smtClean="0">
+                            <a:solidFill>
+                              <a:srgbClr val="FF0000"/>
+                            </a:solidFill>
+                            <a:latin typeface="Cambria Math" panose="02040503050406030204" pitchFamily="18" charset="0"/>
+                            <a:cs typeface="Arial" panose="020B0604020202020204" pitchFamily="34" charset="0"/>
+                          </a:rPr>
+                          <m:t>𝑓𝑙𝑢𝑥</m:t>
+                        </m:r>
+                      </m:oMath>
+                    </m:oMathPara>
+                  </a14:m>
+                  <a:endParaRPr lang="en-US" sz="2000" dirty="0">
+                    <a:solidFill>
+                      <a:srgbClr val="FF0000"/>
+                    </a:solidFill>
+                    <a:latin typeface="Arial" panose="020B0604020202020204" pitchFamily="34" charset="0"/>
+                    <a:cs typeface="Arial" panose="020B0604020202020204" pitchFamily="34" charset="0"/>
+                  </a:endParaRPr>
+                </a:p>
+              </p:txBody>
+            </p:sp>
+          </mc:Choice>
+          <mc:Fallback>
+            <p:sp>
+              <p:nvSpPr>
+                <p:cNvPr id="69" name="TextBox 68">
+                  <a:extLst>
+                    <a:ext uri="{FF2B5EF4-FFF2-40B4-BE49-F238E27FC236}">
+                      <a16:creationId xmlns:a16="http://schemas.microsoft.com/office/drawing/2014/main" id="{0E301794-617A-3F4A-88AB-6CB637F0DF85}"/>
+                    </a:ext>
+                  </a:extLst>
+                </p:cNvPr>
+                <p:cNvSpPr txBox="1">
+                  <a:spLocks noRot="1" noChangeAspect="1" noMove="1" noResize="1" noEditPoints="1" noAdjustHandles="1" noChangeArrowheads="1" noChangeShapeType="1" noTextEdit="1"/>
+                </p:cNvSpPr>
+                <p:nvPr/>
+              </p:nvSpPr>
+              <p:spPr>
+                <a:xfrm>
+                  <a:off x="1986172" y="1690042"/>
+                  <a:ext cx="1905265" cy="307777"/>
+                </a:xfrm>
+                <a:prstGeom prst="rect">
+                  <a:avLst/>
+                </a:prstGeom>
+                <a:blipFill>
+                  <a:blip r:embed="rId6"/>
+                  <a:stretch>
+                    <a:fillRect l="-3311" t="-3846" r="-3311" b="-34615"/>
+                  </a:stretch>
+                </a:blipFill>
+              </p:spPr>
+              <p:txBody>
+                <a:bodyPr/>
+                <a:lstStyle/>
+                <a:p>
+                  <a:r>
+                    <a:rPr lang="en-US">
+                      <a:noFill/>
+                    </a:rPr>
+                    <a:t> </a:t>
+                  </a:r>
+                </a:p>
+              </p:txBody>
+            </p:sp>
+          </mc:Fallback>
+        </mc:AlternateContent>
+      </p:grpSp>
+      <p:grpSp>
+        <p:nvGrpSpPr>
+          <p:cNvPr id="138" name="Group 137">
+            <a:extLst>
+              <a:ext uri="{FF2B5EF4-FFF2-40B4-BE49-F238E27FC236}">
+                <a16:creationId xmlns:a16="http://schemas.microsoft.com/office/drawing/2014/main" id="{2DA70E1E-4CE7-E849-985D-3CEC7A430142}"/>
+              </a:ext>
+            </a:extLst>
+          </p:cNvPr>
+          <p:cNvGrpSpPr/>
+          <p:nvPr/>
+        </p:nvGrpSpPr>
+        <p:grpSpPr>
+          <a:xfrm>
+            <a:off x="4576931" y="1465927"/>
+            <a:ext cx="4040587" cy="2743349"/>
+            <a:chOff x="4452794" y="185198"/>
+            <a:chExt cx="4040587" cy="2743349"/>
+          </a:xfrm>
+        </p:grpSpPr>
+        <p:grpSp>
+          <p:nvGrpSpPr>
+            <p:cNvPr id="134" name="Group 133">
+              <a:extLst>
+                <a:ext uri="{FF2B5EF4-FFF2-40B4-BE49-F238E27FC236}">
+                  <a16:creationId xmlns:a16="http://schemas.microsoft.com/office/drawing/2014/main" id="{1313C01B-E50E-6F4A-951F-7E89F392006F}"/>
+                </a:ext>
+              </a:extLst>
+            </p:cNvPr>
+            <p:cNvGrpSpPr/>
+            <p:nvPr/>
+          </p:nvGrpSpPr>
+          <p:grpSpPr>
+            <a:xfrm>
+              <a:off x="4452794" y="185198"/>
+              <a:ext cx="3333758" cy="2743349"/>
+              <a:chOff x="4452794" y="185198"/>
+              <a:chExt cx="3333758" cy="2743349"/>
+            </a:xfrm>
+          </p:grpSpPr>
+          <p:grpSp>
+            <p:nvGrpSpPr>
+              <p:cNvPr id="106" name="Group 105">
+                <a:extLst>
+                  <a:ext uri="{FF2B5EF4-FFF2-40B4-BE49-F238E27FC236}">
+                    <a16:creationId xmlns:a16="http://schemas.microsoft.com/office/drawing/2014/main" id="{70EE1630-8119-5E48-8BDB-EF7B96F5BD59}"/>
+                  </a:ext>
+                </a:extLst>
+              </p:cNvPr>
+              <p:cNvGrpSpPr/>
+              <p:nvPr/>
+            </p:nvGrpSpPr>
+            <p:grpSpPr>
+              <a:xfrm>
+                <a:off x="4452794" y="185198"/>
+                <a:ext cx="3333758" cy="2743349"/>
+                <a:chOff x="5458771" y="1795223"/>
+                <a:chExt cx="3333758" cy="2743349"/>
+              </a:xfrm>
+            </p:grpSpPr>
+            <p:grpSp>
+              <p:nvGrpSpPr>
+                <p:cNvPr id="98" name="Group 97">
+                  <a:extLst>
+                    <a:ext uri="{FF2B5EF4-FFF2-40B4-BE49-F238E27FC236}">
+                      <a16:creationId xmlns:a16="http://schemas.microsoft.com/office/drawing/2014/main" id="{D3DCBA1D-FBAA-1B4D-8D04-EAC416843277}"/>
+                    </a:ext>
+                  </a:extLst>
+                </p:cNvPr>
+                <p:cNvGrpSpPr/>
+                <p:nvPr/>
+              </p:nvGrpSpPr>
+              <p:grpSpPr>
+                <a:xfrm>
+                  <a:off x="5458771" y="1795223"/>
+                  <a:ext cx="3333758" cy="2743349"/>
+                  <a:chOff x="5458771" y="1795223"/>
+                  <a:chExt cx="3333758" cy="2743349"/>
+                </a:xfrm>
+              </p:grpSpPr>
+              <p:cxnSp>
+                <p:nvCxnSpPr>
+                  <p:cNvPr id="94" name="Straight Connector 93">
+                    <a:extLst>
+                      <a:ext uri="{FF2B5EF4-FFF2-40B4-BE49-F238E27FC236}">
+                        <a16:creationId xmlns:a16="http://schemas.microsoft.com/office/drawing/2014/main" id="{BC22C8A4-C2D1-3444-8FD0-56C54C67BEAE}"/>
+                      </a:ext>
+                    </a:extLst>
+                  </p:cNvPr>
+                  <p:cNvCxnSpPr/>
+                  <p:nvPr/>
+                </p:nvCxnSpPr>
+                <p:spPr>
+                  <a:xfrm>
+                    <a:off x="7629940" y="3571557"/>
+                    <a:ext cx="0" cy="967015"/>
+                  </a:xfrm>
+                  <a:prstGeom prst="line">
+                    <a:avLst/>
+                  </a:prstGeom>
+                  <a:ln w="25400">
+                    <a:solidFill>
+                      <a:srgbClr val="00B0F0"/>
+                    </a:solidFill>
+                    <a:tailEnd type="triangle"/>
+                  </a:ln>
+                </p:spPr>
+                <p:style>
+                  <a:lnRef idx="1">
+                    <a:schemeClr val="accent1"/>
+                  </a:lnRef>
+                  <a:fillRef idx="0">
+                    <a:schemeClr val="accent1"/>
+                  </a:fillRef>
+                  <a:effectRef idx="0">
+                    <a:schemeClr val="accent1"/>
+                  </a:effectRef>
+                  <a:fontRef idx="minor">
+                    <a:schemeClr val="tx1"/>
+                  </a:fontRef>
+                </p:style>
+              </p:cxnSp>
+              <p:cxnSp>
+                <p:nvCxnSpPr>
+                  <p:cNvPr id="95" name="Straight Connector 94">
+                    <a:extLst>
+                      <a:ext uri="{FF2B5EF4-FFF2-40B4-BE49-F238E27FC236}">
+                        <a16:creationId xmlns:a16="http://schemas.microsoft.com/office/drawing/2014/main" id="{51DB3648-0F5B-7948-965B-50533DC86073}"/>
+                      </a:ext>
+                    </a:extLst>
+                  </p:cNvPr>
+                  <p:cNvCxnSpPr/>
+                  <p:nvPr/>
+                </p:nvCxnSpPr>
+                <p:spPr>
+                  <a:xfrm>
+                    <a:off x="8263458" y="3388314"/>
+                    <a:ext cx="0" cy="967015"/>
+                  </a:xfrm>
+                  <a:prstGeom prst="line">
+                    <a:avLst/>
+                  </a:prstGeom>
+                  <a:ln w="25400">
+                    <a:solidFill>
+                      <a:srgbClr val="00B0F0"/>
+                    </a:solidFill>
+                    <a:tailEnd type="triangle"/>
+                  </a:ln>
+                </p:spPr>
+                <p:style>
+                  <a:lnRef idx="1">
+                    <a:schemeClr val="accent1"/>
+                  </a:lnRef>
+                  <a:fillRef idx="0">
+                    <a:schemeClr val="accent1"/>
+                  </a:fillRef>
+                  <a:effectRef idx="0">
+                    <a:schemeClr val="accent1"/>
+                  </a:effectRef>
+                  <a:fontRef idx="minor">
+                    <a:schemeClr val="tx1"/>
+                  </a:fontRef>
+                </p:style>
+              </p:cxnSp>
+              <p:grpSp>
+                <p:nvGrpSpPr>
+                  <p:cNvPr id="70" name="Group 69">
+                    <a:extLst>
+                      <a:ext uri="{FF2B5EF4-FFF2-40B4-BE49-F238E27FC236}">
+                        <a16:creationId xmlns:a16="http://schemas.microsoft.com/office/drawing/2014/main" id="{8661BE8B-AA25-034B-BD50-CBEC86B4AB53}"/>
+                      </a:ext>
+                    </a:extLst>
+                  </p:cNvPr>
+                  <p:cNvGrpSpPr/>
+                  <p:nvPr/>
+                </p:nvGrpSpPr>
+                <p:grpSpPr>
+                  <a:xfrm>
+                    <a:off x="5458771" y="1795223"/>
+                    <a:ext cx="3333758" cy="2718553"/>
+                    <a:chOff x="652117" y="919217"/>
+                    <a:chExt cx="3333758" cy="2718553"/>
+                  </a:xfrm>
+                </p:grpSpPr>
+                <p:grpSp>
+                  <p:nvGrpSpPr>
+                    <p:cNvPr id="71" name="Group 70">
+                      <a:extLst>
+                        <a:ext uri="{FF2B5EF4-FFF2-40B4-BE49-F238E27FC236}">
+                          <a16:creationId xmlns:a16="http://schemas.microsoft.com/office/drawing/2014/main" id="{B7FBC06A-0C34-2F46-B99B-5B333168BD80}"/>
+                        </a:ext>
+                      </a:extLst>
+                    </p:cNvPr>
+                    <p:cNvGrpSpPr/>
+                    <p:nvPr/>
+                  </p:nvGrpSpPr>
+                  <p:grpSpPr>
+                    <a:xfrm>
+                      <a:off x="1024960" y="1225676"/>
+                      <a:ext cx="2960915" cy="2412094"/>
+                      <a:chOff x="1088571" y="1806121"/>
+                      <a:chExt cx="2960915" cy="2412094"/>
+                    </a:xfrm>
+                  </p:grpSpPr>
+                  <p:cxnSp>
+                    <p:nvCxnSpPr>
+                      <p:cNvPr id="74" name="Straight Connector 73">
+                        <a:extLst>
+                          <a:ext uri="{FF2B5EF4-FFF2-40B4-BE49-F238E27FC236}">
+                            <a16:creationId xmlns:a16="http://schemas.microsoft.com/office/drawing/2014/main" id="{9B15B02D-678A-2C4D-8867-CCEEAE188CF3}"/>
+                          </a:ext>
+                        </a:extLst>
+                      </p:cNvPr>
+                      <p:cNvCxnSpPr/>
+                      <p:nvPr/>
+                    </p:nvCxnSpPr>
+                    <p:spPr>
+                      <a:xfrm>
+                        <a:off x="1688648" y="3251200"/>
+                        <a:ext cx="0" cy="967015"/>
+                      </a:xfrm>
+                      <a:prstGeom prst="line">
+                        <a:avLst/>
+                      </a:prstGeom>
+                      <a:ln w="25400">
+                        <a:solidFill>
+                          <a:srgbClr val="00B0F0"/>
+                        </a:solidFill>
+                        <a:tailEnd type="triangle"/>
+                      </a:ln>
+                    </p:spPr>
+                    <p:style>
+                      <a:lnRef idx="1">
+                        <a:schemeClr val="accent1"/>
+                      </a:lnRef>
+                      <a:fillRef idx="0">
+                        <a:schemeClr val="accent1"/>
+                      </a:fillRef>
+                      <a:effectRef idx="0">
+                        <a:schemeClr val="accent1"/>
+                      </a:effectRef>
+                      <a:fontRef idx="minor">
+                        <a:schemeClr val="tx1"/>
+                      </a:fontRef>
+                    </p:style>
+                  </p:cxnSp>
+                  <p:cxnSp>
+                    <p:nvCxnSpPr>
+                      <p:cNvPr id="76" name="Straight Connector 75">
+                        <a:extLst>
+                          <a:ext uri="{FF2B5EF4-FFF2-40B4-BE49-F238E27FC236}">
+                            <a16:creationId xmlns:a16="http://schemas.microsoft.com/office/drawing/2014/main" id="{AD33AB78-5AF6-CB45-A083-02230D187DCE}"/>
+                          </a:ext>
+                        </a:extLst>
+                      </p:cNvPr>
+                      <p:cNvCxnSpPr/>
+                      <p:nvPr/>
+                    </p:nvCxnSpPr>
+                    <p:spPr>
+                      <a:xfrm>
+                        <a:off x="2322166" y="3067957"/>
+                        <a:ext cx="0" cy="967015"/>
+                      </a:xfrm>
+                      <a:prstGeom prst="line">
+                        <a:avLst/>
+                      </a:prstGeom>
+                      <a:ln w="25400">
+                        <a:solidFill>
+                          <a:srgbClr val="00B0F0"/>
+                        </a:solidFill>
+                        <a:tailEnd type="triangle"/>
+                      </a:ln>
+                    </p:spPr>
+                    <p:style>
+                      <a:lnRef idx="1">
+                        <a:schemeClr val="accent1"/>
+                      </a:lnRef>
+                      <a:fillRef idx="0">
+                        <a:schemeClr val="accent1"/>
+                      </a:fillRef>
+                      <a:effectRef idx="0">
+                        <a:schemeClr val="accent1"/>
+                      </a:effectRef>
+                      <a:fontRef idx="minor">
+                        <a:schemeClr val="tx1"/>
+                      </a:fontRef>
+                    </p:style>
+                  </p:cxnSp>
+                  <p:sp>
+                    <p:nvSpPr>
+                      <p:cNvPr id="81" name="Oval 80">
+                        <a:extLst>
+                          <a:ext uri="{FF2B5EF4-FFF2-40B4-BE49-F238E27FC236}">
+                            <a16:creationId xmlns:a16="http://schemas.microsoft.com/office/drawing/2014/main" id="{7B5070F3-9CF1-DF4C-80CC-DF318B2F237A}"/>
+                          </a:ext>
+                        </a:extLst>
+                      </p:cNvPr>
+                      <p:cNvSpPr/>
+                      <p:nvPr/>
+                    </p:nvSpPr>
+                    <p:spPr>
+                      <a:xfrm>
+                        <a:off x="1088571" y="2699657"/>
+                        <a:ext cx="2960915" cy="696686"/>
+                      </a:xfrm>
+                      <a:prstGeom prst="ellipse">
+                        <a:avLst/>
+                      </a:prstGeom>
+                      <a:solidFill>
+                        <a:schemeClr val="bg2">
+                          <a:lumMod val="90000"/>
+                          <a:alpha val="79000"/>
+                        </a:schemeClr>
+                      </a:solidFill>
+                      <a:ln w="38100">
+                        <a:solidFill>
+                          <a:schemeClr val="tx1"/>
+                        </a:solidFill>
+                      </a:ln>
+                    </p:spPr>
+                    <p:style>
+                      <a:lnRef idx="2">
+                        <a:schemeClr val="accent1">
+                          <a:shade val="50000"/>
+                        </a:schemeClr>
+                      </a:lnRef>
+                      <a:fillRef idx="1">
+                        <a:schemeClr val="accent1"/>
+                      </a:fillRef>
+                      <a:effectRef idx="0">
+                        <a:schemeClr val="accent1"/>
+                      </a:effectRef>
+                      <a:fontRef idx="minor">
+                        <a:schemeClr val="lt1"/>
+                      </a:fontRef>
+                    </p:style>
+                    <p:txBody>
+                      <a:bodyPr rtlCol="0" anchor="ctr"/>
+                      <a:lstStyle/>
+                      <a:p>
+                        <a:pPr algn="ctr"/>
+                        <a:endParaRPr lang="en-US"/>
+                      </a:p>
+                    </p:txBody>
+                  </p:sp>
+                  <p:cxnSp>
+                    <p:nvCxnSpPr>
+                      <p:cNvPr id="84" name="Straight Arrow Connector 83">
+                        <a:extLst>
+                          <a:ext uri="{FF2B5EF4-FFF2-40B4-BE49-F238E27FC236}">
+                            <a16:creationId xmlns:a16="http://schemas.microsoft.com/office/drawing/2014/main" id="{0BB22153-24CB-064F-ABEC-81F05ED76CFF}"/>
+                          </a:ext>
+                        </a:extLst>
+                      </p:cNvPr>
+                      <p:cNvCxnSpPr/>
+                      <p:nvPr/>
+                    </p:nvCxnSpPr>
+                    <p:spPr>
+                      <a:xfrm flipV="1">
+                        <a:off x="1688648" y="1973942"/>
+                        <a:ext cx="1362" cy="1277258"/>
+                      </a:xfrm>
+                      <a:prstGeom prst="straightConnector1">
+                        <a:avLst/>
+                      </a:prstGeom>
+                      <a:ln w="25400">
+                        <a:solidFill>
+                          <a:srgbClr val="00B0F0"/>
+                        </a:solidFill>
+                        <a:tailEnd type="none"/>
+                      </a:ln>
+                    </p:spPr>
+                    <p:style>
+                      <a:lnRef idx="1">
+                        <a:schemeClr val="accent1"/>
+                      </a:lnRef>
+                      <a:fillRef idx="0">
+                        <a:schemeClr val="accent1"/>
+                      </a:fillRef>
+                      <a:effectRef idx="0">
+                        <a:schemeClr val="accent1"/>
+                      </a:effectRef>
+                      <a:fontRef idx="minor">
+                        <a:schemeClr val="tx1"/>
+                      </a:fontRef>
+                    </p:style>
+                  </p:cxnSp>
+                  <p:cxnSp>
+                    <p:nvCxnSpPr>
+                      <p:cNvPr id="85" name="Straight Arrow Connector 84">
+                        <a:extLst>
+                          <a:ext uri="{FF2B5EF4-FFF2-40B4-BE49-F238E27FC236}">
+                            <a16:creationId xmlns:a16="http://schemas.microsoft.com/office/drawing/2014/main" id="{63E28ADF-B8B0-BA4B-9B3F-9C8CBFF569E5}"/>
+                          </a:ext>
+                        </a:extLst>
+                      </p:cNvPr>
+                      <p:cNvCxnSpPr/>
+                      <p:nvPr/>
+                    </p:nvCxnSpPr>
+                    <p:spPr>
+                      <a:xfrm flipV="1">
+                        <a:off x="2322166" y="1806121"/>
+                        <a:ext cx="1362" cy="1277258"/>
+                      </a:xfrm>
+                      <a:prstGeom prst="straightConnector1">
+                        <a:avLst/>
+                      </a:prstGeom>
+                      <a:ln w="25400">
+                        <a:solidFill>
+                          <a:srgbClr val="00B0F0"/>
+                        </a:solidFill>
+                        <a:tailEnd type="none"/>
+                      </a:ln>
+                    </p:spPr>
+                    <p:style>
+                      <a:lnRef idx="1">
+                        <a:schemeClr val="accent1"/>
+                      </a:lnRef>
+                      <a:fillRef idx="0">
+                        <a:schemeClr val="accent1"/>
+                      </a:fillRef>
+                      <a:effectRef idx="0">
+                        <a:schemeClr val="accent1"/>
+                      </a:effectRef>
+                      <a:fontRef idx="minor">
+                        <a:schemeClr val="tx1"/>
+                      </a:fontRef>
+                    </p:style>
+                  </p:cxnSp>
+                </p:grpSp>
+                <mc:AlternateContent xmlns:mc="http://schemas.openxmlformats.org/markup-compatibility/2006">
+                  <mc:Choice xmlns:a14="http://schemas.microsoft.com/office/drawing/2010/main" Requires="a14">
+                    <p:sp>
+                      <p:nvSpPr>
+                        <p:cNvPr id="72" name="TextBox 71">
+                          <a:extLst>
+                            <a:ext uri="{FF2B5EF4-FFF2-40B4-BE49-F238E27FC236}">
+                              <a16:creationId xmlns:a16="http://schemas.microsoft.com/office/drawing/2014/main" id="{DDBE520F-36EC-7F41-8696-19A23AD46783}"/>
+                            </a:ext>
+                          </a:extLst>
+                        </p:cNvPr>
+                        <p:cNvSpPr txBox="1"/>
+                        <p:nvPr/>
+                      </p:nvSpPr>
+                      <p:spPr>
+                        <a:xfrm>
+                          <a:off x="652117" y="919217"/>
+                          <a:ext cx="1246110" cy="345159"/>
+                        </a:xfrm>
+                        <a:prstGeom prst="rect">
+                          <a:avLst/>
+                        </a:prstGeom>
+                        <a:noFill/>
+                      </p:spPr>
+                      <p:txBody>
+                        <a:bodyPr wrap="none" lIns="0" tIns="0" rIns="0" bIns="0" rtlCol="0">
+                          <a:spAutoFit/>
+                        </a:bodyPr>
+                        <a:lstStyle/>
+                        <a:p>
+                          <a:pPr/>
+                          <a14:m>
+                            <m:oMathPara xmlns:m="http://schemas.openxmlformats.org/officeDocument/2006/math">
+                              <m:oMathParaPr>
+                                <m:jc m:val="centerGroup"/>
+                              </m:oMathParaPr>
+                              <m:oMath xmlns:m="http://schemas.openxmlformats.org/officeDocument/2006/math">
+                                <m:r>
+                                  <a:rPr lang="en-CA" sz="2000" b="0" i="1" smtClean="0">
+                                    <a:solidFill>
+                                      <a:srgbClr val="00B0F0"/>
+                                    </a:solidFill>
+                                    <a:latin typeface="Cambria Math" panose="02040503050406030204" pitchFamily="18" charset="0"/>
+                                    <a:cs typeface="Arial" panose="020B0604020202020204" pitchFamily="34" charset="0"/>
+                                  </a:rPr>
+                                  <m:t>𝐼𝑛𝑑𝑢𝑐𝑒𝑑</m:t>
+                                </m:r>
+                                <m:r>
+                                  <a:rPr lang="en-CA" sz="2000" b="0" i="1" smtClean="0">
+                                    <a:solidFill>
+                                      <a:srgbClr val="00B0F0"/>
+                                    </a:solidFill>
+                                    <a:latin typeface="Cambria Math" panose="02040503050406030204" pitchFamily="18" charset="0"/>
+                                    <a:cs typeface="Arial" panose="020B0604020202020204" pitchFamily="34" charset="0"/>
+                                  </a:rPr>
+                                  <m:t> </m:t>
+                                </m:r>
+                                <m:acc>
+                                  <m:accPr>
+                                    <m:chr m:val="⃗"/>
+                                    <m:ctrlPr>
+                                      <a:rPr lang="en-US" sz="2000" b="0" i="1" smtClean="0">
+                                        <a:solidFill>
+                                          <a:srgbClr val="00B0F0"/>
+                                        </a:solidFill>
+                                        <a:latin typeface="Cambria Math" panose="02040503050406030204" pitchFamily="18" charset="0"/>
+                                        <a:cs typeface="Arial" panose="020B0604020202020204" pitchFamily="34" charset="0"/>
+                                      </a:rPr>
+                                    </m:ctrlPr>
+                                  </m:accPr>
+                                  <m:e>
+                                    <m:r>
+                                      <a:rPr lang="en-US" sz="2000" b="0" i="1" smtClean="0">
+                                        <a:solidFill>
+                                          <a:srgbClr val="00B0F0"/>
+                                        </a:solidFill>
+                                        <a:latin typeface="Cambria Math" panose="02040503050406030204" pitchFamily="18" charset="0"/>
+                                        <a:cs typeface="Arial" panose="020B0604020202020204" pitchFamily="34" charset="0"/>
+                                      </a:rPr>
+                                      <m:t>𝐵</m:t>
+                                    </m:r>
+                                  </m:e>
+                                </m:acc>
+                              </m:oMath>
+                            </m:oMathPara>
+                          </a14:m>
+                          <a:endParaRPr lang="en-US" sz="2000" dirty="0">
+                            <a:solidFill>
+                              <a:srgbClr val="00B0F0"/>
+                            </a:solidFill>
+                            <a:latin typeface="Arial" panose="020B0604020202020204" pitchFamily="34" charset="0"/>
+                            <a:cs typeface="Arial" panose="020B0604020202020204" pitchFamily="34" charset="0"/>
+                          </a:endParaRPr>
+                        </a:p>
+                      </p:txBody>
+                    </p:sp>
+                  </mc:Choice>
+                  <mc:Fallback>
+                    <p:sp>
+                      <p:nvSpPr>
+                        <p:cNvPr id="72" name="TextBox 71">
+                          <a:extLst>
+                            <a:ext uri="{FF2B5EF4-FFF2-40B4-BE49-F238E27FC236}">
+                              <a16:creationId xmlns:a16="http://schemas.microsoft.com/office/drawing/2014/main" id="{DDBE520F-36EC-7F41-8696-19A23AD46783}"/>
+                            </a:ext>
+                          </a:extLst>
+                        </p:cNvPr>
+                        <p:cNvSpPr txBox="1">
+                          <a:spLocks noRot="1" noChangeAspect="1" noMove="1" noResize="1" noEditPoints="1" noAdjustHandles="1" noChangeArrowheads="1" noChangeShapeType="1" noTextEdit="1"/>
+                        </p:cNvSpPr>
+                        <p:nvPr/>
+                      </p:nvSpPr>
+                      <p:spPr>
+                        <a:xfrm>
+                          <a:off x="652117" y="919217"/>
+                          <a:ext cx="1246110" cy="345159"/>
+                        </a:xfrm>
+                        <a:prstGeom prst="rect">
+                          <a:avLst/>
+                        </a:prstGeom>
+                        <a:blipFill>
+                          <a:blip r:embed="rId7"/>
+                          <a:stretch>
+                            <a:fillRect l="-4040" r="-2020" b="-31034"/>
+                          </a:stretch>
+                        </a:blipFill>
+                      </p:spPr>
+                      <p:txBody>
+                        <a:bodyPr/>
+                        <a:lstStyle/>
+                        <a:p>
+                          <a:r>
+                            <a:rPr lang="en-US">
+                              <a:noFill/>
+                            </a:rPr>
+                            <a:t> </a:t>
+                          </a:r>
+                        </a:p>
+                      </p:txBody>
+                    </p:sp>
+                  </mc:Fallback>
+                </mc:AlternateContent>
+              </p:grpSp>
+              <p:cxnSp>
+                <p:nvCxnSpPr>
+                  <p:cNvPr id="96" name="Straight Arrow Connector 95">
+                    <a:extLst>
+                      <a:ext uri="{FF2B5EF4-FFF2-40B4-BE49-F238E27FC236}">
+                        <a16:creationId xmlns:a16="http://schemas.microsoft.com/office/drawing/2014/main" id="{88772BC0-822A-9148-BB83-3B03285368D8}"/>
+                      </a:ext>
+                    </a:extLst>
+                  </p:cNvPr>
+                  <p:cNvCxnSpPr/>
+                  <p:nvPr/>
+                </p:nvCxnSpPr>
+                <p:spPr>
+                  <a:xfrm flipV="1">
+                    <a:off x="7629940" y="2294299"/>
+                    <a:ext cx="1362" cy="1277258"/>
+                  </a:xfrm>
+                  <a:prstGeom prst="straightConnector1">
+                    <a:avLst/>
+                  </a:prstGeom>
+                  <a:ln w="25400">
+                    <a:solidFill>
+                      <a:srgbClr val="00B0F0"/>
+                    </a:solidFill>
+                    <a:tailEnd type="none"/>
+                  </a:ln>
+                </p:spPr>
+                <p:style>
+                  <a:lnRef idx="1">
+                    <a:schemeClr val="accent1"/>
+                  </a:lnRef>
+                  <a:fillRef idx="0">
+                    <a:schemeClr val="accent1"/>
+                  </a:fillRef>
+                  <a:effectRef idx="0">
+                    <a:schemeClr val="accent1"/>
+                  </a:effectRef>
+                  <a:fontRef idx="minor">
+                    <a:schemeClr val="tx1"/>
+                  </a:fontRef>
+                </p:style>
+              </p:cxnSp>
+              <p:cxnSp>
+                <p:nvCxnSpPr>
+                  <p:cNvPr id="97" name="Straight Arrow Connector 96">
+                    <a:extLst>
+                      <a:ext uri="{FF2B5EF4-FFF2-40B4-BE49-F238E27FC236}">
+                        <a16:creationId xmlns:a16="http://schemas.microsoft.com/office/drawing/2014/main" id="{CAE170C4-236B-1A49-9F6D-E8A1B817D6E8}"/>
+                      </a:ext>
+                    </a:extLst>
+                  </p:cNvPr>
+                  <p:cNvCxnSpPr/>
+                  <p:nvPr/>
+                </p:nvCxnSpPr>
+                <p:spPr>
+                  <a:xfrm flipV="1">
+                    <a:off x="8263458" y="2126478"/>
+                    <a:ext cx="1362" cy="1277258"/>
+                  </a:xfrm>
+                  <a:prstGeom prst="straightConnector1">
+                    <a:avLst/>
+                  </a:prstGeom>
+                  <a:ln w="25400">
+                    <a:solidFill>
+                      <a:srgbClr val="00B0F0"/>
+                    </a:solidFill>
+                    <a:tailEnd type="none"/>
+                  </a:ln>
+                </p:spPr>
+                <p:style>
+                  <a:lnRef idx="1">
+                    <a:schemeClr val="accent1"/>
+                  </a:lnRef>
+                  <a:fillRef idx="0">
+                    <a:schemeClr val="accent1"/>
+                  </a:fillRef>
+                  <a:effectRef idx="0">
+                    <a:schemeClr val="accent1"/>
+                  </a:effectRef>
+                  <a:fontRef idx="minor">
+                    <a:schemeClr val="tx1"/>
+                  </a:fontRef>
+                </p:style>
+              </p:cxnSp>
+            </p:grpSp>
+            <p:cxnSp>
+              <p:nvCxnSpPr>
+                <p:cNvPr id="104" name="Straight Connector 103">
+                  <a:extLst>
+                    <a:ext uri="{FF2B5EF4-FFF2-40B4-BE49-F238E27FC236}">
+                      <a16:creationId xmlns:a16="http://schemas.microsoft.com/office/drawing/2014/main" id="{804B0612-4623-604C-9196-F19C9D3CB494}"/>
+                    </a:ext>
+                  </a:extLst>
+                </p:cNvPr>
+                <p:cNvCxnSpPr/>
+                <p:nvPr/>
+              </p:nvCxnSpPr>
+              <p:spPr>
+                <a:xfrm rot="17110431">
+                  <a:off x="6831188" y="3533700"/>
+                  <a:ext cx="132203" cy="176270"/>
+                </a:xfrm>
+                <a:prstGeom prst="line">
+                  <a:avLst/>
+                </a:prstGeom>
+                <a:ln w="38100">
+                  <a:solidFill>
+                    <a:schemeClr val="tx1"/>
+                  </a:solidFill>
+                </a:ln>
+              </p:spPr>
+              <p:style>
+                <a:lnRef idx="1">
+                  <a:schemeClr val="accent1"/>
+                </a:lnRef>
+                <a:fillRef idx="0">
+                  <a:schemeClr val="accent1"/>
+                </a:fillRef>
+                <a:effectRef idx="0">
+                  <a:schemeClr val="accent1"/>
+                </a:effectRef>
+                <a:fontRef idx="minor">
+                  <a:schemeClr val="tx1"/>
+                </a:fontRef>
+              </p:style>
+            </p:cxnSp>
+            <p:cxnSp>
+              <p:nvCxnSpPr>
+                <p:cNvPr id="105" name="Straight Connector 104">
+                  <a:extLst>
+                    <a:ext uri="{FF2B5EF4-FFF2-40B4-BE49-F238E27FC236}">
+                      <a16:creationId xmlns:a16="http://schemas.microsoft.com/office/drawing/2014/main" id="{A0090AEF-8874-7043-BAB5-C9A4D954B4DC}"/>
+                    </a:ext>
+                  </a:extLst>
+                </p:cNvPr>
+                <p:cNvCxnSpPr/>
+                <p:nvPr/>
+              </p:nvCxnSpPr>
+              <p:spPr>
+                <a:xfrm rot="17110431" flipH="1">
+                  <a:off x="6814111" y="3633197"/>
+                  <a:ext cx="112390" cy="176270"/>
+                </a:xfrm>
+                <a:prstGeom prst="line">
+                  <a:avLst/>
+                </a:prstGeom>
+                <a:ln w="38100">
+                  <a:solidFill>
+                    <a:schemeClr val="tx1"/>
+                  </a:solidFill>
+                </a:ln>
+              </p:spPr>
+              <p:style>
+                <a:lnRef idx="1">
+                  <a:schemeClr val="accent1"/>
+                </a:lnRef>
+                <a:fillRef idx="0">
+                  <a:schemeClr val="accent1"/>
+                </a:fillRef>
+                <a:effectRef idx="0">
+                  <a:schemeClr val="accent1"/>
+                </a:effectRef>
+                <a:fontRef idx="minor">
+                  <a:schemeClr val="tx1"/>
+                </a:fontRef>
+              </p:style>
+            </p:cxnSp>
+          </p:grpSp>
+          <p:cxnSp>
+            <p:nvCxnSpPr>
+              <p:cNvPr id="108" name="Straight Connector 107">
+                <a:extLst>
+                  <a:ext uri="{FF2B5EF4-FFF2-40B4-BE49-F238E27FC236}">
+                    <a16:creationId xmlns:a16="http://schemas.microsoft.com/office/drawing/2014/main" id="{712B3F5B-1B74-F34F-B570-CF02276F77F1}"/>
+                  </a:ext>
+                </a:extLst>
+              </p:cNvPr>
+              <p:cNvCxnSpPr>
+                <a:cxnSpLocks/>
+              </p:cNvCxnSpPr>
+              <p:nvPr/>
+            </p:nvCxnSpPr>
+            <p:spPr>
+              <a:xfrm>
+                <a:off x="6233002" y="1284559"/>
+                <a:ext cx="237304" cy="98530"/>
+              </a:xfrm>
+              <a:prstGeom prst="line">
+                <a:avLst/>
+              </a:prstGeom>
+              <a:ln w="38100">
+                <a:solidFill>
+                  <a:schemeClr val="tx1"/>
+                </a:solidFill>
+              </a:ln>
+            </p:spPr>
+            <p:style>
+              <a:lnRef idx="1">
+                <a:schemeClr val="accent1"/>
+              </a:lnRef>
+              <a:fillRef idx="0">
+                <a:schemeClr val="accent1"/>
+              </a:fillRef>
+              <a:effectRef idx="0">
+                <a:schemeClr val="accent1"/>
+              </a:effectRef>
+              <a:fontRef idx="minor">
+                <a:schemeClr val="tx1"/>
+              </a:fontRef>
+            </p:style>
+          </p:cxnSp>
+          <p:cxnSp>
+            <p:nvCxnSpPr>
+              <p:cNvPr id="109" name="Straight Connector 108">
+                <a:extLst>
+                  <a:ext uri="{FF2B5EF4-FFF2-40B4-BE49-F238E27FC236}">
+                    <a16:creationId xmlns:a16="http://schemas.microsoft.com/office/drawing/2014/main" id="{856C97DD-032F-CE4F-A46E-4F5A90BA85BD}"/>
+                  </a:ext>
+                </a:extLst>
+              </p:cNvPr>
+              <p:cNvCxnSpPr>
+                <a:cxnSpLocks/>
+              </p:cNvCxnSpPr>
+              <p:nvPr/>
+            </p:nvCxnSpPr>
+            <p:spPr>
+              <a:xfrm flipH="1">
+                <a:off x="6255172" y="1390205"/>
+                <a:ext cx="198965" cy="112711"/>
+              </a:xfrm>
+              <a:prstGeom prst="line">
+                <a:avLst/>
+              </a:prstGeom>
+              <a:ln w="38100">
+                <a:solidFill>
+                  <a:schemeClr val="tx1"/>
+                </a:solidFill>
+              </a:ln>
+            </p:spPr>
+            <p:style>
+              <a:lnRef idx="1">
+                <a:schemeClr val="accent1"/>
+              </a:lnRef>
+              <a:fillRef idx="0">
+                <a:schemeClr val="accent1"/>
+              </a:fillRef>
+              <a:effectRef idx="0">
+                <a:schemeClr val="accent1"/>
+              </a:effectRef>
+              <a:fontRef idx="minor">
+                <a:schemeClr val="tx1"/>
+              </a:fontRef>
+            </p:style>
+          </p:cxnSp>
+        </p:grpSp>
+        <p:pic>
+          <p:nvPicPr>
+            <p:cNvPr id="135" name="Picture 134" descr="A close up of a logo&#10;&#10;Description automatically generated">
+              <a:extLst>
+                <a:ext uri="{FF2B5EF4-FFF2-40B4-BE49-F238E27FC236}">
+                  <a16:creationId xmlns:a16="http://schemas.microsoft.com/office/drawing/2014/main" id="{4C53F318-4D5A-554B-AC55-9409FFF95920}"/>
+                </a:ext>
+              </a:extLst>
+            </p:cNvPr>
+            <p:cNvPicPr>
+              <a:picLocks noChangeAspect="1"/>
+            </p:cNvPicPr>
+            <p:nvPr/>
+          </p:nvPicPr>
+          <p:blipFill rotWithShape="1">
+            <a:blip r:embed="rId8">
+              <a:extLst>
+                <a:ext uri="{28A0092B-C50C-407E-A947-70E740481C1C}">
+                  <a14:useLocalDpi xmlns:a14="http://schemas.microsoft.com/office/drawing/2010/main" val="0"/>
+                </a:ext>
+              </a:extLst>
+            </a:blip>
+            <a:srcRect t="44592"/>
+            <a:stretch/>
+          </p:blipFill>
+          <p:spPr>
+            <a:xfrm rot="10800000">
+              <a:off x="6667732" y="1089010"/>
+              <a:ext cx="1825649" cy="835933"/>
+            </a:xfrm>
+            <a:prstGeom prst="rect">
+              <a:avLst/>
+            </a:prstGeom>
+          </p:spPr>
+        </p:pic>
+      </p:grpSp>
+      <p:grpSp>
+        <p:nvGrpSpPr>
+          <p:cNvPr id="139" name="Group 138">
+            <a:extLst>
+              <a:ext uri="{FF2B5EF4-FFF2-40B4-BE49-F238E27FC236}">
+                <a16:creationId xmlns:a16="http://schemas.microsoft.com/office/drawing/2014/main" id="{FD7C5587-2A37-3B4F-82CE-F7798EBD4E14}"/>
+              </a:ext>
+            </a:extLst>
+          </p:cNvPr>
+          <p:cNvGrpSpPr/>
+          <p:nvPr/>
+        </p:nvGrpSpPr>
+        <p:grpSpPr>
+          <a:xfrm>
+            <a:off x="8669784" y="1438639"/>
+            <a:ext cx="3700926" cy="2743349"/>
+            <a:chOff x="7712817" y="2264982"/>
+            <a:chExt cx="3700926" cy="2743349"/>
+          </a:xfrm>
+        </p:grpSpPr>
+        <p:pic>
+          <p:nvPicPr>
+            <p:cNvPr id="137" name="Picture 136" descr="A close up of a logo&#10;&#10;Description automatically generated">
+              <a:extLst>
+                <a:ext uri="{FF2B5EF4-FFF2-40B4-BE49-F238E27FC236}">
+                  <a16:creationId xmlns:a16="http://schemas.microsoft.com/office/drawing/2014/main" id="{08C53F7F-D429-AD40-A2BA-335B68E45A03}"/>
+                </a:ext>
+              </a:extLst>
+            </p:cNvPr>
+            <p:cNvPicPr>
+              <a:picLocks noChangeAspect="1"/>
+            </p:cNvPicPr>
+            <p:nvPr/>
+          </p:nvPicPr>
+          <p:blipFill rotWithShape="1">
+            <a:blip r:embed="rId8">
+              <a:extLst>
+                <a:ext uri="{28A0092B-C50C-407E-A947-70E740481C1C}">
+                  <a14:useLocalDpi xmlns:a14="http://schemas.microsoft.com/office/drawing/2010/main" val="0"/>
+                </a:ext>
+              </a:extLst>
+            </a:blip>
+            <a:srcRect t="44592"/>
+            <a:stretch/>
+          </p:blipFill>
+          <p:spPr>
+            <a:xfrm>
+              <a:off x="7712817" y="3664094"/>
+              <a:ext cx="1825649" cy="835933"/>
+            </a:xfrm>
+            <a:prstGeom prst="rect">
+              <a:avLst/>
+            </a:prstGeom>
+          </p:spPr>
+        </p:pic>
+        <p:grpSp>
+          <p:nvGrpSpPr>
+            <p:cNvPr id="136" name="Group 135">
+              <a:extLst>
+                <a:ext uri="{FF2B5EF4-FFF2-40B4-BE49-F238E27FC236}">
+                  <a16:creationId xmlns:a16="http://schemas.microsoft.com/office/drawing/2014/main" id="{3D369E38-6890-ED44-BFF2-2117D7FD2828}"/>
+                </a:ext>
+              </a:extLst>
+            </p:cNvPr>
+            <p:cNvGrpSpPr/>
+            <p:nvPr/>
+          </p:nvGrpSpPr>
+          <p:grpSpPr>
+            <a:xfrm>
+              <a:off x="8079985" y="2264982"/>
+              <a:ext cx="3333758" cy="2743349"/>
+              <a:chOff x="8079985" y="2264982"/>
+              <a:chExt cx="3333758" cy="2743349"/>
+            </a:xfrm>
+          </p:grpSpPr>
+          <p:grpSp>
+            <p:nvGrpSpPr>
+              <p:cNvPr id="115" name="Group 114">
+                <a:extLst>
+                  <a:ext uri="{FF2B5EF4-FFF2-40B4-BE49-F238E27FC236}">
+                    <a16:creationId xmlns:a16="http://schemas.microsoft.com/office/drawing/2014/main" id="{368C095D-77D2-F644-8006-34686AB9DB9D}"/>
+                  </a:ext>
+                </a:extLst>
+              </p:cNvPr>
+              <p:cNvGrpSpPr/>
+              <p:nvPr/>
+            </p:nvGrpSpPr>
+            <p:grpSpPr>
+              <a:xfrm>
+                <a:off x="8079985" y="2264982"/>
+                <a:ext cx="3333758" cy="2743349"/>
+                <a:chOff x="5458771" y="1795223"/>
+                <a:chExt cx="3333758" cy="2743349"/>
+              </a:xfrm>
+            </p:grpSpPr>
+            <p:grpSp>
+              <p:nvGrpSpPr>
+                <p:cNvPr id="116" name="Group 115">
+                  <a:extLst>
+                    <a:ext uri="{FF2B5EF4-FFF2-40B4-BE49-F238E27FC236}">
+                      <a16:creationId xmlns:a16="http://schemas.microsoft.com/office/drawing/2014/main" id="{4E072EBB-02FF-8B4A-9D08-4E1CD4CDB40C}"/>
+                    </a:ext>
+                  </a:extLst>
+                </p:cNvPr>
+                <p:cNvGrpSpPr/>
+                <p:nvPr/>
+              </p:nvGrpSpPr>
+              <p:grpSpPr>
+                <a:xfrm>
+                  <a:off x="5458771" y="1795223"/>
+                  <a:ext cx="3333758" cy="2743349"/>
+                  <a:chOff x="5458771" y="1795223"/>
+                  <a:chExt cx="3333758" cy="2743349"/>
+                </a:xfrm>
+              </p:grpSpPr>
+              <p:cxnSp>
+                <p:nvCxnSpPr>
+                  <p:cNvPr id="119" name="Straight Connector 118">
+                    <a:extLst>
+                      <a:ext uri="{FF2B5EF4-FFF2-40B4-BE49-F238E27FC236}">
+                        <a16:creationId xmlns:a16="http://schemas.microsoft.com/office/drawing/2014/main" id="{EBD73A7B-3DD9-F841-9E0A-BDB6674CCD55}"/>
+                      </a:ext>
+                    </a:extLst>
+                  </p:cNvPr>
+                  <p:cNvCxnSpPr/>
+                  <p:nvPr/>
+                </p:nvCxnSpPr>
+                <p:spPr>
+                  <a:xfrm>
+                    <a:off x="7629940" y="3571557"/>
+                    <a:ext cx="0" cy="967015"/>
+                  </a:xfrm>
+                  <a:prstGeom prst="line">
+                    <a:avLst/>
+                  </a:prstGeom>
+                  <a:ln w="25400">
+                    <a:solidFill>
+                      <a:srgbClr val="00B0F0"/>
+                    </a:solidFill>
+                    <a:tailEnd type="none"/>
+                  </a:ln>
+                </p:spPr>
+                <p:style>
+                  <a:lnRef idx="1">
+                    <a:schemeClr val="accent1"/>
+                  </a:lnRef>
+                  <a:fillRef idx="0">
+                    <a:schemeClr val="accent1"/>
+                  </a:fillRef>
+                  <a:effectRef idx="0">
+                    <a:schemeClr val="accent1"/>
+                  </a:effectRef>
+                  <a:fontRef idx="minor">
+                    <a:schemeClr val="tx1"/>
+                  </a:fontRef>
+                </p:style>
+              </p:cxnSp>
+              <p:cxnSp>
+                <p:nvCxnSpPr>
+                  <p:cNvPr id="120" name="Straight Connector 119">
+                    <a:extLst>
+                      <a:ext uri="{FF2B5EF4-FFF2-40B4-BE49-F238E27FC236}">
+                        <a16:creationId xmlns:a16="http://schemas.microsoft.com/office/drawing/2014/main" id="{59D86515-EE5D-A747-B65E-031D560AE1C3}"/>
+                      </a:ext>
+                    </a:extLst>
+                  </p:cNvPr>
+                  <p:cNvCxnSpPr/>
+                  <p:nvPr/>
+                </p:nvCxnSpPr>
+                <p:spPr>
+                  <a:xfrm>
+                    <a:off x="8263458" y="3388314"/>
+                    <a:ext cx="0" cy="967015"/>
+                  </a:xfrm>
+                  <a:prstGeom prst="line">
+                    <a:avLst/>
+                  </a:prstGeom>
+                  <a:ln w="25400">
+                    <a:solidFill>
+                      <a:srgbClr val="00B0F0"/>
+                    </a:solidFill>
+                    <a:tailEnd type="none"/>
+                  </a:ln>
+                </p:spPr>
+                <p:style>
+                  <a:lnRef idx="1">
+                    <a:schemeClr val="accent1"/>
+                  </a:lnRef>
+                  <a:fillRef idx="0">
+                    <a:schemeClr val="accent1"/>
+                  </a:fillRef>
+                  <a:effectRef idx="0">
+                    <a:schemeClr val="accent1"/>
+                  </a:effectRef>
+                  <a:fontRef idx="minor">
+                    <a:schemeClr val="tx1"/>
+                  </a:fontRef>
+                </p:style>
+              </p:cxnSp>
+              <p:grpSp>
+                <p:nvGrpSpPr>
+                  <p:cNvPr id="121" name="Group 120">
+                    <a:extLst>
+                      <a:ext uri="{FF2B5EF4-FFF2-40B4-BE49-F238E27FC236}">
+                        <a16:creationId xmlns:a16="http://schemas.microsoft.com/office/drawing/2014/main" id="{4FFFE0B7-9839-DE4B-B6D0-465F05149590}"/>
+                      </a:ext>
+                    </a:extLst>
+                  </p:cNvPr>
+                  <p:cNvGrpSpPr/>
+                  <p:nvPr/>
+                </p:nvGrpSpPr>
+                <p:grpSpPr>
+                  <a:xfrm>
+                    <a:off x="5458771" y="1795223"/>
+                    <a:ext cx="3333758" cy="2718553"/>
+                    <a:chOff x="652117" y="919217"/>
+                    <a:chExt cx="3333758" cy="2718553"/>
+                  </a:xfrm>
+                </p:grpSpPr>
+                <p:grpSp>
+                  <p:nvGrpSpPr>
+                    <p:cNvPr id="124" name="Group 123">
+                      <a:extLst>
+                        <a:ext uri="{FF2B5EF4-FFF2-40B4-BE49-F238E27FC236}">
+                          <a16:creationId xmlns:a16="http://schemas.microsoft.com/office/drawing/2014/main" id="{EFEAC709-E16A-DD4A-BE76-79644D8B8836}"/>
+                        </a:ext>
+                      </a:extLst>
+                    </p:cNvPr>
+                    <p:cNvGrpSpPr/>
+                    <p:nvPr/>
+                  </p:nvGrpSpPr>
+                  <p:grpSpPr>
+                    <a:xfrm>
+                      <a:off x="1024960" y="1225676"/>
+                      <a:ext cx="2960915" cy="2412094"/>
+                      <a:chOff x="1088571" y="1806121"/>
+                      <a:chExt cx="2960915" cy="2412094"/>
+                    </a:xfrm>
+                  </p:grpSpPr>
+                  <p:cxnSp>
+                    <p:nvCxnSpPr>
+                      <p:cNvPr id="126" name="Straight Connector 125">
+                        <a:extLst>
+                          <a:ext uri="{FF2B5EF4-FFF2-40B4-BE49-F238E27FC236}">
+                            <a16:creationId xmlns:a16="http://schemas.microsoft.com/office/drawing/2014/main" id="{47C71E00-BB6A-9843-846F-54A474AD32EB}"/>
+                          </a:ext>
+                        </a:extLst>
+                      </p:cNvPr>
+                      <p:cNvCxnSpPr/>
+                      <p:nvPr/>
+                    </p:nvCxnSpPr>
+                    <p:spPr>
+                      <a:xfrm>
+                        <a:off x="1688648" y="3251200"/>
+                        <a:ext cx="0" cy="967015"/>
+                      </a:xfrm>
+                      <a:prstGeom prst="line">
+                        <a:avLst/>
+                      </a:prstGeom>
+                      <a:ln w="25400">
+                        <a:solidFill>
+                          <a:srgbClr val="00B0F0"/>
+                        </a:solidFill>
+                        <a:tailEnd type="none"/>
+                      </a:ln>
+                    </p:spPr>
+                    <p:style>
+                      <a:lnRef idx="1">
+                        <a:schemeClr val="accent1"/>
+                      </a:lnRef>
+                      <a:fillRef idx="0">
+                        <a:schemeClr val="accent1"/>
+                      </a:fillRef>
+                      <a:effectRef idx="0">
+                        <a:schemeClr val="accent1"/>
+                      </a:effectRef>
+                      <a:fontRef idx="minor">
+                        <a:schemeClr val="tx1"/>
+                      </a:fontRef>
+                    </p:style>
+                  </p:cxnSp>
+                  <p:cxnSp>
+                    <p:nvCxnSpPr>
+                      <p:cNvPr id="127" name="Straight Connector 126">
+                        <a:extLst>
+                          <a:ext uri="{FF2B5EF4-FFF2-40B4-BE49-F238E27FC236}">
+                            <a16:creationId xmlns:a16="http://schemas.microsoft.com/office/drawing/2014/main" id="{3CF95221-0FF0-9F4D-9722-E0E1A11C6491}"/>
+                          </a:ext>
+                        </a:extLst>
+                      </p:cNvPr>
+                      <p:cNvCxnSpPr/>
+                      <p:nvPr/>
+                    </p:nvCxnSpPr>
+                    <p:spPr>
+                      <a:xfrm>
+                        <a:off x="2322166" y="3067957"/>
+                        <a:ext cx="0" cy="967015"/>
+                      </a:xfrm>
+                      <a:prstGeom prst="line">
+                        <a:avLst/>
+                      </a:prstGeom>
+                      <a:ln w="25400">
+                        <a:solidFill>
+                          <a:srgbClr val="00B0F0"/>
+                        </a:solidFill>
+                        <a:tailEnd type="none"/>
+                      </a:ln>
+                    </p:spPr>
+                    <p:style>
+                      <a:lnRef idx="1">
+                        <a:schemeClr val="accent1"/>
+                      </a:lnRef>
+                      <a:fillRef idx="0">
+                        <a:schemeClr val="accent1"/>
+                      </a:fillRef>
+                      <a:effectRef idx="0">
+                        <a:schemeClr val="accent1"/>
+                      </a:effectRef>
+                      <a:fontRef idx="minor">
+                        <a:schemeClr val="tx1"/>
+                      </a:fontRef>
+                    </p:style>
+                  </p:cxnSp>
+                  <p:sp>
+                    <p:nvSpPr>
+                      <p:cNvPr id="128" name="Oval 127">
+                        <a:extLst>
+                          <a:ext uri="{FF2B5EF4-FFF2-40B4-BE49-F238E27FC236}">
+                            <a16:creationId xmlns:a16="http://schemas.microsoft.com/office/drawing/2014/main" id="{870FDA3B-6467-4F4C-86AB-3A4117653BFE}"/>
+                          </a:ext>
+                        </a:extLst>
+                      </p:cNvPr>
+                      <p:cNvSpPr/>
+                      <p:nvPr/>
+                    </p:nvSpPr>
+                    <p:spPr>
+                      <a:xfrm>
+                        <a:off x="1088571" y="2699657"/>
+                        <a:ext cx="2960915" cy="696686"/>
+                      </a:xfrm>
+                      <a:prstGeom prst="ellipse">
+                        <a:avLst/>
+                      </a:prstGeom>
+                      <a:solidFill>
+                        <a:schemeClr val="bg2">
+                          <a:lumMod val="90000"/>
+                          <a:alpha val="79000"/>
+                        </a:schemeClr>
+                      </a:solidFill>
+                      <a:ln w="38100">
+                        <a:solidFill>
+                          <a:schemeClr val="tx1"/>
+                        </a:solidFill>
+                      </a:ln>
+                    </p:spPr>
+                    <p:style>
+                      <a:lnRef idx="2">
+                        <a:schemeClr val="accent1">
+                          <a:shade val="50000"/>
+                        </a:schemeClr>
+                      </a:lnRef>
+                      <a:fillRef idx="1">
+                        <a:schemeClr val="accent1"/>
+                      </a:fillRef>
+                      <a:effectRef idx="0">
+                        <a:schemeClr val="accent1"/>
+                      </a:effectRef>
+                      <a:fontRef idx="minor">
+                        <a:schemeClr val="lt1"/>
+                      </a:fontRef>
+                    </p:style>
+                    <p:txBody>
+                      <a:bodyPr rtlCol="0" anchor="ctr"/>
+                      <a:lstStyle/>
+                      <a:p>
+                        <a:pPr algn="ctr"/>
+                        <a:endParaRPr lang="en-US"/>
+                      </a:p>
+                    </p:txBody>
+                  </p:sp>
+                  <p:cxnSp>
+                    <p:nvCxnSpPr>
+                      <p:cNvPr id="129" name="Straight Arrow Connector 128">
+                        <a:extLst>
+                          <a:ext uri="{FF2B5EF4-FFF2-40B4-BE49-F238E27FC236}">
+                            <a16:creationId xmlns:a16="http://schemas.microsoft.com/office/drawing/2014/main" id="{A538B2E5-424F-E04B-89BA-EBD93832A81D}"/>
+                          </a:ext>
+                        </a:extLst>
+                      </p:cNvPr>
+                      <p:cNvCxnSpPr/>
+                      <p:nvPr/>
+                    </p:nvCxnSpPr>
+                    <p:spPr>
+                      <a:xfrm flipV="1">
+                        <a:off x="1688648" y="1973942"/>
+                        <a:ext cx="1362" cy="1277258"/>
+                      </a:xfrm>
+                      <a:prstGeom prst="straightConnector1">
+                        <a:avLst/>
+                      </a:prstGeom>
+                      <a:ln w="25400">
+                        <a:solidFill>
+                          <a:srgbClr val="00B0F0"/>
+                        </a:solidFill>
+                        <a:tailEnd type="triangle"/>
+                      </a:ln>
+                    </p:spPr>
+                    <p:style>
+                      <a:lnRef idx="1">
+                        <a:schemeClr val="accent1"/>
+                      </a:lnRef>
+                      <a:fillRef idx="0">
+                        <a:schemeClr val="accent1"/>
+                      </a:fillRef>
+                      <a:effectRef idx="0">
+                        <a:schemeClr val="accent1"/>
+                      </a:effectRef>
+                      <a:fontRef idx="minor">
+                        <a:schemeClr val="tx1"/>
+                      </a:fontRef>
+                    </p:style>
+                  </p:cxnSp>
+                  <p:cxnSp>
+                    <p:nvCxnSpPr>
+                      <p:cNvPr id="130" name="Straight Arrow Connector 129">
+                        <a:extLst>
+                          <a:ext uri="{FF2B5EF4-FFF2-40B4-BE49-F238E27FC236}">
+                            <a16:creationId xmlns:a16="http://schemas.microsoft.com/office/drawing/2014/main" id="{CE3F3581-C127-FB44-B649-757C03CD9547}"/>
+                          </a:ext>
+                        </a:extLst>
+                      </p:cNvPr>
+                      <p:cNvCxnSpPr/>
+                      <p:nvPr/>
+                    </p:nvCxnSpPr>
+                    <p:spPr>
+                      <a:xfrm flipV="1">
+                        <a:off x="2322166" y="1806121"/>
+                        <a:ext cx="1362" cy="1277258"/>
+                      </a:xfrm>
+                      <a:prstGeom prst="straightConnector1">
+                        <a:avLst/>
+                      </a:prstGeom>
+                      <a:ln w="25400">
+                        <a:solidFill>
+                          <a:srgbClr val="00B0F0"/>
+                        </a:solidFill>
+                        <a:tailEnd type="triangle"/>
+                      </a:ln>
+                    </p:spPr>
+                    <p:style>
+                      <a:lnRef idx="1">
+                        <a:schemeClr val="accent1"/>
+                      </a:lnRef>
+                      <a:fillRef idx="0">
+                        <a:schemeClr val="accent1"/>
+                      </a:fillRef>
+                      <a:effectRef idx="0">
+                        <a:schemeClr val="accent1"/>
+                      </a:effectRef>
+                      <a:fontRef idx="minor">
+                        <a:schemeClr val="tx1"/>
+                      </a:fontRef>
+                    </p:style>
+                  </p:cxnSp>
+                </p:grpSp>
+                <mc:AlternateContent xmlns:mc="http://schemas.openxmlformats.org/markup-compatibility/2006">
+                  <mc:Choice xmlns:a14="http://schemas.microsoft.com/office/drawing/2010/main" Requires="a14">
+                    <p:sp>
+                      <p:nvSpPr>
+                        <p:cNvPr id="125" name="TextBox 124">
+                          <a:extLst>
+                            <a:ext uri="{FF2B5EF4-FFF2-40B4-BE49-F238E27FC236}">
+                              <a16:creationId xmlns:a16="http://schemas.microsoft.com/office/drawing/2014/main" id="{43F5A388-22BF-5D4F-AC8D-60D715905D15}"/>
+                            </a:ext>
+                          </a:extLst>
+                        </p:cNvPr>
+                        <p:cNvSpPr txBox="1"/>
+                        <p:nvPr/>
+                      </p:nvSpPr>
+                      <p:spPr>
+                        <a:xfrm>
+                          <a:off x="652117" y="919217"/>
+                          <a:ext cx="1246110" cy="345159"/>
+                        </a:xfrm>
+                        <a:prstGeom prst="rect">
+                          <a:avLst/>
+                        </a:prstGeom>
+                        <a:noFill/>
+                      </p:spPr>
+                      <p:txBody>
+                        <a:bodyPr wrap="none" lIns="0" tIns="0" rIns="0" bIns="0" rtlCol="0">
+                          <a:spAutoFit/>
+                        </a:bodyPr>
+                        <a:lstStyle/>
+                        <a:p>
+                          <a:pPr/>
+                          <a14:m>
+                            <m:oMathPara xmlns:m="http://schemas.openxmlformats.org/officeDocument/2006/math">
+                              <m:oMathParaPr>
+                                <m:jc m:val="centerGroup"/>
+                              </m:oMathParaPr>
+                              <m:oMath xmlns:m="http://schemas.openxmlformats.org/officeDocument/2006/math">
+                                <m:r>
+                                  <a:rPr lang="en-CA" sz="2000" b="0" i="1" smtClean="0">
+                                    <a:solidFill>
+                                      <a:srgbClr val="00B0F0"/>
+                                    </a:solidFill>
+                                    <a:latin typeface="Cambria Math" panose="02040503050406030204" pitchFamily="18" charset="0"/>
+                                    <a:cs typeface="Arial" panose="020B0604020202020204" pitchFamily="34" charset="0"/>
+                                  </a:rPr>
+                                  <m:t>𝐼𝑛𝑑𝑢𝑐𝑒𝑑</m:t>
+                                </m:r>
+                                <m:r>
+                                  <a:rPr lang="en-CA" sz="2000" b="0" i="1" smtClean="0">
+                                    <a:solidFill>
+                                      <a:srgbClr val="00B0F0"/>
+                                    </a:solidFill>
+                                    <a:latin typeface="Cambria Math" panose="02040503050406030204" pitchFamily="18" charset="0"/>
+                                    <a:cs typeface="Arial" panose="020B0604020202020204" pitchFamily="34" charset="0"/>
+                                  </a:rPr>
+                                  <m:t> </m:t>
+                                </m:r>
+                                <m:acc>
+                                  <m:accPr>
+                                    <m:chr m:val="⃗"/>
+                                    <m:ctrlPr>
+                                      <a:rPr lang="en-US" sz="2000" b="0" i="1" smtClean="0">
+                                        <a:solidFill>
+                                          <a:srgbClr val="00B0F0"/>
+                                        </a:solidFill>
+                                        <a:latin typeface="Cambria Math" panose="02040503050406030204" pitchFamily="18" charset="0"/>
+                                        <a:cs typeface="Arial" panose="020B0604020202020204" pitchFamily="34" charset="0"/>
+                                      </a:rPr>
+                                    </m:ctrlPr>
+                                  </m:accPr>
+                                  <m:e>
+                                    <m:r>
+                                      <a:rPr lang="en-US" sz="2000" b="0" i="1" smtClean="0">
+                                        <a:solidFill>
+                                          <a:srgbClr val="00B0F0"/>
+                                        </a:solidFill>
+                                        <a:latin typeface="Cambria Math" panose="02040503050406030204" pitchFamily="18" charset="0"/>
+                                        <a:cs typeface="Arial" panose="020B0604020202020204" pitchFamily="34" charset="0"/>
+                                      </a:rPr>
+                                      <m:t>𝐵</m:t>
+                                    </m:r>
+                                  </m:e>
+                                </m:acc>
+                              </m:oMath>
+                            </m:oMathPara>
+                          </a14:m>
+                          <a:endParaRPr lang="en-US" sz="2000" dirty="0">
+                            <a:solidFill>
+                              <a:srgbClr val="00B0F0"/>
+                            </a:solidFill>
+                            <a:latin typeface="Arial" panose="020B0604020202020204" pitchFamily="34" charset="0"/>
+                            <a:cs typeface="Arial" panose="020B0604020202020204" pitchFamily="34" charset="0"/>
+                          </a:endParaRPr>
+                        </a:p>
+                      </p:txBody>
+                    </p:sp>
+                  </mc:Choice>
+                  <mc:Fallback>
+                    <p:sp>
+                      <p:nvSpPr>
+                        <p:cNvPr id="125" name="TextBox 124">
+                          <a:extLst>
+                            <a:ext uri="{FF2B5EF4-FFF2-40B4-BE49-F238E27FC236}">
+                              <a16:creationId xmlns:a16="http://schemas.microsoft.com/office/drawing/2014/main" id="{43F5A388-22BF-5D4F-AC8D-60D715905D15}"/>
+                            </a:ext>
+                          </a:extLst>
+                        </p:cNvPr>
+                        <p:cNvSpPr txBox="1">
+                          <a:spLocks noRot="1" noChangeAspect="1" noMove="1" noResize="1" noEditPoints="1" noAdjustHandles="1" noChangeArrowheads="1" noChangeShapeType="1" noTextEdit="1"/>
+                        </p:cNvSpPr>
+                        <p:nvPr/>
+                      </p:nvSpPr>
+                      <p:spPr>
+                        <a:xfrm>
+                          <a:off x="652117" y="919217"/>
+                          <a:ext cx="1246110" cy="345159"/>
+                        </a:xfrm>
+                        <a:prstGeom prst="rect">
+                          <a:avLst/>
+                        </a:prstGeom>
+                        <a:blipFill>
+                          <a:blip r:embed="rId9"/>
+                          <a:stretch>
+                            <a:fillRect l="-4040" r="-2020" b="-32143"/>
+                          </a:stretch>
+                        </a:blipFill>
+                      </p:spPr>
+                      <p:txBody>
+                        <a:bodyPr/>
+                        <a:lstStyle/>
+                        <a:p>
+                          <a:r>
+                            <a:rPr lang="en-US">
+                              <a:noFill/>
+                            </a:rPr>
+                            <a:t> </a:t>
+                          </a:r>
+                        </a:p>
+                      </p:txBody>
+                    </p:sp>
+                  </mc:Fallback>
+                </mc:AlternateContent>
+              </p:grpSp>
+              <p:cxnSp>
+                <p:nvCxnSpPr>
+                  <p:cNvPr id="122" name="Straight Arrow Connector 121">
+                    <a:extLst>
+                      <a:ext uri="{FF2B5EF4-FFF2-40B4-BE49-F238E27FC236}">
+                        <a16:creationId xmlns:a16="http://schemas.microsoft.com/office/drawing/2014/main" id="{22A32BB2-BD43-574D-8E53-6A5CCA4EC94B}"/>
+                      </a:ext>
+                    </a:extLst>
+                  </p:cNvPr>
+                  <p:cNvCxnSpPr/>
+                  <p:nvPr/>
+                </p:nvCxnSpPr>
+                <p:spPr>
+                  <a:xfrm flipV="1">
+                    <a:off x="7629940" y="2294299"/>
+                    <a:ext cx="1362" cy="1277258"/>
+                  </a:xfrm>
+                  <a:prstGeom prst="straightConnector1">
+                    <a:avLst/>
+                  </a:prstGeom>
+                  <a:ln w="25400">
+                    <a:solidFill>
+                      <a:srgbClr val="00B0F0"/>
+                    </a:solidFill>
+                    <a:tailEnd type="triangle"/>
+                  </a:ln>
+                </p:spPr>
+                <p:style>
+                  <a:lnRef idx="1">
+                    <a:schemeClr val="accent1"/>
+                  </a:lnRef>
+                  <a:fillRef idx="0">
+                    <a:schemeClr val="accent1"/>
+                  </a:fillRef>
+                  <a:effectRef idx="0">
+                    <a:schemeClr val="accent1"/>
+                  </a:effectRef>
+                  <a:fontRef idx="minor">
+                    <a:schemeClr val="tx1"/>
+                  </a:fontRef>
+                </p:style>
+              </p:cxnSp>
+              <p:cxnSp>
+                <p:nvCxnSpPr>
+                  <p:cNvPr id="123" name="Straight Arrow Connector 122">
+                    <a:extLst>
+                      <a:ext uri="{FF2B5EF4-FFF2-40B4-BE49-F238E27FC236}">
+                        <a16:creationId xmlns:a16="http://schemas.microsoft.com/office/drawing/2014/main" id="{74A696CD-759B-8C47-88BC-9D356065D68C}"/>
+                      </a:ext>
+                    </a:extLst>
+                  </p:cNvPr>
+                  <p:cNvCxnSpPr/>
+                  <p:nvPr/>
+                </p:nvCxnSpPr>
+                <p:spPr>
+                  <a:xfrm flipV="1">
+                    <a:off x="8263458" y="2126478"/>
+                    <a:ext cx="1362" cy="1277258"/>
+                  </a:xfrm>
+                  <a:prstGeom prst="straightConnector1">
+                    <a:avLst/>
+                  </a:prstGeom>
+                  <a:ln w="25400">
+                    <a:solidFill>
+                      <a:srgbClr val="00B0F0"/>
+                    </a:solidFill>
+                    <a:tailEnd type="triangle"/>
+                  </a:ln>
+                </p:spPr>
+                <p:style>
+                  <a:lnRef idx="1">
+                    <a:schemeClr val="accent1"/>
+                  </a:lnRef>
+                  <a:fillRef idx="0">
+                    <a:schemeClr val="accent1"/>
+                  </a:fillRef>
+                  <a:effectRef idx="0">
+                    <a:schemeClr val="accent1"/>
+                  </a:effectRef>
+                  <a:fontRef idx="minor">
+                    <a:schemeClr val="tx1"/>
+                  </a:fontRef>
+                </p:style>
+              </p:cxnSp>
+            </p:grpSp>
+            <p:cxnSp>
+              <p:nvCxnSpPr>
+                <p:cNvPr id="117" name="Straight Connector 116">
+                  <a:extLst>
+                    <a:ext uri="{FF2B5EF4-FFF2-40B4-BE49-F238E27FC236}">
+                      <a16:creationId xmlns:a16="http://schemas.microsoft.com/office/drawing/2014/main" id="{F404B57D-E10D-0B4C-B27A-8C6F49B61979}"/>
+                    </a:ext>
+                  </a:extLst>
+                </p:cNvPr>
+                <p:cNvCxnSpPr/>
+                <p:nvPr/>
+              </p:nvCxnSpPr>
+              <p:spPr>
+                <a:xfrm rot="17110431">
+                  <a:off x="7301060" y="2884501"/>
+                  <a:ext cx="132203" cy="176270"/>
+                </a:xfrm>
+                <a:prstGeom prst="line">
+                  <a:avLst/>
+                </a:prstGeom>
+                <a:ln w="38100">
+                  <a:solidFill>
+                    <a:schemeClr val="tx1"/>
+                  </a:solidFill>
+                </a:ln>
+              </p:spPr>
+              <p:style>
+                <a:lnRef idx="1">
+                  <a:schemeClr val="accent1"/>
+                </a:lnRef>
+                <a:fillRef idx="0">
+                  <a:schemeClr val="accent1"/>
+                </a:fillRef>
+                <a:effectRef idx="0">
+                  <a:schemeClr val="accent1"/>
+                </a:effectRef>
+                <a:fontRef idx="minor">
+                  <a:schemeClr val="tx1"/>
+                </a:fontRef>
+              </p:style>
+            </p:cxnSp>
+            <p:cxnSp>
+              <p:nvCxnSpPr>
+                <p:cNvPr id="118" name="Straight Connector 117">
+                  <a:extLst>
+                    <a:ext uri="{FF2B5EF4-FFF2-40B4-BE49-F238E27FC236}">
+                      <a16:creationId xmlns:a16="http://schemas.microsoft.com/office/drawing/2014/main" id="{001B950A-E15C-DE4B-AC04-29693E6014AB}"/>
+                    </a:ext>
+                  </a:extLst>
+                </p:cNvPr>
+                <p:cNvCxnSpPr/>
+                <p:nvPr/>
+              </p:nvCxnSpPr>
+              <p:spPr>
+                <a:xfrm rot="17110431" flipH="1">
+                  <a:off x="7283983" y="2983998"/>
+                  <a:ext cx="112390" cy="176270"/>
+                </a:xfrm>
+                <a:prstGeom prst="line">
+                  <a:avLst/>
+                </a:prstGeom>
+                <a:ln w="38100">
+                  <a:solidFill>
+                    <a:schemeClr val="tx1"/>
+                  </a:solidFill>
+                </a:ln>
+              </p:spPr>
+              <p:style>
+                <a:lnRef idx="1">
+                  <a:schemeClr val="accent1"/>
+                </a:lnRef>
+                <a:fillRef idx="0">
+                  <a:schemeClr val="accent1"/>
+                </a:fillRef>
+                <a:effectRef idx="0">
+                  <a:schemeClr val="accent1"/>
+                </a:effectRef>
+                <a:fontRef idx="minor">
+                  <a:schemeClr val="tx1"/>
+                </a:fontRef>
+              </p:style>
+            </p:cxnSp>
+          </p:grpSp>
+          <p:cxnSp>
+            <p:nvCxnSpPr>
+              <p:cNvPr id="132" name="Straight Connector 131">
+                <a:extLst>
+                  <a:ext uri="{FF2B5EF4-FFF2-40B4-BE49-F238E27FC236}">
+                    <a16:creationId xmlns:a16="http://schemas.microsoft.com/office/drawing/2014/main" id="{70A7AF6E-56D4-2E43-994B-2C970871E36F}"/>
+                  </a:ext>
+                </a:extLst>
+              </p:cNvPr>
+              <p:cNvCxnSpPr>
+                <a:cxnSpLocks/>
+              </p:cNvCxnSpPr>
+              <p:nvPr/>
+            </p:nvCxnSpPr>
+            <p:spPr>
+              <a:xfrm>
+                <a:off x="9768785" y="4073293"/>
+                <a:ext cx="237304" cy="98530"/>
+              </a:xfrm>
+              <a:prstGeom prst="line">
+                <a:avLst/>
+              </a:prstGeom>
+              <a:ln w="38100">
+                <a:solidFill>
+                  <a:schemeClr val="tx1"/>
+                </a:solidFill>
+              </a:ln>
+            </p:spPr>
+            <p:style>
+              <a:lnRef idx="1">
+                <a:schemeClr val="accent1"/>
+              </a:lnRef>
+              <a:fillRef idx="0">
+                <a:schemeClr val="accent1"/>
+              </a:fillRef>
+              <a:effectRef idx="0">
+                <a:schemeClr val="accent1"/>
+              </a:effectRef>
+              <a:fontRef idx="minor">
+                <a:schemeClr val="tx1"/>
+              </a:fontRef>
+            </p:style>
+          </p:cxnSp>
+          <p:cxnSp>
+            <p:nvCxnSpPr>
+              <p:cNvPr id="133" name="Straight Connector 132">
+                <a:extLst>
+                  <a:ext uri="{FF2B5EF4-FFF2-40B4-BE49-F238E27FC236}">
+                    <a16:creationId xmlns:a16="http://schemas.microsoft.com/office/drawing/2014/main" id="{81BED57E-726B-7A46-A363-F257207F38DA}"/>
+                  </a:ext>
+                </a:extLst>
+              </p:cNvPr>
+              <p:cNvCxnSpPr>
+                <a:cxnSpLocks/>
+              </p:cNvCxnSpPr>
+              <p:nvPr/>
+            </p:nvCxnSpPr>
+            <p:spPr>
+              <a:xfrm flipH="1">
+                <a:off x="9790955" y="4178939"/>
+                <a:ext cx="198965" cy="112711"/>
+              </a:xfrm>
+              <a:prstGeom prst="line">
+                <a:avLst/>
+              </a:prstGeom>
+              <a:ln w="38100">
+                <a:solidFill>
+                  <a:schemeClr val="tx1"/>
+                </a:solidFill>
+              </a:ln>
+            </p:spPr>
+            <p:style>
+              <a:lnRef idx="1">
+                <a:schemeClr val="accent1"/>
+              </a:lnRef>
+              <a:fillRef idx="0">
+                <a:schemeClr val="accent1"/>
+              </a:fillRef>
+              <a:effectRef idx="0">
+                <a:schemeClr val="accent1"/>
+              </a:effectRef>
+              <a:fontRef idx="minor">
+                <a:schemeClr val="tx1"/>
+              </a:fontRef>
+            </p:style>
+          </p:cxnSp>
+        </p:grpSp>
+      </p:grpSp>
+      <mc:AlternateContent xmlns:mc="http://schemas.openxmlformats.org/markup-compatibility/2006">
+        <mc:Choice xmlns:a14="http://schemas.microsoft.com/office/drawing/2010/main" Requires="a14">
+          <p:sp>
+            <p:nvSpPr>
+              <p:cNvPr id="141" name="TextBox 140">
+                <a:extLst>
+                  <a:ext uri="{FF2B5EF4-FFF2-40B4-BE49-F238E27FC236}">
+                    <a16:creationId xmlns:a16="http://schemas.microsoft.com/office/drawing/2014/main" id="{48669BE5-175C-9644-BFF5-0C5F5B26F126}"/>
+                  </a:ext>
+                </a:extLst>
+              </p:cNvPr>
+              <p:cNvSpPr txBox="1"/>
+              <p:nvPr/>
+            </p:nvSpPr>
+            <p:spPr>
+              <a:xfrm>
+                <a:off x="2722529" y="4608671"/>
+                <a:ext cx="431080" cy="307777"/>
+              </a:xfrm>
+              <a:prstGeom prst="rect">
+                <a:avLst/>
+              </a:prstGeom>
+              <a:noFill/>
+            </p:spPr>
+            <p:txBody>
+              <a:bodyPr wrap="none" lIns="0" tIns="0" rIns="0" bIns="0" rtlCol="0">
+                <a:spAutoFit/>
+              </a:bodyPr>
+              <a:lstStyle/>
+              <a:p>
+                <a14:m>
+                  <m:oMathPara xmlns:m="http://schemas.openxmlformats.org/officeDocument/2006/math">
+                    <m:oMathParaPr>
+                      <m:jc m:val="centerGroup"/>
+                    </m:oMathParaPr>
+                    <m:oMath xmlns:m="http://schemas.openxmlformats.org/officeDocument/2006/math">
+                      <m:r>
+                        <a:rPr lang="en-CA" sz="2000" b="0" i="1" smtClean="0">
+                          <a:latin typeface="Cambria Math" panose="02040503050406030204" pitchFamily="18" charset="0"/>
+                          <a:cs typeface="Arial" panose="020B0604020202020204" pitchFamily="34" charset="0"/>
+                        </a:rPr>
+                        <m:t>(</m:t>
+                      </m:r>
+                      <m:r>
+                        <a:rPr lang="en-CA" sz="2000" b="0" i="1" smtClean="0">
+                          <a:latin typeface="Cambria Math" panose="02040503050406030204" pitchFamily="18" charset="0"/>
+                          <a:cs typeface="Arial" panose="020B0604020202020204" pitchFamily="34" charset="0"/>
+                        </a:rPr>
+                        <m:t>𝑎</m:t>
+                      </m:r>
+                      <m:r>
+                        <a:rPr lang="en-CA" sz="2000" b="0" i="1" smtClean="0">
+                          <a:latin typeface="Cambria Math" panose="02040503050406030204" pitchFamily="18" charset="0"/>
+                          <a:cs typeface="Arial" panose="020B0604020202020204" pitchFamily="34" charset="0"/>
+                        </a:rPr>
+                        <m:t>)</m:t>
+                      </m:r>
+                    </m:oMath>
+                  </m:oMathPara>
+                </a14:m>
+                <a:endParaRPr lang="en-US" sz="2000" dirty="0">
+                  <a:latin typeface="Arial" panose="020B0604020202020204" pitchFamily="34" charset="0"/>
+                  <a:cs typeface="Arial" panose="020B0604020202020204" pitchFamily="34" charset="0"/>
+                </a:endParaRPr>
+              </a:p>
+            </p:txBody>
+          </p:sp>
+        </mc:Choice>
+        <mc:Fallback>
+          <p:sp>
+            <p:nvSpPr>
+              <p:cNvPr id="141" name="TextBox 140">
+                <a:extLst>
+                  <a:ext uri="{FF2B5EF4-FFF2-40B4-BE49-F238E27FC236}">
+                    <a16:creationId xmlns:a16="http://schemas.microsoft.com/office/drawing/2014/main" id="{48669BE5-175C-9644-BFF5-0C5F5B26F126}"/>
+                  </a:ext>
+                </a:extLst>
+              </p:cNvPr>
+              <p:cNvSpPr txBox="1">
+                <a:spLocks noRot="1" noChangeAspect="1" noMove="1" noResize="1" noEditPoints="1" noAdjustHandles="1" noChangeArrowheads="1" noChangeShapeType="1" noTextEdit="1"/>
+              </p:cNvSpPr>
+              <p:nvPr/>
+            </p:nvSpPr>
+            <p:spPr>
+              <a:xfrm>
+                <a:off x="2722529" y="4608671"/>
+                <a:ext cx="431080" cy="307777"/>
+              </a:xfrm>
+              <a:prstGeom prst="rect">
+                <a:avLst/>
+              </a:prstGeom>
+              <a:blipFill>
+                <a:blip r:embed="rId10"/>
+                <a:stretch>
+                  <a:fillRect l="-17143" r="-17143" b="-32000"/>
+                </a:stretch>
+              </a:blipFill>
+            </p:spPr>
+            <p:txBody>
+              <a:bodyPr/>
+              <a:lstStyle/>
+              <a:p>
+                <a:r>
+                  <a:rPr lang="en-US">
+                    <a:noFill/>
+                  </a:rPr>
+                  <a:t> </a:t>
+                </a:r>
+              </a:p>
+            </p:txBody>
+          </p:sp>
+        </mc:Fallback>
+      </mc:AlternateContent>
+      <mc:AlternateContent xmlns:mc="http://schemas.openxmlformats.org/markup-compatibility/2006">
+        <mc:Choice xmlns:a14="http://schemas.microsoft.com/office/drawing/2010/main" Requires="a14">
+          <p:sp>
+            <p:nvSpPr>
+              <p:cNvPr id="142" name="TextBox 141">
+                <a:extLst>
+                  <a:ext uri="{FF2B5EF4-FFF2-40B4-BE49-F238E27FC236}">
+                    <a16:creationId xmlns:a16="http://schemas.microsoft.com/office/drawing/2014/main" id="{EB15AB6D-23FD-9F41-AD10-04D1B2701869}"/>
+                  </a:ext>
+                </a:extLst>
+              </p:cNvPr>
+              <p:cNvSpPr txBox="1"/>
+              <p:nvPr/>
+            </p:nvSpPr>
+            <p:spPr>
+              <a:xfrm>
+                <a:off x="6202198" y="4608671"/>
+                <a:ext cx="425629" cy="307777"/>
+              </a:xfrm>
+              <a:prstGeom prst="rect">
+                <a:avLst/>
+              </a:prstGeom>
+              <a:noFill/>
+            </p:spPr>
+            <p:txBody>
+              <a:bodyPr wrap="none" lIns="0" tIns="0" rIns="0" bIns="0" rtlCol="0">
+                <a:spAutoFit/>
+              </a:bodyPr>
+              <a:lstStyle/>
+              <a:p>
+                <a14:m>
+                  <m:oMathPara xmlns:m="http://schemas.openxmlformats.org/officeDocument/2006/math">
+                    <m:oMathParaPr>
+                      <m:jc m:val="centerGroup"/>
+                    </m:oMathParaPr>
+                    <m:oMath xmlns:m="http://schemas.openxmlformats.org/officeDocument/2006/math">
+                      <m:r>
+                        <a:rPr lang="en-CA" sz="2000" b="0" i="1" smtClean="0">
+                          <a:latin typeface="Cambria Math" panose="02040503050406030204" pitchFamily="18" charset="0"/>
+                          <a:cs typeface="Arial" panose="020B0604020202020204" pitchFamily="34" charset="0"/>
+                        </a:rPr>
+                        <m:t>(</m:t>
+                      </m:r>
+                      <m:r>
+                        <a:rPr lang="en-CA" sz="2000" b="0" i="1" smtClean="0">
+                          <a:latin typeface="Cambria Math" panose="02040503050406030204" pitchFamily="18" charset="0"/>
+                          <a:cs typeface="Arial" panose="020B0604020202020204" pitchFamily="34" charset="0"/>
+                        </a:rPr>
+                        <m:t>𝑏</m:t>
+                      </m:r>
+                      <m:r>
+                        <a:rPr lang="en-CA" sz="2000" b="0" i="1" smtClean="0">
+                          <a:latin typeface="Cambria Math" panose="02040503050406030204" pitchFamily="18" charset="0"/>
+                          <a:cs typeface="Arial" panose="020B0604020202020204" pitchFamily="34" charset="0"/>
+                        </a:rPr>
+                        <m:t>)</m:t>
+                      </m:r>
+                    </m:oMath>
+                  </m:oMathPara>
+                </a14:m>
+                <a:endParaRPr lang="en-US" sz="2000" dirty="0">
+                  <a:latin typeface="Arial" panose="020B0604020202020204" pitchFamily="34" charset="0"/>
+                  <a:cs typeface="Arial" panose="020B0604020202020204" pitchFamily="34" charset="0"/>
+                </a:endParaRPr>
+              </a:p>
+            </p:txBody>
+          </p:sp>
+        </mc:Choice>
+        <mc:Fallback>
+          <p:sp>
+            <p:nvSpPr>
+              <p:cNvPr id="142" name="TextBox 141">
+                <a:extLst>
+                  <a:ext uri="{FF2B5EF4-FFF2-40B4-BE49-F238E27FC236}">
+                    <a16:creationId xmlns:a16="http://schemas.microsoft.com/office/drawing/2014/main" id="{EB15AB6D-23FD-9F41-AD10-04D1B2701869}"/>
+                  </a:ext>
+                </a:extLst>
+              </p:cNvPr>
+              <p:cNvSpPr txBox="1">
+                <a:spLocks noRot="1" noChangeAspect="1" noMove="1" noResize="1" noEditPoints="1" noAdjustHandles="1" noChangeArrowheads="1" noChangeShapeType="1" noTextEdit="1"/>
+              </p:cNvSpPr>
+              <p:nvPr/>
+            </p:nvSpPr>
+            <p:spPr>
+              <a:xfrm>
+                <a:off x="6202198" y="4608671"/>
+                <a:ext cx="425629" cy="307777"/>
+              </a:xfrm>
+              <a:prstGeom prst="rect">
+                <a:avLst/>
+              </a:prstGeom>
+              <a:blipFill>
+                <a:blip r:embed="rId11"/>
+                <a:stretch>
+                  <a:fillRect l="-17143" r="-17143" b="-32000"/>
+                </a:stretch>
+              </a:blipFill>
+            </p:spPr>
+            <p:txBody>
+              <a:bodyPr/>
+              <a:lstStyle/>
+              <a:p>
+                <a:r>
+                  <a:rPr lang="en-US">
+                    <a:noFill/>
+                  </a:rPr>
+                  <a:t> </a:t>
+                </a:r>
+              </a:p>
+            </p:txBody>
+          </p:sp>
+        </mc:Fallback>
+      </mc:AlternateContent>
+      <mc:AlternateContent xmlns:mc="http://schemas.openxmlformats.org/markup-compatibility/2006">
+        <mc:Choice xmlns:a14="http://schemas.microsoft.com/office/drawing/2010/main" Requires="a14">
+          <p:sp>
+            <p:nvSpPr>
+              <p:cNvPr id="143" name="TextBox 142">
+                <a:extLst>
+                  <a:ext uri="{FF2B5EF4-FFF2-40B4-BE49-F238E27FC236}">
+                    <a16:creationId xmlns:a16="http://schemas.microsoft.com/office/drawing/2014/main" id="{52920866-92F2-8348-B4CB-FF339F35DA96}"/>
+                  </a:ext>
+                </a:extLst>
+              </p:cNvPr>
+              <p:cNvSpPr txBox="1"/>
+              <p:nvPr/>
+            </p:nvSpPr>
+            <p:spPr>
+              <a:xfrm>
+                <a:off x="10643390" y="4608671"/>
+                <a:ext cx="408894" cy="307777"/>
+              </a:xfrm>
+              <a:prstGeom prst="rect">
+                <a:avLst/>
+              </a:prstGeom>
+              <a:noFill/>
+            </p:spPr>
+            <p:txBody>
+              <a:bodyPr wrap="none" lIns="0" tIns="0" rIns="0" bIns="0" rtlCol="0">
+                <a:spAutoFit/>
+              </a:bodyPr>
+              <a:lstStyle/>
+              <a:p>
+                <a14:m>
+                  <m:oMathPara xmlns:m="http://schemas.openxmlformats.org/officeDocument/2006/math">
+                    <m:oMathParaPr>
+                      <m:jc m:val="centerGroup"/>
+                    </m:oMathParaPr>
+                    <m:oMath xmlns:m="http://schemas.openxmlformats.org/officeDocument/2006/math">
+                      <m:r>
+                        <a:rPr lang="en-CA" sz="2000" b="0" i="1" smtClean="0">
+                          <a:latin typeface="Cambria Math" panose="02040503050406030204" pitchFamily="18" charset="0"/>
+                          <a:cs typeface="Arial" panose="020B0604020202020204" pitchFamily="34" charset="0"/>
+                        </a:rPr>
+                        <m:t>(</m:t>
+                      </m:r>
+                      <m:r>
+                        <a:rPr lang="en-CA" sz="2000" b="0" i="1" smtClean="0">
+                          <a:latin typeface="Cambria Math" panose="02040503050406030204" pitchFamily="18" charset="0"/>
+                          <a:cs typeface="Arial" panose="020B0604020202020204" pitchFamily="34" charset="0"/>
+                        </a:rPr>
+                        <m:t>𝑐</m:t>
+                      </m:r>
+                      <m:r>
+                        <a:rPr lang="en-CA" sz="2000" b="0" i="1" smtClean="0">
+                          <a:latin typeface="Cambria Math" panose="02040503050406030204" pitchFamily="18" charset="0"/>
+                          <a:cs typeface="Arial" panose="020B0604020202020204" pitchFamily="34" charset="0"/>
+                        </a:rPr>
+                        <m:t>)</m:t>
+                      </m:r>
+                    </m:oMath>
+                  </m:oMathPara>
+                </a14:m>
+                <a:endParaRPr lang="en-US" sz="2000" dirty="0">
+                  <a:latin typeface="Arial" panose="020B0604020202020204" pitchFamily="34" charset="0"/>
+                  <a:cs typeface="Arial" panose="020B0604020202020204" pitchFamily="34" charset="0"/>
+                </a:endParaRPr>
+              </a:p>
+            </p:txBody>
+          </p:sp>
+        </mc:Choice>
+        <mc:Fallback>
+          <p:sp>
+            <p:nvSpPr>
+              <p:cNvPr id="143" name="TextBox 142">
+                <a:extLst>
+                  <a:ext uri="{FF2B5EF4-FFF2-40B4-BE49-F238E27FC236}">
+                    <a16:creationId xmlns:a16="http://schemas.microsoft.com/office/drawing/2014/main" id="{52920866-92F2-8348-B4CB-FF339F35DA96}"/>
+                  </a:ext>
+                </a:extLst>
+              </p:cNvPr>
+              <p:cNvSpPr txBox="1">
+                <a:spLocks noRot="1" noChangeAspect="1" noMove="1" noResize="1" noEditPoints="1" noAdjustHandles="1" noChangeArrowheads="1" noChangeShapeType="1" noTextEdit="1"/>
+              </p:cNvSpPr>
+              <p:nvPr/>
+            </p:nvSpPr>
+            <p:spPr>
+              <a:xfrm>
+                <a:off x="10643390" y="4608671"/>
+                <a:ext cx="408894" cy="307777"/>
+              </a:xfrm>
+              <a:prstGeom prst="rect">
+                <a:avLst/>
+              </a:prstGeom>
+              <a:blipFill>
+                <a:blip r:embed="rId12"/>
+                <a:stretch>
+                  <a:fillRect l="-18182" r="-18182" b="-32000"/>
+                </a:stretch>
+              </a:blipFill>
+            </p:spPr>
+            <p:txBody>
+              <a:bodyPr/>
+              <a:lstStyle/>
+              <a:p>
+                <a:r>
+                  <a:rPr lang="en-US">
+                    <a:noFill/>
+                  </a:rPr>
+                  <a:t> </a:t>
+                </a:r>
+              </a:p>
+            </p:txBody>
+          </p:sp>
+        </mc:Fallback>
+      </mc:AlternateContent>
+    </p:spTree>
+    <p:extLst>
+      <p:ext uri="{BB962C8B-B14F-4D97-AF65-F5344CB8AC3E}">
+        <p14:creationId xmlns:p14="http://schemas.microsoft.com/office/powerpoint/2010/main" val="1135091936"/>
       </p:ext>
     </p:extLst>
   </p:cSld>
@@ -51871,8 +55506,8 @@
             </a:fontRef>
           </p:style>
         </p:cxnSp>
-        <mc:AlternateContent xmlns:mc="http://schemas.openxmlformats.org/markup-compatibility/2006">
-          <mc:Choice xmlns:a14="http://schemas.microsoft.com/office/drawing/2010/main" Requires="a14">
+        <mc:AlternateContent xmlns:mc="http://schemas.openxmlformats.org/markup-compatibility/2006" xmlns:a14="http://schemas.microsoft.com/office/drawing/2010/main">
+          <mc:Choice Requires="a14">
             <p:sp>
               <p:nvSpPr>
                 <p:cNvPr id="47" name="TextBox 46">
@@ -51939,7 +55574,7 @@
               </p:txBody>
             </p:sp>
           </mc:Choice>
-          <mc:Fallback>
+          <mc:Fallback xmlns="">
             <p:sp>
               <p:nvSpPr>
                 <p:cNvPr id="47" name="TextBox 46">
@@ -51984,8 +55619,8 @@
             </p:sp>
           </mc:Fallback>
         </mc:AlternateContent>
-        <mc:AlternateContent xmlns:mc="http://schemas.openxmlformats.org/markup-compatibility/2006">
-          <mc:Choice xmlns:a14="http://schemas.microsoft.com/office/drawing/2010/main" Requires="a14">
+        <mc:AlternateContent xmlns:mc="http://schemas.openxmlformats.org/markup-compatibility/2006" xmlns:a14="http://schemas.microsoft.com/office/drawing/2010/main">
+          <mc:Choice Requires="a14">
             <p:sp>
               <p:nvSpPr>
                 <p:cNvPr id="69" name="TextBox 68">
@@ -52067,7 +55702,7 @@
               </p:txBody>
             </p:sp>
           </mc:Choice>
-          <mc:Fallback>
+          <mc:Fallback xmlns="">
             <p:sp>
               <p:nvSpPr>
                 <p:cNvPr id="69" name="TextBox 68">

--- a/tex/figures/Induction/Figures.pptx
+++ b/tex/figures/Induction/Figures.pptx
@@ -9,8 +9,8 @@
   </p:notesMasterIdLst>
   <p:sldIdLst>
     <p:sldId id="271" r:id="rId2"/>
-    <p:sldId id="299" r:id="rId3"/>
-    <p:sldId id="304" r:id="rId4"/>
+    <p:sldId id="304" r:id="rId3"/>
+    <p:sldId id="299" r:id="rId4"/>
     <p:sldId id="300" r:id="rId5"/>
     <p:sldId id="301" r:id="rId6"/>
     <p:sldId id="302" r:id="rId7"/>
@@ -832,7 +832,7 @@
           <a:p>
             <a:fld id="{FA15A6B2-55AC-CD4B-A1E6-BB01091FE9DC}" type="datetimeFigureOut">
               <a:rPr lang="en-US" smtClean="0"/>
-              <a:t>8/2/20</a:t>
+              <a:t>8/21/2019</a:t>
             </a:fld>
             <a:endParaRPr lang="en-US"/>
           </a:p>
@@ -1361,7 +1361,7 @@
           <a:p>
             <a:fld id="{F7249F8D-641B-4CAF-BAE5-10524742F6F1}" type="datetimeFigureOut">
               <a:rPr lang="en-CA" smtClean="0"/>
-              <a:t>2020-08-02</a:t>
+              <a:t>2019-08-21</a:t>
             </a:fld>
             <a:endParaRPr lang="en-CA"/>
           </a:p>
@@ -1531,7 +1531,7 @@
           <a:p>
             <a:fld id="{F7249F8D-641B-4CAF-BAE5-10524742F6F1}" type="datetimeFigureOut">
               <a:rPr lang="en-CA" smtClean="0"/>
-              <a:t>2020-08-02</a:t>
+              <a:t>2019-08-21</a:t>
             </a:fld>
             <a:endParaRPr lang="en-CA"/>
           </a:p>
@@ -1711,7 +1711,7 @@
           <a:p>
             <a:fld id="{F7249F8D-641B-4CAF-BAE5-10524742F6F1}" type="datetimeFigureOut">
               <a:rPr lang="en-CA" smtClean="0"/>
-              <a:t>2020-08-02</a:t>
+              <a:t>2019-08-21</a:t>
             </a:fld>
             <a:endParaRPr lang="en-CA"/>
           </a:p>
@@ -1881,7 +1881,7 @@
           <a:p>
             <a:fld id="{F7249F8D-641B-4CAF-BAE5-10524742F6F1}" type="datetimeFigureOut">
               <a:rPr lang="en-CA" smtClean="0"/>
-              <a:t>2020-08-02</a:t>
+              <a:t>2019-08-21</a:t>
             </a:fld>
             <a:endParaRPr lang="en-CA"/>
           </a:p>
@@ -2127,7 +2127,7 @@
           <a:p>
             <a:fld id="{F7249F8D-641B-4CAF-BAE5-10524742F6F1}" type="datetimeFigureOut">
               <a:rPr lang="en-CA" smtClean="0"/>
-              <a:t>2020-08-02</a:t>
+              <a:t>2019-08-21</a:t>
             </a:fld>
             <a:endParaRPr lang="en-CA"/>
           </a:p>
@@ -2359,7 +2359,7 @@
           <a:p>
             <a:fld id="{F7249F8D-641B-4CAF-BAE5-10524742F6F1}" type="datetimeFigureOut">
               <a:rPr lang="en-CA" smtClean="0"/>
-              <a:t>2020-08-02</a:t>
+              <a:t>2019-08-21</a:t>
             </a:fld>
             <a:endParaRPr lang="en-CA"/>
           </a:p>
@@ -2726,7 +2726,7 @@
           <a:p>
             <a:fld id="{F7249F8D-641B-4CAF-BAE5-10524742F6F1}" type="datetimeFigureOut">
               <a:rPr lang="en-CA" smtClean="0"/>
-              <a:t>2020-08-02</a:t>
+              <a:t>2019-08-21</a:t>
             </a:fld>
             <a:endParaRPr lang="en-CA"/>
           </a:p>
@@ -2844,7 +2844,7 @@
           <a:p>
             <a:fld id="{F7249F8D-641B-4CAF-BAE5-10524742F6F1}" type="datetimeFigureOut">
               <a:rPr lang="en-CA" smtClean="0"/>
-              <a:t>2020-08-02</a:t>
+              <a:t>2019-08-21</a:t>
             </a:fld>
             <a:endParaRPr lang="en-CA"/>
           </a:p>
@@ -2939,7 +2939,7 @@
           <a:p>
             <a:fld id="{F7249F8D-641B-4CAF-BAE5-10524742F6F1}" type="datetimeFigureOut">
               <a:rPr lang="en-CA" smtClean="0"/>
-              <a:t>2020-08-02</a:t>
+              <a:t>2019-08-21</a:t>
             </a:fld>
             <a:endParaRPr lang="en-CA"/>
           </a:p>
@@ -3216,7 +3216,7 @@
           <a:p>
             <a:fld id="{F7249F8D-641B-4CAF-BAE5-10524742F6F1}" type="datetimeFigureOut">
               <a:rPr lang="en-CA" smtClean="0"/>
-              <a:t>2020-08-02</a:t>
+              <a:t>2019-08-21</a:t>
             </a:fld>
             <a:endParaRPr lang="en-CA"/>
           </a:p>
@@ -3469,7 +3469,7 @@
           <a:p>
             <a:fld id="{F7249F8D-641B-4CAF-BAE5-10524742F6F1}" type="datetimeFigureOut">
               <a:rPr lang="en-CA" smtClean="0"/>
-              <a:t>2020-08-02</a:t>
+              <a:t>2019-08-21</a:t>
             </a:fld>
             <a:endParaRPr lang="en-CA"/>
           </a:p>
@@ -3682,7 +3682,7 @@
           <a:p>
             <a:fld id="{F7249F8D-641B-4CAF-BAE5-10524742F6F1}" type="datetimeFigureOut">
               <a:rPr lang="en-CA" smtClean="0"/>
-              <a:t>2020-08-02</a:t>
+              <a:t>2019-08-21</a:t>
             </a:fld>
             <a:endParaRPr lang="en-CA"/>
           </a:p>
@@ -12737,13 +12737,430 @@
       </p:grpSpPr>
       <p:grpSp>
         <p:nvGrpSpPr>
+          <p:cNvPr id="4" name="Group 3"/>
+          <p:cNvGrpSpPr/>
+          <p:nvPr/>
+        </p:nvGrpSpPr>
+        <p:grpSpPr>
+          <a:xfrm>
+            <a:off x="8493145" y="120878"/>
+            <a:ext cx="3592693" cy="3712027"/>
+            <a:chOff x="6322609" y="696686"/>
+            <a:chExt cx="3592693" cy="3712027"/>
+          </a:xfrm>
+        </p:grpSpPr>
+        <p:cxnSp>
+          <p:nvCxnSpPr>
+            <p:cNvPr id="5" name="Straight Arrow Connector 4"/>
+            <p:cNvCxnSpPr/>
+            <p:nvPr/>
+          </p:nvCxnSpPr>
+          <p:spPr>
+            <a:xfrm flipV="1">
+              <a:off x="7010400" y="696686"/>
+              <a:ext cx="0" cy="2797914"/>
+            </a:xfrm>
+            <a:prstGeom prst="straightConnector1">
+              <a:avLst/>
+            </a:prstGeom>
+            <a:ln w="38100">
+              <a:solidFill>
+                <a:schemeClr val="tx1"/>
+              </a:solidFill>
+              <a:tailEnd type="triangle"/>
+            </a:ln>
+          </p:spPr>
+          <p:style>
+            <a:lnRef idx="1">
+              <a:schemeClr val="accent1"/>
+            </a:lnRef>
+            <a:fillRef idx="0">
+              <a:schemeClr val="accent1"/>
+            </a:fillRef>
+            <a:effectRef idx="0">
+              <a:schemeClr val="accent1"/>
+            </a:effectRef>
+            <a:fontRef idx="minor">
+              <a:schemeClr val="tx1"/>
+            </a:fontRef>
+          </p:style>
+        </p:cxnSp>
+        <p:cxnSp>
+          <p:nvCxnSpPr>
+            <p:cNvPr id="6" name="Straight Arrow Connector 5"/>
+            <p:cNvCxnSpPr/>
+            <p:nvPr/>
+          </p:nvCxnSpPr>
+          <p:spPr>
+            <a:xfrm flipV="1">
+              <a:off x="7010400" y="3507379"/>
+              <a:ext cx="2797629" cy="1"/>
+            </a:xfrm>
+            <a:prstGeom prst="straightConnector1">
+              <a:avLst/>
+            </a:prstGeom>
+            <a:ln w="38100">
+              <a:solidFill>
+                <a:schemeClr val="tx1"/>
+              </a:solidFill>
+              <a:tailEnd type="triangle"/>
+            </a:ln>
+          </p:spPr>
+          <p:style>
+            <a:lnRef idx="1">
+              <a:schemeClr val="accent1"/>
+            </a:lnRef>
+            <a:fillRef idx="0">
+              <a:schemeClr val="accent1"/>
+            </a:fillRef>
+            <a:effectRef idx="0">
+              <a:schemeClr val="accent1"/>
+            </a:effectRef>
+            <a:fontRef idx="minor">
+              <a:schemeClr val="tx1"/>
+            </a:fontRef>
+          </p:style>
+        </p:cxnSp>
+        <p:cxnSp>
+          <p:nvCxnSpPr>
+            <p:cNvPr id="7" name="Straight Arrow Connector 6"/>
+            <p:cNvCxnSpPr/>
+            <p:nvPr/>
+          </p:nvCxnSpPr>
+          <p:spPr>
+            <a:xfrm flipH="1">
+              <a:off x="6455228" y="3507379"/>
+              <a:ext cx="555171" cy="901334"/>
+            </a:xfrm>
+            <a:prstGeom prst="straightConnector1">
+              <a:avLst/>
+            </a:prstGeom>
+            <a:ln w="38100">
+              <a:solidFill>
+                <a:schemeClr val="tx1"/>
+              </a:solidFill>
+              <a:tailEnd type="triangle"/>
+            </a:ln>
+          </p:spPr>
+          <p:style>
+            <a:lnRef idx="1">
+              <a:schemeClr val="accent1"/>
+            </a:lnRef>
+            <a:fillRef idx="0">
+              <a:schemeClr val="accent1"/>
+            </a:fillRef>
+            <a:effectRef idx="0">
+              <a:schemeClr val="accent1"/>
+            </a:effectRef>
+            <a:fontRef idx="minor">
+              <a:schemeClr val="tx1"/>
+            </a:fontRef>
+          </p:style>
+        </p:cxnSp>
+        <mc:AlternateContent xmlns:mc="http://schemas.openxmlformats.org/markup-compatibility/2006" xmlns:a14="http://schemas.microsoft.com/office/drawing/2010/main">
+          <mc:Choice Requires="a14">
+            <p:sp>
+              <p:nvSpPr>
+                <p:cNvPr id="8" name="TextBox 7"/>
+                <p:cNvSpPr txBox="1"/>
+                <p:nvPr/>
+              </p:nvSpPr>
+              <p:spPr>
+                <a:xfrm>
+                  <a:off x="9700756" y="3494600"/>
+                  <a:ext cx="214546" cy="307777"/>
+                </a:xfrm>
+                <a:prstGeom prst="rect">
+                  <a:avLst/>
+                </a:prstGeom>
+                <a:noFill/>
+              </p:spPr>
+              <p:txBody>
+                <a:bodyPr wrap="none" lIns="0" tIns="0" rIns="0" bIns="0" rtlCol="0">
+                  <a:spAutoFit/>
+                </a:bodyPr>
+                <a:lstStyle/>
+                <a:p>
+                  <a:pPr/>
+                  <a14:m>
+                    <m:oMathPara xmlns:m="http://schemas.openxmlformats.org/officeDocument/2006/math">
+                      <m:oMathParaPr>
+                        <m:jc m:val="centerGroup"/>
+                      </m:oMathParaPr>
+                      <m:oMath xmlns:m="http://schemas.openxmlformats.org/officeDocument/2006/math">
+                        <m:r>
+                          <a:rPr lang="en-US" sz="2000" b="0" i="1" smtClean="0">
+                            <a:latin typeface="Cambria Math" panose="02040503050406030204" pitchFamily="18" charset="0"/>
+                            <a:cs typeface="Arial" panose="020B0604020202020204" pitchFamily="34" charset="0"/>
+                          </a:rPr>
+                          <m:t>𝑥</m:t>
+                        </m:r>
+                      </m:oMath>
+                    </m:oMathPara>
+                  </a14:m>
+                  <a:endParaRPr lang="en-US" sz="2000" dirty="0">
+                    <a:latin typeface="Arial" panose="020B0604020202020204" pitchFamily="34" charset="0"/>
+                    <a:cs typeface="Arial" panose="020B0604020202020204" pitchFamily="34" charset="0"/>
+                  </a:endParaRPr>
+                </a:p>
+              </p:txBody>
+            </p:sp>
+          </mc:Choice>
+          <mc:Fallback xmlns="">
+            <p:sp>
+              <p:nvSpPr>
+                <p:cNvPr id="8" name="TextBox 7"/>
+                <p:cNvSpPr txBox="1">
+                  <a:spLocks noRot="1" noChangeAspect="1" noMove="1" noResize="1" noEditPoints="1" noAdjustHandles="1" noChangeArrowheads="1" noChangeShapeType="1" noTextEdit="1"/>
+                </p:cNvSpPr>
+                <p:nvPr/>
+              </p:nvSpPr>
+              <p:spPr>
+                <a:xfrm>
+                  <a:off x="9700756" y="3494600"/>
+                  <a:ext cx="214546" cy="307777"/>
+                </a:xfrm>
+                <a:prstGeom prst="rect">
+                  <a:avLst/>
+                </a:prstGeom>
+                <a:blipFill>
+                  <a:blip r:embed="rId2"/>
+                  <a:stretch>
+                    <a:fillRect l="-11111" r="-8333" b="-2000"/>
+                  </a:stretch>
+                </a:blipFill>
+              </p:spPr>
+              <p:txBody>
+                <a:bodyPr/>
+                <a:lstStyle/>
+                <a:p>
+                  <a:r>
+                    <a:rPr lang="en-US">
+                      <a:noFill/>
+                    </a:rPr>
+                    <a:t> </a:t>
+                  </a:r>
+                </a:p>
+              </p:txBody>
+            </p:sp>
+          </mc:Fallback>
+        </mc:AlternateContent>
+        <mc:AlternateContent xmlns:mc="http://schemas.openxmlformats.org/markup-compatibility/2006" xmlns:a14="http://schemas.microsoft.com/office/drawing/2010/main">
+          <mc:Choice Requires="a14">
+            <p:sp>
+              <p:nvSpPr>
+                <p:cNvPr id="9" name="TextBox 8"/>
+                <p:cNvSpPr txBox="1"/>
+                <p:nvPr/>
+              </p:nvSpPr>
+              <p:spPr>
+                <a:xfrm>
+                  <a:off x="6762917" y="699452"/>
+                  <a:ext cx="219163" cy="307777"/>
+                </a:xfrm>
+                <a:prstGeom prst="rect">
+                  <a:avLst/>
+                </a:prstGeom>
+                <a:noFill/>
+              </p:spPr>
+              <p:txBody>
+                <a:bodyPr wrap="none" lIns="0" tIns="0" rIns="0" bIns="0" rtlCol="0">
+                  <a:spAutoFit/>
+                </a:bodyPr>
+                <a:lstStyle/>
+                <a:p>
+                  <a:pPr/>
+                  <a14:m>
+                    <m:oMathPara xmlns:m="http://schemas.openxmlformats.org/officeDocument/2006/math">
+                      <m:oMathParaPr>
+                        <m:jc m:val="centerGroup"/>
+                      </m:oMathParaPr>
+                      <m:oMath xmlns:m="http://schemas.openxmlformats.org/officeDocument/2006/math">
+                        <m:r>
+                          <a:rPr lang="en-US" sz="2000" b="0" i="1" smtClean="0">
+                            <a:latin typeface="Cambria Math" panose="02040503050406030204" pitchFamily="18" charset="0"/>
+                            <a:cs typeface="Arial" panose="020B0604020202020204" pitchFamily="34" charset="0"/>
+                          </a:rPr>
+                          <m:t>𝑦</m:t>
+                        </m:r>
+                      </m:oMath>
+                    </m:oMathPara>
+                  </a14:m>
+                  <a:endParaRPr lang="en-US" sz="2000" dirty="0">
+                    <a:latin typeface="Arial" panose="020B0604020202020204" pitchFamily="34" charset="0"/>
+                    <a:cs typeface="Arial" panose="020B0604020202020204" pitchFamily="34" charset="0"/>
+                  </a:endParaRPr>
+                </a:p>
+              </p:txBody>
+            </p:sp>
+          </mc:Choice>
+          <mc:Fallback xmlns="">
+            <p:sp>
+              <p:nvSpPr>
+                <p:cNvPr id="9" name="TextBox 8"/>
+                <p:cNvSpPr txBox="1">
+                  <a:spLocks noRot="1" noChangeAspect="1" noMove="1" noResize="1" noEditPoints="1" noAdjustHandles="1" noChangeArrowheads="1" noChangeShapeType="1" noTextEdit="1"/>
+                </p:cNvSpPr>
+                <p:nvPr/>
+              </p:nvSpPr>
+              <p:spPr>
+                <a:xfrm>
+                  <a:off x="6762917" y="699452"/>
+                  <a:ext cx="219163" cy="307777"/>
+                </a:xfrm>
+                <a:prstGeom prst="rect">
+                  <a:avLst/>
+                </a:prstGeom>
+                <a:blipFill>
+                  <a:blip r:embed="rId3"/>
+                  <a:stretch>
+                    <a:fillRect l="-25000" r="-25000" b="-27451"/>
+                  </a:stretch>
+                </a:blipFill>
+              </p:spPr>
+              <p:txBody>
+                <a:bodyPr/>
+                <a:lstStyle/>
+                <a:p>
+                  <a:r>
+                    <a:rPr lang="en-US">
+                      <a:noFill/>
+                    </a:rPr>
+                    <a:t> </a:t>
+                  </a:r>
+                </a:p>
+              </p:txBody>
+            </p:sp>
+          </mc:Fallback>
+        </mc:AlternateContent>
+        <mc:AlternateContent xmlns:mc="http://schemas.openxmlformats.org/markup-compatibility/2006" xmlns:a14="http://schemas.microsoft.com/office/drawing/2010/main">
+          <mc:Choice Requires="a14">
+            <p:sp>
+              <p:nvSpPr>
+                <p:cNvPr id="10" name="TextBox 9"/>
+                <p:cNvSpPr txBox="1"/>
+                <p:nvPr/>
+              </p:nvSpPr>
+              <p:spPr>
+                <a:xfrm>
+                  <a:off x="6322609" y="4003221"/>
+                  <a:ext cx="198324" cy="307777"/>
+                </a:xfrm>
+                <a:prstGeom prst="rect">
+                  <a:avLst/>
+                </a:prstGeom>
+                <a:noFill/>
+              </p:spPr>
+              <p:txBody>
+                <a:bodyPr wrap="none" lIns="0" tIns="0" rIns="0" bIns="0" rtlCol="0">
+                  <a:spAutoFit/>
+                </a:bodyPr>
+                <a:lstStyle/>
+                <a:p>
+                  <a:pPr/>
+                  <a14:m>
+                    <m:oMathPara xmlns:m="http://schemas.openxmlformats.org/officeDocument/2006/math">
+                      <m:oMathParaPr>
+                        <m:jc m:val="centerGroup"/>
+                      </m:oMathParaPr>
+                      <m:oMath xmlns:m="http://schemas.openxmlformats.org/officeDocument/2006/math">
+                        <m:r>
+                          <a:rPr lang="en-US" sz="2000" b="0" i="1" smtClean="0">
+                            <a:latin typeface="Cambria Math" panose="02040503050406030204" pitchFamily="18" charset="0"/>
+                            <a:cs typeface="Arial" panose="020B0604020202020204" pitchFamily="34" charset="0"/>
+                          </a:rPr>
+                          <m:t>𝑧</m:t>
+                        </m:r>
+                      </m:oMath>
+                    </m:oMathPara>
+                  </a14:m>
+                  <a:endParaRPr lang="en-US" sz="2000" dirty="0">
+                    <a:latin typeface="Arial" panose="020B0604020202020204" pitchFamily="34" charset="0"/>
+                    <a:cs typeface="Arial" panose="020B0604020202020204" pitchFamily="34" charset="0"/>
+                  </a:endParaRPr>
+                </a:p>
+              </p:txBody>
+            </p:sp>
+          </mc:Choice>
+          <mc:Fallback xmlns="">
+            <p:sp>
+              <p:nvSpPr>
+                <p:cNvPr id="10" name="TextBox 9"/>
+                <p:cNvSpPr txBox="1">
+                  <a:spLocks noRot="1" noChangeAspect="1" noMove="1" noResize="1" noEditPoints="1" noAdjustHandles="1" noChangeArrowheads="1" noChangeShapeType="1" noTextEdit="1"/>
+                </p:cNvSpPr>
+                <p:nvPr/>
+              </p:nvSpPr>
+              <p:spPr>
+                <a:xfrm>
+                  <a:off x="6322609" y="4003221"/>
+                  <a:ext cx="198324" cy="307777"/>
+                </a:xfrm>
+                <a:prstGeom prst="rect">
+                  <a:avLst/>
+                </a:prstGeom>
+                <a:blipFill>
+                  <a:blip r:embed="rId4"/>
+                  <a:stretch>
+                    <a:fillRect l="-12121" r="-12121" b="-1961"/>
+                  </a:stretch>
+                </a:blipFill>
+              </p:spPr>
+              <p:txBody>
+                <a:bodyPr/>
+                <a:lstStyle/>
+                <a:p>
+                  <a:r>
+                    <a:rPr lang="en-US">
+                      <a:noFill/>
+                    </a:rPr>
+                    <a:t> </a:t>
+                  </a:r>
+                </a:p>
+              </p:txBody>
+            </p:sp>
+          </mc:Fallback>
+        </mc:AlternateContent>
+      </p:grpSp>
+    </p:spTree>
+    <p:extLst>
+      <p:ext uri="{BB962C8B-B14F-4D97-AF65-F5344CB8AC3E}">
+        <p14:creationId xmlns:p14="http://schemas.microsoft.com/office/powerpoint/2010/main" val="1135091936"/>
+      </p:ext>
+    </p:extLst>
+  </p:cSld>
+  <p:clrMapOvr>
+    <a:masterClrMapping/>
+  </p:clrMapOvr>
+</p:sld>
+</file>
+
+<file path=ppt/slides/slide3.xml><?xml version="1.0" encoding="utf-8"?>
+<p:sld xmlns:a="http://schemas.openxmlformats.org/drawingml/2006/main" xmlns:r="http://schemas.openxmlformats.org/officeDocument/2006/relationships" xmlns:p="http://schemas.openxmlformats.org/presentationml/2006/main">
+  <p:cSld>
+    <p:spTree>
+      <p:nvGrpSpPr>
+        <p:cNvPr id="1" name=""/>
+        <p:cNvGrpSpPr/>
+        <p:nvPr/>
+      </p:nvGrpSpPr>
+      <p:grpSpPr>
+        <a:xfrm>
+          <a:off x="0" y="0"/>
+          <a:ext cx="0" cy="0"/>
+          <a:chOff x="0" y="0"/>
+          <a:chExt cx="0" cy="0"/>
+        </a:xfrm>
+      </p:grpSpPr>
+      <p:grpSp>
+        <p:nvGrpSpPr>
           <p:cNvPr id="166" name="Group 165"/>
           <p:cNvGrpSpPr/>
           <p:nvPr/>
         </p:nvGrpSpPr>
         <p:grpSpPr>
           <a:xfrm>
-            <a:off x="402077" y="323628"/>
+            <a:off x="937654" y="441194"/>
             <a:ext cx="6428374" cy="3582166"/>
             <a:chOff x="937654" y="441194"/>
             <a:chExt cx="6428374" cy="3582166"/>
@@ -15915,4062 +16332,10 @@
           </mc:Fallback>
         </mc:AlternateContent>
       </p:grpSp>
-      <p:grpSp>
-        <p:nvGrpSpPr>
-          <p:cNvPr id="155" name="Group 154">
-            <a:extLst>
-              <a:ext uri="{FF2B5EF4-FFF2-40B4-BE49-F238E27FC236}">
-                <a16:creationId xmlns:a16="http://schemas.microsoft.com/office/drawing/2014/main" id="{B080555A-1868-4646-90FD-B0BD0027C1E9}"/>
-              </a:ext>
-            </a:extLst>
-          </p:cNvPr>
-          <p:cNvGrpSpPr/>
-          <p:nvPr/>
-        </p:nvGrpSpPr>
-        <p:grpSpPr>
-          <a:xfrm>
-            <a:off x="8493145" y="120878"/>
-            <a:ext cx="3592693" cy="3712027"/>
-            <a:chOff x="6322609" y="696686"/>
-            <a:chExt cx="3592693" cy="3712027"/>
-          </a:xfrm>
-        </p:grpSpPr>
-        <p:cxnSp>
-          <p:nvCxnSpPr>
-            <p:cNvPr id="157" name="Straight Arrow Connector 156">
-              <a:extLst>
-                <a:ext uri="{FF2B5EF4-FFF2-40B4-BE49-F238E27FC236}">
-                  <a16:creationId xmlns:a16="http://schemas.microsoft.com/office/drawing/2014/main" id="{61539533-A454-504F-9894-E87FD7FB7636}"/>
-                </a:ext>
-              </a:extLst>
-            </p:cNvPr>
-            <p:cNvCxnSpPr/>
-            <p:nvPr/>
-          </p:nvCxnSpPr>
-          <p:spPr>
-            <a:xfrm flipV="1">
-              <a:off x="7010400" y="696686"/>
-              <a:ext cx="0" cy="2797914"/>
-            </a:xfrm>
-            <a:prstGeom prst="straightConnector1">
-              <a:avLst/>
-            </a:prstGeom>
-            <a:ln w="38100">
-              <a:solidFill>
-                <a:schemeClr val="tx1"/>
-              </a:solidFill>
-              <a:tailEnd type="triangle"/>
-            </a:ln>
-          </p:spPr>
-          <p:style>
-            <a:lnRef idx="1">
-              <a:schemeClr val="accent1"/>
-            </a:lnRef>
-            <a:fillRef idx="0">
-              <a:schemeClr val="accent1"/>
-            </a:fillRef>
-            <a:effectRef idx="0">
-              <a:schemeClr val="accent1"/>
-            </a:effectRef>
-            <a:fontRef idx="minor">
-              <a:schemeClr val="tx1"/>
-            </a:fontRef>
-          </p:style>
-        </p:cxnSp>
-        <p:cxnSp>
-          <p:nvCxnSpPr>
-            <p:cNvPr id="160" name="Straight Arrow Connector 159">
-              <a:extLst>
-                <a:ext uri="{FF2B5EF4-FFF2-40B4-BE49-F238E27FC236}">
-                  <a16:creationId xmlns:a16="http://schemas.microsoft.com/office/drawing/2014/main" id="{9139FD97-B401-8D4F-A464-FBB5D837A92E}"/>
-                </a:ext>
-              </a:extLst>
-            </p:cNvPr>
-            <p:cNvCxnSpPr/>
-            <p:nvPr/>
-          </p:nvCxnSpPr>
-          <p:spPr>
-            <a:xfrm flipV="1">
-              <a:off x="7010400" y="3507379"/>
-              <a:ext cx="2797629" cy="1"/>
-            </a:xfrm>
-            <a:prstGeom prst="straightConnector1">
-              <a:avLst/>
-            </a:prstGeom>
-            <a:ln w="38100">
-              <a:solidFill>
-                <a:schemeClr val="tx1"/>
-              </a:solidFill>
-              <a:tailEnd type="triangle"/>
-            </a:ln>
-          </p:spPr>
-          <p:style>
-            <a:lnRef idx="1">
-              <a:schemeClr val="accent1"/>
-            </a:lnRef>
-            <a:fillRef idx="0">
-              <a:schemeClr val="accent1"/>
-            </a:fillRef>
-            <a:effectRef idx="0">
-              <a:schemeClr val="accent1"/>
-            </a:effectRef>
-            <a:fontRef idx="minor">
-              <a:schemeClr val="tx1"/>
-            </a:fontRef>
-          </p:style>
-        </p:cxnSp>
-        <p:cxnSp>
-          <p:nvCxnSpPr>
-            <p:cNvPr id="162" name="Straight Arrow Connector 161">
-              <a:extLst>
-                <a:ext uri="{FF2B5EF4-FFF2-40B4-BE49-F238E27FC236}">
-                  <a16:creationId xmlns:a16="http://schemas.microsoft.com/office/drawing/2014/main" id="{83DB720C-417D-494D-BDA5-AA44C84BB20B}"/>
-                </a:ext>
-              </a:extLst>
-            </p:cNvPr>
-            <p:cNvCxnSpPr/>
-            <p:nvPr/>
-          </p:nvCxnSpPr>
-          <p:spPr>
-            <a:xfrm flipH="1">
-              <a:off x="6455228" y="3507379"/>
-              <a:ext cx="555171" cy="901334"/>
-            </a:xfrm>
-            <a:prstGeom prst="straightConnector1">
-              <a:avLst/>
-            </a:prstGeom>
-            <a:ln w="38100">
-              <a:solidFill>
-                <a:schemeClr val="tx1"/>
-              </a:solidFill>
-              <a:tailEnd type="triangle"/>
-            </a:ln>
-          </p:spPr>
-          <p:style>
-            <a:lnRef idx="1">
-              <a:schemeClr val="accent1"/>
-            </a:lnRef>
-            <a:fillRef idx="0">
-              <a:schemeClr val="accent1"/>
-            </a:fillRef>
-            <a:effectRef idx="0">
-              <a:schemeClr val="accent1"/>
-            </a:effectRef>
-            <a:fontRef idx="minor">
-              <a:schemeClr val="tx1"/>
-            </a:fontRef>
-          </p:style>
-        </p:cxnSp>
-        <mc:AlternateContent xmlns:mc="http://schemas.openxmlformats.org/markup-compatibility/2006" xmlns:a14="http://schemas.microsoft.com/office/drawing/2010/main">
-          <mc:Choice Requires="a14">
-            <p:sp>
-              <p:nvSpPr>
-                <p:cNvPr id="163" name="TextBox 162">
-                  <a:extLst>
-                    <a:ext uri="{FF2B5EF4-FFF2-40B4-BE49-F238E27FC236}">
-                      <a16:creationId xmlns:a16="http://schemas.microsoft.com/office/drawing/2014/main" id="{9967F923-C412-6540-A951-5F2926DD6C32}"/>
-                    </a:ext>
-                  </a:extLst>
-                </p:cNvPr>
-                <p:cNvSpPr txBox="1"/>
-                <p:nvPr/>
-              </p:nvSpPr>
-              <p:spPr>
-                <a:xfrm>
-                  <a:off x="9700756" y="3494600"/>
-                  <a:ext cx="214546" cy="307777"/>
-                </a:xfrm>
-                <a:prstGeom prst="rect">
-                  <a:avLst/>
-                </a:prstGeom>
-                <a:noFill/>
-              </p:spPr>
-              <p:txBody>
-                <a:bodyPr wrap="none" lIns="0" tIns="0" rIns="0" bIns="0" rtlCol="0">
-                  <a:spAutoFit/>
-                </a:bodyPr>
-                <a:lstStyle/>
-                <a:p>
-                  <a:pPr/>
-                  <a14:m>
-                    <m:oMathPara xmlns:m="http://schemas.openxmlformats.org/officeDocument/2006/math">
-                      <m:oMathParaPr>
-                        <m:jc m:val="centerGroup"/>
-                      </m:oMathParaPr>
-                      <m:oMath xmlns:m="http://schemas.openxmlformats.org/officeDocument/2006/math">
-                        <m:r>
-                          <a:rPr lang="en-US" sz="2000" b="0" i="1" smtClean="0">
-                            <a:latin typeface="Cambria Math" panose="02040503050406030204" pitchFamily="18" charset="0"/>
-                            <a:cs typeface="Arial" panose="020B0604020202020204" pitchFamily="34" charset="0"/>
-                          </a:rPr>
-                          <m:t>𝑥</m:t>
-                        </m:r>
-                      </m:oMath>
-                    </m:oMathPara>
-                  </a14:m>
-                  <a:endParaRPr lang="en-US" sz="2000" dirty="0">
-                    <a:latin typeface="Arial" panose="020B0604020202020204" pitchFamily="34" charset="0"/>
-                    <a:cs typeface="Arial" panose="020B0604020202020204" pitchFamily="34" charset="0"/>
-                  </a:endParaRPr>
-                </a:p>
-              </p:txBody>
-            </p:sp>
-          </mc:Choice>
-          <mc:Fallback xmlns="">
-            <p:sp>
-              <p:nvSpPr>
-                <p:cNvPr id="8" name="TextBox 7"/>
-                <p:cNvSpPr txBox="1">
-                  <a:spLocks noRot="1" noChangeAspect="1" noMove="1" noResize="1" noEditPoints="1" noAdjustHandles="1" noChangeArrowheads="1" noChangeShapeType="1" noTextEdit="1"/>
-                </p:cNvSpPr>
-                <p:nvPr/>
-              </p:nvSpPr>
-              <p:spPr>
-                <a:xfrm>
-                  <a:off x="9700756" y="3494600"/>
-                  <a:ext cx="214546" cy="307777"/>
-                </a:xfrm>
-                <a:prstGeom prst="rect">
-                  <a:avLst/>
-                </a:prstGeom>
-                <a:blipFill>
-                  <a:blip r:embed="rId13"/>
-                  <a:stretch>
-                    <a:fillRect l="-11111" r="-8333" b="-2000"/>
-                  </a:stretch>
-                </a:blipFill>
-              </p:spPr>
-              <p:txBody>
-                <a:bodyPr/>
-                <a:lstStyle/>
-                <a:p>
-                  <a:r>
-                    <a:rPr lang="en-US">
-                      <a:noFill/>
-                    </a:rPr>
-                    <a:t> </a:t>
-                  </a:r>
-                </a:p>
-              </p:txBody>
-            </p:sp>
-          </mc:Fallback>
-        </mc:AlternateContent>
-        <mc:AlternateContent xmlns:mc="http://schemas.openxmlformats.org/markup-compatibility/2006" xmlns:a14="http://schemas.microsoft.com/office/drawing/2010/main">
-          <mc:Choice Requires="a14">
-            <p:sp>
-              <p:nvSpPr>
-                <p:cNvPr id="167" name="TextBox 166">
-                  <a:extLst>
-                    <a:ext uri="{FF2B5EF4-FFF2-40B4-BE49-F238E27FC236}">
-                      <a16:creationId xmlns:a16="http://schemas.microsoft.com/office/drawing/2014/main" id="{AC690EEB-BC2A-4148-80F7-7DA8F322D193}"/>
-                    </a:ext>
-                  </a:extLst>
-                </p:cNvPr>
-                <p:cNvSpPr txBox="1"/>
-                <p:nvPr/>
-              </p:nvSpPr>
-              <p:spPr>
-                <a:xfrm>
-                  <a:off x="6762917" y="699452"/>
-                  <a:ext cx="219163" cy="307777"/>
-                </a:xfrm>
-                <a:prstGeom prst="rect">
-                  <a:avLst/>
-                </a:prstGeom>
-                <a:noFill/>
-              </p:spPr>
-              <p:txBody>
-                <a:bodyPr wrap="none" lIns="0" tIns="0" rIns="0" bIns="0" rtlCol="0">
-                  <a:spAutoFit/>
-                </a:bodyPr>
-                <a:lstStyle/>
-                <a:p>
-                  <a:pPr/>
-                  <a14:m>
-                    <m:oMathPara xmlns:m="http://schemas.openxmlformats.org/officeDocument/2006/math">
-                      <m:oMathParaPr>
-                        <m:jc m:val="centerGroup"/>
-                      </m:oMathParaPr>
-                      <m:oMath xmlns:m="http://schemas.openxmlformats.org/officeDocument/2006/math">
-                        <m:r>
-                          <a:rPr lang="en-US" sz="2000" b="0" i="1" smtClean="0">
-                            <a:latin typeface="Cambria Math" panose="02040503050406030204" pitchFamily="18" charset="0"/>
-                            <a:cs typeface="Arial" panose="020B0604020202020204" pitchFamily="34" charset="0"/>
-                          </a:rPr>
-                          <m:t>𝑦</m:t>
-                        </m:r>
-                      </m:oMath>
-                    </m:oMathPara>
-                  </a14:m>
-                  <a:endParaRPr lang="en-US" sz="2000" dirty="0">
-                    <a:latin typeface="Arial" panose="020B0604020202020204" pitchFamily="34" charset="0"/>
-                    <a:cs typeface="Arial" panose="020B0604020202020204" pitchFamily="34" charset="0"/>
-                  </a:endParaRPr>
-                </a:p>
-              </p:txBody>
-            </p:sp>
-          </mc:Choice>
-          <mc:Fallback xmlns="">
-            <p:sp>
-              <p:nvSpPr>
-                <p:cNvPr id="9" name="TextBox 8"/>
-                <p:cNvSpPr txBox="1">
-                  <a:spLocks noRot="1" noChangeAspect="1" noMove="1" noResize="1" noEditPoints="1" noAdjustHandles="1" noChangeArrowheads="1" noChangeShapeType="1" noTextEdit="1"/>
-                </p:cNvSpPr>
-                <p:nvPr/>
-              </p:nvSpPr>
-              <p:spPr>
-                <a:xfrm>
-                  <a:off x="6762917" y="699452"/>
-                  <a:ext cx="219163" cy="307777"/>
-                </a:xfrm>
-                <a:prstGeom prst="rect">
-                  <a:avLst/>
-                </a:prstGeom>
-                <a:blipFill>
-                  <a:blip r:embed="rId14"/>
-                  <a:stretch>
-                    <a:fillRect l="-25000" r="-25000" b="-27451"/>
-                  </a:stretch>
-                </a:blipFill>
-              </p:spPr>
-              <p:txBody>
-                <a:bodyPr/>
-                <a:lstStyle/>
-                <a:p>
-                  <a:r>
-                    <a:rPr lang="en-US">
-                      <a:noFill/>
-                    </a:rPr>
-                    <a:t> </a:t>
-                  </a:r>
-                </a:p>
-              </p:txBody>
-            </p:sp>
-          </mc:Fallback>
-        </mc:AlternateContent>
-        <mc:AlternateContent xmlns:mc="http://schemas.openxmlformats.org/markup-compatibility/2006" xmlns:a14="http://schemas.microsoft.com/office/drawing/2010/main">
-          <mc:Choice Requires="a14">
-            <p:sp>
-              <p:nvSpPr>
-                <p:cNvPr id="168" name="TextBox 167">
-                  <a:extLst>
-                    <a:ext uri="{FF2B5EF4-FFF2-40B4-BE49-F238E27FC236}">
-                      <a16:creationId xmlns:a16="http://schemas.microsoft.com/office/drawing/2014/main" id="{F1DF1C1A-23F7-DE44-BC00-99D97266013A}"/>
-                    </a:ext>
-                  </a:extLst>
-                </p:cNvPr>
-                <p:cNvSpPr txBox="1"/>
-                <p:nvPr/>
-              </p:nvSpPr>
-              <p:spPr>
-                <a:xfrm>
-                  <a:off x="6322609" y="4003221"/>
-                  <a:ext cx="198324" cy="307777"/>
-                </a:xfrm>
-                <a:prstGeom prst="rect">
-                  <a:avLst/>
-                </a:prstGeom>
-                <a:noFill/>
-              </p:spPr>
-              <p:txBody>
-                <a:bodyPr wrap="none" lIns="0" tIns="0" rIns="0" bIns="0" rtlCol="0">
-                  <a:spAutoFit/>
-                </a:bodyPr>
-                <a:lstStyle/>
-                <a:p>
-                  <a:pPr/>
-                  <a14:m>
-                    <m:oMathPara xmlns:m="http://schemas.openxmlformats.org/officeDocument/2006/math">
-                      <m:oMathParaPr>
-                        <m:jc m:val="centerGroup"/>
-                      </m:oMathParaPr>
-                      <m:oMath xmlns:m="http://schemas.openxmlformats.org/officeDocument/2006/math">
-                        <m:r>
-                          <a:rPr lang="en-US" sz="2000" b="0" i="1" smtClean="0">
-                            <a:latin typeface="Cambria Math" panose="02040503050406030204" pitchFamily="18" charset="0"/>
-                            <a:cs typeface="Arial" panose="020B0604020202020204" pitchFamily="34" charset="0"/>
-                          </a:rPr>
-                          <m:t>𝑧</m:t>
-                        </m:r>
-                      </m:oMath>
-                    </m:oMathPara>
-                  </a14:m>
-                  <a:endParaRPr lang="en-US" sz="2000" dirty="0">
-                    <a:latin typeface="Arial" panose="020B0604020202020204" pitchFamily="34" charset="0"/>
-                    <a:cs typeface="Arial" panose="020B0604020202020204" pitchFamily="34" charset="0"/>
-                  </a:endParaRPr>
-                </a:p>
-              </p:txBody>
-            </p:sp>
-          </mc:Choice>
-          <mc:Fallback xmlns="">
-            <p:sp>
-              <p:nvSpPr>
-                <p:cNvPr id="10" name="TextBox 9"/>
-                <p:cNvSpPr txBox="1">
-                  <a:spLocks noRot="1" noChangeAspect="1" noMove="1" noResize="1" noEditPoints="1" noAdjustHandles="1" noChangeArrowheads="1" noChangeShapeType="1" noTextEdit="1"/>
-                </p:cNvSpPr>
-                <p:nvPr/>
-              </p:nvSpPr>
-              <p:spPr>
-                <a:xfrm>
-                  <a:off x="6322609" y="4003221"/>
-                  <a:ext cx="198324" cy="307777"/>
-                </a:xfrm>
-                <a:prstGeom prst="rect">
-                  <a:avLst/>
-                </a:prstGeom>
-                <a:blipFill>
-                  <a:blip r:embed="rId15"/>
-                  <a:stretch>
-                    <a:fillRect l="-12121" r="-12121" b="-1961"/>
-                  </a:stretch>
-                </a:blipFill>
-              </p:spPr>
-              <p:txBody>
-                <a:bodyPr/>
-                <a:lstStyle/>
-                <a:p>
-                  <a:r>
-                    <a:rPr lang="en-US">
-                      <a:noFill/>
-                    </a:rPr>
-                    <a:t> </a:t>
-                  </a:r>
-                </a:p>
-              </p:txBody>
-            </p:sp>
-          </mc:Fallback>
-        </mc:AlternateContent>
-      </p:grpSp>
     </p:spTree>
     <p:extLst>
       <p:ext uri="{BB962C8B-B14F-4D97-AF65-F5344CB8AC3E}">
         <p14:creationId xmlns:p14="http://schemas.microsoft.com/office/powerpoint/2010/main" val="2217555735"/>
-      </p:ext>
-    </p:extLst>
-  </p:cSld>
-  <p:clrMapOvr>
-    <a:masterClrMapping/>
-  </p:clrMapOvr>
-</p:sld>
-</file>
-
-<file path=ppt/slides/slide3.xml><?xml version="1.0" encoding="utf-8"?>
-<p:sld xmlns:a="http://schemas.openxmlformats.org/drawingml/2006/main" xmlns:r="http://schemas.openxmlformats.org/officeDocument/2006/relationships" xmlns:p="http://schemas.openxmlformats.org/presentationml/2006/main">
-  <p:cSld>
-    <p:spTree>
-      <p:nvGrpSpPr>
-        <p:cNvPr id="1" name=""/>
-        <p:cNvGrpSpPr/>
-        <p:nvPr/>
-      </p:nvGrpSpPr>
-      <p:grpSpPr>
-        <a:xfrm>
-          <a:off x="0" y="0"/>
-          <a:ext cx="0" cy="0"/>
-          <a:chOff x="0" y="0"/>
-          <a:chExt cx="0" cy="0"/>
-        </a:xfrm>
-      </p:grpSpPr>
-      <p:grpSp>
-        <p:nvGrpSpPr>
-          <p:cNvPr id="60" name="Group 59">
-            <a:extLst>
-              <a:ext uri="{FF2B5EF4-FFF2-40B4-BE49-F238E27FC236}">
-                <a16:creationId xmlns:a16="http://schemas.microsoft.com/office/drawing/2014/main" id="{4BA66DBA-B702-CF47-AD6A-362C27DE5119}"/>
-              </a:ext>
-            </a:extLst>
-          </p:cNvPr>
-          <p:cNvGrpSpPr/>
-          <p:nvPr/>
-        </p:nvGrpSpPr>
-        <p:grpSpPr>
-          <a:xfrm>
-            <a:off x="-247235" y="335390"/>
-            <a:ext cx="2014485" cy="1911208"/>
-            <a:chOff x="6432979" y="2435006"/>
-            <a:chExt cx="2014485" cy="1911208"/>
-          </a:xfrm>
-        </p:grpSpPr>
-        <p:cxnSp>
-          <p:nvCxnSpPr>
-            <p:cNvPr id="61" name="Straight Arrow Connector 60">
-              <a:extLst>
-                <a:ext uri="{FF2B5EF4-FFF2-40B4-BE49-F238E27FC236}">
-                  <a16:creationId xmlns:a16="http://schemas.microsoft.com/office/drawing/2014/main" id="{FD3EE3F3-F827-AA47-94DB-4757D8211796}"/>
-                </a:ext>
-              </a:extLst>
-            </p:cNvPr>
-            <p:cNvCxnSpPr/>
-            <p:nvPr/>
-          </p:nvCxnSpPr>
-          <p:spPr>
-            <a:xfrm flipV="1">
-              <a:off x="7009017" y="2435006"/>
-              <a:ext cx="0" cy="1080000"/>
-            </a:xfrm>
-            <a:prstGeom prst="straightConnector1">
-              <a:avLst/>
-            </a:prstGeom>
-            <a:ln w="38100">
-              <a:solidFill>
-                <a:schemeClr val="tx1"/>
-              </a:solidFill>
-              <a:tailEnd type="triangle"/>
-            </a:ln>
-          </p:spPr>
-          <p:style>
-            <a:lnRef idx="1">
-              <a:schemeClr val="accent1"/>
-            </a:lnRef>
-            <a:fillRef idx="0">
-              <a:schemeClr val="accent1"/>
-            </a:fillRef>
-            <a:effectRef idx="0">
-              <a:schemeClr val="accent1"/>
-            </a:effectRef>
-            <a:fontRef idx="minor">
-              <a:schemeClr val="tx1"/>
-            </a:fontRef>
-          </p:style>
-        </p:cxnSp>
-        <p:cxnSp>
-          <p:nvCxnSpPr>
-            <p:cNvPr id="62" name="Straight Arrow Connector 61">
-              <a:extLst>
-                <a:ext uri="{FF2B5EF4-FFF2-40B4-BE49-F238E27FC236}">
-                  <a16:creationId xmlns:a16="http://schemas.microsoft.com/office/drawing/2014/main" id="{03CA7B6F-9BD7-FC4B-9CE7-451FCFE28493}"/>
-                </a:ext>
-              </a:extLst>
-            </p:cNvPr>
-            <p:cNvCxnSpPr/>
-            <p:nvPr/>
-          </p:nvCxnSpPr>
-          <p:spPr>
-            <a:xfrm flipV="1">
-              <a:off x="7010400" y="3507379"/>
-              <a:ext cx="1080000" cy="1"/>
-            </a:xfrm>
-            <a:prstGeom prst="straightConnector1">
-              <a:avLst/>
-            </a:prstGeom>
-            <a:ln w="38100">
-              <a:solidFill>
-                <a:schemeClr val="tx1"/>
-              </a:solidFill>
-              <a:tailEnd type="triangle"/>
-            </a:ln>
-          </p:spPr>
-          <p:style>
-            <a:lnRef idx="1">
-              <a:schemeClr val="accent1"/>
-            </a:lnRef>
-            <a:fillRef idx="0">
-              <a:schemeClr val="accent1"/>
-            </a:fillRef>
-            <a:effectRef idx="0">
-              <a:schemeClr val="accent1"/>
-            </a:effectRef>
-            <a:fontRef idx="minor">
-              <a:schemeClr val="tx1"/>
-            </a:fontRef>
-          </p:style>
-        </p:cxnSp>
-        <p:cxnSp>
-          <p:nvCxnSpPr>
-            <p:cNvPr id="63" name="Straight Arrow Connector 62">
-              <a:extLst>
-                <a:ext uri="{FF2B5EF4-FFF2-40B4-BE49-F238E27FC236}">
-                  <a16:creationId xmlns:a16="http://schemas.microsoft.com/office/drawing/2014/main" id="{0C34C53B-004E-6348-B63D-E1E1BA8032F6}"/>
-                </a:ext>
-              </a:extLst>
-            </p:cNvPr>
-            <p:cNvCxnSpPr>
-              <a:cxnSpLocks/>
-            </p:cNvCxnSpPr>
-            <p:nvPr/>
-          </p:nvCxnSpPr>
-          <p:spPr>
-            <a:xfrm flipH="1">
-              <a:off x="6647525" y="3507379"/>
-              <a:ext cx="362876" cy="531058"/>
-            </a:xfrm>
-            <a:prstGeom prst="straightConnector1">
-              <a:avLst/>
-            </a:prstGeom>
-            <a:ln w="38100">
-              <a:solidFill>
-                <a:schemeClr val="tx1"/>
-              </a:solidFill>
-              <a:tailEnd type="triangle"/>
-            </a:ln>
-          </p:spPr>
-          <p:style>
-            <a:lnRef idx="1">
-              <a:schemeClr val="accent1"/>
-            </a:lnRef>
-            <a:fillRef idx="0">
-              <a:schemeClr val="accent1"/>
-            </a:fillRef>
-            <a:effectRef idx="0">
-              <a:schemeClr val="accent1"/>
-            </a:effectRef>
-            <a:fontRef idx="minor">
-              <a:schemeClr val="tx1"/>
-            </a:fontRef>
-          </p:style>
-        </p:cxnSp>
-        <mc:AlternateContent xmlns:mc="http://schemas.openxmlformats.org/markup-compatibility/2006">
-          <mc:Choice xmlns:a14="http://schemas.microsoft.com/office/drawing/2010/main" Requires="a14">
-            <p:sp>
-              <p:nvSpPr>
-                <p:cNvPr id="64" name="TextBox 63">
-                  <a:extLst>
-                    <a:ext uri="{FF2B5EF4-FFF2-40B4-BE49-F238E27FC236}">
-                      <a16:creationId xmlns:a16="http://schemas.microsoft.com/office/drawing/2014/main" id="{14564ACD-7E2E-2C40-B8DE-C7D2A1076136}"/>
-                    </a:ext>
-                  </a:extLst>
-                </p:cNvPr>
-                <p:cNvSpPr txBox="1"/>
-                <p:nvPr/>
-              </p:nvSpPr>
-              <p:spPr>
-                <a:xfrm>
-                  <a:off x="8228301" y="3360226"/>
-                  <a:ext cx="219163" cy="307777"/>
-                </a:xfrm>
-                <a:prstGeom prst="rect">
-                  <a:avLst/>
-                </a:prstGeom>
-                <a:noFill/>
-              </p:spPr>
-              <p:txBody>
-                <a:bodyPr wrap="none" lIns="0" tIns="0" rIns="0" bIns="0" rtlCol="0">
-                  <a:spAutoFit/>
-                </a:bodyPr>
-                <a:lstStyle/>
-                <a:p>
-                  <a:pPr/>
-                  <a14:m>
-                    <m:oMathPara xmlns:m="http://schemas.openxmlformats.org/officeDocument/2006/math">
-                      <m:oMathParaPr>
-                        <m:jc m:val="centerGroup"/>
-                      </m:oMathParaPr>
-                      <m:oMath xmlns:m="http://schemas.openxmlformats.org/officeDocument/2006/math">
-                        <m:r>
-                          <a:rPr lang="en-CA" sz="2000" b="0" i="1" smtClean="0">
-                            <a:latin typeface="Cambria Math" panose="02040503050406030204" pitchFamily="18" charset="0"/>
-                            <a:cs typeface="Arial" panose="020B0604020202020204" pitchFamily="34" charset="0"/>
-                          </a:rPr>
-                          <m:t>𝑦</m:t>
-                        </m:r>
-                      </m:oMath>
-                    </m:oMathPara>
-                  </a14:m>
-                  <a:endParaRPr lang="en-US" sz="2000" dirty="0">
-                    <a:latin typeface="Arial" panose="020B0604020202020204" pitchFamily="34" charset="0"/>
-                    <a:cs typeface="Arial" panose="020B0604020202020204" pitchFamily="34" charset="0"/>
-                  </a:endParaRPr>
-                </a:p>
-              </p:txBody>
-            </p:sp>
-          </mc:Choice>
-          <mc:Fallback>
-            <p:sp>
-              <p:nvSpPr>
-                <p:cNvPr id="64" name="TextBox 63">
-                  <a:extLst>
-                    <a:ext uri="{FF2B5EF4-FFF2-40B4-BE49-F238E27FC236}">
-                      <a16:creationId xmlns:a16="http://schemas.microsoft.com/office/drawing/2014/main" id="{14564ACD-7E2E-2C40-B8DE-C7D2A1076136}"/>
-                    </a:ext>
-                  </a:extLst>
-                </p:cNvPr>
-                <p:cNvSpPr txBox="1">
-                  <a:spLocks noRot="1" noChangeAspect="1" noMove="1" noResize="1" noEditPoints="1" noAdjustHandles="1" noChangeArrowheads="1" noChangeShapeType="1" noTextEdit="1"/>
-                </p:cNvSpPr>
-                <p:nvPr/>
-              </p:nvSpPr>
-              <p:spPr>
-                <a:xfrm>
-                  <a:off x="8228301" y="3360226"/>
-                  <a:ext cx="219163" cy="307777"/>
-                </a:xfrm>
-                <a:prstGeom prst="rect">
-                  <a:avLst/>
-                </a:prstGeom>
-                <a:blipFill>
-                  <a:blip r:embed="rId2"/>
-                  <a:stretch>
-                    <a:fillRect l="-16667" r="-16667" b="-24000"/>
-                  </a:stretch>
-                </a:blipFill>
-              </p:spPr>
-              <p:txBody>
-                <a:bodyPr/>
-                <a:lstStyle/>
-                <a:p>
-                  <a:r>
-                    <a:rPr lang="en-US">
-                      <a:noFill/>
-                    </a:rPr>
-                    <a:t> </a:t>
-                  </a:r>
-                </a:p>
-              </p:txBody>
-            </p:sp>
-          </mc:Fallback>
-        </mc:AlternateContent>
-        <mc:AlternateContent xmlns:mc="http://schemas.openxmlformats.org/markup-compatibility/2006">
-          <mc:Choice xmlns:a14="http://schemas.microsoft.com/office/drawing/2010/main" Requires="a14">
-            <p:sp>
-              <p:nvSpPr>
-                <p:cNvPr id="65" name="TextBox 64">
-                  <a:extLst>
-                    <a:ext uri="{FF2B5EF4-FFF2-40B4-BE49-F238E27FC236}">
-                      <a16:creationId xmlns:a16="http://schemas.microsoft.com/office/drawing/2014/main" id="{2B5BBF8A-E71F-3A46-BE51-879D0C54F646}"/>
-                    </a:ext>
-                  </a:extLst>
-                </p:cNvPr>
-                <p:cNvSpPr txBox="1"/>
-                <p:nvPr/>
-              </p:nvSpPr>
-              <p:spPr>
-                <a:xfrm>
-                  <a:off x="6761534" y="2437772"/>
-                  <a:ext cx="198324" cy="307777"/>
-                </a:xfrm>
-                <a:prstGeom prst="rect">
-                  <a:avLst/>
-                </a:prstGeom>
-                <a:noFill/>
-              </p:spPr>
-              <p:txBody>
-                <a:bodyPr wrap="none" lIns="0" tIns="0" rIns="0" bIns="0" rtlCol="0">
-                  <a:spAutoFit/>
-                </a:bodyPr>
-                <a:lstStyle/>
-                <a:p>
-                  <a:pPr/>
-                  <a14:m>
-                    <m:oMathPara xmlns:m="http://schemas.openxmlformats.org/officeDocument/2006/math">
-                      <m:oMathParaPr>
-                        <m:jc m:val="centerGroup"/>
-                      </m:oMathParaPr>
-                      <m:oMath xmlns:m="http://schemas.openxmlformats.org/officeDocument/2006/math">
-                        <m:r>
-                          <a:rPr lang="en-CA" sz="2000" b="0" i="1" smtClean="0">
-                            <a:latin typeface="Cambria Math" panose="02040503050406030204" pitchFamily="18" charset="0"/>
-                            <a:cs typeface="Arial" panose="020B0604020202020204" pitchFamily="34" charset="0"/>
-                          </a:rPr>
-                          <m:t>𝑧</m:t>
-                        </m:r>
-                      </m:oMath>
-                    </m:oMathPara>
-                  </a14:m>
-                  <a:endParaRPr lang="en-US" sz="2000" dirty="0">
-                    <a:latin typeface="Arial" panose="020B0604020202020204" pitchFamily="34" charset="0"/>
-                    <a:cs typeface="Arial" panose="020B0604020202020204" pitchFamily="34" charset="0"/>
-                  </a:endParaRPr>
-                </a:p>
-              </p:txBody>
-            </p:sp>
-          </mc:Choice>
-          <mc:Fallback>
-            <p:sp>
-              <p:nvSpPr>
-                <p:cNvPr id="65" name="TextBox 64">
-                  <a:extLst>
-                    <a:ext uri="{FF2B5EF4-FFF2-40B4-BE49-F238E27FC236}">
-                      <a16:creationId xmlns:a16="http://schemas.microsoft.com/office/drawing/2014/main" id="{2B5BBF8A-E71F-3A46-BE51-879D0C54F646}"/>
-                    </a:ext>
-                  </a:extLst>
-                </p:cNvPr>
-                <p:cNvSpPr txBox="1">
-                  <a:spLocks noRot="1" noChangeAspect="1" noMove="1" noResize="1" noEditPoints="1" noAdjustHandles="1" noChangeArrowheads="1" noChangeShapeType="1" noTextEdit="1"/>
-                </p:cNvSpPr>
-                <p:nvPr/>
-              </p:nvSpPr>
-              <p:spPr>
-                <a:xfrm>
-                  <a:off x="6761534" y="2437772"/>
-                  <a:ext cx="198324" cy="307777"/>
-                </a:xfrm>
-                <a:prstGeom prst="rect">
-                  <a:avLst/>
-                </a:prstGeom>
-                <a:blipFill>
-                  <a:blip r:embed="rId3"/>
-                  <a:stretch>
-                    <a:fillRect l="-5882" r="-5882"/>
-                  </a:stretch>
-                </a:blipFill>
-              </p:spPr>
-              <p:txBody>
-                <a:bodyPr/>
-                <a:lstStyle/>
-                <a:p>
-                  <a:r>
-                    <a:rPr lang="en-US">
-                      <a:noFill/>
-                    </a:rPr>
-                    <a:t> </a:t>
-                  </a:r>
-                </a:p>
-              </p:txBody>
-            </p:sp>
-          </mc:Fallback>
-        </mc:AlternateContent>
-        <mc:AlternateContent xmlns:mc="http://schemas.openxmlformats.org/markup-compatibility/2006">
-          <mc:Choice xmlns:a14="http://schemas.microsoft.com/office/drawing/2010/main" Requires="a14">
-            <p:sp>
-              <p:nvSpPr>
-                <p:cNvPr id="66" name="TextBox 65">
-                  <a:extLst>
-                    <a:ext uri="{FF2B5EF4-FFF2-40B4-BE49-F238E27FC236}">
-                      <a16:creationId xmlns:a16="http://schemas.microsoft.com/office/drawing/2014/main" id="{1A23FEF6-4084-AF42-BF6F-CFBBDC71AFE5}"/>
-                    </a:ext>
-                  </a:extLst>
-                </p:cNvPr>
-                <p:cNvSpPr txBox="1"/>
-                <p:nvPr/>
-              </p:nvSpPr>
-              <p:spPr>
-                <a:xfrm>
-                  <a:off x="6432979" y="4038437"/>
-                  <a:ext cx="214546" cy="307777"/>
-                </a:xfrm>
-                <a:prstGeom prst="rect">
-                  <a:avLst/>
-                </a:prstGeom>
-                <a:noFill/>
-              </p:spPr>
-              <p:txBody>
-                <a:bodyPr wrap="none" lIns="0" tIns="0" rIns="0" bIns="0" rtlCol="0">
-                  <a:spAutoFit/>
-                </a:bodyPr>
-                <a:lstStyle/>
-                <a:p>
-                  <a:pPr/>
-                  <a14:m>
-                    <m:oMathPara xmlns:m="http://schemas.openxmlformats.org/officeDocument/2006/math">
-                      <m:oMathParaPr>
-                        <m:jc m:val="centerGroup"/>
-                      </m:oMathParaPr>
-                      <m:oMath xmlns:m="http://schemas.openxmlformats.org/officeDocument/2006/math">
-                        <m:r>
-                          <a:rPr lang="en-CA" sz="2000" b="0" i="1" smtClean="0">
-                            <a:latin typeface="Cambria Math" panose="02040503050406030204" pitchFamily="18" charset="0"/>
-                            <a:cs typeface="Arial" panose="020B0604020202020204" pitchFamily="34" charset="0"/>
-                          </a:rPr>
-                          <m:t>𝑥</m:t>
-                        </m:r>
-                      </m:oMath>
-                    </m:oMathPara>
-                  </a14:m>
-                  <a:endParaRPr lang="en-US" sz="2000" dirty="0">
-                    <a:latin typeface="Arial" panose="020B0604020202020204" pitchFamily="34" charset="0"/>
-                    <a:cs typeface="Arial" panose="020B0604020202020204" pitchFamily="34" charset="0"/>
-                  </a:endParaRPr>
-                </a:p>
-              </p:txBody>
-            </p:sp>
-          </mc:Choice>
-          <mc:Fallback>
-            <p:sp>
-              <p:nvSpPr>
-                <p:cNvPr id="66" name="TextBox 65">
-                  <a:extLst>
-                    <a:ext uri="{FF2B5EF4-FFF2-40B4-BE49-F238E27FC236}">
-                      <a16:creationId xmlns:a16="http://schemas.microsoft.com/office/drawing/2014/main" id="{1A23FEF6-4084-AF42-BF6F-CFBBDC71AFE5}"/>
-                    </a:ext>
-                  </a:extLst>
-                </p:cNvPr>
-                <p:cNvSpPr txBox="1">
-                  <a:spLocks noRot="1" noChangeAspect="1" noMove="1" noResize="1" noEditPoints="1" noAdjustHandles="1" noChangeArrowheads="1" noChangeShapeType="1" noTextEdit="1"/>
-                </p:cNvSpPr>
-                <p:nvPr/>
-              </p:nvSpPr>
-              <p:spPr>
-                <a:xfrm>
-                  <a:off x="6432979" y="4038437"/>
-                  <a:ext cx="214546" cy="307777"/>
-                </a:xfrm>
-                <a:prstGeom prst="rect">
-                  <a:avLst/>
-                </a:prstGeom>
-                <a:blipFill>
-                  <a:blip r:embed="rId4"/>
-                  <a:stretch>
-                    <a:fillRect l="-17647" r="-11765"/>
-                  </a:stretch>
-                </a:blipFill>
-              </p:spPr>
-              <p:txBody>
-                <a:bodyPr/>
-                <a:lstStyle/>
-                <a:p>
-                  <a:r>
-                    <a:rPr lang="en-US">
-                      <a:noFill/>
-                    </a:rPr>
-                    <a:t> </a:t>
-                  </a:r>
-                </a:p>
-              </p:txBody>
-            </p:sp>
-          </mc:Fallback>
-        </mc:AlternateContent>
-      </p:grpSp>
-      <p:grpSp>
-        <p:nvGrpSpPr>
-          <p:cNvPr id="140" name="Group 139">
-            <a:extLst>
-              <a:ext uri="{FF2B5EF4-FFF2-40B4-BE49-F238E27FC236}">
-                <a16:creationId xmlns:a16="http://schemas.microsoft.com/office/drawing/2014/main" id="{E450CB55-5DB9-3D4C-9988-04B6B18D38FB}"/>
-              </a:ext>
-            </a:extLst>
-          </p:cNvPr>
-          <p:cNvGrpSpPr/>
-          <p:nvPr/>
-        </p:nvGrpSpPr>
-        <p:grpSpPr>
-          <a:xfrm>
-            <a:off x="1403117" y="640245"/>
-            <a:ext cx="3048221" cy="3628828"/>
-            <a:chOff x="1369463" y="1690042"/>
-            <a:chExt cx="3048221" cy="3628828"/>
-          </a:xfrm>
-        </p:grpSpPr>
-        <p:grpSp>
-          <p:nvGrpSpPr>
-            <p:cNvPr id="11" name="Group 10">
-              <a:extLst>
-                <a:ext uri="{FF2B5EF4-FFF2-40B4-BE49-F238E27FC236}">
-                  <a16:creationId xmlns:a16="http://schemas.microsoft.com/office/drawing/2014/main" id="{BFF55E62-F116-C94C-8B46-3BFC1BBB8924}"/>
-                </a:ext>
-              </a:extLst>
-            </p:cNvPr>
-            <p:cNvGrpSpPr/>
-            <p:nvPr/>
-          </p:nvGrpSpPr>
-          <p:grpSpPr>
-            <a:xfrm>
-              <a:off x="1369463" y="2610141"/>
-              <a:ext cx="3048221" cy="2708729"/>
-              <a:chOff x="937654" y="1016126"/>
-              <a:chExt cx="3048221" cy="2708729"/>
-            </a:xfrm>
-          </p:grpSpPr>
-          <p:grpSp>
-            <p:nvGrpSpPr>
-              <p:cNvPr id="12" name="Group 11">
-                <a:extLst>
-                  <a:ext uri="{FF2B5EF4-FFF2-40B4-BE49-F238E27FC236}">
-                    <a16:creationId xmlns:a16="http://schemas.microsoft.com/office/drawing/2014/main" id="{A8C856E9-32CF-C740-895F-48F96C5394A0}"/>
-                  </a:ext>
-                </a:extLst>
-              </p:cNvPr>
-              <p:cNvGrpSpPr/>
-              <p:nvPr/>
-            </p:nvGrpSpPr>
-            <p:grpSpPr>
-              <a:xfrm>
-                <a:off x="1024960" y="1016126"/>
-                <a:ext cx="2960915" cy="2708729"/>
-                <a:chOff x="1088571" y="1596571"/>
-                <a:chExt cx="2960915" cy="2708729"/>
-              </a:xfrm>
-            </p:grpSpPr>
-            <p:cxnSp>
-              <p:nvCxnSpPr>
-                <p:cNvPr id="43" name="Straight Connector 42">
-                  <a:extLst>
-                    <a:ext uri="{FF2B5EF4-FFF2-40B4-BE49-F238E27FC236}">
-                      <a16:creationId xmlns:a16="http://schemas.microsoft.com/office/drawing/2014/main" id="{26B2BBB8-F89F-9942-A954-4DAC3D41DC76}"/>
-                    </a:ext>
-                  </a:extLst>
-                </p:cNvPr>
-                <p:cNvCxnSpPr/>
-                <p:nvPr/>
-              </p:nvCxnSpPr>
-              <p:spPr>
-                <a:xfrm>
-                  <a:off x="1309470" y="3048000"/>
-                  <a:ext cx="0" cy="967015"/>
-                </a:xfrm>
-                <a:prstGeom prst="line">
-                  <a:avLst/>
-                </a:prstGeom>
-                <a:ln w="25400">
-                  <a:solidFill>
-                    <a:srgbClr val="FF0000"/>
-                  </a:solidFill>
-                </a:ln>
-              </p:spPr>
-              <p:style>
-                <a:lnRef idx="1">
-                  <a:schemeClr val="accent1"/>
-                </a:lnRef>
-                <a:fillRef idx="0">
-                  <a:schemeClr val="accent1"/>
-                </a:fillRef>
-                <a:effectRef idx="0">
-                  <a:schemeClr val="accent1"/>
-                </a:effectRef>
-                <a:fontRef idx="minor">
-                  <a:schemeClr val="tx1"/>
-                </a:fontRef>
-              </p:style>
-            </p:cxnSp>
-            <p:cxnSp>
-              <p:nvCxnSpPr>
-                <p:cNvPr id="44" name="Straight Connector 43">
-                  <a:extLst>
-                    <a:ext uri="{FF2B5EF4-FFF2-40B4-BE49-F238E27FC236}">
-                      <a16:creationId xmlns:a16="http://schemas.microsoft.com/office/drawing/2014/main" id="{B709B01A-5719-6047-B1DE-E33B8FCC31EC}"/>
-                    </a:ext>
-                  </a:extLst>
-                </p:cNvPr>
-                <p:cNvCxnSpPr/>
-                <p:nvPr/>
-              </p:nvCxnSpPr>
-              <p:spPr>
-                <a:xfrm>
-                  <a:off x="1688648" y="3251200"/>
-                  <a:ext cx="0" cy="967015"/>
-                </a:xfrm>
-                <a:prstGeom prst="line">
-                  <a:avLst/>
-                </a:prstGeom>
-                <a:ln w="25400">
-                  <a:solidFill>
-                    <a:srgbClr val="FF0000"/>
-                  </a:solidFill>
-                </a:ln>
-              </p:spPr>
-              <p:style>
-                <a:lnRef idx="1">
-                  <a:schemeClr val="accent1"/>
-                </a:lnRef>
-                <a:fillRef idx="0">
-                  <a:schemeClr val="accent1"/>
-                </a:fillRef>
-                <a:effectRef idx="0">
-                  <a:schemeClr val="accent1"/>
-                </a:effectRef>
-                <a:fontRef idx="minor">
-                  <a:schemeClr val="tx1"/>
-                </a:fontRef>
-              </p:style>
-            </p:cxnSp>
-            <p:cxnSp>
-              <p:nvCxnSpPr>
-                <p:cNvPr id="45" name="Straight Connector 44">
-                  <a:extLst>
-                    <a:ext uri="{FF2B5EF4-FFF2-40B4-BE49-F238E27FC236}">
-                      <a16:creationId xmlns:a16="http://schemas.microsoft.com/office/drawing/2014/main" id="{AAF43074-DC39-694C-B034-B92A1EF53C26}"/>
-                    </a:ext>
-                  </a:extLst>
-                </p:cNvPr>
-                <p:cNvCxnSpPr/>
-                <p:nvPr/>
-              </p:nvCxnSpPr>
-              <p:spPr>
-                <a:xfrm>
-                  <a:off x="1954202" y="2854778"/>
-                  <a:ext cx="0" cy="967015"/>
-                </a:xfrm>
-                <a:prstGeom prst="line">
-                  <a:avLst/>
-                </a:prstGeom>
-                <a:ln w="25400">
-                  <a:solidFill>
-                    <a:srgbClr val="FF0000"/>
-                  </a:solidFill>
-                </a:ln>
-              </p:spPr>
-              <p:style>
-                <a:lnRef idx="1">
-                  <a:schemeClr val="accent1"/>
-                </a:lnRef>
-                <a:fillRef idx="0">
-                  <a:schemeClr val="accent1"/>
-                </a:fillRef>
-                <a:effectRef idx="0">
-                  <a:schemeClr val="accent1"/>
-                </a:effectRef>
-                <a:fontRef idx="minor">
-                  <a:schemeClr val="tx1"/>
-                </a:fontRef>
-              </p:style>
-            </p:cxnSp>
-            <p:cxnSp>
-              <p:nvCxnSpPr>
-                <p:cNvPr id="46" name="Straight Connector 45">
-                  <a:extLst>
-                    <a:ext uri="{FF2B5EF4-FFF2-40B4-BE49-F238E27FC236}">
-                      <a16:creationId xmlns:a16="http://schemas.microsoft.com/office/drawing/2014/main" id="{50FB93CE-5B9F-5D4D-AB40-34B5C905B7A5}"/>
-                    </a:ext>
-                  </a:extLst>
-                </p:cNvPr>
-                <p:cNvCxnSpPr/>
-                <p:nvPr/>
-              </p:nvCxnSpPr>
-              <p:spPr>
-                <a:xfrm>
-                  <a:off x="2322166" y="3067957"/>
-                  <a:ext cx="0" cy="967015"/>
-                </a:xfrm>
-                <a:prstGeom prst="line">
-                  <a:avLst/>
-                </a:prstGeom>
-                <a:ln w="25400">
-                  <a:solidFill>
-                    <a:srgbClr val="FF0000"/>
-                  </a:solidFill>
-                </a:ln>
-              </p:spPr>
-              <p:style>
-                <a:lnRef idx="1">
-                  <a:schemeClr val="accent1"/>
-                </a:lnRef>
-                <a:fillRef idx="0">
-                  <a:schemeClr val="accent1"/>
-                </a:fillRef>
-                <a:effectRef idx="0">
-                  <a:schemeClr val="accent1"/>
-                </a:effectRef>
-                <a:fontRef idx="minor">
-                  <a:schemeClr val="tx1"/>
-                </a:fontRef>
-              </p:style>
-            </p:cxnSp>
-            <p:cxnSp>
-              <p:nvCxnSpPr>
-                <p:cNvPr id="47" name="Straight Connector 46">
-                  <a:extLst>
-                    <a:ext uri="{FF2B5EF4-FFF2-40B4-BE49-F238E27FC236}">
-                      <a16:creationId xmlns:a16="http://schemas.microsoft.com/office/drawing/2014/main" id="{00A905B7-9DD2-7F42-A95B-FD72C2A55A9A}"/>
-                    </a:ext>
-                  </a:extLst>
-                </p:cNvPr>
-                <p:cNvCxnSpPr/>
-                <p:nvPr/>
-              </p:nvCxnSpPr>
-              <p:spPr>
-                <a:xfrm>
-                  <a:off x="2675622" y="3338285"/>
-                  <a:ext cx="0" cy="967015"/>
-                </a:xfrm>
-                <a:prstGeom prst="line">
-                  <a:avLst/>
-                </a:prstGeom>
-                <a:ln w="25400">
-                  <a:solidFill>
-                    <a:srgbClr val="FF0000"/>
-                  </a:solidFill>
-                </a:ln>
-              </p:spPr>
-              <p:style>
-                <a:lnRef idx="1">
-                  <a:schemeClr val="accent1"/>
-                </a:lnRef>
-                <a:fillRef idx="0">
-                  <a:schemeClr val="accent1"/>
-                </a:fillRef>
-                <a:effectRef idx="0">
-                  <a:schemeClr val="accent1"/>
-                </a:effectRef>
-                <a:fontRef idx="minor">
-                  <a:schemeClr val="tx1"/>
-                </a:fontRef>
-              </p:style>
-            </p:cxnSp>
-            <p:cxnSp>
-              <p:nvCxnSpPr>
-                <p:cNvPr id="48" name="Straight Connector 47">
-                  <a:extLst>
-                    <a:ext uri="{FF2B5EF4-FFF2-40B4-BE49-F238E27FC236}">
-                      <a16:creationId xmlns:a16="http://schemas.microsoft.com/office/drawing/2014/main" id="{1F11713C-ACA0-7747-BDF3-103593CFCB4D}"/>
-                    </a:ext>
-                  </a:extLst>
-                </p:cNvPr>
-                <p:cNvCxnSpPr/>
-                <p:nvPr/>
-              </p:nvCxnSpPr>
-              <p:spPr>
-                <a:xfrm>
-                  <a:off x="2921239" y="2969079"/>
-                  <a:ext cx="0" cy="967015"/>
-                </a:xfrm>
-                <a:prstGeom prst="line">
-                  <a:avLst/>
-                </a:prstGeom>
-                <a:ln w="25400">
-                  <a:solidFill>
-                    <a:srgbClr val="FF0000"/>
-                  </a:solidFill>
-                </a:ln>
-              </p:spPr>
-              <p:style>
-                <a:lnRef idx="1">
-                  <a:schemeClr val="accent1"/>
-                </a:lnRef>
-                <a:fillRef idx="0">
-                  <a:schemeClr val="accent1"/>
-                </a:fillRef>
-                <a:effectRef idx="0">
-                  <a:schemeClr val="accent1"/>
-                </a:effectRef>
-                <a:fontRef idx="minor">
-                  <a:schemeClr val="tx1"/>
-                </a:fontRef>
-              </p:style>
-            </p:cxnSp>
-            <p:cxnSp>
-              <p:nvCxnSpPr>
-                <p:cNvPr id="49" name="Straight Connector 48">
-                  <a:extLst>
-                    <a:ext uri="{FF2B5EF4-FFF2-40B4-BE49-F238E27FC236}">
-                      <a16:creationId xmlns:a16="http://schemas.microsoft.com/office/drawing/2014/main" id="{FD37A343-9B7F-CD4D-B900-73BA78F7B3BC}"/>
-                    </a:ext>
-                  </a:extLst>
-                </p:cNvPr>
-                <p:cNvCxnSpPr/>
-                <p:nvPr/>
-              </p:nvCxnSpPr>
-              <p:spPr>
-                <a:xfrm>
-                  <a:off x="3270943" y="3143250"/>
-                  <a:ext cx="0" cy="967015"/>
-                </a:xfrm>
-                <a:prstGeom prst="line">
-                  <a:avLst/>
-                </a:prstGeom>
-                <a:ln w="25400">
-                  <a:solidFill>
-                    <a:srgbClr val="FF0000"/>
-                  </a:solidFill>
-                </a:ln>
-              </p:spPr>
-              <p:style>
-                <a:lnRef idx="1">
-                  <a:schemeClr val="accent1"/>
-                </a:lnRef>
-                <a:fillRef idx="0">
-                  <a:schemeClr val="accent1"/>
-                </a:fillRef>
-                <a:effectRef idx="0">
-                  <a:schemeClr val="accent1"/>
-                </a:effectRef>
-                <a:fontRef idx="minor">
-                  <a:schemeClr val="tx1"/>
-                </a:fontRef>
-              </p:style>
-            </p:cxnSp>
-            <p:cxnSp>
-              <p:nvCxnSpPr>
-                <p:cNvPr id="50" name="Straight Connector 49">
-                  <a:extLst>
-                    <a:ext uri="{FF2B5EF4-FFF2-40B4-BE49-F238E27FC236}">
-                      <a16:creationId xmlns:a16="http://schemas.microsoft.com/office/drawing/2014/main" id="{231F9E18-F1F4-0A41-A42F-643C5C6BD46C}"/>
-                    </a:ext>
-                  </a:extLst>
-                </p:cNvPr>
-                <p:cNvCxnSpPr/>
-                <p:nvPr/>
-              </p:nvCxnSpPr>
-              <p:spPr>
-                <a:xfrm>
-                  <a:off x="3792320" y="3067957"/>
-                  <a:ext cx="0" cy="967015"/>
-                </a:xfrm>
-                <a:prstGeom prst="line">
-                  <a:avLst/>
-                </a:prstGeom>
-                <a:ln w="25400">
-                  <a:solidFill>
-                    <a:srgbClr val="FF0000"/>
-                  </a:solidFill>
-                </a:ln>
-              </p:spPr>
-              <p:style>
-                <a:lnRef idx="1">
-                  <a:schemeClr val="accent1"/>
-                </a:lnRef>
-                <a:fillRef idx="0">
-                  <a:schemeClr val="accent1"/>
-                </a:fillRef>
-                <a:effectRef idx="0">
-                  <a:schemeClr val="accent1"/>
-                </a:effectRef>
-                <a:fontRef idx="minor">
-                  <a:schemeClr val="tx1"/>
-                </a:fontRef>
-              </p:style>
-            </p:cxnSp>
-            <p:sp>
-              <p:nvSpPr>
-                <p:cNvPr id="51" name="Oval 50">
-                  <a:extLst>
-                    <a:ext uri="{FF2B5EF4-FFF2-40B4-BE49-F238E27FC236}">
-                      <a16:creationId xmlns:a16="http://schemas.microsoft.com/office/drawing/2014/main" id="{06EAD075-61BF-3E49-A544-942744BE3CEC}"/>
-                    </a:ext>
-                  </a:extLst>
-                </p:cNvPr>
-                <p:cNvSpPr/>
-                <p:nvPr/>
-              </p:nvSpPr>
-              <p:spPr>
-                <a:xfrm>
-                  <a:off x="1088571" y="2699657"/>
-                  <a:ext cx="2960915" cy="696686"/>
-                </a:xfrm>
-                <a:prstGeom prst="ellipse">
-                  <a:avLst/>
-                </a:prstGeom>
-                <a:solidFill>
-                  <a:schemeClr val="bg2">
-                    <a:lumMod val="90000"/>
-                    <a:alpha val="79000"/>
-                  </a:schemeClr>
-                </a:solidFill>
-                <a:ln w="38100">
-                  <a:solidFill>
-                    <a:schemeClr val="tx1"/>
-                  </a:solidFill>
-                </a:ln>
-              </p:spPr>
-              <p:style>
-                <a:lnRef idx="2">
-                  <a:schemeClr val="accent1">
-                    <a:shade val="50000"/>
-                  </a:schemeClr>
-                </a:lnRef>
-                <a:fillRef idx="1">
-                  <a:schemeClr val="accent1"/>
-                </a:fillRef>
-                <a:effectRef idx="0">
-                  <a:schemeClr val="accent1"/>
-                </a:effectRef>
-                <a:fontRef idx="minor">
-                  <a:schemeClr val="lt1"/>
-                </a:fontRef>
-              </p:style>
-              <p:txBody>
-                <a:bodyPr rtlCol="0" anchor="ctr"/>
-                <a:lstStyle/>
-                <a:p>
-                  <a:pPr algn="ctr"/>
-                  <a:endParaRPr lang="en-US"/>
-                </a:p>
-              </p:txBody>
-            </p:sp>
-            <p:cxnSp>
-              <p:nvCxnSpPr>
-                <p:cNvPr id="52" name="Straight Arrow Connector 51">
-                  <a:extLst>
-                    <a:ext uri="{FF2B5EF4-FFF2-40B4-BE49-F238E27FC236}">
-                      <a16:creationId xmlns:a16="http://schemas.microsoft.com/office/drawing/2014/main" id="{F40A4096-41D2-6440-AF51-D8DEFF37A6F1}"/>
-                    </a:ext>
-                  </a:extLst>
-                </p:cNvPr>
-                <p:cNvCxnSpPr/>
-                <p:nvPr/>
-              </p:nvCxnSpPr>
-              <p:spPr>
-                <a:xfrm flipV="1">
-                  <a:off x="1308100" y="1770742"/>
-                  <a:ext cx="1362" cy="1277258"/>
-                </a:xfrm>
-                <a:prstGeom prst="straightConnector1">
-                  <a:avLst/>
-                </a:prstGeom>
-                <a:ln w="25400">
-                  <a:solidFill>
-                    <a:srgbClr val="FF0000"/>
-                  </a:solidFill>
-                  <a:tailEnd type="triangle"/>
-                </a:ln>
-              </p:spPr>
-              <p:style>
-                <a:lnRef idx="1">
-                  <a:schemeClr val="accent1"/>
-                </a:lnRef>
-                <a:fillRef idx="0">
-                  <a:schemeClr val="accent1"/>
-                </a:fillRef>
-                <a:effectRef idx="0">
-                  <a:schemeClr val="accent1"/>
-                </a:effectRef>
-                <a:fontRef idx="minor">
-                  <a:schemeClr val="tx1"/>
-                </a:fontRef>
-              </p:style>
-            </p:cxnSp>
-            <p:cxnSp>
-              <p:nvCxnSpPr>
-                <p:cNvPr id="53" name="Straight Arrow Connector 52">
-                  <a:extLst>
-                    <a:ext uri="{FF2B5EF4-FFF2-40B4-BE49-F238E27FC236}">
-                      <a16:creationId xmlns:a16="http://schemas.microsoft.com/office/drawing/2014/main" id="{292D7D17-12ED-F94C-8050-526CE6BCE3F1}"/>
-                    </a:ext>
-                  </a:extLst>
-                </p:cNvPr>
-                <p:cNvCxnSpPr/>
-                <p:nvPr/>
-              </p:nvCxnSpPr>
-              <p:spPr>
-                <a:xfrm flipV="1">
-                  <a:off x="1954202" y="1596571"/>
-                  <a:ext cx="1362" cy="1277258"/>
-                </a:xfrm>
-                <a:prstGeom prst="straightConnector1">
-                  <a:avLst/>
-                </a:prstGeom>
-                <a:ln w="25400">
-                  <a:solidFill>
-                    <a:srgbClr val="FF0000"/>
-                  </a:solidFill>
-                  <a:tailEnd type="triangle"/>
-                </a:ln>
-              </p:spPr>
-              <p:style>
-                <a:lnRef idx="1">
-                  <a:schemeClr val="accent1"/>
-                </a:lnRef>
-                <a:fillRef idx="0">
-                  <a:schemeClr val="accent1"/>
-                </a:fillRef>
-                <a:effectRef idx="0">
-                  <a:schemeClr val="accent1"/>
-                </a:effectRef>
-                <a:fontRef idx="minor">
-                  <a:schemeClr val="tx1"/>
-                </a:fontRef>
-              </p:style>
-            </p:cxnSp>
-            <p:cxnSp>
-              <p:nvCxnSpPr>
-                <p:cNvPr id="54" name="Straight Arrow Connector 53">
-                  <a:extLst>
-                    <a:ext uri="{FF2B5EF4-FFF2-40B4-BE49-F238E27FC236}">
-                      <a16:creationId xmlns:a16="http://schemas.microsoft.com/office/drawing/2014/main" id="{F6114A41-419E-834B-A19F-E61653F40FD7}"/>
-                    </a:ext>
-                  </a:extLst>
-                </p:cNvPr>
-                <p:cNvCxnSpPr/>
-                <p:nvPr/>
-              </p:nvCxnSpPr>
-              <p:spPr>
-                <a:xfrm flipV="1">
-                  <a:off x="1688648" y="1973942"/>
-                  <a:ext cx="1362" cy="1277258"/>
-                </a:xfrm>
-                <a:prstGeom prst="straightConnector1">
-                  <a:avLst/>
-                </a:prstGeom>
-                <a:ln w="25400">
-                  <a:solidFill>
-                    <a:srgbClr val="FF0000"/>
-                  </a:solidFill>
-                  <a:tailEnd type="triangle"/>
-                </a:ln>
-              </p:spPr>
-              <p:style>
-                <a:lnRef idx="1">
-                  <a:schemeClr val="accent1"/>
-                </a:lnRef>
-                <a:fillRef idx="0">
-                  <a:schemeClr val="accent1"/>
-                </a:fillRef>
-                <a:effectRef idx="0">
-                  <a:schemeClr val="accent1"/>
-                </a:effectRef>
-                <a:fontRef idx="minor">
-                  <a:schemeClr val="tx1"/>
-                </a:fontRef>
-              </p:style>
-            </p:cxnSp>
-            <p:cxnSp>
-              <p:nvCxnSpPr>
-                <p:cNvPr id="55" name="Straight Arrow Connector 54">
-                  <a:extLst>
-                    <a:ext uri="{FF2B5EF4-FFF2-40B4-BE49-F238E27FC236}">
-                      <a16:creationId xmlns:a16="http://schemas.microsoft.com/office/drawing/2014/main" id="{0DEEB38A-C0A0-454D-9B60-B9CAADA9068C}"/>
-                    </a:ext>
-                  </a:extLst>
-                </p:cNvPr>
-                <p:cNvCxnSpPr/>
-                <p:nvPr/>
-              </p:nvCxnSpPr>
-              <p:spPr>
-                <a:xfrm flipV="1">
-                  <a:off x="2322166" y="1806121"/>
-                  <a:ext cx="1362" cy="1277258"/>
-                </a:xfrm>
-                <a:prstGeom prst="straightConnector1">
-                  <a:avLst/>
-                </a:prstGeom>
-                <a:ln w="25400">
-                  <a:solidFill>
-                    <a:srgbClr val="FF0000"/>
-                  </a:solidFill>
-                  <a:tailEnd type="triangle"/>
-                </a:ln>
-              </p:spPr>
-              <p:style>
-                <a:lnRef idx="1">
-                  <a:schemeClr val="accent1"/>
-                </a:lnRef>
-                <a:fillRef idx="0">
-                  <a:schemeClr val="accent1"/>
-                </a:fillRef>
-                <a:effectRef idx="0">
-                  <a:schemeClr val="accent1"/>
-                </a:effectRef>
-                <a:fontRef idx="minor">
-                  <a:schemeClr val="tx1"/>
-                </a:fontRef>
-              </p:style>
-            </p:cxnSp>
-            <p:cxnSp>
-              <p:nvCxnSpPr>
-                <p:cNvPr id="56" name="Straight Arrow Connector 55">
-                  <a:extLst>
-                    <a:ext uri="{FF2B5EF4-FFF2-40B4-BE49-F238E27FC236}">
-                      <a16:creationId xmlns:a16="http://schemas.microsoft.com/office/drawing/2014/main" id="{4EBEC721-5E93-3045-8819-5AC5E0BC7DDD}"/>
-                    </a:ext>
-                  </a:extLst>
-                </p:cNvPr>
-                <p:cNvCxnSpPr/>
-                <p:nvPr/>
-              </p:nvCxnSpPr>
-              <p:spPr>
-                <a:xfrm flipV="1">
-                  <a:off x="2675622" y="2061028"/>
-                  <a:ext cx="1362" cy="1277258"/>
-                </a:xfrm>
-                <a:prstGeom prst="straightConnector1">
-                  <a:avLst/>
-                </a:prstGeom>
-                <a:ln w="25400">
-                  <a:solidFill>
-                    <a:srgbClr val="FF0000"/>
-                  </a:solidFill>
-                  <a:tailEnd type="triangle"/>
-                </a:ln>
-              </p:spPr>
-              <p:style>
-                <a:lnRef idx="1">
-                  <a:schemeClr val="accent1"/>
-                </a:lnRef>
-                <a:fillRef idx="0">
-                  <a:schemeClr val="accent1"/>
-                </a:fillRef>
-                <a:effectRef idx="0">
-                  <a:schemeClr val="accent1"/>
-                </a:effectRef>
-                <a:fontRef idx="minor">
-                  <a:schemeClr val="tx1"/>
-                </a:fontRef>
-              </p:style>
-            </p:cxnSp>
-            <p:cxnSp>
-              <p:nvCxnSpPr>
-                <p:cNvPr id="57" name="Straight Arrow Connector 56">
-                  <a:extLst>
-                    <a:ext uri="{FF2B5EF4-FFF2-40B4-BE49-F238E27FC236}">
-                      <a16:creationId xmlns:a16="http://schemas.microsoft.com/office/drawing/2014/main" id="{46CE6BC2-DB89-AB43-9CC8-B316317E66D3}"/>
-                    </a:ext>
-                  </a:extLst>
-                </p:cNvPr>
-                <p:cNvCxnSpPr/>
-                <p:nvPr/>
-              </p:nvCxnSpPr>
-              <p:spPr>
-                <a:xfrm flipV="1">
-                  <a:off x="2919869" y="1698171"/>
-                  <a:ext cx="1362" cy="1277258"/>
-                </a:xfrm>
-                <a:prstGeom prst="straightConnector1">
-                  <a:avLst/>
-                </a:prstGeom>
-                <a:ln w="25400">
-                  <a:solidFill>
-                    <a:srgbClr val="FF0000"/>
-                  </a:solidFill>
-                  <a:tailEnd type="triangle"/>
-                </a:ln>
-              </p:spPr>
-              <p:style>
-                <a:lnRef idx="1">
-                  <a:schemeClr val="accent1"/>
-                </a:lnRef>
-                <a:fillRef idx="0">
-                  <a:schemeClr val="accent1"/>
-                </a:fillRef>
-                <a:effectRef idx="0">
-                  <a:schemeClr val="accent1"/>
-                </a:effectRef>
-                <a:fontRef idx="minor">
-                  <a:schemeClr val="tx1"/>
-                </a:fontRef>
-              </p:style>
-            </p:cxnSp>
-            <p:cxnSp>
-              <p:nvCxnSpPr>
-                <p:cNvPr id="58" name="Straight Arrow Connector 57">
-                  <a:extLst>
-                    <a:ext uri="{FF2B5EF4-FFF2-40B4-BE49-F238E27FC236}">
-                      <a16:creationId xmlns:a16="http://schemas.microsoft.com/office/drawing/2014/main" id="{8D9B3A21-C69E-B640-95FD-E2D32BA4E3C7}"/>
-                    </a:ext>
-                  </a:extLst>
-                </p:cNvPr>
-                <p:cNvCxnSpPr/>
-                <p:nvPr/>
-              </p:nvCxnSpPr>
-              <p:spPr>
-                <a:xfrm flipV="1">
-                  <a:off x="3790950" y="1790699"/>
-                  <a:ext cx="1362" cy="1277258"/>
-                </a:xfrm>
-                <a:prstGeom prst="straightConnector1">
-                  <a:avLst/>
-                </a:prstGeom>
-                <a:ln w="25400">
-                  <a:solidFill>
-                    <a:srgbClr val="FF0000"/>
-                  </a:solidFill>
-                  <a:tailEnd type="triangle"/>
-                </a:ln>
-              </p:spPr>
-              <p:style>
-                <a:lnRef idx="1">
-                  <a:schemeClr val="accent1"/>
-                </a:lnRef>
-                <a:fillRef idx="0">
-                  <a:schemeClr val="accent1"/>
-                </a:fillRef>
-                <a:effectRef idx="0">
-                  <a:schemeClr val="accent1"/>
-                </a:effectRef>
-                <a:fontRef idx="minor">
-                  <a:schemeClr val="tx1"/>
-                </a:fontRef>
-              </p:style>
-            </p:cxnSp>
-            <p:cxnSp>
-              <p:nvCxnSpPr>
-                <p:cNvPr id="59" name="Straight Arrow Connector 58">
-                  <a:extLst>
-                    <a:ext uri="{FF2B5EF4-FFF2-40B4-BE49-F238E27FC236}">
-                      <a16:creationId xmlns:a16="http://schemas.microsoft.com/office/drawing/2014/main" id="{D16FBC19-9346-AF41-B21B-83BFD7800356}"/>
-                    </a:ext>
-                  </a:extLst>
-                </p:cNvPr>
-                <p:cNvCxnSpPr/>
-                <p:nvPr/>
-              </p:nvCxnSpPr>
-              <p:spPr>
-                <a:xfrm flipV="1">
-                  <a:off x="3270943" y="1865992"/>
-                  <a:ext cx="1362" cy="1277258"/>
-                </a:xfrm>
-                <a:prstGeom prst="straightConnector1">
-                  <a:avLst/>
-                </a:prstGeom>
-                <a:ln w="25400">
-                  <a:solidFill>
-                    <a:srgbClr val="FF0000"/>
-                  </a:solidFill>
-                  <a:tailEnd type="triangle"/>
-                </a:ln>
-              </p:spPr>
-              <p:style>
-                <a:lnRef idx="1">
-                  <a:schemeClr val="accent1"/>
-                </a:lnRef>
-                <a:fillRef idx="0">
-                  <a:schemeClr val="accent1"/>
-                </a:fillRef>
-                <a:effectRef idx="0">
-                  <a:schemeClr val="accent1"/>
-                </a:effectRef>
-                <a:fontRef idx="minor">
-                  <a:schemeClr val="tx1"/>
-                </a:fontRef>
-              </p:style>
-            </p:cxnSp>
-          </p:grpSp>
-          <mc:AlternateContent xmlns:mc="http://schemas.openxmlformats.org/markup-compatibility/2006" xmlns:a14="http://schemas.microsoft.com/office/drawing/2010/main">
-            <mc:Choice Requires="a14">
-              <p:sp>
-                <p:nvSpPr>
-                  <p:cNvPr id="14" name="TextBox 13">
-                    <a:extLst>
-                      <a:ext uri="{FF2B5EF4-FFF2-40B4-BE49-F238E27FC236}">
-                        <a16:creationId xmlns:a16="http://schemas.microsoft.com/office/drawing/2014/main" id="{5223ED87-A0CC-EE4C-83BA-C93ED22C4146}"/>
-                      </a:ext>
-                    </a:extLst>
-                  </p:cNvPr>
-                  <p:cNvSpPr txBox="1"/>
-                  <p:nvPr/>
-                </p:nvSpPr>
-                <p:spPr>
-                  <a:xfrm>
-                    <a:off x="937654" y="1348603"/>
-                    <a:ext cx="245708" cy="345159"/>
-                  </a:xfrm>
-                  <a:prstGeom prst="rect">
-                    <a:avLst/>
-                  </a:prstGeom>
-                  <a:noFill/>
-                </p:spPr>
-                <p:txBody>
-                  <a:bodyPr wrap="none" lIns="0" tIns="0" rIns="0" bIns="0" rtlCol="0">
-                    <a:spAutoFit/>
-                  </a:bodyPr>
-                  <a:lstStyle/>
-                  <a:p>
-                    <a:pPr/>
-                    <a14:m>
-                      <m:oMathPara xmlns:m="http://schemas.openxmlformats.org/officeDocument/2006/math">
-                        <m:oMathParaPr>
-                          <m:jc m:val="centerGroup"/>
-                        </m:oMathParaPr>
-                        <m:oMath xmlns:m="http://schemas.openxmlformats.org/officeDocument/2006/math">
-                          <m:acc>
-                            <m:accPr>
-                              <m:chr m:val="⃗"/>
-                              <m:ctrlPr>
-                                <a:rPr lang="en-US" sz="2000" b="0" i="1" smtClean="0">
-                                  <a:solidFill>
-                                    <a:srgbClr val="FF0000"/>
-                                  </a:solidFill>
-                                  <a:latin typeface="Cambria Math" panose="02040503050406030204" pitchFamily="18" charset="0"/>
-                                  <a:cs typeface="Arial" panose="020B0604020202020204" pitchFamily="34" charset="0"/>
-                                </a:rPr>
-                              </m:ctrlPr>
-                            </m:accPr>
-                            <m:e>
-                              <m:r>
-                                <a:rPr lang="en-US" sz="2000" b="0" i="1" smtClean="0">
-                                  <a:solidFill>
-                                    <a:srgbClr val="FF0000"/>
-                                  </a:solidFill>
-                                  <a:latin typeface="Cambria Math" panose="02040503050406030204" pitchFamily="18" charset="0"/>
-                                  <a:cs typeface="Arial" panose="020B0604020202020204" pitchFamily="34" charset="0"/>
-                                </a:rPr>
-                                <m:t>𝐵</m:t>
-                              </m:r>
-                            </m:e>
-                          </m:acc>
-                        </m:oMath>
-                      </m:oMathPara>
-                    </a14:m>
-                    <a:endParaRPr lang="en-US" sz="2000" dirty="0">
-                      <a:solidFill>
-                        <a:srgbClr val="FF0000"/>
-                      </a:solidFill>
-                      <a:latin typeface="Arial" panose="020B0604020202020204" pitchFamily="34" charset="0"/>
-                      <a:cs typeface="Arial" panose="020B0604020202020204" pitchFamily="34" charset="0"/>
-                    </a:endParaRPr>
-                  </a:p>
-                </p:txBody>
-              </p:sp>
-            </mc:Choice>
-            <mc:Fallback xmlns="">
-              <p:sp>
-                <p:nvSpPr>
-                  <p:cNvPr id="142" name="TextBox 141"/>
-                  <p:cNvSpPr txBox="1">
-                    <a:spLocks noRot="1" noChangeAspect="1" noMove="1" noResize="1" noEditPoints="1" noAdjustHandles="1" noChangeArrowheads="1" noChangeShapeType="1" noTextEdit="1"/>
-                  </p:cNvSpPr>
-                  <p:nvPr/>
-                </p:nvSpPr>
-                <p:spPr>
-                  <a:xfrm>
-                    <a:off x="937654" y="1348603"/>
-                    <a:ext cx="245708" cy="345159"/>
-                  </a:xfrm>
-                  <a:prstGeom prst="rect">
-                    <a:avLst/>
-                  </a:prstGeom>
-                  <a:blipFill>
-                    <a:blip r:embed="rId5"/>
-                    <a:stretch>
-                      <a:fillRect l="-22500" r="-20000" b="-8772"/>
-                    </a:stretch>
-                  </a:blipFill>
-                </p:spPr>
-                <p:txBody>
-                  <a:bodyPr/>
-                  <a:lstStyle/>
-                  <a:p>
-                    <a:r>
-                      <a:rPr lang="en-US">
-                        <a:noFill/>
-                      </a:rPr>
-                      <a:t> </a:t>
-                    </a:r>
-                  </a:p>
-                </p:txBody>
-              </p:sp>
-            </mc:Fallback>
-          </mc:AlternateContent>
-        </p:grpSp>
-        <p:sp>
-          <p:nvSpPr>
-            <p:cNvPr id="68" name="Up Arrow 67">
-              <a:extLst>
-                <a:ext uri="{FF2B5EF4-FFF2-40B4-BE49-F238E27FC236}">
-                  <a16:creationId xmlns:a16="http://schemas.microsoft.com/office/drawing/2014/main" id="{353EB879-9D21-6E48-82EB-3C7939530AA5}"/>
-                </a:ext>
-              </a:extLst>
-            </p:cNvPr>
-            <p:cNvSpPr/>
-            <p:nvPr/>
-          </p:nvSpPr>
-          <p:spPr>
-            <a:xfrm>
-              <a:off x="2611537" y="2085819"/>
-              <a:ext cx="599440" cy="662510"/>
-            </a:xfrm>
-            <a:prstGeom prst="upArrow">
-              <a:avLst/>
-            </a:prstGeom>
-            <a:solidFill>
-              <a:srgbClr val="FF0000"/>
-            </a:solidFill>
-            <a:ln w="38100">
-              <a:noFill/>
-            </a:ln>
-          </p:spPr>
-          <p:style>
-            <a:lnRef idx="2">
-              <a:schemeClr val="accent1">
-                <a:shade val="50000"/>
-              </a:schemeClr>
-            </a:lnRef>
-            <a:fillRef idx="1">
-              <a:schemeClr val="accent1"/>
-            </a:fillRef>
-            <a:effectRef idx="0">
-              <a:schemeClr val="accent1"/>
-            </a:effectRef>
-            <a:fontRef idx="minor">
-              <a:schemeClr val="lt1"/>
-            </a:fontRef>
-          </p:style>
-          <p:txBody>
-            <a:bodyPr rtlCol="0" anchor="ctr"/>
-            <a:lstStyle/>
-            <a:p>
-              <a:pPr algn="ctr"/>
-              <a:endParaRPr lang="en-US"/>
-            </a:p>
-          </p:txBody>
-        </p:sp>
-        <mc:AlternateContent xmlns:mc="http://schemas.openxmlformats.org/markup-compatibility/2006">
-          <mc:Choice xmlns:a14="http://schemas.microsoft.com/office/drawing/2010/main" Requires="a14">
-            <p:sp>
-              <p:nvSpPr>
-                <p:cNvPr id="69" name="TextBox 68">
-                  <a:extLst>
-                    <a:ext uri="{FF2B5EF4-FFF2-40B4-BE49-F238E27FC236}">
-                      <a16:creationId xmlns:a16="http://schemas.microsoft.com/office/drawing/2014/main" id="{0E301794-617A-3F4A-88AB-6CB637F0DF85}"/>
-                    </a:ext>
-                  </a:extLst>
-                </p:cNvPr>
-                <p:cNvSpPr txBox="1"/>
-                <p:nvPr/>
-              </p:nvSpPr>
-              <p:spPr>
-                <a:xfrm>
-                  <a:off x="1986172" y="1690042"/>
-                  <a:ext cx="1905265" cy="307777"/>
-                </a:xfrm>
-                <a:prstGeom prst="rect">
-                  <a:avLst/>
-                </a:prstGeom>
-                <a:noFill/>
-              </p:spPr>
-              <p:txBody>
-                <a:bodyPr wrap="none" lIns="0" tIns="0" rIns="0" bIns="0" rtlCol="0">
-                  <a:spAutoFit/>
-                </a:bodyPr>
-                <a:lstStyle/>
-                <a:p>
-                  <a14:m>
-                    <m:oMathPara xmlns:m="http://schemas.openxmlformats.org/officeDocument/2006/math">
-                      <m:oMathParaPr>
-                        <m:jc m:val="centerGroup"/>
-                      </m:oMathParaPr>
-                      <m:oMath xmlns:m="http://schemas.openxmlformats.org/officeDocument/2006/math">
-                        <m:r>
-                          <a:rPr lang="en-CA" sz="2000" b="0" i="1" smtClean="0">
-                            <a:solidFill>
-                              <a:srgbClr val="FF0000"/>
-                            </a:solidFill>
-                            <a:latin typeface="Cambria Math" panose="02040503050406030204" pitchFamily="18" charset="0"/>
-                            <a:cs typeface="Arial" panose="020B0604020202020204" pitchFamily="34" charset="0"/>
-                          </a:rPr>
-                          <m:t>𝐼𝑛𝑐𝑟𝑒𝑎𝑠𝑖𝑛𝑔</m:t>
-                        </m:r>
-                        <m:r>
-                          <a:rPr lang="en-CA" sz="2000" b="0" i="1" smtClean="0">
-                            <a:solidFill>
-                              <a:srgbClr val="FF0000"/>
-                            </a:solidFill>
-                            <a:latin typeface="Cambria Math" panose="02040503050406030204" pitchFamily="18" charset="0"/>
-                            <a:cs typeface="Arial" panose="020B0604020202020204" pitchFamily="34" charset="0"/>
-                          </a:rPr>
-                          <m:t> </m:t>
-                        </m:r>
-                        <m:r>
-                          <a:rPr lang="en-CA" sz="2000" b="0" i="1" smtClean="0">
-                            <a:solidFill>
-                              <a:srgbClr val="FF0000"/>
-                            </a:solidFill>
-                            <a:latin typeface="Cambria Math" panose="02040503050406030204" pitchFamily="18" charset="0"/>
-                            <a:cs typeface="Arial" panose="020B0604020202020204" pitchFamily="34" charset="0"/>
-                          </a:rPr>
-                          <m:t>𝑓𝑙𝑢𝑥</m:t>
-                        </m:r>
-                      </m:oMath>
-                    </m:oMathPara>
-                  </a14:m>
-                  <a:endParaRPr lang="en-US" sz="2000" dirty="0">
-                    <a:solidFill>
-                      <a:srgbClr val="FF0000"/>
-                    </a:solidFill>
-                    <a:latin typeface="Arial" panose="020B0604020202020204" pitchFamily="34" charset="0"/>
-                    <a:cs typeface="Arial" panose="020B0604020202020204" pitchFamily="34" charset="0"/>
-                  </a:endParaRPr>
-                </a:p>
-              </p:txBody>
-            </p:sp>
-          </mc:Choice>
-          <mc:Fallback>
-            <p:sp>
-              <p:nvSpPr>
-                <p:cNvPr id="69" name="TextBox 68">
-                  <a:extLst>
-                    <a:ext uri="{FF2B5EF4-FFF2-40B4-BE49-F238E27FC236}">
-                      <a16:creationId xmlns:a16="http://schemas.microsoft.com/office/drawing/2014/main" id="{0E301794-617A-3F4A-88AB-6CB637F0DF85}"/>
-                    </a:ext>
-                  </a:extLst>
-                </p:cNvPr>
-                <p:cNvSpPr txBox="1">
-                  <a:spLocks noRot="1" noChangeAspect="1" noMove="1" noResize="1" noEditPoints="1" noAdjustHandles="1" noChangeArrowheads="1" noChangeShapeType="1" noTextEdit="1"/>
-                </p:cNvSpPr>
-                <p:nvPr/>
-              </p:nvSpPr>
-              <p:spPr>
-                <a:xfrm>
-                  <a:off x="1986172" y="1690042"/>
-                  <a:ext cx="1905265" cy="307777"/>
-                </a:xfrm>
-                <a:prstGeom prst="rect">
-                  <a:avLst/>
-                </a:prstGeom>
-                <a:blipFill>
-                  <a:blip r:embed="rId6"/>
-                  <a:stretch>
-                    <a:fillRect l="-3311" t="-3846" r="-3311" b="-34615"/>
-                  </a:stretch>
-                </a:blipFill>
-              </p:spPr>
-              <p:txBody>
-                <a:bodyPr/>
-                <a:lstStyle/>
-                <a:p>
-                  <a:r>
-                    <a:rPr lang="en-US">
-                      <a:noFill/>
-                    </a:rPr>
-                    <a:t> </a:t>
-                  </a:r>
-                </a:p>
-              </p:txBody>
-            </p:sp>
-          </mc:Fallback>
-        </mc:AlternateContent>
-      </p:grpSp>
-      <p:grpSp>
-        <p:nvGrpSpPr>
-          <p:cNvPr id="138" name="Group 137">
-            <a:extLst>
-              <a:ext uri="{FF2B5EF4-FFF2-40B4-BE49-F238E27FC236}">
-                <a16:creationId xmlns:a16="http://schemas.microsoft.com/office/drawing/2014/main" id="{2DA70E1E-4CE7-E849-985D-3CEC7A430142}"/>
-              </a:ext>
-            </a:extLst>
-          </p:cNvPr>
-          <p:cNvGrpSpPr/>
-          <p:nvPr/>
-        </p:nvGrpSpPr>
-        <p:grpSpPr>
-          <a:xfrm>
-            <a:off x="4576931" y="1465927"/>
-            <a:ext cx="4040587" cy="2743349"/>
-            <a:chOff x="4452794" y="185198"/>
-            <a:chExt cx="4040587" cy="2743349"/>
-          </a:xfrm>
-        </p:grpSpPr>
-        <p:grpSp>
-          <p:nvGrpSpPr>
-            <p:cNvPr id="134" name="Group 133">
-              <a:extLst>
-                <a:ext uri="{FF2B5EF4-FFF2-40B4-BE49-F238E27FC236}">
-                  <a16:creationId xmlns:a16="http://schemas.microsoft.com/office/drawing/2014/main" id="{1313C01B-E50E-6F4A-951F-7E89F392006F}"/>
-                </a:ext>
-              </a:extLst>
-            </p:cNvPr>
-            <p:cNvGrpSpPr/>
-            <p:nvPr/>
-          </p:nvGrpSpPr>
-          <p:grpSpPr>
-            <a:xfrm>
-              <a:off x="4452794" y="185198"/>
-              <a:ext cx="3333758" cy="2743349"/>
-              <a:chOff x="4452794" y="185198"/>
-              <a:chExt cx="3333758" cy="2743349"/>
-            </a:xfrm>
-          </p:grpSpPr>
-          <p:grpSp>
-            <p:nvGrpSpPr>
-              <p:cNvPr id="106" name="Group 105">
-                <a:extLst>
-                  <a:ext uri="{FF2B5EF4-FFF2-40B4-BE49-F238E27FC236}">
-                    <a16:creationId xmlns:a16="http://schemas.microsoft.com/office/drawing/2014/main" id="{70EE1630-8119-5E48-8BDB-EF7B96F5BD59}"/>
-                  </a:ext>
-                </a:extLst>
-              </p:cNvPr>
-              <p:cNvGrpSpPr/>
-              <p:nvPr/>
-            </p:nvGrpSpPr>
-            <p:grpSpPr>
-              <a:xfrm>
-                <a:off x="4452794" y="185198"/>
-                <a:ext cx="3333758" cy="2743349"/>
-                <a:chOff x="5458771" y="1795223"/>
-                <a:chExt cx="3333758" cy="2743349"/>
-              </a:xfrm>
-            </p:grpSpPr>
-            <p:grpSp>
-              <p:nvGrpSpPr>
-                <p:cNvPr id="98" name="Group 97">
-                  <a:extLst>
-                    <a:ext uri="{FF2B5EF4-FFF2-40B4-BE49-F238E27FC236}">
-                      <a16:creationId xmlns:a16="http://schemas.microsoft.com/office/drawing/2014/main" id="{D3DCBA1D-FBAA-1B4D-8D04-EAC416843277}"/>
-                    </a:ext>
-                  </a:extLst>
-                </p:cNvPr>
-                <p:cNvGrpSpPr/>
-                <p:nvPr/>
-              </p:nvGrpSpPr>
-              <p:grpSpPr>
-                <a:xfrm>
-                  <a:off x="5458771" y="1795223"/>
-                  <a:ext cx="3333758" cy="2743349"/>
-                  <a:chOff x="5458771" y="1795223"/>
-                  <a:chExt cx="3333758" cy="2743349"/>
-                </a:xfrm>
-              </p:grpSpPr>
-              <p:cxnSp>
-                <p:nvCxnSpPr>
-                  <p:cNvPr id="94" name="Straight Connector 93">
-                    <a:extLst>
-                      <a:ext uri="{FF2B5EF4-FFF2-40B4-BE49-F238E27FC236}">
-                        <a16:creationId xmlns:a16="http://schemas.microsoft.com/office/drawing/2014/main" id="{BC22C8A4-C2D1-3444-8FD0-56C54C67BEAE}"/>
-                      </a:ext>
-                    </a:extLst>
-                  </p:cNvPr>
-                  <p:cNvCxnSpPr/>
-                  <p:nvPr/>
-                </p:nvCxnSpPr>
-                <p:spPr>
-                  <a:xfrm>
-                    <a:off x="7629940" y="3571557"/>
-                    <a:ext cx="0" cy="967015"/>
-                  </a:xfrm>
-                  <a:prstGeom prst="line">
-                    <a:avLst/>
-                  </a:prstGeom>
-                  <a:ln w="25400">
-                    <a:solidFill>
-                      <a:srgbClr val="00B0F0"/>
-                    </a:solidFill>
-                    <a:tailEnd type="triangle"/>
-                  </a:ln>
-                </p:spPr>
-                <p:style>
-                  <a:lnRef idx="1">
-                    <a:schemeClr val="accent1"/>
-                  </a:lnRef>
-                  <a:fillRef idx="0">
-                    <a:schemeClr val="accent1"/>
-                  </a:fillRef>
-                  <a:effectRef idx="0">
-                    <a:schemeClr val="accent1"/>
-                  </a:effectRef>
-                  <a:fontRef idx="minor">
-                    <a:schemeClr val="tx1"/>
-                  </a:fontRef>
-                </p:style>
-              </p:cxnSp>
-              <p:cxnSp>
-                <p:nvCxnSpPr>
-                  <p:cNvPr id="95" name="Straight Connector 94">
-                    <a:extLst>
-                      <a:ext uri="{FF2B5EF4-FFF2-40B4-BE49-F238E27FC236}">
-                        <a16:creationId xmlns:a16="http://schemas.microsoft.com/office/drawing/2014/main" id="{51DB3648-0F5B-7948-965B-50533DC86073}"/>
-                      </a:ext>
-                    </a:extLst>
-                  </p:cNvPr>
-                  <p:cNvCxnSpPr/>
-                  <p:nvPr/>
-                </p:nvCxnSpPr>
-                <p:spPr>
-                  <a:xfrm>
-                    <a:off x="8263458" y="3388314"/>
-                    <a:ext cx="0" cy="967015"/>
-                  </a:xfrm>
-                  <a:prstGeom prst="line">
-                    <a:avLst/>
-                  </a:prstGeom>
-                  <a:ln w="25400">
-                    <a:solidFill>
-                      <a:srgbClr val="00B0F0"/>
-                    </a:solidFill>
-                    <a:tailEnd type="triangle"/>
-                  </a:ln>
-                </p:spPr>
-                <p:style>
-                  <a:lnRef idx="1">
-                    <a:schemeClr val="accent1"/>
-                  </a:lnRef>
-                  <a:fillRef idx="0">
-                    <a:schemeClr val="accent1"/>
-                  </a:fillRef>
-                  <a:effectRef idx="0">
-                    <a:schemeClr val="accent1"/>
-                  </a:effectRef>
-                  <a:fontRef idx="minor">
-                    <a:schemeClr val="tx1"/>
-                  </a:fontRef>
-                </p:style>
-              </p:cxnSp>
-              <p:grpSp>
-                <p:nvGrpSpPr>
-                  <p:cNvPr id="70" name="Group 69">
-                    <a:extLst>
-                      <a:ext uri="{FF2B5EF4-FFF2-40B4-BE49-F238E27FC236}">
-                        <a16:creationId xmlns:a16="http://schemas.microsoft.com/office/drawing/2014/main" id="{8661BE8B-AA25-034B-BD50-CBEC86B4AB53}"/>
-                      </a:ext>
-                    </a:extLst>
-                  </p:cNvPr>
-                  <p:cNvGrpSpPr/>
-                  <p:nvPr/>
-                </p:nvGrpSpPr>
-                <p:grpSpPr>
-                  <a:xfrm>
-                    <a:off x="5458771" y="1795223"/>
-                    <a:ext cx="3333758" cy="2718553"/>
-                    <a:chOff x="652117" y="919217"/>
-                    <a:chExt cx="3333758" cy="2718553"/>
-                  </a:xfrm>
-                </p:grpSpPr>
-                <p:grpSp>
-                  <p:nvGrpSpPr>
-                    <p:cNvPr id="71" name="Group 70">
-                      <a:extLst>
-                        <a:ext uri="{FF2B5EF4-FFF2-40B4-BE49-F238E27FC236}">
-                          <a16:creationId xmlns:a16="http://schemas.microsoft.com/office/drawing/2014/main" id="{B7FBC06A-0C34-2F46-B99B-5B333168BD80}"/>
-                        </a:ext>
-                      </a:extLst>
-                    </p:cNvPr>
-                    <p:cNvGrpSpPr/>
-                    <p:nvPr/>
-                  </p:nvGrpSpPr>
-                  <p:grpSpPr>
-                    <a:xfrm>
-                      <a:off x="1024960" y="1225676"/>
-                      <a:ext cx="2960915" cy="2412094"/>
-                      <a:chOff x="1088571" y="1806121"/>
-                      <a:chExt cx="2960915" cy="2412094"/>
-                    </a:xfrm>
-                  </p:grpSpPr>
-                  <p:cxnSp>
-                    <p:nvCxnSpPr>
-                      <p:cNvPr id="74" name="Straight Connector 73">
-                        <a:extLst>
-                          <a:ext uri="{FF2B5EF4-FFF2-40B4-BE49-F238E27FC236}">
-                            <a16:creationId xmlns:a16="http://schemas.microsoft.com/office/drawing/2014/main" id="{9B15B02D-678A-2C4D-8867-CCEEAE188CF3}"/>
-                          </a:ext>
-                        </a:extLst>
-                      </p:cNvPr>
-                      <p:cNvCxnSpPr/>
-                      <p:nvPr/>
-                    </p:nvCxnSpPr>
-                    <p:spPr>
-                      <a:xfrm>
-                        <a:off x="1688648" y="3251200"/>
-                        <a:ext cx="0" cy="967015"/>
-                      </a:xfrm>
-                      <a:prstGeom prst="line">
-                        <a:avLst/>
-                      </a:prstGeom>
-                      <a:ln w="25400">
-                        <a:solidFill>
-                          <a:srgbClr val="00B0F0"/>
-                        </a:solidFill>
-                        <a:tailEnd type="triangle"/>
-                      </a:ln>
-                    </p:spPr>
-                    <p:style>
-                      <a:lnRef idx="1">
-                        <a:schemeClr val="accent1"/>
-                      </a:lnRef>
-                      <a:fillRef idx="0">
-                        <a:schemeClr val="accent1"/>
-                      </a:fillRef>
-                      <a:effectRef idx="0">
-                        <a:schemeClr val="accent1"/>
-                      </a:effectRef>
-                      <a:fontRef idx="minor">
-                        <a:schemeClr val="tx1"/>
-                      </a:fontRef>
-                    </p:style>
-                  </p:cxnSp>
-                  <p:cxnSp>
-                    <p:nvCxnSpPr>
-                      <p:cNvPr id="76" name="Straight Connector 75">
-                        <a:extLst>
-                          <a:ext uri="{FF2B5EF4-FFF2-40B4-BE49-F238E27FC236}">
-                            <a16:creationId xmlns:a16="http://schemas.microsoft.com/office/drawing/2014/main" id="{AD33AB78-5AF6-CB45-A083-02230D187DCE}"/>
-                          </a:ext>
-                        </a:extLst>
-                      </p:cNvPr>
-                      <p:cNvCxnSpPr/>
-                      <p:nvPr/>
-                    </p:nvCxnSpPr>
-                    <p:spPr>
-                      <a:xfrm>
-                        <a:off x="2322166" y="3067957"/>
-                        <a:ext cx="0" cy="967015"/>
-                      </a:xfrm>
-                      <a:prstGeom prst="line">
-                        <a:avLst/>
-                      </a:prstGeom>
-                      <a:ln w="25400">
-                        <a:solidFill>
-                          <a:srgbClr val="00B0F0"/>
-                        </a:solidFill>
-                        <a:tailEnd type="triangle"/>
-                      </a:ln>
-                    </p:spPr>
-                    <p:style>
-                      <a:lnRef idx="1">
-                        <a:schemeClr val="accent1"/>
-                      </a:lnRef>
-                      <a:fillRef idx="0">
-                        <a:schemeClr val="accent1"/>
-                      </a:fillRef>
-                      <a:effectRef idx="0">
-                        <a:schemeClr val="accent1"/>
-                      </a:effectRef>
-                      <a:fontRef idx="minor">
-                        <a:schemeClr val="tx1"/>
-                      </a:fontRef>
-                    </p:style>
-                  </p:cxnSp>
-                  <p:sp>
-                    <p:nvSpPr>
-                      <p:cNvPr id="81" name="Oval 80">
-                        <a:extLst>
-                          <a:ext uri="{FF2B5EF4-FFF2-40B4-BE49-F238E27FC236}">
-                            <a16:creationId xmlns:a16="http://schemas.microsoft.com/office/drawing/2014/main" id="{7B5070F3-9CF1-DF4C-80CC-DF318B2F237A}"/>
-                          </a:ext>
-                        </a:extLst>
-                      </p:cNvPr>
-                      <p:cNvSpPr/>
-                      <p:nvPr/>
-                    </p:nvSpPr>
-                    <p:spPr>
-                      <a:xfrm>
-                        <a:off x="1088571" y="2699657"/>
-                        <a:ext cx="2960915" cy="696686"/>
-                      </a:xfrm>
-                      <a:prstGeom prst="ellipse">
-                        <a:avLst/>
-                      </a:prstGeom>
-                      <a:solidFill>
-                        <a:schemeClr val="bg2">
-                          <a:lumMod val="90000"/>
-                          <a:alpha val="79000"/>
-                        </a:schemeClr>
-                      </a:solidFill>
-                      <a:ln w="38100">
-                        <a:solidFill>
-                          <a:schemeClr val="tx1"/>
-                        </a:solidFill>
-                      </a:ln>
-                    </p:spPr>
-                    <p:style>
-                      <a:lnRef idx="2">
-                        <a:schemeClr val="accent1">
-                          <a:shade val="50000"/>
-                        </a:schemeClr>
-                      </a:lnRef>
-                      <a:fillRef idx="1">
-                        <a:schemeClr val="accent1"/>
-                      </a:fillRef>
-                      <a:effectRef idx="0">
-                        <a:schemeClr val="accent1"/>
-                      </a:effectRef>
-                      <a:fontRef idx="minor">
-                        <a:schemeClr val="lt1"/>
-                      </a:fontRef>
-                    </p:style>
-                    <p:txBody>
-                      <a:bodyPr rtlCol="0" anchor="ctr"/>
-                      <a:lstStyle/>
-                      <a:p>
-                        <a:pPr algn="ctr"/>
-                        <a:endParaRPr lang="en-US"/>
-                      </a:p>
-                    </p:txBody>
-                  </p:sp>
-                  <p:cxnSp>
-                    <p:nvCxnSpPr>
-                      <p:cNvPr id="84" name="Straight Arrow Connector 83">
-                        <a:extLst>
-                          <a:ext uri="{FF2B5EF4-FFF2-40B4-BE49-F238E27FC236}">
-                            <a16:creationId xmlns:a16="http://schemas.microsoft.com/office/drawing/2014/main" id="{0BB22153-24CB-064F-ABEC-81F05ED76CFF}"/>
-                          </a:ext>
-                        </a:extLst>
-                      </p:cNvPr>
-                      <p:cNvCxnSpPr/>
-                      <p:nvPr/>
-                    </p:nvCxnSpPr>
-                    <p:spPr>
-                      <a:xfrm flipV="1">
-                        <a:off x="1688648" y="1973942"/>
-                        <a:ext cx="1362" cy="1277258"/>
-                      </a:xfrm>
-                      <a:prstGeom prst="straightConnector1">
-                        <a:avLst/>
-                      </a:prstGeom>
-                      <a:ln w="25400">
-                        <a:solidFill>
-                          <a:srgbClr val="00B0F0"/>
-                        </a:solidFill>
-                        <a:tailEnd type="none"/>
-                      </a:ln>
-                    </p:spPr>
-                    <p:style>
-                      <a:lnRef idx="1">
-                        <a:schemeClr val="accent1"/>
-                      </a:lnRef>
-                      <a:fillRef idx="0">
-                        <a:schemeClr val="accent1"/>
-                      </a:fillRef>
-                      <a:effectRef idx="0">
-                        <a:schemeClr val="accent1"/>
-                      </a:effectRef>
-                      <a:fontRef idx="minor">
-                        <a:schemeClr val="tx1"/>
-                      </a:fontRef>
-                    </p:style>
-                  </p:cxnSp>
-                  <p:cxnSp>
-                    <p:nvCxnSpPr>
-                      <p:cNvPr id="85" name="Straight Arrow Connector 84">
-                        <a:extLst>
-                          <a:ext uri="{FF2B5EF4-FFF2-40B4-BE49-F238E27FC236}">
-                            <a16:creationId xmlns:a16="http://schemas.microsoft.com/office/drawing/2014/main" id="{63E28ADF-B8B0-BA4B-9B3F-9C8CBFF569E5}"/>
-                          </a:ext>
-                        </a:extLst>
-                      </p:cNvPr>
-                      <p:cNvCxnSpPr/>
-                      <p:nvPr/>
-                    </p:nvCxnSpPr>
-                    <p:spPr>
-                      <a:xfrm flipV="1">
-                        <a:off x="2322166" y="1806121"/>
-                        <a:ext cx="1362" cy="1277258"/>
-                      </a:xfrm>
-                      <a:prstGeom prst="straightConnector1">
-                        <a:avLst/>
-                      </a:prstGeom>
-                      <a:ln w="25400">
-                        <a:solidFill>
-                          <a:srgbClr val="00B0F0"/>
-                        </a:solidFill>
-                        <a:tailEnd type="none"/>
-                      </a:ln>
-                    </p:spPr>
-                    <p:style>
-                      <a:lnRef idx="1">
-                        <a:schemeClr val="accent1"/>
-                      </a:lnRef>
-                      <a:fillRef idx="0">
-                        <a:schemeClr val="accent1"/>
-                      </a:fillRef>
-                      <a:effectRef idx="0">
-                        <a:schemeClr val="accent1"/>
-                      </a:effectRef>
-                      <a:fontRef idx="minor">
-                        <a:schemeClr val="tx1"/>
-                      </a:fontRef>
-                    </p:style>
-                  </p:cxnSp>
-                </p:grpSp>
-                <mc:AlternateContent xmlns:mc="http://schemas.openxmlformats.org/markup-compatibility/2006">
-                  <mc:Choice xmlns:a14="http://schemas.microsoft.com/office/drawing/2010/main" Requires="a14">
-                    <p:sp>
-                      <p:nvSpPr>
-                        <p:cNvPr id="72" name="TextBox 71">
-                          <a:extLst>
-                            <a:ext uri="{FF2B5EF4-FFF2-40B4-BE49-F238E27FC236}">
-                              <a16:creationId xmlns:a16="http://schemas.microsoft.com/office/drawing/2014/main" id="{DDBE520F-36EC-7F41-8696-19A23AD46783}"/>
-                            </a:ext>
-                          </a:extLst>
-                        </p:cNvPr>
-                        <p:cNvSpPr txBox="1"/>
-                        <p:nvPr/>
-                      </p:nvSpPr>
-                      <p:spPr>
-                        <a:xfrm>
-                          <a:off x="652117" y="919217"/>
-                          <a:ext cx="1246110" cy="345159"/>
-                        </a:xfrm>
-                        <a:prstGeom prst="rect">
-                          <a:avLst/>
-                        </a:prstGeom>
-                        <a:noFill/>
-                      </p:spPr>
-                      <p:txBody>
-                        <a:bodyPr wrap="none" lIns="0" tIns="0" rIns="0" bIns="0" rtlCol="0">
-                          <a:spAutoFit/>
-                        </a:bodyPr>
-                        <a:lstStyle/>
-                        <a:p>
-                          <a:pPr/>
-                          <a14:m>
-                            <m:oMathPara xmlns:m="http://schemas.openxmlformats.org/officeDocument/2006/math">
-                              <m:oMathParaPr>
-                                <m:jc m:val="centerGroup"/>
-                              </m:oMathParaPr>
-                              <m:oMath xmlns:m="http://schemas.openxmlformats.org/officeDocument/2006/math">
-                                <m:r>
-                                  <a:rPr lang="en-CA" sz="2000" b="0" i="1" smtClean="0">
-                                    <a:solidFill>
-                                      <a:srgbClr val="00B0F0"/>
-                                    </a:solidFill>
-                                    <a:latin typeface="Cambria Math" panose="02040503050406030204" pitchFamily="18" charset="0"/>
-                                    <a:cs typeface="Arial" panose="020B0604020202020204" pitchFamily="34" charset="0"/>
-                                  </a:rPr>
-                                  <m:t>𝐼𝑛𝑑𝑢𝑐𝑒𝑑</m:t>
-                                </m:r>
-                                <m:r>
-                                  <a:rPr lang="en-CA" sz="2000" b="0" i="1" smtClean="0">
-                                    <a:solidFill>
-                                      <a:srgbClr val="00B0F0"/>
-                                    </a:solidFill>
-                                    <a:latin typeface="Cambria Math" panose="02040503050406030204" pitchFamily="18" charset="0"/>
-                                    <a:cs typeface="Arial" panose="020B0604020202020204" pitchFamily="34" charset="0"/>
-                                  </a:rPr>
-                                  <m:t> </m:t>
-                                </m:r>
-                                <m:acc>
-                                  <m:accPr>
-                                    <m:chr m:val="⃗"/>
-                                    <m:ctrlPr>
-                                      <a:rPr lang="en-US" sz="2000" b="0" i="1" smtClean="0">
-                                        <a:solidFill>
-                                          <a:srgbClr val="00B0F0"/>
-                                        </a:solidFill>
-                                        <a:latin typeface="Cambria Math" panose="02040503050406030204" pitchFamily="18" charset="0"/>
-                                        <a:cs typeface="Arial" panose="020B0604020202020204" pitchFamily="34" charset="0"/>
-                                      </a:rPr>
-                                    </m:ctrlPr>
-                                  </m:accPr>
-                                  <m:e>
-                                    <m:r>
-                                      <a:rPr lang="en-US" sz="2000" b="0" i="1" smtClean="0">
-                                        <a:solidFill>
-                                          <a:srgbClr val="00B0F0"/>
-                                        </a:solidFill>
-                                        <a:latin typeface="Cambria Math" panose="02040503050406030204" pitchFamily="18" charset="0"/>
-                                        <a:cs typeface="Arial" panose="020B0604020202020204" pitchFamily="34" charset="0"/>
-                                      </a:rPr>
-                                      <m:t>𝐵</m:t>
-                                    </m:r>
-                                  </m:e>
-                                </m:acc>
-                              </m:oMath>
-                            </m:oMathPara>
-                          </a14:m>
-                          <a:endParaRPr lang="en-US" sz="2000" dirty="0">
-                            <a:solidFill>
-                              <a:srgbClr val="00B0F0"/>
-                            </a:solidFill>
-                            <a:latin typeface="Arial" panose="020B0604020202020204" pitchFamily="34" charset="0"/>
-                            <a:cs typeface="Arial" panose="020B0604020202020204" pitchFamily="34" charset="0"/>
-                          </a:endParaRPr>
-                        </a:p>
-                      </p:txBody>
-                    </p:sp>
-                  </mc:Choice>
-                  <mc:Fallback>
-                    <p:sp>
-                      <p:nvSpPr>
-                        <p:cNvPr id="72" name="TextBox 71">
-                          <a:extLst>
-                            <a:ext uri="{FF2B5EF4-FFF2-40B4-BE49-F238E27FC236}">
-                              <a16:creationId xmlns:a16="http://schemas.microsoft.com/office/drawing/2014/main" id="{DDBE520F-36EC-7F41-8696-19A23AD46783}"/>
-                            </a:ext>
-                          </a:extLst>
-                        </p:cNvPr>
-                        <p:cNvSpPr txBox="1">
-                          <a:spLocks noRot="1" noChangeAspect="1" noMove="1" noResize="1" noEditPoints="1" noAdjustHandles="1" noChangeArrowheads="1" noChangeShapeType="1" noTextEdit="1"/>
-                        </p:cNvSpPr>
-                        <p:nvPr/>
-                      </p:nvSpPr>
-                      <p:spPr>
-                        <a:xfrm>
-                          <a:off x="652117" y="919217"/>
-                          <a:ext cx="1246110" cy="345159"/>
-                        </a:xfrm>
-                        <a:prstGeom prst="rect">
-                          <a:avLst/>
-                        </a:prstGeom>
-                        <a:blipFill>
-                          <a:blip r:embed="rId7"/>
-                          <a:stretch>
-                            <a:fillRect l="-4040" r="-2020" b="-31034"/>
-                          </a:stretch>
-                        </a:blipFill>
-                      </p:spPr>
-                      <p:txBody>
-                        <a:bodyPr/>
-                        <a:lstStyle/>
-                        <a:p>
-                          <a:r>
-                            <a:rPr lang="en-US">
-                              <a:noFill/>
-                            </a:rPr>
-                            <a:t> </a:t>
-                          </a:r>
-                        </a:p>
-                      </p:txBody>
-                    </p:sp>
-                  </mc:Fallback>
-                </mc:AlternateContent>
-              </p:grpSp>
-              <p:cxnSp>
-                <p:nvCxnSpPr>
-                  <p:cNvPr id="96" name="Straight Arrow Connector 95">
-                    <a:extLst>
-                      <a:ext uri="{FF2B5EF4-FFF2-40B4-BE49-F238E27FC236}">
-                        <a16:creationId xmlns:a16="http://schemas.microsoft.com/office/drawing/2014/main" id="{88772BC0-822A-9148-BB83-3B03285368D8}"/>
-                      </a:ext>
-                    </a:extLst>
-                  </p:cNvPr>
-                  <p:cNvCxnSpPr/>
-                  <p:nvPr/>
-                </p:nvCxnSpPr>
-                <p:spPr>
-                  <a:xfrm flipV="1">
-                    <a:off x="7629940" y="2294299"/>
-                    <a:ext cx="1362" cy="1277258"/>
-                  </a:xfrm>
-                  <a:prstGeom prst="straightConnector1">
-                    <a:avLst/>
-                  </a:prstGeom>
-                  <a:ln w="25400">
-                    <a:solidFill>
-                      <a:srgbClr val="00B0F0"/>
-                    </a:solidFill>
-                    <a:tailEnd type="none"/>
-                  </a:ln>
-                </p:spPr>
-                <p:style>
-                  <a:lnRef idx="1">
-                    <a:schemeClr val="accent1"/>
-                  </a:lnRef>
-                  <a:fillRef idx="0">
-                    <a:schemeClr val="accent1"/>
-                  </a:fillRef>
-                  <a:effectRef idx="0">
-                    <a:schemeClr val="accent1"/>
-                  </a:effectRef>
-                  <a:fontRef idx="minor">
-                    <a:schemeClr val="tx1"/>
-                  </a:fontRef>
-                </p:style>
-              </p:cxnSp>
-              <p:cxnSp>
-                <p:nvCxnSpPr>
-                  <p:cNvPr id="97" name="Straight Arrow Connector 96">
-                    <a:extLst>
-                      <a:ext uri="{FF2B5EF4-FFF2-40B4-BE49-F238E27FC236}">
-                        <a16:creationId xmlns:a16="http://schemas.microsoft.com/office/drawing/2014/main" id="{CAE170C4-236B-1A49-9F6D-E8A1B817D6E8}"/>
-                      </a:ext>
-                    </a:extLst>
-                  </p:cNvPr>
-                  <p:cNvCxnSpPr/>
-                  <p:nvPr/>
-                </p:nvCxnSpPr>
-                <p:spPr>
-                  <a:xfrm flipV="1">
-                    <a:off x="8263458" y="2126478"/>
-                    <a:ext cx="1362" cy="1277258"/>
-                  </a:xfrm>
-                  <a:prstGeom prst="straightConnector1">
-                    <a:avLst/>
-                  </a:prstGeom>
-                  <a:ln w="25400">
-                    <a:solidFill>
-                      <a:srgbClr val="00B0F0"/>
-                    </a:solidFill>
-                    <a:tailEnd type="none"/>
-                  </a:ln>
-                </p:spPr>
-                <p:style>
-                  <a:lnRef idx="1">
-                    <a:schemeClr val="accent1"/>
-                  </a:lnRef>
-                  <a:fillRef idx="0">
-                    <a:schemeClr val="accent1"/>
-                  </a:fillRef>
-                  <a:effectRef idx="0">
-                    <a:schemeClr val="accent1"/>
-                  </a:effectRef>
-                  <a:fontRef idx="minor">
-                    <a:schemeClr val="tx1"/>
-                  </a:fontRef>
-                </p:style>
-              </p:cxnSp>
-            </p:grpSp>
-            <p:cxnSp>
-              <p:nvCxnSpPr>
-                <p:cNvPr id="104" name="Straight Connector 103">
-                  <a:extLst>
-                    <a:ext uri="{FF2B5EF4-FFF2-40B4-BE49-F238E27FC236}">
-                      <a16:creationId xmlns:a16="http://schemas.microsoft.com/office/drawing/2014/main" id="{804B0612-4623-604C-9196-F19C9D3CB494}"/>
-                    </a:ext>
-                  </a:extLst>
-                </p:cNvPr>
-                <p:cNvCxnSpPr/>
-                <p:nvPr/>
-              </p:nvCxnSpPr>
-              <p:spPr>
-                <a:xfrm rot="17110431">
-                  <a:off x="6831188" y="3533700"/>
-                  <a:ext cx="132203" cy="176270"/>
-                </a:xfrm>
-                <a:prstGeom prst="line">
-                  <a:avLst/>
-                </a:prstGeom>
-                <a:ln w="38100">
-                  <a:solidFill>
-                    <a:schemeClr val="tx1"/>
-                  </a:solidFill>
-                </a:ln>
-              </p:spPr>
-              <p:style>
-                <a:lnRef idx="1">
-                  <a:schemeClr val="accent1"/>
-                </a:lnRef>
-                <a:fillRef idx="0">
-                  <a:schemeClr val="accent1"/>
-                </a:fillRef>
-                <a:effectRef idx="0">
-                  <a:schemeClr val="accent1"/>
-                </a:effectRef>
-                <a:fontRef idx="minor">
-                  <a:schemeClr val="tx1"/>
-                </a:fontRef>
-              </p:style>
-            </p:cxnSp>
-            <p:cxnSp>
-              <p:nvCxnSpPr>
-                <p:cNvPr id="105" name="Straight Connector 104">
-                  <a:extLst>
-                    <a:ext uri="{FF2B5EF4-FFF2-40B4-BE49-F238E27FC236}">
-                      <a16:creationId xmlns:a16="http://schemas.microsoft.com/office/drawing/2014/main" id="{A0090AEF-8874-7043-BAB5-C9A4D954B4DC}"/>
-                    </a:ext>
-                  </a:extLst>
-                </p:cNvPr>
-                <p:cNvCxnSpPr/>
-                <p:nvPr/>
-              </p:nvCxnSpPr>
-              <p:spPr>
-                <a:xfrm rot="17110431" flipH="1">
-                  <a:off x="6814111" y="3633197"/>
-                  <a:ext cx="112390" cy="176270"/>
-                </a:xfrm>
-                <a:prstGeom prst="line">
-                  <a:avLst/>
-                </a:prstGeom>
-                <a:ln w="38100">
-                  <a:solidFill>
-                    <a:schemeClr val="tx1"/>
-                  </a:solidFill>
-                </a:ln>
-              </p:spPr>
-              <p:style>
-                <a:lnRef idx="1">
-                  <a:schemeClr val="accent1"/>
-                </a:lnRef>
-                <a:fillRef idx="0">
-                  <a:schemeClr val="accent1"/>
-                </a:fillRef>
-                <a:effectRef idx="0">
-                  <a:schemeClr val="accent1"/>
-                </a:effectRef>
-                <a:fontRef idx="minor">
-                  <a:schemeClr val="tx1"/>
-                </a:fontRef>
-              </p:style>
-            </p:cxnSp>
-          </p:grpSp>
-          <p:cxnSp>
-            <p:nvCxnSpPr>
-              <p:cNvPr id="108" name="Straight Connector 107">
-                <a:extLst>
-                  <a:ext uri="{FF2B5EF4-FFF2-40B4-BE49-F238E27FC236}">
-                    <a16:creationId xmlns:a16="http://schemas.microsoft.com/office/drawing/2014/main" id="{712B3F5B-1B74-F34F-B570-CF02276F77F1}"/>
-                  </a:ext>
-                </a:extLst>
-              </p:cNvPr>
-              <p:cNvCxnSpPr>
-                <a:cxnSpLocks/>
-              </p:cNvCxnSpPr>
-              <p:nvPr/>
-            </p:nvCxnSpPr>
-            <p:spPr>
-              <a:xfrm>
-                <a:off x="6233002" y="1284559"/>
-                <a:ext cx="237304" cy="98530"/>
-              </a:xfrm>
-              <a:prstGeom prst="line">
-                <a:avLst/>
-              </a:prstGeom>
-              <a:ln w="38100">
-                <a:solidFill>
-                  <a:schemeClr val="tx1"/>
-                </a:solidFill>
-              </a:ln>
-            </p:spPr>
-            <p:style>
-              <a:lnRef idx="1">
-                <a:schemeClr val="accent1"/>
-              </a:lnRef>
-              <a:fillRef idx="0">
-                <a:schemeClr val="accent1"/>
-              </a:fillRef>
-              <a:effectRef idx="0">
-                <a:schemeClr val="accent1"/>
-              </a:effectRef>
-              <a:fontRef idx="minor">
-                <a:schemeClr val="tx1"/>
-              </a:fontRef>
-            </p:style>
-          </p:cxnSp>
-          <p:cxnSp>
-            <p:nvCxnSpPr>
-              <p:cNvPr id="109" name="Straight Connector 108">
-                <a:extLst>
-                  <a:ext uri="{FF2B5EF4-FFF2-40B4-BE49-F238E27FC236}">
-                    <a16:creationId xmlns:a16="http://schemas.microsoft.com/office/drawing/2014/main" id="{856C97DD-032F-CE4F-A46E-4F5A90BA85BD}"/>
-                  </a:ext>
-                </a:extLst>
-              </p:cNvPr>
-              <p:cNvCxnSpPr>
-                <a:cxnSpLocks/>
-              </p:cNvCxnSpPr>
-              <p:nvPr/>
-            </p:nvCxnSpPr>
-            <p:spPr>
-              <a:xfrm flipH="1">
-                <a:off x="6255172" y="1390205"/>
-                <a:ext cx="198965" cy="112711"/>
-              </a:xfrm>
-              <a:prstGeom prst="line">
-                <a:avLst/>
-              </a:prstGeom>
-              <a:ln w="38100">
-                <a:solidFill>
-                  <a:schemeClr val="tx1"/>
-                </a:solidFill>
-              </a:ln>
-            </p:spPr>
-            <p:style>
-              <a:lnRef idx="1">
-                <a:schemeClr val="accent1"/>
-              </a:lnRef>
-              <a:fillRef idx="0">
-                <a:schemeClr val="accent1"/>
-              </a:fillRef>
-              <a:effectRef idx="0">
-                <a:schemeClr val="accent1"/>
-              </a:effectRef>
-              <a:fontRef idx="minor">
-                <a:schemeClr val="tx1"/>
-              </a:fontRef>
-            </p:style>
-          </p:cxnSp>
-        </p:grpSp>
-        <p:pic>
-          <p:nvPicPr>
-            <p:cNvPr id="135" name="Picture 134" descr="A close up of a logo&#10;&#10;Description automatically generated">
-              <a:extLst>
-                <a:ext uri="{FF2B5EF4-FFF2-40B4-BE49-F238E27FC236}">
-                  <a16:creationId xmlns:a16="http://schemas.microsoft.com/office/drawing/2014/main" id="{4C53F318-4D5A-554B-AC55-9409FFF95920}"/>
-                </a:ext>
-              </a:extLst>
-            </p:cNvPr>
-            <p:cNvPicPr>
-              <a:picLocks noChangeAspect="1"/>
-            </p:cNvPicPr>
-            <p:nvPr/>
-          </p:nvPicPr>
-          <p:blipFill rotWithShape="1">
-            <a:blip r:embed="rId8">
-              <a:extLst>
-                <a:ext uri="{28A0092B-C50C-407E-A947-70E740481C1C}">
-                  <a14:useLocalDpi xmlns:a14="http://schemas.microsoft.com/office/drawing/2010/main" val="0"/>
-                </a:ext>
-              </a:extLst>
-            </a:blip>
-            <a:srcRect t="44592"/>
-            <a:stretch/>
-          </p:blipFill>
-          <p:spPr>
-            <a:xfrm rot="10800000">
-              <a:off x="6667732" y="1089010"/>
-              <a:ext cx="1825649" cy="835933"/>
-            </a:xfrm>
-            <a:prstGeom prst="rect">
-              <a:avLst/>
-            </a:prstGeom>
-          </p:spPr>
-        </p:pic>
-      </p:grpSp>
-      <p:grpSp>
-        <p:nvGrpSpPr>
-          <p:cNvPr id="139" name="Group 138">
-            <a:extLst>
-              <a:ext uri="{FF2B5EF4-FFF2-40B4-BE49-F238E27FC236}">
-                <a16:creationId xmlns:a16="http://schemas.microsoft.com/office/drawing/2014/main" id="{FD7C5587-2A37-3B4F-82CE-F7798EBD4E14}"/>
-              </a:ext>
-            </a:extLst>
-          </p:cNvPr>
-          <p:cNvGrpSpPr/>
-          <p:nvPr/>
-        </p:nvGrpSpPr>
-        <p:grpSpPr>
-          <a:xfrm>
-            <a:off x="8669784" y="1438639"/>
-            <a:ext cx="3700926" cy="2743349"/>
-            <a:chOff x="7712817" y="2264982"/>
-            <a:chExt cx="3700926" cy="2743349"/>
-          </a:xfrm>
-        </p:grpSpPr>
-        <p:pic>
-          <p:nvPicPr>
-            <p:cNvPr id="137" name="Picture 136" descr="A close up of a logo&#10;&#10;Description automatically generated">
-              <a:extLst>
-                <a:ext uri="{FF2B5EF4-FFF2-40B4-BE49-F238E27FC236}">
-                  <a16:creationId xmlns:a16="http://schemas.microsoft.com/office/drawing/2014/main" id="{08C53F7F-D429-AD40-A2BA-335B68E45A03}"/>
-                </a:ext>
-              </a:extLst>
-            </p:cNvPr>
-            <p:cNvPicPr>
-              <a:picLocks noChangeAspect="1"/>
-            </p:cNvPicPr>
-            <p:nvPr/>
-          </p:nvPicPr>
-          <p:blipFill rotWithShape="1">
-            <a:blip r:embed="rId8">
-              <a:extLst>
-                <a:ext uri="{28A0092B-C50C-407E-A947-70E740481C1C}">
-                  <a14:useLocalDpi xmlns:a14="http://schemas.microsoft.com/office/drawing/2010/main" val="0"/>
-                </a:ext>
-              </a:extLst>
-            </a:blip>
-            <a:srcRect t="44592"/>
-            <a:stretch/>
-          </p:blipFill>
-          <p:spPr>
-            <a:xfrm>
-              <a:off x="7712817" y="3664094"/>
-              <a:ext cx="1825649" cy="835933"/>
-            </a:xfrm>
-            <a:prstGeom prst="rect">
-              <a:avLst/>
-            </a:prstGeom>
-          </p:spPr>
-        </p:pic>
-        <p:grpSp>
-          <p:nvGrpSpPr>
-            <p:cNvPr id="136" name="Group 135">
-              <a:extLst>
-                <a:ext uri="{FF2B5EF4-FFF2-40B4-BE49-F238E27FC236}">
-                  <a16:creationId xmlns:a16="http://schemas.microsoft.com/office/drawing/2014/main" id="{3D369E38-6890-ED44-BFF2-2117D7FD2828}"/>
-                </a:ext>
-              </a:extLst>
-            </p:cNvPr>
-            <p:cNvGrpSpPr/>
-            <p:nvPr/>
-          </p:nvGrpSpPr>
-          <p:grpSpPr>
-            <a:xfrm>
-              <a:off x="8079985" y="2264982"/>
-              <a:ext cx="3333758" cy="2743349"/>
-              <a:chOff x="8079985" y="2264982"/>
-              <a:chExt cx="3333758" cy="2743349"/>
-            </a:xfrm>
-          </p:grpSpPr>
-          <p:grpSp>
-            <p:nvGrpSpPr>
-              <p:cNvPr id="115" name="Group 114">
-                <a:extLst>
-                  <a:ext uri="{FF2B5EF4-FFF2-40B4-BE49-F238E27FC236}">
-                    <a16:creationId xmlns:a16="http://schemas.microsoft.com/office/drawing/2014/main" id="{368C095D-77D2-F644-8006-34686AB9DB9D}"/>
-                  </a:ext>
-                </a:extLst>
-              </p:cNvPr>
-              <p:cNvGrpSpPr/>
-              <p:nvPr/>
-            </p:nvGrpSpPr>
-            <p:grpSpPr>
-              <a:xfrm>
-                <a:off x="8079985" y="2264982"/>
-                <a:ext cx="3333758" cy="2743349"/>
-                <a:chOff x="5458771" y="1795223"/>
-                <a:chExt cx="3333758" cy="2743349"/>
-              </a:xfrm>
-            </p:grpSpPr>
-            <p:grpSp>
-              <p:nvGrpSpPr>
-                <p:cNvPr id="116" name="Group 115">
-                  <a:extLst>
-                    <a:ext uri="{FF2B5EF4-FFF2-40B4-BE49-F238E27FC236}">
-                      <a16:creationId xmlns:a16="http://schemas.microsoft.com/office/drawing/2014/main" id="{4E072EBB-02FF-8B4A-9D08-4E1CD4CDB40C}"/>
-                    </a:ext>
-                  </a:extLst>
-                </p:cNvPr>
-                <p:cNvGrpSpPr/>
-                <p:nvPr/>
-              </p:nvGrpSpPr>
-              <p:grpSpPr>
-                <a:xfrm>
-                  <a:off x="5458771" y="1795223"/>
-                  <a:ext cx="3333758" cy="2743349"/>
-                  <a:chOff x="5458771" y="1795223"/>
-                  <a:chExt cx="3333758" cy="2743349"/>
-                </a:xfrm>
-              </p:grpSpPr>
-              <p:cxnSp>
-                <p:nvCxnSpPr>
-                  <p:cNvPr id="119" name="Straight Connector 118">
-                    <a:extLst>
-                      <a:ext uri="{FF2B5EF4-FFF2-40B4-BE49-F238E27FC236}">
-                        <a16:creationId xmlns:a16="http://schemas.microsoft.com/office/drawing/2014/main" id="{EBD73A7B-3DD9-F841-9E0A-BDB6674CCD55}"/>
-                      </a:ext>
-                    </a:extLst>
-                  </p:cNvPr>
-                  <p:cNvCxnSpPr/>
-                  <p:nvPr/>
-                </p:nvCxnSpPr>
-                <p:spPr>
-                  <a:xfrm>
-                    <a:off x="7629940" y="3571557"/>
-                    <a:ext cx="0" cy="967015"/>
-                  </a:xfrm>
-                  <a:prstGeom prst="line">
-                    <a:avLst/>
-                  </a:prstGeom>
-                  <a:ln w="25400">
-                    <a:solidFill>
-                      <a:srgbClr val="00B0F0"/>
-                    </a:solidFill>
-                    <a:tailEnd type="none"/>
-                  </a:ln>
-                </p:spPr>
-                <p:style>
-                  <a:lnRef idx="1">
-                    <a:schemeClr val="accent1"/>
-                  </a:lnRef>
-                  <a:fillRef idx="0">
-                    <a:schemeClr val="accent1"/>
-                  </a:fillRef>
-                  <a:effectRef idx="0">
-                    <a:schemeClr val="accent1"/>
-                  </a:effectRef>
-                  <a:fontRef idx="minor">
-                    <a:schemeClr val="tx1"/>
-                  </a:fontRef>
-                </p:style>
-              </p:cxnSp>
-              <p:cxnSp>
-                <p:nvCxnSpPr>
-                  <p:cNvPr id="120" name="Straight Connector 119">
-                    <a:extLst>
-                      <a:ext uri="{FF2B5EF4-FFF2-40B4-BE49-F238E27FC236}">
-                        <a16:creationId xmlns:a16="http://schemas.microsoft.com/office/drawing/2014/main" id="{59D86515-EE5D-A747-B65E-031D560AE1C3}"/>
-                      </a:ext>
-                    </a:extLst>
-                  </p:cNvPr>
-                  <p:cNvCxnSpPr/>
-                  <p:nvPr/>
-                </p:nvCxnSpPr>
-                <p:spPr>
-                  <a:xfrm>
-                    <a:off x="8263458" y="3388314"/>
-                    <a:ext cx="0" cy="967015"/>
-                  </a:xfrm>
-                  <a:prstGeom prst="line">
-                    <a:avLst/>
-                  </a:prstGeom>
-                  <a:ln w="25400">
-                    <a:solidFill>
-                      <a:srgbClr val="00B0F0"/>
-                    </a:solidFill>
-                    <a:tailEnd type="none"/>
-                  </a:ln>
-                </p:spPr>
-                <p:style>
-                  <a:lnRef idx="1">
-                    <a:schemeClr val="accent1"/>
-                  </a:lnRef>
-                  <a:fillRef idx="0">
-                    <a:schemeClr val="accent1"/>
-                  </a:fillRef>
-                  <a:effectRef idx="0">
-                    <a:schemeClr val="accent1"/>
-                  </a:effectRef>
-                  <a:fontRef idx="minor">
-                    <a:schemeClr val="tx1"/>
-                  </a:fontRef>
-                </p:style>
-              </p:cxnSp>
-              <p:grpSp>
-                <p:nvGrpSpPr>
-                  <p:cNvPr id="121" name="Group 120">
-                    <a:extLst>
-                      <a:ext uri="{FF2B5EF4-FFF2-40B4-BE49-F238E27FC236}">
-                        <a16:creationId xmlns:a16="http://schemas.microsoft.com/office/drawing/2014/main" id="{4FFFE0B7-9839-DE4B-B6D0-465F05149590}"/>
-                      </a:ext>
-                    </a:extLst>
-                  </p:cNvPr>
-                  <p:cNvGrpSpPr/>
-                  <p:nvPr/>
-                </p:nvGrpSpPr>
-                <p:grpSpPr>
-                  <a:xfrm>
-                    <a:off x="5458771" y="1795223"/>
-                    <a:ext cx="3333758" cy="2718553"/>
-                    <a:chOff x="652117" y="919217"/>
-                    <a:chExt cx="3333758" cy="2718553"/>
-                  </a:xfrm>
-                </p:grpSpPr>
-                <p:grpSp>
-                  <p:nvGrpSpPr>
-                    <p:cNvPr id="124" name="Group 123">
-                      <a:extLst>
-                        <a:ext uri="{FF2B5EF4-FFF2-40B4-BE49-F238E27FC236}">
-                          <a16:creationId xmlns:a16="http://schemas.microsoft.com/office/drawing/2014/main" id="{EFEAC709-E16A-DD4A-BE76-79644D8B8836}"/>
-                        </a:ext>
-                      </a:extLst>
-                    </p:cNvPr>
-                    <p:cNvGrpSpPr/>
-                    <p:nvPr/>
-                  </p:nvGrpSpPr>
-                  <p:grpSpPr>
-                    <a:xfrm>
-                      <a:off x="1024960" y="1225676"/>
-                      <a:ext cx="2960915" cy="2412094"/>
-                      <a:chOff x="1088571" y="1806121"/>
-                      <a:chExt cx="2960915" cy="2412094"/>
-                    </a:xfrm>
-                  </p:grpSpPr>
-                  <p:cxnSp>
-                    <p:nvCxnSpPr>
-                      <p:cNvPr id="126" name="Straight Connector 125">
-                        <a:extLst>
-                          <a:ext uri="{FF2B5EF4-FFF2-40B4-BE49-F238E27FC236}">
-                            <a16:creationId xmlns:a16="http://schemas.microsoft.com/office/drawing/2014/main" id="{47C71E00-BB6A-9843-846F-54A474AD32EB}"/>
-                          </a:ext>
-                        </a:extLst>
-                      </p:cNvPr>
-                      <p:cNvCxnSpPr/>
-                      <p:nvPr/>
-                    </p:nvCxnSpPr>
-                    <p:spPr>
-                      <a:xfrm>
-                        <a:off x="1688648" y="3251200"/>
-                        <a:ext cx="0" cy="967015"/>
-                      </a:xfrm>
-                      <a:prstGeom prst="line">
-                        <a:avLst/>
-                      </a:prstGeom>
-                      <a:ln w="25400">
-                        <a:solidFill>
-                          <a:srgbClr val="00B0F0"/>
-                        </a:solidFill>
-                        <a:tailEnd type="none"/>
-                      </a:ln>
-                    </p:spPr>
-                    <p:style>
-                      <a:lnRef idx="1">
-                        <a:schemeClr val="accent1"/>
-                      </a:lnRef>
-                      <a:fillRef idx="0">
-                        <a:schemeClr val="accent1"/>
-                      </a:fillRef>
-                      <a:effectRef idx="0">
-                        <a:schemeClr val="accent1"/>
-                      </a:effectRef>
-                      <a:fontRef idx="minor">
-                        <a:schemeClr val="tx1"/>
-                      </a:fontRef>
-                    </p:style>
-                  </p:cxnSp>
-                  <p:cxnSp>
-                    <p:nvCxnSpPr>
-                      <p:cNvPr id="127" name="Straight Connector 126">
-                        <a:extLst>
-                          <a:ext uri="{FF2B5EF4-FFF2-40B4-BE49-F238E27FC236}">
-                            <a16:creationId xmlns:a16="http://schemas.microsoft.com/office/drawing/2014/main" id="{3CF95221-0FF0-9F4D-9722-E0E1A11C6491}"/>
-                          </a:ext>
-                        </a:extLst>
-                      </p:cNvPr>
-                      <p:cNvCxnSpPr/>
-                      <p:nvPr/>
-                    </p:nvCxnSpPr>
-                    <p:spPr>
-                      <a:xfrm>
-                        <a:off x="2322166" y="3067957"/>
-                        <a:ext cx="0" cy="967015"/>
-                      </a:xfrm>
-                      <a:prstGeom prst="line">
-                        <a:avLst/>
-                      </a:prstGeom>
-                      <a:ln w="25400">
-                        <a:solidFill>
-                          <a:srgbClr val="00B0F0"/>
-                        </a:solidFill>
-                        <a:tailEnd type="none"/>
-                      </a:ln>
-                    </p:spPr>
-                    <p:style>
-                      <a:lnRef idx="1">
-                        <a:schemeClr val="accent1"/>
-                      </a:lnRef>
-                      <a:fillRef idx="0">
-                        <a:schemeClr val="accent1"/>
-                      </a:fillRef>
-                      <a:effectRef idx="0">
-                        <a:schemeClr val="accent1"/>
-                      </a:effectRef>
-                      <a:fontRef idx="minor">
-                        <a:schemeClr val="tx1"/>
-                      </a:fontRef>
-                    </p:style>
-                  </p:cxnSp>
-                  <p:sp>
-                    <p:nvSpPr>
-                      <p:cNvPr id="128" name="Oval 127">
-                        <a:extLst>
-                          <a:ext uri="{FF2B5EF4-FFF2-40B4-BE49-F238E27FC236}">
-                            <a16:creationId xmlns:a16="http://schemas.microsoft.com/office/drawing/2014/main" id="{870FDA3B-6467-4F4C-86AB-3A4117653BFE}"/>
-                          </a:ext>
-                        </a:extLst>
-                      </p:cNvPr>
-                      <p:cNvSpPr/>
-                      <p:nvPr/>
-                    </p:nvSpPr>
-                    <p:spPr>
-                      <a:xfrm>
-                        <a:off x="1088571" y="2699657"/>
-                        <a:ext cx="2960915" cy="696686"/>
-                      </a:xfrm>
-                      <a:prstGeom prst="ellipse">
-                        <a:avLst/>
-                      </a:prstGeom>
-                      <a:solidFill>
-                        <a:schemeClr val="bg2">
-                          <a:lumMod val="90000"/>
-                          <a:alpha val="79000"/>
-                        </a:schemeClr>
-                      </a:solidFill>
-                      <a:ln w="38100">
-                        <a:solidFill>
-                          <a:schemeClr val="tx1"/>
-                        </a:solidFill>
-                      </a:ln>
-                    </p:spPr>
-                    <p:style>
-                      <a:lnRef idx="2">
-                        <a:schemeClr val="accent1">
-                          <a:shade val="50000"/>
-                        </a:schemeClr>
-                      </a:lnRef>
-                      <a:fillRef idx="1">
-                        <a:schemeClr val="accent1"/>
-                      </a:fillRef>
-                      <a:effectRef idx="0">
-                        <a:schemeClr val="accent1"/>
-                      </a:effectRef>
-                      <a:fontRef idx="minor">
-                        <a:schemeClr val="lt1"/>
-                      </a:fontRef>
-                    </p:style>
-                    <p:txBody>
-                      <a:bodyPr rtlCol="0" anchor="ctr"/>
-                      <a:lstStyle/>
-                      <a:p>
-                        <a:pPr algn="ctr"/>
-                        <a:endParaRPr lang="en-US"/>
-                      </a:p>
-                    </p:txBody>
-                  </p:sp>
-                  <p:cxnSp>
-                    <p:nvCxnSpPr>
-                      <p:cNvPr id="129" name="Straight Arrow Connector 128">
-                        <a:extLst>
-                          <a:ext uri="{FF2B5EF4-FFF2-40B4-BE49-F238E27FC236}">
-                            <a16:creationId xmlns:a16="http://schemas.microsoft.com/office/drawing/2014/main" id="{A538B2E5-424F-E04B-89BA-EBD93832A81D}"/>
-                          </a:ext>
-                        </a:extLst>
-                      </p:cNvPr>
-                      <p:cNvCxnSpPr/>
-                      <p:nvPr/>
-                    </p:nvCxnSpPr>
-                    <p:spPr>
-                      <a:xfrm flipV="1">
-                        <a:off x="1688648" y="1973942"/>
-                        <a:ext cx="1362" cy="1277258"/>
-                      </a:xfrm>
-                      <a:prstGeom prst="straightConnector1">
-                        <a:avLst/>
-                      </a:prstGeom>
-                      <a:ln w="25400">
-                        <a:solidFill>
-                          <a:srgbClr val="00B0F0"/>
-                        </a:solidFill>
-                        <a:tailEnd type="triangle"/>
-                      </a:ln>
-                    </p:spPr>
-                    <p:style>
-                      <a:lnRef idx="1">
-                        <a:schemeClr val="accent1"/>
-                      </a:lnRef>
-                      <a:fillRef idx="0">
-                        <a:schemeClr val="accent1"/>
-                      </a:fillRef>
-                      <a:effectRef idx="0">
-                        <a:schemeClr val="accent1"/>
-                      </a:effectRef>
-                      <a:fontRef idx="minor">
-                        <a:schemeClr val="tx1"/>
-                      </a:fontRef>
-                    </p:style>
-                  </p:cxnSp>
-                  <p:cxnSp>
-                    <p:nvCxnSpPr>
-                      <p:cNvPr id="130" name="Straight Arrow Connector 129">
-                        <a:extLst>
-                          <a:ext uri="{FF2B5EF4-FFF2-40B4-BE49-F238E27FC236}">
-                            <a16:creationId xmlns:a16="http://schemas.microsoft.com/office/drawing/2014/main" id="{CE3F3581-C127-FB44-B649-757C03CD9547}"/>
-                          </a:ext>
-                        </a:extLst>
-                      </p:cNvPr>
-                      <p:cNvCxnSpPr/>
-                      <p:nvPr/>
-                    </p:nvCxnSpPr>
-                    <p:spPr>
-                      <a:xfrm flipV="1">
-                        <a:off x="2322166" y="1806121"/>
-                        <a:ext cx="1362" cy="1277258"/>
-                      </a:xfrm>
-                      <a:prstGeom prst="straightConnector1">
-                        <a:avLst/>
-                      </a:prstGeom>
-                      <a:ln w="25400">
-                        <a:solidFill>
-                          <a:srgbClr val="00B0F0"/>
-                        </a:solidFill>
-                        <a:tailEnd type="triangle"/>
-                      </a:ln>
-                    </p:spPr>
-                    <p:style>
-                      <a:lnRef idx="1">
-                        <a:schemeClr val="accent1"/>
-                      </a:lnRef>
-                      <a:fillRef idx="0">
-                        <a:schemeClr val="accent1"/>
-                      </a:fillRef>
-                      <a:effectRef idx="0">
-                        <a:schemeClr val="accent1"/>
-                      </a:effectRef>
-                      <a:fontRef idx="minor">
-                        <a:schemeClr val="tx1"/>
-                      </a:fontRef>
-                    </p:style>
-                  </p:cxnSp>
-                </p:grpSp>
-                <mc:AlternateContent xmlns:mc="http://schemas.openxmlformats.org/markup-compatibility/2006">
-                  <mc:Choice xmlns:a14="http://schemas.microsoft.com/office/drawing/2010/main" Requires="a14">
-                    <p:sp>
-                      <p:nvSpPr>
-                        <p:cNvPr id="125" name="TextBox 124">
-                          <a:extLst>
-                            <a:ext uri="{FF2B5EF4-FFF2-40B4-BE49-F238E27FC236}">
-                              <a16:creationId xmlns:a16="http://schemas.microsoft.com/office/drawing/2014/main" id="{43F5A388-22BF-5D4F-AC8D-60D715905D15}"/>
-                            </a:ext>
-                          </a:extLst>
-                        </p:cNvPr>
-                        <p:cNvSpPr txBox="1"/>
-                        <p:nvPr/>
-                      </p:nvSpPr>
-                      <p:spPr>
-                        <a:xfrm>
-                          <a:off x="652117" y="919217"/>
-                          <a:ext cx="1246110" cy="345159"/>
-                        </a:xfrm>
-                        <a:prstGeom prst="rect">
-                          <a:avLst/>
-                        </a:prstGeom>
-                        <a:noFill/>
-                      </p:spPr>
-                      <p:txBody>
-                        <a:bodyPr wrap="none" lIns="0" tIns="0" rIns="0" bIns="0" rtlCol="0">
-                          <a:spAutoFit/>
-                        </a:bodyPr>
-                        <a:lstStyle/>
-                        <a:p>
-                          <a:pPr/>
-                          <a14:m>
-                            <m:oMathPara xmlns:m="http://schemas.openxmlformats.org/officeDocument/2006/math">
-                              <m:oMathParaPr>
-                                <m:jc m:val="centerGroup"/>
-                              </m:oMathParaPr>
-                              <m:oMath xmlns:m="http://schemas.openxmlformats.org/officeDocument/2006/math">
-                                <m:r>
-                                  <a:rPr lang="en-CA" sz="2000" b="0" i="1" smtClean="0">
-                                    <a:solidFill>
-                                      <a:srgbClr val="00B0F0"/>
-                                    </a:solidFill>
-                                    <a:latin typeface="Cambria Math" panose="02040503050406030204" pitchFamily="18" charset="0"/>
-                                    <a:cs typeface="Arial" panose="020B0604020202020204" pitchFamily="34" charset="0"/>
-                                  </a:rPr>
-                                  <m:t>𝐼𝑛𝑑𝑢𝑐𝑒𝑑</m:t>
-                                </m:r>
-                                <m:r>
-                                  <a:rPr lang="en-CA" sz="2000" b="0" i="1" smtClean="0">
-                                    <a:solidFill>
-                                      <a:srgbClr val="00B0F0"/>
-                                    </a:solidFill>
-                                    <a:latin typeface="Cambria Math" panose="02040503050406030204" pitchFamily="18" charset="0"/>
-                                    <a:cs typeface="Arial" panose="020B0604020202020204" pitchFamily="34" charset="0"/>
-                                  </a:rPr>
-                                  <m:t> </m:t>
-                                </m:r>
-                                <m:acc>
-                                  <m:accPr>
-                                    <m:chr m:val="⃗"/>
-                                    <m:ctrlPr>
-                                      <a:rPr lang="en-US" sz="2000" b="0" i="1" smtClean="0">
-                                        <a:solidFill>
-                                          <a:srgbClr val="00B0F0"/>
-                                        </a:solidFill>
-                                        <a:latin typeface="Cambria Math" panose="02040503050406030204" pitchFamily="18" charset="0"/>
-                                        <a:cs typeface="Arial" panose="020B0604020202020204" pitchFamily="34" charset="0"/>
-                                      </a:rPr>
-                                    </m:ctrlPr>
-                                  </m:accPr>
-                                  <m:e>
-                                    <m:r>
-                                      <a:rPr lang="en-US" sz="2000" b="0" i="1" smtClean="0">
-                                        <a:solidFill>
-                                          <a:srgbClr val="00B0F0"/>
-                                        </a:solidFill>
-                                        <a:latin typeface="Cambria Math" panose="02040503050406030204" pitchFamily="18" charset="0"/>
-                                        <a:cs typeface="Arial" panose="020B0604020202020204" pitchFamily="34" charset="0"/>
-                                      </a:rPr>
-                                      <m:t>𝐵</m:t>
-                                    </m:r>
-                                  </m:e>
-                                </m:acc>
-                              </m:oMath>
-                            </m:oMathPara>
-                          </a14:m>
-                          <a:endParaRPr lang="en-US" sz="2000" dirty="0">
-                            <a:solidFill>
-                              <a:srgbClr val="00B0F0"/>
-                            </a:solidFill>
-                            <a:latin typeface="Arial" panose="020B0604020202020204" pitchFamily="34" charset="0"/>
-                            <a:cs typeface="Arial" panose="020B0604020202020204" pitchFamily="34" charset="0"/>
-                          </a:endParaRPr>
-                        </a:p>
-                      </p:txBody>
-                    </p:sp>
-                  </mc:Choice>
-                  <mc:Fallback>
-                    <p:sp>
-                      <p:nvSpPr>
-                        <p:cNvPr id="125" name="TextBox 124">
-                          <a:extLst>
-                            <a:ext uri="{FF2B5EF4-FFF2-40B4-BE49-F238E27FC236}">
-                              <a16:creationId xmlns:a16="http://schemas.microsoft.com/office/drawing/2014/main" id="{43F5A388-22BF-5D4F-AC8D-60D715905D15}"/>
-                            </a:ext>
-                          </a:extLst>
-                        </p:cNvPr>
-                        <p:cNvSpPr txBox="1">
-                          <a:spLocks noRot="1" noChangeAspect="1" noMove="1" noResize="1" noEditPoints="1" noAdjustHandles="1" noChangeArrowheads="1" noChangeShapeType="1" noTextEdit="1"/>
-                        </p:cNvSpPr>
-                        <p:nvPr/>
-                      </p:nvSpPr>
-                      <p:spPr>
-                        <a:xfrm>
-                          <a:off x="652117" y="919217"/>
-                          <a:ext cx="1246110" cy="345159"/>
-                        </a:xfrm>
-                        <a:prstGeom prst="rect">
-                          <a:avLst/>
-                        </a:prstGeom>
-                        <a:blipFill>
-                          <a:blip r:embed="rId9"/>
-                          <a:stretch>
-                            <a:fillRect l="-4040" r="-2020" b="-32143"/>
-                          </a:stretch>
-                        </a:blipFill>
-                      </p:spPr>
-                      <p:txBody>
-                        <a:bodyPr/>
-                        <a:lstStyle/>
-                        <a:p>
-                          <a:r>
-                            <a:rPr lang="en-US">
-                              <a:noFill/>
-                            </a:rPr>
-                            <a:t> </a:t>
-                          </a:r>
-                        </a:p>
-                      </p:txBody>
-                    </p:sp>
-                  </mc:Fallback>
-                </mc:AlternateContent>
-              </p:grpSp>
-              <p:cxnSp>
-                <p:nvCxnSpPr>
-                  <p:cNvPr id="122" name="Straight Arrow Connector 121">
-                    <a:extLst>
-                      <a:ext uri="{FF2B5EF4-FFF2-40B4-BE49-F238E27FC236}">
-                        <a16:creationId xmlns:a16="http://schemas.microsoft.com/office/drawing/2014/main" id="{22A32BB2-BD43-574D-8E53-6A5CCA4EC94B}"/>
-                      </a:ext>
-                    </a:extLst>
-                  </p:cNvPr>
-                  <p:cNvCxnSpPr/>
-                  <p:nvPr/>
-                </p:nvCxnSpPr>
-                <p:spPr>
-                  <a:xfrm flipV="1">
-                    <a:off x="7629940" y="2294299"/>
-                    <a:ext cx="1362" cy="1277258"/>
-                  </a:xfrm>
-                  <a:prstGeom prst="straightConnector1">
-                    <a:avLst/>
-                  </a:prstGeom>
-                  <a:ln w="25400">
-                    <a:solidFill>
-                      <a:srgbClr val="00B0F0"/>
-                    </a:solidFill>
-                    <a:tailEnd type="triangle"/>
-                  </a:ln>
-                </p:spPr>
-                <p:style>
-                  <a:lnRef idx="1">
-                    <a:schemeClr val="accent1"/>
-                  </a:lnRef>
-                  <a:fillRef idx="0">
-                    <a:schemeClr val="accent1"/>
-                  </a:fillRef>
-                  <a:effectRef idx="0">
-                    <a:schemeClr val="accent1"/>
-                  </a:effectRef>
-                  <a:fontRef idx="minor">
-                    <a:schemeClr val="tx1"/>
-                  </a:fontRef>
-                </p:style>
-              </p:cxnSp>
-              <p:cxnSp>
-                <p:nvCxnSpPr>
-                  <p:cNvPr id="123" name="Straight Arrow Connector 122">
-                    <a:extLst>
-                      <a:ext uri="{FF2B5EF4-FFF2-40B4-BE49-F238E27FC236}">
-                        <a16:creationId xmlns:a16="http://schemas.microsoft.com/office/drawing/2014/main" id="{74A696CD-759B-8C47-88BC-9D356065D68C}"/>
-                      </a:ext>
-                    </a:extLst>
-                  </p:cNvPr>
-                  <p:cNvCxnSpPr/>
-                  <p:nvPr/>
-                </p:nvCxnSpPr>
-                <p:spPr>
-                  <a:xfrm flipV="1">
-                    <a:off x="8263458" y="2126478"/>
-                    <a:ext cx="1362" cy="1277258"/>
-                  </a:xfrm>
-                  <a:prstGeom prst="straightConnector1">
-                    <a:avLst/>
-                  </a:prstGeom>
-                  <a:ln w="25400">
-                    <a:solidFill>
-                      <a:srgbClr val="00B0F0"/>
-                    </a:solidFill>
-                    <a:tailEnd type="triangle"/>
-                  </a:ln>
-                </p:spPr>
-                <p:style>
-                  <a:lnRef idx="1">
-                    <a:schemeClr val="accent1"/>
-                  </a:lnRef>
-                  <a:fillRef idx="0">
-                    <a:schemeClr val="accent1"/>
-                  </a:fillRef>
-                  <a:effectRef idx="0">
-                    <a:schemeClr val="accent1"/>
-                  </a:effectRef>
-                  <a:fontRef idx="minor">
-                    <a:schemeClr val="tx1"/>
-                  </a:fontRef>
-                </p:style>
-              </p:cxnSp>
-            </p:grpSp>
-            <p:cxnSp>
-              <p:nvCxnSpPr>
-                <p:cNvPr id="117" name="Straight Connector 116">
-                  <a:extLst>
-                    <a:ext uri="{FF2B5EF4-FFF2-40B4-BE49-F238E27FC236}">
-                      <a16:creationId xmlns:a16="http://schemas.microsoft.com/office/drawing/2014/main" id="{F404B57D-E10D-0B4C-B27A-8C6F49B61979}"/>
-                    </a:ext>
-                  </a:extLst>
-                </p:cNvPr>
-                <p:cNvCxnSpPr/>
-                <p:nvPr/>
-              </p:nvCxnSpPr>
-              <p:spPr>
-                <a:xfrm rot="17110431">
-                  <a:off x="7301060" y="2884501"/>
-                  <a:ext cx="132203" cy="176270"/>
-                </a:xfrm>
-                <a:prstGeom prst="line">
-                  <a:avLst/>
-                </a:prstGeom>
-                <a:ln w="38100">
-                  <a:solidFill>
-                    <a:schemeClr val="tx1"/>
-                  </a:solidFill>
-                </a:ln>
-              </p:spPr>
-              <p:style>
-                <a:lnRef idx="1">
-                  <a:schemeClr val="accent1"/>
-                </a:lnRef>
-                <a:fillRef idx="0">
-                  <a:schemeClr val="accent1"/>
-                </a:fillRef>
-                <a:effectRef idx="0">
-                  <a:schemeClr val="accent1"/>
-                </a:effectRef>
-                <a:fontRef idx="minor">
-                  <a:schemeClr val="tx1"/>
-                </a:fontRef>
-              </p:style>
-            </p:cxnSp>
-            <p:cxnSp>
-              <p:nvCxnSpPr>
-                <p:cNvPr id="118" name="Straight Connector 117">
-                  <a:extLst>
-                    <a:ext uri="{FF2B5EF4-FFF2-40B4-BE49-F238E27FC236}">
-                      <a16:creationId xmlns:a16="http://schemas.microsoft.com/office/drawing/2014/main" id="{001B950A-E15C-DE4B-AC04-29693E6014AB}"/>
-                    </a:ext>
-                  </a:extLst>
-                </p:cNvPr>
-                <p:cNvCxnSpPr/>
-                <p:nvPr/>
-              </p:nvCxnSpPr>
-              <p:spPr>
-                <a:xfrm rot="17110431" flipH="1">
-                  <a:off x="7283983" y="2983998"/>
-                  <a:ext cx="112390" cy="176270"/>
-                </a:xfrm>
-                <a:prstGeom prst="line">
-                  <a:avLst/>
-                </a:prstGeom>
-                <a:ln w="38100">
-                  <a:solidFill>
-                    <a:schemeClr val="tx1"/>
-                  </a:solidFill>
-                </a:ln>
-              </p:spPr>
-              <p:style>
-                <a:lnRef idx="1">
-                  <a:schemeClr val="accent1"/>
-                </a:lnRef>
-                <a:fillRef idx="0">
-                  <a:schemeClr val="accent1"/>
-                </a:fillRef>
-                <a:effectRef idx="0">
-                  <a:schemeClr val="accent1"/>
-                </a:effectRef>
-                <a:fontRef idx="minor">
-                  <a:schemeClr val="tx1"/>
-                </a:fontRef>
-              </p:style>
-            </p:cxnSp>
-          </p:grpSp>
-          <p:cxnSp>
-            <p:nvCxnSpPr>
-              <p:cNvPr id="132" name="Straight Connector 131">
-                <a:extLst>
-                  <a:ext uri="{FF2B5EF4-FFF2-40B4-BE49-F238E27FC236}">
-                    <a16:creationId xmlns:a16="http://schemas.microsoft.com/office/drawing/2014/main" id="{70A7AF6E-56D4-2E43-994B-2C970871E36F}"/>
-                  </a:ext>
-                </a:extLst>
-              </p:cNvPr>
-              <p:cNvCxnSpPr>
-                <a:cxnSpLocks/>
-              </p:cNvCxnSpPr>
-              <p:nvPr/>
-            </p:nvCxnSpPr>
-            <p:spPr>
-              <a:xfrm>
-                <a:off x="9768785" y="4073293"/>
-                <a:ext cx="237304" cy="98530"/>
-              </a:xfrm>
-              <a:prstGeom prst="line">
-                <a:avLst/>
-              </a:prstGeom>
-              <a:ln w="38100">
-                <a:solidFill>
-                  <a:schemeClr val="tx1"/>
-                </a:solidFill>
-              </a:ln>
-            </p:spPr>
-            <p:style>
-              <a:lnRef idx="1">
-                <a:schemeClr val="accent1"/>
-              </a:lnRef>
-              <a:fillRef idx="0">
-                <a:schemeClr val="accent1"/>
-              </a:fillRef>
-              <a:effectRef idx="0">
-                <a:schemeClr val="accent1"/>
-              </a:effectRef>
-              <a:fontRef idx="minor">
-                <a:schemeClr val="tx1"/>
-              </a:fontRef>
-            </p:style>
-          </p:cxnSp>
-          <p:cxnSp>
-            <p:nvCxnSpPr>
-              <p:cNvPr id="133" name="Straight Connector 132">
-                <a:extLst>
-                  <a:ext uri="{FF2B5EF4-FFF2-40B4-BE49-F238E27FC236}">
-                    <a16:creationId xmlns:a16="http://schemas.microsoft.com/office/drawing/2014/main" id="{81BED57E-726B-7A46-A363-F257207F38DA}"/>
-                  </a:ext>
-                </a:extLst>
-              </p:cNvPr>
-              <p:cNvCxnSpPr>
-                <a:cxnSpLocks/>
-              </p:cNvCxnSpPr>
-              <p:nvPr/>
-            </p:nvCxnSpPr>
-            <p:spPr>
-              <a:xfrm flipH="1">
-                <a:off x="9790955" y="4178939"/>
-                <a:ext cx="198965" cy="112711"/>
-              </a:xfrm>
-              <a:prstGeom prst="line">
-                <a:avLst/>
-              </a:prstGeom>
-              <a:ln w="38100">
-                <a:solidFill>
-                  <a:schemeClr val="tx1"/>
-                </a:solidFill>
-              </a:ln>
-            </p:spPr>
-            <p:style>
-              <a:lnRef idx="1">
-                <a:schemeClr val="accent1"/>
-              </a:lnRef>
-              <a:fillRef idx="0">
-                <a:schemeClr val="accent1"/>
-              </a:fillRef>
-              <a:effectRef idx="0">
-                <a:schemeClr val="accent1"/>
-              </a:effectRef>
-              <a:fontRef idx="minor">
-                <a:schemeClr val="tx1"/>
-              </a:fontRef>
-            </p:style>
-          </p:cxnSp>
-        </p:grpSp>
-      </p:grpSp>
-      <mc:AlternateContent xmlns:mc="http://schemas.openxmlformats.org/markup-compatibility/2006">
-        <mc:Choice xmlns:a14="http://schemas.microsoft.com/office/drawing/2010/main" Requires="a14">
-          <p:sp>
-            <p:nvSpPr>
-              <p:cNvPr id="141" name="TextBox 140">
-                <a:extLst>
-                  <a:ext uri="{FF2B5EF4-FFF2-40B4-BE49-F238E27FC236}">
-                    <a16:creationId xmlns:a16="http://schemas.microsoft.com/office/drawing/2014/main" id="{48669BE5-175C-9644-BFF5-0C5F5B26F126}"/>
-                  </a:ext>
-                </a:extLst>
-              </p:cNvPr>
-              <p:cNvSpPr txBox="1"/>
-              <p:nvPr/>
-            </p:nvSpPr>
-            <p:spPr>
-              <a:xfrm>
-                <a:off x="2722529" y="4608671"/>
-                <a:ext cx="431080" cy="307777"/>
-              </a:xfrm>
-              <a:prstGeom prst="rect">
-                <a:avLst/>
-              </a:prstGeom>
-              <a:noFill/>
-            </p:spPr>
-            <p:txBody>
-              <a:bodyPr wrap="none" lIns="0" tIns="0" rIns="0" bIns="0" rtlCol="0">
-                <a:spAutoFit/>
-              </a:bodyPr>
-              <a:lstStyle/>
-              <a:p>
-                <a14:m>
-                  <m:oMathPara xmlns:m="http://schemas.openxmlformats.org/officeDocument/2006/math">
-                    <m:oMathParaPr>
-                      <m:jc m:val="centerGroup"/>
-                    </m:oMathParaPr>
-                    <m:oMath xmlns:m="http://schemas.openxmlformats.org/officeDocument/2006/math">
-                      <m:r>
-                        <a:rPr lang="en-CA" sz="2000" b="0" i="1" smtClean="0">
-                          <a:latin typeface="Cambria Math" panose="02040503050406030204" pitchFamily="18" charset="0"/>
-                          <a:cs typeface="Arial" panose="020B0604020202020204" pitchFamily="34" charset="0"/>
-                        </a:rPr>
-                        <m:t>(</m:t>
-                      </m:r>
-                      <m:r>
-                        <a:rPr lang="en-CA" sz="2000" b="0" i="1" smtClean="0">
-                          <a:latin typeface="Cambria Math" panose="02040503050406030204" pitchFamily="18" charset="0"/>
-                          <a:cs typeface="Arial" panose="020B0604020202020204" pitchFamily="34" charset="0"/>
-                        </a:rPr>
-                        <m:t>𝑎</m:t>
-                      </m:r>
-                      <m:r>
-                        <a:rPr lang="en-CA" sz="2000" b="0" i="1" smtClean="0">
-                          <a:latin typeface="Cambria Math" panose="02040503050406030204" pitchFamily="18" charset="0"/>
-                          <a:cs typeface="Arial" panose="020B0604020202020204" pitchFamily="34" charset="0"/>
-                        </a:rPr>
-                        <m:t>)</m:t>
-                      </m:r>
-                    </m:oMath>
-                  </m:oMathPara>
-                </a14:m>
-                <a:endParaRPr lang="en-US" sz="2000" dirty="0">
-                  <a:latin typeface="Arial" panose="020B0604020202020204" pitchFamily="34" charset="0"/>
-                  <a:cs typeface="Arial" panose="020B0604020202020204" pitchFamily="34" charset="0"/>
-                </a:endParaRPr>
-              </a:p>
-            </p:txBody>
-          </p:sp>
-        </mc:Choice>
-        <mc:Fallback>
-          <p:sp>
-            <p:nvSpPr>
-              <p:cNvPr id="141" name="TextBox 140">
-                <a:extLst>
-                  <a:ext uri="{FF2B5EF4-FFF2-40B4-BE49-F238E27FC236}">
-                    <a16:creationId xmlns:a16="http://schemas.microsoft.com/office/drawing/2014/main" id="{48669BE5-175C-9644-BFF5-0C5F5B26F126}"/>
-                  </a:ext>
-                </a:extLst>
-              </p:cNvPr>
-              <p:cNvSpPr txBox="1">
-                <a:spLocks noRot="1" noChangeAspect="1" noMove="1" noResize="1" noEditPoints="1" noAdjustHandles="1" noChangeArrowheads="1" noChangeShapeType="1" noTextEdit="1"/>
-              </p:cNvSpPr>
-              <p:nvPr/>
-            </p:nvSpPr>
-            <p:spPr>
-              <a:xfrm>
-                <a:off x="2722529" y="4608671"/>
-                <a:ext cx="431080" cy="307777"/>
-              </a:xfrm>
-              <a:prstGeom prst="rect">
-                <a:avLst/>
-              </a:prstGeom>
-              <a:blipFill>
-                <a:blip r:embed="rId10"/>
-                <a:stretch>
-                  <a:fillRect l="-17143" r="-17143" b="-32000"/>
-                </a:stretch>
-              </a:blipFill>
-            </p:spPr>
-            <p:txBody>
-              <a:bodyPr/>
-              <a:lstStyle/>
-              <a:p>
-                <a:r>
-                  <a:rPr lang="en-US">
-                    <a:noFill/>
-                  </a:rPr>
-                  <a:t> </a:t>
-                </a:r>
-              </a:p>
-            </p:txBody>
-          </p:sp>
-        </mc:Fallback>
-      </mc:AlternateContent>
-      <mc:AlternateContent xmlns:mc="http://schemas.openxmlformats.org/markup-compatibility/2006">
-        <mc:Choice xmlns:a14="http://schemas.microsoft.com/office/drawing/2010/main" Requires="a14">
-          <p:sp>
-            <p:nvSpPr>
-              <p:cNvPr id="142" name="TextBox 141">
-                <a:extLst>
-                  <a:ext uri="{FF2B5EF4-FFF2-40B4-BE49-F238E27FC236}">
-                    <a16:creationId xmlns:a16="http://schemas.microsoft.com/office/drawing/2014/main" id="{EB15AB6D-23FD-9F41-AD10-04D1B2701869}"/>
-                  </a:ext>
-                </a:extLst>
-              </p:cNvPr>
-              <p:cNvSpPr txBox="1"/>
-              <p:nvPr/>
-            </p:nvSpPr>
-            <p:spPr>
-              <a:xfrm>
-                <a:off x="6202198" y="4608671"/>
-                <a:ext cx="425629" cy="307777"/>
-              </a:xfrm>
-              <a:prstGeom prst="rect">
-                <a:avLst/>
-              </a:prstGeom>
-              <a:noFill/>
-            </p:spPr>
-            <p:txBody>
-              <a:bodyPr wrap="none" lIns="0" tIns="0" rIns="0" bIns="0" rtlCol="0">
-                <a:spAutoFit/>
-              </a:bodyPr>
-              <a:lstStyle/>
-              <a:p>
-                <a14:m>
-                  <m:oMathPara xmlns:m="http://schemas.openxmlformats.org/officeDocument/2006/math">
-                    <m:oMathParaPr>
-                      <m:jc m:val="centerGroup"/>
-                    </m:oMathParaPr>
-                    <m:oMath xmlns:m="http://schemas.openxmlformats.org/officeDocument/2006/math">
-                      <m:r>
-                        <a:rPr lang="en-CA" sz="2000" b="0" i="1" smtClean="0">
-                          <a:latin typeface="Cambria Math" panose="02040503050406030204" pitchFamily="18" charset="0"/>
-                          <a:cs typeface="Arial" panose="020B0604020202020204" pitchFamily="34" charset="0"/>
-                        </a:rPr>
-                        <m:t>(</m:t>
-                      </m:r>
-                      <m:r>
-                        <a:rPr lang="en-CA" sz="2000" b="0" i="1" smtClean="0">
-                          <a:latin typeface="Cambria Math" panose="02040503050406030204" pitchFamily="18" charset="0"/>
-                          <a:cs typeface="Arial" panose="020B0604020202020204" pitchFamily="34" charset="0"/>
-                        </a:rPr>
-                        <m:t>𝑏</m:t>
-                      </m:r>
-                      <m:r>
-                        <a:rPr lang="en-CA" sz="2000" b="0" i="1" smtClean="0">
-                          <a:latin typeface="Cambria Math" panose="02040503050406030204" pitchFamily="18" charset="0"/>
-                          <a:cs typeface="Arial" panose="020B0604020202020204" pitchFamily="34" charset="0"/>
-                        </a:rPr>
-                        <m:t>)</m:t>
-                      </m:r>
-                    </m:oMath>
-                  </m:oMathPara>
-                </a14:m>
-                <a:endParaRPr lang="en-US" sz="2000" dirty="0">
-                  <a:latin typeface="Arial" panose="020B0604020202020204" pitchFamily="34" charset="0"/>
-                  <a:cs typeface="Arial" panose="020B0604020202020204" pitchFamily="34" charset="0"/>
-                </a:endParaRPr>
-              </a:p>
-            </p:txBody>
-          </p:sp>
-        </mc:Choice>
-        <mc:Fallback>
-          <p:sp>
-            <p:nvSpPr>
-              <p:cNvPr id="142" name="TextBox 141">
-                <a:extLst>
-                  <a:ext uri="{FF2B5EF4-FFF2-40B4-BE49-F238E27FC236}">
-                    <a16:creationId xmlns:a16="http://schemas.microsoft.com/office/drawing/2014/main" id="{EB15AB6D-23FD-9F41-AD10-04D1B2701869}"/>
-                  </a:ext>
-                </a:extLst>
-              </p:cNvPr>
-              <p:cNvSpPr txBox="1">
-                <a:spLocks noRot="1" noChangeAspect="1" noMove="1" noResize="1" noEditPoints="1" noAdjustHandles="1" noChangeArrowheads="1" noChangeShapeType="1" noTextEdit="1"/>
-              </p:cNvSpPr>
-              <p:nvPr/>
-            </p:nvSpPr>
-            <p:spPr>
-              <a:xfrm>
-                <a:off x="6202198" y="4608671"/>
-                <a:ext cx="425629" cy="307777"/>
-              </a:xfrm>
-              <a:prstGeom prst="rect">
-                <a:avLst/>
-              </a:prstGeom>
-              <a:blipFill>
-                <a:blip r:embed="rId11"/>
-                <a:stretch>
-                  <a:fillRect l="-17143" r="-17143" b="-32000"/>
-                </a:stretch>
-              </a:blipFill>
-            </p:spPr>
-            <p:txBody>
-              <a:bodyPr/>
-              <a:lstStyle/>
-              <a:p>
-                <a:r>
-                  <a:rPr lang="en-US">
-                    <a:noFill/>
-                  </a:rPr>
-                  <a:t> </a:t>
-                </a:r>
-              </a:p>
-            </p:txBody>
-          </p:sp>
-        </mc:Fallback>
-      </mc:AlternateContent>
-      <mc:AlternateContent xmlns:mc="http://schemas.openxmlformats.org/markup-compatibility/2006">
-        <mc:Choice xmlns:a14="http://schemas.microsoft.com/office/drawing/2010/main" Requires="a14">
-          <p:sp>
-            <p:nvSpPr>
-              <p:cNvPr id="143" name="TextBox 142">
-                <a:extLst>
-                  <a:ext uri="{FF2B5EF4-FFF2-40B4-BE49-F238E27FC236}">
-                    <a16:creationId xmlns:a16="http://schemas.microsoft.com/office/drawing/2014/main" id="{52920866-92F2-8348-B4CB-FF339F35DA96}"/>
-                  </a:ext>
-                </a:extLst>
-              </p:cNvPr>
-              <p:cNvSpPr txBox="1"/>
-              <p:nvPr/>
-            </p:nvSpPr>
-            <p:spPr>
-              <a:xfrm>
-                <a:off x="10643390" y="4608671"/>
-                <a:ext cx="408894" cy="307777"/>
-              </a:xfrm>
-              <a:prstGeom prst="rect">
-                <a:avLst/>
-              </a:prstGeom>
-              <a:noFill/>
-            </p:spPr>
-            <p:txBody>
-              <a:bodyPr wrap="none" lIns="0" tIns="0" rIns="0" bIns="0" rtlCol="0">
-                <a:spAutoFit/>
-              </a:bodyPr>
-              <a:lstStyle/>
-              <a:p>
-                <a14:m>
-                  <m:oMathPara xmlns:m="http://schemas.openxmlformats.org/officeDocument/2006/math">
-                    <m:oMathParaPr>
-                      <m:jc m:val="centerGroup"/>
-                    </m:oMathParaPr>
-                    <m:oMath xmlns:m="http://schemas.openxmlformats.org/officeDocument/2006/math">
-                      <m:r>
-                        <a:rPr lang="en-CA" sz="2000" b="0" i="1" smtClean="0">
-                          <a:latin typeface="Cambria Math" panose="02040503050406030204" pitchFamily="18" charset="0"/>
-                          <a:cs typeface="Arial" panose="020B0604020202020204" pitchFamily="34" charset="0"/>
-                        </a:rPr>
-                        <m:t>(</m:t>
-                      </m:r>
-                      <m:r>
-                        <a:rPr lang="en-CA" sz="2000" b="0" i="1" smtClean="0">
-                          <a:latin typeface="Cambria Math" panose="02040503050406030204" pitchFamily="18" charset="0"/>
-                          <a:cs typeface="Arial" panose="020B0604020202020204" pitchFamily="34" charset="0"/>
-                        </a:rPr>
-                        <m:t>𝑐</m:t>
-                      </m:r>
-                      <m:r>
-                        <a:rPr lang="en-CA" sz="2000" b="0" i="1" smtClean="0">
-                          <a:latin typeface="Cambria Math" panose="02040503050406030204" pitchFamily="18" charset="0"/>
-                          <a:cs typeface="Arial" panose="020B0604020202020204" pitchFamily="34" charset="0"/>
-                        </a:rPr>
-                        <m:t>)</m:t>
-                      </m:r>
-                    </m:oMath>
-                  </m:oMathPara>
-                </a14:m>
-                <a:endParaRPr lang="en-US" sz="2000" dirty="0">
-                  <a:latin typeface="Arial" panose="020B0604020202020204" pitchFamily="34" charset="0"/>
-                  <a:cs typeface="Arial" panose="020B0604020202020204" pitchFamily="34" charset="0"/>
-                </a:endParaRPr>
-              </a:p>
-            </p:txBody>
-          </p:sp>
-        </mc:Choice>
-        <mc:Fallback>
-          <p:sp>
-            <p:nvSpPr>
-              <p:cNvPr id="143" name="TextBox 142">
-                <a:extLst>
-                  <a:ext uri="{FF2B5EF4-FFF2-40B4-BE49-F238E27FC236}">
-                    <a16:creationId xmlns:a16="http://schemas.microsoft.com/office/drawing/2014/main" id="{52920866-92F2-8348-B4CB-FF339F35DA96}"/>
-                  </a:ext>
-                </a:extLst>
-              </p:cNvPr>
-              <p:cNvSpPr txBox="1">
-                <a:spLocks noRot="1" noChangeAspect="1" noMove="1" noResize="1" noEditPoints="1" noAdjustHandles="1" noChangeArrowheads="1" noChangeShapeType="1" noTextEdit="1"/>
-              </p:cNvSpPr>
-              <p:nvPr/>
-            </p:nvSpPr>
-            <p:spPr>
-              <a:xfrm>
-                <a:off x="10643390" y="4608671"/>
-                <a:ext cx="408894" cy="307777"/>
-              </a:xfrm>
-              <a:prstGeom prst="rect">
-                <a:avLst/>
-              </a:prstGeom>
-              <a:blipFill>
-                <a:blip r:embed="rId12"/>
-                <a:stretch>
-                  <a:fillRect l="-18182" r="-18182" b="-32000"/>
-                </a:stretch>
-              </a:blipFill>
-            </p:spPr>
-            <p:txBody>
-              <a:bodyPr/>
-              <a:lstStyle/>
-              <a:p>
-                <a:r>
-                  <a:rPr lang="en-US">
-                    <a:noFill/>
-                  </a:rPr>
-                  <a:t> </a:t>
-                </a:r>
-              </a:p>
-            </p:txBody>
-          </p:sp>
-        </mc:Fallback>
-      </mc:AlternateContent>
-    </p:spTree>
-    <p:extLst>
-      <p:ext uri="{BB962C8B-B14F-4D97-AF65-F5344CB8AC3E}">
-        <p14:creationId xmlns:p14="http://schemas.microsoft.com/office/powerpoint/2010/main" val="1135091936"/>
       </p:ext>
     </p:extLst>
   </p:cSld>
@@ -55506,8 +51871,8 @@
             </a:fontRef>
           </p:style>
         </p:cxnSp>
-        <mc:AlternateContent xmlns:mc="http://schemas.openxmlformats.org/markup-compatibility/2006" xmlns:a14="http://schemas.microsoft.com/office/drawing/2010/main">
-          <mc:Choice Requires="a14">
+        <mc:AlternateContent xmlns:mc="http://schemas.openxmlformats.org/markup-compatibility/2006">
+          <mc:Choice xmlns:a14="http://schemas.microsoft.com/office/drawing/2010/main" Requires="a14">
             <p:sp>
               <p:nvSpPr>
                 <p:cNvPr id="47" name="TextBox 46">
@@ -55574,7 +51939,7 @@
               </p:txBody>
             </p:sp>
           </mc:Choice>
-          <mc:Fallback xmlns="">
+          <mc:Fallback>
             <p:sp>
               <p:nvSpPr>
                 <p:cNvPr id="47" name="TextBox 46">
@@ -55619,8 +51984,8 @@
             </p:sp>
           </mc:Fallback>
         </mc:AlternateContent>
-        <mc:AlternateContent xmlns:mc="http://schemas.openxmlformats.org/markup-compatibility/2006" xmlns:a14="http://schemas.microsoft.com/office/drawing/2010/main">
-          <mc:Choice Requires="a14">
+        <mc:AlternateContent xmlns:mc="http://schemas.openxmlformats.org/markup-compatibility/2006">
+          <mc:Choice xmlns:a14="http://schemas.microsoft.com/office/drawing/2010/main" Requires="a14">
             <p:sp>
               <p:nvSpPr>
                 <p:cNvPr id="69" name="TextBox 68">
@@ -55702,7 +52067,7 @@
               </p:txBody>
             </p:sp>
           </mc:Choice>
-          <mc:Fallback xmlns="">
+          <mc:Fallback>
             <p:sp>
               <p:nvSpPr>
                 <p:cNvPr id="69" name="TextBox 68">
